--- a/documentos/Apostila - Desenvolvimento Web - IEP.pptx
+++ b/documentos/Apostila - Desenvolvimento Web - IEP.pptx
@@ -36,8 +36,18 @@
     <p:sldId id="288" r:id="rId30"/>
     <p:sldId id="289" r:id="rId31"/>
     <p:sldId id="290" r:id="rId32"/>
-    <p:sldId id="261" r:id="rId33"/>
-    <p:sldId id="262" r:id="rId34"/>
+    <p:sldId id="292" r:id="rId33"/>
+    <p:sldId id="291" r:id="rId34"/>
+    <p:sldId id="293" r:id="rId35"/>
+    <p:sldId id="294" r:id="rId36"/>
+    <p:sldId id="296" r:id="rId37"/>
+    <p:sldId id="297" r:id="rId38"/>
+    <p:sldId id="298" r:id="rId39"/>
+    <p:sldId id="300" r:id="rId40"/>
+    <p:sldId id="302" r:id="rId41"/>
+    <p:sldId id="303" r:id="rId42"/>
+    <p:sldId id="299" r:id="rId43"/>
+    <p:sldId id="262" r:id="rId44"/>
   </p:sldIdLst>
   <p:sldSz cx="12192000" cy="6858000"/>
   <p:notesSz cx="6858000" cy="9144000"/>
@@ -138,7 +148,7 @@
   </p:defaultTextStyle>
   <p:extLst>
     <p:ext uri="{EFAFB233-063F-42B5-8137-9DF3F51BA10A}">
-      <p15:sldGuideLst xmlns:p15="http://schemas.microsoft.com/office/powerpoint/2012/main" xmlns=""/>
+      <p15:sldGuideLst xmlns="" xmlns:p15="http://schemas.microsoft.com/office/powerpoint/2012/main"/>
     </p:ext>
   </p:extLst>
 </p:presentation>
@@ -4420,7 +4430,7 @@
           <a:p>
             <a:fld id="{48A87A34-81AB-432B-8DAE-1953F412C126}" type="datetimeFigureOut">
               <a:rPr lang="en-US" dirty="0"/>
-              <a:t>8/16/2021</a:t>
+              <a:t>8/31/2021</a:t>
             </a:fld>
             <a:endParaRPr lang="en-US" dirty="0"/>
           </a:p>
@@ -4682,7 +4692,7 @@
           <a:p>
             <a:fld id="{48A87A34-81AB-432B-8DAE-1953F412C126}" type="datetimeFigureOut">
               <a:rPr lang="en-US" dirty="0"/>
-              <a:t>8/16/2021</a:t>
+              <a:t>8/31/2021</a:t>
             </a:fld>
             <a:endParaRPr lang="en-US" dirty="0"/>
           </a:p>
@@ -4873,7 +4883,7 @@
           <a:p>
             <a:fld id="{48A87A34-81AB-432B-8DAE-1953F412C126}" type="datetimeFigureOut">
               <a:rPr lang="en-US" dirty="0"/>
-              <a:t>8/16/2021</a:t>
+              <a:t>8/31/2021</a:t>
             </a:fld>
             <a:endParaRPr lang="en-US" dirty="0"/>
           </a:p>
@@ -5131,7 +5141,7 @@
           <a:p>
             <a:fld id="{48A87A34-81AB-432B-8DAE-1953F412C126}" type="datetimeFigureOut">
               <a:rPr lang="en-US" dirty="0"/>
-              <a:t>8/16/2021</a:t>
+              <a:t>8/31/2021</a:t>
             </a:fld>
             <a:endParaRPr lang="en-US" dirty="0"/>
           </a:p>
@@ -5560,7 +5570,7 @@
           <a:p>
             <a:fld id="{48A87A34-81AB-432B-8DAE-1953F412C126}" type="datetimeFigureOut">
               <a:rPr lang="en-US" dirty="0"/>
-              <a:t>8/16/2021</a:t>
+              <a:t>8/31/2021</a:t>
             </a:fld>
             <a:endParaRPr lang="en-US" dirty="0"/>
           </a:p>
@@ -6101,7 +6111,7 @@
           <a:p>
             <a:fld id="{48A87A34-81AB-432B-8DAE-1953F412C126}" type="datetimeFigureOut">
               <a:rPr lang="en-US" dirty="0"/>
-              <a:t>8/16/2021</a:t>
+              <a:t>8/31/2021</a:t>
             </a:fld>
             <a:endParaRPr lang="en-US" dirty="0"/>
           </a:p>
@@ -6816,7 +6826,7 @@
           <a:p>
             <a:fld id="{48A87A34-81AB-432B-8DAE-1953F412C126}" type="datetimeFigureOut">
               <a:rPr lang="en-US" dirty="0"/>
-              <a:t>8/16/2021</a:t>
+              <a:t>8/31/2021</a:t>
             </a:fld>
             <a:endParaRPr lang="en-US" dirty="0"/>
           </a:p>
@@ -6981,7 +6991,7 @@
           <a:p>
             <a:fld id="{48A87A34-81AB-432B-8DAE-1953F412C126}" type="datetimeFigureOut">
               <a:rPr lang="en-US" dirty="0"/>
-              <a:t>8/16/2021</a:t>
+              <a:t>8/31/2021</a:t>
             </a:fld>
             <a:endParaRPr lang="en-US" dirty="0"/>
           </a:p>
@@ -7156,7 +7166,7 @@
           <a:p>
             <a:fld id="{48A87A34-81AB-432B-8DAE-1953F412C126}" type="datetimeFigureOut">
               <a:rPr lang="en-US" dirty="0"/>
-              <a:t>8/16/2021</a:t>
+              <a:t>8/31/2021</a:t>
             </a:fld>
             <a:endParaRPr lang="en-US" dirty="0"/>
           </a:p>
@@ -7321,7 +7331,7 @@
           <a:p>
             <a:fld id="{48A87A34-81AB-432B-8DAE-1953F412C126}" type="datetimeFigureOut">
               <a:rPr lang="en-US" dirty="0"/>
-              <a:t>8/16/2021</a:t>
+              <a:t>8/31/2021</a:t>
             </a:fld>
             <a:endParaRPr lang="en-US" dirty="0"/>
           </a:p>
@@ -7566,7 +7576,7 @@
           <a:p>
             <a:fld id="{48A87A34-81AB-432B-8DAE-1953F412C126}" type="datetimeFigureOut">
               <a:rPr lang="en-US" dirty="0"/>
-              <a:t>8/16/2021</a:t>
+              <a:t>8/31/2021</a:t>
             </a:fld>
             <a:endParaRPr lang="en-US" dirty="0"/>
           </a:p>
@@ -7793,7 +7803,7 @@
           <a:p>
             <a:fld id="{48A87A34-81AB-432B-8DAE-1953F412C126}" type="datetimeFigureOut">
               <a:rPr lang="en-US" dirty="0"/>
-              <a:t>8/16/2021</a:t>
+              <a:t>8/31/2021</a:t>
             </a:fld>
             <a:endParaRPr lang="en-US" dirty="0"/>
           </a:p>
@@ -8169,7 +8179,7 @@
           <a:p>
             <a:fld id="{48A87A34-81AB-432B-8DAE-1953F412C126}" type="datetimeFigureOut">
               <a:rPr lang="en-US" dirty="0"/>
-              <a:t>8/16/2021</a:t>
+              <a:t>8/31/2021</a:t>
             </a:fld>
             <a:endParaRPr lang="en-US" dirty="0"/>
           </a:p>
@@ -8282,7 +8292,7 @@
           <a:p>
             <a:fld id="{48A87A34-81AB-432B-8DAE-1953F412C126}" type="datetimeFigureOut">
               <a:rPr lang="en-US" dirty="0"/>
-              <a:t>8/16/2021</a:t>
+              <a:t>8/31/2021</a:t>
             </a:fld>
             <a:endParaRPr lang="en-US" dirty="0"/>
           </a:p>
@@ -8372,7 +8382,7 @@
           <a:p>
             <a:fld id="{48A87A34-81AB-432B-8DAE-1953F412C126}" type="datetimeFigureOut">
               <a:rPr lang="en-US" dirty="0"/>
-              <a:t>8/16/2021</a:t>
+              <a:t>8/31/2021</a:t>
             </a:fld>
             <a:endParaRPr lang="en-US" dirty="0"/>
           </a:p>
@@ -8616,7 +8626,7 @@
           <a:p>
             <a:fld id="{48A87A34-81AB-432B-8DAE-1953F412C126}" type="datetimeFigureOut">
               <a:rPr lang="en-US" dirty="0"/>
-              <a:t>8/16/2021</a:t>
+              <a:t>8/31/2021</a:t>
             </a:fld>
             <a:endParaRPr lang="en-US" dirty="0"/>
           </a:p>
@@ -8891,7 +8901,7 @@
           <a:p>
             <a:fld id="{48A87A34-81AB-432B-8DAE-1953F412C126}" type="datetimeFigureOut">
               <a:rPr lang="en-US" dirty="0"/>
-              <a:t>8/16/2021</a:t>
+              <a:t>8/31/2021</a:t>
             </a:fld>
             <a:endParaRPr lang="en-US" dirty="0"/>
           </a:p>
@@ -11964,7 +11974,7 @@
             <a:fld id="{48A87A34-81AB-432B-8DAE-1953F412C126}" type="datetimeFigureOut">
               <a:rPr lang="en-US" dirty="0"/>
               <a:pPr/>
-              <a:t>8/16/2021</a:t>
+              <a:t>8/31/2021</a:t>
             </a:fld>
             <a:endParaRPr lang="en-US" dirty="0"/>
           </a:p>
@@ -12385,7 +12395,7 @@
           <p:cNvPr id="2" name="Título 1">
             <a:extLst>
               <a:ext uri="{FF2B5EF4-FFF2-40B4-BE49-F238E27FC236}">
-                <a16:creationId xmlns:a16="http://schemas.microsoft.com/office/drawing/2014/main" xmlns="" id="{14AB9F69-8D24-468C-93DF-A1666924EB0C}"/>
+                <a16:creationId xmlns="" xmlns:a16="http://schemas.microsoft.com/office/drawing/2014/main" id="{14AB9F69-8D24-468C-93DF-A1666924EB0C}"/>
               </a:ext>
             </a:extLst>
           </p:cNvPr>
@@ -12416,7 +12426,7 @@
           <p:cNvPr id="3" name="Subtítulo 2">
             <a:extLst>
               <a:ext uri="{FF2B5EF4-FFF2-40B4-BE49-F238E27FC236}">
-                <a16:creationId xmlns:a16="http://schemas.microsoft.com/office/drawing/2014/main" xmlns="" id="{0E4BFB9B-D461-4F8E-B2A0-819D63FA7EC4}"/>
+                <a16:creationId xmlns="" xmlns:a16="http://schemas.microsoft.com/office/drawing/2014/main" id="{0E4BFB9B-D461-4F8E-B2A0-819D63FA7EC4}"/>
               </a:ext>
             </a:extLst>
           </p:cNvPr>
@@ -12487,7 +12497,7 @@
           <p:cNvPr id="8" name="Retângulo 7">
             <a:extLst>
               <a:ext uri="{FF2B5EF4-FFF2-40B4-BE49-F238E27FC236}">
-                <a16:creationId xmlns:a16="http://schemas.microsoft.com/office/drawing/2014/main" xmlns="" id="{9B33DD69-1761-43D2-B589-CE56D2C4FBB6}"/>
+                <a16:creationId xmlns="" xmlns:a16="http://schemas.microsoft.com/office/drawing/2014/main" id="{9B33DD69-1761-43D2-B589-CE56D2C4FBB6}"/>
               </a:ext>
             </a:extLst>
           </p:cNvPr>
@@ -12541,7 +12551,7 @@
           <p:cNvPr id="24" name="CaixaDeTexto 23">
             <a:extLst>
               <a:ext uri="{FF2B5EF4-FFF2-40B4-BE49-F238E27FC236}">
-                <a16:creationId xmlns:a16="http://schemas.microsoft.com/office/drawing/2014/main" xmlns="" id="{90B980A2-8D40-4C0A-9871-4FA9794F9C3D}"/>
+                <a16:creationId xmlns="" xmlns:a16="http://schemas.microsoft.com/office/drawing/2014/main" id="{90B980A2-8D40-4C0A-9871-4FA9794F9C3D}"/>
               </a:ext>
             </a:extLst>
           </p:cNvPr>
@@ -13012,7 +13022,7 @@
           <p:cNvPr id="8" name="Retângulo 7">
             <a:extLst>
               <a:ext uri="{FF2B5EF4-FFF2-40B4-BE49-F238E27FC236}">
-                <a16:creationId xmlns:a16="http://schemas.microsoft.com/office/drawing/2014/main" xmlns="" id="{9B33DD69-1761-43D2-B589-CE56D2C4FBB6}"/>
+                <a16:creationId xmlns="" xmlns:a16="http://schemas.microsoft.com/office/drawing/2014/main" id="{9B33DD69-1761-43D2-B589-CE56D2C4FBB6}"/>
               </a:ext>
             </a:extLst>
           </p:cNvPr>
@@ -13066,7 +13076,7 @@
           <p:cNvPr id="24" name="CaixaDeTexto 23">
             <a:extLst>
               <a:ext uri="{FF2B5EF4-FFF2-40B4-BE49-F238E27FC236}">
-                <a16:creationId xmlns:a16="http://schemas.microsoft.com/office/drawing/2014/main" xmlns="" id="{90B980A2-8D40-4C0A-9871-4FA9794F9C3D}"/>
+                <a16:creationId xmlns="" xmlns:a16="http://schemas.microsoft.com/office/drawing/2014/main" id="{90B980A2-8D40-4C0A-9871-4FA9794F9C3D}"/>
               </a:ext>
             </a:extLst>
           </p:cNvPr>
@@ -13536,7 +13546,7 @@
           <p:cNvPr id="8" name="Retângulo 7">
             <a:extLst>
               <a:ext uri="{FF2B5EF4-FFF2-40B4-BE49-F238E27FC236}">
-                <a16:creationId xmlns:a16="http://schemas.microsoft.com/office/drawing/2014/main" xmlns="" id="{9B33DD69-1761-43D2-B589-CE56D2C4FBB6}"/>
+                <a16:creationId xmlns="" xmlns:a16="http://schemas.microsoft.com/office/drawing/2014/main" id="{9B33DD69-1761-43D2-B589-CE56D2C4FBB6}"/>
               </a:ext>
             </a:extLst>
           </p:cNvPr>
@@ -13590,7 +13600,7 @@
           <p:cNvPr id="24" name="CaixaDeTexto 23">
             <a:extLst>
               <a:ext uri="{FF2B5EF4-FFF2-40B4-BE49-F238E27FC236}">
-                <a16:creationId xmlns:a16="http://schemas.microsoft.com/office/drawing/2014/main" xmlns="" id="{90B980A2-8D40-4C0A-9871-4FA9794F9C3D}"/>
+                <a16:creationId xmlns="" xmlns:a16="http://schemas.microsoft.com/office/drawing/2014/main" id="{90B980A2-8D40-4C0A-9871-4FA9794F9C3D}"/>
               </a:ext>
             </a:extLst>
           </p:cNvPr>
@@ -14344,7 +14354,7 @@
           <p:cNvPr id="8" name="Retângulo 7">
             <a:extLst>
               <a:ext uri="{FF2B5EF4-FFF2-40B4-BE49-F238E27FC236}">
-                <a16:creationId xmlns:a16="http://schemas.microsoft.com/office/drawing/2014/main" xmlns="" id="{9B33DD69-1761-43D2-B589-CE56D2C4FBB6}"/>
+                <a16:creationId xmlns="" xmlns:a16="http://schemas.microsoft.com/office/drawing/2014/main" id="{9B33DD69-1761-43D2-B589-CE56D2C4FBB6}"/>
               </a:ext>
             </a:extLst>
           </p:cNvPr>
@@ -14398,7 +14408,7 @@
           <p:cNvPr id="24" name="CaixaDeTexto 23">
             <a:extLst>
               <a:ext uri="{FF2B5EF4-FFF2-40B4-BE49-F238E27FC236}">
-                <a16:creationId xmlns:a16="http://schemas.microsoft.com/office/drawing/2014/main" xmlns="" id="{90B980A2-8D40-4C0A-9871-4FA9794F9C3D}"/>
+                <a16:creationId xmlns="" xmlns:a16="http://schemas.microsoft.com/office/drawing/2014/main" id="{90B980A2-8D40-4C0A-9871-4FA9794F9C3D}"/>
               </a:ext>
             </a:extLst>
           </p:cNvPr>
@@ -14922,7 +14932,7 @@
           <p:cNvPr id="2" name="Título 1">
             <a:extLst>
               <a:ext uri="{FF2B5EF4-FFF2-40B4-BE49-F238E27FC236}">
-                <a16:creationId xmlns:a16="http://schemas.microsoft.com/office/drawing/2014/main" xmlns="" id="{14AB9F69-8D24-468C-93DF-A1666924EB0C}"/>
+                <a16:creationId xmlns="" xmlns:a16="http://schemas.microsoft.com/office/drawing/2014/main" id="{14AB9F69-8D24-468C-93DF-A1666924EB0C}"/>
               </a:ext>
             </a:extLst>
           </p:cNvPr>
@@ -14953,7 +14963,7 @@
           <p:cNvPr id="3" name="Subtítulo 2">
             <a:extLst>
               <a:ext uri="{FF2B5EF4-FFF2-40B4-BE49-F238E27FC236}">
-                <a16:creationId xmlns:a16="http://schemas.microsoft.com/office/drawing/2014/main" xmlns="" id="{0E4BFB9B-D461-4F8E-B2A0-819D63FA7EC4}"/>
+                <a16:creationId xmlns="" xmlns:a16="http://schemas.microsoft.com/office/drawing/2014/main" id="{0E4BFB9B-D461-4F8E-B2A0-819D63FA7EC4}"/>
               </a:ext>
             </a:extLst>
           </p:cNvPr>
@@ -15024,7 +15034,7 @@
           <p:cNvPr id="8" name="Retângulo 7">
             <a:extLst>
               <a:ext uri="{FF2B5EF4-FFF2-40B4-BE49-F238E27FC236}">
-                <a16:creationId xmlns:a16="http://schemas.microsoft.com/office/drawing/2014/main" xmlns="" id="{9B33DD69-1761-43D2-B589-CE56D2C4FBB6}"/>
+                <a16:creationId xmlns="" xmlns:a16="http://schemas.microsoft.com/office/drawing/2014/main" id="{9B33DD69-1761-43D2-B589-CE56D2C4FBB6}"/>
               </a:ext>
             </a:extLst>
           </p:cNvPr>
@@ -15078,7 +15088,7 @@
           <p:cNvPr id="24" name="CaixaDeTexto 23">
             <a:extLst>
               <a:ext uri="{FF2B5EF4-FFF2-40B4-BE49-F238E27FC236}">
-                <a16:creationId xmlns:a16="http://schemas.microsoft.com/office/drawing/2014/main" xmlns="" id="{90B980A2-8D40-4C0A-9871-4FA9794F9C3D}"/>
+                <a16:creationId xmlns="" xmlns:a16="http://schemas.microsoft.com/office/drawing/2014/main" id="{90B980A2-8D40-4C0A-9871-4FA9794F9C3D}"/>
               </a:ext>
             </a:extLst>
           </p:cNvPr>
@@ -15667,7 +15677,7 @@
           <p:cNvPr id="8" name="Retângulo 7">
             <a:extLst>
               <a:ext uri="{FF2B5EF4-FFF2-40B4-BE49-F238E27FC236}">
-                <a16:creationId xmlns:a16="http://schemas.microsoft.com/office/drawing/2014/main" xmlns="" id="{9B33DD69-1761-43D2-B589-CE56D2C4FBB6}"/>
+                <a16:creationId xmlns="" xmlns:a16="http://schemas.microsoft.com/office/drawing/2014/main" id="{9B33DD69-1761-43D2-B589-CE56D2C4FBB6}"/>
               </a:ext>
             </a:extLst>
           </p:cNvPr>
@@ -15721,7 +15731,7 @@
           <p:cNvPr id="24" name="CaixaDeTexto 23">
             <a:extLst>
               <a:ext uri="{FF2B5EF4-FFF2-40B4-BE49-F238E27FC236}">
-                <a16:creationId xmlns:a16="http://schemas.microsoft.com/office/drawing/2014/main" xmlns="" id="{90B980A2-8D40-4C0A-9871-4FA9794F9C3D}"/>
+                <a16:creationId xmlns="" xmlns:a16="http://schemas.microsoft.com/office/drawing/2014/main" id="{90B980A2-8D40-4C0A-9871-4FA9794F9C3D}"/>
               </a:ext>
             </a:extLst>
           </p:cNvPr>
@@ -16167,7 +16177,7 @@
           <p:cNvPr id="8" name="Retângulo 7">
             <a:extLst>
               <a:ext uri="{FF2B5EF4-FFF2-40B4-BE49-F238E27FC236}">
-                <a16:creationId xmlns:a16="http://schemas.microsoft.com/office/drawing/2014/main" xmlns="" id="{9B33DD69-1761-43D2-B589-CE56D2C4FBB6}"/>
+                <a16:creationId xmlns="" xmlns:a16="http://schemas.microsoft.com/office/drawing/2014/main" id="{9B33DD69-1761-43D2-B589-CE56D2C4FBB6}"/>
               </a:ext>
             </a:extLst>
           </p:cNvPr>
@@ -16221,7 +16231,7 @@
           <p:cNvPr id="24" name="CaixaDeTexto 23">
             <a:extLst>
               <a:ext uri="{FF2B5EF4-FFF2-40B4-BE49-F238E27FC236}">
-                <a16:creationId xmlns:a16="http://schemas.microsoft.com/office/drawing/2014/main" xmlns="" id="{90B980A2-8D40-4C0A-9871-4FA9794F9C3D}"/>
+                <a16:creationId xmlns="" xmlns:a16="http://schemas.microsoft.com/office/drawing/2014/main" id="{90B980A2-8D40-4C0A-9871-4FA9794F9C3D}"/>
               </a:ext>
             </a:extLst>
           </p:cNvPr>
@@ -16621,7 +16631,7 @@
           <p:cNvPr id="8" name="Retângulo 7">
             <a:extLst>
               <a:ext uri="{FF2B5EF4-FFF2-40B4-BE49-F238E27FC236}">
-                <a16:creationId xmlns:a16="http://schemas.microsoft.com/office/drawing/2014/main" xmlns="" id="{9B33DD69-1761-43D2-B589-CE56D2C4FBB6}"/>
+                <a16:creationId xmlns="" xmlns:a16="http://schemas.microsoft.com/office/drawing/2014/main" id="{9B33DD69-1761-43D2-B589-CE56D2C4FBB6}"/>
               </a:ext>
             </a:extLst>
           </p:cNvPr>
@@ -16675,7 +16685,7 @@
           <p:cNvPr id="24" name="CaixaDeTexto 23">
             <a:extLst>
               <a:ext uri="{FF2B5EF4-FFF2-40B4-BE49-F238E27FC236}">
-                <a16:creationId xmlns:a16="http://schemas.microsoft.com/office/drawing/2014/main" xmlns="" id="{90B980A2-8D40-4C0A-9871-4FA9794F9C3D}"/>
+                <a16:creationId xmlns="" xmlns:a16="http://schemas.microsoft.com/office/drawing/2014/main" id="{90B980A2-8D40-4C0A-9871-4FA9794F9C3D}"/>
               </a:ext>
             </a:extLst>
           </p:cNvPr>
@@ -16958,7 +16968,7 @@
           <p:cNvPr id="8" name="Retângulo 7">
             <a:extLst>
               <a:ext uri="{FF2B5EF4-FFF2-40B4-BE49-F238E27FC236}">
-                <a16:creationId xmlns:a16="http://schemas.microsoft.com/office/drawing/2014/main" xmlns="" id="{9B33DD69-1761-43D2-B589-CE56D2C4FBB6}"/>
+                <a16:creationId xmlns="" xmlns:a16="http://schemas.microsoft.com/office/drawing/2014/main" id="{9B33DD69-1761-43D2-B589-CE56D2C4FBB6}"/>
               </a:ext>
             </a:extLst>
           </p:cNvPr>
@@ -17012,7 +17022,7 @@
           <p:cNvPr id="24" name="CaixaDeTexto 23">
             <a:extLst>
               <a:ext uri="{FF2B5EF4-FFF2-40B4-BE49-F238E27FC236}">
-                <a16:creationId xmlns:a16="http://schemas.microsoft.com/office/drawing/2014/main" xmlns="" id="{90B980A2-8D40-4C0A-9871-4FA9794F9C3D}"/>
+                <a16:creationId xmlns="" xmlns:a16="http://schemas.microsoft.com/office/drawing/2014/main" id="{90B980A2-8D40-4C0A-9871-4FA9794F9C3D}"/>
               </a:ext>
             </a:extLst>
           </p:cNvPr>
@@ -17276,7 +17286,7 @@
           <p:cNvPr id="2" name="Título 1">
             <a:extLst>
               <a:ext uri="{FF2B5EF4-FFF2-40B4-BE49-F238E27FC236}">
-                <a16:creationId xmlns:a16="http://schemas.microsoft.com/office/drawing/2014/main" xmlns="" id="{14AB9F69-8D24-468C-93DF-A1666924EB0C}"/>
+                <a16:creationId xmlns="" xmlns:a16="http://schemas.microsoft.com/office/drawing/2014/main" id="{14AB9F69-8D24-468C-93DF-A1666924EB0C}"/>
               </a:ext>
             </a:extLst>
           </p:cNvPr>
@@ -17307,7 +17317,7 @@
           <p:cNvPr id="3" name="Subtítulo 2">
             <a:extLst>
               <a:ext uri="{FF2B5EF4-FFF2-40B4-BE49-F238E27FC236}">
-                <a16:creationId xmlns:a16="http://schemas.microsoft.com/office/drawing/2014/main" xmlns="" id="{0E4BFB9B-D461-4F8E-B2A0-819D63FA7EC4}"/>
+                <a16:creationId xmlns="" xmlns:a16="http://schemas.microsoft.com/office/drawing/2014/main" id="{0E4BFB9B-D461-4F8E-B2A0-819D63FA7EC4}"/>
               </a:ext>
             </a:extLst>
           </p:cNvPr>
@@ -17378,7 +17388,7 @@
           <p:cNvPr id="8" name="Retângulo 7">
             <a:extLst>
               <a:ext uri="{FF2B5EF4-FFF2-40B4-BE49-F238E27FC236}">
-                <a16:creationId xmlns:a16="http://schemas.microsoft.com/office/drawing/2014/main" xmlns="" id="{9B33DD69-1761-43D2-B589-CE56D2C4FBB6}"/>
+                <a16:creationId xmlns="" xmlns:a16="http://schemas.microsoft.com/office/drawing/2014/main" id="{9B33DD69-1761-43D2-B589-CE56D2C4FBB6}"/>
               </a:ext>
             </a:extLst>
           </p:cNvPr>
@@ -17432,7 +17442,7 @@
           <p:cNvPr id="24" name="CaixaDeTexto 23">
             <a:extLst>
               <a:ext uri="{FF2B5EF4-FFF2-40B4-BE49-F238E27FC236}">
-                <a16:creationId xmlns:a16="http://schemas.microsoft.com/office/drawing/2014/main" xmlns="" id="{90B980A2-8D40-4C0A-9871-4FA9794F9C3D}"/>
+                <a16:creationId xmlns="" xmlns:a16="http://schemas.microsoft.com/office/drawing/2014/main" id="{90B980A2-8D40-4C0A-9871-4FA9794F9C3D}"/>
               </a:ext>
             </a:extLst>
           </p:cNvPr>
@@ -17714,7 +17724,7 @@
           <p:cNvPr id="8" name="Retângulo 7">
             <a:extLst>
               <a:ext uri="{FF2B5EF4-FFF2-40B4-BE49-F238E27FC236}">
-                <a16:creationId xmlns:a16="http://schemas.microsoft.com/office/drawing/2014/main" xmlns="" id="{9B33DD69-1761-43D2-B589-CE56D2C4FBB6}"/>
+                <a16:creationId xmlns="" xmlns:a16="http://schemas.microsoft.com/office/drawing/2014/main" id="{9B33DD69-1761-43D2-B589-CE56D2C4FBB6}"/>
               </a:ext>
             </a:extLst>
           </p:cNvPr>
@@ -17768,7 +17778,7 @@
           <p:cNvPr id="24" name="CaixaDeTexto 23">
             <a:extLst>
               <a:ext uri="{FF2B5EF4-FFF2-40B4-BE49-F238E27FC236}">
-                <a16:creationId xmlns:a16="http://schemas.microsoft.com/office/drawing/2014/main" xmlns="" id="{90B980A2-8D40-4C0A-9871-4FA9794F9C3D}"/>
+                <a16:creationId xmlns="" xmlns:a16="http://schemas.microsoft.com/office/drawing/2014/main" id="{90B980A2-8D40-4C0A-9871-4FA9794F9C3D}"/>
               </a:ext>
             </a:extLst>
           </p:cNvPr>
@@ -18297,7 +18307,7 @@
           <p:cNvPr id="8" name="Retângulo 7">
             <a:extLst>
               <a:ext uri="{FF2B5EF4-FFF2-40B4-BE49-F238E27FC236}">
-                <a16:creationId xmlns:a16="http://schemas.microsoft.com/office/drawing/2014/main" xmlns="" id="{9B33DD69-1761-43D2-B589-CE56D2C4FBB6}"/>
+                <a16:creationId xmlns="" xmlns:a16="http://schemas.microsoft.com/office/drawing/2014/main" id="{9B33DD69-1761-43D2-B589-CE56D2C4FBB6}"/>
               </a:ext>
             </a:extLst>
           </p:cNvPr>
@@ -18351,7 +18361,7 @@
           <p:cNvPr id="24" name="CaixaDeTexto 23">
             <a:extLst>
               <a:ext uri="{FF2B5EF4-FFF2-40B4-BE49-F238E27FC236}">
-                <a16:creationId xmlns:a16="http://schemas.microsoft.com/office/drawing/2014/main" xmlns="" id="{90B980A2-8D40-4C0A-9871-4FA9794F9C3D}"/>
+                <a16:creationId xmlns="" xmlns:a16="http://schemas.microsoft.com/office/drawing/2014/main" id="{90B980A2-8D40-4C0A-9871-4FA9794F9C3D}"/>
               </a:ext>
             </a:extLst>
           </p:cNvPr>
@@ -18934,7 +18944,7 @@
           <p:cNvPr id="8" name="Retângulo 7">
             <a:extLst>
               <a:ext uri="{FF2B5EF4-FFF2-40B4-BE49-F238E27FC236}">
-                <a16:creationId xmlns:a16="http://schemas.microsoft.com/office/drawing/2014/main" xmlns="" id="{9B33DD69-1761-43D2-B589-CE56D2C4FBB6}"/>
+                <a16:creationId xmlns="" xmlns:a16="http://schemas.microsoft.com/office/drawing/2014/main" id="{9B33DD69-1761-43D2-B589-CE56D2C4FBB6}"/>
               </a:ext>
             </a:extLst>
           </p:cNvPr>
@@ -18988,7 +18998,7 @@
           <p:cNvPr id="24" name="CaixaDeTexto 23">
             <a:extLst>
               <a:ext uri="{FF2B5EF4-FFF2-40B4-BE49-F238E27FC236}">
-                <a16:creationId xmlns:a16="http://schemas.microsoft.com/office/drawing/2014/main" xmlns="" id="{90B980A2-8D40-4C0A-9871-4FA9794F9C3D}"/>
+                <a16:creationId xmlns="" xmlns:a16="http://schemas.microsoft.com/office/drawing/2014/main" id="{90B980A2-8D40-4C0A-9871-4FA9794F9C3D}"/>
               </a:ext>
             </a:extLst>
           </p:cNvPr>
@@ -19415,7 +19425,7 @@
           <p:cNvPr id="8" name="Retângulo 7">
             <a:extLst>
               <a:ext uri="{FF2B5EF4-FFF2-40B4-BE49-F238E27FC236}">
-                <a16:creationId xmlns:a16="http://schemas.microsoft.com/office/drawing/2014/main" xmlns="" id="{9B33DD69-1761-43D2-B589-CE56D2C4FBB6}"/>
+                <a16:creationId xmlns="" xmlns:a16="http://schemas.microsoft.com/office/drawing/2014/main" id="{9B33DD69-1761-43D2-B589-CE56D2C4FBB6}"/>
               </a:ext>
             </a:extLst>
           </p:cNvPr>
@@ -19469,7 +19479,7 @@
           <p:cNvPr id="24" name="CaixaDeTexto 23">
             <a:extLst>
               <a:ext uri="{FF2B5EF4-FFF2-40B4-BE49-F238E27FC236}">
-                <a16:creationId xmlns:a16="http://schemas.microsoft.com/office/drawing/2014/main" xmlns="" id="{90B980A2-8D40-4C0A-9871-4FA9794F9C3D}"/>
+                <a16:creationId xmlns="" xmlns:a16="http://schemas.microsoft.com/office/drawing/2014/main" id="{90B980A2-8D40-4C0A-9871-4FA9794F9C3D}"/>
               </a:ext>
             </a:extLst>
           </p:cNvPr>
@@ -19761,7 +19771,7 @@
           <p:cNvPr id="8" name="Retângulo 7">
             <a:extLst>
               <a:ext uri="{FF2B5EF4-FFF2-40B4-BE49-F238E27FC236}">
-                <a16:creationId xmlns:a16="http://schemas.microsoft.com/office/drawing/2014/main" xmlns="" id="{9B33DD69-1761-43D2-B589-CE56D2C4FBB6}"/>
+                <a16:creationId xmlns="" xmlns:a16="http://schemas.microsoft.com/office/drawing/2014/main" id="{9B33DD69-1761-43D2-B589-CE56D2C4FBB6}"/>
               </a:ext>
             </a:extLst>
           </p:cNvPr>
@@ -19819,7 +19829,7 @@
           <p:cNvPr id="24" name="CaixaDeTexto 23">
             <a:extLst>
               <a:ext uri="{FF2B5EF4-FFF2-40B4-BE49-F238E27FC236}">
-                <a16:creationId xmlns:a16="http://schemas.microsoft.com/office/drawing/2014/main" xmlns="" id="{90B980A2-8D40-4C0A-9871-4FA9794F9C3D}"/>
+                <a16:creationId xmlns="" xmlns:a16="http://schemas.microsoft.com/office/drawing/2014/main" id="{90B980A2-8D40-4C0A-9871-4FA9794F9C3D}"/>
               </a:ext>
             </a:extLst>
           </p:cNvPr>
@@ -20648,7 +20658,7 @@
           <p:cNvPr id="8" name="Retângulo 7">
             <a:extLst>
               <a:ext uri="{FF2B5EF4-FFF2-40B4-BE49-F238E27FC236}">
-                <a16:creationId xmlns:a16="http://schemas.microsoft.com/office/drawing/2014/main" xmlns="" id="{9B33DD69-1761-43D2-B589-CE56D2C4FBB6}"/>
+                <a16:creationId xmlns="" xmlns:a16="http://schemas.microsoft.com/office/drawing/2014/main" id="{9B33DD69-1761-43D2-B589-CE56D2C4FBB6}"/>
               </a:ext>
             </a:extLst>
           </p:cNvPr>
@@ -20706,7 +20716,7 @@
           <p:cNvPr id="24" name="CaixaDeTexto 23">
             <a:extLst>
               <a:ext uri="{FF2B5EF4-FFF2-40B4-BE49-F238E27FC236}">
-                <a16:creationId xmlns:a16="http://schemas.microsoft.com/office/drawing/2014/main" xmlns="" id="{90B980A2-8D40-4C0A-9871-4FA9794F9C3D}"/>
+                <a16:creationId xmlns="" xmlns:a16="http://schemas.microsoft.com/office/drawing/2014/main" id="{90B980A2-8D40-4C0A-9871-4FA9794F9C3D}"/>
               </a:ext>
             </a:extLst>
           </p:cNvPr>
@@ -21153,7 +21163,7 @@
           <p:cNvPr id="8" name="Retângulo 7">
             <a:extLst>
               <a:ext uri="{FF2B5EF4-FFF2-40B4-BE49-F238E27FC236}">
-                <a16:creationId xmlns:a16="http://schemas.microsoft.com/office/drawing/2014/main" xmlns="" id="{9B33DD69-1761-43D2-B589-CE56D2C4FBB6}"/>
+                <a16:creationId xmlns="" xmlns:a16="http://schemas.microsoft.com/office/drawing/2014/main" id="{9B33DD69-1761-43D2-B589-CE56D2C4FBB6}"/>
               </a:ext>
             </a:extLst>
           </p:cNvPr>
@@ -21211,7 +21221,7 @@
           <p:cNvPr id="24" name="CaixaDeTexto 23">
             <a:extLst>
               <a:ext uri="{FF2B5EF4-FFF2-40B4-BE49-F238E27FC236}">
-                <a16:creationId xmlns:a16="http://schemas.microsoft.com/office/drawing/2014/main" xmlns="" id="{90B980A2-8D40-4C0A-9871-4FA9794F9C3D}"/>
+                <a16:creationId xmlns="" xmlns:a16="http://schemas.microsoft.com/office/drawing/2014/main" id="{90B980A2-8D40-4C0A-9871-4FA9794F9C3D}"/>
               </a:ext>
             </a:extLst>
           </p:cNvPr>
@@ -21490,7 +21500,7 @@
           <p:cNvPr id="8" name="Retângulo 7">
             <a:extLst>
               <a:ext uri="{FF2B5EF4-FFF2-40B4-BE49-F238E27FC236}">
-                <a16:creationId xmlns:a16="http://schemas.microsoft.com/office/drawing/2014/main" xmlns="" id="{9B33DD69-1761-43D2-B589-CE56D2C4FBB6}"/>
+                <a16:creationId xmlns="" xmlns:a16="http://schemas.microsoft.com/office/drawing/2014/main" id="{9B33DD69-1761-43D2-B589-CE56D2C4FBB6}"/>
               </a:ext>
             </a:extLst>
           </p:cNvPr>
@@ -21548,7 +21558,7 @@
           <p:cNvPr id="24" name="CaixaDeTexto 23">
             <a:extLst>
               <a:ext uri="{FF2B5EF4-FFF2-40B4-BE49-F238E27FC236}">
-                <a16:creationId xmlns:a16="http://schemas.microsoft.com/office/drawing/2014/main" xmlns="" id="{90B980A2-8D40-4C0A-9871-4FA9794F9C3D}"/>
+                <a16:creationId xmlns="" xmlns:a16="http://schemas.microsoft.com/office/drawing/2014/main" id="{90B980A2-8D40-4C0A-9871-4FA9794F9C3D}"/>
               </a:ext>
             </a:extLst>
           </p:cNvPr>
@@ -21939,7 +21949,7 @@
           <p:cNvPr id="8" name="Retângulo 7">
             <a:extLst>
               <a:ext uri="{FF2B5EF4-FFF2-40B4-BE49-F238E27FC236}">
-                <a16:creationId xmlns:a16="http://schemas.microsoft.com/office/drawing/2014/main" xmlns="" id="{9B33DD69-1761-43D2-B589-CE56D2C4FBB6}"/>
+                <a16:creationId xmlns="" xmlns:a16="http://schemas.microsoft.com/office/drawing/2014/main" id="{9B33DD69-1761-43D2-B589-CE56D2C4FBB6}"/>
               </a:ext>
             </a:extLst>
           </p:cNvPr>
@@ -21997,7 +22007,7 @@
           <p:cNvPr id="24" name="CaixaDeTexto 23">
             <a:extLst>
               <a:ext uri="{FF2B5EF4-FFF2-40B4-BE49-F238E27FC236}">
-                <a16:creationId xmlns:a16="http://schemas.microsoft.com/office/drawing/2014/main" xmlns="" id="{90B980A2-8D40-4C0A-9871-4FA9794F9C3D}"/>
+                <a16:creationId xmlns="" xmlns:a16="http://schemas.microsoft.com/office/drawing/2014/main" id="{90B980A2-8D40-4C0A-9871-4FA9794F9C3D}"/>
               </a:ext>
             </a:extLst>
           </p:cNvPr>
@@ -22674,7 +22684,7 @@
           <p:cNvPr id="8" name="Retângulo 7">
             <a:extLst>
               <a:ext uri="{FF2B5EF4-FFF2-40B4-BE49-F238E27FC236}">
-                <a16:creationId xmlns:a16="http://schemas.microsoft.com/office/drawing/2014/main" xmlns="" id="{9B33DD69-1761-43D2-B589-CE56D2C4FBB6}"/>
+                <a16:creationId xmlns="" xmlns:a16="http://schemas.microsoft.com/office/drawing/2014/main" id="{9B33DD69-1761-43D2-B589-CE56D2C4FBB6}"/>
               </a:ext>
             </a:extLst>
           </p:cNvPr>
@@ -22728,7 +22738,7 @@
           <p:cNvPr id="24" name="CaixaDeTexto 23">
             <a:extLst>
               <a:ext uri="{FF2B5EF4-FFF2-40B4-BE49-F238E27FC236}">
-                <a16:creationId xmlns:a16="http://schemas.microsoft.com/office/drawing/2014/main" xmlns="" id="{90B980A2-8D40-4C0A-9871-4FA9794F9C3D}"/>
+                <a16:creationId xmlns="" xmlns:a16="http://schemas.microsoft.com/office/drawing/2014/main" id="{90B980A2-8D40-4C0A-9871-4FA9794F9C3D}"/>
               </a:ext>
             </a:extLst>
           </p:cNvPr>
@@ -22838,18 +22848,7 @@
                   </a:schemeClr>
                 </a:solidFill>
               </a:rPr>
-              <a:t>Tutoria de instalação: </a:t>
-            </a:r>
-            <a:r>
-              <a:rPr lang="pt-BR" sz="2000" dirty="0" smtClean="0">
-                <a:solidFill>
-                  <a:schemeClr val="bg1">
-                    <a:lumMod val="95000"/>
-                    <a:lumOff val="5000"/>
-                  </a:schemeClr>
-                </a:solidFill>
-              </a:rPr>
-              <a:t> </a:t>
+              <a:t>Tutoria de instalação:  </a:t>
             </a:r>
             <a:r>
               <a:rPr lang="pt-BR" sz="2000" dirty="0" smtClean="0">
@@ -23058,7 +23057,7 @@
           <p:cNvPr id="2" name="Título 1">
             <a:extLst>
               <a:ext uri="{FF2B5EF4-FFF2-40B4-BE49-F238E27FC236}">
-                <a16:creationId xmlns:a16="http://schemas.microsoft.com/office/drawing/2014/main" xmlns="" id="{14AB9F69-8D24-468C-93DF-A1666924EB0C}"/>
+                <a16:creationId xmlns="" xmlns:a16="http://schemas.microsoft.com/office/drawing/2014/main" id="{14AB9F69-8D24-468C-93DF-A1666924EB0C}"/>
               </a:ext>
             </a:extLst>
           </p:cNvPr>
@@ -23089,7 +23088,7 @@
           <p:cNvPr id="3" name="Subtítulo 2">
             <a:extLst>
               <a:ext uri="{FF2B5EF4-FFF2-40B4-BE49-F238E27FC236}">
-                <a16:creationId xmlns:a16="http://schemas.microsoft.com/office/drawing/2014/main" xmlns="" id="{0E4BFB9B-D461-4F8E-B2A0-819D63FA7EC4}"/>
+                <a16:creationId xmlns="" xmlns:a16="http://schemas.microsoft.com/office/drawing/2014/main" id="{0E4BFB9B-D461-4F8E-B2A0-819D63FA7EC4}"/>
               </a:ext>
             </a:extLst>
           </p:cNvPr>
@@ -23160,7 +23159,7 @@
           <p:cNvPr id="8" name="Retângulo 7">
             <a:extLst>
               <a:ext uri="{FF2B5EF4-FFF2-40B4-BE49-F238E27FC236}">
-                <a16:creationId xmlns:a16="http://schemas.microsoft.com/office/drawing/2014/main" xmlns="" id="{9B33DD69-1761-43D2-B589-CE56D2C4FBB6}"/>
+                <a16:creationId xmlns="" xmlns:a16="http://schemas.microsoft.com/office/drawing/2014/main" id="{9B33DD69-1761-43D2-B589-CE56D2C4FBB6}"/>
               </a:ext>
             </a:extLst>
           </p:cNvPr>
@@ -23296,7 +23295,7 @@
           <p:cNvPr id="9" name="CaixaDeTexto 8">
             <a:extLst>
               <a:ext uri="{FF2B5EF4-FFF2-40B4-BE49-F238E27FC236}">
-                <a16:creationId xmlns:a16="http://schemas.microsoft.com/office/drawing/2014/main" xmlns="" id="{90B980A2-8D40-4C0A-9871-4FA9794F9C3D}"/>
+                <a16:creationId xmlns="" xmlns:a16="http://schemas.microsoft.com/office/drawing/2014/main" id="{90B980A2-8D40-4C0A-9871-4FA9794F9C3D}"/>
               </a:ext>
             </a:extLst>
           </p:cNvPr>
@@ -23715,7 +23714,7 @@
           <p:cNvPr id="2" name="Título 1">
             <a:extLst>
               <a:ext uri="{FF2B5EF4-FFF2-40B4-BE49-F238E27FC236}">
-                <a16:creationId xmlns:a16="http://schemas.microsoft.com/office/drawing/2014/main" xmlns="" id="{14AB9F69-8D24-468C-93DF-A1666924EB0C}"/>
+                <a16:creationId xmlns="" xmlns:a16="http://schemas.microsoft.com/office/drawing/2014/main" id="{14AB9F69-8D24-468C-93DF-A1666924EB0C}"/>
               </a:ext>
             </a:extLst>
           </p:cNvPr>
@@ -23735,7 +23734,7 @@
           <a:p>
             <a:r>
               <a:rPr lang="pt-BR" sz="4400" dirty="0" smtClean="0"/>
-              <a:t>Referências</a:t>
+              <a:t>Organizando Objetos</a:t>
             </a:r>
             <a:endParaRPr lang="pt-BR" sz="4400" dirty="0"/>
           </a:p>
@@ -23746,7 +23745,7 @@
           <p:cNvPr id="3" name="Subtítulo 2">
             <a:extLst>
               <a:ext uri="{FF2B5EF4-FFF2-40B4-BE49-F238E27FC236}">
-                <a16:creationId xmlns:a16="http://schemas.microsoft.com/office/drawing/2014/main" xmlns="" id="{0E4BFB9B-D461-4F8E-B2A0-819D63FA7EC4}"/>
+                <a16:creationId xmlns="" xmlns:a16="http://schemas.microsoft.com/office/drawing/2014/main" id="{0E4BFB9B-D461-4F8E-B2A0-819D63FA7EC4}"/>
               </a:ext>
             </a:extLst>
           </p:cNvPr>
@@ -23767,6 +23766,10 @@
           <a:bodyPr/>
           <a:lstStyle/>
           <a:p>
+            <a:r>
+              <a:rPr lang="pt-BR" dirty="0" smtClean="0"/>
+              <a:t>HTML + CSS</a:t>
+            </a:r>
             <a:endParaRPr lang="pt-BR" dirty="0"/>
           </a:p>
         </p:txBody>
@@ -23774,7 +23777,7 @@
     </p:spTree>
     <p:extLst>
       <p:ext uri="{BB962C8B-B14F-4D97-AF65-F5344CB8AC3E}">
-        <p14:creationId xmlns:p14="http://schemas.microsoft.com/office/powerpoint/2010/main" val="1078788448"/>
+        <p14:creationId xmlns:p14="http://schemas.microsoft.com/office/powerpoint/2010/main" val="3773000049"/>
       </p:ext>
     </p:extLst>
   </p:cSld>
@@ -23813,7 +23816,3340 @@
           <p:cNvPr id="8" name="Retângulo 7">
             <a:extLst>
               <a:ext uri="{FF2B5EF4-FFF2-40B4-BE49-F238E27FC236}">
-                <a16:creationId xmlns:a16="http://schemas.microsoft.com/office/drawing/2014/main" xmlns="" id="{9B33DD69-1761-43D2-B589-CE56D2C4FBB6}"/>
+                <a16:creationId xmlns="" xmlns:a16="http://schemas.microsoft.com/office/drawing/2014/main" id="{9B33DD69-1761-43D2-B589-CE56D2C4FBB6}"/>
+              </a:ext>
+            </a:extLst>
+          </p:cNvPr>
+          <p:cNvSpPr/>
+          <p:nvPr/>
+        </p:nvSpPr>
+        <p:spPr>
+          <a:xfrm>
+            <a:off x="892663" y="0"/>
+            <a:ext cx="11304103" cy="6858000"/>
+          </a:xfrm>
+          <a:prstGeom prst="rect">
+            <a:avLst/>
+          </a:prstGeom>
+          <a:solidFill>
+            <a:schemeClr val="tx1"/>
+          </a:solidFill>
+          <a:ln>
+            <a:solidFill>
+              <a:schemeClr val="tx1"/>
+            </a:solidFill>
+          </a:ln>
+        </p:spPr>
+        <p:style>
+          <a:lnRef idx="2">
+            <a:schemeClr val="accent1">
+              <a:shade val="50000"/>
+            </a:schemeClr>
+          </a:lnRef>
+          <a:fillRef idx="1">
+            <a:schemeClr val="accent1"/>
+          </a:fillRef>
+          <a:effectRef idx="0">
+            <a:schemeClr val="accent1"/>
+          </a:effectRef>
+          <a:fontRef idx="minor">
+            <a:schemeClr val="lt1"/>
+          </a:fontRef>
+        </p:style>
+        <p:txBody>
+          <a:bodyPr rtlCol="0" anchor="ctr"/>
+          <a:lstStyle/>
+          <a:p>
+            <a:pPr algn="ctr"/>
+            <a:endParaRPr lang="pt-BR" sz="2000" dirty="0">
+              <a:solidFill>
+                <a:schemeClr val="bg1"/>
+              </a:solidFill>
+            </a:endParaRPr>
+          </a:p>
+        </p:txBody>
+      </p:sp>
+      <p:sp>
+        <p:nvSpPr>
+          <p:cNvPr id="3" name="AutoShape 2" descr="Download Visual Studio Code - Mac, Linux, Windows"/>
+          <p:cNvSpPr>
+            <a:spLocks noChangeAspect="1" noChangeArrowheads="1"/>
+          </p:cNvSpPr>
+          <p:nvPr/>
+        </p:nvSpPr>
+        <p:spPr bwMode="auto">
+          <a:xfrm>
+            <a:off x="155575" y="-144463"/>
+            <a:ext cx="304800" cy="304801"/>
+          </a:xfrm>
+          <a:prstGeom prst="rect">
+            <a:avLst/>
+          </a:prstGeom>
+          <a:noFill/>
+          <a:extLst>
+            <a:ext uri="{909E8E84-426E-40DD-AFC4-6F175D3DCCD1}">
+              <a14:hiddenFill xmlns:a14="http://schemas.microsoft.com/office/drawing/2010/main">
+                <a:solidFill>
+                  <a:srgbClr val="FFFFFF"/>
+                </a:solidFill>
+              </a14:hiddenFill>
+            </a:ext>
+          </a:extLst>
+        </p:spPr>
+        <p:txBody>
+          <a:bodyPr vert="horz" wrap="square" lIns="91440" tIns="45720" rIns="91440" bIns="45720" numCol="1" anchor="t" anchorCtr="0" compatLnSpc="1">
+            <a:prstTxWarp prst="textNoShape">
+              <a:avLst/>
+            </a:prstTxWarp>
+          </a:bodyPr>
+          <a:lstStyle/>
+          <a:p>
+            <a:endParaRPr lang="pt-BR"/>
+          </a:p>
+        </p:txBody>
+      </p:sp>
+      <p:sp>
+        <p:nvSpPr>
+          <p:cNvPr id="4" name="AutoShape 4" descr="Download Visual Studio Code - Mac, Linux, Windows"/>
+          <p:cNvSpPr>
+            <a:spLocks noChangeAspect="1" noChangeArrowheads="1"/>
+          </p:cNvSpPr>
+          <p:nvPr/>
+        </p:nvSpPr>
+        <p:spPr bwMode="auto">
+          <a:xfrm>
+            <a:off x="307975" y="7937"/>
+            <a:ext cx="304800" cy="304801"/>
+          </a:xfrm>
+          <a:prstGeom prst="rect">
+            <a:avLst/>
+          </a:prstGeom>
+          <a:noFill/>
+          <a:extLst>
+            <a:ext uri="{909E8E84-426E-40DD-AFC4-6F175D3DCCD1}">
+              <a14:hiddenFill xmlns:a14="http://schemas.microsoft.com/office/drawing/2010/main">
+                <a:solidFill>
+                  <a:srgbClr val="FFFFFF"/>
+                </a:solidFill>
+              </a14:hiddenFill>
+            </a:ext>
+          </a:extLst>
+        </p:spPr>
+        <p:txBody>
+          <a:bodyPr vert="horz" wrap="square" lIns="91440" tIns="45720" rIns="91440" bIns="45720" numCol="1" anchor="t" anchorCtr="0" compatLnSpc="1">
+            <a:prstTxWarp prst="textNoShape">
+              <a:avLst/>
+            </a:prstTxWarp>
+          </a:bodyPr>
+          <a:lstStyle/>
+          <a:p>
+            <a:endParaRPr lang="pt-BR"/>
+          </a:p>
+        </p:txBody>
+      </p:sp>
+      <p:sp>
+        <p:nvSpPr>
+          <p:cNvPr id="9" name="CaixaDeTexto 8">
+            <a:extLst>
+              <a:ext uri="{FF2B5EF4-FFF2-40B4-BE49-F238E27FC236}">
+                <a16:creationId xmlns="" xmlns:a16="http://schemas.microsoft.com/office/drawing/2014/main" id="{90B980A2-8D40-4C0A-9871-4FA9794F9C3D}"/>
+              </a:ext>
+            </a:extLst>
+          </p:cNvPr>
+          <p:cNvSpPr txBox="1"/>
+          <p:nvPr/>
+        </p:nvSpPr>
+        <p:spPr>
+          <a:xfrm>
+            <a:off x="1215284" y="160337"/>
+            <a:ext cx="10658859" cy="707886"/>
+          </a:xfrm>
+          <a:prstGeom prst="rect">
+            <a:avLst/>
+          </a:prstGeom>
+          <a:noFill/>
+        </p:spPr>
+        <p:txBody>
+          <a:bodyPr wrap="square" rtlCol="0">
+            <a:spAutoFit/>
+          </a:bodyPr>
+          <a:lstStyle/>
+          <a:p>
+            <a:pPr algn="just"/>
+            <a:r>
+              <a:rPr lang="pt-BR" sz="2000" dirty="0" smtClean="0">
+                <a:solidFill>
+                  <a:schemeClr val="bg1">
+                    <a:lumMod val="95000"/>
+                    <a:lumOff val="5000"/>
+                  </a:schemeClr>
+                </a:solidFill>
+              </a:rPr>
+              <a:t>Antes de iniciarmos os alinhamentos dos objetos vamos inserir um titulo para a nossa página, para isso utilizamos a </a:t>
+            </a:r>
+            <a:r>
+              <a:rPr lang="pt-BR" sz="2000" dirty="0" smtClean="0">
+                <a:solidFill>
+                  <a:srgbClr val="FF0000"/>
+                </a:solidFill>
+              </a:rPr>
+              <a:t>tag title </a:t>
+            </a:r>
+            <a:r>
+              <a:rPr lang="pt-BR" sz="2000" dirty="0" smtClean="0">
+                <a:solidFill>
+                  <a:schemeClr val="bg1"/>
+                </a:solidFill>
+              </a:rPr>
+              <a:t>e para inserir uma imagem no titulo utilizamos a </a:t>
+            </a:r>
+            <a:r>
+              <a:rPr lang="pt-BR" sz="2000" dirty="0" smtClean="0">
+                <a:solidFill>
+                  <a:srgbClr val="FF0000"/>
+                </a:solidFill>
+              </a:rPr>
+              <a:t>tag link</a:t>
+            </a:r>
+            <a:r>
+              <a:rPr lang="pt-BR" sz="2000" dirty="0" smtClean="0">
+                <a:solidFill>
+                  <a:schemeClr val="bg1">
+                    <a:lumMod val="95000"/>
+                    <a:lumOff val="5000"/>
+                  </a:schemeClr>
+                </a:solidFill>
+              </a:rPr>
+              <a:t>:</a:t>
+            </a:r>
+            <a:endParaRPr lang="pt-BR" sz="2000" dirty="0" smtClean="0">
+              <a:solidFill>
+                <a:schemeClr val="bg1">
+                  <a:lumMod val="95000"/>
+                  <a:lumOff val="5000"/>
+                </a:schemeClr>
+              </a:solidFill>
+            </a:endParaRPr>
+          </a:p>
+        </p:txBody>
+      </p:sp>
+      <p:pic>
+        <p:nvPicPr>
+          <p:cNvPr id="1026" name="Picture 2"/>
+          <p:cNvPicPr>
+            <a:picLocks noChangeAspect="1" noChangeArrowheads="1"/>
+          </p:cNvPicPr>
+          <p:nvPr/>
+        </p:nvPicPr>
+        <p:blipFill>
+          <a:blip r:embed="rId2">
+            <a:extLst>
+              <a:ext uri="{28A0092B-C50C-407E-A947-70E740481C1C}">
+                <a14:useLocalDpi xmlns:a14="http://schemas.microsoft.com/office/drawing/2010/main" val="0"/>
+              </a:ext>
+            </a:extLst>
+          </a:blip>
+          <a:srcRect/>
+          <a:stretch>
+            <a:fillRect/>
+          </a:stretch>
+        </p:blipFill>
+        <p:spPr bwMode="auto">
+          <a:xfrm>
+            <a:off x="1223487" y="1389412"/>
+            <a:ext cx="10642451" cy="4417621"/>
+          </a:xfrm>
+          <a:prstGeom prst="rect">
+            <a:avLst/>
+          </a:prstGeom>
+          <a:noFill/>
+          <a:ln>
+            <a:noFill/>
+          </a:ln>
+          <a:effectLst/>
+          <a:extLst>
+            <a:ext uri="{909E8E84-426E-40DD-AFC4-6F175D3DCCD1}">
+              <a14:hiddenFill xmlns:a14="http://schemas.microsoft.com/office/drawing/2010/main">
+                <a:solidFill>
+                  <a:schemeClr val="accent1"/>
+                </a:solidFill>
+              </a14:hiddenFill>
+            </a:ext>
+            <a:ext uri="{91240B29-F687-4F45-9708-019B960494DF}">
+              <a14:hiddenLine xmlns:a14="http://schemas.microsoft.com/office/drawing/2010/main" w="9525">
+                <a:solidFill>
+                  <a:schemeClr val="tx1"/>
+                </a:solidFill>
+                <a:miter lim="800000"/>
+                <a:headEnd/>
+                <a:tailEnd/>
+              </a14:hiddenLine>
+            </a:ext>
+            <a:ext uri="{AF507438-7753-43E0-B8FC-AC1667EBCBE1}">
+              <a14:hiddenEffects xmlns:a14="http://schemas.microsoft.com/office/drawing/2010/main">
+                <a:effectLst>
+                  <a:outerShdw dist="35921" dir="2700000" algn="ctr" rotWithShape="0">
+                    <a:schemeClr val="bg2"/>
+                  </a:outerShdw>
+                </a:effectLst>
+              </a14:hiddenEffects>
+            </a:ext>
+          </a:extLst>
+        </p:spPr>
+      </p:pic>
+    </p:spTree>
+    <p:extLst>
+      <p:ext uri="{BB962C8B-B14F-4D97-AF65-F5344CB8AC3E}">
+        <p14:creationId xmlns:p14="http://schemas.microsoft.com/office/powerpoint/2010/main" val="3941963231"/>
+      </p:ext>
+    </p:extLst>
+  </p:cSld>
+  <p:clrMapOvr>
+    <a:masterClrMapping/>
+  </p:clrMapOvr>
+  <p:timing>
+    <p:tnLst>
+      <p:par>
+        <p:cTn id="1" dur="indefinite" restart="never" nodeType="tmRoot"/>
+      </p:par>
+    </p:tnLst>
+  </p:timing>
+</p:sld>
+</file>
+
+<file path=ppt/slides/slide34.xml><?xml version="1.0" encoding="utf-8"?>
+<p:sld xmlns:a="http://schemas.openxmlformats.org/drawingml/2006/main" xmlns:r="http://schemas.openxmlformats.org/officeDocument/2006/relationships" xmlns:p="http://schemas.openxmlformats.org/presentationml/2006/main">
+  <p:cSld>
+    <p:spTree>
+      <p:nvGrpSpPr>
+        <p:cNvPr id="1" name=""/>
+        <p:cNvGrpSpPr/>
+        <p:nvPr/>
+      </p:nvGrpSpPr>
+      <p:grpSpPr>
+        <a:xfrm>
+          <a:off x="0" y="0"/>
+          <a:ext cx="0" cy="0"/>
+          <a:chOff x="0" y="0"/>
+          <a:chExt cx="0" cy="0"/>
+        </a:xfrm>
+      </p:grpSpPr>
+      <p:sp>
+        <p:nvSpPr>
+          <p:cNvPr id="8" name="Retângulo 7">
+            <a:extLst>
+              <a:ext uri="{FF2B5EF4-FFF2-40B4-BE49-F238E27FC236}">
+                <a16:creationId xmlns="" xmlns:a16="http://schemas.microsoft.com/office/drawing/2014/main" id="{9B33DD69-1761-43D2-B589-CE56D2C4FBB6}"/>
+              </a:ext>
+            </a:extLst>
+          </p:cNvPr>
+          <p:cNvSpPr/>
+          <p:nvPr/>
+        </p:nvSpPr>
+        <p:spPr>
+          <a:xfrm>
+            <a:off x="892663" y="0"/>
+            <a:ext cx="11304103" cy="6858000"/>
+          </a:xfrm>
+          <a:prstGeom prst="rect">
+            <a:avLst/>
+          </a:prstGeom>
+          <a:solidFill>
+            <a:schemeClr val="tx1"/>
+          </a:solidFill>
+          <a:ln>
+            <a:solidFill>
+              <a:schemeClr val="tx1"/>
+            </a:solidFill>
+          </a:ln>
+        </p:spPr>
+        <p:style>
+          <a:lnRef idx="2">
+            <a:schemeClr val="accent1">
+              <a:shade val="50000"/>
+            </a:schemeClr>
+          </a:lnRef>
+          <a:fillRef idx="1">
+            <a:schemeClr val="accent1"/>
+          </a:fillRef>
+          <a:effectRef idx="0">
+            <a:schemeClr val="accent1"/>
+          </a:effectRef>
+          <a:fontRef idx="minor">
+            <a:schemeClr val="lt1"/>
+          </a:fontRef>
+        </p:style>
+        <p:txBody>
+          <a:bodyPr rtlCol="0" anchor="ctr"/>
+          <a:lstStyle/>
+          <a:p>
+            <a:pPr algn="ctr"/>
+            <a:endParaRPr lang="pt-BR" sz="2000" dirty="0">
+              <a:solidFill>
+                <a:schemeClr val="bg1"/>
+              </a:solidFill>
+            </a:endParaRPr>
+          </a:p>
+        </p:txBody>
+      </p:sp>
+      <p:sp>
+        <p:nvSpPr>
+          <p:cNvPr id="3" name="AutoShape 2" descr="Download Visual Studio Code - Mac, Linux, Windows"/>
+          <p:cNvSpPr>
+            <a:spLocks noChangeAspect="1" noChangeArrowheads="1"/>
+          </p:cNvSpPr>
+          <p:nvPr/>
+        </p:nvSpPr>
+        <p:spPr bwMode="auto">
+          <a:xfrm>
+            <a:off x="155575" y="-144463"/>
+            <a:ext cx="304800" cy="304801"/>
+          </a:xfrm>
+          <a:prstGeom prst="rect">
+            <a:avLst/>
+          </a:prstGeom>
+          <a:noFill/>
+          <a:extLst>
+            <a:ext uri="{909E8E84-426E-40DD-AFC4-6F175D3DCCD1}">
+              <a14:hiddenFill xmlns:a14="http://schemas.microsoft.com/office/drawing/2010/main">
+                <a:solidFill>
+                  <a:srgbClr val="FFFFFF"/>
+                </a:solidFill>
+              </a14:hiddenFill>
+            </a:ext>
+          </a:extLst>
+        </p:spPr>
+        <p:txBody>
+          <a:bodyPr vert="horz" wrap="square" lIns="91440" tIns="45720" rIns="91440" bIns="45720" numCol="1" anchor="t" anchorCtr="0" compatLnSpc="1">
+            <a:prstTxWarp prst="textNoShape">
+              <a:avLst/>
+            </a:prstTxWarp>
+          </a:bodyPr>
+          <a:lstStyle/>
+          <a:p>
+            <a:endParaRPr lang="pt-BR"/>
+          </a:p>
+        </p:txBody>
+      </p:sp>
+      <p:sp>
+        <p:nvSpPr>
+          <p:cNvPr id="4" name="AutoShape 4" descr="Download Visual Studio Code - Mac, Linux, Windows"/>
+          <p:cNvSpPr>
+            <a:spLocks noChangeAspect="1" noChangeArrowheads="1"/>
+          </p:cNvSpPr>
+          <p:nvPr/>
+        </p:nvSpPr>
+        <p:spPr bwMode="auto">
+          <a:xfrm>
+            <a:off x="307975" y="7937"/>
+            <a:ext cx="304800" cy="304801"/>
+          </a:xfrm>
+          <a:prstGeom prst="rect">
+            <a:avLst/>
+          </a:prstGeom>
+          <a:noFill/>
+          <a:extLst>
+            <a:ext uri="{909E8E84-426E-40DD-AFC4-6F175D3DCCD1}">
+              <a14:hiddenFill xmlns:a14="http://schemas.microsoft.com/office/drawing/2010/main">
+                <a:solidFill>
+                  <a:srgbClr val="FFFFFF"/>
+                </a:solidFill>
+              </a14:hiddenFill>
+            </a:ext>
+          </a:extLst>
+        </p:spPr>
+        <p:txBody>
+          <a:bodyPr vert="horz" wrap="square" lIns="91440" tIns="45720" rIns="91440" bIns="45720" numCol="1" anchor="t" anchorCtr="0" compatLnSpc="1">
+            <a:prstTxWarp prst="textNoShape">
+              <a:avLst/>
+            </a:prstTxWarp>
+          </a:bodyPr>
+          <a:lstStyle/>
+          <a:p>
+            <a:endParaRPr lang="pt-BR"/>
+          </a:p>
+        </p:txBody>
+      </p:sp>
+      <p:sp>
+        <p:nvSpPr>
+          <p:cNvPr id="9" name="CaixaDeTexto 8">
+            <a:extLst>
+              <a:ext uri="{FF2B5EF4-FFF2-40B4-BE49-F238E27FC236}">
+                <a16:creationId xmlns="" xmlns:a16="http://schemas.microsoft.com/office/drawing/2014/main" id="{90B980A2-8D40-4C0A-9871-4FA9794F9C3D}"/>
+              </a:ext>
+            </a:extLst>
+          </p:cNvPr>
+          <p:cNvSpPr txBox="1"/>
+          <p:nvPr/>
+        </p:nvSpPr>
+        <p:spPr>
+          <a:xfrm>
+            <a:off x="1215284" y="160337"/>
+            <a:ext cx="10658859" cy="400110"/>
+          </a:xfrm>
+          <a:prstGeom prst="rect">
+            <a:avLst/>
+          </a:prstGeom>
+          <a:noFill/>
+        </p:spPr>
+        <p:txBody>
+          <a:bodyPr wrap="square" rtlCol="0">
+            <a:spAutoFit/>
+          </a:bodyPr>
+          <a:lstStyle/>
+          <a:p>
+            <a:pPr algn="just"/>
+            <a:r>
+              <a:rPr lang="pt-BR" sz="2000" dirty="0" smtClean="0">
+                <a:solidFill>
+                  <a:schemeClr val="bg1">
+                    <a:lumMod val="95000"/>
+                    <a:lumOff val="5000"/>
+                  </a:schemeClr>
+                </a:solidFill>
+              </a:rPr>
+              <a:t>Para darmos </a:t>
+            </a:r>
+            <a:r>
+              <a:rPr lang="pt-BR" sz="2000" dirty="0" smtClean="0">
+                <a:solidFill>
+                  <a:srgbClr val="FF0000"/>
+                </a:solidFill>
+              </a:rPr>
+              <a:t>espaçamentos internos </a:t>
+            </a:r>
+            <a:r>
+              <a:rPr lang="pt-BR" sz="2000" dirty="0" smtClean="0">
+                <a:solidFill>
+                  <a:schemeClr val="bg1">
+                    <a:lumMod val="95000"/>
+                    <a:lumOff val="5000"/>
+                  </a:schemeClr>
+                </a:solidFill>
+              </a:rPr>
+              <a:t>dentro de objetos utilizamos o </a:t>
+            </a:r>
+            <a:r>
+              <a:rPr lang="pt-BR" sz="2000" dirty="0" smtClean="0">
+                <a:solidFill>
+                  <a:srgbClr val="FF0000"/>
+                </a:solidFill>
+              </a:rPr>
+              <a:t>padding</a:t>
+            </a:r>
+            <a:r>
+              <a:rPr lang="pt-BR" sz="2000" dirty="0">
+                <a:solidFill>
+                  <a:schemeClr val="bg1">
+                    <a:lumMod val="95000"/>
+                    <a:lumOff val="5000"/>
+                  </a:schemeClr>
+                </a:solidFill>
+              </a:rPr>
+              <a:t>:</a:t>
+            </a:r>
+            <a:endParaRPr lang="pt-BR" sz="2000" dirty="0" smtClean="0">
+              <a:solidFill>
+                <a:schemeClr val="bg1">
+                  <a:lumMod val="95000"/>
+                  <a:lumOff val="5000"/>
+                </a:schemeClr>
+              </a:solidFill>
+            </a:endParaRPr>
+          </a:p>
+        </p:txBody>
+      </p:sp>
+      <p:pic>
+        <p:nvPicPr>
+          <p:cNvPr id="2050" name="Picture 2"/>
+          <p:cNvPicPr>
+            <a:picLocks noChangeAspect="1" noChangeArrowheads="1"/>
+          </p:cNvPicPr>
+          <p:nvPr/>
+        </p:nvPicPr>
+        <p:blipFill rotWithShape="1">
+          <a:blip r:embed="rId2">
+            <a:extLst>
+              <a:ext uri="{28A0092B-C50C-407E-A947-70E740481C1C}">
+                <a14:useLocalDpi xmlns:a14="http://schemas.microsoft.com/office/drawing/2010/main" val="0"/>
+              </a:ext>
+            </a:extLst>
+          </a:blip>
+          <a:srcRect t="15747" b="3598"/>
+          <a:stretch/>
+        </p:blipFill>
+        <p:spPr bwMode="auto">
+          <a:xfrm>
+            <a:off x="1354912" y="941119"/>
+            <a:ext cx="10379602" cy="5456782"/>
+          </a:xfrm>
+          <a:prstGeom prst="rect">
+            <a:avLst/>
+          </a:prstGeom>
+          <a:noFill/>
+          <a:ln>
+            <a:noFill/>
+          </a:ln>
+          <a:effectLst/>
+          <a:extLst>
+            <a:ext uri="{909E8E84-426E-40DD-AFC4-6F175D3DCCD1}">
+              <a14:hiddenFill xmlns:a14="http://schemas.microsoft.com/office/drawing/2010/main">
+                <a:solidFill>
+                  <a:schemeClr val="accent1"/>
+                </a:solidFill>
+              </a14:hiddenFill>
+            </a:ext>
+            <a:ext uri="{91240B29-F687-4F45-9708-019B960494DF}">
+              <a14:hiddenLine xmlns:a14="http://schemas.microsoft.com/office/drawing/2010/main" w="9525">
+                <a:solidFill>
+                  <a:schemeClr val="tx1"/>
+                </a:solidFill>
+                <a:miter lim="800000"/>
+                <a:headEnd/>
+                <a:tailEnd/>
+              </a14:hiddenLine>
+            </a:ext>
+            <a:ext uri="{AF507438-7753-43E0-B8FC-AC1667EBCBE1}">
+              <a14:hiddenEffects xmlns:a14="http://schemas.microsoft.com/office/drawing/2010/main">
+                <a:effectLst>
+                  <a:outerShdw dist="35921" dir="2700000" algn="ctr" rotWithShape="0">
+                    <a:schemeClr val="bg2"/>
+                  </a:outerShdw>
+                </a:effectLst>
+              </a14:hiddenEffects>
+            </a:ext>
+          </a:extLst>
+        </p:spPr>
+      </p:pic>
+    </p:spTree>
+    <p:extLst>
+      <p:ext uri="{BB962C8B-B14F-4D97-AF65-F5344CB8AC3E}">
+        <p14:creationId xmlns:p14="http://schemas.microsoft.com/office/powerpoint/2010/main" val="143942186"/>
+      </p:ext>
+    </p:extLst>
+  </p:cSld>
+  <p:clrMapOvr>
+    <a:masterClrMapping/>
+  </p:clrMapOvr>
+  <p:timing>
+    <p:tnLst>
+      <p:par>
+        <p:cTn id="1" dur="indefinite" restart="never" nodeType="tmRoot"/>
+      </p:par>
+    </p:tnLst>
+  </p:timing>
+</p:sld>
+</file>
+
+<file path=ppt/slides/slide35.xml><?xml version="1.0" encoding="utf-8"?>
+<p:sld xmlns:a="http://schemas.openxmlformats.org/drawingml/2006/main" xmlns:r="http://schemas.openxmlformats.org/officeDocument/2006/relationships" xmlns:p="http://schemas.openxmlformats.org/presentationml/2006/main">
+  <p:cSld>
+    <p:spTree>
+      <p:nvGrpSpPr>
+        <p:cNvPr id="1" name=""/>
+        <p:cNvGrpSpPr/>
+        <p:nvPr/>
+      </p:nvGrpSpPr>
+      <p:grpSpPr>
+        <a:xfrm>
+          <a:off x="0" y="0"/>
+          <a:ext cx="0" cy="0"/>
+          <a:chOff x="0" y="0"/>
+          <a:chExt cx="0" cy="0"/>
+        </a:xfrm>
+      </p:grpSpPr>
+      <p:sp>
+        <p:nvSpPr>
+          <p:cNvPr id="8" name="Retângulo 7">
+            <a:extLst>
+              <a:ext uri="{FF2B5EF4-FFF2-40B4-BE49-F238E27FC236}">
+                <a16:creationId xmlns="" xmlns:a16="http://schemas.microsoft.com/office/drawing/2014/main" id="{9B33DD69-1761-43D2-B589-CE56D2C4FBB6}"/>
+              </a:ext>
+            </a:extLst>
+          </p:cNvPr>
+          <p:cNvSpPr/>
+          <p:nvPr/>
+        </p:nvSpPr>
+        <p:spPr>
+          <a:xfrm>
+            <a:off x="892663" y="0"/>
+            <a:ext cx="11304103" cy="6858000"/>
+          </a:xfrm>
+          <a:prstGeom prst="rect">
+            <a:avLst/>
+          </a:prstGeom>
+          <a:solidFill>
+            <a:schemeClr val="tx1"/>
+          </a:solidFill>
+          <a:ln>
+            <a:solidFill>
+              <a:schemeClr val="tx1"/>
+            </a:solidFill>
+          </a:ln>
+        </p:spPr>
+        <p:style>
+          <a:lnRef idx="2">
+            <a:schemeClr val="accent1">
+              <a:shade val="50000"/>
+            </a:schemeClr>
+          </a:lnRef>
+          <a:fillRef idx="1">
+            <a:schemeClr val="accent1"/>
+          </a:fillRef>
+          <a:effectRef idx="0">
+            <a:schemeClr val="accent1"/>
+          </a:effectRef>
+          <a:fontRef idx="minor">
+            <a:schemeClr val="lt1"/>
+          </a:fontRef>
+        </p:style>
+        <p:txBody>
+          <a:bodyPr rtlCol="0" anchor="ctr"/>
+          <a:lstStyle/>
+          <a:p>
+            <a:pPr algn="ctr"/>
+            <a:endParaRPr lang="pt-BR" sz="2000" dirty="0">
+              <a:solidFill>
+                <a:schemeClr val="bg1"/>
+              </a:solidFill>
+            </a:endParaRPr>
+          </a:p>
+        </p:txBody>
+      </p:sp>
+      <p:sp>
+        <p:nvSpPr>
+          <p:cNvPr id="3" name="AutoShape 2" descr="Download Visual Studio Code - Mac, Linux, Windows"/>
+          <p:cNvSpPr>
+            <a:spLocks noChangeAspect="1" noChangeArrowheads="1"/>
+          </p:cNvSpPr>
+          <p:nvPr/>
+        </p:nvSpPr>
+        <p:spPr bwMode="auto">
+          <a:xfrm>
+            <a:off x="155575" y="-144463"/>
+            <a:ext cx="304800" cy="304801"/>
+          </a:xfrm>
+          <a:prstGeom prst="rect">
+            <a:avLst/>
+          </a:prstGeom>
+          <a:noFill/>
+          <a:extLst>
+            <a:ext uri="{909E8E84-426E-40DD-AFC4-6F175D3DCCD1}">
+              <a14:hiddenFill xmlns:a14="http://schemas.microsoft.com/office/drawing/2010/main">
+                <a:solidFill>
+                  <a:srgbClr val="FFFFFF"/>
+                </a:solidFill>
+              </a14:hiddenFill>
+            </a:ext>
+          </a:extLst>
+        </p:spPr>
+        <p:txBody>
+          <a:bodyPr vert="horz" wrap="square" lIns="91440" tIns="45720" rIns="91440" bIns="45720" numCol="1" anchor="t" anchorCtr="0" compatLnSpc="1">
+            <a:prstTxWarp prst="textNoShape">
+              <a:avLst/>
+            </a:prstTxWarp>
+          </a:bodyPr>
+          <a:lstStyle/>
+          <a:p>
+            <a:endParaRPr lang="pt-BR"/>
+          </a:p>
+        </p:txBody>
+      </p:sp>
+      <p:sp>
+        <p:nvSpPr>
+          <p:cNvPr id="4" name="AutoShape 4" descr="Download Visual Studio Code - Mac, Linux, Windows"/>
+          <p:cNvSpPr>
+            <a:spLocks noChangeAspect="1" noChangeArrowheads="1"/>
+          </p:cNvSpPr>
+          <p:nvPr/>
+        </p:nvSpPr>
+        <p:spPr bwMode="auto">
+          <a:xfrm>
+            <a:off x="307975" y="7937"/>
+            <a:ext cx="304800" cy="304801"/>
+          </a:xfrm>
+          <a:prstGeom prst="rect">
+            <a:avLst/>
+          </a:prstGeom>
+          <a:noFill/>
+          <a:extLst>
+            <a:ext uri="{909E8E84-426E-40DD-AFC4-6F175D3DCCD1}">
+              <a14:hiddenFill xmlns:a14="http://schemas.microsoft.com/office/drawing/2010/main">
+                <a:solidFill>
+                  <a:srgbClr val="FFFFFF"/>
+                </a:solidFill>
+              </a14:hiddenFill>
+            </a:ext>
+          </a:extLst>
+        </p:spPr>
+        <p:txBody>
+          <a:bodyPr vert="horz" wrap="square" lIns="91440" tIns="45720" rIns="91440" bIns="45720" numCol="1" anchor="t" anchorCtr="0" compatLnSpc="1">
+            <a:prstTxWarp prst="textNoShape">
+              <a:avLst/>
+            </a:prstTxWarp>
+          </a:bodyPr>
+          <a:lstStyle/>
+          <a:p>
+            <a:endParaRPr lang="pt-BR"/>
+          </a:p>
+        </p:txBody>
+      </p:sp>
+      <p:sp>
+        <p:nvSpPr>
+          <p:cNvPr id="9" name="CaixaDeTexto 8">
+            <a:extLst>
+              <a:ext uri="{FF2B5EF4-FFF2-40B4-BE49-F238E27FC236}">
+                <a16:creationId xmlns="" xmlns:a16="http://schemas.microsoft.com/office/drawing/2014/main" id="{90B980A2-8D40-4C0A-9871-4FA9794F9C3D}"/>
+              </a:ext>
+            </a:extLst>
+          </p:cNvPr>
+          <p:cNvSpPr txBox="1"/>
+          <p:nvPr/>
+        </p:nvSpPr>
+        <p:spPr>
+          <a:xfrm>
+            <a:off x="1215284" y="160337"/>
+            <a:ext cx="10658859" cy="7786747"/>
+          </a:xfrm>
+          <a:prstGeom prst="rect">
+            <a:avLst/>
+          </a:prstGeom>
+          <a:noFill/>
+        </p:spPr>
+        <p:txBody>
+          <a:bodyPr wrap="square" rtlCol="0">
+            <a:spAutoFit/>
+          </a:bodyPr>
+          <a:lstStyle/>
+          <a:p>
+            <a:pPr algn="just"/>
+            <a:r>
+              <a:rPr lang="pt-BR" sz="2000" dirty="0" smtClean="0">
+                <a:solidFill>
+                  <a:schemeClr val="bg1">
+                    <a:lumMod val="95000"/>
+                    <a:lumOff val="5000"/>
+                  </a:schemeClr>
+                </a:solidFill>
+              </a:rPr>
+              <a:t>Existem 5 comandos que podemos utilizar no </a:t>
+            </a:r>
+            <a:r>
+              <a:rPr lang="pt-BR" sz="2000" dirty="0" smtClean="0">
+                <a:solidFill>
+                  <a:srgbClr val="FF0000"/>
+                </a:solidFill>
+              </a:rPr>
+              <a:t>padding</a:t>
+            </a:r>
+            <a:r>
+              <a:rPr lang="pt-BR" sz="2000" dirty="0" smtClean="0">
+                <a:solidFill>
+                  <a:schemeClr val="bg1">
+                    <a:lumMod val="95000"/>
+                    <a:lumOff val="5000"/>
+                  </a:schemeClr>
+                </a:solidFill>
+              </a:rPr>
+              <a:t>, veja exemplos</a:t>
+            </a:r>
+            <a:r>
+              <a:rPr lang="pt-BR" sz="2000" dirty="0" smtClean="0">
+                <a:solidFill>
+                  <a:schemeClr val="bg1">
+                    <a:lumMod val="95000"/>
+                    <a:lumOff val="5000"/>
+                  </a:schemeClr>
+                </a:solidFill>
+              </a:rPr>
+              <a:t>:</a:t>
+            </a:r>
+          </a:p>
+          <a:p>
+            <a:pPr algn="just"/>
+            <a:endParaRPr lang="pt-BR" sz="2000" dirty="0">
+              <a:solidFill>
+                <a:schemeClr val="bg1">
+                  <a:lumMod val="95000"/>
+                  <a:lumOff val="5000"/>
+                </a:schemeClr>
+              </a:solidFill>
+            </a:endParaRPr>
+          </a:p>
+          <a:p>
+            <a:r>
+              <a:rPr lang="pt-BR" sz="2000" dirty="0" smtClean="0">
+                <a:solidFill>
+                  <a:srgbClr val="FF0000"/>
+                </a:solidFill>
+              </a:rPr>
+              <a:t>padding-top</a:t>
+            </a:r>
+            <a:r>
+              <a:rPr lang="pt-BR" sz="2000" dirty="0" smtClean="0">
+                <a:solidFill>
+                  <a:schemeClr val="bg1"/>
+                </a:solidFill>
+              </a:rPr>
+              <a:t> : Espaçamento interno apenas do </a:t>
+            </a:r>
+            <a:r>
+              <a:rPr lang="pt-BR" sz="2000" dirty="0" smtClean="0">
+                <a:solidFill>
+                  <a:srgbClr val="FF0000"/>
+                </a:solidFill>
+              </a:rPr>
+              <a:t>topo</a:t>
+            </a:r>
+            <a:r>
+              <a:rPr lang="pt-BR" sz="2000" dirty="0" smtClean="0">
+                <a:solidFill>
+                  <a:schemeClr val="bg1"/>
+                </a:solidFill>
+              </a:rPr>
+              <a:t>;</a:t>
+            </a:r>
+            <a:endParaRPr lang="pt-BR" sz="2000" dirty="0">
+              <a:solidFill>
+                <a:schemeClr val="bg1"/>
+              </a:solidFill>
+            </a:endParaRPr>
+          </a:p>
+          <a:p>
+            <a:r>
+              <a:rPr lang="pt-BR" sz="2000" dirty="0" smtClean="0">
+                <a:solidFill>
+                  <a:srgbClr val="FF0000"/>
+                </a:solidFill>
+              </a:rPr>
+              <a:t>padding-</a:t>
+            </a:r>
+            <a:r>
+              <a:rPr lang="pt-BR" sz="2000" dirty="0" err="1" smtClean="0">
+                <a:solidFill>
+                  <a:srgbClr val="FF0000"/>
+                </a:solidFill>
+              </a:rPr>
+              <a:t>right</a:t>
+            </a:r>
+            <a:r>
+              <a:rPr lang="pt-BR" sz="2000" dirty="0" smtClean="0">
+                <a:solidFill>
+                  <a:schemeClr val="bg1"/>
+                </a:solidFill>
+              </a:rPr>
+              <a:t> :</a:t>
+            </a:r>
+            <a:r>
+              <a:rPr lang="pt-BR" sz="2000" dirty="0">
+                <a:solidFill>
+                  <a:schemeClr val="bg1"/>
+                </a:solidFill>
+              </a:rPr>
+              <a:t> Espaçamento interno apenas </a:t>
+            </a:r>
+            <a:r>
+              <a:rPr lang="pt-BR" sz="2000" dirty="0" smtClean="0">
+                <a:solidFill>
+                  <a:schemeClr val="bg1"/>
+                </a:solidFill>
+              </a:rPr>
+              <a:t>da </a:t>
+            </a:r>
+            <a:r>
+              <a:rPr lang="pt-BR" sz="2000" dirty="0" smtClean="0">
+                <a:solidFill>
+                  <a:srgbClr val="FF0000"/>
+                </a:solidFill>
+              </a:rPr>
+              <a:t>direita</a:t>
+            </a:r>
+            <a:r>
+              <a:rPr lang="pt-BR" sz="2000" dirty="0" smtClean="0">
+                <a:solidFill>
+                  <a:schemeClr val="bg1"/>
+                </a:solidFill>
+              </a:rPr>
+              <a:t>;</a:t>
+            </a:r>
+            <a:endParaRPr lang="pt-BR" sz="2000" dirty="0">
+              <a:solidFill>
+                <a:schemeClr val="bg1"/>
+              </a:solidFill>
+            </a:endParaRPr>
+          </a:p>
+          <a:p>
+            <a:r>
+              <a:rPr lang="pt-BR" sz="2000" dirty="0" smtClean="0">
+                <a:solidFill>
+                  <a:srgbClr val="FF0000"/>
+                </a:solidFill>
+              </a:rPr>
+              <a:t>padding-</a:t>
+            </a:r>
+            <a:r>
+              <a:rPr lang="pt-BR" sz="2000" dirty="0" err="1" smtClean="0">
+                <a:solidFill>
+                  <a:srgbClr val="FF0000"/>
+                </a:solidFill>
+              </a:rPr>
+              <a:t>bottom</a:t>
+            </a:r>
+            <a:r>
+              <a:rPr lang="pt-BR" sz="2000" dirty="0" smtClean="0">
+                <a:solidFill>
+                  <a:schemeClr val="bg1"/>
+                </a:solidFill>
+              </a:rPr>
+              <a:t> : </a:t>
+            </a:r>
+            <a:r>
+              <a:rPr lang="pt-BR" sz="2000" dirty="0">
+                <a:solidFill>
+                  <a:schemeClr val="bg1"/>
+                </a:solidFill>
+              </a:rPr>
+              <a:t>Espaçamento interno apenas </a:t>
+            </a:r>
+            <a:r>
+              <a:rPr lang="pt-BR" sz="2000" dirty="0" smtClean="0">
+                <a:solidFill>
+                  <a:schemeClr val="bg1"/>
+                </a:solidFill>
+              </a:rPr>
+              <a:t>da </a:t>
+            </a:r>
+            <a:r>
+              <a:rPr lang="pt-BR" sz="2000" dirty="0" smtClean="0">
+                <a:solidFill>
+                  <a:srgbClr val="FF0000"/>
+                </a:solidFill>
+              </a:rPr>
+              <a:t>base</a:t>
+            </a:r>
+            <a:r>
+              <a:rPr lang="pt-BR" sz="2000" dirty="0" smtClean="0">
+                <a:solidFill>
+                  <a:schemeClr val="bg1"/>
+                </a:solidFill>
+              </a:rPr>
+              <a:t>;</a:t>
+            </a:r>
+            <a:endParaRPr lang="pt-BR" sz="2000" dirty="0">
+              <a:solidFill>
+                <a:schemeClr val="bg1"/>
+              </a:solidFill>
+            </a:endParaRPr>
+          </a:p>
+          <a:p>
+            <a:r>
+              <a:rPr lang="pt-BR" sz="2000" dirty="0" smtClean="0">
+                <a:solidFill>
+                  <a:srgbClr val="FF0000"/>
+                </a:solidFill>
+              </a:rPr>
+              <a:t>padding-</a:t>
+            </a:r>
+            <a:r>
+              <a:rPr lang="pt-BR" sz="2000" dirty="0" err="1" smtClean="0">
+                <a:solidFill>
+                  <a:srgbClr val="FF0000"/>
+                </a:solidFill>
+              </a:rPr>
+              <a:t>left</a:t>
+            </a:r>
+            <a:r>
+              <a:rPr lang="pt-BR" sz="2000" dirty="0" smtClean="0">
+                <a:solidFill>
+                  <a:schemeClr val="bg1"/>
+                </a:solidFill>
+              </a:rPr>
+              <a:t> : </a:t>
+            </a:r>
+            <a:r>
+              <a:rPr lang="pt-BR" sz="2000" dirty="0">
+                <a:solidFill>
+                  <a:schemeClr val="bg1"/>
+                </a:solidFill>
+              </a:rPr>
+              <a:t>Espaçamento interno apenas </a:t>
+            </a:r>
+            <a:r>
+              <a:rPr lang="pt-BR" sz="2000" dirty="0" smtClean="0">
+                <a:solidFill>
+                  <a:schemeClr val="bg1"/>
+                </a:solidFill>
+              </a:rPr>
+              <a:t>da </a:t>
+            </a:r>
+            <a:r>
+              <a:rPr lang="pt-BR" sz="2000" dirty="0" smtClean="0">
+                <a:solidFill>
+                  <a:srgbClr val="FF0000"/>
+                </a:solidFill>
+              </a:rPr>
+              <a:t>esquerda</a:t>
+            </a:r>
+            <a:r>
+              <a:rPr lang="pt-BR" sz="2000" dirty="0" smtClean="0">
+                <a:solidFill>
+                  <a:schemeClr val="bg1"/>
+                </a:solidFill>
+              </a:rPr>
+              <a:t>;</a:t>
+            </a:r>
+          </a:p>
+          <a:p>
+            <a:endParaRPr lang="pt-BR" sz="2000" dirty="0" smtClean="0">
+              <a:solidFill>
+                <a:schemeClr val="bg1"/>
+              </a:solidFill>
+            </a:endParaRPr>
+          </a:p>
+          <a:p>
+            <a:r>
+              <a:rPr lang="pt-BR" sz="2000" dirty="0" smtClean="0">
+                <a:solidFill>
+                  <a:schemeClr val="bg1">
+                    <a:lumMod val="95000"/>
+                    <a:lumOff val="5000"/>
+                  </a:schemeClr>
+                </a:solidFill>
+              </a:rPr>
+              <a:t>Podemos utilizar todas as funcionalidades apenas com o </a:t>
+            </a:r>
+            <a:r>
+              <a:rPr lang="pt-BR" sz="2000" dirty="0" smtClean="0">
+                <a:solidFill>
+                  <a:srgbClr val="FF0000"/>
+                </a:solidFill>
+              </a:rPr>
+              <a:t>padding</a:t>
+            </a:r>
+            <a:r>
+              <a:rPr lang="pt-BR" sz="2000" dirty="0" smtClean="0">
+                <a:solidFill>
+                  <a:schemeClr val="bg1">
+                    <a:lumMod val="95000"/>
+                    <a:lumOff val="5000"/>
+                  </a:schemeClr>
+                </a:solidFill>
+              </a:rPr>
+              <a:t>, a direção é feita no </a:t>
+            </a:r>
+            <a:r>
+              <a:rPr lang="pt-BR" sz="2000" dirty="0" smtClean="0">
+                <a:solidFill>
+                  <a:srgbClr val="FF0000"/>
+                </a:solidFill>
+              </a:rPr>
+              <a:t>sentido</a:t>
+            </a:r>
+            <a:r>
+              <a:rPr lang="pt-BR" sz="2000" dirty="0" smtClean="0">
+                <a:solidFill>
+                  <a:schemeClr val="bg1">
+                    <a:lumMod val="95000"/>
+                    <a:lumOff val="5000"/>
+                  </a:schemeClr>
+                </a:solidFill>
+              </a:rPr>
+              <a:t> </a:t>
+            </a:r>
+            <a:r>
+              <a:rPr lang="pt-BR" sz="2000" dirty="0" smtClean="0">
+                <a:solidFill>
+                  <a:srgbClr val="FF0000"/>
+                </a:solidFill>
+              </a:rPr>
+              <a:t>horário</a:t>
+            </a:r>
+            <a:r>
+              <a:rPr lang="pt-BR" sz="2000" dirty="0" smtClean="0">
+                <a:solidFill>
+                  <a:schemeClr val="bg1">
+                    <a:lumMod val="95000"/>
+                    <a:lumOff val="5000"/>
+                  </a:schemeClr>
+                </a:solidFill>
+              </a:rPr>
+              <a:t>:</a:t>
+            </a:r>
+          </a:p>
+          <a:p>
+            <a:endParaRPr lang="pt-BR" sz="2000" dirty="0">
+              <a:solidFill>
+                <a:schemeClr val="bg1">
+                  <a:lumMod val="95000"/>
+                  <a:lumOff val="5000"/>
+                </a:schemeClr>
+              </a:solidFill>
+            </a:endParaRPr>
+          </a:p>
+          <a:p>
+            <a:endParaRPr lang="pt-BR" sz="2000" dirty="0" smtClean="0">
+              <a:solidFill>
+                <a:schemeClr val="bg1">
+                  <a:lumMod val="95000"/>
+                  <a:lumOff val="5000"/>
+                </a:schemeClr>
+              </a:solidFill>
+            </a:endParaRPr>
+          </a:p>
+          <a:p>
+            <a:endParaRPr lang="pt-BR" sz="2000" dirty="0">
+              <a:solidFill>
+                <a:schemeClr val="bg1">
+                  <a:lumMod val="95000"/>
+                  <a:lumOff val="5000"/>
+                </a:schemeClr>
+              </a:solidFill>
+            </a:endParaRPr>
+          </a:p>
+          <a:p>
+            <a:endParaRPr lang="pt-BR" sz="2000" dirty="0" smtClean="0">
+              <a:solidFill>
+                <a:schemeClr val="bg1">
+                  <a:lumMod val="95000"/>
+                  <a:lumOff val="5000"/>
+                </a:schemeClr>
+              </a:solidFill>
+            </a:endParaRPr>
+          </a:p>
+          <a:p>
+            <a:endParaRPr lang="pt-BR" sz="2000" dirty="0">
+              <a:solidFill>
+                <a:schemeClr val="bg1">
+                  <a:lumMod val="95000"/>
+                  <a:lumOff val="5000"/>
+                </a:schemeClr>
+              </a:solidFill>
+            </a:endParaRPr>
+          </a:p>
+          <a:p>
+            <a:endParaRPr lang="pt-BR" sz="2000" dirty="0" smtClean="0">
+              <a:solidFill>
+                <a:schemeClr val="bg1">
+                  <a:lumMod val="95000"/>
+                  <a:lumOff val="5000"/>
+                </a:schemeClr>
+              </a:solidFill>
+            </a:endParaRPr>
+          </a:p>
+          <a:p>
+            <a:endParaRPr lang="pt-BR" sz="2000" dirty="0">
+              <a:solidFill>
+                <a:schemeClr val="bg1">
+                  <a:lumMod val="95000"/>
+                  <a:lumOff val="5000"/>
+                </a:schemeClr>
+              </a:solidFill>
+            </a:endParaRPr>
+          </a:p>
+          <a:p>
+            <a:endParaRPr lang="pt-BR" sz="2000" dirty="0" smtClean="0">
+              <a:solidFill>
+                <a:schemeClr val="bg1">
+                  <a:lumMod val="95000"/>
+                  <a:lumOff val="5000"/>
+                </a:schemeClr>
+              </a:solidFill>
+            </a:endParaRPr>
+          </a:p>
+          <a:p>
+            <a:endParaRPr lang="pt-BR" sz="2000" dirty="0">
+              <a:solidFill>
+                <a:schemeClr val="bg1">
+                  <a:lumMod val="95000"/>
+                  <a:lumOff val="5000"/>
+                </a:schemeClr>
+              </a:solidFill>
+            </a:endParaRPr>
+          </a:p>
+          <a:p>
+            <a:endParaRPr lang="pt-BR" sz="2000" dirty="0" smtClean="0">
+              <a:solidFill>
+                <a:schemeClr val="bg1">
+                  <a:lumMod val="95000"/>
+                  <a:lumOff val="5000"/>
+                </a:schemeClr>
+              </a:solidFill>
+            </a:endParaRPr>
+          </a:p>
+          <a:p>
+            <a:endParaRPr lang="pt-BR" sz="2000" dirty="0">
+              <a:solidFill>
+                <a:schemeClr val="bg1">
+                  <a:lumMod val="95000"/>
+                  <a:lumOff val="5000"/>
+                </a:schemeClr>
+              </a:solidFill>
+            </a:endParaRPr>
+          </a:p>
+          <a:p>
+            <a:endParaRPr lang="pt-BR" sz="2000" dirty="0" smtClean="0">
+              <a:solidFill>
+                <a:schemeClr val="bg1">
+                  <a:lumMod val="95000"/>
+                  <a:lumOff val="5000"/>
+                </a:schemeClr>
+              </a:solidFill>
+            </a:endParaRPr>
+          </a:p>
+          <a:p>
+            <a:r>
+              <a:rPr lang="pt-BR" sz="2000" dirty="0" smtClean="0">
+                <a:solidFill>
+                  <a:schemeClr val="bg1">
+                    <a:lumMod val="95000"/>
+                    <a:lumOff val="5000"/>
+                  </a:schemeClr>
+                </a:solidFill>
+              </a:rPr>
+              <a:t>Para mais exemplos: </a:t>
+            </a:r>
+            <a:r>
+              <a:rPr lang="pt-BR" sz="2000" dirty="0" smtClean="0">
+                <a:solidFill>
+                  <a:schemeClr val="bg1">
+                    <a:lumMod val="95000"/>
+                    <a:lumOff val="5000"/>
+                  </a:schemeClr>
+                </a:solidFill>
+                <a:hlinkClick r:id="rId2"/>
+              </a:rPr>
+              <a:t>https://www.w3schools.com/css/css_padding.asp</a:t>
+            </a:r>
+            <a:endParaRPr lang="pt-BR" sz="2000" dirty="0" smtClean="0">
+              <a:solidFill>
+                <a:schemeClr val="bg1">
+                  <a:lumMod val="95000"/>
+                  <a:lumOff val="5000"/>
+                </a:schemeClr>
+              </a:solidFill>
+            </a:endParaRPr>
+          </a:p>
+          <a:p>
+            <a:endParaRPr lang="pt-BR" sz="2000" dirty="0">
+              <a:solidFill>
+                <a:schemeClr val="bg1">
+                  <a:lumMod val="95000"/>
+                  <a:lumOff val="5000"/>
+                </a:schemeClr>
+              </a:solidFill>
+            </a:endParaRPr>
+          </a:p>
+          <a:p>
+            <a:endParaRPr lang="pt-BR" sz="2000" dirty="0">
+              <a:solidFill>
+                <a:schemeClr val="bg1">
+                  <a:lumMod val="95000"/>
+                  <a:lumOff val="5000"/>
+                </a:schemeClr>
+              </a:solidFill>
+            </a:endParaRPr>
+          </a:p>
+          <a:p>
+            <a:endParaRPr lang="pt-BR" sz="2000" dirty="0">
+              <a:solidFill>
+                <a:schemeClr val="bg1"/>
+              </a:solidFill>
+            </a:endParaRPr>
+          </a:p>
+          <a:p>
+            <a:pPr algn="just"/>
+            <a:endParaRPr lang="pt-BR" sz="2000" dirty="0" smtClean="0">
+              <a:solidFill>
+                <a:schemeClr val="bg1">
+                  <a:lumMod val="95000"/>
+                  <a:lumOff val="5000"/>
+                </a:schemeClr>
+              </a:solidFill>
+            </a:endParaRPr>
+          </a:p>
+        </p:txBody>
+      </p:sp>
+      <p:pic>
+        <p:nvPicPr>
+          <p:cNvPr id="3074" name="Picture 2"/>
+          <p:cNvPicPr>
+            <a:picLocks noChangeAspect="1" noChangeArrowheads="1"/>
+          </p:cNvPicPr>
+          <p:nvPr/>
+        </p:nvPicPr>
+        <p:blipFill>
+          <a:blip r:embed="rId3">
+            <a:extLst>
+              <a:ext uri="{28A0092B-C50C-407E-A947-70E740481C1C}">
+                <a14:useLocalDpi xmlns:a14="http://schemas.microsoft.com/office/drawing/2010/main" val="0"/>
+              </a:ext>
+            </a:extLst>
+          </a:blip>
+          <a:srcRect/>
+          <a:stretch>
+            <a:fillRect/>
+          </a:stretch>
+        </p:blipFill>
+        <p:spPr bwMode="auto">
+          <a:xfrm>
+            <a:off x="1617560" y="3096490"/>
+            <a:ext cx="8357713" cy="2810806"/>
+          </a:xfrm>
+          <a:prstGeom prst="rect">
+            <a:avLst/>
+          </a:prstGeom>
+          <a:noFill/>
+          <a:ln>
+            <a:noFill/>
+          </a:ln>
+          <a:effectLst/>
+          <a:extLst>
+            <a:ext uri="{909E8E84-426E-40DD-AFC4-6F175D3DCCD1}">
+              <a14:hiddenFill xmlns:a14="http://schemas.microsoft.com/office/drawing/2010/main">
+                <a:solidFill>
+                  <a:schemeClr val="accent1"/>
+                </a:solidFill>
+              </a14:hiddenFill>
+            </a:ext>
+            <a:ext uri="{91240B29-F687-4F45-9708-019B960494DF}">
+              <a14:hiddenLine xmlns:a14="http://schemas.microsoft.com/office/drawing/2010/main" w="9525">
+                <a:solidFill>
+                  <a:schemeClr val="tx1"/>
+                </a:solidFill>
+                <a:miter lim="800000"/>
+                <a:headEnd/>
+                <a:tailEnd/>
+              </a14:hiddenLine>
+            </a:ext>
+            <a:ext uri="{AF507438-7753-43E0-B8FC-AC1667EBCBE1}">
+              <a14:hiddenEffects xmlns:a14="http://schemas.microsoft.com/office/drawing/2010/main">
+                <a:effectLst>
+                  <a:outerShdw dist="35921" dir="2700000" algn="ctr" rotWithShape="0">
+                    <a:schemeClr val="bg2"/>
+                  </a:outerShdw>
+                </a:effectLst>
+              </a14:hiddenEffects>
+            </a:ext>
+          </a:extLst>
+        </p:spPr>
+      </p:pic>
+    </p:spTree>
+    <p:extLst>
+      <p:ext uri="{BB962C8B-B14F-4D97-AF65-F5344CB8AC3E}">
+        <p14:creationId xmlns:p14="http://schemas.microsoft.com/office/powerpoint/2010/main" val="52755187"/>
+      </p:ext>
+    </p:extLst>
+  </p:cSld>
+  <p:clrMapOvr>
+    <a:masterClrMapping/>
+  </p:clrMapOvr>
+  <p:timing>
+    <p:tnLst>
+      <p:par>
+        <p:cTn id="1" dur="indefinite" restart="never" nodeType="tmRoot"/>
+      </p:par>
+    </p:tnLst>
+  </p:timing>
+</p:sld>
+</file>
+
+<file path=ppt/slides/slide36.xml><?xml version="1.0" encoding="utf-8"?>
+<p:sld xmlns:a="http://schemas.openxmlformats.org/drawingml/2006/main" xmlns:r="http://schemas.openxmlformats.org/officeDocument/2006/relationships" xmlns:p="http://schemas.openxmlformats.org/presentationml/2006/main">
+  <p:cSld>
+    <p:spTree>
+      <p:nvGrpSpPr>
+        <p:cNvPr id="1" name=""/>
+        <p:cNvGrpSpPr/>
+        <p:nvPr/>
+      </p:nvGrpSpPr>
+      <p:grpSpPr>
+        <a:xfrm>
+          <a:off x="0" y="0"/>
+          <a:ext cx="0" cy="0"/>
+          <a:chOff x="0" y="0"/>
+          <a:chExt cx="0" cy="0"/>
+        </a:xfrm>
+      </p:grpSpPr>
+      <p:sp>
+        <p:nvSpPr>
+          <p:cNvPr id="8" name="Retângulo 7">
+            <a:extLst>
+              <a:ext uri="{FF2B5EF4-FFF2-40B4-BE49-F238E27FC236}">
+                <a16:creationId xmlns="" xmlns:a16="http://schemas.microsoft.com/office/drawing/2014/main" id="{9B33DD69-1761-43D2-B589-CE56D2C4FBB6}"/>
+              </a:ext>
+            </a:extLst>
+          </p:cNvPr>
+          <p:cNvSpPr/>
+          <p:nvPr/>
+        </p:nvSpPr>
+        <p:spPr>
+          <a:xfrm>
+            <a:off x="892663" y="0"/>
+            <a:ext cx="11304103" cy="6858000"/>
+          </a:xfrm>
+          <a:prstGeom prst="rect">
+            <a:avLst/>
+          </a:prstGeom>
+          <a:solidFill>
+            <a:schemeClr val="tx1"/>
+          </a:solidFill>
+          <a:ln>
+            <a:solidFill>
+              <a:schemeClr val="tx1"/>
+            </a:solidFill>
+          </a:ln>
+        </p:spPr>
+        <p:style>
+          <a:lnRef idx="2">
+            <a:schemeClr val="accent1">
+              <a:shade val="50000"/>
+            </a:schemeClr>
+          </a:lnRef>
+          <a:fillRef idx="1">
+            <a:schemeClr val="accent1"/>
+          </a:fillRef>
+          <a:effectRef idx="0">
+            <a:schemeClr val="accent1"/>
+          </a:effectRef>
+          <a:fontRef idx="minor">
+            <a:schemeClr val="lt1"/>
+          </a:fontRef>
+        </p:style>
+        <p:txBody>
+          <a:bodyPr rtlCol="0" anchor="ctr"/>
+          <a:lstStyle/>
+          <a:p>
+            <a:pPr algn="ctr"/>
+            <a:endParaRPr lang="pt-BR" sz="2000" dirty="0">
+              <a:solidFill>
+                <a:schemeClr val="bg1"/>
+              </a:solidFill>
+            </a:endParaRPr>
+          </a:p>
+        </p:txBody>
+      </p:sp>
+      <p:sp>
+        <p:nvSpPr>
+          <p:cNvPr id="3" name="AutoShape 2" descr="Download Visual Studio Code - Mac, Linux, Windows"/>
+          <p:cNvSpPr>
+            <a:spLocks noChangeAspect="1" noChangeArrowheads="1"/>
+          </p:cNvSpPr>
+          <p:nvPr/>
+        </p:nvSpPr>
+        <p:spPr bwMode="auto">
+          <a:xfrm>
+            <a:off x="155575" y="-144463"/>
+            <a:ext cx="304800" cy="304801"/>
+          </a:xfrm>
+          <a:prstGeom prst="rect">
+            <a:avLst/>
+          </a:prstGeom>
+          <a:noFill/>
+          <a:extLst>
+            <a:ext uri="{909E8E84-426E-40DD-AFC4-6F175D3DCCD1}">
+              <a14:hiddenFill xmlns:a14="http://schemas.microsoft.com/office/drawing/2010/main">
+                <a:solidFill>
+                  <a:srgbClr val="FFFFFF"/>
+                </a:solidFill>
+              </a14:hiddenFill>
+            </a:ext>
+          </a:extLst>
+        </p:spPr>
+        <p:txBody>
+          <a:bodyPr vert="horz" wrap="square" lIns="91440" tIns="45720" rIns="91440" bIns="45720" numCol="1" anchor="t" anchorCtr="0" compatLnSpc="1">
+            <a:prstTxWarp prst="textNoShape">
+              <a:avLst/>
+            </a:prstTxWarp>
+          </a:bodyPr>
+          <a:lstStyle/>
+          <a:p>
+            <a:endParaRPr lang="pt-BR"/>
+          </a:p>
+        </p:txBody>
+      </p:sp>
+      <p:sp>
+        <p:nvSpPr>
+          <p:cNvPr id="4" name="AutoShape 4" descr="Download Visual Studio Code - Mac, Linux, Windows"/>
+          <p:cNvSpPr>
+            <a:spLocks noChangeAspect="1" noChangeArrowheads="1"/>
+          </p:cNvSpPr>
+          <p:nvPr/>
+        </p:nvSpPr>
+        <p:spPr bwMode="auto">
+          <a:xfrm>
+            <a:off x="307975" y="7937"/>
+            <a:ext cx="304800" cy="304801"/>
+          </a:xfrm>
+          <a:prstGeom prst="rect">
+            <a:avLst/>
+          </a:prstGeom>
+          <a:noFill/>
+          <a:extLst>
+            <a:ext uri="{909E8E84-426E-40DD-AFC4-6F175D3DCCD1}">
+              <a14:hiddenFill xmlns:a14="http://schemas.microsoft.com/office/drawing/2010/main">
+                <a:solidFill>
+                  <a:srgbClr val="FFFFFF"/>
+                </a:solidFill>
+              </a14:hiddenFill>
+            </a:ext>
+          </a:extLst>
+        </p:spPr>
+        <p:txBody>
+          <a:bodyPr vert="horz" wrap="square" lIns="91440" tIns="45720" rIns="91440" bIns="45720" numCol="1" anchor="t" anchorCtr="0" compatLnSpc="1">
+            <a:prstTxWarp prst="textNoShape">
+              <a:avLst/>
+            </a:prstTxWarp>
+          </a:bodyPr>
+          <a:lstStyle/>
+          <a:p>
+            <a:endParaRPr lang="pt-BR"/>
+          </a:p>
+        </p:txBody>
+      </p:sp>
+      <p:sp>
+        <p:nvSpPr>
+          <p:cNvPr id="9" name="CaixaDeTexto 8">
+            <a:extLst>
+              <a:ext uri="{FF2B5EF4-FFF2-40B4-BE49-F238E27FC236}">
+                <a16:creationId xmlns="" xmlns:a16="http://schemas.microsoft.com/office/drawing/2014/main" id="{90B980A2-8D40-4C0A-9871-4FA9794F9C3D}"/>
+              </a:ext>
+            </a:extLst>
+          </p:cNvPr>
+          <p:cNvSpPr txBox="1"/>
+          <p:nvPr/>
+        </p:nvSpPr>
+        <p:spPr>
+          <a:xfrm>
+            <a:off x="1215284" y="160337"/>
+            <a:ext cx="10658859" cy="6555641"/>
+          </a:xfrm>
+          <a:prstGeom prst="rect">
+            <a:avLst/>
+          </a:prstGeom>
+          <a:noFill/>
+        </p:spPr>
+        <p:txBody>
+          <a:bodyPr wrap="square" rtlCol="0">
+            <a:spAutoFit/>
+          </a:bodyPr>
+          <a:lstStyle/>
+          <a:p>
+            <a:pPr algn="just"/>
+            <a:r>
+              <a:rPr lang="pt-BR" sz="2000" dirty="0" smtClean="0">
+                <a:solidFill>
+                  <a:schemeClr val="bg1">
+                    <a:lumMod val="95000"/>
+                    <a:lumOff val="5000"/>
+                  </a:schemeClr>
+                </a:solidFill>
+              </a:rPr>
+              <a:t>Para darmos </a:t>
+            </a:r>
+            <a:r>
+              <a:rPr lang="pt-BR" sz="2000" dirty="0" smtClean="0">
+                <a:solidFill>
+                  <a:srgbClr val="FF0000"/>
+                </a:solidFill>
+              </a:rPr>
+              <a:t>espaçamentos externos </a:t>
+            </a:r>
+            <a:r>
+              <a:rPr lang="pt-BR" sz="2000" dirty="0" smtClean="0">
+                <a:solidFill>
+                  <a:schemeClr val="bg1">
+                    <a:lumMod val="95000"/>
+                    <a:lumOff val="5000"/>
+                  </a:schemeClr>
+                </a:solidFill>
+              </a:rPr>
+              <a:t>dentro de objetos utilizamos o </a:t>
+            </a:r>
+            <a:r>
+              <a:rPr lang="pt-BR" sz="2000" dirty="0" smtClean="0">
+                <a:solidFill>
+                  <a:srgbClr val="FF0000"/>
+                </a:solidFill>
+              </a:rPr>
+              <a:t>margin</a:t>
+            </a:r>
+            <a:r>
+              <a:rPr lang="pt-BR" sz="2000" dirty="0" smtClean="0">
+                <a:solidFill>
+                  <a:schemeClr val="bg1">
+                    <a:lumMod val="95000"/>
+                    <a:lumOff val="5000"/>
+                  </a:schemeClr>
+                </a:solidFill>
+              </a:rPr>
+              <a:t>:</a:t>
+            </a:r>
+          </a:p>
+          <a:p>
+            <a:pPr algn="just"/>
+            <a:endParaRPr lang="pt-BR" sz="2000" dirty="0">
+              <a:solidFill>
+                <a:schemeClr val="bg1">
+                  <a:lumMod val="95000"/>
+                  <a:lumOff val="5000"/>
+                </a:schemeClr>
+              </a:solidFill>
+            </a:endParaRPr>
+          </a:p>
+          <a:p>
+            <a:pPr algn="just"/>
+            <a:endParaRPr lang="pt-BR" sz="2000" dirty="0" smtClean="0">
+              <a:solidFill>
+                <a:schemeClr val="bg1">
+                  <a:lumMod val="95000"/>
+                  <a:lumOff val="5000"/>
+                </a:schemeClr>
+              </a:solidFill>
+            </a:endParaRPr>
+          </a:p>
+          <a:p>
+            <a:pPr algn="just"/>
+            <a:endParaRPr lang="pt-BR" sz="2000" dirty="0">
+              <a:solidFill>
+                <a:schemeClr val="bg1">
+                  <a:lumMod val="95000"/>
+                  <a:lumOff val="5000"/>
+                </a:schemeClr>
+              </a:solidFill>
+            </a:endParaRPr>
+          </a:p>
+          <a:p>
+            <a:pPr algn="just"/>
+            <a:endParaRPr lang="pt-BR" sz="2000" dirty="0" smtClean="0">
+              <a:solidFill>
+                <a:schemeClr val="bg1">
+                  <a:lumMod val="95000"/>
+                  <a:lumOff val="5000"/>
+                </a:schemeClr>
+              </a:solidFill>
+            </a:endParaRPr>
+          </a:p>
+          <a:p>
+            <a:pPr algn="just"/>
+            <a:endParaRPr lang="pt-BR" sz="2000" dirty="0">
+              <a:solidFill>
+                <a:schemeClr val="bg1">
+                  <a:lumMod val="95000"/>
+                  <a:lumOff val="5000"/>
+                </a:schemeClr>
+              </a:solidFill>
+            </a:endParaRPr>
+          </a:p>
+          <a:p>
+            <a:pPr algn="just"/>
+            <a:endParaRPr lang="pt-BR" sz="2000" dirty="0" smtClean="0">
+              <a:solidFill>
+                <a:schemeClr val="bg1">
+                  <a:lumMod val="95000"/>
+                  <a:lumOff val="5000"/>
+                </a:schemeClr>
+              </a:solidFill>
+            </a:endParaRPr>
+          </a:p>
+          <a:p>
+            <a:pPr algn="just"/>
+            <a:endParaRPr lang="pt-BR" sz="2000" dirty="0">
+              <a:solidFill>
+                <a:schemeClr val="bg1">
+                  <a:lumMod val="95000"/>
+                  <a:lumOff val="5000"/>
+                </a:schemeClr>
+              </a:solidFill>
+            </a:endParaRPr>
+          </a:p>
+          <a:p>
+            <a:pPr algn="just"/>
+            <a:endParaRPr lang="pt-BR" sz="2000" dirty="0" smtClean="0">
+              <a:solidFill>
+                <a:schemeClr val="bg1">
+                  <a:lumMod val="95000"/>
+                  <a:lumOff val="5000"/>
+                </a:schemeClr>
+              </a:solidFill>
+            </a:endParaRPr>
+          </a:p>
+          <a:p>
+            <a:pPr algn="just"/>
+            <a:endParaRPr lang="pt-BR" sz="2000" dirty="0">
+              <a:solidFill>
+                <a:schemeClr val="bg1">
+                  <a:lumMod val="95000"/>
+                  <a:lumOff val="5000"/>
+                </a:schemeClr>
+              </a:solidFill>
+            </a:endParaRPr>
+          </a:p>
+          <a:p>
+            <a:pPr algn="just"/>
+            <a:endParaRPr lang="pt-BR" sz="2000" dirty="0" smtClean="0">
+              <a:solidFill>
+                <a:schemeClr val="bg1">
+                  <a:lumMod val="95000"/>
+                  <a:lumOff val="5000"/>
+                </a:schemeClr>
+              </a:solidFill>
+            </a:endParaRPr>
+          </a:p>
+          <a:p>
+            <a:pPr algn="just"/>
+            <a:endParaRPr lang="pt-BR" sz="2000" dirty="0">
+              <a:solidFill>
+                <a:schemeClr val="bg1">
+                  <a:lumMod val="95000"/>
+                  <a:lumOff val="5000"/>
+                </a:schemeClr>
+              </a:solidFill>
+            </a:endParaRPr>
+          </a:p>
+          <a:p>
+            <a:pPr algn="just"/>
+            <a:endParaRPr lang="pt-BR" sz="2000" dirty="0" smtClean="0">
+              <a:solidFill>
+                <a:schemeClr val="bg1">
+                  <a:lumMod val="95000"/>
+                  <a:lumOff val="5000"/>
+                </a:schemeClr>
+              </a:solidFill>
+            </a:endParaRPr>
+          </a:p>
+          <a:p>
+            <a:pPr algn="just"/>
+            <a:endParaRPr lang="pt-BR" sz="2000" dirty="0">
+              <a:solidFill>
+                <a:schemeClr val="bg1">
+                  <a:lumMod val="95000"/>
+                  <a:lumOff val="5000"/>
+                </a:schemeClr>
+              </a:solidFill>
+            </a:endParaRPr>
+          </a:p>
+          <a:p>
+            <a:pPr algn="just"/>
+            <a:endParaRPr lang="pt-BR" sz="2000" dirty="0" smtClean="0">
+              <a:solidFill>
+                <a:schemeClr val="bg1">
+                  <a:lumMod val="95000"/>
+                  <a:lumOff val="5000"/>
+                </a:schemeClr>
+              </a:solidFill>
+            </a:endParaRPr>
+          </a:p>
+          <a:p>
+            <a:pPr algn="just"/>
+            <a:endParaRPr lang="pt-BR" sz="2000" dirty="0">
+              <a:solidFill>
+                <a:schemeClr val="bg1">
+                  <a:lumMod val="95000"/>
+                  <a:lumOff val="5000"/>
+                </a:schemeClr>
+              </a:solidFill>
+            </a:endParaRPr>
+          </a:p>
+          <a:p>
+            <a:pPr algn="just"/>
+            <a:endParaRPr lang="pt-BR" sz="2000" dirty="0" smtClean="0">
+              <a:solidFill>
+                <a:schemeClr val="bg1">
+                  <a:lumMod val="95000"/>
+                  <a:lumOff val="5000"/>
+                </a:schemeClr>
+              </a:solidFill>
+            </a:endParaRPr>
+          </a:p>
+          <a:p>
+            <a:pPr algn="just"/>
+            <a:endParaRPr lang="pt-BR" sz="2000" dirty="0">
+              <a:solidFill>
+                <a:schemeClr val="bg1">
+                  <a:lumMod val="95000"/>
+                  <a:lumOff val="5000"/>
+                </a:schemeClr>
+              </a:solidFill>
+            </a:endParaRPr>
+          </a:p>
+          <a:p>
+            <a:pPr algn="just"/>
+            <a:endParaRPr lang="pt-BR" sz="2000" dirty="0" smtClean="0">
+              <a:solidFill>
+                <a:schemeClr val="bg1">
+                  <a:lumMod val="95000"/>
+                  <a:lumOff val="5000"/>
+                </a:schemeClr>
+              </a:solidFill>
+            </a:endParaRPr>
+          </a:p>
+          <a:p>
+            <a:pPr algn="just"/>
+            <a:r>
+              <a:rPr lang="pt-BR" sz="2000" dirty="0" smtClean="0">
+                <a:solidFill>
+                  <a:schemeClr val="bg1">
+                    <a:lumMod val="95000"/>
+                    <a:lumOff val="5000"/>
+                  </a:schemeClr>
+                </a:solidFill>
+              </a:rPr>
+              <a:t>O </a:t>
+            </a:r>
+            <a:r>
+              <a:rPr lang="pt-BR" sz="2000" dirty="0" smtClean="0">
+                <a:solidFill>
+                  <a:srgbClr val="FF0000"/>
+                </a:solidFill>
+              </a:rPr>
+              <a:t>margin</a:t>
+            </a:r>
+            <a:r>
+              <a:rPr lang="pt-BR" sz="2000" dirty="0" smtClean="0">
+                <a:solidFill>
+                  <a:schemeClr val="bg1">
+                    <a:lumMod val="95000"/>
+                    <a:lumOff val="5000"/>
+                  </a:schemeClr>
+                </a:solidFill>
+              </a:rPr>
+              <a:t> segue as </a:t>
+            </a:r>
+            <a:r>
+              <a:rPr lang="pt-BR" sz="2000" dirty="0" smtClean="0">
+                <a:solidFill>
+                  <a:srgbClr val="FF0000"/>
+                </a:solidFill>
+              </a:rPr>
+              <a:t>mesmas</a:t>
+            </a:r>
+            <a:r>
+              <a:rPr lang="pt-BR" sz="2000" dirty="0" smtClean="0">
+                <a:solidFill>
+                  <a:schemeClr val="bg1">
+                    <a:lumMod val="95000"/>
+                    <a:lumOff val="5000"/>
+                  </a:schemeClr>
+                </a:solidFill>
+              </a:rPr>
+              <a:t> </a:t>
+            </a:r>
+            <a:r>
+              <a:rPr lang="pt-BR" sz="2000" dirty="0" smtClean="0">
+                <a:solidFill>
+                  <a:srgbClr val="FF0000"/>
+                </a:solidFill>
+              </a:rPr>
+              <a:t>regras</a:t>
+            </a:r>
+            <a:r>
+              <a:rPr lang="pt-BR" sz="2000" dirty="0" smtClean="0">
+                <a:solidFill>
+                  <a:schemeClr val="bg1">
+                    <a:lumMod val="95000"/>
+                    <a:lumOff val="5000"/>
+                  </a:schemeClr>
+                </a:solidFill>
+              </a:rPr>
+              <a:t> do </a:t>
+            </a:r>
+            <a:r>
+              <a:rPr lang="pt-BR" sz="2000" dirty="0" smtClean="0">
+                <a:solidFill>
+                  <a:srgbClr val="FF0000"/>
+                </a:solidFill>
+              </a:rPr>
+              <a:t>padding</a:t>
+            </a:r>
+            <a:r>
+              <a:rPr lang="pt-BR" sz="2000" dirty="0" smtClean="0">
+                <a:solidFill>
+                  <a:schemeClr val="bg1"/>
+                </a:solidFill>
+              </a:rPr>
+              <a:t>, para mais exemplos:</a:t>
+            </a:r>
+          </a:p>
+          <a:p>
+            <a:pPr algn="just"/>
+            <a:r>
+              <a:rPr lang="pt-BR" sz="2000" dirty="0" smtClean="0">
+                <a:solidFill>
+                  <a:schemeClr val="bg1"/>
+                </a:solidFill>
+                <a:hlinkClick r:id="rId2"/>
+              </a:rPr>
+              <a:t>https://www.w3schools.com/css/css_margin.asp</a:t>
+            </a:r>
+            <a:endParaRPr lang="pt-BR" sz="2000" dirty="0" smtClean="0">
+              <a:solidFill>
+                <a:schemeClr val="bg1"/>
+              </a:solidFill>
+            </a:endParaRPr>
+          </a:p>
+        </p:txBody>
+      </p:sp>
+      <p:pic>
+        <p:nvPicPr>
+          <p:cNvPr id="4098" name="Picture 2"/>
+          <p:cNvPicPr>
+            <a:picLocks noChangeAspect="1" noChangeArrowheads="1"/>
+          </p:cNvPicPr>
+          <p:nvPr/>
+        </p:nvPicPr>
+        <p:blipFill>
+          <a:blip r:embed="rId3">
+            <a:extLst>
+              <a:ext uri="{28A0092B-C50C-407E-A947-70E740481C1C}">
+                <a14:useLocalDpi xmlns:a14="http://schemas.microsoft.com/office/drawing/2010/main" val="0"/>
+              </a:ext>
+            </a:extLst>
+          </a:blip>
+          <a:srcRect/>
+          <a:stretch>
+            <a:fillRect/>
+          </a:stretch>
+        </p:blipFill>
+        <p:spPr bwMode="auto">
+          <a:xfrm>
+            <a:off x="1472651" y="814387"/>
+            <a:ext cx="9477858" cy="4885769"/>
+          </a:xfrm>
+          <a:prstGeom prst="rect">
+            <a:avLst/>
+          </a:prstGeom>
+          <a:noFill/>
+          <a:ln>
+            <a:noFill/>
+          </a:ln>
+          <a:effectLst/>
+          <a:extLst>
+            <a:ext uri="{909E8E84-426E-40DD-AFC4-6F175D3DCCD1}">
+              <a14:hiddenFill xmlns:a14="http://schemas.microsoft.com/office/drawing/2010/main">
+                <a:solidFill>
+                  <a:schemeClr val="accent1"/>
+                </a:solidFill>
+              </a14:hiddenFill>
+            </a:ext>
+            <a:ext uri="{91240B29-F687-4F45-9708-019B960494DF}">
+              <a14:hiddenLine xmlns:a14="http://schemas.microsoft.com/office/drawing/2010/main" w="9525">
+                <a:solidFill>
+                  <a:schemeClr val="tx1"/>
+                </a:solidFill>
+                <a:miter lim="800000"/>
+                <a:headEnd/>
+                <a:tailEnd/>
+              </a14:hiddenLine>
+            </a:ext>
+            <a:ext uri="{AF507438-7753-43E0-B8FC-AC1667EBCBE1}">
+              <a14:hiddenEffects xmlns:a14="http://schemas.microsoft.com/office/drawing/2010/main">
+                <a:effectLst>
+                  <a:outerShdw dist="35921" dir="2700000" algn="ctr" rotWithShape="0">
+                    <a:schemeClr val="bg2"/>
+                  </a:outerShdw>
+                </a:effectLst>
+              </a14:hiddenEffects>
+            </a:ext>
+          </a:extLst>
+        </p:spPr>
+      </p:pic>
+    </p:spTree>
+    <p:extLst>
+      <p:ext uri="{BB962C8B-B14F-4D97-AF65-F5344CB8AC3E}">
+        <p14:creationId xmlns:p14="http://schemas.microsoft.com/office/powerpoint/2010/main" val="1858246178"/>
+      </p:ext>
+    </p:extLst>
+  </p:cSld>
+  <p:clrMapOvr>
+    <a:masterClrMapping/>
+  </p:clrMapOvr>
+  <p:timing>
+    <p:tnLst>
+      <p:par>
+        <p:cTn id="1" dur="indefinite" restart="never" nodeType="tmRoot"/>
+      </p:par>
+    </p:tnLst>
+  </p:timing>
+</p:sld>
+</file>
+
+<file path=ppt/slides/slide37.xml><?xml version="1.0" encoding="utf-8"?>
+<p:sld xmlns:a="http://schemas.openxmlformats.org/drawingml/2006/main" xmlns:r="http://schemas.openxmlformats.org/officeDocument/2006/relationships" xmlns:p="http://schemas.openxmlformats.org/presentationml/2006/main">
+  <p:cSld>
+    <p:spTree>
+      <p:nvGrpSpPr>
+        <p:cNvPr id="1" name=""/>
+        <p:cNvGrpSpPr/>
+        <p:nvPr/>
+      </p:nvGrpSpPr>
+      <p:grpSpPr>
+        <a:xfrm>
+          <a:off x="0" y="0"/>
+          <a:ext cx="0" cy="0"/>
+          <a:chOff x="0" y="0"/>
+          <a:chExt cx="0" cy="0"/>
+        </a:xfrm>
+      </p:grpSpPr>
+      <p:sp>
+        <p:nvSpPr>
+          <p:cNvPr id="8" name="Retângulo 7">
+            <a:extLst>
+              <a:ext uri="{FF2B5EF4-FFF2-40B4-BE49-F238E27FC236}">
+                <a16:creationId xmlns="" xmlns:a16="http://schemas.microsoft.com/office/drawing/2014/main" id="{9B33DD69-1761-43D2-B589-CE56D2C4FBB6}"/>
+              </a:ext>
+            </a:extLst>
+          </p:cNvPr>
+          <p:cNvSpPr/>
+          <p:nvPr/>
+        </p:nvSpPr>
+        <p:spPr>
+          <a:xfrm>
+            <a:off x="892663" y="0"/>
+            <a:ext cx="11304103" cy="6858000"/>
+          </a:xfrm>
+          <a:prstGeom prst="rect">
+            <a:avLst/>
+          </a:prstGeom>
+          <a:solidFill>
+            <a:schemeClr val="tx1"/>
+          </a:solidFill>
+          <a:ln>
+            <a:solidFill>
+              <a:schemeClr val="tx1"/>
+            </a:solidFill>
+          </a:ln>
+        </p:spPr>
+        <p:style>
+          <a:lnRef idx="2">
+            <a:schemeClr val="accent1">
+              <a:shade val="50000"/>
+            </a:schemeClr>
+          </a:lnRef>
+          <a:fillRef idx="1">
+            <a:schemeClr val="accent1"/>
+          </a:fillRef>
+          <a:effectRef idx="0">
+            <a:schemeClr val="accent1"/>
+          </a:effectRef>
+          <a:fontRef idx="minor">
+            <a:schemeClr val="lt1"/>
+          </a:fontRef>
+        </p:style>
+        <p:txBody>
+          <a:bodyPr rtlCol="0" anchor="ctr"/>
+          <a:lstStyle/>
+          <a:p>
+            <a:pPr algn="ctr"/>
+            <a:endParaRPr lang="pt-BR" sz="2000" dirty="0">
+              <a:solidFill>
+                <a:schemeClr val="bg1"/>
+              </a:solidFill>
+            </a:endParaRPr>
+          </a:p>
+        </p:txBody>
+      </p:sp>
+      <p:sp>
+        <p:nvSpPr>
+          <p:cNvPr id="3" name="AutoShape 2" descr="Download Visual Studio Code - Mac, Linux, Windows"/>
+          <p:cNvSpPr>
+            <a:spLocks noChangeAspect="1" noChangeArrowheads="1"/>
+          </p:cNvSpPr>
+          <p:nvPr/>
+        </p:nvSpPr>
+        <p:spPr bwMode="auto">
+          <a:xfrm>
+            <a:off x="155575" y="-144463"/>
+            <a:ext cx="304800" cy="304801"/>
+          </a:xfrm>
+          <a:prstGeom prst="rect">
+            <a:avLst/>
+          </a:prstGeom>
+          <a:noFill/>
+          <a:extLst>
+            <a:ext uri="{909E8E84-426E-40DD-AFC4-6F175D3DCCD1}">
+              <a14:hiddenFill xmlns:a14="http://schemas.microsoft.com/office/drawing/2010/main">
+                <a:solidFill>
+                  <a:srgbClr val="FFFFFF"/>
+                </a:solidFill>
+              </a14:hiddenFill>
+            </a:ext>
+          </a:extLst>
+        </p:spPr>
+        <p:txBody>
+          <a:bodyPr vert="horz" wrap="square" lIns="91440" tIns="45720" rIns="91440" bIns="45720" numCol="1" anchor="t" anchorCtr="0" compatLnSpc="1">
+            <a:prstTxWarp prst="textNoShape">
+              <a:avLst/>
+            </a:prstTxWarp>
+          </a:bodyPr>
+          <a:lstStyle/>
+          <a:p>
+            <a:endParaRPr lang="pt-BR"/>
+          </a:p>
+        </p:txBody>
+      </p:sp>
+      <p:sp>
+        <p:nvSpPr>
+          <p:cNvPr id="4" name="AutoShape 4" descr="Download Visual Studio Code - Mac, Linux, Windows"/>
+          <p:cNvSpPr>
+            <a:spLocks noChangeAspect="1" noChangeArrowheads="1"/>
+          </p:cNvSpPr>
+          <p:nvPr/>
+        </p:nvSpPr>
+        <p:spPr bwMode="auto">
+          <a:xfrm>
+            <a:off x="307975" y="7937"/>
+            <a:ext cx="304800" cy="304801"/>
+          </a:xfrm>
+          <a:prstGeom prst="rect">
+            <a:avLst/>
+          </a:prstGeom>
+          <a:noFill/>
+          <a:extLst>
+            <a:ext uri="{909E8E84-426E-40DD-AFC4-6F175D3DCCD1}">
+              <a14:hiddenFill xmlns:a14="http://schemas.microsoft.com/office/drawing/2010/main">
+                <a:solidFill>
+                  <a:srgbClr val="FFFFFF"/>
+                </a:solidFill>
+              </a14:hiddenFill>
+            </a:ext>
+          </a:extLst>
+        </p:spPr>
+        <p:txBody>
+          <a:bodyPr vert="horz" wrap="square" lIns="91440" tIns="45720" rIns="91440" bIns="45720" numCol="1" anchor="t" anchorCtr="0" compatLnSpc="1">
+            <a:prstTxWarp prst="textNoShape">
+              <a:avLst/>
+            </a:prstTxWarp>
+          </a:bodyPr>
+          <a:lstStyle/>
+          <a:p>
+            <a:endParaRPr lang="pt-BR"/>
+          </a:p>
+        </p:txBody>
+      </p:sp>
+      <p:sp>
+        <p:nvSpPr>
+          <p:cNvPr id="9" name="CaixaDeTexto 8">
+            <a:extLst>
+              <a:ext uri="{FF2B5EF4-FFF2-40B4-BE49-F238E27FC236}">
+                <a16:creationId xmlns="" xmlns:a16="http://schemas.microsoft.com/office/drawing/2014/main" id="{90B980A2-8D40-4C0A-9871-4FA9794F9C3D}"/>
+              </a:ext>
+            </a:extLst>
+          </p:cNvPr>
+          <p:cNvSpPr txBox="1"/>
+          <p:nvPr/>
+        </p:nvSpPr>
+        <p:spPr>
+          <a:xfrm>
+            <a:off x="1215284" y="160337"/>
+            <a:ext cx="10658859" cy="5324535"/>
+          </a:xfrm>
+          <a:prstGeom prst="rect">
+            <a:avLst/>
+          </a:prstGeom>
+          <a:noFill/>
+        </p:spPr>
+        <p:txBody>
+          <a:bodyPr wrap="square" rtlCol="0">
+            <a:spAutoFit/>
+          </a:bodyPr>
+          <a:lstStyle/>
+          <a:p>
+            <a:pPr algn="just"/>
+            <a:r>
+              <a:rPr lang="pt-BR" sz="2000" dirty="0" smtClean="0">
+                <a:solidFill>
+                  <a:schemeClr val="bg1">
+                    <a:lumMod val="95000"/>
+                    <a:lumOff val="5000"/>
+                  </a:schemeClr>
+                </a:solidFill>
+              </a:rPr>
+              <a:t>Para </a:t>
+            </a:r>
+            <a:r>
+              <a:rPr lang="pt-BR" sz="2000" dirty="0" smtClean="0">
+                <a:solidFill>
+                  <a:srgbClr val="FF0000"/>
+                </a:solidFill>
+              </a:rPr>
+              <a:t>alinharmos horizontalmente</a:t>
+            </a:r>
+            <a:r>
+              <a:rPr lang="pt-BR" sz="2000" dirty="0" smtClean="0">
+                <a:solidFill>
+                  <a:schemeClr val="bg1">
+                    <a:lumMod val="95000"/>
+                    <a:lumOff val="5000"/>
+                  </a:schemeClr>
+                </a:solidFill>
+              </a:rPr>
+              <a:t> um objeto no </a:t>
+            </a:r>
+            <a:r>
+              <a:rPr lang="pt-BR" sz="2000" dirty="0" smtClean="0">
+                <a:solidFill>
+                  <a:srgbClr val="FF0000"/>
+                </a:solidFill>
+              </a:rPr>
+              <a:t>centro da página </a:t>
+            </a:r>
+            <a:r>
+              <a:rPr lang="pt-BR" sz="2000" dirty="0" smtClean="0">
+                <a:solidFill>
+                  <a:schemeClr val="bg1">
+                    <a:lumMod val="95000"/>
+                    <a:lumOff val="5000"/>
+                  </a:schemeClr>
+                </a:solidFill>
+              </a:rPr>
+              <a:t>ou no </a:t>
+            </a:r>
+            <a:r>
+              <a:rPr lang="pt-BR" sz="2000" dirty="0" smtClean="0">
+                <a:solidFill>
+                  <a:srgbClr val="FF0000"/>
+                </a:solidFill>
+              </a:rPr>
+              <a:t>centro de outros objetos</a:t>
+            </a:r>
+            <a:r>
+              <a:rPr lang="pt-BR" sz="2000" dirty="0" smtClean="0">
+                <a:solidFill>
+                  <a:schemeClr val="bg1">
+                    <a:lumMod val="95000"/>
+                    <a:lumOff val="5000"/>
+                  </a:schemeClr>
+                </a:solidFill>
+              </a:rPr>
+              <a:t> utilizamos o</a:t>
+            </a:r>
+            <a:r>
+              <a:rPr lang="pt-BR" sz="2000" dirty="0" smtClean="0">
+                <a:solidFill>
+                  <a:schemeClr val="bg1"/>
+                </a:solidFill>
+              </a:rPr>
+              <a:t> </a:t>
+            </a:r>
+            <a:r>
+              <a:rPr lang="pt-BR" sz="2000" dirty="0" smtClean="0">
+                <a:solidFill>
+                  <a:srgbClr val="FF0000"/>
+                </a:solidFill>
+              </a:rPr>
+              <a:t>m</a:t>
+            </a:r>
+            <a:r>
+              <a:rPr lang="pt-BR" sz="2000" dirty="0" smtClean="0">
+                <a:solidFill>
+                  <a:srgbClr val="FF0000"/>
+                </a:solidFill>
+              </a:rPr>
+              <a:t>argin:</a:t>
+            </a:r>
+            <a:r>
+              <a:rPr lang="pt-BR" sz="2000" dirty="0">
+                <a:solidFill>
+                  <a:srgbClr val="FF0000"/>
+                </a:solidFill>
+              </a:rPr>
+              <a:t> 0 </a:t>
+            </a:r>
+            <a:r>
+              <a:rPr lang="pt-BR" sz="2000" dirty="0" smtClean="0">
+                <a:solidFill>
+                  <a:srgbClr val="FF0000"/>
+                </a:solidFill>
+              </a:rPr>
+              <a:t>auto </a:t>
+            </a:r>
+            <a:r>
+              <a:rPr lang="pt-BR" sz="2000" dirty="0" smtClean="0">
+                <a:solidFill>
+                  <a:schemeClr val="bg1"/>
+                </a:solidFill>
+              </a:rPr>
+              <a:t>e para </a:t>
+            </a:r>
+            <a:r>
+              <a:rPr lang="pt-BR" sz="2000" dirty="0" smtClean="0">
+                <a:solidFill>
+                  <a:srgbClr val="FF0000"/>
+                </a:solidFill>
+              </a:rPr>
+              <a:t>alinharmos um texto horizontalmente </a:t>
+            </a:r>
+            <a:r>
+              <a:rPr lang="pt-BR" sz="2000" dirty="0" smtClean="0">
+                <a:solidFill>
+                  <a:schemeClr val="bg1"/>
+                </a:solidFill>
+              </a:rPr>
+              <a:t>utilizamos o</a:t>
+            </a:r>
+            <a:r>
+              <a:rPr lang="pt-BR" sz="2000" dirty="0" smtClean="0">
+                <a:solidFill>
+                  <a:srgbClr val="FF0000"/>
+                </a:solidFill>
+              </a:rPr>
+              <a:t> text-align: center</a:t>
+            </a:r>
+            <a:r>
+              <a:rPr lang="pt-BR" sz="2000" dirty="0" smtClean="0">
+                <a:solidFill>
+                  <a:schemeClr val="bg1"/>
+                </a:solidFill>
+              </a:rPr>
+              <a:t>:</a:t>
+            </a:r>
+          </a:p>
+          <a:p>
+            <a:pPr algn="just"/>
+            <a:endParaRPr lang="pt-BR" sz="2000" dirty="0">
+              <a:solidFill>
+                <a:schemeClr val="bg1"/>
+              </a:solidFill>
+            </a:endParaRPr>
+          </a:p>
+          <a:p>
+            <a:pPr algn="just"/>
+            <a:endParaRPr lang="pt-BR" sz="2000" dirty="0" smtClean="0">
+              <a:solidFill>
+                <a:schemeClr val="bg1"/>
+              </a:solidFill>
+            </a:endParaRPr>
+          </a:p>
+          <a:p>
+            <a:pPr algn="just"/>
+            <a:endParaRPr lang="pt-BR" sz="2000" dirty="0">
+              <a:solidFill>
+                <a:schemeClr val="bg1"/>
+              </a:solidFill>
+            </a:endParaRPr>
+          </a:p>
+          <a:p>
+            <a:pPr algn="just"/>
+            <a:endParaRPr lang="pt-BR" sz="2000" dirty="0" smtClean="0">
+              <a:solidFill>
+                <a:schemeClr val="bg1"/>
+              </a:solidFill>
+            </a:endParaRPr>
+          </a:p>
+          <a:p>
+            <a:pPr algn="just"/>
+            <a:endParaRPr lang="pt-BR" sz="2000" dirty="0">
+              <a:solidFill>
+                <a:schemeClr val="bg1"/>
+              </a:solidFill>
+            </a:endParaRPr>
+          </a:p>
+          <a:p>
+            <a:pPr algn="just"/>
+            <a:endParaRPr lang="pt-BR" sz="2000" dirty="0" smtClean="0">
+              <a:solidFill>
+                <a:schemeClr val="bg1"/>
+              </a:solidFill>
+            </a:endParaRPr>
+          </a:p>
+          <a:p>
+            <a:pPr algn="just"/>
+            <a:endParaRPr lang="pt-BR" sz="2000" dirty="0">
+              <a:solidFill>
+                <a:schemeClr val="bg1"/>
+              </a:solidFill>
+            </a:endParaRPr>
+          </a:p>
+          <a:p>
+            <a:pPr algn="just"/>
+            <a:endParaRPr lang="pt-BR" sz="2000" dirty="0" smtClean="0">
+              <a:solidFill>
+                <a:schemeClr val="bg1"/>
+              </a:solidFill>
+            </a:endParaRPr>
+          </a:p>
+          <a:p>
+            <a:pPr algn="just"/>
+            <a:endParaRPr lang="pt-BR" sz="2000" dirty="0">
+              <a:solidFill>
+                <a:schemeClr val="bg1"/>
+              </a:solidFill>
+            </a:endParaRPr>
+          </a:p>
+          <a:p>
+            <a:pPr algn="just"/>
+            <a:endParaRPr lang="pt-BR" sz="2000" dirty="0" smtClean="0">
+              <a:solidFill>
+                <a:schemeClr val="bg1"/>
+              </a:solidFill>
+            </a:endParaRPr>
+          </a:p>
+          <a:p>
+            <a:pPr algn="just"/>
+            <a:endParaRPr lang="pt-BR" sz="2000" dirty="0">
+              <a:solidFill>
+                <a:schemeClr val="bg1"/>
+              </a:solidFill>
+            </a:endParaRPr>
+          </a:p>
+          <a:p>
+            <a:pPr algn="just"/>
+            <a:endParaRPr lang="pt-BR" sz="2000" dirty="0">
+              <a:solidFill>
+                <a:schemeClr val="bg1"/>
+              </a:solidFill>
+            </a:endParaRPr>
+          </a:p>
+          <a:p>
+            <a:pPr algn="just"/>
+            <a:r>
+              <a:rPr lang="pt-BR" sz="2000" dirty="0" smtClean="0">
+                <a:solidFill>
+                  <a:schemeClr val="bg1"/>
+                </a:solidFill>
+              </a:rPr>
+              <a:t>Existem também a funcionalidade de </a:t>
+            </a:r>
+            <a:r>
+              <a:rPr lang="pt-BR" sz="2000" dirty="0" smtClean="0">
+                <a:solidFill>
+                  <a:srgbClr val="FF0000"/>
+                </a:solidFill>
+              </a:rPr>
+              <a:t>text-align: </a:t>
+            </a:r>
+            <a:r>
+              <a:rPr lang="pt-BR" sz="2000" dirty="0" err="1" smtClean="0">
+                <a:solidFill>
+                  <a:srgbClr val="FF0000"/>
+                </a:solidFill>
+              </a:rPr>
+              <a:t>left</a:t>
+            </a:r>
+            <a:r>
+              <a:rPr lang="pt-BR" sz="2000" dirty="0" smtClean="0">
+                <a:solidFill>
+                  <a:srgbClr val="FF0000"/>
+                </a:solidFill>
+              </a:rPr>
+              <a:t>; </a:t>
+            </a:r>
+            <a:r>
+              <a:rPr lang="pt-BR" sz="2000" dirty="0" smtClean="0">
+                <a:solidFill>
+                  <a:schemeClr val="bg1"/>
+                </a:solidFill>
+              </a:rPr>
+              <a:t>e </a:t>
+            </a:r>
+            <a:r>
+              <a:rPr lang="pt-BR" sz="2000" dirty="0" smtClean="0">
+                <a:solidFill>
+                  <a:srgbClr val="FF0000"/>
+                </a:solidFill>
+              </a:rPr>
+              <a:t>text-align: </a:t>
+            </a:r>
+            <a:r>
+              <a:rPr lang="pt-BR" sz="2000" dirty="0" err="1" smtClean="0">
+                <a:solidFill>
+                  <a:srgbClr val="FF0000"/>
+                </a:solidFill>
+              </a:rPr>
+              <a:t>right</a:t>
+            </a:r>
+            <a:r>
+              <a:rPr lang="pt-BR" sz="2000" dirty="0" smtClean="0">
+                <a:solidFill>
+                  <a:srgbClr val="FF0000"/>
+                </a:solidFill>
+              </a:rPr>
+              <a:t>; </a:t>
+            </a:r>
+            <a:r>
+              <a:rPr lang="pt-BR" sz="2000" dirty="0" smtClean="0">
+                <a:solidFill>
+                  <a:schemeClr val="bg1"/>
+                </a:solidFill>
+              </a:rPr>
+              <a:t>que alinham da </a:t>
+            </a:r>
+            <a:r>
+              <a:rPr lang="pt-BR" sz="2000" dirty="0" smtClean="0">
+                <a:solidFill>
+                  <a:srgbClr val="FF0000"/>
+                </a:solidFill>
+              </a:rPr>
+              <a:t>esquerda</a:t>
+            </a:r>
+            <a:r>
+              <a:rPr lang="pt-BR" sz="2000" dirty="0" smtClean="0">
+                <a:solidFill>
+                  <a:schemeClr val="bg1"/>
+                </a:solidFill>
+              </a:rPr>
+              <a:t> e </a:t>
+            </a:r>
+            <a:r>
+              <a:rPr lang="pt-BR" sz="2000" dirty="0" smtClean="0">
+                <a:solidFill>
+                  <a:srgbClr val="FF0000"/>
+                </a:solidFill>
+              </a:rPr>
+              <a:t>direita respectivamente</a:t>
+            </a:r>
+            <a:r>
+              <a:rPr lang="pt-BR" sz="2000" dirty="0" smtClean="0">
+                <a:solidFill>
+                  <a:schemeClr val="bg1"/>
+                </a:solidFill>
+              </a:rPr>
+              <a:t>.</a:t>
+            </a:r>
+            <a:endParaRPr lang="pt-BR" sz="2000" dirty="0">
+              <a:solidFill>
+                <a:schemeClr val="bg1"/>
+              </a:solidFill>
+            </a:endParaRPr>
+          </a:p>
+          <a:p>
+            <a:pPr algn="just"/>
+            <a:endParaRPr lang="pt-BR" sz="2000" dirty="0" smtClean="0">
+              <a:solidFill>
+                <a:schemeClr val="bg1">
+                  <a:lumMod val="95000"/>
+                  <a:lumOff val="5000"/>
+                </a:schemeClr>
+              </a:solidFill>
+            </a:endParaRPr>
+          </a:p>
+        </p:txBody>
+      </p:sp>
+      <p:pic>
+        <p:nvPicPr>
+          <p:cNvPr id="5122" name="Picture 2"/>
+          <p:cNvPicPr>
+            <a:picLocks noChangeAspect="1" noChangeArrowheads="1"/>
+          </p:cNvPicPr>
+          <p:nvPr/>
+        </p:nvPicPr>
+        <p:blipFill rotWithShape="1">
+          <a:blip r:embed="rId2">
+            <a:extLst>
+              <a:ext uri="{28A0092B-C50C-407E-A947-70E740481C1C}">
+                <a14:useLocalDpi xmlns:a14="http://schemas.microsoft.com/office/drawing/2010/main" val="0"/>
+              </a:ext>
+            </a:extLst>
+          </a:blip>
+          <a:srcRect l="2498"/>
+          <a:stretch/>
+        </p:blipFill>
+        <p:spPr bwMode="auto">
+          <a:xfrm>
+            <a:off x="1143386" y="1092872"/>
+            <a:ext cx="10802656" cy="2825984"/>
+          </a:xfrm>
+          <a:prstGeom prst="rect">
+            <a:avLst/>
+          </a:prstGeom>
+          <a:noFill/>
+          <a:ln>
+            <a:noFill/>
+          </a:ln>
+          <a:effectLst/>
+          <a:extLst>
+            <a:ext uri="{909E8E84-426E-40DD-AFC4-6F175D3DCCD1}">
+              <a14:hiddenFill xmlns:a14="http://schemas.microsoft.com/office/drawing/2010/main">
+                <a:solidFill>
+                  <a:schemeClr val="accent1"/>
+                </a:solidFill>
+              </a14:hiddenFill>
+            </a:ext>
+            <a:ext uri="{91240B29-F687-4F45-9708-019B960494DF}">
+              <a14:hiddenLine xmlns:a14="http://schemas.microsoft.com/office/drawing/2010/main" w="9525">
+                <a:solidFill>
+                  <a:schemeClr val="tx1"/>
+                </a:solidFill>
+                <a:miter lim="800000"/>
+                <a:headEnd/>
+                <a:tailEnd/>
+              </a14:hiddenLine>
+            </a:ext>
+            <a:ext uri="{AF507438-7753-43E0-B8FC-AC1667EBCBE1}">
+              <a14:hiddenEffects xmlns:a14="http://schemas.microsoft.com/office/drawing/2010/main">
+                <a:effectLst>
+                  <a:outerShdw dist="35921" dir="2700000" algn="ctr" rotWithShape="0">
+                    <a:schemeClr val="bg2"/>
+                  </a:outerShdw>
+                </a:effectLst>
+              </a14:hiddenEffects>
+            </a:ext>
+          </a:extLst>
+        </p:spPr>
+      </p:pic>
+    </p:spTree>
+    <p:extLst>
+      <p:ext uri="{BB962C8B-B14F-4D97-AF65-F5344CB8AC3E}">
+        <p14:creationId xmlns:p14="http://schemas.microsoft.com/office/powerpoint/2010/main" val="490235577"/>
+      </p:ext>
+    </p:extLst>
+  </p:cSld>
+  <p:clrMapOvr>
+    <a:masterClrMapping/>
+  </p:clrMapOvr>
+  <p:timing>
+    <p:tnLst>
+      <p:par>
+        <p:cTn id="1" dur="indefinite" restart="never" nodeType="tmRoot"/>
+      </p:par>
+    </p:tnLst>
+  </p:timing>
+</p:sld>
+</file>
+
+<file path=ppt/slides/slide38.xml><?xml version="1.0" encoding="utf-8"?>
+<p:sld xmlns:a="http://schemas.openxmlformats.org/drawingml/2006/main" xmlns:r="http://schemas.openxmlformats.org/officeDocument/2006/relationships" xmlns:p="http://schemas.openxmlformats.org/presentationml/2006/main">
+  <p:cSld>
+    <p:spTree>
+      <p:nvGrpSpPr>
+        <p:cNvPr id="1" name=""/>
+        <p:cNvGrpSpPr/>
+        <p:nvPr/>
+      </p:nvGrpSpPr>
+      <p:grpSpPr>
+        <a:xfrm>
+          <a:off x="0" y="0"/>
+          <a:ext cx="0" cy="0"/>
+          <a:chOff x="0" y="0"/>
+          <a:chExt cx="0" cy="0"/>
+        </a:xfrm>
+      </p:grpSpPr>
+      <p:sp>
+        <p:nvSpPr>
+          <p:cNvPr id="8" name="Retângulo 7">
+            <a:extLst>
+              <a:ext uri="{FF2B5EF4-FFF2-40B4-BE49-F238E27FC236}">
+                <a16:creationId xmlns="" xmlns:a16="http://schemas.microsoft.com/office/drawing/2014/main" id="{9B33DD69-1761-43D2-B589-CE56D2C4FBB6}"/>
+              </a:ext>
+            </a:extLst>
+          </p:cNvPr>
+          <p:cNvSpPr/>
+          <p:nvPr/>
+        </p:nvSpPr>
+        <p:spPr>
+          <a:xfrm>
+            <a:off x="892663" y="0"/>
+            <a:ext cx="11304103" cy="6858000"/>
+          </a:xfrm>
+          <a:prstGeom prst="rect">
+            <a:avLst/>
+          </a:prstGeom>
+          <a:solidFill>
+            <a:schemeClr val="tx1"/>
+          </a:solidFill>
+          <a:ln>
+            <a:solidFill>
+              <a:schemeClr val="tx1"/>
+            </a:solidFill>
+          </a:ln>
+        </p:spPr>
+        <p:style>
+          <a:lnRef idx="2">
+            <a:schemeClr val="accent1">
+              <a:shade val="50000"/>
+            </a:schemeClr>
+          </a:lnRef>
+          <a:fillRef idx="1">
+            <a:schemeClr val="accent1"/>
+          </a:fillRef>
+          <a:effectRef idx="0">
+            <a:schemeClr val="accent1"/>
+          </a:effectRef>
+          <a:fontRef idx="minor">
+            <a:schemeClr val="lt1"/>
+          </a:fontRef>
+        </p:style>
+        <p:txBody>
+          <a:bodyPr rtlCol="0" anchor="ctr"/>
+          <a:lstStyle/>
+          <a:p>
+            <a:pPr algn="ctr"/>
+            <a:endParaRPr lang="pt-BR" sz="2000" dirty="0">
+              <a:solidFill>
+                <a:schemeClr val="bg1"/>
+              </a:solidFill>
+            </a:endParaRPr>
+          </a:p>
+        </p:txBody>
+      </p:sp>
+      <p:sp>
+        <p:nvSpPr>
+          <p:cNvPr id="3" name="AutoShape 2" descr="Download Visual Studio Code - Mac, Linux, Windows"/>
+          <p:cNvSpPr>
+            <a:spLocks noChangeAspect="1" noChangeArrowheads="1"/>
+          </p:cNvSpPr>
+          <p:nvPr/>
+        </p:nvSpPr>
+        <p:spPr bwMode="auto">
+          <a:xfrm>
+            <a:off x="155575" y="-144463"/>
+            <a:ext cx="304800" cy="304801"/>
+          </a:xfrm>
+          <a:prstGeom prst="rect">
+            <a:avLst/>
+          </a:prstGeom>
+          <a:noFill/>
+          <a:extLst>
+            <a:ext uri="{909E8E84-426E-40DD-AFC4-6F175D3DCCD1}">
+              <a14:hiddenFill xmlns:a14="http://schemas.microsoft.com/office/drawing/2010/main">
+                <a:solidFill>
+                  <a:srgbClr val="FFFFFF"/>
+                </a:solidFill>
+              </a14:hiddenFill>
+            </a:ext>
+          </a:extLst>
+        </p:spPr>
+        <p:txBody>
+          <a:bodyPr vert="horz" wrap="square" lIns="91440" tIns="45720" rIns="91440" bIns="45720" numCol="1" anchor="t" anchorCtr="0" compatLnSpc="1">
+            <a:prstTxWarp prst="textNoShape">
+              <a:avLst/>
+            </a:prstTxWarp>
+          </a:bodyPr>
+          <a:lstStyle/>
+          <a:p>
+            <a:endParaRPr lang="pt-BR"/>
+          </a:p>
+        </p:txBody>
+      </p:sp>
+      <p:sp>
+        <p:nvSpPr>
+          <p:cNvPr id="4" name="AutoShape 4" descr="Download Visual Studio Code - Mac, Linux, Windows"/>
+          <p:cNvSpPr>
+            <a:spLocks noChangeAspect="1" noChangeArrowheads="1"/>
+          </p:cNvSpPr>
+          <p:nvPr/>
+        </p:nvSpPr>
+        <p:spPr bwMode="auto">
+          <a:xfrm>
+            <a:off x="307975" y="7937"/>
+            <a:ext cx="304800" cy="304801"/>
+          </a:xfrm>
+          <a:prstGeom prst="rect">
+            <a:avLst/>
+          </a:prstGeom>
+          <a:noFill/>
+          <a:extLst>
+            <a:ext uri="{909E8E84-426E-40DD-AFC4-6F175D3DCCD1}">
+              <a14:hiddenFill xmlns:a14="http://schemas.microsoft.com/office/drawing/2010/main">
+                <a:solidFill>
+                  <a:srgbClr val="FFFFFF"/>
+                </a:solidFill>
+              </a14:hiddenFill>
+            </a:ext>
+          </a:extLst>
+        </p:spPr>
+        <p:txBody>
+          <a:bodyPr vert="horz" wrap="square" lIns="91440" tIns="45720" rIns="91440" bIns="45720" numCol="1" anchor="t" anchorCtr="0" compatLnSpc="1">
+            <a:prstTxWarp prst="textNoShape">
+              <a:avLst/>
+            </a:prstTxWarp>
+          </a:bodyPr>
+          <a:lstStyle/>
+          <a:p>
+            <a:endParaRPr lang="pt-BR"/>
+          </a:p>
+        </p:txBody>
+      </p:sp>
+      <p:sp>
+        <p:nvSpPr>
+          <p:cNvPr id="9" name="CaixaDeTexto 8">
+            <a:extLst>
+              <a:ext uri="{FF2B5EF4-FFF2-40B4-BE49-F238E27FC236}">
+                <a16:creationId xmlns="" xmlns:a16="http://schemas.microsoft.com/office/drawing/2014/main" id="{90B980A2-8D40-4C0A-9871-4FA9794F9C3D}"/>
+              </a:ext>
+            </a:extLst>
+          </p:cNvPr>
+          <p:cNvSpPr txBox="1"/>
+          <p:nvPr/>
+        </p:nvSpPr>
+        <p:spPr>
+          <a:xfrm>
+            <a:off x="1215284" y="160337"/>
+            <a:ext cx="10658859" cy="6247864"/>
+          </a:xfrm>
+          <a:prstGeom prst="rect">
+            <a:avLst/>
+          </a:prstGeom>
+          <a:noFill/>
+        </p:spPr>
+        <p:txBody>
+          <a:bodyPr wrap="square" rtlCol="0">
+            <a:spAutoFit/>
+          </a:bodyPr>
+          <a:lstStyle/>
+          <a:p>
+            <a:pPr algn="just"/>
+            <a:r>
+              <a:rPr lang="pt-BR" sz="2000" dirty="0" smtClean="0">
+                <a:solidFill>
+                  <a:schemeClr val="bg1">
+                    <a:lumMod val="95000"/>
+                    <a:lumOff val="5000"/>
+                  </a:schemeClr>
+                </a:solidFill>
+              </a:rPr>
+              <a:t>Para </a:t>
+            </a:r>
+            <a:r>
+              <a:rPr lang="pt-BR" sz="2000" dirty="0" smtClean="0">
+                <a:solidFill>
+                  <a:srgbClr val="FF0000"/>
+                </a:solidFill>
+              </a:rPr>
+              <a:t>alinhar um texto verticalmente </a:t>
+            </a:r>
+            <a:r>
+              <a:rPr lang="pt-BR" sz="2000" dirty="0" smtClean="0">
+                <a:solidFill>
+                  <a:schemeClr val="bg1"/>
+                </a:solidFill>
+              </a:rPr>
+              <a:t>dentro de um objeto utilizamos </a:t>
+            </a:r>
+            <a:r>
+              <a:rPr lang="pt-BR" sz="2000" dirty="0">
+                <a:solidFill>
+                  <a:schemeClr val="bg1"/>
+                </a:solidFill>
+              </a:rPr>
+              <a:t>o </a:t>
+            </a:r>
+            <a:r>
+              <a:rPr lang="pt-BR" sz="2000" dirty="0" smtClean="0">
+                <a:solidFill>
+                  <a:srgbClr val="FF0000"/>
+                </a:solidFill>
+              </a:rPr>
+              <a:t>line-height</a:t>
+            </a:r>
+            <a:r>
+              <a:rPr lang="pt-BR" sz="2000" dirty="0">
+                <a:solidFill>
+                  <a:srgbClr val="FF0000"/>
+                </a:solidFill>
+              </a:rPr>
+              <a:t>, </a:t>
+            </a:r>
+            <a:r>
+              <a:rPr lang="pt-BR" sz="2000" dirty="0" smtClean="0">
+                <a:solidFill>
+                  <a:schemeClr val="bg1"/>
+                </a:solidFill>
+              </a:rPr>
+              <a:t>informando exatamente a altura do </a:t>
+            </a:r>
+            <a:r>
+              <a:rPr lang="pt-BR" sz="2000" dirty="0">
+                <a:solidFill>
+                  <a:schemeClr val="bg1"/>
+                </a:solidFill>
+              </a:rPr>
+              <a:t>objeto </a:t>
+            </a:r>
+            <a:r>
+              <a:rPr lang="pt-BR" sz="2000" dirty="0">
+                <a:solidFill>
+                  <a:srgbClr val="FF0000"/>
+                </a:solidFill>
+              </a:rPr>
+              <a:t>(height</a:t>
+            </a:r>
+            <a:r>
+              <a:rPr lang="pt-BR" sz="2000" dirty="0" smtClean="0">
+                <a:solidFill>
+                  <a:srgbClr val="FF0000"/>
+                </a:solidFill>
+              </a:rPr>
+              <a:t>):</a:t>
+            </a:r>
+          </a:p>
+          <a:p>
+            <a:pPr algn="just"/>
+            <a:endParaRPr lang="pt-BR" sz="2000" dirty="0">
+              <a:solidFill>
+                <a:srgbClr val="FF0000"/>
+              </a:solidFill>
+            </a:endParaRPr>
+          </a:p>
+          <a:p>
+            <a:pPr algn="just"/>
+            <a:endParaRPr lang="pt-BR" sz="2000" dirty="0" smtClean="0">
+              <a:solidFill>
+                <a:srgbClr val="FF0000"/>
+              </a:solidFill>
+            </a:endParaRPr>
+          </a:p>
+          <a:p>
+            <a:pPr algn="just"/>
+            <a:endParaRPr lang="pt-BR" sz="2000" dirty="0">
+              <a:solidFill>
+                <a:srgbClr val="FF0000"/>
+              </a:solidFill>
+            </a:endParaRPr>
+          </a:p>
+          <a:p>
+            <a:pPr algn="just"/>
+            <a:endParaRPr lang="pt-BR" sz="2000" dirty="0" smtClean="0">
+              <a:solidFill>
+                <a:srgbClr val="FF0000"/>
+              </a:solidFill>
+            </a:endParaRPr>
+          </a:p>
+          <a:p>
+            <a:pPr algn="just"/>
+            <a:endParaRPr lang="pt-BR" sz="2000" dirty="0">
+              <a:solidFill>
+                <a:srgbClr val="FF0000"/>
+              </a:solidFill>
+            </a:endParaRPr>
+          </a:p>
+          <a:p>
+            <a:pPr algn="just"/>
+            <a:endParaRPr lang="pt-BR" sz="2000" dirty="0" smtClean="0">
+              <a:solidFill>
+                <a:srgbClr val="FF0000"/>
+              </a:solidFill>
+            </a:endParaRPr>
+          </a:p>
+          <a:p>
+            <a:pPr algn="just"/>
+            <a:endParaRPr lang="pt-BR" sz="2000" dirty="0">
+              <a:solidFill>
+                <a:srgbClr val="FF0000"/>
+              </a:solidFill>
+            </a:endParaRPr>
+          </a:p>
+          <a:p>
+            <a:pPr algn="just"/>
+            <a:endParaRPr lang="pt-BR" sz="2000" dirty="0" smtClean="0">
+              <a:solidFill>
+                <a:srgbClr val="FF0000"/>
+              </a:solidFill>
+            </a:endParaRPr>
+          </a:p>
+          <a:p>
+            <a:pPr algn="just"/>
+            <a:endParaRPr lang="pt-BR" sz="2000" dirty="0">
+              <a:solidFill>
+                <a:srgbClr val="FF0000"/>
+              </a:solidFill>
+            </a:endParaRPr>
+          </a:p>
+          <a:p>
+            <a:pPr algn="just"/>
+            <a:endParaRPr lang="pt-BR" sz="2000" dirty="0" smtClean="0">
+              <a:solidFill>
+                <a:srgbClr val="FF0000"/>
+              </a:solidFill>
+            </a:endParaRPr>
+          </a:p>
+          <a:p>
+            <a:pPr algn="just"/>
+            <a:endParaRPr lang="pt-BR" sz="2000" dirty="0">
+              <a:solidFill>
+                <a:srgbClr val="FF0000"/>
+              </a:solidFill>
+            </a:endParaRPr>
+          </a:p>
+          <a:p>
+            <a:pPr algn="just"/>
+            <a:endParaRPr lang="pt-BR" sz="2000" dirty="0" smtClean="0">
+              <a:solidFill>
+                <a:srgbClr val="FF0000"/>
+              </a:solidFill>
+            </a:endParaRPr>
+          </a:p>
+          <a:p>
+            <a:pPr algn="just"/>
+            <a:r>
+              <a:rPr lang="pt-BR" sz="2000" dirty="0" smtClean="0">
+                <a:solidFill>
+                  <a:schemeClr val="bg1"/>
+                </a:solidFill>
+              </a:rPr>
+              <a:t>Quando existe mais de uma linha de texto, dividimos o line-height pela quantidade de linhas de texto.</a:t>
+            </a:r>
+            <a:endParaRPr lang="pt-BR" sz="2000" dirty="0">
+              <a:solidFill>
+                <a:schemeClr val="bg1"/>
+              </a:solidFill>
+            </a:endParaRPr>
+          </a:p>
+          <a:p>
+            <a:pPr algn="just"/>
+            <a:endParaRPr lang="pt-BR" sz="2000" dirty="0">
+              <a:solidFill>
+                <a:schemeClr val="bg1"/>
+              </a:solidFill>
+            </a:endParaRPr>
+          </a:p>
+          <a:p>
+            <a:pPr algn="just"/>
+            <a:r>
+              <a:rPr lang="pt-BR" sz="2000" dirty="0" smtClean="0">
+                <a:solidFill>
+                  <a:schemeClr val="bg1"/>
+                </a:solidFill>
+              </a:rPr>
+              <a:t>Lembrando que existem </a:t>
+            </a:r>
+            <a:r>
+              <a:rPr lang="pt-BR" sz="2000" dirty="0" smtClean="0">
+                <a:solidFill>
+                  <a:srgbClr val="FF0000"/>
+                </a:solidFill>
+              </a:rPr>
+              <a:t>outras formas </a:t>
+            </a:r>
+            <a:r>
+              <a:rPr lang="pt-BR" sz="2000" dirty="0" smtClean="0">
+                <a:solidFill>
+                  <a:schemeClr val="bg1"/>
+                </a:solidFill>
+              </a:rPr>
+              <a:t>de alinhas objetos verticalmente, que serão explicadas posteriormente.</a:t>
+            </a:r>
+          </a:p>
+          <a:p>
+            <a:pPr algn="just"/>
+            <a:endParaRPr lang="pt-BR" sz="2000" dirty="0">
+              <a:solidFill>
+                <a:schemeClr val="bg1"/>
+              </a:solidFill>
+            </a:endParaRPr>
+          </a:p>
+          <a:p>
+            <a:pPr algn="just"/>
+            <a:endParaRPr lang="pt-BR" sz="2000" dirty="0" smtClean="0">
+              <a:solidFill>
+                <a:schemeClr val="bg1">
+                  <a:lumMod val="95000"/>
+                  <a:lumOff val="5000"/>
+                </a:schemeClr>
+              </a:solidFill>
+            </a:endParaRPr>
+          </a:p>
+        </p:txBody>
+      </p:sp>
+      <p:pic>
+        <p:nvPicPr>
+          <p:cNvPr id="6146" name="Picture 2"/>
+          <p:cNvPicPr>
+            <a:picLocks noChangeAspect="1" noChangeArrowheads="1"/>
+          </p:cNvPicPr>
+          <p:nvPr/>
+        </p:nvPicPr>
+        <p:blipFill>
+          <a:blip r:embed="rId2">
+            <a:extLst>
+              <a:ext uri="{28A0092B-C50C-407E-A947-70E740481C1C}">
+                <a14:useLocalDpi xmlns:a14="http://schemas.microsoft.com/office/drawing/2010/main" val="0"/>
+              </a:ext>
+            </a:extLst>
+          </a:blip>
+          <a:srcRect/>
+          <a:stretch>
+            <a:fillRect/>
+          </a:stretch>
+        </p:blipFill>
+        <p:spPr bwMode="auto">
+          <a:xfrm>
+            <a:off x="1157275" y="1134773"/>
+            <a:ext cx="10774878" cy="3096135"/>
+          </a:xfrm>
+          <a:prstGeom prst="rect">
+            <a:avLst/>
+          </a:prstGeom>
+          <a:noFill/>
+          <a:ln>
+            <a:noFill/>
+          </a:ln>
+          <a:effectLst/>
+          <a:extLst>
+            <a:ext uri="{909E8E84-426E-40DD-AFC4-6F175D3DCCD1}">
+              <a14:hiddenFill xmlns:a14="http://schemas.microsoft.com/office/drawing/2010/main">
+                <a:solidFill>
+                  <a:schemeClr val="accent1"/>
+                </a:solidFill>
+              </a14:hiddenFill>
+            </a:ext>
+            <a:ext uri="{91240B29-F687-4F45-9708-019B960494DF}">
+              <a14:hiddenLine xmlns:a14="http://schemas.microsoft.com/office/drawing/2010/main" w="9525">
+                <a:solidFill>
+                  <a:schemeClr val="tx1"/>
+                </a:solidFill>
+                <a:miter lim="800000"/>
+                <a:headEnd/>
+                <a:tailEnd/>
+              </a14:hiddenLine>
+            </a:ext>
+            <a:ext uri="{AF507438-7753-43E0-B8FC-AC1667EBCBE1}">
+              <a14:hiddenEffects xmlns:a14="http://schemas.microsoft.com/office/drawing/2010/main">
+                <a:effectLst>
+                  <a:outerShdw dist="35921" dir="2700000" algn="ctr" rotWithShape="0">
+                    <a:schemeClr val="bg2"/>
+                  </a:outerShdw>
+                </a:effectLst>
+              </a14:hiddenEffects>
+            </a:ext>
+          </a:extLst>
+        </p:spPr>
+      </p:pic>
+    </p:spTree>
+    <p:extLst>
+      <p:ext uri="{BB962C8B-B14F-4D97-AF65-F5344CB8AC3E}">
+        <p14:creationId xmlns:p14="http://schemas.microsoft.com/office/powerpoint/2010/main" val="3705955469"/>
+      </p:ext>
+    </p:extLst>
+  </p:cSld>
+  <p:clrMapOvr>
+    <a:masterClrMapping/>
+  </p:clrMapOvr>
+  <p:timing>
+    <p:tnLst>
+      <p:par>
+        <p:cTn id="1" dur="indefinite" restart="never" nodeType="tmRoot"/>
+      </p:par>
+    </p:tnLst>
+  </p:timing>
+</p:sld>
+</file>
+
+<file path=ppt/slides/slide39.xml><?xml version="1.0" encoding="utf-8"?>
+<p:sld xmlns:a="http://schemas.openxmlformats.org/drawingml/2006/main" xmlns:r="http://schemas.openxmlformats.org/officeDocument/2006/relationships" xmlns:p="http://schemas.openxmlformats.org/presentationml/2006/main">
+  <p:cSld>
+    <p:spTree>
+      <p:nvGrpSpPr>
+        <p:cNvPr id="1" name=""/>
+        <p:cNvGrpSpPr/>
+        <p:nvPr/>
+      </p:nvGrpSpPr>
+      <p:grpSpPr>
+        <a:xfrm>
+          <a:off x="0" y="0"/>
+          <a:ext cx="0" cy="0"/>
+          <a:chOff x="0" y="0"/>
+          <a:chExt cx="0" cy="0"/>
+        </a:xfrm>
+      </p:grpSpPr>
+      <p:sp>
+        <p:nvSpPr>
+          <p:cNvPr id="2" name="Título 1">
+            <a:extLst>
+              <a:ext uri="{FF2B5EF4-FFF2-40B4-BE49-F238E27FC236}">
+                <a16:creationId xmlns="" xmlns:a16="http://schemas.microsoft.com/office/drawing/2014/main" id="{14AB9F69-8D24-468C-93DF-A1666924EB0C}"/>
+              </a:ext>
+            </a:extLst>
+          </p:cNvPr>
+          <p:cNvSpPr>
+            <a:spLocks noGrp="1"/>
+          </p:cNvSpPr>
+          <p:nvPr>
+            <p:ph type="ctrTitle"/>
+          </p:nvPr>
+        </p:nvSpPr>
+        <p:spPr/>
+        <p:txBody>
+          <a:bodyPr>
+            <a:normAutofit/>
+          </a:bodyPr>
+          <a:lstStyle/>
+          <a:p>
+            <a:r>
+              <a:rPr lang="pt-BR" sz="4400" dirty="0" smtClean="0"/>
+              <a:t>Exercícios</a:t>
+            </a:r>
+            <a:endParaRPr lang="pt-BR" sz="4400" dirty="0"/>
+          </a:p>
+        </p:txBody>
+      </p:sp>
+      <p:sp>
+        <p:nvSpPr>
+          <p:cNvPr id="3" name="Subtítulo 2">
+            <a:extLst>
+              <a:ext uri="{FF2B5EF4-FFF2-40B4-BE49-F238E27FC236}">
+                <a16:creationId xmlns="" xmlns:a16="http://schemas.microsoft.com/office/drawing/2014/main" id="{0E4BFB9B-D461-4F8E-B2A0-819D63FA7EC4}"/>
+              </a:ext>
+            </a:extLst>
+          </p:cNvPr>
+          <p:cNvSpPr>
+            <a:spLocks noGrp="1"/>
+          </p:cNvSpPr>
+          <p:nvPr>
+            <p:ph type="subTitle" idx="1"/>
+          </p:nvPr>
+        </p:nvSpPr>
+        <p:spPr>
+          <a:xfrm>
+            <a:off x="1876424" y="3547166"/>
+            <a:ext cx="8791575" cy="1655762"/>
+          </a:xfrm>
+        </p:spPr>
+        <p:txBody>
+          <a:bodyPr/>
+          <a:lstStyle/>
+          <a:p>
+            <a:r>
+              <a:rPr lang="pt-BR" dirty="0" smtClean="0"/>
+              <a:t>HTML + CSS</a:t>
+            </a:r>
+            <a:endParaRPr lang="pt-BR" dirty="0"/>
+          </a:p>
+        </p:txBody>
+      </p:sp>
+    </p:spTree>
+    <p:extLst>
+      <p:ext uri="{BB962C8B-B14F-4D97-AF65-F5344CB8AC3E}">
+        <p14:creationId xmlns:p14="http://schemas.microsoft.com/office/powerpoint/2010/main" val="380871970"/>
+      </p:ext>
+    </p:extLst>
+  </p:cSld>
+  <p:clrMapOvr>
+    <a:masterClrMapping/>
+  </p:clrMapOvr>
+  <p:timing>
+    <p:tnLst>
+      <p:par>
+        <p:cTn id="1" dur="indefinite" restart="never" nodeType="tmRoot"/>
+      </p:par>
+    </p:tnLst>
+  </p:timing>
+</p:sld>
+</file>
+
+<file path=ppt/slides/slide4.xml><?xml version="1.0" encoding="utf-8"?>
+<p:sld xmlns:a="http://schemas.openxmlformats.org/drawingml/2006/main" xmlns:r="http://schemas.openxmlformats.org/officeDocument/2006/relationships" xmlns:p="http://schemas.openxmlformats.org/presentationml/2006/main">
+  <p:cSld>
+    <p:spTree>
+      <p:nvGrpSpPr>
+        <p:cNvPr id="1" name=""/>
+        <p:cNvGrpSpPr/>
+        <p:nvPr/>
+      </p:nvGrpSpPr>
+      <p:grpSpPr>
+        <a:xfrm>
+          <a:off x="0" y="0"/>
+          <a:ext cx="0" cy="0"/>
+          <a:chOff x="0" y="0"/>
+          <a:chExt cx="0" cy="0"/>
+        </a:xfrm>
+      </p:grpSpPr>
+      <p:sp>
+        <p:nvSpPr>
+          <p:cNvPr id="8" name="Retângulo 7">
+            <a:extLst>
+              <a:ext uri="{FF2B5EF4-FFF2-40B4-BE49-F238E27FC236}">
+                <a16:creationId xmlns="" xmlns:a16="http://schemas.microsoft.com/office/drawing/2014/main" id="{9B33DD69-1761-43D2-B589-CE56D2C4FBB6}"/>
               </a:ext>
             </a:extLst>
           </p:cNvPr>
@@ -23867,7 +27203,7 @@
           <p:cNvPr id="24" name="CaixaDeTexto 23">
             <a:extLst>
               <a:ext uri="{FF2B5EF4-FFF2-40B4-BE49-F238E27FC236}">
-                <a16:creationId xmlns:a16="http://schemas.microsoft.com/office/drawing/2014/main" xmlns="" id="{90B980A2-8D40-4C0A-9871-4FA9794F9C3D}"/>
+                <a16:creationId xmlns="" xmlns:a16="http://schemas.microsoft.com/office/drawing/2014/main" id="{90B980A2-8D40-4C0A-9871-4FA9794F9C3D}"/>
               </a:ext>
             </a:extLst>
           </p:cNvPr>
@@ -23877,7 +27213,7 @@
         <p:spPr>
           <a:xfrm>
             <a:off x="1175332" y="179122"/>
-            <a:ext cx="10658859" cy="1631216"/>
+            <a:ext cx="10658859" cy="5016758"/>
           </a:xfrm>
           <a:prstGeom prst="rect">
             <a:avLst/>
@@ -23892,37 +27228,69 @@
           <a:p>
             <a:pPr algn="just"/>
             <a:r>
-              <a:rPr lang="pt-BR" sz="2000" dirty="0" smtClean="0">
-                <a:solidFill>
-                  <a:schemeClr val="bg1"/>
-                </a:solidFill>
-              </a:rPr>
-              <a:t>Referências:</a:t>
-            </a:r>
-          </a:p>
-          <a:p>
-            <a:pPr algn="just"/>
-            <a:endParaRPr lang="pt-BR" sz="2000" dirty="0" smtClean="0">
-              <a:solidFill>
-                <a:schemeClr val="bg1"/>
-              </a:solidFill>
-            </a:endParaRPr>
-          </a:p>
-          <a:p>
-            <a:pPr algn="just"/>
-            <a:r>
-              <a:rPr lang="pt-BR" sz="2000" dirty="0" smtClean="0">
+              <a:rPr lang="pt-BR" sz="2000" dirty="0">
                 <a:solidFill>
                   <a:schemeClr val="bg1">
                     <a:lumMod val="95000"/>
                     <a:lumOff val="5000"/>
                   </a:schemeClr>
                 </a:solidFill>
-                <a:hlinkClick r:id="rId2"/>
-              </a:rPr>
-              <a:t>https://code.visualstudio.com/</a:t>
-            </a:r>
-            <a:endParaRPr lang="pt-BR" sz="2000" dirty="0" smtClean="0">
+              </a:rPr>
+              <a:t>Para criarmos nossa primeira página </a:t>
+            </a:r>
+            <a:r>
+              <a:rPr lang="pt-BR" sz="2000" dirty="0">
+                <a:solidFill>
+                  <a:srgbClr val="FF0000"/>
+                </a:solidFill>
+              </a:rPr>
+              <a:t>HTML</a:t>
+            </a:r>
+            <a:r>
+              <a:rPr lang="pt-BR" sz="2000" dirty="0">
+                <a:solidFill>
+                  <a:schemeClr val="bg1">
+                    <a:lumMod val="95000"/>
+                    <a:lumOff val="5000"/>
+                  </a:schemeClr>
+                </a:solidFill>
+              </a:rPr>
+              <a:t> (HyperText Markup Language, que significa: Linguagem de Marcação de Hipertexto</a:t>
+            </a:r>
+            <a:r>
+              <a:rPr lang="pt-BR" sz="2000" dirty="0" smtClean="0">
+                <a:solidFill>
+                  <a:schemeClr val="bg1">
+                    <a:lumMod val="95000"/>
+                    <a:lumOff val="5000"/>
+                  </a:schemeClr>
+                </a:solidFill>
+              </a:rPr>
+              <a:t>) é necessário criar um arquivo com a extensão </a:t>
+            </a:r>
+            <a:r>
+              <a:rPr lang="pt-BR" sz="2000" dirty="0" smtClean="0">
+                <a:solidFill>
+                  <a:srgbClr val="FF0000"/>
+                </a:solidFill>
+              </a:rPr>
+              <a:t>.html</a:t>
+            </a:r>
+            <a:r>
+              <a:rPr lang="pt-BR" sz="2000" dirty="0" smtClean="0">
+                <a:solidFill>
+                  <a:schemeClr val="bg1">
+                    <a:lumMod val="95000"/>
+                    <a:lumOff val="5000"/>
+                  </a:schemeClr>
+                </a:solidFill>
+              </a:rPr>
+              <a:t> para o navegador converter nosso código em arte visual. Exemplo:</a:t>
+            </a:r>
+          </a:p>
+          <a:p>
+            <a:pPr algn="just"/>
+            <a:endParaRPr lang="pt-BR" sz="2000" dirty="0">
               <a:solidFill>
                 <a:schemeClr val="bg1">
                   <a:lumMod val="95000"/>
@@ -23933,6 +27301,116 @@
           </a:p>
           <a:p>
             <a:pPr algn="just"/>
+            <a:endParaRPr lang="pt-BR" sz="2000" dirty="0" smtClean="0">
+              <a:solidFill>
+                <a:schemeClr val="bg1">
+                  <a:lumMod val="95000"/>
+                  <a:lumOff val="5000"/>
+                </a:schemeClr>
+              </a:solidFill>
+            </a:endParaRPr>
+          </a:p>
+          <a:p>
+            <a:pPr algn="just"/>
+            <a:endParaRPr lang="pt-BR" sz="2000" dirty="0">
+              <a:solidFill>
+                <a:schemeClr val="bg1">
+                  <a:lumMod val="95000"/>
+                  <a:lumOff val="5000"/>
+                </a:schemeClr>
+              </a:solidFill>
+            </a:endParaRPr>
+          </a:p>
+          <a:p>
+            <a:pPr algn="just"/>
+            <a:endParaRPr lang="pt-BR" sz="2000" dirty="0" smtClean="0">
+              <a:solidFill>
+                <a:schemeClr val="bg1">
+                  <a:lumMod val="95000"/>
+                  <a:lumOff val="5000"/>
+                </a:schemeClr>
+              </a:solidFill>
+            </a:endParaRPr>
+          </a:p>
+          <a:p>
+            <a:pPr algn="just"/>
+            <a:endParaRPr lang="pt-BR" sz="2000" dirty="0">
+              <a:solidFill>
+                <a:schemeClr val="bg1">
+                  <a:lumMod val="95000"/>
+                  <a:lumOff val="5000"/>
+                </a:schemeClr>
+              </a:solidFill>
+            </a:endParaRPr>
+          </a:p>
+          <a:p>
+            <a:pPr algn="just"/>
+            <a:endParaRPr lang="pt-BR" sz="2000" dirty="0" smtClean="0">
+              <a:solidFill>
+                <a:schemeClr val="bg1">
+                  <a:lumMod val="95000"/>
+                  <a:lumOff val="5000"/>
+                </a:schemeClr>
+              </a:solidFill>
+            </a:endParaRPr>
+          </a:p>
+          <a:p>
+            <a:pPr algn="just"/>
+            <a:endParaRPr lang="pt-BR" sz="2000" dirty="0">
+              <a:solidFill>
+                <a:schemeClr val="bg1">
+                  <a:lumMod val="95000"/>
+                  <a:lumOff val="5000"/>
+                </a:schemeClr>
+              </a:solidFill>
+            </a:endParaRPr>
+          </a:p>
+          <a:p>
+            <a:pPr algn="just"/>
+            <a:endParaRPr lang="pt-BR" sz="2000" dirty="0" smtClean="0">
+              <a:solidFill>
+                <a:schemeClr val="bg1">
+                  <a:lumMod val="95000"/>
+                  <a:lumOff val="5000"/>
+                </a:schemeClr>
+              </a:solidFill>
+            </a:endParaRPr>
+          </a:p>
+          <a:p>
+            <a:pPr algn="just"/>
+            <a:endParaRPr lang="pt-BR" sz="2000" dirty="0">
+              <a:solidFill>
+                <a:schemeClr val="bg1">
+                  <a:lumMod val="95000"/>
+                  <a:lumOff val="5000"/>
+                </a:schemeClr>
+              </a:solidFill>
+            </a:endParaRPr>
+          </a:p>
+          <a:p>
+            <a:pPr algn="just"/>
+            <a:endParaRPr lang="pt-BR" sz="2000" dirty="0" smtClean="0">
+              <a:solidFill>
+                <a:schemeClr val="bg1">
+                  <a:lumMod val="95000"/>
+                  <a:lumOff val="5000"/>
+                </a:schemeClr>
+              </a:solidFill>
+            </a:endParaRPr>
+          </a:p>
+          <a:p>
+            <a:pPr algn="just"/>
+            <a:endParaRPr lang="pt-BR" sz="2000" dirty="0">
+              <a:solidFill>
+                <a:schemeClr val="bg1">
+                  <a:lumMod val="95000"/>
+                  <a:lumOff val="5000"/>
+                </a:schemeClr>
+              </a:solidFill>
+            </a:endParaRPr>
+          </a:p>
+          <a:p>
+            <a:pPr algn="just"/>
             <a:r>
               <a:rPr lang="pt-BR" sz="2000" dirty="0" smtClean="0">
                 <a:solidFill>
@@ -23941,21 +27419,17 @@
                     <a:lumOff val="5000"/>
                   </a:schemeClr>
                 </a:solidFill>
-                <a:hlinkClick r:id="rId3"/>
-              </a:rPr>
-              <a:t>https://www.youtube.com/watch?v=_R6YslWRUFk</a:t>
-            </a:r>
-            <a:endParaRPr lang="pt-BR" sz="2000" dirty="0" smtClean="0">
-              <a:solidFill>
-                <a:schemeClr val="bg1">
-                  <a:lumMod val="95000"/>
-                  <a:lumOff val="5000"/>
-                </a:schemeClr>
-              </a:solidFill>
-            </a:endParaRPr>
-          </a:p>
-          <a:p>
-            <a:pPr algn="just"/>
+              </a:rPr>
+              <a:t>Veja que o próprio sistema operacional já identifica que páginas com extensão </a:t>
+            </a:r>
+            <a:r>
+              <a:rPr lang="pt-BR" sz="2000" dirty="0" smtClean="0">
+                <a:solidFill>
+                  <a:srgbClr val="FF0000"/>
+                </a:solidFill>
+              </a:rPr>
+              <a:t>.html </a:t>
+            </a:r>
             <a:r>
               <a:rPr lang="pt-BR" sz="2000" dirty="0" smtClean="0">
                 <a:solidFill>
@@ -23964,11 +27438,10 @@
                     <a:lumOff val="5000"/>
                   </a:schemeClr>
                 </a:solidFill>
-                <a:hlinkClick r:id="rId4"/>
-              </a:rPr>
-              <a:t>https://www.w3schools.com/css/css_border.asp</a:t>
-            </a:r>
-            <a:endParaRPr lang="pt-BR" sz="2000" dirty="0" smtClean="0">
+              </a:rPr>
+              <a:t>deverão ser iniciadas através de um navegador da internet.</a:t>
+            </a:r>
+            <a:endParaRPr lang="pt-BR" sz="2000" dirty="0">
               <a:solidFill>
                 <a:schemeClr val="bg1">
                   <a:lumMod val="95000"/>
@@ -24057,10 +27530,74 @@
           </a:p>
         </p:txBody>
       </p:sp>
+      <p:pic>
+        <p:nvPicPr>
+          <p:cNvPr id="2050" name="Picture 2"/>
+          <p:cNvPicPr>
+            <a:picLocks noChangeAspect="1" noChangeArrowheads="1"/>
+          </p:cNvPicPr>
+          <p:nvPr/>
+        </p:nvPicPr>
+        <p:blipFill>
+          <a:blip r:embed="rId2">
+            <a:extLst>
+              <a:ext uri="{28A0092B-C50C-407E-A947-70E740481C1C}">
+                <a14:useLocalDpi xmlns:a14="http://schemas.microsoft.com/office/drawing/2010/main" val="0"/>
+              </a:ext>
+            </a:extLst>
+          </a:blip>
+          <a:srcRect/>
+          <a:stretch>
+            <a:fillRect/>
+          </a:stretch>
+        </p:blipFill>
+        <p:spPr bwMode="auto">
+          <a:xfrm>
+            <a:off x="1175332" y="1406670"/>
+            <a:ext cx="9286875" cy="2714625"/>
+          </a:xfrm>
+          <a:prstGeom prst="rect">
+            <a:avLst/>
+          </a:prstGeom>
+          <a:noFill/>
+          <a:ln>
+            <a:noFill/>
+          </a:ln>
+          <a:effectLst/>
+          <a:extLst>
+            <a:ext uri="{909E8E84-426E-40DD-AFC4-6F175D3DCCD1}">
+              <a14:hiddenFill xmlns:a14="http://schemas.microsoft.com/office/drawing/2010/main">
+                <a:solidFill>
+                  <a:schemeClr val="accent1"/>
+                </a:solidFill>
+              </a14:hiddenFill>
+            </a:ext>
+            <a:ext uri="{91240B29-F687-4F45-9708-019B960494DF}">
+              <a14:hiddenLine xmlns:a14="http://schemas.microsoft.com/office/drawing/2010/main" w="9525">
+                <a:solidFill>
+                  <a:schemeClr val="tx1"/>
+                </a:solidFill>
+                <a:miter lim="800000"/>
+                <a:headEnd/>
+                <a:tailEnd/>
+              </a14:hiddenLine>
+            </a:ext>
+            <a:ext uri="{AF507438-7753-43E0-B8FC-AC1667EBCBE1}">
+              <a14:hiddenEffects xmlns:a14="http://schemas.microsoft.com/office/drawing/2010/main">
+                <a:effectLst>
+                  <a:outerShdw dist="35921" dir="2700000" algn="ctr" rotWithShape="0">
+                    <a:schemeClr val="bg2"/>
+                  </a:outerShdw>
+                </a:effectLst>
+              </a14:hiddenEffects>
+            </a:ext>
+          </a:extLst>
+        </p:spPr>
+      </p:pic>
     </p:spTree>
     <p:extLst>
       <p:ext uri="{BB962C8B-B14F-4D97-AF65-F5344CB8AC3E}">
-        <p14:creationId xmlns:p14="http://schemas.microsoft.com/office/powerpoint/2010/main" val="2338382631"/>
+        <p14:creationId xmlns:p14="http://schemas.microsoft.com/office/powerpoint/2010/main" val="4082233256"/>
       </p:ext>
     </p:extLst>
   </p:cSld>
@@ -24077,7 +27614,7 @@
 </p:sld>
 </file>
 
-<file path=ppt/slides/slide4.xml><?xml version="1.0" encoding="utf-8"?>
+<file path=ppt/slides/slide40.xml><?xml version="1.0" encoding="utf-8"?>
 <p:sld xmlns:a="http://schemas.openxmlformats.org/drawingml/2006/main" xmlns:r="http://schemas.openxmlformats.org/officeDocument/2006/relationships" xmlns:p="http://schemas.openxmlformats.org/presentationml/2006/main">
   <p:cSld>
     <p:spTree>
@@ -24099,7 +27636,1080 @@
           <p:cNvPr id="8" name="Retângulo 7">
             <a:extLst>
               <a:ext uri="{FF2B5EF4-FFF2-40B4-BE49-F238E27FC236}">
-                <a16:creationId xmlns:a16="http://schemas.microsoft.com/office/drawing/2014/main" xmlns="" id="{9B33DD69-1761-43D2-B589-CE56D2C4FBB6}"/>
+                <a16:creationId xmlns="" xmlns:a16="http://schemas.microsoft.com/office/drawing/2014/main" id="{9B33DD69-1761-43D2-B589-CE56D2C4FBB6}"/>
+              </a:ext>
+            </a:extLst>
+          </p:cNvPr>
+          <p:cNvSpPr/>
+          <p:nvPr/>
+        </p:nvSpPr>
+        <p:spPr>
+          <a:xfrm>
+            <a:off x="892663" y="0"/>
+            <a:ext cx="11304103" cy="6858000"/>
+          </a:xfrm>
+          <a:prstGeom prst="rect">
+            <a:avLst/>
+          </a:prstGeom>
+          <a:solidFill>
+            <a:schemeClr val="tx1"/>
+          </a:solidFill>
+          <a:ln>
+            <a:solidFill>
+              <a:schemeClr val="tx1"/>
+            </a:solidFill>
+          </a:ln>
+        </p:spPr>
+        <p:style>
+          <a:lnRef idx="2">
+            <a:schemeClr val="accent1">
+              <a:shade val="50000"/>
+            </a:schemeClr>
+          </a:lnRef>
+          <a:fillRef idx="1">
+            <a:schemeClr val="accent1"/>
+          </a:fillRef>
+          <a:effectRef idx="0">
+            <a:schemeClr val="accent1"/>
+          </a:effectRef>
+          <a:fontRef idx="minor">
+            <a:schemeClr val="lt1"/>
+          </a:fontRef>
+        </p:style>
+        <p:txBody>
+          <a:bodyPr rtlCol="0" anchor="ctr"/>
+          <a:lstStyle/>
+          <a:p>
+            <a:pPr algn="ctr"/>
+            <a:endParaRPr lang="pt-BR" sz="2000" dirty="0">
+              <a:solidFill>
+                <a:schemeClr val="bg1"/>
+              </a:solidFill>
+            </a:endParaRPr>
+          </a:p>
+        </p:txBody>
+      </p:sp>
+      <p:sp>
+        <p:nvSpPr>
+          <p:cNvPr id="3" name="AutoShape 2" descr="Download Visual Studio Code - Mac, Linux, Windows"/>
+          <p:cNvSpPr>
+            <a:spLocks noChangeAspect="1" noChangeArrowheads="1"/>
+          </p:cNvSpPr>
+          <p:nvPr/>
+        </p:nvSpPr>
+        <p:spPr bwMode="auto">
+          <a:xfrm>
+            <a:off x="155575" y="-144463"/>
+            <a:ext cx="304800" cy="304801"/>
+          </a:xfrm>
+          <a:prstGeom prst="rect">
+            <a:avLst/>
+          </a:prstGeom>
+          <a:noFill/>
+          <a:extLst>
+            <a:ext uri="{909E8E84-426E-40DD-AFC4-6F175D3DCCD1}">
+              <a14:hiddenFill xmlns:a14="http://schemas.microsoft.com/office/drawing/2010/main">
+                <a:solidFill>
+                  <a:srgbClr val="FFFFFF"/>
+                </a:solidFill>
+              </a14:hiddenFill>
+            </a:ext>
+          </a:extLst>
+        </p:spPr>
+        <p:txBody>
+          <a:bodyPr vert="horz" wrap="square" lIns="91440" tIns="45720" rIns="91440" bIns="45720" numCol="1" anchor="t" anchorCtr="0" compatLnSpc="1">
+            <a:prstTxWarp prst="textNoShape">
+              <a:avLst/>
+            </a:prstTxWarp>
+          </a:bodyPr>
+          <a:lstStyle/>
+          <a:p>
+            <a:endParaRPr lang="pt-BR"/>
+          </a:p>
+        </p:txBody>
+      </p:sp>
+      <p:sp>
+        <p:nvSpPr>
+          <p:cNvPr id="4" name="AutoShape 4" descr="Download Visual Studio Code - Mac, Linux, Windows"/>
+          <p:cNvSpPr>
+            <a:spLocks noChangeAspect="1" noChangeArrowheads="1"/>
+          </p:cNvSpPr>
+          <p:nvPr/>
+        </p:nvSpPr>
+        <p:spPr bwMode="auto">
+          <a:xfrm>
+            <a:off x="307975" y="7937"/>
+            <a:ext cx="304800" cy="304801"/>
+          </a:xfrm>
+          <a:prstGeom prst="rect">
+            <a:avLst/>
+          </a:prstGeom>
+          <a:noFill/>
+          <a:extLst>
+            <a:ext uri="{909E8E84-426E-40DD-AFC4-6F175D3DCCD1}">
+              <a14:hiddenFill xmlns:a14="http://schemas.microsoft.com/office/drawing/2010/main">
+                <a:solidFill>
+                  <a:srgbClr val="FFFFFF"/>
+                </a:solidFill>
+              </a14:hiddenFill>
+            </a:ext>
+          </a:extLst>
+        </p:spPr>
+        <p:txBody>
+          <a:bodyPr vert="horz" wrap="square" lIns="91440" tIns="45720" rIns="91440" bIns="45720" numCol="1" anchor="t" anchorCtr="0" compatLnSpc="1">
+            <a:prstTxWarp prst="textNoShape">
+              <a:avLst/>
+            </a:prstTxWarp>
+          </a:bodyPr>
+          <a:lstStyle/>
+          <a:p>
+            <a:endParaRPr lang="pt-BR"/>
+          </a:p>
+        </p:txBody>
+      </p:sp>
+      <p:sp>
+        <p:nvSpPr>
+          <p:cNvPr id="9" name="CaixaDeTexto 8">
+            <a:extLst>
+              <a:ext uri="{FF2B5EF4-FFF2-40B4-BE49-F238E27FC236}">
+                <a16:creationId xmlns="" xmlns:a16="http://schemas.microsoft.com/office/drawing/2014/main" id="{90B980A2-8D40-4C0A-9871-4FA9794F9C3D}"/>
+              </a:ext>
+            </a:extLst>
+          </p:cNvPr>
+          <p:cNvSpPr txBox="1"/>
+          <p:nvPr/>
+        </p:nvSpPr>
+        <p:spPr>
+          <a:xfrm>
+            <a:off x="1215284" y="160337"/>
+            <a:ext cx="10658859" cy="3170099"/>
+          </a:xfrm>
+          <a:prstGeom prst="rect">
+            <a:avLst/>
+          </a:prstGeom>
+          <a:noFill/>
+        </p:spPr>
+        <p:txBody>
+          <a:bodyPr wrap="square" rtlCol="0">
+            <a:spAutoFit/>
+          </a:bodyPr>
+          <a:lstStyle/>
+          <a:p>
+            <a:pPr algn="just"/>
+            <a:r>
+              <a:rPr lang="pt-BR" sz="2000" dirty="0" smtClean="0">
+                <a:solidFill>
+                  <a:srgbClr val="FF0000"/>
+                </a:solidFill>
+              </a:rPr>
+              <a:t>Dica importante</a:t>
+            </a:r>
+            <a:r>
+              <a:rPr lang="pt-BR" sz="2000" dirty="0" smtClean="0">
+                <a:solidFill>
+                  <a:schemeClr val="bg1">
+                    <a:lumMod val="95000"/>
+                    <a:lumOff val="5000"/>
+                  </a:schemeClr>
+                </a:solidFill>
+              </a:rPr>
+              <a:t>, para não se perder no código e ser mais claro quando uma div precisa estar dentro de outra comentamos onde a div se inicia e ela termina, veja exemplo:</a:t>
+            </a:r>
+          </a:p>
+          <a:p>
+            <a:pPr algn="just"/>
+            <a:endParaRPr lang="pt-BR" sz="2000" dirty="0" smtClean="0">
+              <a:solidFill>
+                <a:schemeClr val="bg1">
+                  <a:lumMod val="95000"/>
+                  <a:lumOff val="5000"/>
+                </a:schemeClr>
+              </a:solidFill>
+            </a:endParaRPr>
+          </a:p>
+          <a:p>
+            <a:pPr algn="just"/>
+            <a:endParaRPr lang="pt-BR" sz="2000" dirty="0">
+              <a:solidFill>
+                <a:schemeClr val="bg1">
+                  <a:lumMod val="95000"/>
+                  <a:lumOff val="5000"/>
+                </a:schemeClr>
+              </a:solidFill>
+            </a:endParaRPr>
+          </a:p>
+          <a:p>
+            <a:pPr algn="just"/>
+            <a:endParaRPr lang="pt-BR" sz="2000" dirty="0" smtClean="0">
+              <a:solidFill>
+                <a:schemeClr val="bg1">
+                  <a:lumMod val="95000"/>
+                  <a:lumOff val="5000"/>
+                </a:schemeClr>
+              </a:solidFill>
+            </a:endParaRPr>
+          </a:p>
+          <a:p>
+            <a:pPr algn="just"/>
+            <a:endParaRPr lang="pt-BR" sz="2000" dirty="0">
+              <a:solidFill>
+                <a:schemeClr val="bg1">
+                  <a:lumMod val="95000"/>
+                  <a:lumOff val="5000"/>
+                </a:schemeClr>
+              </a:solidFill>
+            </a:endParaRPr>
+          </a:p>
+          <a:p>
+            <a:pPr algn="just"/>
+            <a:endParaRPr lang="pt-BR" sz="2000" dirty="0" smtClean="0">
+              <a:solidFill>
+                <a:schemeClr val="bg1">
+                  <a:lumMod val="95000"/>
+                  <a:lumOff val="5000"/>
+                </a:schemeClr>
+              </a:solidFill>
+            </a:endParaRPr>
+          </a:p>
+          <a:p>
+            <a:pPr algn="just"/>
+            <a:endParaRPr lang="pt-BR" sz="2000" dirty="0">
+              <a:solidFill>
+                <a:schemeClr val="bg1">
+                  <a:lumMod val="95000"/>
+                  <a:lumOff val="5000"/>
+                </a:schemeClr>
+              </a:solidFill>
+            </a:endParaRPr>
+          </a:p>
+          <a:p>
+            <a:pPr algn="just"/>
+            <a:endParaRPr lang="pt-BR" sz="2000" dirty="0" smtClean="0">
+              <a:solidFill>
+                <a:schemeClr val="bg1"/>
+              </a:solidFill>
+            </a:endParaRPr>
+          </a:p>
+          <a:p>
+            <a:pPr algn="just"/>
+            <a:endParaRPr lang="pt-BR" sz="2000" dirty="0" smtClean="0">
+              <a:solidFill>
+                <a:schemeClr val="bg1">
+                  <a:lumMod val="95000"/>
+                  <a:lumOff val="5000"/>
+                </a:schemeClr>
+              </a:solidFill>
+            </a:endParaRPr>
+          </a:p>
+        </p:txBody>
+      </p:sp>
+      <p:pic>
+        <p:nvPicPr>
+          <p:cNvPr id="7173" name="Picture 5"/>
+          <p:cNvPicPr>
+            <a:picLocks noChangeAspect="1" noChangeArrowheads="1"/>
+          </p:cNvPicPr>
+          <p:nvPr/>
+        </p:nvPicPr>
+        <p:blipFill rotWithShape="1">
+          <a:blip r:embed="rId2">
+            <a:extLst>
+              <a:ext uri="{28A0092B-C50C-407E-A947-70E740481C1C}">
+                <a14:useLocalDpi xmlns:a14="http://schemas.microsoft.com/office/drawing/2010/main" val="0"/>
+              </a:ext>
+            </a:extLst>
+          </a:blip>
+          <a:srcRect l="1577" t="-5614" r="914" b="5614"/>
+          <a:stretch/>
+        </p:blipFill>
+        <p:spPr bwMode="auto">
+          <a:xfrm>
+            <a:off x="1319734" y="636735"/>
+            <a:ext cx="10449959" cy="6025322"/>
+          </a:xfrm>
+          <a:prstGeom prst="rect">
+            <a:avLst/>
+          </a:prstGeom>
+          <a:noFill/>
+          <a:ln>
+            <a:noFill/>
+          </a:ln>
+          <a:effectLst/>
+          <a:extLst>
+            <a:ext uri="{909E8E84-426E-40DD-AFC4-6F175D3DCCD1}">
+              <a14:hiddenFill xmlns:a14="http://schemas.microsoft.com/office/drawing/2010/main">
+                <a:solidFill>
+                  <a:schemeClr val="accent1"/>
+                </a:solidFill>
+              </a14:hiddenFill>
+            </a:ext>
+            <a:ext uri="{91240B29-F687-4F45-9708-019B960494DF}">
+              <a14:hiddenLine xmlns:a14="http://schemas.microsoft.com/office/drawing/2010/main" w="9525">
+                <a:solidFill>
+                  <a:schemeClr val="tx1"/>
+                </a:solidFill>
+                <a:miter lim="800000"/>
+                <a:headEnd/>
+                <a:tailEnd/>
+              </a14:hiddenLine>
+            </a:ext>
+            <a:ext uri="{AF507438-7753-43E0-B8FC-AC1667EBCBE1}">
+              <a14:hiddenEffects xmlns:a14="http://schemas.microsoft.com/office/drawing/2010/main">
+                <a:effectLst>
+                  <a:outerShdw dist="35921" dir="2700000" algn="ctr" rotWithShape="0">
+                    <a:schemeClr val="bg2"/>
+                  </a:outerShdw>
+                </a:effectLst>
+              </a14:hiddenEffects>
+            </a:ext>
+          </a:extLst>
+        </p:spPr>
+      </p:pic>
+    </p:spTree>
+    <p:extLst>
+      <p:ext uri="{BB962C8B-B14F-4D97-AF65-F5344CB8AC3E}">
+        <p14:creationId xmlns:p14="http://schemas.microsoft.com/office/powerpoint/2010/main" val="2485865400"/>
+      </p:ext>
+    </p:extLst>
+  </p:cSld>
+  <p:clrMapOvr>
+    <a:masterClrMapping/>
+  </p:clrMapOvr>
+  <p:timing>
+    <p:tnLst>
+      <p:par>
+        <p:cTn id="1" dur="indefinite" restart="never" nodeType="tmRoot"/>
+      </p:par>
+    </p:tnLst>
+  </p:timing>
+</p:sld>
+</file>
+
+<file path=ppt/slides/slide41.xml><?xml version="1.0" encoding="utf-8"?>
+<p:sld xmlns:a="http://schemas.openxmlformats.org/drawingml/2006/main" xmlns:r="http://schemas.openxmlformats.org/officeDocument/2006/relationships" xmlns:p="http://schemas.openxmlformats.org/presentationml/2006/main">
+  <p:cSld>
+    <p:spTree>
+      <p:nvGrpSpPr>
+        <p:cNvPr id="1" name=""/>
+        <p:cNvGrpSpPr/>
+        <p:nvPr/>
+      </p:nvGrpSpPr>
+      <p:grpSpPr>
+        <a:xfrm>
+          <a:off x="0" y="0"/>
+          <a:ext cx="0" cy="0"/>
+          <a:chOff x="0" y="0"/>
+          <a:chExt cx="0" cy="0"/>
+        </a:xfrm>
+      </p:grpSpPr>
+      <p:sp>
+        <p:nvSpPr>
+          <p:cNvPr id="8" name="Retângulo 7">
+            <a:extLst>
+              <a:ext uri="{FF2B5EF4-FFF2-40B4-BE49-F238E27FC236}">
+                <a16:creationId xmlns="" xmlns:a16="http://schemas.microsoft.com/office/drawing/2014/main" id="{9B33DD69-1761-43D2-B589-CE56D2C4FBB6}"/>
+              </a:ext>
+            </a:extLst>
+          </p:cNvPr>
+          <p:cNvSpPr/>
+          <p:nvPr/>
+        </p:nvSpPr>
+        <p:spPr>
+          <a:xfrm>
+            <a:off x="892663" y="0"/>
+            <a:ext cx="11304103" cy="6858000"/>
+          </a:xfrm>
+          <a:prstGeom prst="rect">
+            <a:avLst/>
+          </a:prstGeom>
+          <a:solidFill>
+            <a:schemeClr val="tx1"/>
+          </a:solidFill>
+          <a:ln>
+            <a:solidFill>
+              <a:schemeClr val="tx1"/>
+            </a:solidFill>
+          </a:ln>
+        </p:spPr>
+        <p:style>
+          <a:lnRef idx="2">
+            <a:schemeClr val="accent1">
+              <a:shade val="50000"/>
+            </a:schemeClr>
+          </a:lnRef>
+          <a:fillRef idx="1">
+            <a:schemeClr val="accent1"/>
+          </a:fillRef>
+          <a:effectRef idx="0">
+            <a:schemeClr val="accent1"/>
+          </a:effectRef>
+          <a:fontRef idx="minor">
+            <a:schemeClr val="lt1"/>
+          </a:fontRef>
+        </p:style>
+        <p:txBody>
+          <a:bodyPr rtlCol="0" anchor="ctr"/>
+          <a:lstStyle/>
+          <a:p>
+            <a:pPr algn="ctr"/>
+            <a:endParaRPr lang="pt-BR" sz="2000" dirty="0">
+              <a:solidFill>
+                <a:schemeClr val="bg1"/>
+              </a:solidFill>
+            </a:endParaRPr>
+          </a:p>
+        </p:txBody>
+      </p:sp>
+      <p:sp>
+        <p:nvSpPr>
+          <p:cNvPr id="3" name="AutoShape 2" descr="Download Visual Studio Code - Mac, Linux, Windows"/>
+          <p:cNvSpPr>
+            <a:spLocks noChangeAspect="1" noChangeArrowheads="1"/>
+          </p:cNvSpPr>
+          <p:nvPr/>
+        </p:nvSpPr>
+        <p:spPr bwMode="auto">
+          <a:xfrm>
+            <a:off x="155575" y="-144463"/>
+            <a:ext cx="304800" cy="304801"/>
+          </a:xfrm>
+          <a:prstGeom prst="rect">
+            <a:avLst/>
+          </a:prstGeom>
+          <a:noFill/>
+          <a:extLst>
+            <a:ext uri="{909E8E84-426E-40DD-AFC4-6F175D3DCCD1}">
+              <a14:hiddenFill xmlns:a14="http://schemas.microsoft.com/office/drawing/2010/main">
+                <a:solidFill>
+                  <a:srgbClr val="FFFFFF"/>
+                </a:solidFill>
+              </a14:hiddenFill>
+            </a:ext>
+          </a:extLst>
+        </p:spPr>
+        <p:txBody>
+          <a:bodyPr vert="horz" wrap="square" lIns="91440" tIns="45720" rIns="91440" bIns="45720" numCol="1" anchor="t" anchorCtr="0" compatLnSpc="1">
+            <a:prstTxWarp prst="textNoShape">
+              <a:avLst/>
+            </a:prstTxWarp>
+          </a:bodyPr>
+          <a:lstStyle/>
+          <a:p>
+            <a:endParaRPr lang="pt-BR"/>
+          </a:p>
+        </p:txBody>
+      </p:sp>
+      <p:sp>
+        <p:nvSpPr>
+          <p:cNvPr id="4" name="AutoShape 4" descr="Download Visual Studio Code - Mac, Linux, Windows"/>
+          <p:cNvSpPr>
+            <a:spLocks noChangeAspect="1" noChangeArrowheads="1"/>
+          </p:cNvSpPr>
+          <p:nvPr/>
+        </p:nvSpPr>
+        <p:spPr bwMode="auto">
+          <a:xfrm>
+            <a:off x="307975" y="7937"/>
+            <a:ext cx="304800" cy="304801"/>
+          </a:xfrm>
+          <a:prstGeom prst="rect">
+            <a:avLst/>
+          </a:prstGeom>
+          <a:noFill/>
+          <a:extLst>
+            <a:ext uri="{909E8E84-426E-40DD-AFC4-6F175D3DCCD1}">
+              <a14:hiddenFill xmlns:a14="http://schemas.microsoft.com/office/drawing/2010/main">
+                <a:solidFill>
+                  <a:srgbClr val="FFFFFF"/>
+                </a:solidFill>
+              </a14:hiddenFill>
+            </a:ext>
+          </a:extLst>
+        </p:spPr>
+        <p:txBody>
+          <a:bodyPr vert="horz" wrap="square" lIns="91440" tIns="45720" rIns="91440" bIns="45720" numCol="1" anchor="t" anchorCtr="0" compatLnSpc="1">
+            <a:prstTxWarp prst="textNoShape">
+              <a:avLst/>
+            </a:prstTxWarp>
+          </a:bodyPr>
+          <a:lstStyle/>
+          <a:p>
+            <a:endParaRPr lang="pt-BR"/>
+          </a:p>
+        </p:txBody>
+      </p:sp>
+      <p:sp>
+        <p:nvSpPr>
+          <p:cNvPr id="9" name="CaixaDeTexto 8">
+            <a:extLst>
+              <a:ext uri="{FF2B5EF4-FFF2-40B4-BE49-F238E27FC236}">
+                <a16:creationId xmlns="" xmlns:a16="http://schemas.microsoft.com/office/drawing/2014/main" id="{90B980A2-8D40-4C0A-9871-4FA9794F9C3D}"/>
+              </a:ext>
+            </a:extLst>
+          </p:cNvPr>
+          <p:cNvSpPr txBox="1"/>
+          <p:nvPr/>
+        </p:nvSpPr>
+        <p:spPr>
+          <a:xfrm>
+            <a:off x="1215284" y="160337"/>
+            <a:ext cx="10658859" cy="9017853"/>
+          </a:xfrm>
+          <a:prstGeom prst="rect">
+            <a:avLst/>
+          </a:prstGeom>
+          <a:noFill/>
+        </p:spPr>
+        <p:txBody>
+          <a:bodyPr wrap="square" rtlCol="0">
+            <a:spAutoFit/>
+          </a:bodyPr>
+          <a:lstStyle/>
+          <a:p>
+            <a:pPr algn="just"/>
+            <a:r>
+              <a:rPr lang="pt-BR" sz="2000" dirty="0" smtClean="0">
+                <a:solidFill>
+                  <a:schemeClr val="bg1">
+                    <a:lumMod val="95000"/>
+                    <a:lumOff val="5000"/>
+                  </a:schemeClr>
+                </a:solidFill>
+              </a:rPr>
+              <a:t>Utilizando o que já aprendemos, monte uma página em </a:t>
+            </a:r>
+            <a:r>
+              <a:rPr lang="pt-BR" sz="2000" dirty="0" smtClean="0">
+                <a:solidFill>
+                  <a:srgbClr val="FF0000"/>
+                </a:solidFill>
+              </a:rPr>
+              <a:t>.html </a:t>
+            </a:r>
+            <a:r>
+              <a:rPr lang="pt-BR" sz="2000" dirty="0" smtClean="0">
+                <a:solidFill>
+                  <a:schemeClr val="bg1">
+                    <a:lumMod val="95000"/>
+                    <a:lumOff val="5000"/>
+                  </a:schemeClr>
+                </a:solidFill>
+              </a:rPr>
+              <a:t>conforme exemplo </a:t>
+            </a:r>
+            <a:r>
+              <a:rPr lang="pt-BR" sz="2000" dirty="0" smtClean="0">
+                <a:solidFill>
+                  <a:schemeClr val="bg1">
+                    <a:lumMod val="95000"/>
+                    <a:lumOff val="5000"/>
+                  </a:schemeClr>
+                </a:solidFill>
+              </a:rPr>
+              <a:t>abaixo. </a:t>
+            </a:r>
+            <a:r>
+              <a:rPr lang="pt-BR" sz="2000" dirty="0">
+                <a:solidFill>
+                  <a:schemeClr val="bg1">
+                    <a:lumMod val="95000"/>
+                    <a:lumOff val="5000"/>
+                  </a:schemeClr>
+                </a:solidFill>
+              </a:rPr>
+              <a:t>Seja criativo com as cores, e não esqueça da indentação, dos título da página com imagem e das margins de distanciamento!</a:t>
+            </a:r>
+          </a:p>
+          <a:p>
+            <a:pPr algn="just"/>
+            <a:endParaRPr lang="pt-BR" sz="2000" dirty="0" smtClean="0">
+              <a:solidFill>
+                <a:schemeClr val="bg1">
+                  <a:lumMod val="95000"/>
+                  <a:lumOff val="5000"/>
+                </a:schemeClr>
+              </a:solidFill>
+            </a:endParaRPr>
+          </a:p>
+          <a:p>
+            <a:pPr algn="just"/>
+            <a:endParaRPr lang="pt-BR" sz="2000" dirty="0">
+              <a:solidFill>
+                <a:schemeClr val="bg1">
+                  <a:lumMod val="95000"/>
+                  <a:lumOff val="5000"/>
+                </a:schemeClr>
+              </a:solidFill>
+            </a:endParaRPr>
+          </a:p>
+          <a:p>
+            <a:pPr algn="just"/>
+            <a:endParaRPr lang="pt-BR" sz="2000" dirty="0" smtClean="0">
+              <a:solidFill>
+                <a:schemeClr val="bg1">
+                  <a:lumMod val="95000"/>
+                  <a:lumOff val="5000"/>
+                </a:schemeClr>
+              </a:solidFill>
+            </a:endParaRPr>
+          </a:p>
+          <a:p>
+            <a:pPr algn="just"/>
+            <a:endParaRPr lang="pt-BR" sz="2000" dirty="0">
+              <a:solidFill>
+                <a:schemeClr val="bg1">
+                  <a:lumMod val="95000"/>
+                  <a:lumOff val="5000"/>
+                </a:schemeClr>
+              </a:solidFill>
+            </a:endParaRPr>
+          </a:p>
+          <a:p>
+            <a:pPr algn="just"/>
+            <a:endParaRPr lang="pt-BR" sz="2000" dirty="0" smtClean="0">
+              <a:solidFill>
+                <a:schemeClr val="bg1">
+                  <a:lumMod val="95000"/>
+                  <a:lumOff val="5000"/>
+                </a:schemeClr>
+              </a:solidFill>
+            </a:endParaRPr>
+          </a:p>
+          <a:p>
+            <a:pPr algn="just"/>
+            <a:endParaRPr lang="pt-BR" sz="2000" dirty="0">
+              <a:solidFill>
+                <a:schemeClr val="bg1">
+                  <a:lumMod val="95000"/>
+                  <a:lumOff val="5000"/>
+                </a:schemeClr>
+              </a:solidFill>
+            </a:endParaRPr>
+          </a:p>
+          <a:p>
+            <a:pPr algn="just"/>
+            <a:endParaRPr lang="pt-BR" sz="2000" dirty="0" smtClean="0">
+              <a:solidFill>
+                <a:schemeClr val="bg1">
+                  <a:lumMod val="95000"/>
+                  <a:lumOff val="5000"/>
+                </a:schemeClr>
+              </a:solidFill>
+            </a:endParaRPr>
+          </a:p>
+          <a:p>
+            <a:pPr algn="just"/>
+            <a:endParaRPr lang="pt-BR" sz="2000" dirty="0">
+              <a:solidFill>
+                <a:schemeClr val="bg1">
+                  <a:lumMod val="95000"/>
+                  <a:lumOff val="5000"/>
+                </a:schemeClr>
+              </a:solidFill>
+            </a:endParaRPr>
+          </a:p>
+          <a:p>
+            <a:pPr algn="just"/>
+            <a:endParaRPr lang="pt-BR" sz="2000" dirty="0" smtClean="0">
+              <a:solidFill>
+                <a:schemeClr val="bg1">
+                  <a:lumMod val="95000"/>
+                  <a:lumOff val="5000"/>
+                </a:schemeClr>
+              </a:solidFill>
+            </a:endParaRPr>
+          </a:p>
+          <a:p>
+            <a:pPr algn="just"/>
+            <a:endParaRPr lang="pt-BR" sz="2000" dirty="0">
+              <a:solidFill>
+                <a:schemeClr val="bg1">
+                  <a:lumMod val="95000"/>
+                  <a:lumOff val="5000"/>
+                </a:schemeClr>
+              </a:solidFill>
+            </a:endParaRPr>
+          </a:p>
+          <a:p>
+            <a:pPr algn="just"/>
+            <a:endParaRPr lang="pt-BR" sz="2000" dirty="0" smtClean="0">
+              <a:solidFill>
+                <a:schemeClr val="bg1">
+                  <a:lumMod val="95000"/>
+                  <a:lumOff val="5000"/>
+                </a:schemeClr>
+              </a:solidFill>
+            </a:endParaRPr>
+          </a:p>
+          <a:p>
+            <a:pPr algn="just"/>
+            <a:endParaRPr lang="pt-BR" sz="2000" dirty="0">
+              <a:solidFill>
+                <a:schemeClr val="bg1">
+                  <a:lumMod val="95000"/>
+                  <a:lumOff val="5000"/>
+                </a:schemeClr>
+              </a:solidFill>
+            </a:endParaRPr>
+          </a:p>
+          <a:p>
+            <a:pPr algn="just"/>
+            <a:endParaRPr lang="pt-BR" sz="2000" dirty="0" smtClean="0">
+              <a:solidFill>
+                <a:schemeClr val="bg1">
+                  <a:lumMod val="95000"/>
+                  <a:lumOff val="5000"/>
+                </a:schemeClr>
+              </a:solidFill>
+            </a:endParaRPr>
+          </a:p>
+          <a:p>
+            <a:pPr algn="just"/>
+            <a:endParaRPr lang="pt-BR" sz="2000" dirty="0">
+              <a:solidFill>
+                <a:schemeClr val="bg1">
+                  <a:lumMod val="95000"/>
+                  <a:lumOff val="5000"/>
+                </a:schemeClr>
+              </a:solidFill>
+            </a:endParaRPr>
+          </a:p>
+          <a:p>
+            <a:pPr algn="just"/>
+            <a:endParaRPr lang="pt-BR" sz="2000" dirty="0" smtClean="0">
+              <a:solidFill>
+                <a:schemeClr val="bg1">
+                  <a:lumMod val="95000"/>
+                  <a:lumOff val="5000"/>
+                </a:schemeClr>
+              </a:solidFill>
+            </a:endParaRPr>
+          </a:p>
+          <a:p>
+            <a:pPr algn="just"/>
+            <a:endParaRPr lang="pt-BR" sz="2000" dirty="0">
+              <a:solidFill>
+                <a:schemeClr val="bg1">
+                  <a:lumMod val="95000"/>
+                  <a:lumOff val="5000"/>
+                </a:schemeClr>
+              </a:solidFill>
+            </a:endParaRPr>
+          </a:p>
+          <a:p>
+            <a:pPr algn="just"/>
+            <a:endParaRPr lang="pt-BR" sz="2000" dirty="0" smtClean="0">
+              <a:solidFill>
+                <a:schemeClr val="bg1">
+                  <a:lumMod val="95000"/>
+                  <a:lumOff val="5000"/>
+                </a:schemeClr>
+              </a:solidFill>
+            </a:endParaRPr>
+          </a:p>
+          <a:p>
+            <a:pPr algn="just"/>
+            <a:endParaRPr lang="pt-BR" sz="2000" dirty="0" smtClean="0">
+              <a:solidFill>
+                <a:schemeClr val="bg1">
+                  <a:lumMod val="95000"/>
+                  <a:lumOff val="5000"/>
+                </a:schemeClr>
+              </a:solidFill>
+            </a:endParaRPr>
+          </a:p>
+          <a:p>
+            <a:pPr algn="just"/>
+            <a:endParaRPr lang="pt-BR" sz="2000" dirty="0">
+              <a:solidFill>
+                <a:schemeClr val="bg1">
+                  <a:lumMod val="95000"/>
+                  <a:lumOff val="5000"/>
+                </a:schemeClr>
+              </a:solidFill>
+            </a:endParaRPr>
+          </a:p>
+          <a:p>
+            <a:pPr algn="just"/>
+            <a:endParaRPr lang="pt-BR" sz="2000" dirty="0">
+              <a:solidFill>
+                <a:schemeClr val="bg1">
+                  <a:lumMod val="95000"/>
+                  <a:lumOff val="5000"/>
+                </a:schemeClr>
+              </a:solidFill>
+            </a:endParaRPr>
+          </a:p>
+          <a:p>
+            <a:pPr algn="just"/>
+            <a:endParaRPr lang="pt-BR" sz="2000" dirty="0" smtClean="0">
+              <a:solidFill>
+                <a:schemeClr val="bg1">
+                  <a:lumMod val="95000"/>
+                  <a:lumOff val="5000"/>
+                </a:schemeClr>
+              </a:solidFill>
+            </a:endParaRPr>
+          </a:p>
+          <a:p>
+            <a:pPr algn="just"/>
+            <a:endParaRPr lang="pt-BR" sz="2000" dirty="0">
+              <a:solidFill>
+                <a:schemeClr val="bg1">
+                  <a:lumMod val="95000"/>
+                  <a:lumOff val="5000"/>
+                </a:schemeClr>
+              </a:solidFill>
+            </a:endParaRPr>
+          </a:p>
+          <a:p>
+            <a:pPr algn="just"/>
+            <a:endParaRPr lang="pt-BR" sz="2000" dirty="0" smtClean="0">
+              <a:solidFill>
+                <a:schemeClr val="bg1">
+                  <a:lumMod val="95000"/>
+                  <a:lumOff val="5000"/>
+                </a:schemeClr>
+              </a:solidFill>
+            </a:endParaRPr>
+          </a:p>
+          <a:p>
+            <a:pPr algn="just"/>
+            <a:endParaRPr lang="pt-BR" sz="2000" dirty="0">
+              <a:solidFill>
+                <a:schemeClr val="bg1">
+                  <a:lumMod val="95000"/>
+                  <a:lumOff val="5000"/>
+                </a:schemeClr>
+              </a:solidFill>
+            </a:endParaRPr>
+          </a:p>
+          <a:p>
+            <a:pPr algn="just"/>
+            <a:endParaRPr lang="pt-BR" sz="2000" dirty="0" smtClean="0">
+              <a:solidFill>
+                <a:schemeClr val="bg1"/>
+              </a:solidFill>
+            </a:endParaRPr>
+          </a:p>
+          <a:p>
+            <a:pPr algn="just"/>
+            <a:endParaRPr lang="pt-BR" sz="2000" dirty="0" smtClean="0">
+              <a:solidFill>
+                <a:schemeClr val="bg1">
+                  <a:lumMod val="95000"/>
+                  <a:lumOff val="5000"/>
+                </a:schemeClr>
+              </a:solidFill>
+            </a:endParaRPr>
+          </a:p>
+        </p:txBody>
+      </p:sp>
+      <p:pic>
+        <p:nvPicPr>
+          <p:cNvPr id="7172" name="Picture 4"/>
+          <p:cNvPicPr>
+            <a:picLocks noChangeAspect="1" noChangeArrowheads="1"/>
+          </p:cNvPicPr>
+          <p:nvPr/>
+        </p:nvPicPr>
+        <p:blipFill>
+          <a:blip r:embed="rId2">
+            <a:extLst>
+              <a:ext uri="{28A0092B-C50C-407E-A947-70E740481C1C}">
+                <a14:useLocalDpi xmlns:a14="http://schemas.microsoft.com/office/drawing/2010/main" val="0"/>
+              </a:ext>
+            </a:extLst>
+          </a:blip>
+          <a:srcRect/>
+          <a:stretch>
+            <a:fillRect/>
+          </a:stretch>
+        </p:blipFill>
+        <p:spPr bwMode="auto">
+          <a:xfrm>
+            <a:off x="3627472" y="1241765"/>
+            <a:ext cx="5834482" cy="5408417"/>
+          </a:xfrm>
+          <a:prstGeom prst="rect">
+            <a:avLst/>
+          </a:prstGeom>
+          <a:noFill/>
+          <a:ln>
+            <a:noFill/>
+          </a:ln>
+          <a:effectLst/>
+          <a:extLst>
+            <a:ext uri="{909E8E84-426E-40DD-AFC4-6F175D3DCCD1}">
+              <a14:hiddenFill xmlns:a14="http://schemas.microsoft.com/office/drawing/2010/main">
+                <a:solidFill>
+                  <a:schemeClr val="accent1"/>
+                </a:solidFill>
+              </a14:hiddenFill>
+            </a:ext>
+            <a:ext uri="{91240B29-F687-4F45-9708-019B960494DF}">
+              <a14:hiddenLine xmlns:a14="http://schemas.microsoft.com/office/drawing/2010/main" w="9525">
+                <a:solidFill>
+                  <a:schemeClr val="tx1"/>
+                </a:solidFill>
+                <a:miter lim="800000"/>
+                <a:headEnd/>
+                <a:tailEnd/>
+              </a14:hiddenLine>
+            </a:ext>
+            <a:ext uri="{AF507438-7753-43E0-B8FC-AC1667EBCBE1}">
+              <a14:hiddenEffects xmlns:a14="http://schemas.microsoft.com/office/drawing/2010/main">
+                <a:effectLst>
+                  <a:outerShdw dist="35921" dir="2700000" algn="ctr" rotWithShape="0">
+                    <a:schemeClr val="bg2"/>
+                  </a:outerShdw>
+                </a:effectLst>
+              </a14:hiddenEffects>
+            </a:ext>
+          </a:extLst>
+        </p:spPr>
+      </p:pic>
+    </p:spTree>
+    <p:extLst>
+      <p:ext uri="{BB962C8B-B14F-4D97-AF65-F5344CB8AC3E}">
+        <p14:creationId xmlns:p14="http://schemas.microsoft.com/office/powerpoint/2010/main" val="4063197227"/>
+      </p:ext>
+    </p:extLst>
+  </p:cSld>
+  <p:clrMapOvr>
+    <a:masterClrMapping/>
+  </p:clrMapOvr>
+  <p:timing>
+    <p:tnLst>
+      <p:par>
+        <p:cTn id="1" dur="indefinite" restart="never" nodeType="tmRoot"/>
+      </p:par>
+    </p:tnLst>
+  </p:timing>
+</p:sld>
+</file>
+
+<file path=ppt/slides/slide42.xml><?xml version="1.0" encoding="utf-8"?>
+<p:sld xmlns:a="http://schemas.openxmlformats.org/drawingml/2006/main" xmlns:r="http://schemas.openxmlformats.org/officeDocument/2006/relationships" xmlns:p="http://schemas.openxmlformats.org/presentationml/2006/main">
+  <p:cSld>
+    <p:spTree>
+      <p:nvGrpSpPr>
+        <p:cNvPr id="1" name=""/>
+        <p:cNvGrpSpPr/>
+        <p:nvPr/>
+      </p:nvGrpSpPr>
+      <p:grpSpPr>
+        <a:xfrm>
+          <a:off x="0" y="0"/>
+          <a:ext cx="0" cy="0"/>
+          <a:chOff x="0" y="0"/>
+          <a:chExt cx="0" cy="0"/>
+        </a:xfrm>
+      </p:grpSpPr>
+      <p:sp>
+        <p:nvSpPr>
+          <p:cNvPr id="2" name="Título 1">
+            <a:extLst>
+              <a:ext uri="{FF2B5EF4-FFF2-40B4-BE49-F238E27FC236}">
+                <a16:creationId xmlns="" xmlns:a16="http://schemas.microsoft.com/office/drawing/2014/main" id="{14AB9F69-8D24-468C-93DF-A1666924EB0C}"/>
+              </a:ext>
+            </a:extLst>
+          </p:cNvPr>
+          <p:cNvSpPr>
+            <a:spLocks noGrp="1"/>
+          </p:cNvSpPr>
+          <p:nvPr>
+            <p:ph type="ctrTitle"/>
+          </p:nvPr>
+        </p:nvSpPr>
+        <p:spPr/>
+        <p:txBody>
+          <a:bodyPr>
+            <a:normAutofit/>
+          </a:bodyPr>
+          <a:lstStyle/>
+          <a:p>
+            <a:r>
+              <a:rPr lang="pt-BR" sz="4400" dirty="0" smtClean="0"/>
+              <a:t>Referências</a:t>
+            </a:r>
+            <a:endParaRPr lang="pt-BR" sz="4400" dirty="0"/>
+          </a:p>
+        </p:txBody>
+      </p:sp>
+      <p:sp>
+        <p:nvSpPr>
+          <p:cNvPr id="3" name="Subtítulo 2">
+            <a:extLst>
+              <a:ext uri="{FF2B5EF4-FFF2-40B4-BE49-F238E27FC236}">
+                <a16:creationId xmlns="" xmlns:a16="http://schemas.microsoft.com/office/drawing/2014/main" id="{0E4BFB9B-D461-4F8E-B2A0-819D63FA7EC4}"/>
+              </a:ext>
+            </a:extLst>
+          </p:cNvPr>
+          <p:cNvSpPr>
+            <a:spLocks noGrp="1"/>
+          </p:cNvSpPr>
+          <p:nvPr>
+            <p:ph type="subTitle" idx="1"/>
+          </p:nvPr>
+        </p:nvSpPr>
+        <p:spPr>
+          <a:xfrm>
+            <a:off x="1876424" y="3547166"/>
+            <a:ext cx="8791575" cy="1655762"/>
+          </a:xfrm>
+        </p:spPr>
+        <p:txBody>
+          <a:bodyPr/>
+          <a:lstStyle/>
+          <a:p>
+            <a:endParaRPr lang="pt-BR" dirty="0"/>
+          </a:p>
+        </p:txBody>
+      </p:sp>
+    </p:spTree>
+    <p:extLst>
+      <p:ext uri="{BB962C8B-B14F-4D97-AF65-F5344CB8AC3E}">
+        <p14:creationId xmlns:p14="http://schemas.microsoft.com/office/powerpoint/2010/main" val="1674775517"/>
+      </p:ext>
+    </p:extLst>
+  </p:cSld>
+  <p:clrMapOvr>
+    <a:masterClrMapping/>
+  </p:clrMapOvr>
+  <p:timing>
+    <p:tnLst>
+      <p:par>
+        <p:cTn id="1" dur="indefinite" restart="never" nodeType="tmRoot"/>
+      </p:par>
+    </p:tnLst>
+  </p:timing>
+</p:sld>
+</file>
+
+<file path=ppt/slides/slide43.xml><?xml version="1.0" encoding="utf-8"?>
+<p:sld xmlns:a="http://schemas.openxmlformats.org/drawingml/2006/main" xmlns:r="http://schemas.openxmlformats.org/officeDocument/2006/relationships" xmlns:p="http://schemas.openxmlformats.org/presentationml/2006/main">
+  <p:cSld>
+    <p:spTree>
+      <p:nvGrpSpPr>
+        <p:cNvPr id="1" name=""/>
+        <p:cNvGrpSpPr/>
+        <p:nvPr/>
+      </p:nvGrpSpPr>
+      <p:grpSpPr>
+        <a:xfrm>
+          <a:off x="0" y="0"/>
+          <a:ext cx="0" cy="0"/>
+          <a:chOff x="0" y="0"/>
+          <a:chExt cx="0" cy="0"/>
+        </a:xfrm>
+      </p:grpSpPr>
+      <p:sp>
+        <p:nvSpPr>
+          <p:cNvPr id="8" name="Retângulo 7">
+            <a:extLst>
+              <a:ext uri="{FF2B5EF4-FFF2-40B4-BE49-F238E27FC236}">
+                <a16:creationId xmlns="" xmlns:a16="http://schemas.microsoft.com/office/drawing/2014/main" id="{9B33DD69-1761-43D2-B589-CE56D2C4FBB6}"/>
               </a:ext>
             </a:extLst>
           </p:cNvPr>
@@ -24153,7 +28763,7 @@
           <p:cNvPr id="24" name="CaixaDeTexto 23">
             <a:extLst>
               <a:ext uri="{FF2B5EF4-FFF2-40B4-BE49-F238E27FC236}">
-                <a16:creationId xmlns:a16="http://schemas.microsoft.com/office/drawing/2014/main" xmlns="" id="{90B980A2-8D40-4C0A-9871-4FA9794F9C3D}"/>
+                <a16:creationId xmlns="" xmlns:a16="http://schemas.microsoft.com/office/drawing/2014/main" id="{90B980A2-8D40-4C0A-9871-4FA9794F9C3D}"/>
               </a:ext>
             </a:extLst>
           </p:cNvPr>
@@ -24163,7 +28773,7 @@
         <p:spPr>
           <a:xfrm>
             <a:off x="1175332" y="179122"/>
-            <a:ext cx="10658859" cy="5016758"/>
+            <a:ext cx="10658859" cy="1631216"/>
           </a:xfrm>
           <a:prstGeom prst="rect">
             <a:avLst/>
@@ -24178,35 +28788,70 @@
           <a:p>
             <a:pPr algn="just"/>
             <a:r>
-              <a:rPr lang="pt-BR" sz="2000" dirty="0">
+              <a:rPr lang="pt-BR" sz="2000" dirty="0" smtClean="0">
+                <a:solidFill>
+                  <a:schemeClr val="bg1"/>
+                </a:solidFill>
+              </a:rPr>
+              <a:t>Referências:</a:t>
+            </a:r>
+          </a:p>
+          <a:p>
+            <a:pPr algn="just"/>
+            <a:endParaRPr lang="pt-BR" sz="2000" dirty="0" smtClean="0">
+              <a:solidFill>
+                <a:schemeClr val="bg1"/>
+              </a:solidFill>
+            </a:endParaRPr>
+          </a:p>
+          <a:p>
+            <a:pPr algn="just"/>
+            <a:r>
+              <a:rPr lang="pt-BR" sz="2000" dirty="0" smtClean="0">
                 <a:solidFill>
                   <a:schemeClr val="bg1">
                     <a:lumMod val="95000"/>
                     <a:lumOff val="5000"/>
                   </a:schemeClr>
                 </a:solidFill>
-              </a:rPr>
-              <a:t>Para criarmos nossa primeira página </a:t>
-            </a:r>
-            <a:r>
-              <a:rPr lang="pt-BR" sz="2000" dirty="0">
-                <a:solidFill>
-                  <a:srgbClr val="FF0000"/>
-                </a:solidFill>
-              </a:rPr>
-              <a:t>HTML</a:t>
-            </a:r>
-            <a:r>
-              <a:rPr lang="pt-BR" sz="2000" dirty="0">
+                <a:hlinkClick r:id="rId2"/>
+              </a:rPr>
+              <a:t>https://code.visualstudio.com/</a:t>
+            </a:r>
+            <a:endParaRPr lang="pt-BR" sz="2000" dirty="0" smtClean="0">
+              <a:solidFill>
+                <a:schemeClr val="bg1">
+                  <a:lumMod val="95000"/>
+                  <a:lumOff val="5000"/>
+                </a:schemeClr>
+              </a:solidFill>
+            </a:endParaRPr>
+          </a:p>
+          <a:p>
+            <a:pPr algn="just"/>
+            <a:r>
+              <a:rPr lang="pt-BR" sz="2000" dirty="0" smtClean="0">
                 <a:solidFill>
                   <a:schemeClr val="bg1">
                     <a:lumMod val="95000"/>
                     <a:lumOff val="5000"/>
                   </a:schemeClr>
                 </a:solidFill>
-              </a:rPr>
-              <a:t> (HyperText Markup Language, que significa: Linguagem de Marcação de Hipertexto</a:t>
-            </a:r>
+                <a:hlinkClick r:id="rId3"/>
+              </a:rPr>
+              <a:t>https://www.youtube.com/watch?v=_R6YslWRUFk</a:t>
+            </a:r>
+            <a:endParaRPr lang="pt-BR" sz="2000" dirty="0" smtClean="0">
+              <a:solidFill>
+                <a:schemeClr val="bg1">
+                  <a:lumMod val="95000"/>
+                  <a:lumOff val="5000"/>
+                </a:schemeClr>
+              </a:solidFill>
+            </a:endParaRPr>
+          </a:p>
+          <a:p>
+            <a:pPr algn="just"/>
             <a:r>
               <a:rPr lang="pt-BR" sz="2000" dirty="0" smtClean="0">
                 <a:solidFill>
@@ -24215,16 +28860,9 @@
                     <a:lumOff val="5000"/>
                   </a:schemeClr>
                 </a:solidFill>
-              </a:rPr>
-              <a:t>) é necessário criar um arquivo com a extensão </a:t>
-            </a:r>
-            <a:r>
-              <a:rPr lang="pt-BR" sz="2000" dirty="0" smtClean="0">
-                <a:solidFill>
-                  <a:srgbClr val="FF0000"/>
-                </a:solidFill>
-              </a:rPr>
-              <a:t>.html</a:t>
+                <a:hlinkClick r:id="rId4"/>
+              </a:rPr>
+              <a:t>https://www.w3schools.com</a:t>
             </a:r>
             <a:r>
               <a:rPr lang="pt-BR" sz="2000" dirty="0" smtClean="0">
@@ -24234,164 +28872,11 @@
                     <a:lumOff val="5000"/>
                   </a:schemeClr>
                 </a:solidFill>
-              </a:rPr>
-              <a:t> para o navegador converter nosso código em arte visual. Exemplo:</a:t>
-            </a:r>
-          </a:p>
-          <a:p>
-            <a:pPr algn="just"/>
-            <a:endParaRPr lang="pt-BR" sz="2000" dirty="0">
-              <a:solidFill>
-                <a:schemeClr val="bg1">
-                  <a:lumMod val="95000"/>
-                  <a:lumOff val="5000"/>
-                </a:schemeClr>
-              </a:solidFill>
-            </a:endParaRPr>
-          </a:p>
-          <a:p>
-            <a:pPr algn="just"/>
+                <a:hlinkClick r:id="rId4"/>
+              </a:rPr>
+              <a:t>/</a:t>
+            </a:r>
             <a:endParaRPr lang="pt-BR" sz="2000" dirty="0" smtClean="0">
-              <a:solidFill>
-                <a:schemeClr val="bg1">
-                  <a:lumMod val="95000"/>
-                  <a:lumOff val="5000"/>
-                </a:schemeClr>
-              </a:solidFill>
-            </a:endParaRPr>
-          </a:p>
-          <a:p>
-            <a:pPr algn="just"/>
-            <a:endParaRPr lang="pt-BR" sz="2000" dirty="0">
-              <a:solidFill>
-                <a:schemeClr val="bg1">
-                  <a:lumMod val="95000"/>
-                  <a:lumOff val="5000"/>
-                </a:schemeClr>
-              </a:solidFill>
-            </a:endParaRPr>
-          </a:p>
-          <a:p>
-            <a:pPr algn="just"/>
-            <a:endParaRPr lang="pt-BR" sz="2000" dirty="0" smtClean="0">
-              <a:solidFill>
-                <a:schemeClr val="bg1">
-                  <a:lumMod val="95000"/>
-                  <a:lumOff val="5000"/>
-                </a:schemeClr>
-              </a:solidFill>
-            </a:endParaRPr>
-          </a:p>
-          <a:p>
-            <a:pPr algn="just"/>
-            <a:endParaRPr lang="pt-BR" sz="2000" dirty="0">
-              <a:solidFill>
-                <a:schemeClr val="bg1">
-                  <a:lumMod val="95000"/>
-                  <a:lumOff val="5000"/>
-                </a:schemeClr>
-              </a:solidFill>
-            </a:endParaRPr>
-          </a:p>
-          <a:p>
-            <a:pPr algn="just"/>
-            <a:endParaRPr lang="pt-BR" sz="2000" dirty="0" smtClean="0">
-              <a:solidFill>
-                <a:schemeClr val="bg1">
-                  <a:lumMod val="95000"/>
-                  <a:lumOff val="5000"/>
-                </a:schemeClr>
-              </a:solidFill>
-            </a:endParaRPr>
-          </a:p>
-          <a:p>
-            <a:pPr algn="just"/>
-            <a:endParaRPr lang="pt-BR" sz="2000" dirty="0">
-              <a:solidFill>
-                <a:schemeClr val="bg1">
-                  <a:lumMod val="95000"/>
-                  <a:lumOff val="5000"/>
-                </a:schemeClr>
-              </a:solidFill>
-            </a:endParaRPr>
-          </a:p>
-          <a:p>
-            <a:pPr algn="just"/>
-            <a:endParaRPr lang="pt-BR" sz="2000" dirty="0" smtClean="0">
-              <a:solidFill>
-                <a:schemeClr val="bg1">
-                  <a:lumMod val="95000"/>
-                  <a:lumOff val="5000"/>
-                </a:schemeClr>
-              </a:solidFill>
-            </a:endParaRPr>
-          </a:p>
-          <a:p>
-            <a:pPr algn="just"/>
-            <a:endParaRPr lang="pt-BR" sz="2000" dirty="0">
-              <a:solidFill>
-                <a:schemeClr val="bg1">
-                  <a:lumMod val="95000"/>
-                  <a:lumOff val="5000"/>
-                </a:schemeClr>
-              </a:solidFill>
-            </a:endParaRPr>
-          </a:p>
-          <a:p>
-            <a:pPr algn="just"/>
-            <a:endParaRPr lang="pt-BR" sz="2000" dirty="0" smtClean="0">
-              <a:solidFill>
-                <a:schemeClr val="bg1">
-                  <a:lumMod val="95000"/>
-                  <a:lumOff val="5000"/>
-                </a:schemeClr>
-              </a:solidFill>
-            </a:endParaRPr>
-          </a:p>
-          <a:p>
-            <a:pPr algn="just"/>
-            <a:endParaRPr lang="pt-BR" sz="2000" dirty="0">
-              <a:solidFill>
-                <a:schemeClr val="bg1">
-                  <a:lumMod val="95000"/>
-                  <a:lumOff val="5000"/>
-                </a:schemeClr>
-              </a:solidFill>
-            </a:endParaRPr>
-          </a:p>
-          <a:p>
-            <a:pPr algn="just"/>
-            <a:r>
-              <a:rPr lang="pt-BR" sz="2000" dirty="0" smtClean="0">
-                <a:solidFill>
-                  <a:schemeClr val="bg1">
-                    <a:lumMod val="95000"/>
-                    <a:lumOff val="5000"/>
-                  </a:schemeClr>
-                </a:solidFill>
-              </a:rPr>
-              <a:t>Veja que o próprio sistema operacional já identifica que páginas com extensão </a:t>
-            </a:r>
-            <a:r>
-              <a:rPr lang="pt-BR" sz="2000" dirty="0" smtClean="0">
-                <a:solidFill>
-                  <a:srgbClr val="FF0000"/>
-                </a:solidFill>
-              </a:rPr>
-              <a:t>.html </a:t>
-            </a:r>
-            <a:r>
-              <a:rPr lang="pt-BR" sz="2000" dirty="0" smtClean="0">
-                <a:solidFill>
-                  <a:schemeClr val="bg1">
-                    <a:lumMod val="95000"/>
-                    <a:lumOff val="5000"/>
-                  </a:schemeClr>
-                </a:solidFill>
-              </a:rPr>
-              <a:t>deverão ser iniciadas através de um navegador da internet.</a:t>
-            </a:r>
-            <a:endParaRPr lang="pt-BR" sz="2000" dirty="0">
               <a:solidFill>
                 <a:schemeClr val="bg1">
                   <a:lumMod val="95000"/>
@@ -24480,74 +28965,10 @@
           </a:p>
         </p:txBody>
       </p:sp>
-      <p:pic>
-        <p:nvPicPr>
-          <p:cNvPr id="2050" name="Picture 2"/>
-          <p:cNvPicPr>
-            <a:picLocks noChangeAspect="1" noChangeArrowheads="1"/>
-          </p:cNvPicPr>
-          <p:nvPr/>
-        </p:nvPicPr>
-        <p:blipFill>
-          <a:blip r:embed="rId2">
-            <a:extLst>
-              <a:ext uri="{28A0092B-C50C-407E-A947-70E740481C1C}">
-                <a14:useLocalDpi xmlns:a14="http://schemas.microsoft.com/office/drawing/2010/main" val="0"/>
-              </a:ext>
-            </a:extLst>
-          </a:blip>
-          <a:srcRect/>
-          <a:stretch>
-            <a:fillRect/>
-          </a:stretch>
-        </p:blipFill>
-        <p:spPr bwMode="auto">
-          <a:xfrm>
-            <a:off x="1175332" y="1406670"/>
-            <a:ext cx="9286875" cy="2714625"/>
-          </a:xfrm>
-          <a:prstGeom prst="rect">
-            <a:avLst/>
-          </a:prstGeom>
-          <a:noFill/>
-          <a:ln>
-            <a:noFill/>
-          </a:ln>
-          <a:effectLst/>
-          <a:extLst>
-            <a:ext uri="{909E8E84-426E-40DD-AFC4-6F175D3DCCD1}">
-              <a14:hiddenFill xmlns:a14="http://schemas.microsoft.com/office/drawing/2010/main">
-                <a:solidFill>
-                  <a:schemeClr val="accent1"/>
-                </a:solidFill>
-              </a14:hiddenFill>
-            </a:ext>
-            <a:ext uri="{91240B29-F687-4F45-9708-019B960494DF}">
-              <a14:hiddenLine xmlns:a14="http://schemas.microsoft.com/office/drawing/2010/main" w="9525">
-                <a:solidFill>
-                  <a:schemeClr val="tx1"/>
-                </a:solidFill>
-                <a:miter lim="800000"/>
-                <a:headEnd/>
-                <a:tailEnd/>
-              </a14:hiddenLine>
-            </a:ext>
-            <a:ext uri="{AF507438-7753-43E0-B8FC-AC1667EBCBE1}">
-              <a14:hiddenEffects xmlns:a14="http://schemas.microsoft.com/office/drawing/2010/main">
-                <a:effectLst>
-                  <a:outerShdw dist="35921" dir="2700000" algn="ctr" rotWithShape="0">
-                    <a:schemeClr val="bg2"/>
-                  </a:outerShdw>
-                </a:effectLst>
-              </a14:hiddenEffects>
-            </a:ext>
-          </a:extLst>
-        </p:spPr>
-      </p:pic>
     </p:spTree>
     <p:extLst>
       <p:ext uri="{BB962C8B-B14F-4D97-AF65-F5344CB8AC3E}">
-        <p14:creationId xmlns:p14="http://schemas.microsoft.com/office/powerpoint/2010/main" val="4082233256"/>
+        <p14:creationId xmlns:p14="http://schemas.microsoft.com/office/powerpoint/2010/main" val="2338382631"/>
       </p:ext>
     </p:extLst>
   </p:cSld>
@@ -24586,7 +29007,7 @@
           <p:cNvPr id="8" name="Retângulo 7">
             <a:extLst>
               <a:ext uri="{FF2B5EF4-FFF2-40B4-BE49-F238E27FC236}">
-                <a16:creationId xmlns:a16="http://schemas.microsoft.com/office/drawing/2014/main" xmlns="" id="{9B33DD69-1761-43D2-B589-CE56D2C4FBB6}"/>
+                <a16:creationId xmlns="" xmlns:a16="http://schemas.microsoft.com/office/drawing/2014/main" id="{9B33DD69-1761-43D2-B589-CE56D2C4FBB6}"/>
               </a:ext>
             </a:extLst>
           </p:cNvPr>
@@ -24640,7 +29061,7 @@
           <p:cNvPr id="24" name="CaixaDeTexto 23">
             <a:extLst>
               <a:ext uri="{FF2B5EF4-FFF2-40B4-BE49-F238E27FC236}">
-                <a16:creationId xmlns:a16="http://schemas.microsoft.com/office/drawing/2014/main" xmlns="" id="{90B980A2-8D40-4C0A-9871-4FA9794F9C3D}"/>
+                <a16:creationId xmlns="" xmlns:a16="http://schemas.microsoft.com/office/drawing/2014/main" id="{90B980A2-8D40-4C0A-9871-4FA9794F9C3D}"/>
               </a:ext>
             </a:extLst>
           </p:cNvPr>
@@ -25207,7 +29628,7 @@
           <p:cNvPr id="2" name="Título 1">
             <a:extLst>
               <a:ext uri="{FF2B5EF4-FFF2-40B4-BE49-F238E27FC236}">
-                <a16:creationId xmlns:a16="http://schemas.microsoft.com/office/drawing/2014/main" xmlns="" id="{14AB9F69-8D24-468C-93DF-A1666924EB0C}"/>
+                <a16:creationId xmlns="" xmlns:a16="http://schemas.microsoft.com/office/drawing/2014/main" id="{14AB9F69-8D24-468C-93DF-A1666924EB0C}"/>
               </a:ext>
             </a:extLst>
           </p:cNvPr>
@@ -25238,7 +29659,7 @@
           <p:cNvPr id="3" name="Subtítulo 2">
             <a:extLst>
               <a:ext uri="{FF2B5EF4-FFF2-40B4-BE49-F238E27FC236}">
-                <a16:creationId xmlns:a16="http://schemas.microsoft.com/office/drawing/2014/main" xmlns="" id="{0E4BFB9B-D461-4F8E-B2A0-819D63FA7EC4}"/>
+                <a16:creationId xmlns="" xmlns:a16="http://schemas.microsoft.com/office/drawing/2014/main" id="{0E4BFB9B-D461-4F8E-B2A0-819D63FA7EC4}"/>
               </a:ext>
             </a:extLst>
           </p:cNvPr>
@@ -25309,7 +29730,7 @@
           <p:cNvPr id="8" name="Retângulo 7">
             <a:extLst>
               <a:ext uri="{FF2B5EF4-FFF2-40B4-BE49-F238E27FC236}">
-                <a16:creationId xmlns:a16="http://schemas.microsoft.com/office/drawing/2014/main" xmlns="" id="{9B33DD69-1761-43D2-B589-CE56D2C4FBB6}"/>
+                <a16:creationId xmlns="" xmlns:a16="http://schemas.microsoft.com/office/drawing/2014/main" id="{9B33DD69-1761-43D2-B589-CE56D2C4FBB6}"/>
               </a:ext>
             </a:extLst>
           </p:cNvPr>
@@ -25363,7 +29784,7 @@
           <p:cNvPr id="24" name="CaixaDeTexto 23">
             <a:extLst>
               <a:ext uri="{FF2B5EF4-FFF2-40B4-BE49-F238E27FC236}">
-                <a16:creationId xmlns:a16="http://schemas.microsoft.com/office/drawing/2014/main" xmlns="" id="{90B980A2-8D40-4C0A-9871-4FA9794F9C3D}"/>
+                <a16:creationId xmlns="" xmlns:a16="http://schemas.microsoft.com/office/drawing/2014/main" id="{90B980A2-8D40-4C0A-9871-4FA9794F9C3D}"/>
               </a:ext>
             </a:extLst>
           </p:cNvPr>
@@ -25796,7 +30217,7 @@
           <p:cNvPr id="8" name="Retângulo 7">
             <a:extLst>
               <a:ext uri="{FF2B5EF4-FFF2-40B4-BE49-F238E27FC236}">
-                <a16:creationId xmlns:a16="http://schemas.microsoft.com/office/drawing/2014/main" xmlns="" id="{9B33DD69-1761-43D2-B589-CE56D2C4FBB6}"/>
+                <a16:creationId xmlns="" xmlns:a16="http://schemas.microsoft.com/office/drawing/2014/main" id="{9B33DD69-1761-43D2-B589-CE56D2C4FBB6}"/>
               </a:ext>
             </a:extLst>
           </p:cNvPr>
@@ -25850,7 +30271,7 @@
           <p:cNvPr id="24" name="CaixaDeTexto 23">
             <a:extLst>
               <a:ext uri="{FF2B5EF4-FFF2-40B4-BE49-F238E27FC236}">
-                <a16:creationId xmlns:a16="http://schemas.microsoft.com/office/drawing/2014/main" xmlns="" id="{90B980A2-8D40-4C0A-9871-4FA9794F9C3D}"/>
+                <a16:creationId xmlns="" xmlns:a16="http://schemas.microsoft.com/office/drawing/2014/main" id="{90B980A2-8D40-4C0A-9871-4FA9794F9C3D}"/>
               </a:ext>
             </a:extLst>
           </p:cNvPr>
@@ -26380,7 +30801,7 @@
           <p:cNvPr id="2" name="Título 1">
             <a:extLst>
               <a:ext uri="{FF2B5EF4-FFF2-40B4-BE49-F238E27FC236}">
-                <a16:creationId xmlns:a16="http://schemas.microsoft.com/office/drawing/2014/main" xmlns="" id="{14AB9F69-8D24-468C-93DF-A1666924EB0C}"/>
+                <a16:creationId xmlns="" xmlns:a16="http://schemas.microsoft.com/office/drawing/2014/main" id="{14AB9F69-8D24-468C-93DF-A1666924EB0C}"/>
               </a:ext>
             </a:extLst>
           </p:cNvPr>
@@ -26411,7 +30832,7 @@
           <p:cNvPr id="3" name="Subtítulo 2">
             <a:extLst>
               <a:ext uri="{FF2B5EF4-FFF2-40B4-BE49-F238E27FC236}">
-                <a16:creationId xmlns:a16="http://schemas.microsoft.com/office/drawing/2014/main" xmlns="" id="{0E4BFB9B-D461-4F8E-B2A0-819D63FA7EC4}"/>
+                <a16:creationId xmlns="" xmlns:a16="http://schemas.microsoft.com/office/drawing/2014/main" id="{0E4BFB9B-D461-4F8E-B2A0-819D63FA7EC4}"/>
               </a:ext>
             </a:extLst>
           </p:cNvPr>
@@ -26705,7 +31126,7 @@
   <a:extraClrSchemeLst/>
   <a:extLst>
     <a:ext uri="{05A4C25C-085E-4340-85A3-A5531E510DB2}">
-      <thm15:themeFamily xmlns:thm15="http://schemas.microsoft.com/office/thememl/2012/main" xmlns="" name="Circuit" id="{0AC2F7E7-15F5-431C-B2A2-456FE929F56C}" vid="{0911B802-464C-4241-8DD9-B60FF88E379F}"/>
+      <thm15:themeFamily xmlns="" xmlns:thm15="http://schemas.microsoft.com/office/thememl/2012/main" name="Circuit" id="{0AC2F7E7-15F5-431C-B2A2-456FE929F56C}" vid="{0911B802-464C-4241-8DD9-B60FF88E379F}"/>
     </a:ext>
   </a:extLst>
 </a:theme>

--- a/documentos/Apostila - Desenvolvimento Web - IEP.pptx
+++ b/documentos/Apostila - Desenvolvimento Web - IEP.pptx
@@ -148,7 +148,7 @@
   </p:defaultTextStyle>
   <p:extLst>
     <p:ext uri="{EFAFB233-063F-42B5-8137-9DF3F51BA10A}">
-      <p15:sldGuideLst xmlns="" xmlns:p15="http://schemas.microsoft.com/office/powerpoint/2012/main"/>
+      <p15:sldGuideLst xmlns:p15="http://schemas.microsoft.com/office/powerpoint/2012/main" xmlns=""/>
     </p:ext>
   </p:extLst>
 </p:presentation>
@@ -12395,7 +12395,7 @@
           <p:cNvPr id="2" name="Título 1">
             <a:extLst>
               <a:ext uri="{FF2B5EF4-FFF2-40B4-BE49-F238E27FC236}">
-                <a16:creationId xmlns="" xmlns:a16="http://schemas.microsoft.com/office/drawing/2014/main" id="{14AB9F69-8D24-468C-93DF-A1666924EB0C}"/>
+                <a16:creationId xmlns:a16="http://schemas.microsoft.com/office/drawing/2014/main" xmlns="" id="{14AB9F69-8D24-468C-93DF-A1666924EB0C}"/>
               </a:ext>
             </a:extLst>
           </p:cNvPr>
@@ -12426,7 +12426,7 @@
           <p:cNvPr id="3" name="Subtítulo 2">
             <a:extLst>
               <a:ext uri="{FF2B5EF4-FFF2-40B4-BE49-F238E27FC236}">
-                <a16:creationId xmlns="" xmlns:a16="http://schemas.microsoft.com/office/drawing/2014/main" id="{0E4BFB9B-D461-4F8E-B2A0-819D63FA7EC4}"/>
+                <a16:creationId xmlns:a16="http://schemas.microsoft.com/office/drawing/2014/main" xmlns="" id="{0E4BFB9B-D461-4F8E-B2A0-819D63FA7EC4}"/>
               </a:ext>
             </a:extLst>
           </p:cNvPr>
@@ -12497,7 +12497,7 @@
           <p:cNvPr id="8" name="Retângulo 7">
             <a:extLst>
               <a:ext uri="{FF2B5EF4-FFF2-40B4-BE49-F238E27FC236}">
-                <a16:creationId xmlns="" xmlns:a16="http://schemas.microsoft.com/office/drawing/2014/main" id="{9B33DD69-1761-43D2-B589-CE56D2C4FBB6}"/>
+                <a16:creationId xmlns:a16="http://schemas.microsoft.com/office/drawing/2014/main" xmlns="" id="{9B33DD69-1761-43D2-B589-CE56D2C4FBB6}"/>
               </a:ext>
             </a:extLst>
           </p:cNvPr>
@@ -12551,7 +12551,7 @@
           <p:cNvPr id="24" name="CaixaDeTexto 23">
             <a:extLst>
               <a:ext uri="{FF2B5EF4-FFF2-40B4-BE49-F238E27FC236}">
-                <a16:creationId xmlns="" xmlns:a16="http://schemas.microsoft.com/office/drawing/2014/main" id="{90B980A2-8D40-4C0A-9871-4FA9794F9C3D}"/>
+                <a16:creationId xmlns:a16="http://schemas.microsoft.com/office/drawing/2014/main" xmlns="" id="{90B980A2-8D40-4C0A-9871-4FA9794F9C3D}"/>
               </a:ext>
             </a:extLst>
           </p:cNvPr>
@@ -13022,7 +13022,7 @@
           <p:cNvPr id="8" name="Retângulo 7">
             <a:extLst>
               <a:ext uri="{FF2B5EF4-FFF2-40B4-BE49-F238E27FC236}">
-                <a16:creationId xmlns="" xmlns:a16="http://schemas.microsoft.com/office/drawing/2014/main" id="{9B33DD69-1761-43D2-B589-CE56D2C4FBB6}"/>
+                <a16:creationId xmlns:a16="http://schemas.microsoft.com/office/drawing/2014/main" xmlns="" id="{9B33DD69-1761-43D2-B589-CE56D2C4FBB6}"/>
               </a:ext>
             </a:extLst>
           </p:cNvPr>
@@ -13076,7 +13076,7 @@
           <p:cNvPr id="24" name="CaixaDeTexto 23">
             <a:extLst>
               <a:ext uri="{FF2B5EF4-FFF2-40B4-BE49-F238E27FC236}">
-                <a16:creationId xmlns="" xmlns:a16="http://schemas.microsoft.com/office/drawing/2014/main" id="{90B980A2-8D40-4C0A-9871-4FA9794F9C3D}"/>
+                <a16:creationId xmlns:a16="http://schemas.microsoft.com/office/drawing/2014/main" xmlns="" id="{90B980A2-8D40-4C0A-9871-4FA9794F9C3D}"/>
               </a:ext>
             </a:extLst>
           </p:cNvPr>
@@ -13546,7 +13546,7 @@
           <p:cNvPr id="8" name="Retângulo 7">
             <a:extLst>
               <a:ext uri="{FF2B5EF4-FFF2-40B4-BE49-F238E27FC236}">
-                <a16:creationId xmlns="" xmlns:a16="http://schemas.microsoft.com/office/drawing/2014/main" id="{9B33DD69-1761-43D2-B589-CE56D2C4FBB6}"/>
+                <a16:creationId xmlns:a16="http://schemas.microsoft.com/office/drawing/2014/main" xmlns="" id="{9B33DD69-1761-43D2-B589-CE56D2C4FBB6}"/>
               </a:ext>
             </a:extLst>
           </p:cNvPr>
@@ -13600,7 +13600,7 @@
           <p:cNvPr id="24" name="CaixaDeTexto 23">
             <a:extLst>
               <a:ext uri="{FF2B5EF4-FFF2-40B4-BE49-F238E27FC236}">
-                <a16:creationId xmlns="" xmlns:a16="http://schemas.microsoft.com/office/drawing/2014/main" id="{90B980A2-8D40-4C0A-9871-4FA9794F9C3D}"/>
+                <a16:creationId xmlns:a16="http://schemas.microsoft.com/office/drawing/2014/main" xmlns="" id="{90B980A2-8D40-4C0A-9871-4FA9794F9C3D}"/>
               </a:ext>
             </a:extLst>
           </p:cNvPr>
@@ -14354,7 +14354,7 @@
           <p:cNvPr id="8" name="Retângulo 7">
             <a:extLst>
               <a:ext uri="{FF2B5EF4-FFF2-40B4-BE49-F238E27FC236}">
-                <a16:creationId xmlns="" xmlns:a16="http://schemas.microsoft.com/office/drawing/2014/main" id="{9B33DD69-1761-43D2-B589-CE56D2C4FBB6}"/>
+                <a16:creationId xmlns:a16="http://schemas.microsoft.com/office/drawing/2014/main" xmlns="" id="{9B33DD69-1761-43D2-B589-CE56D2C4FBB6}"/>
               </a:ext>
             </a:extLst>
           </p:cNvPr>
@@ -14408,7 +14408,7 @@
           <p:cNvPr id="24" name="CaixaDeTexto 23">
             <a:extLst>
               <a:ext uri="{FF2B5EF4-FFF2-40B4-BE49-F238E27FC236}">
-                <a16:creationId xmlns="" xmlns:a16="http://schemas.microsoft.com/office/drawing/2014/main" id="{90B980A2-8D40-4C0A-9871-4FA9794F9C3D}"/>
+                <a16:creationId xmlns:a16="http://schemas.microsoft.com/office/drawing/2014/main" xmlns="" id="{90B980A2-8D40-4C0A-9871-4FA9794F9C3D}"/>
               </a:ext>
             </a:extLst>
           </p:cNvPr>
@@ -14932,7 +14932,7 @@
           <p:cNvPr id="2" name="Título 1">
             <a:extLst>
               <a:ext uri="{FF2B5EF4-FFF2-40B4-BE49-F238E27FC236}">
-                <a16:creationId xmlns="" xmlns:a16="http://schemas.microsoft.com/office/drawing/2014/main" id="{14AB9F69-8D24-468C-93DF-A1666924EB0C}"/>
+                <a16:creationId xmlns:a16="http://schemas.microsoft.com/office/drawing/2014/main" xmlns="" id="{14AB9F69-8D24-468C-93DF-A1666924EB0C}"/>
               </a:ext>
             </a:extLst>
           </p:cNvPr>
@@ -14963,7 +14963,7 @@
           <p:cNvPr id="3" name="Subtítulo 2">
             <a:extLst>
               <a:ext uri="{FF2B5EF4-FFF2-40B4-BE49-F238E27FC236}">
-                <a16:creationId xmlns="" xmlns:a16="http://schemas.microsoft.com/office/drawing/2014/main" id="{0E4BFB9B-D461-4F8E-B2A0-819D63FA7EC4}"/>
+                <a16:creationId xmlns:a16="http://schemas.microsoft.com/office/drawing/2014/main" xmlns="" id="{0E4BFB9B-D461-4F8E-B2A0-819D63FA7EC4}"/>
               </a:ext>
             </a:extLst>
           </p:cNvPr>
@@ -15034,7 +15034,7 @@
           <p:cNvPr id="8" name="Retângulo 7">
             <a:extLst>
               <a:ext uri="{FF2B5EF4-FFF2-40B4-BE49-F238E27FC236}">
-                <a16:creationId xmlns="" xmlns:a16="http://schemas.microsoft.com/office/drawing/2014/main" id="{9B33DD69-1761-43D2-B589-CE56D2C4FBB6}"/>
+                <a16:creationId xmlns:a16="http://schemas.microsoft.com/office/drawing/2014/main" xmlns="" id="{9B33DD69-1761-43D2-B589-CE56D2C4FBB6}"/>
               </a:ext>
             </a:extLst>
           </p:cNvPr>
@@ -15088,7 +15088,7 @@
           <p:cNvPr id="24" name="CaixaDeTexto 23">
             <a:extLst>
               <a:ext uri="{FF2B5EF4-FFF2-40B4-BE49-F238E27FC236}">
-                <a16:creationId xmlns="" xmlns:a16="http://schemas.microsoft.com/office/drawing/2014/main" id="{90B980A2-8D40-4C0A-9871-4FA9794F9C3D}"/>
+                <a16:creationId xmlns:a16="http://schemas.microsoft.com/office/drawing/2014/main" xmlns="" id="{90B980A2-8D40-4C0A-9871-4FA9794F9C3D}"/>
               </a:ext>
             </a:extLst>
           </p:cNvPr>
@@ -15677,7 +15677,7 @@
           <p:cNvPr id="8" name="Retângulo 7">
             <a:extLst>
               <a:ext uri="{FF2B5EF4-FFF2-40B4-BE49-F238E27FC236}">
-                <a16:creationId xmlns="" xmlns:a16="http://schemas.microsoft.com/office/drawing/2014/main" id="{9B33DD69-1761-43D2-B589-CE56D2C4FBB6}"/>
+                <a16:creationId xmlns:a16="http://schemas.microsoft.com/office/drawing/2014/main" xmlns="" id="{9B33DD69-1761-43D2-B589-CE56D2C4FBB6}"/>
               </a:ext>
             </a:extLst>
           </p:cNvPr>
@@ -15731,7 +15731,7 @@
           <p:cNvPr id="24" name="CaixaDeTexto 23">
             <a:extLst>
               <a:ext uri="{FF2B5EF4-FFF2-40B4-BE49-F238E27FC236}">
-                <a16:creationId xmlns="" xmlns:a16="http://schemas.microsoft.com/office/drawing/2014/main" id="{90B980A2-8D40-4C0A-9871-4FA9794F9C3D}"/>
+                <a16:creationId xmlns:a16="http://schemas.microsoft.com/office/drawing/2014/main" xmlns="" id="{90B980A2-8D40-4C0A-9871-4FA9794F9C3D}"/>
               </a:ext>
             </a:extLst>
           </p:cNvPr>
@@ -16177,7 +16177,7 @@
           <p:cNvPr id="8" name="Retângulo 7">
             <a:extLst>
               <a:ext uri="{FF2B5EF4-FFF2-40B4-BE49-F238E27FC236}">
-                <a16:creationId xmlns="" xmlns:a16="http://schemas.microsoft.com/office/drawing/2014/main" id="{9B33DD69-1761-43D2-B589-CE56D2C4FBB6}"/>
+                <a16:creationId xmlns:a16="http://schemas.microsoft.com/office/drawing/2014/main" xmlns="" id="{9B33DD69-1761-43D2-B589-CE56D2C4FBB6}"/>
               </a:ext>
             </a:extLst>
           </p:cNvPr>
@@ -16231,7 +16231,7 @@
           <p:cNvPr id="24" name="CaixaDeTexto 23">
             <a:extLst>
               <a:ext uri="{FF2B5EF4-FFF2-40B4-BE49-F238E27FC236}">
-                <a16:creationId xmlns="" xmlns:a16="http://schemas.microsoft.com/office/drawing/2014/main" id="{90B980A2-8D40-4C0A-9871-4FA9794F9C3D}"/>
+                <a16:creationId xmlns:a16="http://schemas.microsoft.com/office/drawing/2014/main" xmlns="" id="{90B980A2-8D40-4C0A-9871-4FA9794F9C3D}"/>
               </a:ext>
             </a:extLst>
           </p:cNvPr>
@@ -16631,7 +16631,7 @@
           <p:cNvPr id="8" name="Retângulo 7">
             <a:extLst>
               <a:ext uri="{FF2B5EF4-FFF2-40B4-BE49-F238E27FC236}">
-                <a16:creationId xmlns="" xmlns:a16="http://schemas.microsoft.com/office/drawing/2014/main" id="{9B33DD69-1761-43D2-B589-CE56D2C4FBB6}"/>
+                <a16:creationId xmlns:a16="http://schemas.microsoft.com/office/drawing/2014/main" xmlns="" id="{9B33DD69-1761-43D2-B589-CE56D2C4FBB6}"/>
               </a:ext>
             </a:extLst>
           </p:cNvPr>
@@ -16685,7 +16685,7 @@
           <p:cNvPr id="24" name="CaixaDeTexto 23">
             <a:extLst>
               <a:ext uri="{FF2B5EF4-FFF2-40B4-BE49-F238E27FC236}">
-                <a16:creationId xmlns="" xmlns:a16="http://schemas.microsoft.com/office/drawing/2014/main" id="{90B980A2-8D40-4C0A-9871-4FA9794F9C3D}"/>
+                <a16:creationId xmlns:a16="http://schemas.microsoft.com/office/drawing/2014/main" xmlns="" id="{90B980A2-8D40-4C0A-9871-4FA9794F9C3D}"/>
               </a:ext>
             </a:extLst>
           </p:cNvPr>
@@ -16968,7 +16968,7 @@
           <p:cNvPr id="8" name="Retângulo 7">
             <a:extLst>
               <a:ext uri="{FF2B5EF4-FFF2-40B4-BE49-F238E27FC236}">
-                <a16:creationId xmlns="" xmlns:a16="http://schemas.microsoft.com/office/drawing/2014/main" id="{9B33DD69-1761-43D2-B589-CE56D2C4FBB6}"/>
+                <a16:creationId xmlns:a16="http://schemas.microsoft.com/office/drawing/2014/main" xmlns="" id="{9B33DD69-1761-43D2-B589-CE56D2C4FBB6}"/>
               </a:ext>
             </a:extLst>
           </p:cNvPr>
@@ -17022,7 +17022,7 @@
           <p:cNvPr id="24" name="CaixaDeTexto 23">
             <a:extLst>
               <a:ext uri="{FF2B5EF4-FFF2-40B4-BE49-F238E27FC236}">
-                <a16:creationId xmlns="" xmlns:a16="http://schemas.microsoft.com/office/drawing/2014/main" id="{90B980A2-8D40-4C0A-9871-4FA9794F9C3D}"/>
+                <a16:creationId xmlns:a16="http://schemas.microsoft.com/office/drawing/2014/main" xmlns="" id="{90B980A2-8D40-4C0A-9871-4FA9794F9C3D}"/>
               </a:ext>
             </a:extLst>
           </p:cNvPr>
@@ -17286,7 +17286,7 @@
           <p:cNvPr id="2" name="Título 1">
             <a:extLst>
               <a:ext uri="{FF2B5EF4-FFF2-40B4-BE49-F238E27FC236}">
-                <a16:creationId xmlns="" xmlns:a16="http://schemas.microsoft.com/office/drawing/2014/main" id="{14AB9F69-8D24-468C-93DF-A1666924EB0C}"/>
+                <a16:creationId xmlns:a16="http://schemas.microsoft.com/office/drawing/2014/main" xmlns="" id="{14AB9F69-8D24-468C-93DF-A1666924EB0C}"/>
               </a:ext>
             </a:extLst>
           </p:cNvPr>
@@ -17317,7 +17317,7 @@
           <p:cNvPr id="3" name="Subtítulo 2">
             <a:extLst>
               <a:ext uri="{FF2B5EF4-FFF2-40B4-BE49-F238E27FC236}">
-                <a16:creationId xmlns="" xmlns:a16="http://schemas.microsoft.com/office/drawing/2014/main" id="{0E4BFB9B-D461-4F8E-B2A0-819D63FA7EC4}"/>
+                <a16:creationId xmlns:a16="http://schemas.microsoft.com/office/drawing/2014/main" xmlns="" id="{0E4BFB9B-D461-4F8E-B2A0-819D63FA7EC4}"/>
               </a:ext>
             </a:extLst>
           </p:cNvPr>
@@ -17388,7 +17388,7 @@
           <p:cNvPr id="8" name="Retângulo 7">
             <a:extLst>
               <a:ext uri="{FF2B5EF4-FFF2-40B4-BE49-F238E27FC236}">
-                <a16:creationId xmlns="" xmlns:a16="http://schemas.microsoft.com/office/drawing/2014/main" id="{9B33DD69-1761-43D2-B589-CE56D2C4FBB6}"/>
+                <a16:creationId xmlns:a16="http://schemas.microsoft.com/office/drawing/2014/main" xmlns="" id="{9B33DD69-1761-43D2-B589-CE56D2C4FBB6}"/>
               </a:ext>
             </a:extLst>
           </p:cNvPr>
@@ -17442,7 +17442,7 @@
           <p:cNvPr id="24" name="CaixaDeTexto 23">
             <a:extLst>
               <a:ext uri="{FF2B5EF4-FFF2-40B4-BE49-F238E27FC236}">
-                <a16:creationId xmlns="" xmlns:a16="http://schemas.microsoft.com/office/drawing/2014/main" id="{90B980A2-8D40-4C0A-9871-4FA9794F9C3D}"/>
+                <a16:creationId xmlns:a16="http://schemas.microsoft.com/office/drawing/2014/main" xmlns="" id="{90B980A2-8D40-4C0A-9871-4FA9794F9C3D}"/>
               </a:ext>
             </a:extLst>
           </p:cNvPr>
@@ -17724,7 +17724,7 @@
           <p:cNvPr id="8" name="Retângulo 7">
             <a:extLst>
               <a:ext uri="{FF2B5EF4-FFF2-40B4-BE49-F238E27FC236}">
-                <a16:creationId xmlns="" xmlns:a16="http://schemas.microsoft.com/office/drawing/2014/main" id="{9B33DD69-1761-43D2-B589-CE56D2C4FBB6}"/>
+                <a16:creationId xmlns:a16="http://schemas.microsoft.com/office/drawing/2014/main" xmlns="" id="{9B33DD69-1761-43D2-B589-CE56D2C4FBB6}"/>
               </a:ext>
             </a:extLst>
           </p:cNvPr>
@@ -17778,7 +17778,7 @@
           <p:cNvPr id="24" name="CaixaDeTexto 23">
             <a:extLst>
               <a:ext uri="{FF2B5EF4-FFF2-40B4-BE49-F238E27FC236}">
-                <a16:creationId xmlns="" xmlns:a16="http://schemas.microsoft.com/office/drawing/2014/main" id="{90B980A2-8D40-4C0A-9871-4FA9794F9C3D}"/>
+                <a16:creationId xmlns:a16="http://schemas.microsoft.com/office/drawing/2014/main" xmlns="" id="{90B980A2-8D40-4C0A-9871-4FA9794F9C3D}"/>
               </a:ext>
             </a:extLst>
           </p:cNvPr>
@@ -18307,7 +18307,7 @@
           <p:cNvPr id="8" name="Retângulo 7">
             <a:extLst>
               <a:ext uri="{FF2B5EF4-FFF2-40B4-BE49-F238E27FC236}">
-                <a16:creationId xmlns="" xmlns:a16="http://schemas.microsoft.com/office/drawing/2014/main" id="{9B33DD69-1761-43D2-B589-CE56D2C4FBB6}"/>
+                <a16:creationId xmlns:a16="http://schemas.microsoft.com/office/drawing/2014/main" xmlns="" id="{9B33DD69-1761-43D2-B589-CE56D2C4FBB6}"/>
               </a:ext>
             </a:extLst>
           </p:cNvPr>
@@ -18361,7 +18361,7 @@
           <p:cNvPr id="24" name="CaixaDeTexto 23">
             <a:extLst>
               <a:ext uri="{FF2B5EF4-FFF2-40B4-BE49-F238E27FC236}">
-                <a16:creationId xmlns="" xmlns:a16="http://schemas.microsoft.com/office/drawing/2014/main" id="{90B980A2-8D40-4C0A-9871-4FA9794F9C3D}"/>
+                <a16:creationId xmlns:a16="http://schemas.microsoft.com/office/drawing/2014/main" xmlns="" id="{90B980A2-8D40-4C0A-9871-4FA9794F9C3D}"/>
               </a:ext>
             </a:extLst>
           </p:cNvPr>
@@ -18944,7 +18944,7 @@
           <p:cNvPr id="8" name="Retângulo 7">
             <a:extLst>
               <a:ext uri="{FF2B5EF4-FFF2-40B4-BE49-F238E27FC236}">
-                <a16:creationId xmlns="" xmlns:a16="http://schemas.microsoft.com/office/drawing/2014/main" id="{9B33DD69-1761-43D2-B589-CE56D2C4FBB6}"/>
+                <a16:creationId xmlns:a16="http://schemas.microsoft.com/office/drawing/2014/main" xmlns="" id="{9B33DD69-1761-43D2-B589-CE56D2C4FBB6}"/>
               </a:ext>
             </a:extLst>
           </p:cNvPr>
@@ -18998,7 +18998,7 @@
           <p:cNvPr id="24" name="CaixaDeTexto 23">
             <a:extLst>
               <a:ext uri="{FF2B5EF4-FFF2-40B4-BE49-F238E27FC236}">
-                <a16:creationId xmlns="" xmlns:a16="http://schemas.microsoft.com/office/drawing/2014/main" id="{90B980A2-8D40-4C0A-9871-4FA9794F9C3D}"/>
+                <a16:creationId xmlns:a16="http://schemas.microsoft.com/office/drawing/2014/main" xmlns="" id="{90B980A2-8D40-4C0A-9871-4FA9794F9C3D}"/>
               </a:ext>
             </a:extLst>
           </p:cNvPr>
@@ -19425,7 +19425,7 @@
           <p:cNvPr id="8" name="Retângulo 7">
             <a:extLst>
               <a:ext uri="{FF2B5EF4-FFF2-40B4-BE49-F238E27FC236}">
-                <a16:creationId xmlns="" xmlns:a16="http://schemas.microsoft.com/office/drawing/2014/main" id="{9B33DD69-1761-43D2-B589-CE56D2C4FBB6}"/>
+                <a16:creationId xmlns:a16="http://schemas.microsoft.com/office/drawing/2014/main" xmlns="" id="{9B33DD69-1761-43D2-B589-CE56D2C4FBB6}"/>
               </a:ext>
             </a:extLst>
           </p:cNvPr>
@@ -19479,7 +19479,7 @@
           <p:cNvPr id="24" name="CaixaDeTexto 23">
             <a:extLst>
               <a:ext uri="{FF2B5EF4-FFF2-40B4-BE49-F238E27FC236}">
-                <a16:creationId xmlns="" xmlns:a16="http://schemas.microsoft.com/office/drawing/2014/main" id="{90B980A2-8D40-4C0A-9871-4FA9794F9C3D}"/>
+                <a16:creationId xmlns:a16="http://schemas.microsoft.com/office/drawing/2014/main" xmlns="" id="{90B980A2-8D40-4C0A-9871-4FA9794F9C3D}"/>
               </a:ext>
             </a:extLst>
           </p:cNvPr>
@@ -19771,7 +19771,7 @@
           <p:cNvPr id="8" name="Retângulo 7">
             <a:extLst>
               <a:ext uri="{FF2B5EF4-FFF2-40B4-BE49-F238E27FC236}">
-                <a16:creationId xmlns="" xmlns:a16="http://schemas.microsoft.com/office/drawing/2014/main" id="{9B33DD69-1761-43D2-B589-CE56D2C4FBB6}"/>
+                <a16:creationId xmlns:a16="http://schemas.microsoft.com/office/drawing/2014/main" xmlns="" id="{9B33DD69-1761-43D2-B589-CE56D2C4FBB6}"/>
               </a:ext>
             </a:extLst>
           </p:cNvPr>
@@ -19829,7 +19829,7 @@
           <p:cNvPr id="24" name="CaixaDeTexto 23">
             <a:extLst>
               <a:ext uri="{FF2B5EF4-FFF2-40B4-BE49-F238E27FC236}">
-                <a16:creationId xmlns="" xmlns:a16="http://schemas.microsoft.com/office/drawing/2014/main" id="{90B980A2-8D40-4C0A-9871-4FA9794F9C3D}"/>
+                <a16:creationId xmlns:a16="http://schemas.microsoft.com/office/drawing/2014/main" xmlns="" id="{90B980A2-8D40-4C0A-9871-4FA9794F9C3D}"/>
               </a:ext>
             </a:extLst>
           </p:cNvPr>
@@ -20658,7 +20658,7 @@
           <p:cNvPr id="8" name="Retângulo 7">
             <a:extLst>
               <a:ext uri="{FF2B5EF4-FFF2-40B4-BE49-F238E27FC236}">
-                <a16:creationId xmlns="" xmlns:a16="http://schemas.microsoft.com/office/drawing/2014/main" id="{9B33DD69-1761-43D2-B589-CE56D2C4FBB6}"/>
+                <a16:creationId xmlns:a16="http://schemas.microsoft.com/office/drawing/2014/main" xmlns="" id="{9B33DD69-1761-43D2-B589-CE56D2C4FBB6}"/>
               </a:ext>
             </a:extLst>
           </p:cNvPr>
@@ -20716,7 +20716,7 @@
           <p:cNvPr id="24" name="CaixaDeTexto 23">
             <a:extLst>
               <a:ext uri="{FF2B5EF4-FFF2-40B4-BE49-F238E27FC236}">
-                <a16:creationId xmlns="" xmlns:a16="http://schemas.microsoft.com/office/drawing/2014/main" id="{90B980A2-8D40-4C0A-9871-4FA9794F9C3D}"/>
+                <a16:creationId xmlns:a16="http://schemas.microsoft.com/office/drawing/2014/main" xmlns="" id="{90B980A2-8D40-4C0A-9871-4FA9794F9C3D}"/>
               </a:ext>
             </a:extLst>
           </p:cNvPr>
@@ -21163,7 +21163,7 @@
           <p:cNvPr id="8" name="Retângulo 7">
             <a:extLst>
               <a:ext uri="{FF2B5EF4-FFF2-40B4-BE49-F238E27FC236}">
-                <a16:creationId xmlns="" xmlns:a16="http://schemas.microsoft.com/office/drawing/2014/main" id="{9B33DD69-1761-43D2-B589-CE56D2C4FBB6}"/>
+                <a16:creationId xmlns:a16="http://schemas.microsoft.com/office/drawing/2014/main" xmlns="" id="{9B33DD69-1761-43D2-B589-CE56D2C4FBB6}"/>
               </a:ext>
             </a:extLst>
           </p:cNvPr>
@@ -21221,7 +21221,7 @@
           <p:cNvPr id="24" name="CaixaDeTexto 23">
             <a:extLst>
               <a:ext uri="{FF2B5EF4-FFF2-40B4-BE49-F238E27FC236}">
-                <a16:creationId xmlns="" xmlns:a16="http://schemas.microsoft.com/office/drawing/2014/main" id="{90B980A2-8D40-4C0A-9871-4FA9794F9C3D}"/>
+                <a16:creationId xmlns:a16="http://schemas.microsoft.com/office/drawing/2014/main" xmlns="" id="{90B980A2-8D40-4C0A-9871-4FA9794F9C3D}"/>
               </a:ext>
             </a:extLst>
           </p:cNvPr>
@@ -21500,7 +21500,7 @@
           <p:cNvPr id="8" name="Retângulo 7">
             <a:extLst>
               <a:ext uri="{FF2B5EF4-FFF2-40B4-BE49-F238E27FC236}">
-                <a16:creationId xmlns="" xmlns:a16="http://schemas.microsoft.com/office/drawing/2014/main" id="{9B33DD69-1761-43D2-B589-CE56D2C4FBB6}"/>
+                <a16:creationId xmlns:a16="http://schemas.microsoft.com/office/drawing/2014/main" xmlns="" id="{9B33DD69-1761-43D2-B589-CE56D2C4FBB6}"/>
               </a:ext>
             </a:extLst>
           </p:cNvPr>
@@ -21558,7 +21558,7 @@
           <p:cNvPr id="24" name="CaixaDeTexto 23">
             <a:extLst>
               <a:ext uri="{FF2B5EF4-FFF2-40B4-BE49-F238E27FC236}">
-                <a16:creationId xmlns="" xmlns:a16="http://schemas.microsoft.com/office/drawing/2014/main" id="{90B980A2-8D40-4C0A-9871-4FA9794F9C3D}"/>
+                <a16:creationId xmlns:a16="http://schemas.microsoft.com/office/drawing/2014/main" xmlns="" id="{90B980A2-8D40-4C0A-9871-4FA9794F9C3D}"/>
               </a:ext>
             </a:extLst>
           </p:cNvPr>
@@ -21949,7 +21949,7 @@
           <p:cNvPr id="8" name="Retângulo 7">
             <a:extLst>
               <a:ext uri="{FF2B5EF4-FFF2-40B4-BE49-F238E27FC236}">
-                <a16:creationId xmlns="" xmlns:a16="http://schemas.microsoft.com/office/drawing/2014/main" id="{9B33DD69-1761-43D2-B589-CE56D2C4FBB6}"/>
+                <a16:creationId xmlns:a16="http://schemas.microsoft.com/office/drawing/2014/main" xmlns="" id="{9B33DD69-1761-43D2-B589-CE56D2C4FBB6}"/>
               </a:ext>
             </a:extLst>
           </p:cNvPr>
@@ -22007,7 +22007,7 @@
           <p:cNvPr id="24" name="CaixaDeTexto 23">
             <a:extLst>
               <a:ext uri="{FF2B5EF4-FFF2-40B4-BE49-F238E27FC236}">
-                <a16:creationId xmlns="" xmlns:a16="http://schemas.microsoft.com/office/drawing/2014/main" id="{90B980A2-8D40-4C0A-9871-4FA9794F9C3D}"/>
+                <a16:creationId xmlns:a16="http://schemas.microsoft.com/office/drawing/2014/main" xmlns="" id="{90B980A2-8D40-4C0A-9871-4FA9794F9C3D}"/>
               </a:ext>
             </a:extLst>
           </p:cNvPr>
@@ -22684,7 +22684,7 @@
           <p:cNvPr id="8" name="Retângulo 7">
             <a:extLst>
               <a:ext uri="{FF2B5EF4-FFF2-40B4-BE49-F238E27FC236}">
-                <a16:creationId xmlns="" xmlns:a16="http://schemas.microsoft.com/office/drawing/2014/main" id="{9B33DD69-1761-43D2-B589-CE56D2C4FBB6}"/>
+                <a16:creationId xmlns:a16="http://schemas.microsoft.com/office/drawing/2014/main" xmlns="" id="{9B33DD69-1761-43D2-B589-CE56D2C4FBB6}"/>
               </a:ext>
             </a:extLst>
           </p:cNvPr>
@@ -22738,7 +22738,7 @@
           <p:cNvPr id="24" name="CaixaDeTexto 23">
             <a:extLst>
               <a:ext uri="{FF2B5EF4-FFF2-40B4-BE49-F238E27FC236}">
-                <a16:creationId xmlns="" xmlns:a16="http://schemas.microsoft.com/office/drawing/2014/main" id="{90B980A2-8D40-4C0A-9871-4FA9794F9C3D}"/>
+                <a16:creationId xmlns:a16="http://schemas.microsoft.com/office/drawing/2014/main" xmlns="" id="{90B980A2-8D40-4C0A-9871-4FA9794F9C3D}"/>
               </a:ext>
             </a:extLst>
           </p:cNvPr>
@@ -23057,7 +23057,7 @@
           <p:cNvPr id="2" name="Título 1">
             <a:extLst>
               <a:ext uri="{FF2B5EF4-FFF2-40B4-BE49-F238E27FC236}">
-                <a16:creationId xmlns="" xmlns:a16="http://schemas.microsoft.com/office/drawing/2014/main" id="{14AB9F69-8D24-468C-93DF-A1666924EB0C}"/>
+                <a16:creationId xmlns:a16="http://schemas.microsoft.com/office/drawing/2014/main" xmlns="" id="{14AB9F69-8D24-468C-93DF-A1666924EB0C}"/>
               </a:ext>
             </a:extLst>
           </p:cNvPr>
@@ -23088,7 +23088,7 @@
           <p:cNvPr id="3" name="Subtítulo 2">
             <a:extLst>
               <a:ext uri="{FF2B5EF4-FFF2-40B4-BE49-F238E27FC236}">
-                <a16:creationId xmlns="" xmlns:a16="http://schemas.microsoft.com/office/drawing/2014/main" id="{0E4BFB9B-D461-4F8E-B2A0-819D63FA7EC4}"/>
+                <a16:creationId xmlns:a16="http://schemas.microsoft.com/office/drawing/2014/main" xmlns="" id="{0E4BFB9B-D461-4F8E-B2A0-819D63FA7EC4}"/>
               </a:ext>
             </a:extLst>
           </p:cNvPr>
@@ -23159,7 +23159,7 @@
           <p:cNvPr id="8" name="Retângulo 7">
             <a:extLst>
               <a:ext uri="{FF2B5EF4-FFF2-40B4-BE49-F238E27FC236}">
-                <a16:creationId xmlns="" xmlns:a16="http://schemas.microsoft.com/office/drawing/2014/main" id="{9B33DD69-1761-43D2-B589-CE56D2C4FBB6}"/>
+                <a16:creationId xmlns:a16="http://schemas.microsoft.com/office/drawing/2014/main" xmlns="" id="{9B33DD69-1761-43D2-B589-CE56D2C4FBB6}"/>
               </a:ext>
             </a:extLst>
           </p:cNvPr>
@@ -23295,7 +23295,7 @@
           <p:cNvPr id="9" name="CaixaDeTexto 8">
             <a:extLst>
               <a:ext uri="{FF2B5EF4-FFF2-40B4-BE49-F238E27FC236}">
-                <a16:creationId xmlns="" xmlns:a16="http://schemas.microsoft.com/office/drawing/2014/main" id="{90B980A2-8D40-4C0A-9871-4FA9794F9C3D}"/>
+                <a16:creationId xmlns:a16="http://schemas.microsoft.com/office/drawing/2014/main" xmlns="" id="{90B980A2-8D40-4C0A-9871-4FA9794F9C3D}"/>
               </a:ext>
             </a:extLst>
           </p:cNvPr>
@@ -23714,7 +23714,7 @@
           <p:cNvPr id="2" name="Título 1">
             <a:extLst>
               <a:ext uri="{FF2B5EF4-FFF2-40B4-BE49-F238E27FC236}">
-                <a16:creationId xmlns="" xmlns:a16="http://schemas.microsoft.com/office/drawing/2014/main" id="{14AB9F69-8D24-468C-93DF-A1666924EB0C}"/>
+                <a16:creationId xmlns:a16="http://schemas.microsoft.com/office/drawing/2014/main" xmlns="" id="{14AB9F69-8D24-468C-93DF-A1666924EB0C}"/>
               </a:ext>
             </a:extLst>
           </p:cNvPr>
@@ -23745,7 +23745,7 @@
           <p:cNvPr id="3" name="Subtítulo 2">
             <a:extLst>
               <a:ext uri="{FF2B5EF4-FFF2-40B4-BE49-F238E27FC236}">
-                <a16:creationId xmlns="" xmlns:a16="http://schemas.microsoft.com/office/drawing/2014/main" id="{0E4BFB9B-D461-4F8E-B2A0-819D63FA7EC4}"/>
+                <a16:creationId xmlns:a16="http://schemas.microsoft.com/office/drawing/2014/main" xmlns="" id="{0E4BFB9B-D461-4F8E-B2A0-819D63FA7EC4}"/>
               </a:ext>
             </a:extLst>
           </p:cNvPr>
@@ -23816,7 +23816,7 @@
           <p:cNvPr id="8" name="Retângulo 7">
             <a:extLst>
               <a:ext uri="{FF2B5EF4-FFF2-40B4-BE49-F238E27FC236}">
-                <a16:creationId xmlns="" xmlns:a16="http://schemas.microsoft.com/office/drawing/2014/main" id="{9B33DD69-1761-43D2-B589-CE56D2C4FBB6}"/>
+                <a16:creationId xmlns:a16="http://schemas.microsoft.com/office/drawing/2014/main" xmlns="" id="{9B33DD69-1761-43D2-B589-CE56D2C4FBB6}"/>
               </a:ext>
             </a:extLst>
           </p:cNvPr>
@@ -23952,7 +23952,7 @@
           <p:cNvPr id="9" name="CaixaDeTexto 8">
             <a:extLst>
               <a:ext uri="{FF2B5EF4-FFF2-40B4-BE49-F238E27FC236}">
-                <a16:creationId xmlns="" xmlns:a16="http://schemas.microsoft.com/office/drawing/2014/main" id="{90B980A2-8D40-4C0A-9871-4FA9794F9C3D}"/>
+                <a16:creationId xmlns:a16="http://schemas.microsoft.com/office/drawing/2014/main" xmlns="" id="{90B980A2-8D40-4C0A-9871-4FA9794F9C3D}"/>
               </a:ext>
             </a:extLst>
           </p:cNvPr>
@@ -24022,14 +24022,6 @@
               </a:rPr>
               <a:t>:</a:t>
             </a:r>
-            <a:endParaRPr lang="pt-BR" sz="2000" dirty="0" smtClean="0">
-              <a:solidFill>
-                <a:schemeClr val="bg1">
-                  <a:lumMod val="95000"/>
-                  <a:lumOff val="5000"/>
-                </a:schemeClr>
-              </a:solidFill>
-            </a:endParaRPr>
           </a:p>
         </p:txBody>
       </p:sp>
@@ -24139,7 +24131,7 @@
           <p:cNvPr id="8" name="Retângulo 7">
             <a:extLst>
               <a:ext uri="{FF2B5EF4-FFF2-40B4-BE49-F238E27FC236}">
-                <a16:creationId xmlns="" xmlns:a16="http://schemas.microsoft.com/office/drawing/2014/main" id="{9B33DD69-1761-43D2-B589-CE56D2C4FBB6}"/>
+                <a16:creationId xmlns:a16="http://schemas.microsoft.com/office/drawing/2014/main" xmlns="" id="{9B33DD69-1761-43D2-B589-CE56D2C4FBB6}"/>
               </a:ext>
             </a:extLst>
           </p:cNvPr>
@@ -24275,7 +24267,7 @@
           <p:cNvPr id="9" name="CaixaDeTexto 8">
             <a:extLst>
               <a:ext uri="{FF2B5EF4-FFF2-40B4-BE49-F238E27FC236}">
-                <a16:creationId xmlns="" xmlns:a16="http://schemas.microsoft.com/office/drawing/2014/main" id="{90B980A2-8D40-4C0A-9871-4FA9794F9C3D}"/>
+                <a16:creationId xmlns:a16="http://schemas.microsoft.com/office/drawing/2014/main" xmlns="" id="{90B980A2-8D40-4C0A-9871-4FA9794F9C3D}"/>
               </a:ext>
             </a:extLst>
           </p:cNvPr>
@@ -24463,7 +24455,7 @@
           <p:cNvPr id="8" name="Retângulo 7">
             <a:extLst>
               <a:ext uri="{FF2B5EF4-FFF2-40B4-BE49-F238E27FC236}">
-                <a16:creationId xmlns="" xmlns:a16="http://schemas.microsoft.com/office/drawing/2014/main" id="{9B33DD69-1761-43D2-B589-CE56D2C4FBB6}"/>
+                <a16:creationId xmlns:a16="http://schemas.microsoft.com/office/drawing/2014/main" xmlns="" id="{9B33DD69-1761-43D2-B589-CE56D2C4FBB6}"/>
               </a:ext>
             </a:extLst>
           </p:cNvPr>
@@ -24599,7 +24591,7 @@
           <p:cNvPr id="9" name="CaixaDeTexto 8">
             <a:extLst>
               <a:ext uri="{FF2B5EF4-FFF2-40B4-BE49-F238E27FC236}">
-                <a16:creationId xmlns="" xmlns:a16="http://schemas.microsoft.com/office/drawing/2014/main" id="{90B980A2-8D40-4C0A-9871-4FA9794F9C3D}"/>
+                <a16:creationId xmlns:a16="http://schemas.microsoft.com/office/drawing/2014/main" xmlns="" id="{90B980A2-8D40-4C0A-9871-4FA9794F9C3D}"/>
               </a:ext>
             </a:extLst>
           </p:cNvPr>
@@ -24651,18 +24643,7 @@
                   </a:schemeClr>
                 </a:solidFill>
               </a:rPr>
-              <a:t>, veja exemplos</a:t>
-            </a:r>
-            <a:r>
-              <a:rPr lang="pt-BR" sz="2000" dirty="0" smtClean="0">
-                <a:solidFill>
-                  <a:schemeClr val="bg1">
-                    <a:lumMod val="95000"/>
-                    <a:lumOff val="5000"/>
-                  </a:schemeClr>
-                </a:solidFill>
-              </a:rPr>
-              <a:t>:</a:t>
+              <a:t>, veja exemplos:</a:t>
             </a:r>
           </a:p>
           <a:p>
@@ -25275,7 +25256,7 @@
           <p:cNvPr id="8" name="Retângulo 7">
             <a:extLst>
               <a:ext uri="{FF2B5EF4-FFF2-40B4-BE49-F238E27FC236}">
-                <a16:creationId xmlns="" xmlns:a16="http://schemas.microsoft.com/office/drawing/2014/main" id="{9B33DD69-1761-43D2-B589-CE56D2C4FBB6}"/>
+                <a16:creationId xmlns:a16="http://schemas.microsoft.com/office/drawing/2014/main" xmlns="" id="{9B33DD69-1761-43D2-B589-CE56D2C4FBB6}"/>
               </a:ext>
             </a:extLst>
           </p:cNvPr>
@@ -25411,7 +25392,7 @@
           <p:cNvPr id="9" name="CaixaDeTexto 8">
             <a:extLst>
               <a:ext uri="{FF2B5EF4-FFF2-40B4-BE49-F238E27FC236}">
-                <a16:creationId xmlns="" xmlns:a16="http://schemas.microsoft.com/office/drawing/2014/main" id="{90B980A2-8D40-4C0A-9871-4FA9794F9C3D}"/>
+                <a16:creationId xmlns:a16="http://schemas.microsoft.com/office/drawing/2014/main" xmlns="" id="{90B980A2-8D40-4C0A-9871-4FA9794F9C3D}"/>
               </a:ext>
             </a:extLst>
           </p:cNvPr>
@@ -25895,7 +25876,7 @@
           <p:cNvPr id="8" name="Retângulo 7">
             <a:extLst>
               <a:ext uri="{FF2B5EF4-FFF2-40B4-BE49-F238E27FC236}">
-                <a16:creationId xmlns="" xmlns:a16="http://schemas.microsoft.com/office/drawing/2014/main" id="{9B33DD69-1761-43D2-B589-CE56D2C4FBB6}"/>
+                <a16:creationId xmlns:a16="http://schemas.microsoft.com/office/drawing/2014/main" xmlns="" id="{9B33DD69-1761-43D2-B589-CE56D2C4FBB6}"/>
               </a:ext>
             </a:extLst>
           </p:cNvPr>
@@ -26031,7 +26012,7 @@
           <p:cNvPr id="9" name="CaixaDeTexto 8">
             <a:extLst>
               <a:ext uri="{FF2B5EF4-FFF2-40B4-BE49-F238E27FC236}">
-                <a16:creationId xmlns="" xmlns:a16="http://schemas.microsoft.com/office/drawing/2014/main" id="{90B980A2-8D40-4C0A-9871-4FA9794F9C3D}"/>
+                <a16:creationId xmlns:a16="http://schemas.microsoft.com/office/drawing/2014/main" xmlns="" id="{90B980A2-8D40-4C0A-9871-4FA9794F9C3D}"/>
               </a:ext>
             </a:extLst>
           </p:cNvPr>
@@ -26137,15 +26118,7 @@
                   <a:srgbClr val="FF0000"/>
                 </a:solidFill>
               </a:rPr>
-              <a:t>m</a:t>
-            </a:r>
-            <a:r>
-              <a:rPr lang="pt-BR" sz="2000" dirty="0" smtClean="0">
-                <a:solidFill>
-                  <a:srgbClr val="FF0000"/>
-                </a:solidFill>
-              </a:rPr>
-              <a:t>argin:</a:t>
+              <a:t>margin:</a:t>
             </a:r>
             <a:r>
               <a:rPr lang="pt-BR" sz="2000" dirty="0">
@@ -26529,7 +26502,7 @@
           <p:cNvPr id="8" name="Retângulo 7">
             <a:extLst>
               <a:ext uri="{FF2B5EF4-FFF2-40B4-BE49-F238E27FC236}">
-                <a16:creationId xmlns="" xmlns:a16="http://schemas.microsoft.com/office/drawing/2014/main" id="{9B33DD69-1761-43D2-B589-CE56D2C4FBB6}"/>
+                <a16:creationId xmlns:a16="http://schemas.microsoft.com/office/drawing/2014/main" xmlns="" id="{9B33DD69-1761-43D2-B589-CE56D2C4FBB6}"/>
               </a:ext>
             </a:extLst>
           </p:cNvPr>
@@ -26665,7 +26638,7 @@
           <p:cNvPr id="9" name="CaixaDeTexto 8">
             <a:extLst>
               <a:ext uri="{FF2B5EF4-FFF2-40B4-BE49-F238E27FC236}">
-                <a16:creationId xmlns="" xmlns:a16="http://schemas.microsoft.com/office/drawing/2014/main" id="{90B980A2-8D40-4C0A-9871-4FA9794F9C3D}"/>
+                <a16:creationId xmlns:a16="http://schemas.microsoft.com/office/drawing/2014/main" xmlns="" id="{90B980A2-8D40-4C0A-9871-4FA9794F9C3D}"/>
               </a:ext>
             </a:extLst>
           </p:cNvPr>
@@ -27047,7 +27020,7 @@
           <p:cNvPr id="2" name="Título 1">
             <a:extLst>
               <a:ext uri="{FF2B5EF4-FFF2-40B4-BE49-F238E27FC236}">
-                <a16:creationId xmlns="" xmlns:a16="http://schemas.microsoft.com/office/drawing/2014/main" id="{14AB9F69-8D24-468C-93DF-A1666924EB0C}"/>
+                <a16:creationId xmlns:a16="http://schemas.microsoft.com/office/drawing/2014/main" xmlns="" id="{14AB9F69-8D24-468C-93DF-A1666924EB0C}"/>
               </a:ext>
             </a:extLst>
           </p:cNvPr>
@@ -27078,7 +27051,7 @@
           <p:cNvPr id="3" name="Subtítulo 2">
             <a:extLst>
               <a:ext uri="{FF2B5EF4-FFF2-40B4-BE49-F238E27FC236}">
-                <a16:creationId xmlns="" xmlns:a16="http://schemas.microsoft.com/office/drawing/2014/main" id="{0E4BFB9B-D461-4F8E-B2A0-819D63FA7EC4}"/>
+                <a16:creationId xmlns:a16="http://schemas.microsoft.com/office/drawing/2014/main" xmlns="" id="{0E4BFB9B-D461-4F8E-B2A0-819D63FA7EC4}"/>
               </a:ext>
             </a:extLst>
           </p:cNvPr>
@@ -27149,7 +27122,7 @@
           <p:cNvPr id="8" name="Retângulo 7">
             <a:extLst>
               <a:ext uri="{FF2B5EF4-FFF2-40B4-BE49-F238E27FC236}">
-                <a16:creationId xmlns="" xmlns:a16="http://schemas.microsoft.com/office/drawing/2014/main" id="{9B33DD69-1761-43D2-B589-CE56D2C4FBB6}"/>
+                <a16:creationId xmlns:a16="http://schemas.microsoft.com/office/drawing/2014/main" xmlns="" id="{9B33DD69-1761-43D2-B589-CE56D2C4FBB6}"/>
               </a:ext>
             </a:extLst>
           </p:cNvPr>
@@ -27203,7 +27176,7 @@
           <p:cNvPr id="24" name="CaixaDeTexto 23">
             <a:extLst>
               <a:ext uri="{FF2B5EF4-FFF2-40B4-BE49-F238E27FC236}">
-                <a16:creationId xmlns="" xmlns:a16="http://schemas.microsoft.com/office/drawing/2014/main" id="{90B980A2-8D40-4C0A-9871-4FA9794F9C3D}"/>
+                <a16:creationId xmlns:a16="http://schemas.microsoft.com/office/drawing/2014/main" xmlns="" id="{90B980A2-8D40-4C0A-9871-4FA9794F9C3D}"/>
               </a:ext>
             </a:extLst>
           </p:cNvPr>
@@ -27636,7 +27609,7 @@
           <p:cNvPr id="8" name="Retângulo 7">
             <a:extLst>
               <a:ext uri="{FF2B5EF4-FFF2-40B4-BE49-F238E27FC236}">
-                <a16:creationId xmlns="" xmlns:a16="http://schemas.microsoft.com/office/drawing/2014/main" id="{9B33DD69-1761-43D2-B589-CE56D2C4FBB6}"/>
+                <a16:creationId xmlns:a16="http://schemas.microsoft.com/office/drawing/2014/main" xmlns="" id="{9B33DD69-1761-43D2-B589-CE56D2C4FBB6}"/>
               </a:ext>
             </a:extLst>
           </p:cNvPr>
@@ -27772,7 +27745,7 @@
           <p:cNvPr id="9" name="CaixaDeTexto 8">
             <a:extLst>
               <a:ext uri="{FF2B5EF4-FFF2-40B4-BE49-F238E27FC236}">
-                <a16:creationId xmlns="" xmlns:a16="http://schemas.microsoft.com/office/drawing/2014/main" id="{90B980A2-8D40-4C0A-9871-4FA9794F9C3D}"/>
+                <a16:creationId xmlns:a16="http://schemas.microsoft.com/office/drawing/2014/main" xmlns="" id="{90B980A2-8D40-4C0A-9871-4FA9794F9C3D}"/>
               </a:ext>
             </a:extLst>
           </p:cNvPr>
@@ -28007,7 +27980,7 @@
           <p:cNvPr id="8" name="Retângulo 7">
             <a:extLst>
               <a:ext uri="{FF2B5EF4-FFF2-40B4-BE49-F238E27FC236}">
-                <a16:creationId xmlns="" xmlns:a16="http://schemas.microsoft.com/office/drawing/2014/main" id="{9B33DD69-1761-43D2-B589-CE56D2C4FBB6}"/>
+                <a16:creationId xmlns:a16="http://schemas.microsoft.com/office/drawing/2014/main" xmlns="" id="{9B33DD69-1761-43D2-B589-CE56D2C4FBB6}"/>
               </a:ext>
             </a:extLst>
           </p:cNvPr>
@@ -28143,7 +28116,7 @@
           <p:cNvPr id="9" name="CaixaDeTexto 8">
             <a:extLst>
               <a:ext uri="{FF2B5EF4-FFF2-40B4-BE49-F238E27FC236}">
-                <a16:creationId xmlns="" xmlns:a16="http://schemas.microsoft.com/office/drawing/2014/main" id="{90B980A2-8D40-4C0A-9871-4FA9794F9C3D}"/>
+                <a16:creationId xmlns:a16="http://schemas.microsoft.com/office/drawing/2014/main" xmlns="" id="{90B980A2-8D40-4C0A-9871-4FA9794F9C3D}"/>
               </a:ext>
             </a:extLst>
           </p:cNvPr>
@@ -28195,10 +28168,10 @@
                   </a:schemeClr>
                 </a:solidFill>
               </a:rPr>
-              <a:t>conforme exemplo </a:t>
-            </a:r>
-            <a:r>
-              <a:rPr lang="pt-BR" sz="2000" dirty="0" smtClean="0">
+              <a:t>conforme exemplo abaixo. </a:t>
+            </a:r>
+            <a:r>
+              <a:rPr lang="pt-BR" sz="2000" dirty="0">
                 <a:solidFill>
                   <a:schemeClr val="bg1">
                     <a:lumMod val="95000"/>
@@ -28206,10 +28179,10 @@
                   </a:schemeClr>
                 </a:solidFill>
               </a:rPr>
-              <a:t>abaixo. </a:t>
-            </a:r>
-            <a:r>
-              <a:rPr lang="pt-BR" sz="2000" dirty="0">
+              <a:t>Seja criativo com as cores, e não esqueça da indentação, </a:t>
+            </a:r>
+            <a:r>
+              <a:rPr lang="pt-BR" sz="2000" dirty="0" smtClean="0">
                 <a:solidFill>
                   <a:schemeClr val="bg1">
                     <a:lumMod val="95000"/>
@@ -28217,7 +28190,18 @@
                   </a:schemeClr>
                 </a:solidFill>
               </a:rPr>
-              <a:t>Seja criativo com as cores, e não esqueça da indentação, dos título da página com imagem e das margins de distanciamento!</a:t>
+              <a:t>do título </a:t>
+            </a:r>
+            <a:r>
+              <a:rPr lang="pt-BR" sz="2000" dirty="0">
+                <a:solidFill>
+                  <a:schemeClr val="bg1">
+                    <a:lumMod val="95000"/>
+                    <a:lumOff val="5000"/>
+                  </a:schemeClr>
+                </a:solidFill>
+              </a:rPr>
+              <a:t>da página com imagem e das margins de distanciamento!</a:t>
             </a:r>
           </a:p>
           <a:p>
@@ -28611,7 +28595,7 @@
           <p:cNvPr id="2" name="Título 1">
             <a:extLst>
               <a:ext uri="{FF2B5EF4-FFF2-40B4-BE49-F238E27FC236}">
-                <a16:creationId xmlns="" xmlns:a16="http://schemas.microsoft.com/office/drawing/2014/main" id="{14AB9F69-8D24-468C-93DF-A1666924EB0C}"/>
+                <a16:creationId xmlns:a16="http://schemas.microsoft.com/office/drawing/2014/main" xmlns="" id="{14AB9F69-8D24-468C-93DF-A1666924EB0C}"/>
               </a:ext>
             </a:extLst>
           </p:cNvPr>
@@ -28642,7 +28626,7 @@
           <p:cNvPr id="3" name="Subtítulo 2">
             <a:extLst>
               <a:ext uri="{FF2B5EF4-FFF2-40B4-BE49-F238E27FC236}">
-                <a16:creationId xmlns="" xmlns:a16="http://schemas.microsoft.com/office/drawing/2014/main" id="{0E4BFB9B-D461-4F8E-B2A0-819D63FA7EC4}"/>
+                <a16:creationId xmlns:a16="http://schemas.microsoft.com/office/drawing/2014/main" xmlns="" id="{0E4BFB9B-D461-4F8E-B2A0-819D63FA7EC4}"/>
               </a:ext>
             </a:extLst>
           </p:cNvPr>
@@ -28709,7 +28693,7 @@
           <p:cNvPr id="8" name="Retângulo 7">
             <a:extLst>
               <a:ext uri="{FF2B5EF4-FFF2-40B4-BE49-F238E27FC236}">
-                <a16:creationId xmlns="" xmlns:a16="http://schemas.microsoft.com/office/drawing/2014/main" id="{9B33DD69-1761-43D2-B589-CE56D2C4FBB6}"/>
+                <a16:creationId xmlns:a16="http://schemas.microsoft.com/office/drawing/2014/main" xmlns="" id="{9B33DD69-1761-43D2-B589-CE56D2C4FBB6}"/>
               </a:ext>
             </a:extLst>
           </p:cNvPr>
@@ -28763,7 +28747,7 @@
           <p:cNvPr id="24" name="CaixaDeTexto 23">
             <a:extLst>
               <a:ext uri="{FF2B5EF4-FFF2-40B4-BE49-F238E27FC236}">
-                <a16:creationId xmlns="" xmlns:a16="http://schemas.microsoft.com/office/drawing/2014/main" id="{90B980A2-8D40-4C0A-9871-4FA9794F9C3D}"/>
+                <a16:creationId xmlns:a16="http://schemas.microsoft.com/office/drawing/2014/main" xmlns="" id="{90B980A2-8D40-4C0A-9871-4FA9794F9C3D}"/>
               </a:ext>
             </a:extLst>
           </p:cNvPr>
@@ -28862,19 +28846,7 @@
                 </a:solidFill>
                 <a:hlinkClick r:id="rId4"/>
               </a:rPr>
-              <a:t>https://www.w3schools.com</a:t>
-            </a:r>
-            <a:r>
-              <a:rPr lang="pt-BR" sz="2000" dirty="0" smtClean="0">
-                <a:solidFill>
-                  <a:schemeClr val="bg1">
-                    <a:lumMod val="95000"/>
-                    <a:lumOff val="5000"/>
-                  </a:schemeClr>
-                </a:solidFill>
-                <a:hlinkClick r:id="rId4"/>
-              </a:rPr>
-              <a:t>/</a:t>
+              <a:t>https://www.w3schools.com/</a:t>
             </a:r>
             <a:endParaRPr lang="pt-BR" sz="2000" dirty="0" smtClean="0">
               <a:solidFill>
@@ -29007,7 +28979,7 @@
           <p:cNvPr id="8" name="Retângulo 7">
             <a:extLst>
               <a:ext uri="{FF2B5EF4-FFF2-40B4-BE49-F238E27FC236}">
-                <a16:creationId xmlns="" xmlns:a16="http://schemas.microsoft.com/office/drawing/2014/main" id="{9B33DD69-1761-43D2-B589-CE56D2C4FBB6}"/>
+                <a16:creationId xmlns:a16="http://schemas.microsoft.com/office/drawing/2014/main" xmlns="" id="{9B33DD69-1761-43D2-B589-CE56D2C4FBB6}"/>
               </a:ext>
             </a:extLst>
           </p:cNvPr>
@@ -29061,7 +29033,7 @@
           <p:cNvPr id="24" name="CaixaDeTexto 23">
             <a:extLst>
               <a:ext uri="{FF2B5EF4-FFF2-40B4-BE49-F238E27FC236}">
-                <a16:creationId xmlns="" xmlns:a16="http://schemas.microsoft.com/office/drawing/2014/main" id="{90B980A2-8D40-4C0A-9871-4FA9794F9C3D}"/>
+                <a16:creationId xmlns:a16="http://schemas.microsoft.com/office/drawing/2014/main" xmlns="" id="{90B980A2-8D40-4C0A-9871-4FA9794F9C3D}"/>
               </a:ext>
             </a:extLst>
           </p:cNvPr>
@@ -29628,7 +29600,7 @@
           <p:cNvPr id="2" name="Título 1">
             <a:extLst>
               <a:ext uri="{FF2B5EF4-FFF2-40B4-BE49-F238E27FC236}">
-                <a16:creationId xmlns="" xmlns:a16="http://schemas.microsoft.com/office/drawing/2014/main" id="{14AB9F69-8D24-468C-93DF-A1666924EB0C}"/>
+                <a16:creationId xmlns:a16="http://schemas.microsoft.com/office/drawing/2014/main" xmlns="" id="{14AB9F69-8D24-468C-93DF-A1666924EB0C}"/>
               </a:ext>
             </a:extLst>
           </p:cNvPr>
@@ -29659,7 +29631,7 @@
           <p:cNvPr id="3" name="Subtítulo 2">
             <a:extLst>
               <a:ext uri="{FF2B5EF4-FFF2-40B4-BE49-F238E27FC236}">
-                <a16:creationId xmlns="" xmlns:a16="http://schemas.microsoft.com/office/drawing/2014/main" id="{0E4BFB9B-D461-4F8E-B2A0-819D63FA7EC4}"/>
+                <a16:creationId xmlns:a16="http://schemas.microsoft.com/office/drawing/2014/main" xmlns="" id="{0E4BFB9B-D461-4F8E-B2A0-819D63FA7EC4}"/>
               </a:ext>
             </a:extLst>
           </p:cNvPr>
@@ -29730,7 +29702,7 @@
           <p:cNvPr id="8" name="Retângulo 7">
             <a:extLst>
               <a:ext uri="{FF2B5EF4-FFF2-40B4-BE49-F238E27FC236}">
-                <a16:creationId xmlns="" xmlns:a16="http://schemas.microsoft.com/office/drawing/2014/main" id="{9B33DD69-1761-43D2-B589-CE56D2C4FBB6}"/>
+                <a16:creationId xmlns:a16="http://schemas.microsoft.com/office/drawing/2014/main" xmlns="" id="{9B33DD69-1761-43D2-B589-CE56D2C4FBB6}"/>
               </a:ext>
             </a:extLst>
           </p:cNvPr>
@@ -29784,7 +29756,7 @@
           <p:cNvPr id="24" name="CaixaDeTexto 23">
             <a:extLst>
               <a:ext uri="{FF2B5EF4-FFF2-40B4-BE49-F238E27FC236}">
-                <a16:creationId xmlns="" xmlns:a16="http://schemas.microsoft.com/office/drawing/2014/main" id="{90B980A2-8D40-4C0A-9871-4FA9794F9C3D}"/>
+                <a16:creationId xmlns:a16="http://schemas.microsoft.com/office/drawing/2014/main" xmlns="" id="{90B980A2-8D40-4C0A-9871-4FA9794F9C3D}"/>
               </a:ext>
             </a:extLst>
           </p:cNvPr>
@@ -30217,7 +30189,7 @@
           <p:cNvPr id="8" name="Retângulo 7">
             <a:extLst>
               <a:ext uri="{FF2B5EF4-FFF2-40B4-BE49-F238E27FC236}">
-                <a16:creationId xmlns="" xmlns:a16="http://schemas.microsoft.com/office/drawing/2014/main" id="{9B33DD69-1761-43D2-B589-CE56D2C4FBB6}"/>
+                <a16:creationId xmlns:a16="http://schemas.microsoft.com/office/drawing/2014/main" xmlns="" id="{9B33DD69-1761-43D2-B589-CE56D2C4FBB6}"/>
               </a:ext>
             </a:extLst>
           </p:cNvPr>
@@ -30271,7 +30243,7 @@
           <p:cNvPr id="24" name="CaixaDeTexto 23">
             <a:extLst>
               <a:ext uri="{FF2B5EF4-FFF2-40B4-BE49-F238E27FC236}">
-                <a16:creationId xmlns="" xmlns:a16="http://schemas.microsoft.com/office/drawing/2014/main" id="{90B980A2-8D40-4C0A-9871-4FA9794F9C3D}"/>
+                <a16:creationId xmlns:a16="http://schemas.microsoft.com/office/drawing/2014/main" xmlns="" id="{90B980A2-8D40-4C0A-9871-4FA9794F9C3D}"/>
               </a:ext>
             </a:extLst>
           </p:cNvPr>
@@ -30801,7 +30773,7 @@
           <p:cNvPr id="2" name="Título 1">
             <a:extLst>
               <a:ext uri="{FF2B5EF4-FFF2-40B4-BE49-F238E27FC236}">
-                <a16:creationId xmlns="" xmlns:a16="http://schemas.microsoft.com/office/drawing/2014/main" id="{14AB9F69-8D24-468C-93DF-A1666924EB0C}"/>
+                <a16:creationId xmlns:a16="http://schemas.microsoft.com/office/drawing/2014/main" xmlns="" id="{14AB9F69-8D24-468C-93DF-A1666924EB0C}"/>
               </a:ext>
             </a:extLst>
           </p:cNvPr>
@@ -30832,7 +30804,7 @@
           <p:cNvPr id="3" name="Subtítulo 2">
             <a:extLst>
               <a:ext uri="{FF2B5EF4-FFF2-40B4-BE49-F238E27FC236}">
-                <a16:creationId xmlns="" xmlns:a16="http://schemas.microsoft.com/office/drawing/2014/main" id="{0E4BFB9B-D461-4F8E-B2A0-819D63FA7EC4}"/>
+                <a16:creationId xmlns:a16="http://schemas.microsoft.com/office/drawing/2014/main" xmlns="" id="{0E4BFB9B-D461-4F8E-B2A0-819D63FA7EC4}"/>
               </a:ext>
             </a:extLst>
           </p:cNvPr>
@@ -31126,7 +31098,7 @@
   <a:extraClrSchemeLst/>
   <a:extLst>
     <a:ext uri="{05A4C25C-085E-4340-85A3-A5531E510DB2}">
-      <thm15:themeFamily xmlns="" xmlns:thm15="http://schemas.microsoft.com/office/thememl/2012/main" name="Circuit" id="{0AC2F7E7-15F5-431C-B2A2-456FE929F56C}" vid="{0911B802-464C-4241-8DD9-B60FF88E379F}"/>
+      <thm15:themeFamily xmlns:thm15="http://schemas.microsoft.com/office/thememl/2012/main" xmlns="" name="Circuit" id="{0AC2F7E7-15F5-431C-B2A2-456FE929F56C}" vid="{0911B802-464C-4241-8DD9-B60FF88E379F}"/>
     </a:ext>
   </a:extLst>
 </a:theme>

--- a/documentos/Apostila - Desenvolvimento Web - IEP.pptx
+++ b/documentos/Apostila - Desenvolvimento Web - IEP.pptx
@@ -46,8 +46,22 @@
     <p:sldId id="300" r:id="rId40"/>
     <p:sldId id="302" r:id="rId41"/>
     <p:sldId id="303" r:id="rId42"/>
-    <p:sldId id="299" r:id="rId43"/>
-    <p:sldId id="262" r:id="rId44"/>
+    <p:sldId id="304" r:id="rId43"/>
+    <p:sldId id="305" r:id="rId44"/>
+    <p:sldId id="306" r:id="rId45"/>
+    <p:sldId id="307" r:id="rId46"/>
+    <p:sldId id="314" r:id="rId47"/>
+    <p:sldId id="309" r:id="rId48"/>
+    <p:sldId id="310" r:id="rId49"/>
+    <p:sldId id="312" r:id="rId50"/>
+    <p:sldId id="313" r:id="rId51"/>
+    <p:sldId id="315" r:id="rId52"/>
+    <p:sldId id="316" r:id="rId53"/>
+    <p:sldId id="317" r:id="rId54"/>
+    <p:sldId id="318" r:id="rId55"/>
+    <p:sldId id="319" r:id="rId56"/>
+    <p:sldId id="299" r:id="rId57"/>
+    <p:sldId id="262" r:id="rId58"/>
   </p:sldIdLst>
   <p:sldSz cx="12192000" cy="6858000"/>
   <p:notesSz cx="6858000" cy="9144000"/>
@@ -4430,7 +4444,7 @@
           <a:p>
             <a:fld id="{48A87A34-81AB-432B-8DAE-1953F412C126}" type="datetimeFigureOut">
               <a:rPr lang="en-US" dirty="0"/>
-              <a:t>8/31/2021</a:t>
+              <a:t>9/14/2021</a:t>
             </a:fld>
             <a:endParaRPr lang="en-US" dirty="0"/>
           </a:p>
@@ -4692,7 +4706,7 @@
           <a:p>
             <a:fld id="{48A87A34-81AB-432B-8DAE-1953F412C126}" type="datetimeFigureOut">
               <a:rPr lang="en-US" dirty="0"/>
-              <a:t>8/31/2021</a:t>
+              <a:t>9/14/2021</a:t>
             </a:fld>
             <a:endParaRPr lang="en-US" dirty="0"/>
           </a:p>
@@ -4883,7 +4897,7 @@
           <a:p>
             <a:fld id="{48A87A34-81AB-432B-8DAE-1953F412C126}" type="datetimeFigureOut">
               <a:rPr lang="en-US" dirty="0"/>
-              <a:t>8/31/2021</a:t>
+              <a:t>9/14/2021</a:t>
             </a:fld>
             <a:endParaRPr lang="en-US" dirty="0"/>
           </a:p>
@@ -5141,7 +5155,7 @@
           <a:p>
             <a:fld id="{48A87A34-81AB-432B-8DAE-1953F412C126}" type="datetimeFigureOut">
               <a:rPr lang="en-US" dirty="0"/>
-              <a:t>8/31/2021</a:t>
+              <a:t>9/14/2021</a:t>
             </a:fld>
             <a:endParaRPr lang="en-US" dirty="0"/>
           </a:p>
@@ -5570,7 +5584,7 @@
           <a:p>
             <a:fld id="{48A87A34-81AB-432B-8DAE-1953F412C126}" type="datetimeFigureOut">
               <a:rPr lang="en-US" dirty="0"/>
-              <a:t>8/31/2021</a:t>
+              <a:t>9/14/2021</a:t>
             </a:fld>
             <a:endParaRPr lang="en-US" dirty="0"/>
           </a:p>
@@ -6111,7 +6125,7 @@
           <a:p>
             <a:fld id="{48A87A34-81AB-432B-8DAE-1953F412C126}" type="datetimeFigureOut">
               <a:rPr lang="en-US" dirty="0"/>
-              <a:t>8/31/2021</a:t>
+              <a:t>9/14/2021</a:t>
             </a:fld>
             <a:endParaRPr lang="en-US" dirty="0"/>
           </a:p>
@@ -6826,7 +6840,7 @@
           <a:p>
             <a:fld id="{48A87A34-81AB-432B-8DAE-1953F412C126}" type="datetimeFigureOut">
               <a:rPr lang="en-US" dirty="0"/>
-              <a:t>8/31/2021</a:t>
+              <a:t>9/14/2021</a:t>
             </a:fld>
             <a:endParaRPr lang="en-US" dirty="0"/>
           </a:p>
@@ -6991,7 +7005,7 @@
           <a:p>
             <a:fld id="{48A87A34-81AB-432B-8DAE-1953F412C126}" type="datetimeFigureOut">
               <a:rPr lang="en-US" dirty="0"/>
-              <a:t>8/31/2021</a:t>
+              <a:t>9/14/2021</a:t>
             </a:fld>
             <a:endParaRPr lang="en-US" dirty="0"/>
           </a:p>
@@ -7166,7 +7180,7 @@
           <a:p>
             <a:fld id="{48A87A34-81AB-432B-8DAE-1953F412C126}" type="datetimeFigureOut">
               <a:rPr lang="en-US" dirty="0"/>
-              <a:t>8/31/2021</a:t>
+              <a:t>9/14/2021</a:t>
             </a:fld>
             <a:endParaRPr lang="en-US" dirty="0"/>
           </a:p>
@@ -7331,7 +7345,7 @@
           <a:p>
             <a:fld id="{48A87A34-81AB-432B-8DAE-1953F412C126}" type="datetimeFigureOut">
               <a:rPr lang="en-US" dirty="0"/>
-              <a:t>8/31/2021</a:t>
+              <a:t>9/14/2021</a:t>
             </a:fld>
             <a:endParaRPr lang="en-US" dirty="0"/>
           </a:p>
@@ -7576,7 +7590,7 @@
           <a:p>
             <a:fld id="{48A87A34-81AB-432B-8DAE-1953F412C126}" type="datetimeFigureOut">
               <a:rPr lang="en-US" dirty="0"/>
-              <a:t>8/31/2021</a:t>
+              <a:t>9/14/2021</a:t>
             </a:fld>
             <a:endParaRPr lang="en-US" dirty="0"/>
           </a:p>
@@ -7803,7 +7817,7 @@
           <a:p>
             <a:fld id="{48A87A34-81AB-432B-8DAE-1953F412C126}" type="datetimeFigureOut">
               <a:rPr lang="en-US" dirty="0"/>
-              <a:t>8/31/2021</a:t>
+              <a:t>9/14/2021</a:t>
             </a:fld>
             <a:endParaRPr lang="en-US" dirty="0"/>
           </a:p>
@@ -8179,7 +8193,7 @@
           <a:p>
             <a:fld id="{48A87A34-81AB-432B-8DAE-1953F412C126}" type="datetimeFigureOut">
               <a:rPr lang="en-US" dirty="0"/>
-              <a:t>8/31/2021</a:t>
+              <a:t>9/14/2021</a:t>
             </a:fld>
             <a:endParaRPr lang="en-US" dirty="0"/>
           </a:p>
@@ -8292,7 +8306,7 @@
           <a:p>
             <a:fld id="{48A87A34-81AB-432B-8DAE-1953F412C126}" type="datetimeFigureOut">
               <a:rPr lang="en-US" dirty="0"/>
-              <a:t>8/31/2021</a:t>
+              <a:t>9/14/2021</a:t>
             </a:fld>
             <a:endParaRPr lang="en-US" dirty="0"/>
           </a:p>
@@ -8382,7 +8396,7 @@
           <a:p>
             <a:fld id="{48A87A34-81AB-432B-8DAE-1953F412C126}" type="datetimeFigureOut">
               <a:rPr lang="en-US" dirty="0"/>
-              <a:t>8/31/2021</a:t>
+              <a:t>9/14/2021</a:t>
             </a:fld>
             <a:endParaRPr lang="en-US" dirty="0"/>
           </a:p>
@@ -8626,7 +8640,7 @@
           <a:p>
             <a:fld id="{48A87A34-81AB-432B-8DAE-1953F412C126}" type="datetimeFigureOut">
               <a:rPr lang="en-US" dirty="0"/>
-              <a:t>8/31/2021</a:t>
+              <a:t>9/14/2021</a:t>
             </a:fld>
             <a:endParaRPr lang="en-US" dirty="0"/>
           </a:p>
@@ -8901,7 +8915,7 @@
           <a:p>
             <a:fld id="{48A87A34-81AB-432B-8DAE-1953F412C126}" type="datetimeFigureOut">
               <a:rPr lang="en-US" dirty="0"/>
-              <a:t>8/31/2021</a:t>
+              <a:t>9/14/2021</a:t>
             </a:fld>
             <a:endParaRPr lang="en-US" dirty="0"/>
           </a:p>
@@ -11974,7 +11988,7 @@
             <a:fld id="{48A87A34-81AB-432B-8DAE-1953F412C126}" type="datetimeFigureOut">
               <a:rPr lang="en-US" dirty="0"/>
               <a:pPr/>
-              <a:t>8/31/2021</a:t>
+              <a:t>9/14/2021</a:t>
             </a:fld>
             <a:endParaRPr lang="en-US" dirty="0"/>
           </a:p>
@@ -27040,7 +27054,7 @@
           <a:p>
             <a:r>
               <a:rPr lang="pt-BR" sz="4400" dirty="0" smtClean="0"/>
-              <a:t>Exercícios</a:t>
+              <a:t>Exercício</a:t>
             </a:r>
             <a:endParaRPr lang="pt-BR" sz="4400" dirty="0"/>
           </a:p>
@@ -28615,7 +28629,7 @@
           <a:p>
             <a:r>
               <a:rPr lang="pt-BR" sz="4400" dirty="0" smtClean="0"/>
-              <a:t>Referências</a:t>
+              <a:t>Float</a:t>
             </a:r>
             <a:endParaRPr lang="pt-BR" sz="4400" dirty="0"/>
           </a:p>
@@ -28647,6 +28661,10 @@
           <a:bodyPr/>
           <a:lstStyle/>
           <a:p>
+            <a:r>
+              <a:rPr lang="pt-BR" dirty="0" smtClean="0"/>
+              <a:t>HTML + CSS</a:t>
+            </a:r>
             <a:endParaRPr lang="pt-BR" dirty="0"/>
           </a:p>
         </p:txBody>
@@ -28654,7 +28672,7 @@
     </p:spTree>
     <p:extLst>
       <p:ext uri="{BB962C8B-B14F-4D97-AF65-F5344CB8AC3E}">
-        <p14:creationId xmlns:p14="http://schemas.microsoft.com/office/powerpoint/2010/main" val="1674775517"/>
+        <p14:creationId xmlns:p14="http://schemas.microsoft.com/office/powerpoint/2010/main" val="2233638606"/>
       </p:ext>
     </p:extLst>
   </p:cSld>
@@ -28702,7 +28720,7 @@
         </p:nvSpPr>
         <p:spPr>
           <a:xfrm>
-            <a:off x="914401" y="0"/>
+            <a:off x="892663" y="0"/>
             <a:ext cx="11304103" cy="6858000"/>
           </a:xfrm>
           <a:prstGeom prst="rect">
@@ -28738,122 +28756,9 @@
           <a:lstStyle/>
           <a:p>
             <a:pPr algn="ctr"/>
-            <a:endParaRPr lang="pt-BR" dirty="0"/>
-          </a:p>
-        </p:txBody>
-      </p:sp>
-      <p:sp>
-        <p:nvSpPr>
-          <p:cNvPr id="24" name="CaixaDeTexto 23">
-            <a:extLst>
-              <a:ext uri="{FF2B5EF4-FFF2-40B4-BE49-F238E27FC236}">
-                <a16:creationId xmlns:a16="http://schemas.microsoft.com/office/drawing/2014/main" xmlns="" id="{90B980A2-8D40-4C0A-9871-4FA9794F9C3D}"/>
-              </a:ext>
-            </a:extLst>
-          </p:cNvPr>
-          <p:cNvSpPr txBox="1"/>
-          <p:nvPr/>
-        </p:nvSpPr>
-        <p:spPr>
-          <a:xfrm>
-            <a:off x="1175332" y="179122"/>
-            <a:ext cx="10658859" cy="1631216"/>
-          </a:xfrm>
-          <a:prstGeom prst="rect">
-            <a:avLst/>
-          </a:prstGeom>
-          <a:noFill/>
-        </p:spPr>
-        <p:txBody>
-          <a:bodyPr wrap="square" rtlCol="0">
-            <a:spAutoFit/>
-          </a:bodyPr>
-          <a:lstStyle/>
-          <a:p>
-            <a:pPr algn="just"/>
-            <a:r>
-              <a:rPr lang="pt-BR" sz="2000" dirty="0" smtClean="0">
-                <a:solidFill>
-                  <a:schemeClr val="bg1"/>
-                </a:solidFill>
-              </a:rPr>
-              <a:t>Referências:</a:t>
-            </a:r>
-          </a:p>
-          <a:p>
-            <a:pPr algn="just"/>
-            <a:endParaRPr lang="pt-BR" sz="2000" dirty="0" smtClean="0">
+            <a:endParaRPr lang="pt-BR" sz="2000" dirty="0">
               <a:solidFill>
                 <a:schemeClr val="bg1"/>
-              </a:solidFill>
-            </a:endParaRPr>
-          </a:p>
-          <a:p>
-            <a:pPr algn="just"/>
-            <a:r>
-              <a:rPr lang="pt-BR" sz="2000" dirty="0" smtClean="0">
-                <a:solidFill>
-                  <a:schemeClr val="bg1">
-                    <a:lumMod val="95000"/>
-                    <a:lumOff val="5000"/>
-                  </a:schemeClr>
-                </a:solidFill>
-                <a:hlinkClick r:id="rId2"/>
-              </a:rPr>
-              <a:t>https://code.visualstudio.com/</a:t>
-            </a:r>
-            <a:endParaRPr lang="pt-BR" sz="2000" dirty="0" smtClean="0">
-              <a:solidFill>
-                <a:schemeClr val="bg1">
-                  <a:lumMod val="95000"/>
-                  <a:lumOff val="5000"/>
-                </a:schemeClr>
-              </a:solidFill>
-            </a:endParaRPr>
-          </a:p>
-          <a:p>
-            <a:pPr algn="just"/>
-            <a:r>
-              <a:rPr lang="pt-BR" sz="2000" dirty="0" smtClean="0">
-                <a:solidFill>
-                  <a:schemeClr val="bg1">
-                    <a:lumMod val="95000"/>
-                    <a:lumOff val="5000"/>
-                  </a:schemeClr>
-                </a:solidFill>
-                <a:hlinkClick r:id="rId3"/>
-              </a:rPr>
-              <a:t>https://www.youtube.com/watch?v=_R6YslWRUFk</a:t>
-            </a:r>
-            <a:endParaRPr lang="pt-BR" sz="2000" dirty="0" smtClean="0">
-              <a:solidFill>
-                <a:schemeClr val="bg1">
-                  <a:lumMod val="95000"/>
-                  <a:lumOff val="5000"/>
-                </a:schemeClr>
-              </a:solidFill>
-            </a:endParaRPr>
-          </a:p>
-          <a:p>
-            <a:pPr algn="just"/>
-            <a:r>
-              <a:rPr lang="pt-BR" sz="2000" dirty="0" smtClean="0">
-                <a:solidFill>
-                  <a:schemeClr val="bg1">
-                    <a:lumMod val="95000"/>
-                    <a:lumOff val="5000"/>
-                  </a:schemeClr>
-                </a:solidFill>
-                <a:hlinkClick r:id="rId4"/>
-              </a:rPr>
-              <a:t>https://www.w3schools.com/</a:t>
-            </a:r>
-            <a:endParaRPr lang="pt-BR" sz="2000" dirty="0" smtClean="0">
-              <a:solidFill>
-                <a:schemeClr val="bg1">
-                  <a:lumMod val="95000"/>
-                  <a:lumOff val="5000"/>
-                </a:schemeClr>
               </a:solidFill>
             </a:endParaRPr>
           </a:p>
@@ -28937,10 +28842,3695 @@
           </a:p>
         </p:txBody>
       </p:sp>
+      <p:sp>
+        <p:nvSpPr>
+          <p:cNvPr id="9" name="CaixaDeTexto 8">
+            <a:extLst>
+              <a:ext uri="{FF2B5EF4-FFF2-40B4-BE49-F238E27FC236}">
+                <a16:creationId xmlns:a16="http://schemas.microsoft.com/office/drawing/2014/main" xmlns="" id="{90B980A2-8D40-4C0A-9871-4FA9794F9C3D}"/>
+              </a:ext>
+            </a:extLst>
+          </p:cNvPr>
+          <p:cNvSpPr txBox="1"/>
+          <p:nvPr/>
+        </p:nvSpPr>
+        <p:spPr>
+          <a:xfrm>
+            <a:off x="1215284" y="160337"/>
+            <a:ext cx="10658859" cy="9017853"/>
+          </a:xfrm>
+          <a:prstGeom prst="rect">
+            <a:avLst/>
+          </a:prstGeom>
+          <a:noFill/>
+        </p:spPr>
+        <p:txBody>
+          <a:bodyPr wrap="square" rtlCol="0">
+            <a:spAutoFit/>
+          </a:bodyPr>
+          <a:lstStyle/>
+          <a:p>
+            <a:pPr algn="just"/>
+            <a:r>
+              <a:rPr lang="pt-BR" sz="2000" dirty="0" smtClean="0">
+                <a:solidFill>
+                  <a:schemeClr val="bg1">
+                    <a:lumMod val="95000"/>
+                    <a:lumOff val="5000"/>
+                  </a:schemeClr>
+                </a:solidFill>
+              </a:rPr>
+              <a:t>Para inserir uma div ao lado da outra utilizamos a funcionalidade CSS </a:t>
+            </a:r>
+            <a:r>
+              <a:rPr lang="pt-BR" sz="2000" dirty="0" smtClean="0">
+                <a:solidFill>
+                  <a:srgbClr val="FF0000"/>
+                </a:solidFill>
+              </a:rPr>
+              <a:t>Float, </a:t>
+            </a:r>
+            <a:r>
+              <a:rPr lang="pt-BR" sz="2000" dirty="0" smtClean="0">
+                <a:solidFill>
+                  <a:schemeClr val="bg1"/>
+                </a:solidFill>
+              </a:rPr>
+              <a:t>abaixo vemos uma div pai (div black) e duas divs filhas (div red e div green), </a:t>
+            </a:r>
+            <a:r>
+              <a:rPr lang="pt-BR" sz="2000" dirty="0" smtClean="0">
+                <a:solidFill>
+                  <a:srgbClr val="FF0000"/>
+                </a:solidFill>
+              </a:rPr>
+              <a:t>sem o Float </a:t>
+            </a:r>
+            <a:r>
+              <a:rPr lang="pt-BR" sz="2000" dirty="0" smtClean="0">
+                <a:solidFill>
+                  <a:schemeClr val="bg1"/>
+                </a:solidFill>
+              </a:rPr>
+              <a:t>elas ficam organizadas dessa maneira: </a:t>
+            </a:r>
+            <a:endParaRPr lang="pt-BR" sz="2000" dirty="0">
+              <a:solidFill>
+                <a:schemeClr val="bg1"/>
+              </a:solidFill>
+            </a:endParaRPr>
+          </a:p>
+          <a:p>
+            <a:pPr algn="just"/>
+            <a:endParaRPr lang="pt-BR" sz="2000" dirty="0" smtClean="0">
+              <a:solidFill>
+                <a:schemeClr val="bg1">
+                  <a:lumMod val="95000"/>
+                  <a:lumOff val="5000"/>
+                </a:schemeClr>
+              </a:solidFill>
+            </a:endParaRPr>
+          </a:p>
+          <a:p>
+            <a:pPr algn="just"/>
+            <a:endParaRPr lang="pt-BR" sz="2000" dirty="0">
+              <a:solidFill>
+                <a:schemeClr val="bg1">
+                  <a:lumMod val="95000"/>
+                  <a:lumOff val="5000"/>
+                </a:schemeClr>
+              </a:solidFill>
+            </a:endParaRPr>
+          </a:p>
+          <a:p>
+            <a:pPr algn="just"/>
+            <a:endParaRPr lang="pt-BR" sz="2000" dirty="0" smtClean="0">
+              <a:solidFill>
+                <a:schemeClr val="bg1">
+                  <a:lumMod val="95000"/>
+                  <a:lumOff val="5000"/>
+                </a:schemeClr>
+              </a:solidFill>
+            </a:endParaRPr>
+          </a:p>
+          <a:p>
+            <a:pPr algn="just"/>
+            <a:endParaRPr lang="pt-BR" sz="2000" dirty="0">
+              <a:solidFill>
+                <a:schemeClr val="bg1">
+                  <a:lumMod val="95000"/>
+                  <a:lumOff val="5000"/>
+                </a:schemeClr>
+              </a:solidFill>
+            </a:endParaRPr>
+          </a:p>
+          <a:p>
+            <a:pPr algn="just"/>
+            <a:endParaRPr lang="pt-BR" sz="2000" dirty="0" smtClean="0">
+              <a:solidFill>
+                <a:schemeClr val="bg1">
+                  <a:lumMod val="95000"/>
+                  <a:lumOff val="5000"/>
+                </a:schemeClr>
+              </a:solidFill>
+            </a:endParaRPr>
+          </a:p>
+          <a:p>
+            <a:pPr algn="just"/>
+            <a:endParaRPr lang="pt-BR" sz="2000" dirty="0">
+              <a:solidFill>
+                <a:schemeClr val="bg1">
+                  <a:lumMod val="95000"/>
+                  <a:lumOff val="5000"/>
+                </a:schemeClr>
+              </a:solidFill>
+            </a:endParaRPr>
+          </a:p>
+          <a:p>
+            <a:pPr algn="just"/>
+            <a:endParaRPr lang="pt-BR" sz="2000" dirty="0" smtClean="0">
+              <a:solidFill>
+                <a:schemeClr val="bg1">
+                  <a:lumMod val="95000"/>
+                  <a:lumOff val="5000"/>
+                </a:schemeClr>
+              </a:solidFill>
+            </a:endParaRPr>
+          </a:p>
+          <a:p>
+            <a:pPr algn="just"/>
+            <a:endParaRPr lang="pt-BR" sz="2000" dirty="0">
+              <a:solidFill>
+                <a:schemeClr val="bg1">
+                  <a:lumMod val="95000"/>
+                  <a:lumOff val="5000"/>
+                </a:schemeClr>
+              </a:solidFill>
+            </a:endParaRPr>
+          </a:p>
+          <a:p>
+            <a:pPr algn="just"/>
+            <a:endParaRPr lang="pt-BR" sz="2000" dirty="0" smtClean="0">
+              <a:solidFill>
+                <a:schemeClr val="bg1">
+                  <a:lumMod val="95000"/>
+                  <a:lumOff val="5000"/>
+                </a:schemeClr>
+              </a:solidFill>
+            </a:endParaRPr>
+          </a:p>
+          <a:p>
+            <a:pPr algn="just"/>
+            <a:endParaRPr lang="pt-BR" sz="2000" dirty="0">
+              <a:solidFill>
+                <a:schemeClr val="bg1">
+                  <a:lumMod val="95000"/>
+                  <a:lumOff val="5000"/>
+                </a:schemeClr>
+              </a:solidFill>
+            </a:endParaRPr>
+          </a:p>
+          <a:p>
+            <a:pPr algn="just"/>
+            <a:endParaRPr lang="pt-BR" sz="2000" dirty="0" smtClean="0">
+              <a:solidFill>
+                <a:schemeClr val="bg1">
+                  <a:lumMod val="95000"/>
+                  <a:lumOff val="5000"/>
+                </a:schemeClr>
+              </a:solidFill>
+            </a:endParaRPr>
+          </a:p>
+          <a:p>
+            <a:pPr algn="just"/>
+            <a:endParaRPr lang="pt-BR" sz="2000" dirty="0">
+              <a:solidFill>
+                <a:schemeClr val="bg1">
+                  <a:lumMod val="95000"/>
+                  <a:lumOff val="5000"/>
+                </a:schemeClr>
+              </a:solidFill>
+            </a:endParaRPr>
+          </a:p>
+          <a:p>
+            <a:pPr algn="just"/>
+            <a:endParaRPr lang="pt-BR" sz="2000" dirty="0" smtClean="0">
+              <a:solidFill>
+                <a:schemeClr val="bg1">
+                  <a:lumMod val="95000"/>
+                  <a:lumOff val="5000"/>
+                </a:schemeClr>
+              </a:solidFill>
+            </a:endParaRPr>
+          </a:p>
+          <a:p>
+            <a:pPr algn="just"/>
+            <a:endParaRPr lang="pt-BR" sz="2000" dirty="0">
+              <a:solidFill>
+                <a:schemeClr val="bg1">
+                  <a:lumMod val="95000"/>
+                  <a:lumOff val="5000"/>
+                </a:schemeClr>
+              </a:solidFill>
+            </a:endParaRPr>
+          </a:p>
+          <a:p>
+            <a:pPr algn="just"/>
+            <a:endParaRPr lang="pt-BR" sz="2000" dirty="0" smtClean="0">
+              <a:solidFill>
+                <a:schemeClr val="bg1">
+                  <a:lumMod val="95000"/>
+                  <a:lumOff val="5000"/>
+                </a:schemeClr>
+              </a:solidFill>
+            </a:endParaRPr>
+          </a:p>
+          <a:p>
+            <a:pPr algn="just"/>
+            <a:endParaRPr lang="pt-BR" sz="2000" dirty="0">
+              <a:solidFill>
+                <a:schemeClr val="bg1">
+                  <a:lumMod val="95000"/>
+                  <a:lumOff val="5000"/>
+                </a:schemeClr>
+              </a:solidFill>
+            </a:endParaRPr>
+          </a:p>
+          <a:p>
+            <a:pPr algn="just"/>
+            <a:endParaRPr lang="pt-BR" sz="2000" dirty="0" smtClean="0">
+              <a:solidFill>
+                <a:schemeClr val="bg1">
+                  <a:lumMod val="95000"/>
+                  <a:lumOff val="5000"/>
+                </a:schemeClr>
+              </a:solidFill>
+            </a:endParaRPr>
+          </a:p>
+          <a:p>
+            <a:pPr algn="just"/>
+            <a:endParaRPr lang="pt-BR" sz="2000" dirty="0" smtClean="0">
+              <a:solidFill>
+                <a:schemeClr val="bg1">
+                  <a:lumMod val="95000"/>
+                  <a:lumOff val="5000"/>
+                </a:schemeClr>
+              </a:solidFill>
+            </a:endParaRPr>
+          </a:p>
+          <a:p>
+            <a:pPr algn="just"/>
+            <a:endParaRPr lang="pt-BR" sz="2000" dirty="0">
+              <a:solidFill>
+                <a:schemeClr val="bg1">
+                  <a:lumMod val="95000"/>
+                  <a:lumOff val="5000"/>
+                </a:schemeClr>
+              </a:solidFill>
+            </a:endParaRPr>
+          </a:p>
+          <a:p>
+            <a:pPr algn="just"/>
+            <a:endParaRPr lang="pt-BR" sz="2000" dirty="0">
+              <a:solidFill>
+                <a:schemeClr val="bg1">
+                  <a:lumMod val="95000"/>
+                  <a:lumOff val="5000"/>
+                </a:schemeClr>
+              </a:solidFill>
+            </a:endParaRPr>
+          </a:p>
+          <a:p>
+            <a:pPr algn="just"/>
+            <a:endParaRPr lang="pt-BR" sz="2000" dirty="0" smtClean="0">
+              <a:solidFill>
+                <a:schemeClr val="bg1">
+                  <a:lumMod val="95000"/>
+                  <a:lumOff val="5000"/>
+                </a:schemeClr>
+              </a:solidFill>
+            </a:endParaRPr>
+          </a:p>
+          <a:p>
+            <a:pPr algn="just"/>
+            <a:endParaRPr lang="pt-BR" sz="2000" dirty="0">
+              <a:solidFill>
+                <a:schemeClr val="bg1">
+                  <a:lumMod val="95000"/>
+                  <a:lumOff val="5000"/>
+                </a:schemeClr>
+              </a:solidFill>
+            </a:endParaRPr>
+          </a:p>
+          <a:p>
+            <a:pPr algn="just"/>
+            <a:endParaRPr lang="pt-BR" sz="2000" dirty="0" smtClean="0">
+              <a:solidFill>
+                <a:schemeClr val="bg1">
+                  <a:lumMod val="95000"/>
+                  <a:lumOff val="5000"/>
+                </a:schemeClr>
+              </a:solidFill>
+            </a:endParaRPr>
+          </a:p>
+          <a:p>
+            <a:pPr algn="just"/>
+            <a:endParaRPr lang="pt-BR" sz="2000" dirty="0">
+              <a:solidFill>
+                <a:schemeClr val="bg1">
+                  <a:lumMod val="95000"/>
+                  <a:lumOff val="5000"/>
+                </a:schemeClr>
+              </a:solidFill>
+            </a:endParaRPr>
+          </a:p>
+          <a:p>
+            <a:pPr algn="just"/>
+            <a:endParaRPr lang="pt-BR" sz="2000" dirty="0" smtClean="0">
+              <a:solidFill>
+                <a:schemeClr val="bg1"/>
+              </a:solidFill>
+            </a:endParaRPr>
+          </a:p>
+          <a:p>
+            <a:pPr algn="just"/>
+            <a:endParaRPr lang="pt-BR" sz="2000" dirty="0" smtClean="0">
+              <a:solidFill>
+                <a:schemeClr val="bg1">
+                  <a:lumMod val="95000"/>
+                  <a:lumOff val="5000"/>
+                </a:schemeClr>
+              </a:solidFill>
+            </a:endParaRPr>
+          </a:p>
+        </p:txBody>
+      </p:sp>
+      <p:pic>
+        <p:nvPicPr>
+          <p:cNvPr id="1026" name="Picture 2"/>
+          <p:cNvPicPr>
+            <a:picLocks noChangeAspect="1" noChangeArrowheads="1"/>
+          </p:cNvPicPr>
+          <p:nvPr/>
+        </p:nvPicPr>
+        <p:blipFill>
+          <a:blip r:embed="rId2">
+            <a:extLst>
+              <a:ext uri="{28A0092B-C50C-407E-A947-70E740481C1C}">
+                <a14:useLocalDpi xmlns:a14="http://schemas.microsoft.com/office/drawing/2010/main" val="0"/>
+              </a:ext>
+            </a:extLst>
+          </a:blip>
+          <a:srcRect/>
+          <a:stretch>
+            <a:fillRect/>
+          </a:stretch>
+        </p:blipFill>
+        <p:spPr bwMode="auto">
+          <a:xfrm>
+            <a:off x="1215284" y="1389280"/>
+            <a:ext cx="10658859" cy="4991912"/>
+          </a:xfrm>
+          <a:prstGeom prst="rect">
+            <a:avLst/>
+          </a:prstGeom>
+          <a:noFill/>
+          <a:ln>
+            <a:noFill/>
+          </a:ln>
+          <a:effectLst/>
+          <a:extLst>
+            <a:ext uri="{909E8E84-426E-40DD-AFC4-6F175D3DCCD1}">
+              <a14:hiddenFill xmlns:a14="http://schemas.microsoft.com/office/drawing/2010/main">
+                <a:solidFill>
+                  <a:schemeClr val="accent1"/>
+                </a:solidFill>
+              </a14:hiddenFill>
+            </a:ext>
+            <a:ext uri="{91240B29-F687-4F45-9708-019B960494DF}">
+              <a14:hiddenLine xmlns:a14="http://schemas.microsoft.com/office/drawing/2010/main" w="9525">
+                <a:solidFill>
+                  <a:schemeClr val="tx1"/>
+                </a:solidFill>
+                <a:miter lim="800000"/>
+                <a:headEnd/>
+                <a:tailEnd/>
+              </a14:hiddenLine>
+            </a:ext>
+            <a:ext uri="{AF507438-7753-43E0-B8FC-AC1667EBCBE1}">
+              <a14:hiddenEffects xmlns:a14="http://schemas.microsoft.com/office/drawing/2010/main">
+                <a:effectLst>
+                  <a:outerShdw dist="35921" dir="2700000" algn="ctr" rotWithShape="0">
+                    <a:schemeClr val="bg2"/>
+                  </a:outerShdw>
+                </a:effectLst>
+              </a14:hiddenEffects>
+            </a:ext>
+          </a:extLst>
+        </p:spPr>
+      </p:pic>
     </p:spTree>
     <p:extLst>
       <p:ext uri="{BB962C8B-B14F-4D97-AF65-F5344CB8AC3E}">
-        <p14:creationId xmlns:p14="http://schemas.microsoft.com/office/powerpoint/2010/main" val="2338382631"/>
+        <p14:creationId xmlns:p14="http://schemas.microsoft.com/office/powerpoint/2010/main" val="1433795639"/>
+      </p:ext>
+    </p:extLst>
+  </p:cSld>
+  <p:clrMapOvr>
+    <a:masterClrMapping/>
+  </p:clrMapOvr>
+  <p:timing>
+    <p:tnLst>
+      <p:par>
+        <p:cTn id="1" dur="indefinite" restart="never" nodeType="tmRoot"/>
+      </p:par>
+    </p:tnLst>
+  </p:timing>
+</p:sld>
+</file>
+
+<file path=ppt/slides/slide44.xml><?xml version="1.0" encoding="utf-8"?>
+<p:sld xmlns:a="http://schemas.openxmlformats.org/drawingml/2006/main" xmlns:r="http://schemas.openxmlformats.org/officeDocument/2006/relationships" xmlns:p="http://schemas.openxmlformats.org/presentationml/2006/main">
+  <p:cSld>
+    <p:spTree>
+      <p:nvGrpSpPr>
+        <p:cNvPr id="1" name=""/>
+        <p:cNvGrpSpPr/>
+        <p:nvPr/>
+      </p:nvGrpSpPr>
+      <p:grpSpPr>
+        <a:xfrm>
+          <a:off x="0" y="0"/>
+          <a:ext cx="0" cy="0"/>
+          <a:chOff x="0" y="0"/>
+          <a:chExt cx="0" cy="0"/>
+        </a:xfrm>
+      </p:grpSpPr>
+      <p:sp>
+        <p:nvSpPr>
+          <p:cNvPr id="8" name="Retângulo 7">
+            <a:extLst>
+              <a:ext uri="{FF2B5EF4-FFF2-40B4-BE49-F238E27FC236}">
+                <a16:creationId xmlns:a16="http://schemas.microsoft.com/office/drawing/2014/main" xmlns="" id="{9B33DD69-1761-43D2-B589-CE56D2C4FBB6}"/>
+              </a:ext>
+            </a:extLst>
+          </p:cNvPr>
+          <p:cNvSpPr/>
+          <p:nvPr/>
+        </p:nvSpPr>
+        <p:spPr>
+          <a:xfrm>
+            <a:off x="892663" y="0"/>
+            <a:ext cx="11304103" cy="6858000"/>
+          </a:xfrm>
+          <a:prstGeom prst="rect">
+            <a:avLst/>
+          </a:prstGeom>
+          <a:solidFill>
+            <a:schemeClr val="tx1"/>
+          </a:solidFill>
+          <a:ln>
+            <a:solidFill>
+              <a:schemeClr val="tx1"/>
+            </a:solidFill>
+          </a:ln>
+        </p:spPr>
+        <p:style>
+          <a:lnRef idx="2">
+            <a:schemeClr val="accent1">
+              <a:shade val="50000"/>
+            </a:schemeClr>
+          </a:lnRef>
+          <a:fillRef idx="1">
+            <a:schemeClr val="accent1"/>
+          </a:fillRef>
+          <a:effectRef idx="0">
+            <a:schemeClr val="accent1"/>
+          </a:effectRef>
+          <a:fontRef idx="minor">
+            <a:schemeClr val="lt1"/>
+          </a:fontRef>
+        </p:style>
+        <p:txBody>
+          <a:bodyPr rtlCol="0" anchor="ctr"/>
+          <a:lstStyle/>
+          <a:p>
+            <a:pPr algn="ctr"/>
+            <a:endParaRPr lang="pt-BR" sz="2000" dirty="0">
+              <a:solidFill>
+                <a:schemeClr val="bg1"/>
+              </a:solidFill>
+            </a:endParaRPr>
+          </a:p>
+        </p:txBody>
+      </p:sp>
+      <p:sp>
+        <p:nvSpPr>
+          <p:cNvPr id="3" name="AutoShape 2" descr="Download Visual Studio Code - Mac, Linux, Windows"/>
+          <p:cNvSpPr>
+            <a:spLocks noChangeAspect="1" noChangeArrowheads="1"/>
+          </p:cNvSpPr>
+          <p:nvPr/>
+        </p:nvSpPr>
+        <p:spPr bwMode="auto">
+          <a:xfrm>
+            <a:off x="155575" y="-144463"/>
+            <a:ext cx="304800" cy="304801"/>
+          </a:xfrm>
+          <a:prstGeom prst="rect">
+            <a:avLst/>
+          </a:prstGeom>
+          <a:noFill/>
+          <a:extLst>
+            <a:ext uri="{909E8E84-426E-40DD-AFC4-6F175D3DCCD1}">
+              <a14:hiddenFill xmlns:a14="http://schemas.microsoft.com/office/drawing/2010/main">
+                <a:solidFill>
+                  <a:srgbClr val="FFFFFF"/>
+                </a:solidFill>
+              </a14:hiddenFill>
+            </a:ext>
+          </a:extLst>
+        </p:spPr>
+        <p:txBody>
+          <a:bodyPr vert="horz" wrap="square" lIns="91440" tIns="45720" rIns="91440" bIns="45720" numCol="1" anchor="t" anchorCtr="0" compatLnSpc="1">
+            <a:prstTxWarp prst="textNoShape">
+              <a:avLst/>
+            </a:prstTxWarp>
+          </a:bodyPr>
+          <a:lstStyle/>
+          <a:p>
+            <a:endParaRPr lang="pt-BR"/>
+          </a:p>
+        </p:txBody>
+      </p:sp>
+      <p:sp>
+        <p:nvSpPr>
+          <p:cNvPr id="4" name="AutoShape 4" descr="Download Visual Studio Code - Mac, Linux, Windows"/>
+          <p:cNvSpPr>
+            <a:spLocks noChangeAspect="1" noChangeArrowheads="1"/>
+          </p:cNvSpPr>
+          <p:nvPr/>
+        </p:nvSpPr>
+        <p:spPr bwMode="auto">
+          <a:xfrm>
+            <a:off x="307975" y="7937"/>
+            <a:ext cx="304800" cy="304801"/>
+          </a:xfrm>
+          <a:prstGeom prst="rect">
+            <a:avLst/>
+          </a:prstGeom>
+          <a:noFill/>
+          <a:extLst>
+            <a:ext uri="{909E8E84-426E-40DD-AFC4-6F175D3DCCD1}">
+              <a14:hiddenFill xmlns:a14="http://schemas.microsoft.com/office/drawing/2010/main">
+                <a:solidFill>
+                  <a:srgbClr val="FFFFFF"/>
+                </a:solidFill>
+              </a14:hiddenFill>
+            </a:ext>
+          </a:extLst>
+        </p:spPr>
+        <p:txBody>
+          <a:bodyPr vert="horz" wrap="square" lIns="91440" tIns="45720" rIns="91440" bIns="45720" numCol="1" anchor="t" anchorCtr="0" compatLnSpc="1">
+            <a:prstTxWarp prst="textNoShape">
+              <a:avLst/>
+            </a:prstTxWarp>
+          </a:bodyPr>
+          <a:lstStyle/>
+          <a:p>
+            <a:endParaRPr lang="pt-BR"/>
+          </a:p>
+        </p:txBody>
+      </p:sp>
+      <p:sp>
+        <p:nvSpPr>
+          <p:cNvPr id="9" name="CaixaDeTexto 8">
+            <a:extLst>
+              <a:ext uri="{FF2B5EF4-FFF2-40B4-BE49-F238E27FC236}">
+                <a16:creationId xmlns:a16="http://schemas.microsoft.com/office/drawing/2014/main" xmlns="" id="{90B980A2-8D40-4C0A-9871-4FA9794F9C3D}"/>
+              </a:ext>
+            </a:extLst>
+          </p:cNvPr>
+          <p:cNvSpPr txBox="1"/>
+          <p:nvPr/>
+        </p:nvSpPr>
+        <p:spPr>
+          <a:xfrm>
+            <a:off x="1215284" y="160337"/>
+            <a:ext cx="10658859" cy="8710077"/>
+          </a:xfrm>
+          <a:prstGeom prst="rect">
+            <a:avLst/>
+          </a:prstGeom>
+          <a:noFill/>
+        </p:spPr>
+        <p:txBody>
+          <a:bodyPr wrap="square" rtlCol="0">
+            <a:spAutoFit/>
+          </a:bodyPr>
+          <a:lstStyle/>
+          <a:p>
+            <a:pPr algn="just"/>
+            <a:r>
+              <a:rPr lang="pt-BR" sz="2000" dirty="0" smtClean="0">
+                <a:solidFill>
+                  <a:schemeClr val="bg1">
+                    <a:lumMod val="95000"/>
+                    <a:lumOff val="5000"/>
+                  </a:schemeClr>
+                </a:solidFill>
+              </a:rPr>
+              <a:t>Mas ao adicionarmos o </a:t>
+            </a:r>
+            <a:r>
+              <a:rPr lang="pt-BR" sz="2000" dirty="0" smtClean="0">
+                <a:solidFill>
+                  <a:srgbClr val="FF0000"/>
+                </a:solidFill>
+              </a:rPr>
+              <a:t>Float: Left; </a:t>
+            </a:r>
+            <a:r>
+              <a:rPr lang="pt-BR" sz="2000" dirty="0" smtClean="0">
+                <a:solidFill>
+                  <a:schemeClr val="bg1">
+                    <a:lumMod val="95000"/>
+                    <a:lumOff val="5000"/>
+                  </a:schemeClr>
+                </a:solidFill>
+              </a:rPr>
+              <a:t>nas </a:t>
+            </a:r>
+            <a:r>
+              <a:rPr lang="pt-BR" sz="2000" dirty="0" smtClean="0">
+                <a:solidFill>
+                  <a:srgbClr val="FF0000"/>
+                </a:solidFill>
+              </a:rPr>
+              <a:t>divs filhas </a:t>
+            </a:r>
+            <a:r>
+              <a:rPr lang="pt-BR" sz="2000" dirty="0" smtClean="0">
+                <a:solidFill>
+                  <a:schemeClr val="bg1">
+                    <a:lumMod val="95000"/>
+                    <a:lumOff val="5000"/>
+                  </a:schemeClr>
+                </a:solidFill>
+              </a:rPr>
+              <a:t>elas se </a:t>
+            </a:r>
+            <a:r>
+              <a:rPr lang="pt-BR" sz="2000" dirty="0" smtClean="0">
+                <a:solidFill>
+                  <a:srgbClr val="FF0000"/>
+                </a:solidFill>
+              </a:rPr>
+              <a:t>alinham na horizontal </a:t>
+            </a:r>
+            <a:r>
+              <a:rPr lang="pt-BR" sz="2000" dirty="0" smtClean="0">
+                <a:solidFill>
+                  <a:schemeClr val="bg1"/>
+                </a:solidFill>
+              </a:rPr>
+              <a:t>sempre iniciando da esquerda para a direita</a:t>
+            </a:r>
+            <a:r>
+              <a:rPr lang="pt-BR" sz="2000" dirty="0" smtClean="0">
+                <a:solidFill>
+                  <a:schemeClr val="bg1">
+                    <a:lumMod val="95000"/>
+                    <a:lumOff val="5000"/>
+                  </a:schemeClr>
+                </a:solidFill>
+              </a:rPr>
+              <a:t>:</a:t>
+            </a:r>
+            <a:endParaRPr lang="pt-BR" sz="2000" dirty="0">
+              <a:solidFill>
+                <a:schemeClr val="bg1"/>
+              </a:solidFill>
+            </a:endParaRPr>
+          </a:p>
+          <a:p>
+            <a:pPr algn="just"/>
+            <a:endParaRPr lang="pt-BR" sz="2000" dirty="0" smtClean="0">
+              <a:solidFill>
+                <a:schemeClr val="bg1">
+                  <a:lumMod val="95000"/>
+                  <a:lumOff val="5000"/>
+                </a:schemeClr>
+              </a:solidFill>
+            </a:endParaRPr>
+          </a:p>
+          <a:p>
+            <a:pPr algn="just"/>
+            <a:endParaRPr lang="pt-BR" sz="2000" dirty="0">
+              <a:solidFill>
+                <a:schemeClr val="bg1">
+                  <a:lumMod val="95000"/>
+                  <a:lumOff val="5000"/>
+                </a:schemeClr>
+              </a:solidFill>
+            </a:endParaRPr>
+          </a:p>
+          <a:p>
+            <a:pPr algn="just"/>
+            <a:endParaRPr lang="pt-BR" sz="2000" dirty="0" smtClean="0">
+              <a:solidFill>
+                <a:schemeClr val="bg1">
+                  <a:lumMod val="95000"/>
+                  <a:lumOff val="5000"/>
+                </a:schemeClr>
+              </a:solidFill>
+            </a:endParaRPr>
+          </a:p>
+          <a:p>
+            <a:pPr algn="just"/>
+            <a:endParaRPr lang="pt-BR" sz="2000" dirty="0">
+              <a:solidFill>
+                <a:schemeClr val="bg1">
+                  <a:lumMod val="95000"/>
+                  <a:lumOff val="5000"/>
+                </a:schemeClr>
+              </a:solidFill>
+            </a:endParaRPr>
+          </a:p>
+          <a:p>
+            <a:pPr algn="just"/>
+            <a:endParaRPr lang="pt-BR" sz="2000" dirty="0" smtClean="0">
+              <a:solidFill>
+                <a:schemeClr val="bg1">
+                  <a:lumMod val="95000"/>
+                  <a:lumOff val="5000"/>
+                </a:schemeClr>
+              </a:solidFill>
+            </a:endParaRPr>
+          </a:p>
+          <a:p>
+            <a:pPr algn="just"/>
+            <a:endParaRPr lang="pt-BR" sz="2000" dirty="0">
+              <a:solidFill>
+                <a:schemeClr val="bg1">
+                  <a:lumMod val="95000"/>
+                  <a:lumOff val="5000"/>
+                </a:schemeClr>
+              </a:solidFill>
+            </a:endParaRPr>
+          </a:p>
+          <a:p>
+            <a:pPr algn="just"/>
+            <a:endParaRPr lang="pt-BR" sz="2000" dirty="0" smtClean="0">
+              <a:solidFill>
+                <a:schemeClr val="bg1">
+                  <a:lumMod val="95000"/>
+                  <a:lumOff val="5000"/>
+                </a:schemeClr>
+              </a:solidFill>
+            </a:endParaRPr>
+          </a:p>
+          <a:p>
+            <a:pPr algn="just"/>
+            <a:endParaRPr lang="pt-BR" sz="2000" dirty="0">
+              <a:solidFill>
+                <a:schemeClr val="bg1">
+                  <a:lumMod val="95000"/>
+                  <a:lumOff val="5000"/>
+                </a:schemeClr>
+              </a:solidFill>
+            </a:endParaRPr>
+          </a:p>
+          <a:p>
+            <a:pPr algn="just"/>
+            <a:endParaRPr lang="pt-BR" sz="2000" dirty="0" smtClean="0">
+              <a:solidFill>
+                <a:schemeClr val="bg1">
+                  <a:lumMod val="95000"/>
+                  <a:lumOff val="5000"/>
+                </a:schemeClr>
+              </a:solidFill>
+            </a:endParaRPr>
+          </a:p>
+          <a:p>
+            <a:pPr algn="just"/>
+            <a:endParaRPr lang="pt-BR" sz="2000" dirty="0">
+              <a:solidFill>
+                <a:schemeClr val="bg1">
+                  <a:lumMod val="95000"/>
+                  <a:lumOff val="5000"/>
+                </a:schemeClr>
+              </a:solidFill>
+            </a:endParaRPr>
+          </a:p>
+          <a:p>
+            <a:pPr algn="just"/>
+            <a:endParaRPr lang="pt-BR" sz="2000" dirty="0" smtClean="0">
+              <a:solidFill>
+                <a:schemeClr val="bg1">
+                  <a:lumMod val="95000"/>
+                  <a:lumOff val="5000"/>
+                </a:schemeClr>
+              </a:solidFill>
+            </a:endParaRPr>
+          </a:p>
+          <a:p>
+            <a:pPr algn="just"/>
+            <a:endParaRPr lang="pt-BR" sz="2000" dirty="0">
+              <a:solidFill>
+                <a:schemeClr val="bg1">
+                  <a:lumMod val="95000"/>
+                  <a:lumOff val="5000"/>
+                </a:schemeClr>
+              </a:solidFill>
+            </a:endParaRPr>
+          </a:p>
+          <a:p>
+            <a:pPr algn="just"/>
+            <a:endParaRPr lang="pt-BR" sz="2000" dirty="0" smtClean="0">
+              <a:solidFill>
+                <a:schemeClr val="bg1">
+                  <a:lumMod val="95000"/>
+                  <a:lumOff val="5000"/>
+                </a:schemeClr>
+              </a:solidFill>
+            </a:endParaRPr>
+          </a:p>
+          <a:p>
+            <a:pPr algn="just"/>
+            <a:endParaRPr lang="pt-BR" sz="2000" dirty="0">
+              <a:solidFill>
+                <a:schemeClr val="bg1">
+                  <a:lumMod val="95000"/>
+                  <a:lumOff val="5000"/>
+                </a:schemeClr>
+              </a:solidFill>
+            </a:endParaRPr>
+          </a:p>
+          <a:p>
+            <a:pPr algn="just"/>
+            <a:endParaRPr lang="pt-BR" sz="2000" dirty="0" smtClean="0">
+              <a:solidFill>
+                <a:schemeClr val="bg1">
+                  <a:lumMod val="95000"/>
+                  <a:lumOff val="5000"/>
+                </a:schemeClr>
+              </a:solidFill>
+            </a:endParaRPr>
+          </a:p>
+          <a:p>
+            <a:pPr algn="just"/>
+            <a:endParaRPr lang="pt-BR" sz="2000" dirty="0">
+              <a:solidFill>
+                <a:schemeClr val="bg1">
+                  <a:lumMod val="95000"/>
+                  <a:lumOff val="5000"/>
+                </a:schemeClr>
+              </a:solidFill>
+            </a:endParaRPr>
+          </a:p>
+          <a:p>
+            <a:pPr algn="just"/>
+            <a:endParaRPr lang="pt-BR" sz="2000" dirty="0" smtClean="0">
+              <a:solidFill>
+                <a:schemeClr val="bg1">
+                  <a:lumMod val="95000"/>
+                  <a:lumOff val="5000"/>
+                </a:schemeClr>
+              </a:solidFill>
+            </a:endParaRPr>
+          </a:p>
+          <a:p>
+            <a:pPr algn="just"/>
+            <a:endParaRPr lang="pt-BR" sz="2000" dirty="0" smtClean="0">
+              <a:solidFill>
+                <a:schemeClr val="bg1">
+                  <a:lumMod val="95000"/>
+                  <a:lumOff val="5000"/>
+                </a:schemeClr>
+              </a:solidFill>
+            </a:endParaRPr>
+          </a:p>
+          <a:p>
+            <a:pPr algn="just"/>
+            <a:endParaRPr lang="pt-BR" sz="2000" dirty="0">
+              <a:solidFill>
+                <a:schemeClr val="bg1">
+                  <a:lumMod val="95000"/>
+                  <a:lumOff val="5000"/>
+                </a:schemeClr>
+              </a:solidFill>
+            </a:endParaRPr>
+          </a:p>
+          <a:p>
+            <a:pPr algn="just"/>
+            <a:endParaRPr lang="pt-BR" sz="2000" dirty="0">
+              <a:solidFill>
+                <a:schemeClr val="bg1">
+                  <a:lumMod val="95000"/>
+                  <a:lumOff val="5000"/>
+                </a:schemeClr>
+              </a:solidFill>
+            </a:endParaRPr>
+          </a:p>
+          <a:p>
+            <a:pPr algn="just"/>
+            <a:endParaRPr lang="pt-BR" sz="2000" dirty="0" smtClean="0">
+              <a:solidFill>
+                <a:schemeClr val="bg1">
+                  <a:lumMod val="95000"/>
+                  <a:lumOff val="5000"/>
+                </a:schemeClr>
+              </a:solidFill>
+            </a:endParaRPr>
+          </a:p>
+          <a:p>
+            <a:pPr algn="just"/>
+            <a:endParaRPr lang="pt-BR" sz="2000" dirty="0">
+              <a:solidFill>
+                <a:schemeClr val="bg1">
+                  <a:lumMod val="95000"/>
+                  <a:lumOff val="5000"/>
+                </a:schemeClr>
+              </a:solidFill>
+            </a:endParaRPr>
+          </a:p>
+          <a:p>
+            <a:pPr algn="just"/>
+            <a:endParaRPr lang="pt-BR" sz="2000" dirty="0" smtClean="0">
+              <a:solidFill>
+                <a:schemeClr val="bg1">
+                  <a:lumMod val="95000"/>
+                  <a:lumOff val="5000"/>
+                </a:schemeClr>
+              </a:solidFill>
+            </a:endParaRPr>
+          </a:p>
+          <a:p>
+            <a:pPr algn="just"/>
+            <a:endParaRPr lang="pt-BR" sz="2000" dirty="0">
+              <a:solidFill>
+                <a:schemeClr val="bg1">
+                  <a:lumMod val="95000"/>
+                  <a:lumOff val="5000"/>
+                </a:schemeClr>
+              </a:solidFill>
+            </a:endParaRPr>
+          </a:p>
+          <a:p>
+            <a:pPr algn="just"/>
+            <a:endParaRPr lang="pt-BR" sz="2000" dirty="0" smtClean="0">
+              <a:solidFill>
+                <a:schemeClr val="bg1"/>
+              </a:solidFill>
+            </a:endParaRPr>
+          </a:p>
+          <a:p>
+            <a:pPr algn="just"/>
+            <a:endParaRPr lang="pt-BR" sz="2000" dirty="0" smtClean="0">
+              <a:solidFill>
+                <a:schemeClr val="bg1">
+                  <a:lumMod val="95000"/>
+                  <a:lumOff val="5000"/>
+                </a:schemeClr>
+              </a:solidFill>
+            </a:endParaRPr>
+          </a:p>
+        </p:txBody>
+      </p:sp>
+      <p:pic>
+        <p:nvPicPr>
+          <p:cNvPr id="2050" name="Picture 2"/>
+          <p:cNvPicPr>
+            <a:picLocks noChangeAspect="1" noChangeArrowheads="1"/>
+          </p:cNvPicPr>
+          <p:nvPr/>
+        </p:nvPicPr>
+        <p:blipFill>
+          <a:blip r:embed="rId2">
+            <a:extLst>
+              <a:ext uri="{28A0092B-C50C-407E-A947-70E740481C1C}">
+                <a14:useLocalDpi xmlns:a14="http://schemas.microsoft.com/office/drawing/2010/main" val="0"/>
+              </a:ext>
+            </a:extLst>
+          </a:blip>
+          <a:srcRect/>
+          <a:stretch>
+            <a:fillRect/>
+          </a:stretch>
+        </p:blipFill>
+        <p:spPr bwMode="auto">
+          <a:xfrm>
+            <a:off x="1215284" y="1428701"/>
+            <a:ext cx="10658859" cy="4881612"/>
+          </a:xfrm>
+          <a:prstGeom prst="rect">
+            <a:avLst/>
+          </a:prstGeom>
+          <a:noFill/>
+          <a:ln>
+            <a:noFill/>
+          </a:ln>
+          <a:effectLst/>
+          <a:extLst>
+            <a:ext uri="{909E8E84-426E-40DD-AFC4-6F175D3DCCD1}">
+              <a14:hiddenFill xmlns:a14="http://schemas.microsoft.com/office/drawing/2010/main">
+                <a:solidFill>
+                  <a:schemeClr val="accent1"/>
+                </a:solidFill>
+              </a14:hiddenFill>
+            </a:ext>
+            <a:ext uri="{91240B29-F687-4F45-9708-019B960494DF}">
+              <a14:hiddenLine xmlns:a14="http://schemas.microsoft.com/office/drawing/2010/main" w="9525">
+                <a:solidFill>
+                  <a:schemeClr val="tx1"/>
+                </a:solidFill>
+                <a:miter lim="800000"/>
+                <a:headEnd/>
+                <a:tailEnd/>
+              </a14:hiddenLine>
+            </a:ext>
+            <a:ext uri="{AF507438-7753-43E0-B8FC-AC1667EBCBE1}">
+              <a14:hiddenEffects xmlns:a14="http://schemas.microsoft.com/office/drawing/2010/main">
+                <a:effectLst>
+                  <a:outerShdw dist="35921" dir="2700000" algn="ctr" rotWithShape="0">
+                    <a:schemeClr val="bg2"/>
+                  </a:outerShdw>
+                </a:effectLst>
+              </a14:hiddenEffects>
+            </a:ext>
+          </a:extLst>
+        </p:spPr>
+      </p:pic>
+    </p:spTree>
+    <p:extLst>
+      <p:ext uri="{BB962C8B-B14F-4D97-AF65-F5344CB8AC3E}">
+        <p14:creationId xmlns:p14="http://schemas.microsoft.com/office/powerpoint/2010/main" val="2141626918"/>
+      </p:ext>
+    </p:extLst>
+  </p:cSld>
+  <p:clrMapOvr>
+    <a:masterClrMapping/>
+  </p:clrMapOvr>
+  <p:timing>
+    <p:tnLst>
+      <p:par>
+        <p:cTn id="1" dur="indefinite" restart="never" nodeType="tmRoot"/>
+      </p:par>
+    </p:tnLst>
+  </p:timing>
+</p:sld>
+</file>
+
+<file path=ppt/slides/slide45.xml><?xml version="1.0" encoding="utf-8"?>
+<p:sld xmlns:a="http://schemas.openxmlformats.org/drawingml/2006/main" xmlns:r="http://schemas.openxmlformats.org/officeDocument/2006/relationships" xmlns:p="http://schemas.openxmlformats.org/presentationml/2006/main">
+  <p:cSld>
+    <p:spTree>
+      <p:nvGrpSpPr>
+        <p:cNvPr id="1" name=""/>
+        <p:cNvGrpSpPr/>
+        <p:nvPr/>
+      </p:nvGrpSpPr>
+      <p:grpSpPr>
+        <a:xfrm>
+          <a:off x="0" y="0"/>
+          <a:ext cx="0" cy="0"/>
+          <a:chOff x="0" y="0"/>
+          <a:chExt cx="0" cy="0"/>
+        </a:xfrm>
+      </p:grpSpPr>
+      <p:sp>
+        <p:nvSpPr>
+          <p:cNvPr id="8" name="Retângulo 7">
+            <a:extLst>
+              <a:ext uri="{FF2B5EF4-FFF2-40B4-BE49-F238E27FC236}">
+                <a16:creationId xmlns:a16="http://schemas.microsoft.com/office/drawing/2014/main" xmlns="" id="{9B33DD69-1761-43D2-B589-CE56D2C4FBB6}"/>
+              </a:ext>
+            </a:extLst>
+          </p:cNvPr>
+          <p:cNvSpPr/>
+          <p:nvPr/>
+        </p:nvSpPr>
+        <p:spPr>
+          <a:xfrm>
+            <a:off x="892663" y="0"/>
+            <a:ext cx="11304103" cy="6858000"/>
+          </a:xfrm>
+          <a:prstGeom prst="rect">
+            <a:avLst/>
+          </a:prstGeom>
+          <a:solidFill>
+            <a:schemeClr val="tx1"/>
+          </a:solidFill>
+          <a:ln>
+            <a:solidFill>
+              <a:schemeClr val="tx1"/>
+            </a:solidFill>
+          </a:ln>
+        </p:spPr>
+        <p:style>
+          <a:lnRef idx="2">
+            <a:schemeClr val="accent1">
+              <a:shade val="50000"/>
+            </a:schemeClr>
+          </a:lnRef>
+          <a:fillRef idx="1">
+            <a:schemeClr val="accent1"/>
+          </a:fillRef>
+          <a:effectRef idx="0">
+            <a:schemeClr val="accent1"/>
+          </a:effectRef>
+          <a:fontRef idx="minor">
+            <a:schemeClr val="lt1"/>
+          </a:fontRef>
+        </p:style>
+        <p:txBody>
+          <a:bodyPr rtlCol="0" anchor="ctr"/>
+          <a:lstStyle/>
+          <a:p>
+            <a:pPr algn="ctr"/>
+            <a:endParaRPr lang="pt-BR" sz="2000" dirty="0">
+              <a:solidFill>
+                <a:schemeClr val="bg1"/>
+              </a:solidFill>
+            </a:endParaRPr>
+          </a:p>
+        </p:txBody>
+      </p:sp>
+      <p:sp>
+        <p:nvSpPr>
+          <p:cNvPr id="3" name="AutoShape 2" descr="Download Visual Studio Code - Mac, Linux, Windows"/>
+          <p:cNvSpPr>
+            <a:spLocks noChangeAspect="1" noChangeArrowheads="1"/>
+          </p:cNvSpPr>
+          <p:nvPr/>
+        </p:nvSpPr>
+        <p:spPr bwMode="auto">
+          <a:xfrm>
+            <a:off x="155575" y="-144463"/>
+            <a:ext cx="304800" cy="304801"/>
+          </a:xfrm>
+          <a:prstGeom prst="rect">
+            <a:avLst/>
+          </a:prstGeom>
+          <a:noFill/>
+          <a:extLst>
+            <a:ext uri="{909E8E84-426E-40DD-AFC4-6F175D3DCCD1}">
+              <a14:hiddenFill xmlns:a14="http://schemas.microsoft.com/office/drawing/2010/main">
+                <a:solidFill>
+                  <a:srgbClr val="FFFFFF"/>
+                </a:solidFill>
+              </a14:hiddenFill>
+            </a:ext>
+          </a:extLst>
+        </p:spPr>
+        <p:txBody>
+          <a:bodyPr vert="horz" wrap="square" lIns="91440" tIns="45720" rIns="91440" bIns="45720" numCol="1" anchor="t" anchorCtr="0" compatLnSpc="1">
+            <a:prstTxWarp prst="textNoShape">
+              <a:avLst/>
+            </a:prstTxWarp>
+          </a:bodyPr>
+          <a:lstStyle/>
+          <a:p>
+            <a:endParaRPr lang="pt-BR"/>
+          </a:p>
+        </p:txBody>
+      </p:sp>
+      <p:sp>
+        <p:nvSpPr>
+          <p:cNvPr id="4" name="AutoShape 4" descr="Download Visual Studio Code - Mac, Linux, Windows"/>
+          <p:cNvSpPr>
+            <a:spLocks noChangeAspect="1" noChangeArrowheads="1"/>
+          </p:cNvSpPr>
+          <p:nvPr/>
+        </p:nvSpPr>
+        <p:spPr bwMode="auto">
+          <a:xfrm>
+            <a:off x="307975" y="7937"/>
+            <a:ext cx="304800" cy="304801"/>
+          </a:xfrm>
+          <a:prstGeom prst="rect">
+            <a:avLst/>
+          </a:prstGeom>
+          <a:noFill/>
+          <a:extLst>
+            <a:ext uri="{909E8E84-426E-40DD-AFC4-6F175D3DCCD1}">
+              <a14:hiddenFill xmlns:a14="http://schemas.microsoft.com/office/drawing/2010/main">
+                <a:solidFill>
+                  <a:srgbClr val="FFFFFF"/>
+                </a:solidFill>
+              </a14:hiddenFill>
+            </a:ext>
+          </a:extLst>
+        </p:spPr>
+        <p:txBody>
+          <a:bodyPr vert="horz" wrap="square" lIns="91440" tIns="45720" rIns="91440" bIns="45720" numCol="1" anchor="t" anchorCtr="0" compatLnSpc="1">
+            <a:prstTxWarp prst="textNoShape">
+              <a:avLst/>
+            </a:prstTxWarp>
+          </a:bodyPr>
+          <a:lstStyle/>
+          <a:p>
+            <a:endParaRPr lang="pt-BR"/>
+          </a:p>
+        </p:txBody>
+      </p:sp>
+      <p:sp>
+        <p:nvSpPr>
+          <p:cNvPr id="9" name="CaixaDeTexto 8">
+            <a:extLst>
+              <a:ext uri="{FF2B5EF4-FFF2-40B4-BE49-F238E27FC236}">
+                <a16:creationId xmlns:a16="http://schemas.microsoft.com/office/drawing/2014/main" xmlns="" id="{90B980A2-8D40-4C0A-9871-4FA9794F9C3D}"/>
+              </a:ext>
+            </a:extLst>
+          </p:cNvPr>
+          <p:cNvSpPr txBox="1"/>
+          <p:nvPr/>
+        </p:nvSpPr>
+        <p:spPr>
+          <a:xfrm>
+            <a:off x="1215284" y="160337"/>
+            <a:ext cx="10658859" cy="8710077"/>
+          </a:xfrm>
+          <a:prstGeom prst="rect">
+            <a:avLst/>
+          </a:prstGeom>
+          <a:noFill/>
+        </p:spPr>
+        <p:txBody>
+          <a:bodyPr wrap="square" rtlCol="0">
+            <a:spAutoFit/>
+          </a:bodyPr>
+          <a:lstStyle/>
+          <a:p>
+            <a:pPr algn="just"/>
+            <a:r>
+              <a:rPr lang="pt-BR" sz="2000" dirty="0" smtClean="0">
+                <a:solidFill>
+                  <a:schemeClr val="bg1"/>
+                </a:solidFill>
+              </a:rPr>
+              <a:t>Para iniciar a regra da horizontal pela </a:t>
+            </a:r>
+            <a:r>
+              <a:rPr lang="pt-BR" sz="2000" dirty="0" smtClean="0">
+                <a:solidFill>
+                  <a:srgbClr val="FF0000"/>
+                </a:solidFill>
+              </a:rPr>
+              <a:t>direita</a:t>
+            </a:r>
+            <a:r>
+              <a:rPr lang="pt-BR" sz="2000" dirty="0" smtClean="0">
+                <a:solidFill>
+                  <a:schemeClr val="bg1"/>
+                </a:solidFill>
+              </a:rPr>
+              <a:t> utilizamos o </a:t>
+            </a:r>
+            <a:r>
+              <a:rPr lang="pt-BR" sz="2000" dirty="0" smtClean="0">
+                <a:solidFill>
+                  <a:srgbClr val="FF0000"/>
+                </a:solidFill>
+              </a:rPr>
+              <a:t>Float: Rigth;:</a:t>
+            </a:r>
+            <a:endParaRPr lang="pt-BR" sz="2000" dirty="0">
+              <a:solidFill>
+                <a:srgbClr val="FF0000"/>
+              </a:solidFill>
+            </a:endParaRPr>
+          </a:p>
+          <a:p>
+            <a:pPr algn="just"/>
+            <a:endParaRPr lang="pt-BR" sz="2000" dirty="0" smtClean="0">
+              <a:solidFill>
+                <a:schemeClr val="bg1">
+                  <a:lumMod val="95000"/>
+                  <a:lumOff val="5000"/>
+                </a:schemeClr>
+              </a:solidFill>
+            </a:endParaRPr>
+          </a:p>
+          <a:p>
+            <a:pPr algn="just"/>
+            <a:endParaRPr lang="pt-BR" sz="2000" dirty="0">
+              <a:solidFill>
+                <a:schemeClr val="bg1">
+                  <a:lumMod val="95000"/>
+                  <a:lumOff val="5000"/>
+                </a:schemeClr>
+              </a:solidFill>
+            </a:endParaRPr>
+          </a:p>
+          <a:p>
+            <a:pPr algn="just"/>
+            <a:endParaRPr lang="pt-BR" sz="2000" dirty="0" smtClean="0">
+              <a:solidFill>
+                <a:schemeClr val="bg1">
+                  <a:lumMod val="95000"/>
+                  <a:lumOff val="5000"/>
+                </a:schemeClr>
+              </a:solidFill>
+            </a:endParaRPr>
+          </a:p>
+          <a:p>
+            <a:pPr algn="just"/>
+            <a:endParaRPr lang="pt-BR" sz="2000" dirty="0">
+              <a:solidFill>
+                <a:schemeClr val="bg1">
+                  <a:lumMod val="95000"/>
+                  <a:lumOff val="5000"/>
+                </a:schemeClr>
+              </a:solidFill>
+            </a:endParaRPr>
+          </a:p>
+          <a:p>
+            <a:pPr algn="just"/>
+            <a:endParaRPr lang="pt-BR" sz="2000" dirty="0" smtClean="0">
+              <a:solidFill>
+                <a:schemeClr val="bg1">
+                  <a:lumMod val="95000"/>
+                  <a:lumOff val="5000"/>
+                </a:schemeClr>
+              </a:solidFill>
+            </a:endParaRPr>
+          </a:p>
+          <a:p>
+            <a:pPr algn="just"/>
+            <a:endParaRPr lang="pt-BR" sz="2000" dirty="0">
+              <a:solidFill>
+                <a:schemeClr val="bg1">
+                  <a:lumMod val="95000"/>
+                  <a:lumOff val="5000"/>
+                </a:schemeClr>
+              </a:solidFill>
+            </a:endParaRPr>
+          </a:p>
+          <a:p>
+            <a:pPr algn="just"/>
+            <a:endParaRPr lang="pt-BR" sz="2000" dirty="0" smtClean="0">
+              <a:solidFill>
+                <a:schemeClr val="bg1">
+                  <a:lumMod val="95000"/>
+                  <a:lumOff val="5000"/>
+                </a:schemeClr>
+              </a:solidFill>
+            </a:endParaRPr>
+          </a:p>
+          <a:p>
+            <a:pPr algn="just"/>
+            <a:endParaRPr lang="pt-BR" sz="2000" dirty="0">
+              <a:solidFill>
+                <a:schemeClr val="bg1">
+                  <a:lumMod val="95000"/>
+                  <a:lumOff val="5000"/>
+                </a:schemeClr>
+              </a:solidFill>
+            </a:endParaRPr>
+          </a:p>
+          <a:p>
+            <a:pPr algn="just"/>
+            <a:endParaRPr lang="pt-BR" sz="2000" dirty="0" smtClean="0">
+              <a:solidFill>
+                <a:schemeClr val="bg1">
+                  <a:lumMod val="95000"/>
+                  <a:lumOff val="5000"/>
+                </a:schemeClr>
+              </a:solidFill>
+            </a:endParaRPr>
+          </a:p>
+          <a:p>
+            <a:pPr algn="just"/>
+            <a:endParaRPr lang="pt-BR" sz="2000" dirty="0">
+              <a:solidFill>
+                <a:schemeClr val="bg1">
+                  <a:lumMod val="95000"/>
+                  <a:lumOff val="5000"/>
+                </a:schemeClr>
+              </a:solidFill>
+            </a:endParaRPr>
+          </a:p>
+          <a:p>
+            <a:pPr algn="just"/>
+            <a:endParaRPr lang="pt-BR" sz="2000" dirty="0" smtClean="0">
+              <a:solidFill>
+                <a:schemeClr val="bg1">
+                  <a:lumMod val="95000"/>
+                  <a:lumOff val="5000"/>
+                </a:schemeClr>
+              </a:solidFill>
+            </a:endParaRPr>
+          </a:p>
+          <a:p>
+            <a:pPr algn="just"/>
+            <a:endParaRPr lang="pt-BR" sz="2000" dirty="0">
+              <a:solidFill>
+                <a:schemeClr val="bg1">
+                  <a:lumMod val="95000"/>
+                  <a:lumOff val="5000"/>
+                </a:schemeClr>
+              </a:solidFill>
+            </a:endParaRPr>
+          </a:p>
+          <a:p>
+            <a:pPr algn="just"/>
+            <a:endParaRPr lang="pt-BR" sz="2000" dirty="0" smtClean="0">
+              <a:solidFill>
+                <a:schemeClr val="bg1">
+                  <a:lumMod val="95000"/>
+                  <a:lumOff val="5000"/>
+                </a:schemeClr>
+              </a:solidFill>
+            </a:endParaRPr>
+          </a:p>
+          <a:p>
+            <a:pPr algn="just"/>
+            <a:endParaRPr lang="pt-BR" sz="2000" dirty="0">
+              <a:solidFill>
+                <a:schemeClr val="bg1">
+                  <a:lumMod val="95000"/>
+                  <a:lumOff val="5000"/>
+                </a:schemeClr>
+              </a:solidFill>
+            </a:endParaRPr>
+          </a:p>
+          <a:p>
+            <a:pPr algn="just"/>
+            <a:endParaRPr lang="pt-BR" sz="2000" dirty="0" smtClean="0">
+              <a:solidFill>
+                <a:schemeClr val="bg1">
+                  <a:lumMod val="95000"/>
+                  <a:lumOff val="5000"/>
+                </a:schemeClr>
+              </a:solidFill>
+            </a:endParaRPr>
+          </a:p>
+          <a:p>
+            <a:pPr algn="just"/>
+            <a:endParaRPr lang="pt-BR" sz="2000" dirty="0">
+              <a:solidFill>
+                <a:schemeClr val="bg1">
+                  <a:lumMod val="95000"/>
+                  <a:lumOff val="5000"/>
+                </a:schemeClr>
+              </a:solidFill>
+            </a:endParaRPr>
+          </a:p>
+          <a:p>
+            <a:pPr algn="just"/>
+            <a:endParaRPr lang="pt-BR" sz="2000" dirty="0" smtClean="0">
+              <a:solidFill>
+                <a:schemeClr val="bg1">
+                  <a:lumMod val="95000"/>
+                  <a:lumOff val="5000"/>
+                </a:schemeClr>
+              </a:solidFill>
+            </a:endParaRPr>
+          </a:p>
+          <a:p>
+            <a:pPr algn="just"/>
+            <a:endParaRPr lang="pt-BR" sz="2000" dirty="0" smtClean="0">
+              <a:solidFill>
+                <a:schemeClr val="bg1">
+                  <a:lumMod val="95000"/>
+                  <a:lumOff val="5000"/>
+                </a:schemeClr>
+              </a:solidFill>
+            </a:endParaRPr>
+          </a:p>
+          <a:p>
+            <a:pPr algn="just"/>
+            <a:endParaRPr lang="pt-BR" sz="2000" dirty="0">
+              <a:solidFill>
+                <a:schemeClr val="bg1">
+                  <a:lumMod val="95000"/>
+                  <a:lumOff val="5000"/>
+                </a:schemeClr>
+              </a:solidFill>
+            </a:endParaRPr>
+          </a:p>
+          <a:p>
+            <a:pPr algn="just"/>
+            <a:endParaRPr lang="pt-BR" sz="2000" dirty="0">
+              <a:solidFill>
+                <a:schemeClr val="bg1">
+                  <a:lumMod val="95000"/>
+                  <a:lumOff val="5000"/>
+                </a:schemeClr>
+              </a:solidFill>
+            </a:endParaRPr>
+          </a:p>
+          <a:p>
+            <a:pPr algn="just"/>
+            <a:endParaRPr lang="pt-BR" sz="2000" dirty="0" smtClean="0">
+              <a:solidFill>
+                <a:schemeClr val="bg1">
+                  <a:lumMod val="95000"/>
+                  <a:lumOff val="5000"/>
+                </a:schemeClr>
+              </a:solidFill>
+            </a:endParaRPr>
+          </a:p>
+          <a:p>
+            <a:pPr algn="just"/>
+            <a:endParaRPr lang="pt-BR" sz="2000" dirty="0">
+              <a:solidFill>
+                <a:schemeClr val="bg1">
+                  <a:lumMod val="95000"/>
+                  <a:lumOff val="5000"/>
+                </a:schemeClr>
+              </a:solidFill>
+            </a:endParaRPr>
+          </a:p>
+          <a:p>
+            <a:pPr algn="just"/>
+            <a:endParaRPr lang="pt-BR" sz="2000" dirty="0" smtClean="0">
+              <a:solidFill>
+                <a:schemeClr val="bg1">
+                  <a:lumMod val="95000"/>
+                  <a:lumOff val="5000"/>
+                </a:schemeClr>
+              </a:solidFill>
+            </a:endParaRPr>
+          </a:p>
+          <a:p>
+            <a:pPr algn="just"/>
+            <a:endParaRPr lang="pt-BR" sz="2000" dirty="0">
+              <a:solidFill>
+                <a:schemeClr val="bg1">
+                  <a:lumMod val="95000"/>
+                  <a:lumOff val="5000"/>
+                </a:schemeClr>
+              </a:solidFill>
+            </a:endParaRPr>
+          </a:p>
+          <a:p>
+            <a:pPr algn="just"/>
+            <a:endParaRPr lang="pt-BR" sz="2000" dirty="0" smtClean="0">
+              <a:solidFill>
+                <a:schemeClr val="bg1"/>
+              </a:solidFill>
+            </a:endParaRPr>
+          </a:p>
+          <a:p>
+            <a:pPr algn="just"/>
+            <a:endParaRPr lang="pt-BR" sz="2000" dirty="0" smtClean="0">
+              <a:solidFill>
+                <a:schemeClr val="bg1">
+                  <a:lumMod val="95000"/>
+                  <a:lumOff val="5000"/>
+                </a:schemeClr>
+              </a:solidFill>
+            </a:endParaRPr>
+          </a:p>
+        </p:txBody>
+      </p:sp>
+      <p:pic>
+        <p:nvPicPr>
+          <p:cNvPr id="3076" name="Picture 4"/>
+          <p:cNvPicPr>
+            <a:picLocks noChangeAspect="1" noChangeArrowheads="1"/>
+          </p:cNvPicPr>
+          <p:nvPr/>
+        </p:nvPicPr>
+        <p:blipFill>
+          <a:blip r:embed="rId2">
+            <a:extLst>
+              <a:ext uri="{28A0092B-C50C-407E-A947-70E740481C1C}">
+                <a14:useLocalDpi xmlns:a14="http://schemas.microsoft.com/office/drawing/2010/main" val="0"/>
+              </a:ext>
+            </a:extLst>
+          </a:blip>
+          <a:srcRect/>
+          <a:stretch>
+            <a:fillRect/>
+          </a:stretch>
+        </p:blipFill>
+        <p:spPr bwMode="auto">
+          <a:xfrm>
+            <a:off x="1215284" y="1235034"/>
+            <a:ext cx="10658859" cy="4818502"/>
+          </a:xfrm>
+          <a:prstGeom prst="rect">
+            <a:avLst/>
+          </a:prstGeom>
+          <a:noFill/>
+          <a:ln>
+            <a:noFill/>
+          </a:ln>
+          <a:effectLst/>
+          <a:extLst>
+            <a:ext uri="{909E8E84-426E-40DD-AFC4-6F175D3DCCD1}">
+              <a14:hiddenFill xmlns:a14="http://schemas.microsoft.com/office/drawing/2010/main">
+                <a:solidFill>
+                  <a:schemeClr val="accent1"/>
+                </a:solidFill>
+              </a14:hiddenFill>
+            </a:ext>
+            <a:ext uri="{91240B29-F687-4F45-9708-019B960494DF}">
+              <a14:hiddenLine xmlns:a14="http://schemas.microsoft.com/office/drawing/2010/main" w="9525">
+                <a:solidFill>
+                  <a:schemeClr val="tx1"/>
+                </a:solidFill>
+                <a:miter lim="800000"/>
+                <a:headEnd/>
+                <a:tailEnd/>
+              </a14:hiddenLine>
+            </a:ext>
+            <a:ext uri="{AF507438-7753-43E0-B8FC-AC1667EBCBE1}">
+              <a14:hiddenEffects xmlns:a14="http://schemas.microsoft.com/office/drawing/2010/main">
+                <a:effectLst>
+                  <a:outerShdw dist="35921" dir="2700000" algn="ctr" rotWithShape="0">
+                    <a:schemeClr val="bg2"/>
+                  </a:outerShdw>
+                </a:effectLst>
+              </a14:hiddenEffects>
+            </a:ext>
+          </a:extLst>
+        </p:spPr>
+      </p:pic>
+    </p:spTree>
+    <p:extLst>
+      <p:ext uri="{BB962C8B-B14F-4D97-AF65-F5344CB8AC3E}">
+        <p14:creationId xmlns:p14="http://schemas.microsoft.com/office/powerpoint/2010/main" val="2101081259"/>
+      </p:ext>
+    </p:extLst>
+  </p:cSld>
+  <p:clrMapOvr>
+    <a:masterClrMapping/>
+  </p:clrMapOvr>
+  <p:timing>
+    <p:tnLst>
+      <p:par>
+        <p:cTn id="1" dur="indefinite" restart="never" nodeType="tmRoot"/>
+      </p:par>
+    </p:tnLst>
+  </p:timing>
+</p:sld>
+</file>
+
+<file path=ppt/slides/slide46.xml><?xml version="1.0" encoding="utf-8"?>
+<p:sld xmlns:a="http://schemas.openxmlformats.org/drawingml/2006/main" xmlns:r="http://schemas.openxmlformats.org/officeDocument/2006/relationships" xmlns:p="http://schemas.openxmlformats.org/presentationml/2006/main">
+  <p:cSld>
+    <p:spTree>
+      <p:nvGrpSpPr>
+        <p:cNvPr id="1" name=""/>
+        <p:cNvGrpSpPr/>
+        <p:nvPr/>
+      </p:nvGrpSpPr>
+      <p:grpSpPr>
+        <a:xfrm>
+          <a:off x="0" y="0"/>
+          <a:ext cx="0" cy="0"/>
+          <a:chOff x="0" y="0"/>
+          <a:chExt cx="0" cy="0"/>
+        </a:xfrm>
+      </p:grpSpPr>
+      <p:sp>
+        <p:nvSpPr>
+          <p:cNvPr id="8" name="Retângulo 7">
+            <a:extLst>
+              <a:ext uri="{FF2B5EF4-FFF2-40B4-BE49-F238E27FC236}">
+                <a16:creationId xmlns:a16="http://schemas.microsoft.com/office/drawing/2014/main" xmlns="" id="{9B33DD69-1761-43D2-B589-CE56D2C4FBB6}"/>
+              </a:ext>
+            </a:extLst>
+          </p:cNvPr>
+          <p:cNvSpPr/>
+          <p:nvPr/>
+        </p:nvSpPr>
+        <p:spPr>
+          <a:xfrm>
+            <a:off x="892663" y="0"/>
+            <a:ext cx="11304103" cy="6858000"/>
+          </a:xfrm>
+          <a:prstGeom prst="rect">
+            <a:avLst/>
+          </a:prstGeom>
+          <a:solidFill>
+            <a:schemeClr val="tx1"/>
+          </a:solidFill>
+          <a:ln>
+            <a:solidFill>
+              <a:schemeClr val="tx1"/>
+            </a:solidFill>
+          </a:ln>
+        </p:spPr>
+        <p:style>
+          <a:lnRef idx="2">
+            <a:schemeClr val="accent1">
+              <a:shade val="50000"/>
+            </a:schemeClr>
+          </a:lnRef>
+          <a:fillRef idx="1">
+            <a:schemeClr val="accent1"/>
+          </a:fillRef>
+          <a:effectRef idx="0">
+            <a:schemeClr val="accent1"/>
+          </a:effectRef>
+          <a:fontRef idx="minor">
+            <a:schemeClr val="lt1"/>
+          </a:fontRef>
+        </p:style>
+        <p:txBody>
+          <a:bodyPr rtlCol="0" anchor="ctr"/>
+          <a:lstStyle/>
+          <a:p>
+            <a:pPr algn="ctr"/>
+            <a:endParaRPr lang="pt-BR" sz="2000" dirty="0">
+              <a:solidFill>
+                <a:schemeClr val="bg1"/>
+              </a:solidFill>
+            </a:endParaRPr>
+          </a:p>
+        </p:txBody>
+      </p:sp>
+      <p:sp>
+        <p:nvSpPr>
+          <p:cNvPr id="3" name="AutoShape 2" descr="Download Visual Studio Code - Mac, Linux, Windows"/>
+          <p:cNvSpPr>
+            <a:spLocks noChangeAspect="1" noChangeArrowheads="1"/>
+          </p:cNvSpPr>
+          <p:nvPr/>
+        </p:nvSpPr>
+        <p:spPr bwMode="auto">
+          <a:xfrm>
+            <a:off x="155575" y="-144463"/>
+            <a:ext cx="304800" cy="304801"/>
+          </a:xfrm>
+          <a:prstGeom prst="rect">
+            <a:avLst/>
+          </a:prstGeom>
+          <a:noFill/>
+          <a:extLst>
+            <a:ext uri="{909E8E84-426E-40DD-AFC4-6F175D3DCCD1}">
+              <a14:hiddenFill xmlns:a14="http://schemas.microsoft.com/office/drawing/2010/main">
+                <a:solidFill>
+                  <a:srgbClr val="FFFFFF"/>
+                </a:solidFill>
+              </a14:hiddenFill>
+            </a:ext>
+          </a:extLst>
+        </p:spPr>
+        <p:txBody>
+          <a:bodyPr vert="horz" wrap="square" lIns="91440" tIns="45720" rIns="91440" bIns="45720" numCol="1" anchor="t" anchorCtr="0" compatLnSpc="1">
+            <a:prstTxWarp prst="textNoShape">
+              <a:avLst/>
+            </a:prstTxWarp>
+          </a:bodyPr>
+          <a:lstStyle/>
+          <a:p>
+            <a:endParaRPr lang="pt-BR"/>
+          </a:p>
+        </p:txBody>
+      </p:sp>
+      <p:sp>
+        <p:nvSpPr>
+          <p:cNvPr id="4" name="AutoShape 4" descr="Download Visual Studio Code - Mac, Linux, Windows"/>
+          <p:cNvSpPr>
+            <a:spLocks noChangeAspect="1" noChangeArrowheads="1"/>
+          </p:cNvSpPr>
+          <p:nvPr/>
+        </p:nvSpPr>
+        <p:spPr bwMode="auto">
+          <a:xfrm>
+            <a:off x="307975" y="7937"/>
+            <a:ext cx="304800" cy="304801"/>
+          </a:xfrm>
+          <a:prstGeom prst="rect">
+            <a:avLst/>
+          </a:prstGeom>
+          <a:noFill/>
+          <a:extLst>
+            <a:ext uri="{909E8E84-426E-40DD-AFC4-6F175D3DCCD1}">
+              <a14:hiddenFill xmlns:a14="http://schemas.microsoft.com/office/drawing/2010/main">
+                <a:solidFill>
+                  <a:srgbClr val="FFFFFF"/>
+                </a:solidFill>
+              </a14:hiddenFill>
+            </a:ext>
+          </a:extLst>
+        </p:spPr>
+        <p:txBody>
+          <a:bodyPr vert="horz" wrap="square" lIns="91440" tIns="45720" rIns="91440" bIns="45720" numCol="1" anchor="t" anchorCtr="0" compatLnSpc="1">
+            <a:prstTxWarp prst="textNoShape">
+              <a:avLst/>
+            </a:prstTxWarp>
+          </a:bodyPr>
+          <a:lstStyle/>
+          <a:p>
+            <a:endParaRPr lang="pt-BR"/>
+          </a:p>
+        </p:txBody>
+      </p:sp>
+      <p:sp>
+        <p:nvSpPr>
+          <p:cNvPr id="9" name="CaixaDeTexto 8">
+            <a:extLst>
+              <a:ext uri="{FF2B5EF4-FFF2-40B4-BE49-F238E27FC236}">
+                <a16:creationId xmlns:a16="http://schemas.microsoft.com/office/drawing/2014/main" xmlns="" id="{90B980A2-8D40-4C0A-9871-4FA9794F9C3D}"/>
+              </a:ext>
+            </a:extLst>
+          </p:cNvPr>
+          <p:cNvSpPr txBox="1"/>
+          <p:nvPr/>
+        </p:nvSpPr>
+        <p:spPr>
+          <a:xfrm>
+            <a:off x="1215284" y="160337"/>
+            <a:ext cx="10658859" cy="8710077"/>
+          </a:xfrm>
+          <a:prstGeom prst="rect">
+            <a:avLst/>
+          </a:prstGeom>
+          <a:noFill/>
+        </p:spPr>
+        <p:txBody>
+          <a:bodyPr wrap="square" rtlCol="0">
+            <a:spAutoFit/>
+          </a:bodyPr>
+          <a:lstStyle/>
+          <a:p>
+            <a:pPr algn="just"/>
+            <a:r>
+              <a:rPr lang="pt-BR" sz="2000" dirty="0" smtClean="0">
+                <a:solidFill>
+                  <a:schemeClr val="bg1"/>
+                </a:solidFill>
+              </a:rPr>
+              <a:t> Se desejarmos inserir uma div abaixo das filhas mas </a:t>
+            </a:r>
+            <a:r>
+              <a:rPr lang="pt-BR" sz="2000" dirty="0" smtClean="0">
+                <a:solidFill>
+                  <a:srgbClr val="FF0000"/>
+                </a:solidFill>
+              </a:rPr>
+              <a:t>sem a regra do float</a:t>
+            </a:r>
+            <a:r>
+              <a:rPr lang="pt-BR" sz="2000" dirty="0" smtClean="0">
+                <a:solidFill>
+                  <a:schemeClr val="bg1"/>
+                </a:solidFill>
+              </a:rPr>
+              <a:t>, veja o que acontece: </a:t>
+            </a:r>
+            <a:endParaRPr lang="pt-BR" sz="2000" dirty="0">
+              <a:solidFill>
+                <a:schemeClr val="bg1"/>
+              </a:solidFill>
+            </a:endParaRPr>
+          </a:p>
+          <a:p>
+            <a:pPr algn="just"/>
+            <a:endParaRPr lang="pt-BR" sz="2000" dirty="0" smtClean="0">
+              <a:solidFill>
+                <a:schemeClr val="bg1">
+                  <a:lumMod val="95000"/>
+                  <a:lumOff val="5000"/>
+                </a:schemeClr>
+              </a:solidFill>
+            </a:endParaRPr>
+          </a:p>
+          <a:p>
+            <a:pPr algn="just"/>
+            <a:endParaRPr lang="pt-BR" sz="2000" dirty="0">
+              <a:solidFill>
+                <a:schemeClr val="bg1">
+                  <a:lumMod val="95000"/>
+                  <a:lumOff val="5000"/>
+                </a:schemeClr>
+              </a:solidFill>
+            </a:endParaRPr>
+          </a:p>
+          <a:p>
+            <a:pPr algn="just"/>
+            <a:endParaRPr lang="pt-BR" sz="2000" dirty="0" smtClean="0">
+              <a:solidFill>
+                <a:schemeClr val="bg1">
+                  <a:lumMod val="95000"/>
+                  <a:lumOff val="5000"/>
+                </a:schemeClr>
+              </a:solidFill>
+            </a:endParaRPr>
+          </a:p>
+          <a:p>
+            <a:pPr algn="just"/>
+            <a:endParaRPr lang="pt-BR" sz="2000" dirty="0">
+              <a:solidFill>
+                <a:schemeClr val="bg1">
+                  <a:lumMod val="95000"/>
+                  <a:lumOff val="5000"/>
+                </a:schemeClr>
+              </a:solidFill>
+            </a:endParaRPr>
+          </a:p>
+          <a:p>
+            <a:pPr algn="just"/>
+            <a:endParaRPr lang="pt-BR" sz="2000" dirty="0" smtClean="0">
+              <a:solidFill>
+                <a:schemeClr val="bg1">
+                  <a:lumMod val="95000"/>
+                  <a:lumOff val="5000"/>
+                </a:schemeClr>
+              </a:solidFill>
+            </a:endParaRPr>
+          </a:p>
+          <a:p>
+            <a:pPr algn="just"/>
+            <a:endParaRPr lang="pt-BR" sz="2000" dirty="0">
+              <a:solidFill>
+                <a:schemeClr val="bg1">
+                  <a:lumMod val="95000"/>
+                  <a:lumOff val="5000"/>
+                </a:schemeClr>
+              </a:solidFill>
+            </a:endParaRPr>
+          </a:p>
+          <a:p>
+            <a:pPr algn="just"/>
+            <a:endParaRPr lang="pt-BR" sz="2000" dirty="0" smtClean="0">
+              <a:solidFill>
+                <a:schemeClr val="bg1">
+                  <a:lumMod val="95000"/>
+                  <a:lumOff val="5000"/>
+                </a:schemeClr>
+              </a:solidFill>
+            </a:endParaRPr>
+          </a:p>
+          <a:p>
+            <a:pPr algn="just"/>
+            <a:endParaRPr lang="pt-BR" sz="2000" dirty="0">
+              <a:solidFill>
+                <a:schemeClr val="bg1">
+                  <a:lumMod val="95000"/>
+                  <a:lumOff val="5000"/>
+                </a:schemeClr>
+              </a:solidFill>
+            </a:endParaRPr>
+          </a:p>
+          <a:p>
+            <a:pPr algn="just"/>
+            <a:endParaRPr lang="pt-BR" sz="2000" dirty="0" smtClean="0">
+              <a:solidFill>
+                <a:schemeClr val="bg1">
+                  <a:lumMod val="95000"/>
+                  <a:lumOff val="5000"/>
+                </a:schemeClr>
+              </a:solidFill>
+            </a:endParaRPr>
+          </a:p>
+          <a:p>
+            <a:pPr algn="just"/>
+            <a:endParaRPr lang="pt-BR" sz="2000" dirty="0">
+              <a:solidFill>
+                <a:schemeClr val="bg1">
+                  <a:lumMod val="95000"/>
+                  <a:lumOff val="5000"/>
+                </a:schemeClr>
+              </a:solidFill>
+            </a:endParaRPr>
+          </a:p>
+          <a:p>
+            <a:pPr algn="just"/>
+            <a:endParaRPr lang="pt-BR" sz="2000" dirty="0" smtClean="0">
+              <a:solidFill>
+                <a:schemeClr val="bg1">
+                  <a:lumMod val="95000"/>
+                  <a:lumOff val="5000"/>
+                </a:schemeClr>
+              </a:solidFill>
+            </a:endParaRPr>
+          </a:p>
+          <a:p>
+            <a:pPr algn="just"/>
+            <a:endParaRPr lang="pt-BR" sz="2000" dirty="0">
+              <a:solidFill>
+                <a:schemeClr val="bg1">
+                  <a:lumMod val="95000"/>
+                  <a:lumOff val="5000"/>
+                </a:schemeClr>
+              </a:solidFill>
+            </a:endParaRPr>
+          </a:p>
+          <a:p>
+            <a:pPr algn="just"/>
+            <a:endParaRPr lang="pt-BR" sz="2000" dirty="0" smtClean="0">
+              <a:solidFill>
+                <a:schemeClr val="bg1">
+                  <a:lumMod val="95000"/>
+                  <a:lumOff val="5000"/>
+                </a:schemeClr>
+              </a:solidFill>
+            </a:endParaRPr>
+          </a:p>
+          <a:p>
+            <a:pPr algn="just"/>
+            <a:endParaRPr lang="pt-BR" sz="2000" dirty="0">
+              <a:solidFill>
+                <a:schemeClr val="bg1">
+                  <a:lumMod val="95000"/>
+                  <a:lumOff val="5000"/>
+                </a:schemeClr>
+              </a:solidFill>
+            </a:endParaRPr>
+          </a:p>
+          <a:p>
+            <a:pPr algn="just"/>
+            <a:endParaRPr lang="pt-BR" sz="2000" dirty="0" smtClean="0">
+              <a:solidFill>
+                <a:schemeClr val="bg1">
+                  <a:lumMod val="95000"/>
+                  <a:lumOff val="5000"/>
+                </a:schemeClr>
+              </a:solidFill>
+            </a:endParaRPr>
+          </a:p>
+          <a:p>
+            <a:pPr algn="just"/>
+            <a:endParaRPr lang="pt-BR" sz="2000" dirty="0">
+              <a:solidFill>
+                <a:schemeClr val="bg1">
+                  <a:lumMod val="95000"/>
+                  <a:lumOff val="5000"/>
+                </a:schemeClr>
+              </a:solidFill>
+            </a:endParaRPr>
+          </a:p>
+          <a:p>
+            <a:pPr algn="just"/>
+            <a:endParaRPr lang="pt-BR" sz="2000" dirty="0" smtClean="0">
+              <a:solidFill>
+                <a:schemeClr val="bg1">
+                  <a:lumMod val="95000"/>
+                  <a:lumOff val="5000"/>
+                </a:schemeClr>
+              </a:solidFill>
+            </a:endParaRPr>
+          </a:p>
+          <a:p>
+            <a:pPr algn="just"/>
+            <a:endParaRPr lang="pt-BR" sz="2000" dirty="0" smtClean="0">
+              <a:solidFill>
+                <a:schemeClr val="bg1">
+                  <a:lumMod val="95000"/>
+                  <a:lumOff val="5000"/>
+                </a:schemeClr>
+              </a:solidFill>
+            </a:endParaRPr>
+          </a:p>
+          <a:p>
+            <a:pPr algn="just"/>
+            <a:endParaRPr lang="pt-BR" sz="2000" dirty="0">
+              <a:solidFill>
+                <a:schemeClr val="bg1">
+                  <a:lumMod val="95000"/>
+                  <a:lumOff val="5000"/>
+                </a:schemeClr>
+              </a:solidFill>
+            </a:endParaRPr>
+          </a:p>
+          <a:p>
+            <a:pPr algn="just"/>
+            <a:endParaRPr lang="pt-BR" sz="2000" dirty="0">
+              <a:solidFill>
+                <a:schemeClr val="bg1">
+                  <a:lumMod val="95000"/>
+                  <a:lumOff val="5000"/>
+                </a:schemeClr>
+              </a:solidFill>
+            </a:endParaRPr>
+          </a:p>
+          <a:p>
+            <a:pPr algn="just"/>
+            <a:endParaRPr lang="pt-BR" sz="2000" dirty="0" smtClean="0">
+              <a:solidFill>
+                <a:schemeClr val="bg1">
+                  <a:lumMod val="95000"/>
+                  <a:lumOff val="5000"/>
+                </a:schemeClr>
+              </a:solidFill>
+            </a:endParaRPr>
+          </a:p>
+          <a:p>
+            <a:pPr algn="just"/>
+            <a:endParaRPr lang="pt-BR" sz="2000" dirty="0">
+              <a:solidFill>
+                <a:schemeClr val="bg1">
+                  <a:lumMod val="95000"/>
+                  <a:lumOff val="5000"/>
+                </a:schemeClr>
+              </a:solidFill>
+            </a:endParaRPr>
+          </a:p>
+          <a:p>
+            <a:pPr algn="just"/>
+            <a:endParaRPr lang="pt-BR" sz="2000" dirty="0" smtClean="0">
+              <a:solidFill>
+                <a:schemeClr val="bg1">
+                  <a:lumMod val="95000"/>
+                  <a:lumOff val="5000"/>
+                </a:schemeClr>
+              </a:solidFill>
+            </a:endParaRPr>
+          </a:p>
+          <a:p>
+            <a:pPr algn="just"/>
+            <a:endParaRPr lang="pt-BR" sz="2000" dirty="0">
+              <a:solidFill>
+                <a:schemeClr val="bg1">
+                  <a:lumMod val="95000"/>
+                  <a:lumOff val="5000"/>
+                </a:schemeClr>
+              </a:solidFill>
+            </a:endParaRPr>
+          </a:p>
+          <a:p>
+            <a:pPr algn="just"/>
+            <a:endParaRPr lang="pt-BR" sz="2000" dirty="0" smtClean="0">
+              <a:solidFill>
+                <a:schemeClr val="bg1"/>
+              </a:solidFill>
+            </a:endParaRPr>
+          </a:p>
+          <a:p>
+            <a:pPr algn="just"/>
+            <a:endParaRPr lang="pt-BR" sz="2000" dirty="0" smtClean="0">
+              <a:solidFill>
+                <a:schemeClr val="bg1">
+                  <a:lumMod val="95000"/>
+                  <a:lumOff val="5000"/>
+                </a:schemeClr>
+              </a:solidFill>
+            </a:endParaRPr>
+          </a:p>
+        </p:txBody>
+      </p:sp>
+      <p:pic>
+        <p:nvPicPr>
+          <p:cNvPr id="3075" name="Picture 3"/>
+          <p:cNvPicPr>
+            <a:picLocks noChangeAspect="1" noChangeArrowheads="1"/>
+          </p:cNvPicPr>
+          <p:nvPr/>
+        </p:nvPicPr>
+        <p:blipFill>
+          <a:blip r:embed="rId2">
+            <a:extLst>
+              <a:ext uri="{28A0092B-C50C-407E-A947-70E740481C1C}">
+                <a14:useLocalDpi xmlns:a14="http://schemas.microsoft.com/office/drawing/2010/main" val="0"/>
+              </a:ext>
+            </a:extLst>
+          </a:blip>
+          <a:srcRect/>
+          <a:stretch>
+            <a:fillRect/>
+          </a:stretch>
+        </p:blipFill>
+        <p:spPr bwMode="auto">
+          <a:xfrm>
+            <a:off x="1215282" y="1043111"/>
+            <a:ext cx="10658859" cy="5329430"/>
+          </a:xfrm>
+          <a:prstGeom prst="rect">
+            <a:avLst/>
+          </a:prstGeom>
+          <a:noFill/>
+          <a:ln>
+            <a:noFill/>
+          </a:ln>
+          <a:effectLst/>
+          <a:extLst>
+            <a:ext uri="{909E8E84-426E-40DD-AFC4-6F175D3DCCD1}">
+              <a14:hiddenFill xmlns:a14="http://schemas.microsoft.com/office/drawing/2010/main">
+                <a:solidFill>
+                  <a:schemeClr val="accent1"/>
+                </a:solidFill>
+              </a14:hiddenFill>
+            </a:ext>
+            <a:ext uri="{91240B29-F687-4F45-9708-019B960494DF}">
+              <a14:hiddenLine xmlns:a14="http://schemas.microsoft.com/office/drawing/2010/main" w="9525">
+                <a:solidFill>
+                  <a:schemeClr val="tx1"/>
+                </a:solidFill>
+                <a:miter lim="800000"/>
+                <a:headEnd/>
+                <a:tailEnd/>
+              </a14:hiddenLine>
+            </a:ext>
+            <a:ext uri="{AF507438-7753-43E0-B8FC-AC1667EBCBE1}">
+              <a14:hiddenEffects xmlns:a14="http://schemas.microsoft.com/office/drawing/2010/main">
+                <a:effectLst>
+                  <a:outerShdw dist="35921" dir="2700000" algn="ctr" rotWithShape="0">
+                    <a:schemeClr val="bg2"/>
+                  </a:outerShdw>
+                </a:effectLst>
+              </a14:hiddenEffects>
+            </a:ext>
+          </a:extLst>
+        </p:spPr>
+      </p:pic>
+    </p:spTree>
+    <p:extLst>
+      <p:ext uri="{BB962C8B-B14F-4D97-AF65-F5344CB8AC3E}">
+        <p14:creationId xmlns:p14="http://schemas.microsoft.com/office/powerpoint/2010/main" val="2382254871"/>
+      </p:ext>
+    </p:extLst>
+  </p:cSld>
+  <p:clrMapOvr>
+    <a:masterClrMapping/>
+  </p:clrMapOvr>
+  <p:timing>
+    <p:tnLst>
+      <p:par>
+        <p:cTn id="1" dur="indefinite" restart="never" nodeType="tmRoot"/>
+      </p:par>
+    </p:tnLst>
+  </p:timing>
+</p:sld>
+</file>
+
+<file path=ppt/slides/slide47.xml><?xml version="1.0" encoding="utf-8"?>
+<p:sld xmlns:a="http://schemas.openxmlformats.org/drawingml/2006/main" xmlns:r="http://schemas.openxmlformats.org/officeDocument/2006/relationships" xmlns:p="http://schemas.openxmlformats.org/presentationml/2006/main">
+  <p:cSld>
+    <p:spTree>
+      <p:nvGrpSpPr>
+        <p:cNvPr id="1" name=""/>
+        <p:cNvGrpSpPr/>
+        <p:nvPr/>
+      </p:nvGrpSpPr>
+      <p:grpSpPr>
+        <a:xfrm>
+          <a:off x="0" y="0"/>
+          <a:ext cx="0" cy="0"/>
+          <a:chOff x="0" y="0"/>
+          <a:chExt cx="0" cy="0"/>
+        </a:xfrm>
+      </p:grpSpPr>
+      <p:sp>
+        <p:nvSpPr>
+          <p:cNvPr id="8" name="Retângulo 7">
+            <a:extLst>
+              <a:ext uri="{FF2B5EF4-FFF2-40B4-BE49-F238E27FC236}">
+                <a16:creationId xmlns:a16="http://schemas.microsoft.com/office/drawing/2014/main" xmlns="" id="{9B33DD69-1761-43D2-B589-CE56D2C4FBB6}"/>
+              </a:ext>
+            </a:extLst>
+          </p:cNvPr>
+          <p:cNvSpPr/>
+          <p:nvPr/>
+        </p:nvSpPr>
+        <p:spPr>
+          <a:xfrm>
+            <a:off x="892663" y="0"/>
+            <a:ext cx="11304103" cy="6858000"/>
+          </a:xfrm>
+          <a:prstGeom prst="rect">
+            <a:avLst/>
+          </a:prstGeom>
+          <a:solidFill>
+            <a:schemeClr val="tx1"/>
+          </a:solidFill>
+          <a:ln>
+            <a:solidFill>
+              <a:schemeClr val="tx1"/>
+            </a:solidFill>
+          </a:ln>
+        </p:spPr>
+        <p:style>
+          <a:lnRef idx="2">
+            <a:schemeClr val="accent1">
+              <a:shade val="50000"/>
+            </a:schemeClr>
+          </a:lnRef>
+          <a:fillRef idx="1">
+            <a:schemeClr val="accent1"/>
+          </a:fillRef>
+          <a:effectRef idx="0">
+            <a:schemeClr val="accent1"/>
+          </a:effectRef>
+          <a:fontRef idx="minor">
+            <a:schemeClr val="lt1"/>
+          </a:fontRef>
+        </p:style>
+        <p:txBody>
+          <a:bodyPr rtlCol="0" anchor="ctr"/>
+          <a:lstStyle/>
+          <a:p>
+            <a:pPr algn="ctr"/>
+            <a:endParaRPr lang="pt-BR" sz="2000" dirty="0">
+              <a:solidFill>
+                <a:schemeClr val="bg1"/>
+              </a:solidFill>
+            </a:endParaRPr>
+          </a:p>
+        </p:txBody>
+      </p:sp>
+      <p:sp>
+        <p:nvSpPr>
+          <p:cNvPr id="3" name="AutoShape 2" descr="Download Visual Studio Code - Mac, Linux, Windows"/>
+          <p:cNvSpPr>
+            <a:spLocks noChangeAspect="1" noChangeArrowheads="1"/>
+          </p:cNvSpPr>
+          <p:nvPr/>
+        </p:nvSpPr>
+        <p:spPr bwMode="auto">
+          <a:xfrm>
+            <a:off x="155575" y="-144463"/>
+            <a:ext cx="304800" cy="304801"/>
+          </a:xfrm>
+          <a:prstGeom prst="rect">
+            <a:avLst/>
+          </a:prstGeom>
+          <a:noFill/>
+          <a:extLst>
+            <a:ext uri="{909E8E84-426E-40DD-AFC4-6F175D3DCCD1}">
+              <a14:hiddenFill xmlns:a14="http://schemas.microsoft.com/office/drawing/2010/main">
+                <a:solidFill>
+                  <a:srgbClr val="FFFFFF"/>
+                </a:solidFill>
+              </a14:hiddenFill>
+            </a:ext>
+          </a:extLst>
+        </p:spPr>
+        <p:txBody>
+          <a:bodyPr vert="horz" wrap="square" lIns="91440" tIns="45720" rIns="91440" bIns="45720" numCol="1" anchor="t" anchorCtr="0" compatLnSpc="1">
+            <a:prstTxWarp prst="textNoShape">
+              <a:avLst/>
+            </a:prstTxWarp>
+          </a:bodyPr>
+          <a:lstStyle/>
+          <a:p>
+            <a:endParaRPr lang="pt-BR"/>
+          </a:p>
+        </p:txBody>
+      </p:sp>
+      <p:sp>
+        <p:nvSpPr>
+          <p:cNvPr id="4" name="AutoShape 4" descr="Download Visual Studio Code - Mac, Linux, Windows"/>
+          <p:cNvSpPr>
+            <a:spLocks noChangeAspect="1" noChangeArrowheads="1"/>
+          </p:cNvSpPr>
+          <p:nvPr/>
+        </p:nvSpPr>
+        <p:spPr bwMode="auto">
+          <a:xfrm>
+            <a:off x="307975" y="7937"/>
+            <a:ext cx="304800" cy="304801"/>
+          </a:xfrm>
+          <a:prstGeom prst="rect">
+            <a:avLst/>
+          </a:prstGeom>
+          <a:noFill/>
+          <a:extLst>
+            <a:ext uri="{909E8E84-426E-40DD-AFC4-6F175D3DCCD1}">
+              <a14:hiddenFill xmlns:a14="http://schemas.microsoft.com/office/drawing/2010/main">
+                <a:solidFill>
+                  <a:srgbClr val="FFFFFF"/>
+                </a:solidFill>
+              </a14:hiddenFill>
+            </a:ext>
+          </a:extLst>
+        </p:spPr>
+        <p:txBody>
+          <a:bodyPr vert="horz" wrap="square" lIns="91440" tIns="45720" rIns="91440" bIns="45720" numCol="1" anchor="t" anchorCtr="0" compatLnSpc="1">
+            <a:prstTxWarp prst="textNoShape">
+              <a:avLst/>
+            </a:prstTxWarp>
+          </a:bodyPr>
+          <a:lstStyle/>
+          <a:p>
+            <a:endParaRPr lang="pt-BR"/>
+          </a:p>
+        </p:txBody>
+      </p:sp>
+      <p:sp>
+        <p:nvSpPr>
+          <p:cNvPr id="9" name="CaixaDeTexto 8">
+            <a:extLst>
+              <a:ext uri="{FF2B5EF4-FFF2-40B4-BE49-F238E27FC236}">
+                <a16:creationId xmlns:a16="http://schemas.microsoft.com/office/drawing/2014/main" xmlns="" id="{90B980A2-8D40-4C0A-9871-4FA9794F9C3D}"/>
+              </a:ext>
+            </a:extLst>
+          </p:cNvPr>
+          <p:cNvSpPr txBox="1"/>
+          <p:nvPr/>
+        </p:nvSpPr>
+        <p:spPr>
+          <a:xfrm>
+            <a:off x="1215284" y="160337"/>
+            <a:ext cx="10658859" cy="8710077"/>
+          </a:xfrm>
+          <a:prstGeom prst="rect">
+            <a:avLst/>
+          </a:prstGeom>
+          <a:noFill/>
+        </p:spPr>
+        <p:txBody>
+          <a:bodyPr wrap="square" rtlCol="0">
+            <a:spAutoFit/>
+          </a:bodyPr>
+          <a:lstStyle/>
+          <a:p>
+            <a:pPr algn="just"/>
+            <a:r>
+              <a:rPr lang="pt-BR" sz="2000" dirty="0" smtClean="0">
+                <a:solidFill>
+                  <a:schemeClr val="bg1"/>
+                </a:solidFill>
+              </a:rPr>
+              <a:t>Para resolvermos esse problema utilizamos o </a:t>
+            </a:r>
+            <a:r>
+              <a:rPr lang="pt-BR" sz="2000" dirty="0" smtClean="0">
+                <a:solidFill>
+                  <a:srgbClr val="FF0000"/>
+                </a:solidFill>
+              </a:rPr>
+              <a:t>Clear: Both;</a:t>
+            </a:r>
+            <a:r>
+              <a:rPr lang="pt-BR" sz="2000" dirty="0" smtClean="0">
+                <a:solidFill>
+                  <a:schemeClr val="bg1"/>
+                </a:solidFill>
+              </a:rPr>
+              <a:t>: </a:t>
+            </a:r>
+            <a:endParaRPr lang="pt-BR" sz="2000" dirty="0">
+              <a:solidFill>
+                <a:schemeClr val="bg1"/>
+              </a:solidFill>
+            </a:endParaRPr>
+          </a:p>
+          <a:p>
+            <a:pPr algn="just"/>
+            <a:endParaRPr lang="pt-BR" sz="2000" dirty="0" smtClean="0">
+              <a:solidFill>
+                <a:schemeClr val="bg1">
+                  <a:lumMod val="95000"/>
+                  <a:lumOff val="5000"/>
+                </a:schemeClr>
+              </a:solidFill>
+            </a:endParaRPr>
+          </a:p>
+          <a:p>
+            <a:pPr algn="just"/>
+            <a:endParaRPr lang="pt-BR" sz="2000" dirty="0">
+              <a:solidFill>
+                <a:schemeClr val="bg1">
+                  <a:lumMod val="95000"/>
+                  <a:lumOff val="5000"/>
+                </a:schemeClr>
+              </a:solidFill>
+            </a:endParaRPr>
+          </a:p>
+          <a:p>
+            <a:pPr algn="just"/>
+            <a:endParaRPr lang="pt-BR" sz="2000" dirty="0" smtClean="0">
+              <a:solidFill>
+                <a:schemeClr val="bg1">
+                  <a:lumMod val="95000"/>
+                  <a:lumOff val="5000"/>
+                </a:schemeClr>
+              </a:solidFill>
+            </a:endParaRPr>
+          </a:p>
+          <a:p>
+            <a:pPr algn="just"/>
+            <a:endParaRPr lang="pt-BR" sz="2000" dirty="0">
+              <a:solidFill>
+                <a:schemeClr val="bg1">
+                  <a:lumMod val="95000"/>
+                  <a:lumOff val="5000"/>
+                </a:schemeClr>
+              </a:solidFill>
+            </a:endParaRPr>
+          </a:p>
+          <a:p>
+            <a:pPr algn="just"/>
+            <a:endParaRPr lang="pt-BR" sz="2000" dirty="0" smtClean="0">
+              <a:solidFill>
+                <a:schemeClr val="bg1">
+                  <a:lumMod val="95000"/>
+                  <a:lumOff val="5000"/>
+                </a:schemeClr>
+              </a:solidFill>
+            </a:endParaRPr>
+          </a:p>
+          <a:p>
+            <a:pPr algn="just"/>
+            <a:endParaRPr lang="pt-BR" sz="2000" dirty="0">
+              <a:solidFill>
+                <a:schemeClr val="bg1">
+                  <a:lumMod val="95000"/>
+                  <a:lumOff val="5000"/>
+                </a:schemeClr>
+              </a:solidFill>
+            </a:endParaRPr>
+          </a:p>
+          <a:p>
+            <a:pPr algn="just"/>
+            <a:endParaRPr lang="pt-BR" sz="2000" dirty="0" smtClean="0">
+              <a:solidFill>
+                <a:schemeClr val="bg1">
+                  <a:lumMod val="95000"/>
+                  <a:lumOff val="5000"/>
+                </a:schemeClr>
+              </a:solidFill>
+            </a:endParaRPr>
+          </a:p>
+          <a:p>
+            <a:pPr algn="just"/>
+            <a:endParaRPr lang="pt-BR" sz="2000" dirty="0">
+              <a:solidFill>
+                <a:schemeClr val="bg1">
+                  <a:lumMod val="95000"/>
+                  <a:lumOff val="5000"/>
+                </a:schemeClr>
+              </a:solidFill>
+            </a:endParaRPr>
+          </a:p>
+          <a:p>
+            <a:pPr algn="just"/>
+            <a:endParaRPr lang="pt-BR" sz="2000" dirty="0" smtClean="0">
+              <a:solidFill>
+                <a:schemeClr val="bg1">
+                  <a:lumMod val="95000"/>
+                  <a:lumOff val="5000"/>
+                </a:schemeClr>
+              </a:solidFill>
+            </a:endParaRPr>
+          </a:p>
+          <a:p>
+            <a:pPr algn="just"/>
+            <a:endParaRPr lang="pt-BR" sz="2000" dirty="0">
+              <a:solidFill>
+                <a:schemeClr val="bg1">
+                  <a:lumMod val="95000"/>
+                  <a:lumOff val="5000"/>
+                </a:schemeClr>
+              </a:solidFill>
+            </a:endParaRPr>
+          </a:p>
+          <a:p>
+            <a:pPr algn="just"/>
+            <a:endParaRPr lang="pt-BR" sz="2000" dirty="0" smtClean="0">
+              <a:solidFill>
+                <a:schemeClr val="bg1">
+                  <a:lumMod val="95000"/>
+                  <a:lumOff val="5000"/>
+                </a:schemeClr>
+              </a:solidFill>
+            </a:endParaRPr>
+          </a:p>
+          <a:p>
+            <a:pPr algn="just"/>
+            <a:endParaRPr lang="pt-BR" sz="2000" dirty="0">
+              <a:solidFill>
+                <a:schemeClr val="bg1">
+                  <a:lumMod val="95000"/>
+                  <a:lumOff val="5000"/>
+                </a:schemeClr>
+              </a:solidFill>
+            </a:endParaRPr>
+          </a:p>
+          <a:p>
+            <a:pPr algn="just"/>
+            <a:endParaRPr lang="pt-BR" sz="2000" dirty="0" smtClean="0">
+              <a:solidFill>
+                <a:schemeClr val="bg1">
+                  <a:lumMod val="95000"/>
+                  <a:lumOff val="5000"/>
+                </a:schemeClr>
+              </a:solidFill>
+            </a:endParaRPr>
+          </a:p>
+          <a:p>
+            <a:pPr algn="just"/>
+            <a:endParaRPr lang="pt-BR" sz="2000" dirty="0">
+              <a:solidFill>
+                <a:schemeClr val="bg1">
+                  <a:lumMod val="95000"/>
+                  <a:lumOff val="5000"/>
+                </a:schemeClr>
+              </a:solidFill>
+            </a:endParaRPr>
+          </a:p>
+          <a:p>
+            <a:pPr algn="just"/>
+            <a:endParaRPr lang="pt-BR" sz="2000" dirty="0" smtClean="0">
+              <a:solidFill>
+                <a:schemeClr val="bg1">
+                  <a:lumMod val="95000"/>
+                  <a:lumOff val="5000"/>
+                </a:schemeClr>
+              </a:solidFill>
+            </a:endParaRPr>
+          </a:p>
+          <a:p>
+            <a:pPr algn="just"/>
+            <a:endParaRPr lang="pt-BR" sz="2000" dirty="0">
+              <a:solidFill>
+                <a:schemeClr val="bg1">
+                  <a:lumMod val="95000"/>
+                  <a:lumOff val="5000"/>
+                </a:schemeClr>
+              </a:solidFill>
+            </a:endParaRPr>
+          </a:p>
+          <a:p>
+            <a:pPr algn="just"/>
+            <a:endParaRPr lang="pt-BR" sz="2000" dirty="0" smtClean="0">
+              <a:solidFill>
+                <a:schemeClr val="bg1">
+                  <a:lumMod val="95000"/>
+                  <a:lumOff val="5000"/>
+                </a:schemeClr>
+              </a:solidFill>
+            </a:endParaRPr>
+          </a:p>
+          <a:p>
+            <a:pPr algn="just"/>
+            <a:endParaRPr lang="pt-BR" sz="2000" dirty="0" smtClean="0">
+              <a:solidFill>
+                <a:schemeClr val="bg1">
+                  <a:lumMod val="95000"/>
+                  <a:lumOff val="5000"/>
+                </a:schemeClr>
+              </a:solidFill>
+            </a:endParaRPr>
+          </a:p>
+          <a:p>
+            <a:pPr algn="just"/>
+            <a:endParaRPr lang="pt-BR" sz="2000" dirty="0">
+              <a:solidFill>
+                <a:schemeClr val="bg1">
+                  <a:lumMod val="95000"/>
+                  <a:lumOff val="5000"/>
+                </a:schemeClr>
+              </a:solidFill>
+            </a:endParaRPr>
+          </a:p>
+          <a:p>
+            <a:pPr algn="just"/>
+            <a:endParaRPr lang="pt-BR" sz="2000" dirty="0">
+              <a:solidFill>
+                <a:schemeClr val="bg1">
+                  <a:lumMod val="95000"/>
+                  <a:lumOff val="5000"/>
+                </a:schemeClr>
+              </a:solidFill>
+            </a:endParaRPr>
+          </a:p>
+          <a:p>
+            <a:pPr algn="just"/>
+            <a:endParaRPr lang="pt-BR" sz="2000" dirty="0" smtClean="0">
+              <a:solidFill>
+                <a:schemeClr val="bg1">
+                  <a:lumMod val="95000"/>
+                  <a:lumOff val="5000"/>
+                </a:schemeClr>
+              </a:solidFill>
+            </a:endParaRPr>
+          </a:p>
+          <a:p>
+            <a:pPr algn="just"/>
+            <a:endParaRPr lang="pt-BR" sz="2000" dirty="0">
+              <a:solidFill>
+                <a:schemeClr val="bg1">
+                  <a:lumMod val="95000"/>
+                  <a:lumOff val="5000"/>
+                </a:schemeClr>
+              </a:solidFill>
+            </a:endParaRPr>
+          </a:p>
+          <a:p>
+            <a:pPr algn="just"/>
+            <a:endParaRPr lang="pt-BR" sz="2000" dirty="0" smtClean="0">
+              <a:solidFill>
+                <a:schemeClr val="bg1">
+                  <a:lumMod val="95000"/>
+                  <a:lumOff val="5000"/>
+                </a:schemeClr>
+              </a:solidFill>
+            </a:endParaRPr>
+          </a:p>
+          <a:p>
+            <a:pPr algn="just"/>
+            <a:endParaRPr lang="pt-BR" sz="2000" dirty="0">
+              <a:solidFill>
+                <a:schemeClr val="bg1">
+                  <a:lumMod val="95000"/>
+                  <a:lumOff val="5000"/>
+                </a:schemeClr>
+              </a:solidFill>
+            </a:endParaRPr>
+          </a:p>
+          <a:p>
+            <a:pPr algn="just"/>
+            <a:endParaRPr lang="pt-BR" sz="2000" dirty="0" smtClean="0">
+              <a:solidFill>
+                <a:schemeClr val="bg1"/>
+              </a:solidFill>
+            </a:endParaRPr>
+          </a:p>
+          <a:p>
+            <a:pPr algn="just"/>
+            <a:endParaRPr lang="pt-BR" sz="2000" dirty="0" smtClean="0">
+              <a:solidFill>
+                <a:schemeClr val="bg1">
+                  <a:lumMod val="95000"/>
+                  <a:lumOff val="5000"/>
+                </a:schemeClr>
+              </a:solidFill>
+            </a:endParaRPr>
+          </a:p>
+        </p:txBody>
+      </p:sp>
+      <p:pic>
+        <p:nvPicPr>
+          <p:cNvPr id="4098" name="Picture 2"/>
+          <p:cNvPicPr>
+            <a:picLocks noChangeAspect="1" noChangeArrowheads="1"/>
+          </p:cNvPicPr>
+          <p:nvPr/>
+        </p:nvPicPr>
+        <p:blipFill>
+          <a:blip r:embed="rId2">
+            <a:extLst>
+              <a:ext uri="{28A0092B-C50C-407E-A947-70E740481C1C}">
+                <a14:useLocalDpi xmlns:a14="http://schemas.microsoft.com/office/drawing/2010/main" val="0"/>
+              </a:ext>
+            </a:extLst>
+          </a:blip>
+          <a:srcRect/>
+          <a:stretch>
+            <a:fillRect/>
+          </a:stretch>
+        </p:blipFill>
+        <p:spPr bwMode="auto">
+          <a:xfrm>
+            <a:off x="1215283" y="857637"/>
+            <a:ext cx="10658859" cy="5099500"/>
+          </a:xfrm>
+          <a:prstGeom prst="rect">
+            <a:avLst/>
+          </a:prstGeom>
+          <a:noFill/>
+          <a:ln>
+            <a:noFill/>
+          </a:ln>
+          <a:effectLst/>
+          <a:extLst>
+            <a:ext uri="{909E8E84-426E-40DD-AFC4-6F175D3DCCD1}">
+              <a14:hiddenFill xmlns:a14="http://schemas.microsoft.com/office/drawing/2010/main">
+                <a:solidFill>
+                  <a:schemeClr val="accent1"/>
+                </a:solidFill>
+              </a14:hiddenFill>
+            </a:ext>
+            <a:ext uri="{91240B29-F687-4F45-9708-019B960494DF}">
+              <a14:hiddenLine xmlns:a14="http://schemas.microsoft.com/office/drawing/2010/main" w="9525">
+                <a:solidFill>
+                  <a:schemeClr val="tx1"/>
+                </a:solidFill>
+                <a:miter lim="800000"/>
+                <a:headEnd/>
+                <a:tailEnd/>
+              </a14:hiddenLine>
+            </a:ext>
+            <a:ext uri="{AF507438-7753-43E0-B8FC-AC1667EBCBE1}">
+              <a14:hiddenEffects xmlns:a14="http://schemas.microsoft.com/office/drawing/2010/main">
+                <a:effectLst>
+                  <a:outerShdw dist="35921" dir="2700000" algn="ctr" rotWithShape="0">
+                    <a:schemeClr val="bg2"/>
+                  </a:outerShdw>
+                </a:effectLst>
+              </a14:hiddenEffects>
+            </a:ext>
+          </a:extLst>
+        </p:spPr>
+      </p:pic>
+    </p:spTree>
+    <p:extLst>
+      <p:ext uri="{BB962C8B-B14F-4D97-AF65-F5344CB8AC3E}">
+        <p14:creationId xmlns:p14="http://schemas.microsoft.com/office/powerpoint/2010/main" val="73284765"/>
+      </p:ext>
+    </p:extLst>
+  </p:cSld>
+  <p:clrMapOvr>
+    <a:masterClrMapping/>
+  </p:clrMapOvr>
+  <p:timing>
+    <p:tnLst>
+      <p:par>
+        <p:cTn id="1" dur="indefinite" restart="never" nodeType="tmRoot"/>
+      </p:par>
+    </p:tnLst>
+  </p:timing>
+</p:sld>
+</file>
+
+<file path=ppt/slides/slide48.xml><?xml version="1.0" encoding="utf-8"?>
+<p:sld xmlns:a="http://schemas.openxmlformats.org/drawingml/2006/main" xmlns:r="http://schemas.openxmlformats.org/officeDocument/2006/relationships" xmlns:p="http://schemas.openxmlformats.org/presentationml/2006/main">
+  <p:cSld>
+    <p:spTree>
+      <p:nvGrpSpPr>
+        <p:cNvPr id="1" name=""/>
+        <p:cNvGrpSpPr/>
+        <p:nvPr/>
+      </p:nvGrpSpPr>
+      <p:grpSpPr>
+        <a:xfrm>
+          <a:off x="0" y="0"/>
+          <a:ext cx="0" cy="0"/>
+          <a:chOff x="0" y="0"/>
+          <a:chExt cx="0" cy="0"/>
+        </a:xfrm>
+      </p:grpSpPr>
+      <p:sp>
+        <p:nvSpPr>
+          <p:cNvPr id="8" name="Retângulo 7">
+            <a:extLst>
+              <a:ext uri="{FF2B5EF4-FFF2-40B4-BE49-F238E27FC236}">
+                <a16:creationId xmlns:a16="http://schemas.microsoft.com/office/drawing/2014/main" xmlns="" id="{9B33DD69-1761-43D2-B589-CE56D2C4FBB6}"/>
+              </a:ext>
+            </a:extLst>
+          </p:cNvPr>
+          <p:cNvSpPr/>
+          <p:nvPr/>
+        </p:nvSpPr>
+        <p:spPr>
+          <a:xfrm>
+            <a:off x="892663" y="0"/>
+            <a:ext cx="11304103" cy="6858000"/>
+          </a:xfrm>
+          <a:prstGeom prst="rect">
+            <a:avLst/>
+          </a:prstGeom>
+          <a:solidFill>
+            <a:schemeClr val="tx1"/>
+          </a:solidFill>
+          <a:ln>
+            <a:solidFill>
+              <a:schemeClr val="tx1"/>
+            </a:solidFill>
+          </a:ln>
+        </p:spPr>
+        <p:style>
+          <a:lnRef idx="2">
+            <a:schemeClr val="accent1">
+              <a:shade val="50000"/>
+            </a:schemeClr>
+          </a:lnRef>
+          <a:fillRef idx="1">
+            <a:schemeClr val="accent1"/>
+          </a:fillRef>
+          <a:effectRef idx="0">
+            <a:schemeClr val="accent1"/>
+          </a:effectRef>
+          <a:fontRef idx="minor">
+            <a:schemeClr val="lt1"/>
+          </a:fontRef>
+        </p:style>
+        <p:txBody>
+          <a:bodyPr rtlCol="0" anchor="ctr"/>
+          <a:lstStyle/>
+          <a:p>
+            <a:pPr algn="ctr"/>
+            <a:endParaRPr lang="pt-BR" sz="2000" dirty="0">
+              <a:solidFill>
+                <a:schemeClr val="bg1"/>
+              </a:solidFill>
+            </a:endParaRPr>
+          </a:p>
+        </p:txBody>
+      </p:sp>
+      <p:sp>
+        <p:nvSpPr>
+          <p:cNvPr id="3" name="AutoShape 2" descr="Download Visual Studio Code - Mac, Linux, Windows"/>
+          <p:cNvSpPr>
+            <a:spLocks noChangeAspect="1" noChangeArrowheads="1"/>
+          </p:cNvSpPr>
+          <p:nvPr/>
+        </p:nvSpPr>
+        <p:spPr bwMode="auto">
+          <a:xfrm>
+            <a:off x="155575" y="-144463"/>
+            <a:ext cx="304800" cy="304801"/>
+          </a:xfrm>
+          <a:prstGeom prst="rect">
+            <a:avLst/>
+          </a:prstGeom>
+          <a:noFill/>
+          <a:extLst>
+            <a:ext uri="{909E8E84-426E-40DD-AFC4-6F175D3DCCD1}">
+              <a14:hiddenFill xmlns:a14="http://schemas.microsoft.com/office/drawing/2010/main">
+                <a:solidFill>
+                  <a:srgbClr val="FFFFFF"/>
+                </a:solidFill>
+              </a14:hiddenFill>
+            </a:ext>
+          </a:extLst>
+        </p:spPr>
+        <p:txBody>
+          <a:bodyPr vert="horz" wrap="square" lIns="91440" tIns="45720" rIns="91440" bIns="45720" numCol="1" anchor="t" anchorCtr="0" compatLnSpc="1">
+            <a:prstTxWarp prst="textNoShape">
+              <a:avLst/>
+            </a:prstTxWarp>
+          </a:bodyPr>
+          <a:lstStyle/>
+          <a:p>
+            <a:endParaRPr lang="pt-BR"/>
+          </a:p>
+        </p:txBody>
+      </p:sp>
+      <p:sp>
+        <p:nvSpPr>
+          <p:cNvPr id="4" name="AutoShape 4" descr="Download Visual Studio Code - Mac, Linux, Windows"/>
+          <p:cNvSpPr>
+            <a:spLocks noChangeAspect="1" noChangeArrowheads="1"/>
+          </p:cNvSpPr>
+          <p:nvPr/>
+        </p:nvSpPr>
+        <p:spPr bwMode="auto">
+          <a:xfrm>
+            <a:off x="307975" y="7937"/>
+            <a:ext cx="304800" cy="304801"/>
+          </a:xfrm>
+          <a:prstGeom prst="rect">
+            <a:avLst/>
+          </a:prstGeom>
+          <a:noFill/>
+          <a:extLst>
+            <a:ext uri="{909E8E84-426E-40DD-AFC4-6F175D3DCCD1}">
+              <a14:hiddenFill xmlns:a14="http://schemas.microsoft.com/office/drawing/2010/main">
+                <a:solidFill>
+                  <a:srgbClr val="FFFFFF"/>
+                </a:solidFill>
+              </a14:hiddenFill>
+            </a:ext>
+          </a:extLst>
+        </p:spPr>
+        <p:txBody>
+          <a:bodyPr vert="horz" wrap="square" lIns="91440" tIns="45720" rIns="91440" bIns="45720" numCol="1" anchor="t" anchorCtr="0" compatLnSpc="1">
+            <a:prstTxWarp prst="textNoShape">
+              <a:avLst/>
+            </a:prstTxWarp>
+          </a:bodyPr>
+          <a:lstStyle/>
+          <a:p>
+            <a:endParaRPr lang="pt-BR"/>
+          </a:p>
+        </p:txBody>
+      </p:sp>
+      <p:sp>
+        <p:nvSpPr>
+          <p:cNvPr id="9" name="CaixaDeTexto 8">
+            <a:extLst>
+              <a:ext uri="{FF2B5EF4-FFF2-40B4-BE49-F238E27FC236}">
+                <a16:creationId xmlns:a16="http://schemas.microsoft.com/office/drawing/2014/main" xmlns="" id="{90B980A2-8D40-4C0A-9871-4FA9794F9C3D}"/>
+              </a:ext>
+            </a:extLst>
+          </p:cNvPr>
+          <p:cNvSpPr txBox="1"/>
+          <p:nvPr/>
+        </p:nvSpPr>
+        <p:spPr>
+          <a:xfrm>
+            <a:off x="1215284" y="160337"/>
+            <a:ext cx="10658859" cy="13634502"/>
+          </a:xfrm>
+          <a:prstGeom prst="rect">
+            <a:avLst/>
+          </a:prstGeom>
+          <a:noFill/>
+        </p:spPr>
+        <p:txBody>
+          <a:bodyPr wrap="square" rtlCol="0">
+            <a:spAutoFit/>
+          </a:bodyPr>
+          <a:lstStyle/>
+          <a:p>
+            <a:pPr algn="just"/>
+            <a:r>
+              <a:rPr lang="pt-BR" sz="2000" dirty="0" smtClean="0">
+                <a:solidFill>
+                  <a:schemeClr val="bg1"/>
+                </a:solidFill>
+              </a:rPr>
+              <a:t>Também podemos inserir arredondamento nas bordas das divs com o </a:t>
+            </a:r>
+            <a:r>
+              <a:rPr lang="pt-BR" sz="2000" dirty="0" smtClean="0">
+                <a:solidFill>
+                  <a:srgbClr val="FF0000"/>
+                </a:solidFill>
+              </a:rPr>
+              <a:t>border-radius</a:t>
+            </a:r>
+            <a:r>
+              <a:rPr lang="pt-BR" sz="2000" dirty="0" smtClean="0">
+                <a:solidFill>
+                  <a:schemeClr val="bg1"/>
+                </a:solidFill>
+              </a:rPr>
+              <a:t> e alterar a cor dos textos das divs com o </a:t>
+            </a:r>
+            <a:r>
+              <a:rPr lang="pt-BR" sz="2000" dirty="0" smtClean="0">
+                <a:solidFill>
+                  <a:srgbClr val="FF0000"/>
+                </a:solidFill>
+              </a:rPr>
+              <a:t>color</a:t>
+            </a:r>
+            <a:r>
+              <a:rPr lang="pt-BR" sz="2000" dirty="0" smtClean="0">
+                <a:solidFill>
+                  <a:schemeClr val="bg1"/>
+                </a:solidFill>
+              </a:rPr>
+              <a:t>:</a:t>
+            </a:r>
+          </a:p>
+          <a:p>
+            <a:pPr algn="just"/>
+            <a:endParaRPr lang="pt-BR" sz="2000" dirty="0">
+              <a:solidFill>
+                <a:schemeClr val="bg1"/>
+              </a:solidFill>
+            </a:endParaRPr>
+          </a:p>
+          <a:p>
+            <a:pPr algn="just"/>
+            <a:endParaRPr lang="pt-BR" sz="2000" dirty="0" smtClean="0">
+              <a:solidFill>
+                <a:schemeClr val="bg1"/>
+              </a:solidFill>
+            </a:endParaRPr>
+          </a:p>
+          <a:p>
+            <a:pPr algn="just"/>
+            <a:endParaRPr lang="pt-BR" sz="2000" dirty="0">
+              <a:solidFill>
+                <a:schemeClr val="bg1"/>
+              </a:solidFill>
+            </a:endParaRPr>
+          </a:p>
+          <a:p>
+            <a:pPr algn="just"/>
+            <a:endParaRPr lang="pt-BR" sz="2000" dirty="0" smtClean="0">
+              <a:solidFill>
+                <a:schemeClr val="bg1"/>
+              </a:solidFill>
+            </a:endParaRPr>
+          </a:p>
+          <a:p>
+            <a:pPr algn="just"/>
+            <a:endParaRPr lang="pt-BR" sz="2000" dirty="0">
+              <a:solidFill>
+                <a:schemeClr val="bg1"/>
+              </a:solidFill>
+            </a:endParaRPr>
+          </a:p>
+          <a:p>
+            <a:pPr algn="just"/>
+            <a:endParaRPr lang="pt-BR" sz="2000" dirty="0" smtClean="0">
+              <a:solidFill>
+                <a:schemeClr val="bg1"/>
+              </a:solidFill>
+            </a:endParaRPr>
+          </a:p>
+          <a:p>
+            <a:pPr algn="just"/>
+            <a:endParaRPr lang="pt-BR" sz="2000" dirty="0">
+              <a:solidFill>
+                <a:schemeClr val="bg1"/>
+              </a:solidFill>
+            </a:endParaRPr>
+          </a:p>
+          <a:p>
+            <a:pPr algn="just"/>
+            <a:endParaRPr lang="pt-BR" sz="2000" dirty="0" smtClean="0">
+              <a:solidFill>
+                <a:schemeClr val="bg1"/>
+              </a:solidFill>
+            </a:endParaRPr>
+          </a:p>
+          <a:p>
+            <a:pPr algn="just"/>
+            <a:endParaRPr lang="pt-BR" sz="2000" dirty="0">
+              <a:solidFill>
+                <a:schemeClr val="bg1"/>
+              </a:solidFill>
+            </a:endParaRPr>
+          </a:p>
+          <a:p>
+            <a:pPr algn="just"/>
+            <a:endParaRPr lang="pt-BR" sz="2000" dirty="0" smtClean="0">
+              <a:solidFill>
+                <a:schemeClr val="bg1"/>
+              </a:solidFill>
+            </a:endParaRPr>
+          </a:p>
+          <a:p>
+            <a:pPr algn="just"/>
+            <a:endParaRPr lang="pt-BR" sz="2000" dirty="0">
+              <a:solidFill>
+                <a:schemeClr val="bg1"/>
+              </a:solidFill>
+            </a:endParaRPr>
+          </a:p>
+          <a:p>
+            <a:pPr algn="just"/>
+            <a:endParaRPr lang="pt-BR" sz="2000" dirty="0" smtClean="0">
+              <a:solidFill>
+                <a:schemeClr val="bg1"/>
+              </a:solidFill>
+            </a:endParaRPr>
+          </a:p>
+          <a:p>
+            <a:pPr algn="just"/>
+            <a:endParaRPr lang="pt-BR" sz="2000" dirty="0">
+              <a:solidFill>
+                <a:schemeClr val="bg1"/>
+              </a:solidFill>
+            </a:endParaRPr>
+          </a:p>
+          <a:p>
+            <a:pPr algn="just"/>
+            <a:endParaRPr lang="pt-BR" sz="2000" dirty="0">
+              <a:solidFill>
+                <a:schemeClr val="bg1"/>
+              </a:solidFill>
+            </a:endParaRPr>
+          </a:p>
+          <a:p>
+            <a:pPr algn="just"/>
+            <a:endParaRPr lang="pt-BR" sz="2000" dirty="0" smtClean="0">
+              <a:solidFill>
+                <a:schemeClr val="bg1">
+                  <a:lumMod val="95000"/>
+                  <a:lumOff val="5000"/>
+                </a:schemeClr>
+              </a:solidFill>
+            </a:endParaRPr>
+          </a:p>
+          <a:p>
+            <a:pPr algn="just"/>
+            <a:endParaRPr lang="pt-BR" sz="1400" dirty="0">
+              <a:solidFill>
+                <a:schemeClr val="bg1">
+                  <a:lumMod val="95000"/>
+                  <a:lumOff val="5000"/>
+                </a:schemeClr>
+              </a:solidFill>
+            </a:endParaRPr>
+          </a:p>
+          <a:p>
+            <a:pPr algn="just"/>
+            <a:endParaRPr lang="pt-BR" sz="1400" dirty="0" smtClean="0">
+              <a:solidFill>
+                <a:schemeClr val="bg1">
+                  <a:lumMod val="95000"/>
+                  <a:lumOff val="5000"/>
+                </a:schemeClr>
+              </a:solidFill>
+            </a:endParaRPr>
+          </a:p>
+          <a:p>
+            <a:pPr algn="just"/>
+            <a:endParaRPr lang="pt-BR" sz="2000" dirty="0" smtClean="0">
+              <a:solidFill>
+                <a:schemeClr val="bg1">
+                  <a:lumMod val="95000"/>
+                  <a:lumOff val="5000"/>
+                </a:schemeClr>
+              </a:solidFill>
+            </a:endParaRPr>
+          </a:p>
+          <a:p>
+            <a:pPr algn="just"/>
+            <a:r>
+              <a:rPr lang="pt-BR" sz="2000" dirty="0" smtClean="0">
+                <a:solidFill>
+                  <a:schemeClr val="bg1">
+                    <a:lumMod val="95000"/>
+                    <a:lumOff val="5000"/>
+                  </a:schemeClr>
+                </a:solidFill>
+              </a:rPr>
+              <a:t>Border-Radius: </a:t>
+            </a:r>
+            <a:r>
+              <a:rPr lang="pt-BR" sz="2000" dirty="0" smtClean="0">
+                <a:solidFill>
+                  <a:schemeClr val="bg1">
+                    <a:lumMod val="95000"/>
+                    <a:lumOff val="5000"/>
+                  </a:schemeClr>
+                </a:solidFill>
+                <a:hlinkClick r:id="rId2"/>
+              </a:rPr>
+              <a:t>https://www.w3schools.com/cssref/css3_pr_border-radius.asp</a:t>
+            </a:r>
+            <a:endParaRPr lang="pt-BR" sz="2000" dirty="0" smtClean="0">
+              <a:solidFill>
+                <a:schemeClr val="bg1">
+                  <a:lumMod val="95000"/>
+                  <a:lumOff val="5000"/>
+                </a:schemeClr>
+              </a:solidFill>
+            </a:endParaRPr>
+          </a:p>
+          <a:p>
+            <a:pPr algn="just"/>
+            <a:r>
+              <a:rPr lang="pt-BR" sz="2000" dirty="0" smtClean="0">
+                <a:solidFill>
+                  <a:schemeClr val="bg1">
+                    <a:lumMod val="95000"/>
+                    <a:lumOff val="5000"/>
+                  </a:schemeClr>
+                </a:solidFill>
+              </a:rPr>
+              <a:t>Color: </a:t>
+            </a:r>
+            <a:r>
+              <a:rPr lang="pt-BR" sz="2000" dirty="0" smtClean="0">
+                <a:solidFill>
+                  <a:schemeClr val="bg1">
+                    <a:lumMod val="95000"/>
+                    <a:lumOff val="5000"/>
+                  </a:schemeClr>
+                </a:solidFill>
+                <a:hlinkClick r:id="rId3"/>
+              </a:rPr>
+              <a:t>https://www.w3schools.com/html/html_colors.asp</a:t>
+            </a:r>
+            <a:endParaRPr lang="pt-BR" sz="2000" dirty="0">
+              <a:solidFill>
+                <a:schemeClr val="bg1">
+                  <a:lumMod val="95000"/>
+                  <a:lumOff val="5000"/>
+                </a:schemeClr>
+              </a:solidFill>
+            </a:endParaRPr>
+          </a:p>
+          <a:p>
+            <a:pPr algn="just"/>
+            <a:endParaRPr lang="pt-BR" sz="2000" dirty="0" smtClean="0">
+              <a:solidFill>
+                <a:schemeClr val="bg1">
+                  <a:lumMod val="95000"/>
+                  <a:lumOff val="5000"/>
+                </a:schemeClr>
+              </a:solidFill>
+            </a:endParaRPr>
+          </a:p>
+          <a:p>
+            <a:pPr algn="just"/>
+            <a:endParaRPr lang="pt-BR" sz="2000" dirty="0">
+              <a:solidFill>
+                <a:schemeClr val="bg1">
+                  <a:lumMod val="95000"/>
+                  <a:lumOff val="5000"/>
+                </a:schemeClr>
+              </a:solidFill>
+            </a:endParaRPr>
+          </a:p>
+          <a:p>
+            <a:pPr algn="just"/>
+            <a:endParaRPr lang="pt-BR" sz="2000" dirty="0" smtClean="0">
+              <a:solidFill>
+                <a:schemeClr val="bg1">
+                  <a:lumMod val="95000"/>
+                  <a:lumOff val="5000"/>
+                </a:schemeClr>
+              </a:solidFill>
+            </a:endParaRPr>
+          </a:p>
+          <a:p>
+            <a:pPr algn="just"/>
+            <a:endParaRPr lang="pt-BR" sz="2000" dirty="0">
+              <a:solidFill>
+                <a:schemeClr val="bg1">
+                  <a:lumMod val="95000"/>
+                  <a:lumOff val="5000"/>
+                </a:schemeClr>
+              </a:solidFill>
+            </a:endParaRPr>
+          </a:p>
+          <a:p>
+            <a:pPr algn="just"/>
+            <a:endParaRPr lang="pt-BR" sz="2000" dirty="0" smtClean="0">
+              <a:solidFill>
+                <a:schemeClr val="bg1">
+                  <a:lumMod val="95000"/>
+                  <a:lumOff val="5000"/>
+                </a:schemeClr>
+              </a:solidFill>
+            </a:endParaRPr>
+          </a:p>
+          <a:p>
+            <a:pPr algn="just"/>
+            <a:endParaRPr lang="pt-BR" sz="2000" dirty="0">
+              <a:solidFill>
+                <a:schemeClr val="bg1">
+                  <a:lumMod val="95000"/>
+                  <a:lumOff val="5000"/>
+                </a:schemeClr>
+              </a:solidFill>
+            </a:endParaRPr>
+          </a:p>
+          <a:p>
+            <a:pPr algn="just"/>
+            <a:endParaRPr lang="pt-BR" sz="2000" dirty="0" smtClean="0">
+              <a:solidFill>
+                <a:schemeClr val="bg1">
+                  <a:lumMod val="95000"/>
+                  <a:lumOff val="5000"/>
+                </a:schemeClr>
+              </a:solidFill>
+            </a:endParaRPr>
+          </a:p>
+          <a:p>
+            <a:pPr algn="just"/>
+            <a:endParaRPr lang="pt-BR" sz="2000" dirty="0">
+              <a:solidFill>
+                <a:schemeClr val="bg1">
+                  <a:lumMod val="95000"/>
+                  <a:lumOff val="5000"/>
+                </a:schemeClr>
+              </a:solidFill>
+            </a:endParaRPr>
+          </a:p>
+          <a:p>
+            <a:pPr algn="just"/>
+            <a:endParaRPr lang="pt-BR" sz="2000" dirty="0" smtClean="0">
+              <a:solidFill>
+                <a:schemeClr val="bg1">
+                  <a:lumMod val="95000"/>
+                  <a:lumOff val="5000"/>
+                </a:schemeClr>
+              </a:solidFill>
+            </a:endParaRPr>
+          </a:p>
+          <a:p>
+            <a:pPr algn="just"/>
+            <a:endParaRPr lang="pt-BR" sz="2000" dirty="0">
+              <a:solidFill>
+                <a:schemeClr val="bg1">
+                  <a:lumMod val="95000"/>
+                  <a:lumOff val="5000"/>
+                </a:schemeClr>
+              </a:solidFill>
+            </a:endParaRPr>
+          </a:p>
+          <a:p>
+            <a:pPr algn="just"/>
+            <a:endParaRPr lang="pt-BR" sz="2000" dirty="0" smtClean="0">
+              <a:solidFill>
+                <a:schemeClr val="bg1">
+                  <a:lumMod val="95000"/>
+                  <a:lumOff val="5000"/>
+                </a:schemeClr>
+              </a:solidFill>
+            </a:endParaRPr>
+          </a:p>
+          <a:p>
+            <a:pPr algn="just"/>
+            <a:endParaRPr lang="pt-BR" sz="2000" dirty="0">
+              <a:solidFill>
+                <a:schemeClr val="bg1">
+                  <a:lumMod val="95000"/>
+                  <a:lumOff val="5000"/>
+                </a:schemeClr>
+              </a:solidFill>
+            </a:endParaRPr>
+          </a:p>
+          <a:p>
+            <a:pPr algn="just"/>
+            <a:endParaRPr lang="pt-BR" sz="2000" dirty="0" smtClean="0">
+              <a:solidFill>
+                <a:schemeClr val="bg1">
+                  <a:lumMod val="95000"/>
+                  <a:lumOff val="5000"/>
+                </a:schemeClr>
+              </a:solidFill>
+            </a:endParaRPr>
+          </a:p>
+          <a:p>
+            <a:pPr algn="just"/>
+            <a:endParaRPr lang="pt-BR" sz="2000" dirty="0" smtClean="0">
+              <a:solidFill>
+                <a:schemeClr val="bg1">
+                  <a:lumMod val="95000"/>
+                  <a:lumOff val="5000"/>
+                </a:schemeClr>
+              </a:solidFill>
+            </a:endParaRPr>
+          </a:p>
+          <a:p>
+            <a:pPr algn="just"/>
+            <a:endParaRPr lang="pt-BR" sz="2000" dirty="0">
+              <a:solidFill>
+                <a:schemeClr val="bg1">
+                  <a:lumMod val="95000"/>
+                  <a:lumOff val="5000"/>
+                </a:schemeClr>
+              </a:solidFill>
+            </a:endParaRPr>
+          </a:p>
+          <a:p>
+            <a:pPr algn="just"/>
+            <a:endParaRPr lang="pt-BR" sz="2000" dirty="0">
+              <a:solidFill>
+                <a:schemeClr val="bg1">
+                  <a:lumMod val="95000"/>
+                  <a:lumOff val="5000"/>
+                </a:schemeClr>
+              </a:solidFill>
+            </a:endParaRPr>
+          </a:p>
+          <a:p>
+            <a:pPr algn="just"/>
+            <a:endParaRPr lang="pt-BR" sz="2000" dirty="0" smtClean="0">
+              <a:solidFill>
+                <a:schemeClr val="bg1">
+                  <a:lumMod val="95000"/>
+                  <a:lumOff val="5000"/>
+                </a:schemeClr>
+              </a:solidFill>
+            </a:endParaRPr>
+          </a:p>
+          <a:p>
+            <a:pPr algn="just"/>
+            <a:endParaRPr lang="pt-BR" sz="2000" dirty="0">
+              <a:solidFill>
+                <a:schemeClr val="bg1">
+                  <a:lumMod val="95000"/>
+                  <a:lumOff val="5000"/>
+                </a:schemeClr>
+              </a:solidFill>
+            </a:endParaRPr>
+          </a:p>
+          <a:p>
+            <a:pPr algn="just"/>
+            <a:endParaRPr lang="pt-BR" sz="2000" dirty="0" smtClean="0">
+              <a:solidFill>
+                <a:schemeClr val="bg1">
+                  <a:lumMod val="95000"/>
+                  <a:lumOff val="5000"/>
+                </a:schemeClr>
+              </a:solidFill>
+            </a:endParaRPr>
+          </a:p>
+          <a:p>
+            <a:pPr algn="just"/>
+            <a:endParaRPr lang="pt-BR" sz="2000" dirty="0">
+              <a:solidFill>
+                <a:schemeClr val="bg1">
+                  <a:lumMod val="95000"/>
+                  <a:lumOff val="5000"/>
+                </a:schemeClr>
+              </a:solidFill>
+            </a:endParaRPr>
+          </a:p>
+          <a:p>
+            <a:pPr algn="just"/>
+            <a:endParaRPr lang="pt-BR" sz="2000" dirty="0" smtClean="0">
+              <a:solidFill>
+                <a:schemeClr val="bg1"/>
+              </a:solidFill>
+            </a:endParaRPr>
+          </a:p>
+          <a:p>
+            <a:pPr algn="just"/>
+            <a:endParaRPr lang="pt-BR" sz="2000" dirty="0" smtClean="0">
+              <a:solidFill>
+                <a:schemeClr val="bg1">
+                  <a:lumMod val="95000"/>
+                  <a:lumOff val="5000"/>
+                </a:schemeClr>
+              </a:solidFill>
+            </a:endParaRPr>
+          </a:p>
+        </p:txBody>
+      </p:sp>
+      <p:pic>
+        <p:nvPicPr>
+          <p:cNvPr id="5122" name="Picture 2"/>
+          <p:cNvPicPr>
+            <a:picLocks noChangeAspect="1" noChangeArrowheads="1"/>
+          </p:cNvPicPr>
+          <p:nvPr/>
+        </p:nvPicPr>
+        <p:blipFill>
+          <a:blip r:embed="rId4">
+            <a:extLst>
+              <a:ext uri="{28A0092B-C50C-407E-A947-70E740481C1C}">
+                <a14:useLocalDpi xmlns:a14="http://schemas.microsoft.com/office/drawing/2010/main" val="0"/>
+              </a:ext>
+            </a:extLst>
+          </a:blip>
+          <a:srcRect/>
+          <a:stretch>
+            <a:fillRect/>
+          </a:stretch>
+        </p:blipFill>
+        <p:spPr bwMode="auto">
+          <a:xfrm>
+            <a:off x="1308286" y="974637"/>
+            <a:ext cx="9367947" cy="5034278"/>
+          </a:xfrm>
+          <a:prstGeom prst="rect">
+            <a:avLst/>
+          </a:prstGeom>
+          <a:noFill/>
+          <a:ln>
+            <a:noFill/>
+          </a:ln>
+          <a:effectLst/>
+          <a:extLst>
+            <a:ext uri="{909E8E84-426E-40DD-AFC4-6F175D3DCCD1}">
+              <a14:hiddenFill xmlns:a14="http://schemas.microsoft.com/office/drawing/2010/main">
+                <a:solidFill>
+                  <a:schemeClr val="accent1"/>
+                </a:solidFill>
+              </a14:hiddenFill>
+            </a:ext>
+            <a:ext uri="{91240B29-F687-4F45-9708-019B960494DF}">
+              <a14:hiddenLine xmlns:a14="http://schemas.microsoft.com/office/drawing/2010/main" w="9525">
+                <a:solidFill>
+                  <a:schemeClr val="tx1"/>
+                </a:solidFill>
+                <a:miter lim="800000"/>
+                <a:headEnd/>
+                <a:tailEnd/>
+              </a14:hiddenLine>
+            </a:ext>
+            <a:ext uri="{AF507438-7753-43E0-B8FC-AC1667EBCBE1}">
+              <a14:hiddenEffects xmlns:a14="http://schemas.microsoft.com/office/drawing/2010/main">
+                <a:effectLst>
+                  <a:outerShdw dist="35921" dir="2700000" algn="ctr" rotWithShape="0">
+                    <a:schemeClr val="bg2"/>
+                  </a:outerShdw>
+                </a:effectLst>
+              </a14:hiddenEffects>
+            </a:ext>
+          </a:extLst>
+        </p:spPr>
+      </p:pic>
+    </p:spTree>
+    <p:extLst>
+      <p:ext uri="{BB962C8B-B14F-4D97-AF65-F5344CB8AC3E}">
+        <p14:creationId xmlns:p14="http://schemas.microsoft.com/office/powerpoint/2010/main" val="3451471978"/>
+      </p:ext>
+    </p:extLst>
+  </p:cSld>
+  <p:clrMapOvr>
+    <a:masterClrMapping/>
+  </p:clrMapOvr>
+  <p:timing>
+    <p:tnLst>
+      <p:par>
+        <p:cTn id="1" dur="indefinite" restart="never" nodeType="tmRoot"/>
+      </p:par>
+    </p:tnLst>
+  </p:timing>
+</p:sld>
+</file>
+
+<file path=ppt/slides/slide49.xml><?xml version="1.0" encoding="utf-8"?>
+<p:sld xmlns:a="http://schemas.openxmlformats.org/drawingml/2006/main" xmlns:r="http://schemas.openxmlformats.org/officeDocument/2006/relationships" xmlns:p="http://schemas.openxmlformats.org/presentationml/2006/main">
+  <p:cSld>
+    <p:spTree>
+      <p:nvGrpSpPr>
+        <p:cNvPr id="1" name=""/>
+        <p:cNvGrpSpPr/>
+        <p:nvPr/>
+      </p:nvGrpSpPr>
+      <p:grpSpPr>
+        <a:xfrm>
+          <a:off x="0" y="0"/>
+          <a:ext cx="0" cy="0"/>
+          <a:chOff x="0" y="0"/>
+          <a:chExt cx="0" cy="0"/>
+        </a:xfrm>
+      </p:grpSpPr>
+      <p:sp>
+        <p:nvSpPr>
+          <p:cNvPr id="2" name="Título 1">
+            <a:extLst>
+              <a:ext uri="{FF2B5EF4-FFF2-40B4-BE49-F238E27FC236}">
+                <a16:creationId xmlns:a16="http://schemas.microsoft.com/office/drawing/2014/main" xmlns="" id="{14AB9F69-8D24-468C-93DF-A1666924EB0C}"/>
+              </a:ext>
+            </a:extLst>
+          </p:cNvPr>
+          <p:cNvSpPr>
+            <a:spLocks noGrp="1"/>
+          </p:cNvSpPr>
+          <p:nvPr>
+            <p:ph type="ctrTitle"/>
+          </p:nvPr>
+        </p:nvSpPr>
+        <p:spPr/>
+        <p:txBody>
+          <a:bodyPr>
+            <a:normAutofit/>
+          </a:bodyPr>
+          <a:lstStyle/>
+          <a:p>
+            <a:r>
+              <a:rPr lang="pt-BR" sz="4400" dirty="0" smtClean="0"/>
+              <a:t>Exercício</a:t>
+            </a:r>
+            <a:endParaRPr lang="pt-BR" sz="4400" dirty="0"/>
+          </a:p>
+        </p:txBody>
+      </p:sp>
+      <p:sp>
+        <p:nvSpPr>
+          <p:cNvPr id="3" name="Subtítulo 2">
+            <a:extLst>
+              <a:ext uri="{FF2B5EF4-FFF2-40B4-BE49-F238E27FC236}">
+                <a16:creationId xmlns:a16="http://schemas.microsoft.com/office/drawing/2014/main" xmlns="" id="{0E4BFB9B-D461-4F8E-B2A0-819D63FA7EC4}"/>
+              </a:ext>
+            </a:extLst>
+          </p:cNvPr>
+          <p:cNvSpPr>
+            <a:spLocks noGrp="1"/>
+          </p:cNvSpPr>
+          <p:nvPr>
+            <p:ph type="subTitle" idx="1"/>
+          </p:nvPr>
+        </p:nvSpPr>
+        <p:spPr>
+          <a:xfrm>
+            <a:off x="1876424" y="3547166"/>
+            <a:ext cx="8791575" cy="1655762"/>
+          </a:xfrm>
+        </p:spPr>
+        <p:txBody>
+          <a:bodyPr/>
+          <a:lstStyle/>
+          <a:p>
+            <a:r>
+              <a:rPr lang="pt-BR" dirty="0" smtClean="0"/>
+              <a:t>HTML + CSS</a:t>
+            </a:r>
+            <a:endParaRPr lang="pt-BR" dirty="0"/>
+          </a:p>
+        </p:txBody>
+      </p:sp>
+    </p:spTree>
+    <p:extLst>
+      <p:ext uri="{BB962C8B-B14F-4D97-AF65-F5344CB8AC3E}">
+        <p14:creationId xmlns:p14="http://schemas.microsoft.com/office/powerpoint/2010/main" val="3892178501"/>
       </p:ext>
     </p:extLst>
   </p:cSld>
@@ -29562,6 +33152,3400 @@
     <p:extLst>
       <p:ext uri="{BB962C8B-B14F-4D97-AF65-F5344CB8AC3E}">
         <p14:creationId xmlns:p14="http://schemas.microsoft.com/office/powerpoint/2010/main" val="3895775520"/>
+      </p:ext>
+    </p:extLst>
+  </p:cSld>
+  <p:clrMapOvr>
+    <a:masterClrMapping/>
+  </p:clrMapOvr>
+  <p:timing>
+    <p:tnLst>
+      <p:par>
+        <p:cTn id="1" dur="indefinite" restart="never" nodeType="tmRoot"/>
+      </p:par>
+    </p:tnLst>
+  </p:timing>
+</p:sld>
+</file>
+
+<file path=ppt/slides/slide50.xml><?xml version="1.0" encoding="utf-8"?>
+<p:sld xmlns:a="http://schemas.openxmlformats.org/drawingml/2006/main" xmlns:r="http://schemas.openxmlformats.org/officeDocument/2006/relationships" xmlns:p="http://schemas.openxmlformats.org/presentationml/2006/main">
+  <p:cSld>
+    <p:spTree>
+      <p:nvGrpSpPr>
+        <p:cNvPr id="1" name=""/>
+        <p:cNvGrpSpPr/>
+        <p:nvPr/>
+      </p:nvGrpSpPr>
+      <p:grpSpPr>
+        <a:xfrm>
+          <a:off x="0" y="0"/>
+          <a:ext cx="0" cy="0"/>
+          <a:chOff x="0" y="0"/>
+          <a:chExt cx="0" cy="0"/>
+        </a:xfrm>
+      </p:grpSpPr>
+      <p:sp>
+        <p:nvSpPr>
+          <p:cNvPr id="8" name="Retângulo 7">
+            <a:extLst>
+              <a:ext uri="{FF2B5EF4-FFF2-40B4-BE49-F238E27FC236}">
+                <a16:creationId xmlns:a16="http://schemas.microsoft.com/office/drawing/2014/main" xmlns="" id="{9B33DD69-1761-43D2-B589-CE56D2C4FBB6}"/>
+              </a:ext>
+            </a:extLst>
+          </p:cNvPr>
+          <p:cNvSpPr/>
+          <p:nvPr/>
+        </p:nvSpPr>
+        <p:spPr>
+          <a:xfrm>
+            <a:off x="892663" y="0"/>
+            <a:ext cx="11304103" cy="6858000"/>
+          </a:xfrm>
+          <a:prstGeom prst="rect">
+            <a:avLst/>
+          </a:prstGeom>
+          <a:solidFill>
+            <a:schemeClr val="tx1"/>
+          </a:solidFill>
+          <a:ln>
+            <a:solidFill>
+              <a:schemeClr val="tx1"/>
+            </a:solidFill>
+          </a:ln>
+        </p:spPr>
+        <p:style>
+          <a:lnRef idx="2">
+            <a:schemeClr val="accent1">
+              <a:shade val="50000"/>
+            </a:schemeClr>
+          </a:lnRef>
+          <a:fillRef idx="1">
+            <a:schemeClr val="accent1"/>
+          </a:fillRef>
+          <a:effectRef idx="0">
+            <a:schemeClr val="accent1"/>
+          </a:effectRef>
+          <a:fontRef idx="minor">
+            <a:schemeClr val="lt1"/>
+          </a:fontRef>
+        </p:style>
+        <p:txBody>
+          <a:bodyPr rtlCol="0" anchor="ctr"/>
+          <a:lstStyle/>
+          <a:p>
+            <a:pPr algn="ctr"/>
+            <a:endParaRPr lang="pt-BR" sz="2000" dirty="0">
+              <a:solidFill>
+                <a:schemeClr val="bg1"/>
+              </a:solidFill>
+            </a:endParaRPr>
+          </a:p>
+        </p:txBody>
+      </p:sp>
+      <p:sp>
+        <p:nvSpPr>
+          <p:cNvPr id="3" name="AutoShape 2" descr="Download Visual Studio Code - Mac, Linux, Windows"/>
+          <p:cNvSpPr>
+            <a:spLocks noChangeAspect="1" noChangeArrowheads="1"/>
+          </p:cNvSpPr>
+          <p:nvPr/>
+        </p:nvSpPr>
+        <p:spPr bwMode="auto">
+          <a:xfrm>
+            <a:off x="155575" y="-144463"/>
+            <a:ext cx="304800" cy="304801"/>
+          </a:xfrm>
+          <a:prstGeom prst="rect">
+            <a:avLst/>
+          </a:prstGeom>
+          <a:noFill/>
+          <a:extLst>
+            <a:ext uri="{909E8E84-426E-40DD-AFC4-6F175D3DCCD1}">
+              <a14:hiddenFill xmlns:a14="http://schemas.microsoft.com/office/drawing/2010/main">
+                <a:solidFill>
+                  <a:srgbClr val="FFFFFF"/>
+                </a:solidFill>
+              </a14:hiddenFill>
+            </a:ext>
+          </a:extLst>
+        </p:spPr>
+        <p:txBody>
+          <a:bodyPr vert="horz" wrap="square" lIns="91440" tIns="45720" rIns="91440" bIns="45720" numCol="1" anchor="t" anchorCtr="0" compatLnSpc="1">
+            <a:prstTxWarp prst="textNoShape">
+              <a:avLst/>
+            </a:prstTxWarp>
+          </a:bodyPr>
+          <a:lstStyle/>
+          <a:p>
+            <a:endParaRPr lang="pt-BR"/>
+          </a:p>
+        </p:txBody>
+      </p:sp>
+      <p:sp>
+        <p:nvSpPr>
+          <p:cNvPr id="4" name="AutoShape 4" descr="Download Visual Studio Code - Mac, Linux, Windows"/>
+          <p:cNvSpPr>
+            <a:spLocks noChangeAspect="1" noChangeArrowheads="1"/>
+          </p:cNvSpPr>
+          <p:nvPr/>
+        </p:nvSpPr>
+        <p:spPr bwMode="auto">
+          <a:xfrm>
+            <a:off x="307975" y="7937"/>
+            <a:ext cx="304800" cy="304801"/>
+          </a:xfrm>
+          <a:prstGeom prst="rect">
+            <a:avLst/>
+          </a:prstGeom>
+          <a:noFill/>
+          <a:extLst>
+            <a:ext uri="{909E8E84-426E-40DD-AFC4-6F175D3DCCD1}">
+              <a14:hiddenFill xmlns:a14="http://schemas.microsoft.com/office/drawing/2010/main">
+                <a:solidFill>
+                  <a:srgbClr val="FFFFFF"/>
+                </a:solidFill>
+              </a14:hiddenFill>
+            </a:ext>
+          </a:extLst>
+        </p:spPr>
+        <p:txBody>
+          <a:bodyPr vert="horz" wrap="square" lIns="91440" tIns="45720" rIns="91440" bIns="45720" numCol="1" anchor="t" anchorCtr="0" compatLnSpc="1">
+            <a:prstTxWarp prst="textNoShape">
+              <a:avLst/>
+            </a:prstTxWarp>
+          </a:bodyPr>
+          <a:lstStyle/>
+          <a:p>
+            <a:endParaRPr lang="pt-BR"/>
+          </a:p>
+        </p:txBody>
+      </p:sp>
+      <p:sp>
+        <p:nvSpPr>
+          <p:cNvPr id="9" name="CaixaDeTexto 8">
+            <a:extLst>
+              <a:ext uri="{FF2B5EF4-FFF2-40B4-BE49-F238E27FC236}">
+                <a16:creationId xmlns:a16="http://schemas.microsoft.com/office/drawing/2014/main" xmlns="" id="{90B980A2-8D40-4C0A-9871-4FA9794F9C3D}"/>
+              </a:ext>
+            </a:extLst>
+          </p:cNvPr>
+          <p:cNvSpPr txBox="1"/>
+          <p:nvPr/>
+        </p:nvSpPr>
+        <p:spPr>
+          <a:xfrm>
+            <a:off x="1215284" y="160337"/>
+            <a:ext cx="10658859" cy="14250055"/>
+          </a:xfrm>
+          <a:prstGeom prst="rect">
+            <a:avLst/>
+          </a:prstGeom>
+          <a:noFill/>
+        </p:spPr>
+        <p:txBody>
+          <a:bodyPr wrap="square" rtlCol="0">
+            <a:spAutoFit/>
+          </a:bodyPr>
+          <a:lstStyle/>
+          <a:p>
+            <a:pPr algn="just"/>
+            <a:r>
+              <a:rPr lang="pt-BR" sz="2000" dirty="0" smtClean="0">
+                <a:solidFill>
+                  <a:schemeClr val="bg1">
+                    <a:lumMod val="95000"/>
+                    <a:lumOff val="5000"/>
+                  </a:schemeClr>
+                </a:solidFill>
+              </a:rPr>
+              <a:t>Utilizando o que já aprendemos, monte uma página em </a:t>
+            </a:r>
+            <a:r>
+              <a:rPr lang="pt-BR" sz="2000" dirty="0" smtClean="0">
+                <a:solidFill>
+                  <a:srgbClr val="FF0000"/>
+                </a:solidFill>
+              </a:rPr>
+              <a:t>.html </a:t>
+            </a:r>
+            <a:r>
+              <a:rPr lang="pt-BR" sz="2000" dirty="0" smtClean="0">
+                <a:solidFill>
+                  <a:schemeClr val="bg1">
+                    <a:lumMod val="95000"/>
+                    <a:lumOff val="5000"/>
+                  </a:schemeClr>
+                </a:solidFill>
+              </a:rPr>
+              <a:t>conforme exemplo abaixo.</a:t>
+            </a:r>
+          </a:p>
+          <a:p>
+            <a:pPr algn="just"/>
+            <a:endParaRPr lang="pt-BR" sz="2000" dirty="0">
+              <a:solidFill>
+                <a:schemeClr val="bg1">
+                  <a:lumMod val="95000"/>
+                  <a:lumOff val="5000"/>
+                </a:schemeClr>
+              </a:solidFill>
+            </a:endParaRPr>
+          </a:p>
+          <a:p>
+            <a:pPr algn="just"/>
+            <a:endParaRPr lang="pt-BR" sz="2000" dirty="0" smtClean="0">
+              <a:solidFill>
+                <a:schemeClr val="bg1">
+                  <a:lumMod val="95000"/>
+                  <a:lumOff val="5000"/>
+                </a:schemeClr>
+              </a:solidFill>
+            </a:endParaRPr>
+          </a:p>
+          <a:p>
+            <a:pPr algn="just"/>
+            <a:endParaRPr lang="pt-BR" sz="2000" dirty="0">
+              <a:solidFill>
+                <a:schemeClr val="bg1">
+                  <a:lumMod val="95000"/>
+                  <a:lumOff val="5000"/>
+                </a:schemeClr>
+              </a:solidFill>
+            </a:endParaRPr>
+          </a:p>
+          <a:p>
+            <a:pPr algn="just"/>
+            <a:endParaRPr lang="pt-BR" sz="2000" dirty="0" smtClean="0">
+              <a:solidFill>
+                <a:schemeClr val="bg1">
+                  <a:lumMod val="95000"/>
+                  <a:lumOff val="5000"/>
+                </a:schemeClr>
+              </a:solidFill>
+            </a:endParaRPr>
+          </a:p>
+          <a:p>
+            <a:pPr algn="just"/>
+            <a:endParaRPr lang="pt-BR" sz="2000" dirty="0">
+              <a:solidFill>
+                <a:schemeClr val="bg1">
+                  <a:lumMod val="95000"/>
+                  <a:lumOff val="5000"/>
+                </a:schemeClr>
+              </a:solidFill>
+            </a:endParaRPr>
+          </a:p>
+          <a:p>
+            <a:pPr algn="just"/>
+            <a:endParaRPr lang="pt-BR" sz="2000" dirty="0" smtClean="0">
+              <a:solidFill>
+                <a:schemeClr val="bg1">
+                  <a:lumMod val="95000"/>
+                  <a:lumOff val="5000"/>
+                </a:schemeClr>
+              </a:solidFill>
+            </a:endParaRPr>
+          </a:p>
+          <a:p>
+            <a:pPr algn="just"/>
+            <a:endParaRPr lang="pt-BR" sz="2000" dirty="0">
+              <a:solidFill>
+                <a:schemeClr val="bg1">
+                  <a:lumMod val="95000"/>
+                  <a:lumOff val="5000"/>
+                </a:schemeClr>
+              </a:solidFill>
+            </a:endParaRPr>
+          </a:p>
+          <a:p>
+            <a:pPr algn="just"/>
+            <a:endParaRPr lang="pt-BR" sz="2000" dirty="0" smtClean="0">
+              <a:solidFill>
+                <a:schemeClr val="bg1">
+                  <a:lumMod val="95000"/>
+                  <a:lumOff val="5000"/>
+                </a:schemeClr>
+              </a:solidFill>
+            </a:endParaRPr>
+          </a:p>
+          <a:p>
+            <a:pPr algn="just"/>
+            <a:endParaRPr lang="pt-BR" sz="2000" dirty="0">
+              <a:solidFill>
+                <a:schemeClr val="bg1">
+                  <a:lumMod val="95000"/>
+                  <a:lumOff val="5000"/>
+                </a:schemeClr>
+              </a:solidFill>
+            </a:endParaRPr>
+          </a:p>
+          <a:p>
+            <a:pPr algn="just"/>
+            <a:endParaRPr lang="pt-BR" sz="2000" dirty="0" smtClean="0">
+              <a:solidFill>
+                <a:schemeClr val="bg1">
+                  <a:lumMod val="95000"/>
+                  <a:lumOff val="5000"/>
+                </a:schemeClr>
+              </a:solidFill>
+            </a:endParaRPr>
+          </a:p>
+          <a:p>
+            <a:pPr algn="just"/>
+            <a:endParaRPr lang="pt-BR" sz="2000" dirty="0">
+              <a:solidFill>
+                <a:schemeClr val="bg1">
+                  <a:lumMod val="95000"/>
+                  <a:lumOff val="5000"/>
+                </a:schemeClr>
+              </a:solidFill>
+            </a:endParaRPr>
+          </a:p>
+          <a:p>
+            <a:pPr algn="just"/>
+            <a:endParaRPr lang="pt-BR" sz="2000" dirty="0" smtClean="0">
+              <a:solidFill>
+                <a:schemeClr val="bg1">
+                  <a:lumMod val="95000"/>
+                  <a:lumOff val="5000"/>
+                </a:schemeClr>
+              </a:solidFill>
+            </a:endParaRPr>
+          </a:p>
+          <a:p>
+            <a:pPr algn="just"/>
+            <a:endParaRPr lang="pt-BR" sz="2000" dirty="0">
+              <a:solidFill>
+                <a:schemeClr val="bg1">
+                  <a:lumMod val="95000"/>
+                  <a:lumOff val="5000"/>
+                </a:schemeClr>
+              </a:solidFill>
+            </a:endParaRPr>
+          </a:p>
+          <a:p>
+            <a:pPr algn="just"/>
+            <a:endParaRPr lang="pt-BR" sz="2000" dirty="0" smtClean="0">
+              <a:solidFill>
+                <a:schemeClr val="bg1">
+                  <a:lumMod val="95000"/>
+                  <a:lumOff val="5000"/>
+                </a:schemeClr>
+              </a:solidFill>
+            </a:endParaRPr>
+          </a:p>
+          <a:p>
+            <a:pPr algn="just"/>
+            <a:endParaRPr lang="pt-BR" sz="2000" dirty="0">
+              <a:solidFill>
+                <a:schemeClr val="bg1">
+                  <a:lumMod val="95000"/>
+                  <a:lumOff val="5000"/>
+                </a:schemeClr>
+              </a:solidFill>
+            </a:endParaRPr>
+          </a:p>
+          <a:p>
+            <a:pPr algn="just"/>
+            <a:endParaRPr lang="pt-BR" sz="2000" dirty="0" smtClean="0">
+              <a:solidFill>
+                <a:schemeClr val="bg1">
+                  <a:lumMod val="95000"/>
+                  <a:lumOff val="5000"/>
+                </a:schemeClr>
+              </a:solidFill>
+            </a:endParaRPr>
+          </a:p>
+          <a:p>
+            <a:pPr algn="just"/>
+            <a:r>
+              <a:rPr lang="pt-BR" sz="2000" dirty="0" smtClean="0">
+                <a:solidFill>
+                  <a:srgbClr val="FF0000"/>
+                </a:solidFill>
+              </a:rPr>
+              <a:t>Dica</a:t>
+            </a:r>
+            <a:r>
+              <a:rPr lang="pt-BR" sz="2000" dirty="0" smtClean="0">
+                <a:solidFill>
+                  <a:schemeClr val="bg1">
+                    <a:lumMod val="95000"/>
+                    <a:lumOff val="5000"/>
+                  </a:schemeClr>
+                </a:solidFill>
+              </a:rPr>
+              <a:t>: Para pintar apenas a borda de baixo da div utilizamos o </a:t>
+            </a:r>
+            <a:r>
+              <a:rPr lang="pt-BR" sz="2000" dirty="0" smtClean="0">
+                <a:solidFill>
+                  <a:srgbClr val="FF0000"/>
+                </a:solidFill>
+              </a:rPr>
+              <a:t>border-</a:t>
+            </a:r>
+            <a:r>
+              <a:rPr lang="pt-BR" sz="2000" dirty="0" err="1" smtClean="0">
+                <a:solidFill>
+                  <a:srgbClr val="FF0000"/>
+                </a:solidFill>
+              </a:rPr>
+              <a:t>bottom</a:t>
+            </a:r>
+            <a:r>
+              <a:rPr lang="pt-BR" sz="2000" dirty="0" smtClean="0">
+                <a:solidFill>
+                  <a:schemeClr val="bg1">
+                    <a:lumMod val="95000"/>
+                    <a:lumOff val="5000"/>
+                  </a:schemeClr>
+                </a:solidFill>
+              </a:rPr>
+              <a:t>: </a:t>
+            </a:r>
+          </a:p>
+          <a:p>
+            <a:pPr algn="just"/>
+            <a:r>
+              <a:rPr lang="pt-BR" sz="2000" dirty="0" smtClean="0">
+                <a:solidFill>
+                  <a:schemeClr val="bg1">
+                    <a:lumMod val="95000"/>
+                    <a:lumOff val="5000"/>
+                  </a:schemeClr>
+                </a:solidFill>
+                <a:hlinkClick r:id="rId2"/>
+              </a:rPr>
+              <a:t>https://www.w3schools.com/cssref/pr_border-bottom.asp</a:t>
+            </a:r>
+            <a:endParaRPr lang="pt-BR" sz="2000" dirty="0" smtClean="0">
+              <a:solidFill>
+                <a:schemeClr val="bg1">
+                  <a:lumMod val="95000"/>
+                  <a:lumOff val="5000"/>
+                </a:schemeClr>
+              </a:solidFill>
+            </a:endParaRPr>
+          </a:p>
+          <a:p>
+            <a:pPr algn="just"/>
+            <a:endParaRPr lang="pt-BR" sz="2000" dirty="0">
+              <a:solidFill>
+                <a:schemeClr val="bg1">
+                  <a:lumMod val="95000"/>
+                  <a:lumOff val="5000"/>
+                </a:schemeClr>
+              </a:solidFill>
+            </a:endParaRPr>
+          </a:p>
+          <a:p>
+            <a:pPr algn="just"/>
+            <a:r>
+              <a:rPr lang="pt-BR" sz="2000" dirty="0" smtClean="0">
+                <a:solidFill>
+                  <a:schemeClr val="bg1">
+                    <a:lumMod val="95000"/>
+                    <a:lumOff val="5000"/>
+                  </a:schemeClr>
+                </a:solidFill>
+              </a:rPr>
+              <a:t>Não esqueça de subir os arquivos no </a:t>
+            </a:r>
+            <a:r>
+              <a:rPr lang="pt-BR" sz="2000" dirty="0" smtClean="0">
+                <a:solidFill>
+                  <a:srgbClr val="FF0000"/>
+                </a:solidFill>
+              </a:rPr>
+              <a:t>github</a:t>
+            </a:r>
+            <a:r>
+              <a:rPr lang="pt-BR" sz="2000" dirty="0" smtClean="0">
+                <a:solidFill>
+                  <a:schemeClr val="bg1">
+                    <a:lumMod val="95000"/>
+                    <a:lumOff val="5000"/>
+                  </a:schemeClr>
+                </a:solidFill>
+              </a:rPr>
+              <a:t>: </a:t>
+            </a:r>
+            <a:r>
+              <a:rPr lang="pt-BR" sz="2000" dirty="0" smtClean="0">
+                <a:solidFill>
+                  <a:schemeClr val="bg1">
+                    <a:lumMod val="95000"/>
+                    <a:lumOff val="5000"/>
+                  </a:schemeClr>
+                </a:solidFill>
+                <a:hlinkClick r:id="rId3"/>
+              </a:rPr>
+              <a:t>https://www.youtube.com/watch?v=Fj3gtbaF8WA</a:t>
+            </a:r>
+            <a:endParaRPr lang="pt-BR" sz="2000" dirty="0" smtClean="0">
+              <a:solidFill>
+                <a:schemeClr val="bg1">
+                  <a:lumMod val="95000"/>
+                  <a:lumOff val="5000"/>
+                </a:schemeClr>
+              </a:solidFill>
+            </a:endParaRPr>
+          </a:p>
+          <a:p>
+            <a:pPr algn="just"/>
+            <a:endParaRPr lang="pt-BR" sz="2000" dirty="0">
+              <a:solidFill>
+                <a:schemeClr val="bg1">
+                  <a:lumMod val="95000"/>
+                  <a:lumOff val="5000"/>
+                </a:schemeClr>
+              </a:solidFill>
+            </a:endParaRPr>
+          </a:p>
+          <a:p>
+            <a:pPr algn="just"/>
+            <a:endParaRPr lang="pt-BR" sz="2000" dirty="0" smtClean="0">
+              <a:solidFill>
+                <a:schemeClr val="bg1">
+                  <a:lumMod val="95000"/>
+                  <a:lumOff val="5000"/>
+                </a:schemeClr>
+              </a:solidFill>
+            </a:endParaRPr>
+          </a:p>
+          <a:p>
+            <a:pPr algn="just"/>
+            <a:endParaRPr lang="pt-BR" sz="2000" dirty="0">
+              <a:solidFill>
+                <a:schemeClr val="bg1">
+                  <a:lumMod val="95000"/>
+                  <a:lumOff val="5000"/>
+                </a:schemeClr>
+              </a:solidFill>
+            </a:endParaRPr>
+          </a:p>
+          <a:p>
+            <a:pPr algn="just"/>
+            <a:endParaRPr lang="pt-BR" sz="2000" dirty="0" smtClean="0">
+              <a:solidFill>
+                <a:schemeClr val="bg1">
+                  <a:lumMod val="95000"/>
+                  <a:lumOff val="5000"/>
+                </a:schemeClr>
+              </a:solidFill>
+            </a:endParaRPr>
+          </a:p>
+          <a:p>
+            <a:pPr algn="just"/>
+            <a:endParaRPr lang="pt-BR" sz="2000" dirty="0">
+              <a:solidFill>
+                <a:schemeClr val="bg1">
+                  <a:lumMod val="95000"/>
+                  <a:lumOff val="5000"/>
+                </a:schemeClr>
+              </a:solidFill>
+            </a:endParaRPr>
+          </a:p>
+          <a:p>
+            <a:pPr algn="just"/>
+            <a:endParaRPr lang="pt-BR" sz="2000" dirty="0" smtClean="0">
+              <a:solidFill>
+                <a:schemeClr val="bg1">
+                  <a:lumMod val="95000"/>
+                  <a:lumOff val="5000"/>
+                </a:schemeClr>
+              </a:solidFill>
+            </a:endParaRPr>
+          </a:p>
+          <a:p>
+            <a:pPr algn="just"/>
+            <a:endParaRPr lang="pt-BR" sz="2000" dirty="0">
+              <a:solidFill>
+                <a:schemeClr val="bg1">
+                  <a:lumMod val="95000"/>
+                  <a:lumOff val="5000"/>
+                </a:schemeClr>
+              </a:solidFill>
+            </a:endParaRPr>
+          </a:p>
+          <a:p>
+            <a:pPr algn="just"/>
+            <a:endParaRPr lang="pt-BR" sz="2000" dirty="0" smtClean="0">
+              <a:solidFill>
+                <a:schemeClr val="bg1">
+                  <a:lumMod val="95000"/>
+                  <a:lumOff val="5000"/>
+                </a:schemeClr>
+              </a:solidFill>
+            </a:endParaRPr>
+          </a:p>
+          <a:p>
+            <a:pPr algn="just"/>
+            <a:endParaRPr lang="pt-BR" sz="2000" dirty="0">
+              <a:solidFill>
+                <a:schemeClr val="bg1">
+                  <a:lumMod val="95000"/>
+                  <a:lumOff val="5000"/>
+                </a:schemeClr>
+              </a:solidFill>
+            </a:endParaRPr>
+          </a:p>
+          <a:p>
+            <a:pPr algn="just"/>
+            <a:endParaRPr lang="pt-BR" sz="2000" dirty="0" smtClean="0">
+              <a:solidFill>
+                <a:schemeClr val="bg1">
+                  <a:lumMod val="95000"/>
+                  <a:lumOff val="5000"/>
+                </a:schemeClr>
+              </a:solidFill>
+            </a:endParaRPr>
+          </a:p>
+          <a:p>
+            <a:pPr algn="just"/>
+            <a:endParaRPr lang="pt-BR" sz="2000" dirty="0">
+              <a:solidFill>
+                <a:schemeClr val="bg1">
+                  <a:lumMod val="95000"/>
+                  <a:lumOff val="5000"/>
+                </a:schemeClr>
+              </a:solidFill>
+            </a:endParaRPr>
+          </a:p>
+          <a:p>
+            <a:pPr algn="just"/>
+            <a:endParaRPr lang="pt-BR" sz="2000" dirty="0" smtClean="0">
+              <a:solidFill>
+                <a:schemeClr val="bg1">
+                  <a:lumMod val="95000"/>
+                  <a:lumOff val="5000"/>
+                </a:schemeClr>
+              </a:solidFill>
+            </a:endParaRPr>
+          </a:p>
+          <a:p>
+            <a:pPr algn="just"/>
+            <a:endParaRPr lang="pt-BR" sz="2000" dirty="0">
+              <a:solidFill>
+                <a:schemeClr val="bg1">
+                  <a:lumMod val="95000"/>
+                  <a:lumOff val="5000"/>
+                </a:schemeClr>
+              </a:solidFill>
+            </a:endParaRPr>
+          </a:p>
+          <a:p>
+            <a:pPr algn="just"/>
+            <a:endParaRPr lang="pt-BR" sz="2000" dirty="0" smtClean="0">
+              <a:solidFill>
+                <a:schemeClr val="bg1">
+                  <a:lumMod val="95000"/>
+                  <a:lumOff val="5000"/>
+                </a:schemeClr>
+              </a:solidFill>
+            </a:endParaRPr>
+          </a:p>
+          <a:p>
+            <a:pPr algn="just"/>
+            <a:endParaRPr lang="pt-BR" sz="2000" dirty="0">
+              <a:solidFill>
+                <a:schemeClr val="bg1">
+                  <a:lumMod val="95000"/>
+                  <a:lumOff val="5000"/>
+                </a:schemeClr>
+              </a:solidFill>
+            </a:endParaRPr>
+          </a:p>
+          <a:p>
+            <a:pPr algn="just"/>
+            <a:endParaRPr lang="pt-BR" sz="2000" dirty="0" smtClean="0">
+              <a:solidFill>
+                <a:schemeClr val="bg1">
+                  <a:lumMod val="95000"/>
+                  <a:lumOff val="5000"/>
+                </a:schemeClr>
+              </a:solidFill>
+            </a:endParaRPr>
+          </a:p>
+          <a:p>
+            <a:pPr algn="just"/>
+            <a:endParaRPr lang="pt-BR" sz="2000" dirty="0" smtClean="0">
+              <a:solidFill>
+                <a:schemeClr val="bg1">
+                  <a:lumMod val="95000"/>
+                  <a:lumOff val="5000"/>
+                </a:schemeClr>
+              </a:solidFill>
+            </a:endParaRPr>
+          </a:p>
+          <a:p>
+            <a:pPr algn="just"/>
+            <a:endParaRPr lang="pt-BR" sz="2000" dirty="0">
+              <a:solidFill>
+                <a:schemeClr val="bg1">
+                  <a:lumMod val="95000"/>
+                  <a:lumOff val="5000"/>
+                </a:schemeClr>
+              </a:solidFill>
+            </a:endParaRPr>
+          </a:p>
+          <a:p>
+            <a:pPr algn="just"/>
+            <a:endParaRPr lang="pt-BR" sz="2000" dirty="0">
+              <a:solidFill>
+                <a:schemeClr val="bg1">
+                  <a:lumMod val="95000"/>
+                  <a:lumOff val="5000"/>
+                </a:schemeClr>
+              </a:solidFill>
+            </a:endParaRPr>
+          </a:p>
+          <a:p>
+            <a:pPr algn="just"/>
+            <a:endParaRPr lang="pt-BR" sz="2000" dirty="0" smtClean="0">
+              <a:solidFill>
+                <a:schemeClr val="bg1">
+                  <a:lumMod val="95000"/>
+                  <a:lumOff val="5000"/>
+                </a:schemeClr>
+              </a:solidFill>
+            </a:endParaRPr>
+          </a:p>
+          <a:p>
+            <a:pPr algn="just"/>
+            <a:endParaRPr lang="pt-BR" sz="2000" dirty="0">
+              <a:solidFill>
+                <a:schemeClr val="bg1">
+                  <a:lumMod val="95000"/>
+                  <a:lumOff val="5000"/>
+                </a:schemeClr>
+              </a:solidFill>
+            </a:endParaRPr>
+          </a:p>
+          <a:p>
+            <a:pPr algn="just"/>
+            <a:endParaRPr lang="pt-BR" sz="2000" dirty="0" smtClean="0">
+              <a:solidFill>
+                <a:schemeClr val="bg1">
+                  <a:lumMod val="95000"/>
+                  <a:lumOff val="5000"/>
+                </a:schemeClr>
+              </a:solidFill>
+            </a:endParaRPr>
+          </a:p>
+          <a:p>
+            <a:pPr algn="just"/>
+            <a:endParaRPr lang="pt-BR" sz="2000" dirty="0">
+              <a:solidFill>
+                <a:schemeClr val="bg1">
+                  <a:lumMod val="95000"/>
+                  <a:lumOff val="5000"/>
+                </a:schemeClr>
+              </a:solidFill>
+            </a:endParaRPr>
+          </a:p>
+          <a:p>
+            <a:pPr algn="just"/>
+            <a:endParaRPr lang="pt-BR" sz="2000" dirty="0" smtClean="0">
+              <a:solidFill>
+                <a:schemeClr val="bg1"/>
+              </a:solidFill>
+            </a:endParaRPr>
+          </a:p>
+          <a:p>
+            <a:pPr algn="just"/>
+            <a:endParaRPr lang="pt-BR" sz="2000" dirty="0" smtClean="0">
+              <a:solidFill>
+                <a:schemeClr val="bg1">
+                  <a:lumMod val="95000"/>
+                  <a:lumOff val="5000"/>
+                </a:schemeClr>
+              </a:solidFill>
+            </a:endParaRPr>
+          </a:p>
+        </p:txBody>
+      </p:sp>
+      <p:pic>
+        <p:nvPicPr>
+          <p:cNvPr id="6146" name="Picture 2"/>
+          <p:cNvPicPr>
+            <a:picLocks noChangeAspect="1" noChangeArrowheads="1"/>
+          </p:cNvPicPr>
+          <p:nvPr/>
+        </p:nvPicPr>
+        <p:blipFill>
+          <a:blip r:embed="rId4">
+            <a:extLst>
+              <a:ext uri="{28A0092B-C50C-407E-A947-70E740481C1C}">
+                <a14:useLocalDpi xmlns:a14="http://schemas.microsoft.com/office/drawing/2010/main" val="0"/>
+              </a:ext>
+            </a:extLst>
+          </a:blip>
+          <a:srcRect/>
+          <a:stretch>
+            <a:fillRect/>
+          </a:stretch>
+        </p:blipFill>
+        <p:spPr bwMode="auto">
+          <a:xfrm>
+            <a:off x="2501350" y="893990"/>
+            <a:ext cx="8086725" cy="4286250"/>
+          </a:xfrm>
+          <a:prstGeom prst="rect">
+            <a:avLst/>
+          </a:prstGeom>
+          <a:noFill/>
+          <a:ln>
+            <a:noFill/>
+          </a:ln>
+          <a:effectLst/>
+          <a:extLst>
+            <a:ext uri="{909E8E84-426E-40DD-AFC4-6F175D3DCCD1}">
+              <a14:hiddenFill xmlns:a14="http://schemas.microsoft.com/office/drawing/2010/main">
+                <a:solidFill>
+                  <a:schemeClr val="accent1"/>
+                </a:solidFill>
+              </a14:hiddenFill>
+            </a:ext>
+            <a:ext uri="{91240B29-F687-4F45-9708-019B960494DF}">
+              <a14:hiddenLine xmlns:a14="http://schemas.microsoft.com/office/drawing/2010/main" w="9525">
+                <a:solidFill>
+                  <a:schemeClr val="tx1"/>
+                </a:solidFill>
+                <a:miter lim="800000"/>
+                <a:headEnd/>
+                <a:tailEnd/>
+              </a14:hiddenLine>
+            </a:ext>
+            <a:ext uri="{AF507438-7753-43E0-B8FC-AC1667EBCBE1}">
+              <a14:hiddenEffects xmlns:a14="http://schemas.microsoft.com/office/drawing/2010/main">
+                <a:effectLst>
+                  <a:outerShdw dist="35921" dir="2700000" algn="ctr" rotWithShape="0">
+                    <a:schemeClr val="bg2"/>
+                  </a:outerShdw>
+                </a:effectLst>
+              </a14:hiddenEffects>
+            </a:ext>
+          </a:extLst>
+        </p:spPr>
+      </p:pic>
+    </p:spTree>
+    <p:extLst>
+      <p:ext uri="{BB962C8B-B14F-4D97-AF65-F5344CB8AC3E}">
+        <p14:creationId xmlns:p14="http://schemas.microsoft.com/office/powerpoint/2010/main" val="2921948151"/>
+      </p:ext>
+    </p:extLst>
+  </p:cSld>
+  <p:clrMapOvr>
+    <a:masterClrMapping/>
+  </p:clrMapOvr>
+  <p:timing>
+    <p:tnLst>
+      <p:par>
+        <p:cTn id="1" dur="indefinite" restart="never" nodeType="tmRoot"/>
+      </p:par>
+    </p:tnLst>
+  </p:timing>
+</p:sld>
+</file>
+
+<file path=ppt/slides/slide51.xml><?xml version="1.0" encoding="utf-8"?>
+<p:sld xmlns:a="http://schemas.openxmlformats.org/drawingml/2006/main" xmlns:r="http://schemas.openxmlformats.org/officeDocument/2006/relationships" xmlns:p="http://schemas.openxmlformats.org/presentationml/2006/main">
+  <p:cSld>
+    <p:spTree>
+      <p:nvGrpSpPr>
+        <p:cNvPr id="1" name=""/>
+        <p:cNvGrpSpPr/>
+        <p:nvPr/>
+      </p:nvGrpSpPr>
+      <p:grpSpPr>
+        <a:xfrm>
+          <a:off x="0" y="0"/>
+          <a:ext cx="0" cy="0"/>
+          <a:chOff x="0" y="0"/>
+          <a:chExt cx="0" cy="0"/>
+        </a:xfrm>
+      </p:grpSpPr>
+      <p:sp>
+        <p:nvSpPr>
+          <p:cNvPr id="2" name="Título 1">
+            <a:extLst>
+              <a:ext uri="{FF2B5EF4-FFF2-40B4-BE49-F238E27FC236}">
+                <a16:creationId xmlns:a16="http://schemas.microsoft.com/office/drawing/2014/main" xmlns="" id="{14AB9F69-8D24-468C-93DF-A1666924EB0C}"/>
+              </a:ext>
+            </a:extLst>
+          </p:cNvPr>
+          <p:cNvSpPr>
+            <a:spLocks noGrp="1"/>
+          </p:cNvSpPr>
+          <p:nvPr>
+            <p:ph type="ctrTitle"/>
+          </p:nvPr>
+        </p:nvSpPr>
+        <p:spPr/>
+        <p:txBody>
+          <a:bodyPr>
+            <a:normAutofit/>
+          </a:bodyPr>
+          <a:lstStyle/>
+          <a:p>
+            <a:r>
+              <a:rPr lang="pt-BR" sz="4400" dirty="0" smtClean="0"/>
+              <a:t>Arquivo CSS</a:t>
+            </a:r>
+            <a:endParaRPr lang="pt-BR" sz="4400" dirty="0"/>
+          </a:p>
+        </p:txBody>
+      </p:sp>
+      <p:sp>
+        <p:nvSpPr>
+          <p:cNvPr id="3" name="Subtítulo 2">
+            <a:extLst>
+              <a:ext uri="{FF2B5EF4-FFF2-40B4-BE49-F238E27FC236}">
+                <a16:creationId xmlns:a16="http://schemas.microsoft.com/office/drawing/2014/main" xmlns="" id="{0E4BFB9B-D461-4F8E-B2A0-819D63FA7EC4}"/>
+              </a:ext>
+            </a:extLst>
+          </p:cNvPr>
+          <p:cNvSpPr>
+            <a:spLocks noGrp="1"/>
+          </p:cNvSpPr>
+          <p:nvPr>
+            <p:ph type="subTitle" idx="1"/>
+          </p:nvPr>
+        </p:nvSpPr>
+        <p:spPr>
+          <a:xfrm>
+            <a:off x="1876424" y="3547166"/>
+            <a:ext cx="8791575" cy="1655762"/>
+          </a:xfrm>
+        </p:spPr>
+        <p:txBody>
+          <a:bodyPr/>
+          <a:lstStyle/>
+          <a:p>
+            <a:r>
+              <a:rPr lang="pt-BR" dirty="0" smtClean="0"/>
+              <a:t>HTML + CSS</a:t>
+            </a:r>
+            <a:endParaRPr lang="pt-BR" dirty="0"/>
+          </a:p>
+        </p:txBody>
+      </p:sp>
+    </p:spTree>
+    <p:extLst>
+      <p:ext uri="{BB962C8B-B14F-4D97-AF65-F5344CB8AC3E}">
+        <p14:creationId xmlns:p14="http://schemas.microsoft.com/office/powerpoint/2010/main" val="877905278"/>
+      </p:ext>
+    </p:extLst>
+  </p:cSld>
+  <p:clrMapOvr>
+    <a:masterClrMapping/>
+  </p:clrMapOvr>
+  <p:timing>
+    <p:tnLst>
+      <p:par>
+        <p:cTn id="1" dur="indefinite" restart="never" nodeType="tmRoot"/>
+      </p:par>
+    </p:tnLst>
+  </p:timing>
+</p:sld>
+</file>
+
+<file path=ppt/slides/slide52.xml><?xml version="1.0" encoding="utf-8"?>
+<p:sld xmlns:a="http://schemas.openxmlformats.org/drawingml/2006/main" xmlns:r="http://schemas.openxmlformats.org/officeDocument/2006/relationships" xmlns:p="http://schemas.openxmlformats.org/presentationml/2006/main">
+  <p:cSld>
+    <p:spTree>
+      <p:nvGrpSpPr>
+        <p:cNvPr id="1" name=""/>
+        <p:cNvGrpSpPr/>
+        <p:nvPr/>
+      </p:nvGrpSpPr>
+      <p:grpSpPr>
+        <a:xfrm>
+          <a:off x="0" y="0"/>
+          <a:ext cx="0" cy="0"/>
+          <a:chOff x="0" y="0"/>
+          <a:chExt cx="0" cy="0"/>
+        </a:xfrm>
+      </p:grpSpPr>
+      <p:sp>
+        <p:nvSpPr>
+          <p:cNvPr id="8" name="Retângulo 7">
+            <a:extLst>
+              <a:ext uri="{FF2B5EF4-FFF2-40B4-BE49-F238E27FC236}">
+                <a16:creationId xmlns:a16="http://schemas.microsoft.com/office/drawing/2014/main" xmlns="" id="{9B33DD69-1761-43D2-B589-CE56D2C4FBB6}"/>
+              </a:ext>
+            </a:extLst>
+          </p:cNvPr>
+          <p:cNvSpPr/>
+          <p:nvPr/>
+        </p:nvSpPr>
+        <p:spPr>
+          <a:xfrm>
+            <a:off x="892663" y="0"/>
+            <a:ext cx="11304103" cy="6858000"/>
+          </a:xfrm>
+          <a:prstGeom prst="rect">
+            <a:avLst/>
+          </a:prstGeom>
+          <a:solidFill>
+            <a:schemeClr val="tx1"/>
+          </a:solidFill>
+          <a:ln>
+            <a:solidFill>
+              <a:schemeClr val="tx1"/>
+            </a:solidFill>
+          </a:ln>
+        </p:spPr>
+        <p:style>
+          <a:lnRef idx="2">
+            <a:schemeClr val="accent1">
+              <a:shade val="50000"/>
+            </a:schemeClr>
+          </a:lnRef>
+          <a:fillRef idx="1">
+            <a:schemeClr val="accent1"/>
+          </a:fillRef>
+          <a:effectRef idx="0">
+            <a:schemeClr val="accent1"/>
+          </a:effectRef>
+          <a:fontRef idx="minor">
+            <a:schemeClr val="lt1"/>
+          </a:fontRef>
+        </p:style>
+        <p:txBody>
+          <a:bodyPr rtlCol="0" anchor="ctr"/>
+          <a:lstStyle/>
+          <a:p>
+            <a:pPr algn="ctr"/>
+            <a:endParaRPr lang="pt-BR" sz="2000" dirty="0">
+              <a:solidFill>
+                <a:schemeClr val="bg1"/>
+              </a:solidFill>
+            </a:endParaRPr>
+          </a:p>
+        </p:txBody>
+      </p:sp>
+      <p:sp>
+        <p:nvSpPr>
+          <p:cNvPr id="3" name="AutoShape 2" descr="Download Visual Studio Code - Mac, Linux, Windows"/>
+          <p:cNvSpPr>
+            <a:spLocks noChangeAspect="1" noChangeArrowheads="1"/>
+          </p:cNvSpPr>
+          <p:nvPr/>
+        </p:nvSpPr>
+        <p:spPr bwMode="auto">
+          <a:xfrm>
+            <a:off x="155575" y="-144463"/>
+            <a:ext cx="304800" cy="304801"/>
+          </a:xfrm>
+          <a:prstGeom prst="rect">
+            <a:avLst/>
+          </a:prstGeom>
+          <a:noFill/>
+          <a:extLst>
+            <a:ext uri="{909E8E84-426E-40DD-AFC4-6F175D3DCCD1}">
+              <a14:hiddenFill xmlns:a14="http://schemas.microsoft.com/office/drawing/2010/main">
+                <a:solidFill>
+                  <a:srgbClr val="FFFFFF"/>
+                </a:solidFill>
+              </a14:hiddenFill>
+            </a:ext>
+          </a:extLst>
+        </p:spPr>
+        <p:txBody>
+          <a:bodyPr vert="horz" wrap="square" lIns="91440" tIns="45720" rIns="91440" bIns="45720" numCol="1" anchor="t" anchorCtr="0" compatLnSpc="1">
+            <a:prstTxWarp prst="textNoShape">
+              <a:avLst/>
+            </a:prstTxWarp>
+          </a:bodyPr>
+          <a:lstStyle/>
+          <a:p>
+            <a:endParaRPr lang="pt-BR"/>
+          </a:p>
+        </p:txBody>
+      </p:sp>
+      <p:sp>
+        <p:nvSpPr>
+          <p:cNvPr id="4" name="AutoShape 4" descr="Download Visual Studio Code - Mac, Linux, Windows"/>
+          <p:cNvSpPr>
+            <a:spLocks noChangeAspect="1" noChangeArrowheads="1"/>
+          </p:cNvSpPr>
+          <p:nvPr/>
+        </p:nvSpPr>
+        <p:spPr bwMode="auto">
+          <a:xfrm>
+            <a:off x="307975" y="7937"/>
+            <a:ext cx="304800" cy="304801"/>
+          </a:xfrm>
+          <a:prstGeom prst="rect">
+            <a:avLst/>
+          </a:prstGeom>
+          <a:noFill/>
+          <a:extLst>
+            <a:ext uri="{909E8E84-426E-40DD-AFC4-6F175D3DCCD1}">
+              <a14:hiddenFill xmlns:a14="http://schemas.microsoft.com/office/drawing/2010/main">
+                <a:solidFill>
+                  <a:srgbClr val="FFFFFF"/>
+                </a:solidFill>
+              </a14:hiddenFill>
+            </a:ext>
+          </a:extLst>
+        </p:spPr>
+        <p:txBody>
+          <a:bodyPr vert="horz" wrap="square" lIns="91440" tIns="45720" rIns="91440" bIns="45720" numCol="1" anchor="t" anchorCtr="0" compatLnSpc="1">
+            <a:prstTxWarp prst="textNoShape">
+              <a:avLst/>
+            </a:prstTxWarp>
+          </a:bodyPr>
+          <a:lstStyle/>
+          <a:p>
+            <a:endParaRPr lang="pt-BR"/>
+          </a:p>
+        </p:txBody>
+      </p:sp>
+      <p:sp>
+        <p:nvSpPr>
+          <p:cNvPr id="9" name="CaixaDeTexto 8">
+            <a:extLst>
+              <a:ext uri="{FF2B5EF4-FFF2-40B4-BE49-F238E27FC236}">
+                <a16:creationId xmlns:a16="http://schemas.microsoft.com/office/drawing/2014/main" xmlns="" id="{90B980A2-8D40-4C0A-9871-4FA9794F9C3D}"/>
+              </a:ext>
+            </a:extLst>
+          </p:cNvPr>
+          <p:cNvSpPr txBox="1"/>
+          <p:nvPr/>
+        </p:nvSpPr>
+        <p:spPr>
+          <a:xfrm>
+            <a:off x="1215284" y="160337"/>
+            <a:ext cx="10658859" cy="6555641"/>
+          </a:xfrm>
+          <a:prstGeom prst="rect">
+            <a:avLst/>
+          </a:prstGeom>
+          <a:noFill/>
+        </p:spPr>
+        <p:txBody>
+          <a:bodyPr wrap="square" rtlCol="0">
+            <a:spAutoFit/>
+          </a:bodyPr>
+          <a:lstStyle/>
+          <a:p>
+            <a:pPr algn="just"/>
+            <a:r>
+              <a:rPr lang="pt-BR" sz="2000" dirty="0" smtClean="0">
+                <a:solidFill>
+                  <a:schemeClr val="bg1"/>
+                </a:solidFill>
+              </a:rPr>
+              <a:t>Ao invés de abrirmos a </a:t>
+            </a:r>
+            <a:r>
+              <a:rPr lang="pt-BR" sz="2000" dirty="0" smtClean="0">
+                <a:solidFill>
+                  <a:srgbClr val="FF0000"/>
+                </a:solidFill>
+              </a:rPr>
+              <a:t>tag style </a:t>
+            </a:r>
+            <a:r>
+              <a:rPr lang="pt-BR" sz="2000" dirty="0" smtClean="0">
+                <a:solidFill>
+                  <a:schemeClr val="bg1"/>
+                </a:solidFill>
+              </a:rPr>
+              <a:t>e passarmos todos os atributos para nossos objetos no próprio objeto como a </a:t>
+            </a:r>
+            <a:r>
+              <a:rPr lang="pt-BR" sz="2000" dirty="0" smtClean="0">
+                <a:solidFill>
+                  <a:srgbClr val="FF0000"/>
+                </a:solidFill>
+              </a:rPr>
+              <a:t>div </a:t>
+            </a:r>
+            <a:r>
+              <a:rPr lang="pt-BR" sz="2000" dirty="0" smtClean="0">
+                <a:solidFill>
+                  <a:schemeClr val="bg1"/>
+                </a:solidFill>
+              </a:rPr>
+              <a:t>por exemplo, podemos criar um arquivo com a extensão </a:t>
+            </a:r>
+            <a:r>
+              <a:rPr lang="pt-BR" sz="2000" dirty="0" smtClean="0">
+                <a:solidFill>
+                  <a:srgbClr val="FF0000"/>
+                </a:solidFill>
+              </a:rPr>
+              <a:t>.css </a:t>
+            </a:r>
+            <a:r>
+              <a:rPr lang="pt-BR" sz="2000" dirty="0" smtClean="0">
+                <a:solidFill>
+                  <a:schemeClr val="bg1"/>
+                </a:solidFill>
+              </a:rPr>
+              <a:t>e realizar todos os estilos dos objetos em uma </a:t>
+            </a:r>
+            <a:r>
+              <a:rPr lang="pt-BR" sz="2000" dirty="0" smtClean="0">
+                <a:solidFill>
+                  <a:srgbClr val="FF0000"/>
+                </a:solidFill>
+              </a:rPr>
+              <a:t>classe</a:t>
+            </a:r>
+            <a:r>
+              <a:rPr lang="pt-BR" sz="2000" dirty="0" smtClean="0">
+                <a:solidFill>
+                  <a:schemeClr val="bg1"/>
+                </a:solidFill>
+              </a:rPr>
+              <a:t>, na qual essa </a:t>
+            </a:r>
+            <a:r>
+              <a:rPr lang="pt-BR" sz="2000" dirty="0" smtClean="0">
+                <a:solidFill>
+                  <a:srgbClr val="FF0000"/>
+                </a:solidFill>
+              </a:rPr>
+              <a:t>classe</a:t>
+            </a:r>
+            <a:r>
+              <a:rPr lang="pt-BR" sz="2000" dirty="0" smtClean="0">
+                <a:solidFill>
+                  <a:schemeClr val="bg1"/>
+                </a:solidFill>
+              </a:rPr>
+              <a:t> será passada para todos os objetos que desejamos: </a:t>
+            </a:r>
+          </a:p>
+          <a:p>
+            <a:pPr algn="just"/>
+            <a:endParaRPr lang="pt-BR" sz="2000" dirty="0">
+              <a:solidFill>
+                <a:schemeClr val="bg1"/>
+              </a:solidFill>
+            </a:endParaRPr>
+          </a:p>
+          <a:p>
+            <a:pPr algn="just"/>
+            <a:endParaRPr lang="pt-BR" sz="2000" dirty="0" smtClean="0">
+              <a:solidFill>
+                <a:schemeClr val="bg1">
+                  <a:lumMod val="95000"/>
+                  <a:lumOff val="5000"/>
+                </a:schemeClr>
+              </a:solidFill>
+            </a:endParaRPr>
+          </a:p>
+          <a:p>
+            <a:pPr algn="just"/>
+            <a:endParaRPr lang="pt-BR" sz="2000" dirty="0">
+              <a:solidFill>
+                <a:schemeClr val="bg1">
+                  <a:lumMod val="95000"/>
+                  <a:lumOff val="5000"/>
+                </a:schemeClr>
+              </a:solidFill>
+            </a:endParaRPr>
+          </a:p>
+          <a:p>
+            <a:pPr algn="just"/>
+            <a:endParaRPr lang="pt-BR" sz="2000" dirty="0" smtClean="0">
+              <a:solidFill>
+                <a:schemeClr val="bg1">
+                  <a:lumMod val="95000"/>
+                  <a:lumOff val="5000"/>
+                </a:schemeClr>
+              </a:solidFill>
+            </a:endParaRPr>
+          </a:p>
+          <a:p>
+            <a:pPr algn="just"/>
+            <a:endParaRPr lang="pt-BR" sz="2000" dirty="0">
+              <a:solidFill>
+                <a:schemeClr val="bg1">
+                  <a:lumMod val="95000"/>
+                  <a:lumOff val="5000"/>
+                </a:schemeClr>
+              </a:solidFill>
+            </a:endParaRPr>
+          </a:p>
+          <a:p>
+            <a:pPr algn="just"/>
+            <a:endParaRPr lang="pt-BR" sz="2000" dirty="0" smtClean="0">
+              <a:solidFill>
+                <a:schemeClr val="bg1">
+                  <a:lumMod val="95000"/>
+                  <a:lumOff val="5000"/>
+                </a:schemeClr>
+              </a:solidFill>
+            </a:endParaRPr>
+          </a:p>
+          <a:p>
+            <a:pPr algn="just"/>
+            <a:endParaRPr lang="pt-BR" sz="2000" dirty="0">
+              <a:solidFill>
+                <a:schemeClr val="bg1">
+                  <a:lumMod val="95000"/>
+                  <a:lumOff val="5000"/>
+                </a:schemeClr>
+              </a:solidFill>
+            </a:endParaRPr>
+          </a:p>
+          <a:p>
+            <a:pPr algn="just"/>
+            <a:endParaRPr lang="pt-BR" sz="2000" dirty="0" smtClean="0">
+              <a:solidFill>
+                <a:schemeClr val="bg1">
+                  <a:lumMod val="95000"/>
+                  <a:lumOff val="5000"/>
+                </a:schemeClr>
+              </a:solidFill>
+            </a:endParaRPr>
+          </a:p>
+          <a:p>
+            <a:pPr algn="just"/>
+            <a:endParaRPr lang="pt-BR" sz="2000" dirty="0">
+              <a:solidFill>
+                <a:schemeClr val="bg1">
+                  <a:lumMod val="95000"/>
+                  <a:lumOff val="5000"/>
+                </a:schemeClr>
+              </a:solidFill>
+            </a:endParaRPr>
+          </a:p>
+          <a:p>
+            <a:pPr algn="just"/>
+            <a:endParaRPr lang="pt-BR" sz="2000" dirty="0" smtClean="0">
+              <a:solidFill>
+                <a:schemeClr val="bg1">
+                  <a:lumMod val="95000"/>
+                  <a:lumOff val="5000"/>
+                </a:schemeClr>
+              </a:solidFill>
+            </a:endParaRPr>
+          </a:p>
+          <a:p>
+            <a:pPr algn="just"/>
+            <a:endParaRPr lang="pt-BR" sz="2000" dirty="0">
+              <a:solidFill>
+                <a:schemeClr val="bg1">
+                  <a:lumMod val="95000"/>
+                  <a:lumOff val="5000"/>
+                </a:schemeClr>
+              </a:solidFill>
+            </a:endParaRPr>
+          </a:p>
+          <a:p>
+            <a:pPr algn="just"/>
+            <a:endParaRPr lang="pt-BR" sz="2000" dirty="0" smtClean="0">
+              <a:solidFill>
+                <a:schemeClr val="bg1">
+                  <a:lumMod val="95000"/>
+                  <a:lumOff val="5000"/>
+                </a:schemeClr>
+              </a:solidFill>
+            </a:endParaRPr>
+          </a:p>
+          <a:p>
+            <a:pPr algn="just"/>
+            <a:endParaRPr lang="pt-BR" sz="2000" dirty="0">
+              <a:solidFill>
+                <a:schemeClr val="bg1">
+                  <a:lumMod val="95000"/>
+                  <a:lumOff val="5000"/>
+                </a:schemeClr>
+              </a:solidFill>
+            </a:endParaRPr>
+          </a:p>
+          <a:p>
+            <a:pPr algn="just"/>
+            <a:endParaRPr lang="pt-BR" sz="2000" dirty="0">
+              <a:solidFill>
+                <a:schemeClr val="bg1">
+                  <a:lumMod val="95000"/>
+                  <a:lumOff val="5000"/>
+                </a:schemeClr>
+              </a:solidFill>
+            </a:endParaRPr>
+          </a:p>
+          <a:p>
+            <a:pPr algn="just"/>
+            <a:endParaRPr lang="pt-BR" sz="2000" dirty="0" smtClean="0">
+              <a:solidFill>
+                <a:schemeClr val="bg1">
+                  <a:lumMod val="95000"/>
+                  <a:lumOff val="5000"/>
+                </a:schemeClr>
+              </a:solidFill>
+            </a:endParaRPr>
+          </a:p>
+          <a:p>
+            <a:pPr algn="just"/>
+            <a:endParaRPr lang="pt-BR" sz="2000" dirty="0">
+              <a:solidFill>
+                <a:schemeClr val="bg1">
+                  <a:lumMod val="95000"/>
+                  <a:lumOff val="5000"/>
+                </a:schemeClr>
+              </a:solidFill>
+            </a:endParaRPr>
+          </a:p>
+          <a:p>
+            <a:pPr algn="just"/>
+            <a:endParaRPr lang="pt-BR" sz="2000" dirty="0" smtClean="0">
+              <a:solidFill>
+                <a:schemeClr val="bg1"/>
+              </a:solidFill>
+            </a:endParaRPr>
+          </a:p>
+          <a:p>
+            <a:pPr algn="just"/>
+            <a:endParaRPr lang="pt-BR" sz="2000" dirty="0" smtClean="0">
+              <a:solidFill>
+                <a:schemeClr val="bg1">
+                  <a:lumMod val="95000"/>
+                  <a:lumOff val="5000"/>
+                </a:schemeClr>
+              </a:solidFill>
+            </a:endParaRPr>
+          </a:p>
+        </p:txBody>
+      </p:sp>
+      <p:pic>
+        <p:nvPicPr>
+          <p:cNvPr id="1027" name="Picture 3"/>
+          <p:cNvPicPr>
+            <a:picLocks noChangeAspect="1" noChangeArrowheads="1"/>
+          </p:cNvPicPr>
+          <p:nvPr/>
+        </p:nvPicPr>
+        <p:blipFill>
+          <a:blip r:embed="rId2">
+            <a:extLst>
+              <a:ext uri="{28A0092B-C50C-407E-A947-70E740481C1C}">
+                <a14:useLocalDpi xmlns:a14="http://schemas.microsoft.com/office/drawing/2010/main" val="0"/>
+              </a:ext>
+            </a:extLst>
+          </a:blip>
+          <a:srcRect/>
+          <a:stretch>
+            <a:fillRect/>
+          </a:stretch>
+        </p:blipFill>
+        <p:spPr bwMode="auto">
+          <a:xfrm>
+            <a:off x="1215284" y="1512991"/>
+            <a:ext cx="10658859" cy="4910789"/>
+          </a:xfrm>
+          <a:prstGeom prst="rect">
+            <a:avLst/>
+          </a:prstGeom>
+          <a:noFill/>
+          <a:ln>
+            <a:noFill/>
+          </a:ln>
+          <a:effectLst/>
+          <a:extLst>
+            <a:ext uri="{909E8E84-426E-40DD-AFC4-6F175D3DCCD1}">
+              <a14:hiddenFill xmlns:a14="http://schemas.microsoft.com/office/drawing/2010/main">
+                <a:solidFill>
+                  <a:schemeClr val="accent1"/>
+                </a:solidFill>
+              </a14:hiddenFill>
+            </a:ext>
+            <a:ext uri="{91240B29-F687-4F45-9708-019B960494DF}">
+              <a14:hiddenLine xmlns:a14="http://schemas.microsoft.com/office/drawing/2010/main" w="9525">
+                <a:solidFill>
+                  <a:schemeClr val="tx1"/>
+                </a:solidFill>
+                <a:miter lim="800000"/>
+                <a:headEnd/>
+                <a:tailEnd/>
+              </a14:hiddenLine>
+            </a:ext>
+            <a:ext uri="{AF507438-7753-43E0-B8FC-AC1667EBCBE1}">
+              <a14:hiddenEffects xmlns:a14="http://schemas.microsoft.com/office/drawing/2010/main">
+                <a:effectLst>
+                  <a:outerShdw dist="35921" dir="2700000" algn="ctr" rotWithShape="0">
+                    <a:schemeClr val="bg2"/>
+                  </a:outerShdw>
+                </a:effectLst>
+              </a14:hiddenEffects>
+            </a:ext>
+          </a:extLst>
+        </p:spPr>
+      </p:pic>
+    </p:spTree>
+    <p:extLst>
+      <p:ext uri="{BB962C8B-B14F-4D97-AF65-F5344CB8AC3E}">
+        <p14:creationId xmlns:p14="http://schemas.microsoft.com/office/powerpoint/2010/main" val="2067219776"/>
+      </p:ext>
+    </p:extLst>
+  </p:cSld>
+  <p:clrMapOvr>
+    <a:masterClrMapping/>
+  </p:clrMapOvr>
+  <p:timing>
+    <p:tnLst>
+      <p:par>
+        <p:cTn id="1" dur="indefinite" restart="never" nodeType="tmRoot"/>
+      </p:par>
+    </p:tnLst>
+  </p:timing>
+</p:sld>
+</file>
+
+<file path=ppt/slides/slide53.xml><?xml version="1.0" encoding="utf-8"?>
+<p:sld xmlns:a="http://schemas.openxmlformats.org/drawingml/2006/main" xmlns:r="http://schemas.openxmlformats.org/officeDocument/2006/relationships" xmlns:p="http://schemas.openxmlformats.org/presentationml/2006/main">
+  <p:cSld>
+    <p:spTree>
+      <p:nvGrpSpPr>
+        <p:cNvPr id="1" name=""/>
+        <p:cNvGrpSpPr/>
+        <p:nvPr/>
+      </p:nvGrpSpPr>
+      <p:grpSpPr>
+        <a:xfrm>
+          <a:off x="0" y="0"/>
+          <a:ext cx="0" cy="0"/>
+          <a:chOff x="0" y="0"/>
+          <a:chExt cx="0" cy="0"/>
+        </a:xfrm>
+      </p:grpSpPr>
+      <p:sp>
+        <p:nvSpPr>
+          <p:cNvPr id="8" name="Retângulo 7">
+            <a:extLst>
+              <a:ext uri="{FF2B5EF4-FFF2-40B4-BE49-F238E27FC236}">
+                <a16:creationId xmlns:a16="http://schemas.microsoft.com/office/drawing/2014/main" xmlns="" id="{9B33DD69-1761-43D2-B589-CE56D2C4FBB6}"/>
+              </a:ext>
+            </a:extLst>
+          </p:cNvPr>
+          <p:cNvSpPr/>
+          <p:nvPr/>
+        </p:nvSpPr>
+        <p:spPr>
+          <a:xfrm>
+            <a:off x="892663" y="0"/>
+            <a:ext cx="11304103" cy="6858000"/>
+          </a:xfrm>
+          <a:prstGeom prst="rect">
+            <a:avLst/>
+          </a:prstGeom>
+          <a:solidFill>
+            <a:schemeClr val="tx1"/>
+          </a:solidFill>
+          <a:ln>
+            <a:solidFill>
+              <a:schemeClr val="tx1"/>
+            </a:solidFill>
+          </a:ln>
+        </p:spPr>
+        <p:style>
+          <a:lnRef idx="2">
+            <a:schemeClr val="accent1">
+              <a:shade val="50000"/>
+            </a:schemeClr>
+          </a:lnRef>
+          <a:fillRef idx="1">
+            <a:schemeClr val="accent1"/>
+          </a:fillRef>
+          <a:effectRef idx="0">
+            <a:schemeClr val="accent1"/>
+          </a:effectRef>
+          <a:fontRef idx="minor">
+            <a:schemeClr val="lt1"/>
+          </a:fontRef>
+        </p:style>
+        <p:txBody>
+          <a:bodyPr rtlCol="0" anchor="ctr"/>
+          <a:lstStyle/>
+          <a:p>
+            <a:pPr algn="ctr"/>
+            <a:endParaRPr lang="pt-BR" sz="2000" dirty="0">
+              <a:solidFill>
+                <a:schemeClr val="bg1"/>
+              </a:solidFill>
+            </a:endParaRPr>
+          </a:p>
+        </p:txBody>
+      </p:sp>
+      <p:sp>
+        <p:nvSpPr>
+          <p:cNvPr id="3" name="AutoShape 2" descr="Download Visual Studio Code - Mac, Linux, Windows"/>
+          <p:cNvSpPr>
+            <a:spLocks noChangeAspect="1" noChangeArrowheads="1"/>
+          </p:cNvSpPr>
+          <p:nvPr/>
+        </p:nvSpPr>
+        <p:spPr bwMode="auto">
+          <a:xfrm>
+            <a:off x="155575" y="-144463"/>
+            <a:ext cx="304800" cy="304801"/>
+          </a:xfrm>
+          <a:prstGeom prst="rect">
+            <a:avLst/>
+          </a:prstGeom>
+          <a:noFill/>
+          <a:extLst>
+            <a:ext uri="{909E8E84-426E-40DD-AFC4-6F175D3DCCD1}">
+              <a14:hiddenFill xmlns:a14="http://schemas.microsoft.com/office/drawing/2010/main">
+                <a:solidFill>
+                  <a:srgbClr val="FFFFFF"/>
+                </a:solidFill>
+              </a14:hiddenFill>
+            </a:ext>
+          </a:extLst>
+        </p:spPr>
+        <p:txBody>
+          <a:bodyPr vert="horz" wrap="square" lIns="91440" tIns="45720" rIns="91440" bIns="45720" numCol="1" anchor="t" anchorCtr="0" compatLnSpc="1">
+            <a:prstTxWarp prst="textNoShape">
+              <a:avLst/>
+            </a:prstTxWarp>
+          </a:bodyPr>
+          <a:lstStyle/>
+          <a:p>
+            <a:endParaRPr lang="pt-BR"/>
+          </a:p>
+        </p:txBody>
+      </p:sp>
+      <p:sp>
+        <p:nvSpPr>
+          <p:cNvPr id="4" name="AutoShape 4" descr="Download Visual Studio Code - Mac, Linux, Windows"/>
+          <p:cNvSpPr>
+            <a:spLocks noChangeAspect="1" noChangeArrowheads="1"/>
+          </p:cNvSpPr>
+          <p:nvPr/>
+        </p:nvSpPr>
+        <p:spPr bwMode="auto">
+          <a:xfrm>
+            <a:off x="307975" y="7937"/>
+            <a:ext cx="304800" cy="304801"/>
+          </a:xfrm>
+          <a:prstGeom prst="rect">
+            <a:avLst/>
+          </a:prstGeom>
+          <a:noFill/>
+          <a:extLst>
+            <a:ext uri="{909E8E84-426E-40DD-AFC4-6F175D3DCCD1}">
+              <a14:hiddenFill xmlns:a14="http://schemas.microsoft.com/office/drawing/2010/main">
+                <a:solidFill>
+                  <a:srgbClr val="FFFFFF"/>
+                </a:solidFill>
+              </a14:hiddenFill>
+            </a:ext>
+          </a:extLst>
+        </p:spPr>
+        <p:txBody>
+          <a:bodyPr vert="horz" wrap="square" lIns="91440" tIns="45720" rIns="91440" bIns="45720" numCol="1" anchor="t" anchorCtr="0" compatLnSpc="1">
+            <a:prstTxWarp prst="textNoShape">
+              <a:avLst/>
+            </a:prstTxWarp>
+          </a:bodyPr>
+          <a:lstStyle/>
+          <a:p>
+            <a:endParaRPr lang="pt-BR"/>
+          </a:p>
+        </p:txBody>
+      </p:sp>
+      <p:sp>
+        <p:nvSpPr>
+          <p:cNvPr id="9" name="CaixaDeTexto 8">
+            <a:extLst>
+              <a:ext uri="{FF2B5EF4-FFF2-40B4-BE49-F238E27FC236}">
+                <a16:creationId xmlns:a16="http://schemas.microsoft.com/office/drawing/2014/main" xmlns="" id="{90B980A2-8D40-4C0A-9871-4FA9794F9C3D}"/>
+              </a:ext>
+            </a:extLst>
+          </p:cNvPr>
+          <p:cNvSpPr txBox="1"/>
+          <p:nvPr/>
+        </p:nvSpPr>
+        <p:spPr>
+          <a:xfrm>
+            <a:off x="1215284" y="160337"/>
+            <a:ext cx="10658859" cy="6863417"/>
+          </a:xfrm>
+          <a:prstGeom prst="rect">
+            <a:avLst/>
+          </a:prstGeom>
+          <a:noFill/>
+        </p:spPr>
+        <p:txBody>
+          <a:bodyPr wrap="square" rtlCol="0">
+            <a:spAutoFit/>
+          </a:bodyPr>
+          <a:lstStyle/>
+          <a:p>
+            <a:pPr algn="just"/>
+            <a:r>
+              <a:rPr lang="pt-BR" sz="2000" dirty="0" smtClean="0">
+                <a:solidFill>
+                  <a:schemeClr val="bg1"/>
+                </a:solidFill>
+              </a:rPr>
+              <a:t>Para criarmos uma tabela utilizamos a </a:t>
+            </a:r>
+            <a:r>
+              <a:rPr lang="pt-BR" sz="2000" dirty="0" smtClean="0">
+                <a:solidFill>
+                  <a:srgbClr val="FF0000"/>
+                </a:solidFill>
+              </a:rPr>
+              <a:t>tag table</a:t>
+            </a:r>
+            <a:r>
+              <a:rPr lang="pt-BR" sz="2000" dirty="0" smtClean="0">
+                <a:solidFill>
+                  <a:schemeClr val="bg1"/>
+                </a:solidFill>
+              </a:rPr>
+              <a:t>, para criar uma linha utilizando a </a:t>
+            </a:r>
+            <a:r>
+              <a:rPr lang="pt-BR" sz="2000" dirty="0" smtClean="0">
+                <a:solidFill>
+                  <a:srgbClr val="FF0000"/>
+                </a:solidFill>
+              </a:rPr>
+              <a:t>tag tr</a:t>
+            </a:r>
+            <a:r>
+              <a:rPr lang="pt-BR" sz="2000" dirty="0" smtClean="0">
+                <a:solidFill>
+                  <a:schemeClr val="bg1"/>
+                </a:solidFill>
+              </a:rPr>
+              <a:t>, para coluna de titulo utilizamos a </a:t>
+            </a:r>
+            <a:r>
+              <a:rPr lang="pt-BR" sz="2000" dirty="0" smtClean="0">
+                <a:solidFill>
+                  <a:srgbClr val="FF0000"/>
+                </a:solidFill>
+              </a:rPr>
+              <a:t>tag th</a:t>
+            </a:r>
+            <a:r>
+              <a:rPr lang="pt-BR" sz="2000" dirty="0" smtClean="0">
+                <a:solidFill>
+                  <a:schemeClr val="bg1"/>
+                </a:solidFill>
+              </a:rPr>
+              <a:t> e para coluna de resultado utilizamos a </a:t>
+            </a:r>
+            <a:r>
+              <a:rPr lang="pt-BR" sz="2000" dirty="0" smtClean="0">
+                <a:solidFill>
+                  <a:srgbClr val="FF0000"/>
+                </a:solidFill>
+              </a:rPr>
+              <a:t>tag td</a:t>
+            </a:r>
+            <a:r>
+              <a:rPr lang="pt-BR" sz="2000" dirty="0" smtClean="0">
+                <a:solidFill>
+                  <a:schemeClr val="bg1"/>
+                </a:solidFill>
+              </a:rPr>
+              <a:t>, e todas elas podem ser individualmente estilizadas no nosso arquivo </a:t>
+            </a:r>
+            <a:r>
+              <a:rPr lang="pt-BR" sz="2000" dirty="0" smtClean="0">
+                <a:solidFill>
+                  <a:srgbClr val="FF0000"/>
+                </a:solidFill>
+              </a:rPr>
+              <a:t>.css</a:t>
+            </a:r>
+            <a:r>
+              <a:rPr lang="pt-BR" sz="2000" dirty="0" smtClean="0">
+                <a:solidFill>
+                  <a:schemeClr val="bg1"/>
+                </a:solidFill>
+              </a:rPr>
+              <a:t>, lembrando que para </a:t>
+            </a:r>
+            <a:r>
+              <a:rPr lang="pt-BR" sz="2000" dirty="0" smtClean="0">
+                <a:solidFill>
+                  <a:srgbClr val="FF0000"/>
+                </a:solidFill>
+              </a:rPr>
+              <a:t>classes do sistema não utilizamos o . (ponto)</a:t>
+            </a:r>
+            <a:r>
+              <a:rPr lang="pt-BR" sz="2000" dirty="0" smtClean="0">
+                <a:solidFill>
+                  <a:schemeClr val="bg1"/>
+                </a:solidFill>
+              </a:rPr>
+              <a:t> apenas utilizamos o . (ponto) nas classes personalizadas:</a:t>
+            </a:r>
+          </a:p>
+          <a:p>
+            <a:pPr algn="just"/>
+            <a:endParaRPr lang="pt-BR" sz="2000" dirty="0">
+              <a:solidFill>
+                <a:schemeClr val="bg1"/>
+              </a:solidFill>
+            </a:endParaRPr>
+          </a:p>
+          <a:p>
+            <a:pPr algn="just"/>
+            <a:endParaRPr lang="pt-BR" sz="2000" dirty="0" smtClean="0">
+              <a:solidFill>
+                <a:schemeClr val="bg1">
+                  <a:lumMod val="95000"/>
+                  <a:lumOff val="5000"/>
+                </a:schemeClr>
+              </a:solidFill>
+            </a:endParaRPr>
+          </a:p>
+          <a:p>
+            <a:pPr algn="just"/>
+            <a:endParaRPr lang="pt-BR" sz="2000" dirty="0">
+              <a:solidFill>
+                <a:schemeClr val="bg1">
+                  <a:lumMod val="95000"/>
+                  <a:lumOff val="5000"/>
+                </a:schemeClr>
+              </a:solidFill>
+            </a:endParaRPr>
+          </a:p>
+          <a:p>
+            <a:pPr algn="just"/>
+            <a:endParaRPr lang="pt-BR" sz="2000" dirty="0" smtClean="0">
+              <a:solidFill>
+                <a:schemeClr val="bg1">
+                  <a:lumMod val="95000"/>
+                  <a:lumOff val="5000"/>
+                </a:schemeClr>
+              </a:solidFill>
+            </a:endParaRPr>
+          </a:p>
+          <a:p>
+            <a:pPr algn="just"/>
+            <a:endParaRPr lang="pt-BR" sz="2000" dirty="0">
+              <a:solidFill>
+                <a:schemeClr val="bg1">
+                  <a:lumMod val="95000"/>
+                  <a:lumOff val="5000"/>
+                </a:schemeClr>
+              </a:solidFill>
+            </a:endParaRPr>
+          </a:p>
+          <a:p>
+            <a:pPr algn="just"/>
+            <a:endParaRPr lang="pt-BR" sz="2000" dirty="0" smtClean="0">
+              <a:solidFill>
+                <a:schemeClr val="bg1">
+                  <a:lumMod val="95000"/>
+                  <a:lumOff val="5000"/>
+                </a:schemeClr>
+              </a:solidFill>
+            </a:endParaRPr>
+          </a:p>
+          <a:p>
+            <a:pPr algn="just"/>
+            <a:endParaRPr lang="pt-BR" sz="2000" dirty="0">
+              <a:solidFill>
+                <a:schemeClr val="bg1">
+                  <a:lumMod val="95000"/>
+                  <a:lumOff val="5000"/>
+                </a:schemeClr>
+              </a:solidFill>
+            </a:endParaRPr>
+          </a:p>
+          <a:p>
+            <a:pPr algn="just"/>
+            <a:endParaRPr lang="pt-BR" sz="2000" dirty="0" smtClean="0">
+              <a:solidFill>
+                <a:schemeClr val="bg1">
+                  <a:lumMod val="95000"/>
+                  <a:lumOff val="5000"/>
+                </a:schemeClr>
+              </a:solidFill>
+            </a:endParaRPr>
+          </a:p>
+          <a:p>
+            <a:pPr algn="just"/>
+            <a:endParaRPr lang="pt-BR" sz="2000" dirty="0">
+              <a:solidFill>
+                <a:schemeClr val="bg1">
+                  <a:lumMod val="95000"/>
+                  <a:lumOff val="5000"/>
+                </a:schemeClr>
+              </a:solidFill>
+            </a:endParaRPr>
+          </a:p>
+          <a:p>
+            <a:pPr algn="just"/>
+            <a:endParaRPr lang="pt-BR" sz="2000" dirty="0" smtClean="0">
+              <a:solidFill>
+                <a:schemeClr val="bg1">
+                  <a:lumMod val="95000"/>
+                  <a:lumOff val="5000"/>
+                </a:schemeClr>
+              </a:solidFill>
+            </a:endParaRPr>
+          </a:p>
+          <a:p>
+            <a:pPr algn="just"/>
+            <a:endParaRPr lang="pt-BR" sz="2000" dirty="0">
+              <a:solidFill>
+                <a:schemeClr val="bg1">
+                  <a:lumMod val="95000"/>
+                  <a:lumOff val="5000"/>
+                </a:schemeClr>
+              </a:solidFill>
+            </a:endParaRPr>
+          </a:p>
+          <a:p>
+            <a:pPr algn="just"/>
+            <a:endParaRPr lang="pt-BR" sz="2000" dirty="0" smtClean="0">
+              <a:solidFill>
+                <a:schemeClr val="bg1">
+                  <a:lumMod val="95000"/>
+                  <a:lumOff val="5000"/>
+                </a:schemeClr>
+              </a:solidFill>
+            </a:endParaRPr>
+          </a:p>
+          <a:p>
+            <a:pPr algn="just"/>
+            <a:endParaRPr lang="pt-BR" sz="2000" dirty="0">
+              <a:solidFill>
+                <a:schemeClr val="bg1">
+                  <a:lumMod val="95000"/>
+                  <a:lumOff val="5000"/>
+                </a:schemeClr>
+              </a:solidFill>
+            </a:endParaRPr>
+          </a:p>
+          <a:p>
+            <a:pPr algn="just"/>
+            <a:endParaRPr lang="pt-BR" sz="2000" dirty="0">
+              <a:solidFill>
+                <a:schemeClr val="bg1">
+                  <a:lumMod val="95000"/>
+                  <a:lumOff val="5000"/>
+                </a:schemeClr>
+              </a:solidFill>
+            </a:endParaRPr>
+          </a:p>
+          <a:p>
+            <a:pPr algn="just"/>
+            <a:endParaRPr lang="pt-BR" sz="2000" dirty="0" smtClean="0">
+              <a:solidFill>
+                <a:schemeClr val="bg1">
+                  <a:lumMod val="95000"/>
+                  <a:lumOff val="5000"/>
+                </a:schemeClr>
+              </a:solidFill>
+            </a:endParaRPr>
+          </a:p>
+          <a:p>
+            <a:pPr algn="just"/>
+            <a:endParaRPr lang="pt-BR" sz="2000" dirty="0">
+              <a:solidFill>
+                <a:schemeClr val="bg1">
+                  <a:lumMod val="95000"/>
+                  <a:lumOff val="5000"/>
+                </a:schemeClr>
+              </a:solidFill>
+            </a:endParaRPr>
+          </a:p>
+          <a:p>
+            <a:pPr algn="just"/>
+            <a:endParaRPr lang="pt-BR" sz="2000" dirty="0" smtClean="0">
+              <a:solidFill>
+                <a:schemeClr val="bg1"/>
+              </a:solidFill>
+            </a:endParaRPr>
+          </a:p>
+          <a:p>
+            <a:pPr algn="just"/>
+            <a:endParaRPr lang="pt-BR" sz="2000" dirty="0" smtClean="0">
+              <a:solidFill>
+                <a:schemeClr val="bg1">
+                  <a:lumMod val="95000"/>
+                  <a:lumOff val="5000"/>
+                </a:schemeClr>
+              </a:solidFill>
+            </a:endParaRPr>
+          </a:p>
+        </p:txBody>
+      </p:sp>
+      <p:pic>
+        <p:nvPicPr>
+          <p:cNvPr id="2050" name="Picture 2"/>
+          <p:cNvPicPr>
+            <a:picLocks noChangeAspect="1" noChangeArrowheads="1"/>
+          </p:cNvPicPr>
+          <p:nvPr/>
+        </p:nvPicPr>
+        <p:blipFill>
+          <a:blip r:embed="rId2">
+            <a:extLst>
+              <a:ext uri="{28A0092B-C50C-407E-A947-70E740481C1C}">
+                <a14:useLocalDpi xmlns:a14="http://schemas.microsoft.com/office/drawing/2010/main" val="0"/>
+              </a:ext>
+            </a:extLst>
+          </a:blip>
+          <a:srcRect/>
+          <a:stretch>
+            <a:fillRect/>
+          </a:stretch>
+        </p:blipFill>
+        <p:spPr bwMode="auto">
+          <a:xfrm>
+            <a:off x="1215283" y="1603168"/>
+            <a:ext cx="10658859" cy="5129715"/>
+          </a:xfrm>
+          <a:prstGeom prst="rect">
+            <a:avLst/>
+          </a:prstGeom>
+          <a:noFill/>
+          <a:ln>
+            <a:noFill/>
+          </a:ln>
+          <a:effectLst/>
+          <a:extLst>
+            <a:ext uri="{909E8E84-426E-40DD-AFC4-6F175D3DCCD1}">
+              <a14:hiddenFill xmlns:a14="http://schemas.microsoft.com/office/drawing/2010/main">
+                <a:solidFill>
+                  <a:schemeClr val="accent1"/>
+                </a:solidFill>
+              </a14:hiddenFill>
+            </a:ext>
+            <a:ext uri="{91240B29-F687-4F45-9708-019B960494DF}">
+              <a14:hiddenLine xmlns:a14="http://schemas.microsoft.com/office/drawing/2010/main" w="9525">
+                <a:solidFill>
+                  <a:schemeClr val="tx1"/>
+                </a:solidFill>
+                <a:miter lim="800000"/>
+                <a:headEnd/>
+                <a:tailEnd/>
+              </a14:hiddenLine>
+            </a:ext>
+            <a:ext uri="{AF507438-7753-43E0-B8FC-AC1667EBCBE1}">
+              <a14:hiddenEffects xmlns:a14="http://schemas.microsoft.com/office/drawing/2010/main">
+                <a:effectLst>
+                  <a:outerShdw dist="35921" dir="2700000" algn="ctr" rotWithShape="0">
+                    <a:schemeClr val="bg2"/>
+                  </a:outerShdw>
+                </a:effectLst>
+              </a14:hiddenEffects>
+            </a:ext>
+          </a:extLst>
+        </p:spPr>
+      </p:pic>
+    </p:spTree>
+    <p:extLst>
+      <p:ext uri="{BB962C8B-B14F-4D97-AF65-F5344CB8AC3E}">
+        <p14:creationId xmlns:p14="http://schemas.microsoft.com/office/powerpoint/2010/main" val="1243996923"/>
+      </p:ext>
+    </p:extLst>
+  </p:cSld>
+  <p:clrMapOvr>
+    <a:masterClrMapping/>
+  </p:clrMapOvr>
+  <p:timing>
+    <p:tnLst>
+      <p:par>
+        <p:cTn id="1" dur="indefinite" restart="never" nodeType="tmRoot"/>
+      </p:par>
+    </p:tnLst>
+  </p:timing>
+</p:sld>
+</file>
+
+<file path=ppt/slides/slide54.xml><?xml version="1.0" encoding="utf-8"?>
+<p:sld xmlns:a="http://schemas.openxmlformats.org/drawingml/2006/main" xmlns:r="http://schemas.openxmlformats.org/officeDocument/2006/relationships" xmlns:p="http://schemas.openxmlformats.org/presentationml/2006/main">
+  <p:cSld>
+    <p:spTree>
+      <p:nvGrpSpPr>
+        <p:cNvPr id="1" name=""/>
+        <p:cNvGrpSpPr/>
+        <p:nvPr/>
+      </p:nvGrpSpPr>
+      <p:grpSpPr>
+        <a:xfrm>
+          <a:off x="0" y="0"/>
+          <a:ext cx="0" cy="0"/>
+          <a:chOff x="0" y="0"/>
+          <a:chExt cx="0" cy="0"/>
+        </a:xfrm>
+      </p:grpSpPr>
+      <p:sp>
+        <p:nvSpPr>
+          <p:cNvPr id="2" name="Título 1">
+            <a:extLst>
+              <a:ext uri="{FF2B5EF4-FFF2-40B4-BE49-F238E27FC236}">
+                <a16:creationId xmlns:a16="http://schemas.microsoft.com/office/drawing/2014/main" xmlns="" id="{14AB9F69-8D24-468C-93DF-A1666924EB0C}"/>
+              </a:ext>
+            </a:extLst>
+          </p:cNvPr>
+          <p:cNvSpPr>
+            <a:spLocks noGrp="1"/>
+          </p:cNvSpPr>
+          <p:nvPr>
+            <p:ph type="ctrTitle"/>
+          </p:nvPr>
+        </p:nvSpPr>
+        <p:spPr/>
+        <p:txBody>
+          <a:bodyPr>
+            <a:normAutofit/>
+          </a:bodyPr>
+          <a:lstStyle/>
+          <a:p>
+            <a:r>
+              <a:rPr lang="pt-BR" sz="4400" dirty="0" smtClean="0"/>
+              <a:t>Exercício</a:t>
+            </a:r>
+            <a:endParaRPr lang="pt-BR" sz="4400" dirty="0"/>
+          </a:p>
+        </p:txBody>
+      </p:sp>
+      <p:sp>
+        <p:nvSpPr>
+          <p:cNvPr id="3" name="Subtítulo 2">
+            <a:extLst>
+              <a:ext uri="{FF2B5EF4-FFF2-40B4-BE49-F238E27FC236}">
+                <a16:creationId xmlns:a16="http://schemas.microsoft.com/office/drawing/2014/main" xmlns="" id="{0E4BFB9B-D461-4F8E-B2A0-819D63FA7EC4}"/>
+              </a:ext>
+            </a:extLst>
+          </p:cNvPr>
+          <p:cNvSpPr>
+            <a:spLocks noGrp="1"/>
+          </p:cNvSpPr>
+          <p:nvPr>
+            <p:ph type="subTitle" idx="1"/>
+          </p:nvPr>
+        </p:nvSpPr>
+        <p:spPr>
+          <a:xfrm>
+            <a:off x="1876424" y="3547166"/>
+            <a:ext cx="8791575" cy="1655762"/>
+          </a:xfrm>
+        </p:spPr>
+        <p:txBody>
+          <a:bodyPr/>
+          <a:lstStyle/>
+          <a:p>
+            <a:r>
+              <a:rPr lang="pt-BR" dirty="0" smtClean="0"/>
+              <a:t>HTML + CSS</a:t>
+            </a:r>
+            <a:endParaRPr lang="pt-BR" dirty="0"/>
+          </a:p>
+        </p:txBody>
+      </p:sp>
+    </p:spTree>
+    <p:extLst>
+      <p:ext uri="{BB962C8B-B14F-4D97-AF65-F5344CB8AC3E}">
+        <p14:creationId xmlns:p14="http://schemas.microsoft.com/office/powerpoint/2010/main" val="1431032276"/>
+      </p:ext>
+    </p:extLst>
+  </p:cSld>
+  <p:clrMapOvr>
+    <a:masterClrMapping/>
+  </p:clrMapOvr>
+  <p:timing>
+    <p:tnLst>
+      <p:par>
+        <p:cTn id="1" dur="indefinite" restart="never" nodeType="tmRoot"/>
+      </p:par>
+    </p:tnLst>
+  </p:timing>
+</p:sld>
+</file>
+
+<file path=ppt/slides/slide55.xml><?xml version="1.0" encoding="utf-8"?>
+<p:sld xmlns:a="http://schemas.openxmlformats.org/drawingml/2006/main" xmlns:r="http://schemas.openxmlformats.org/officeDocument/2006/relationships" xmlns:p="http://schemas.openxmlformats.org/presentationml/2006/main">
+  <p:cSld>
+    <p:spTree>
+      <p:nvGrpSpPr>
+        <p:cNvPr id="1" name=""/>
+        <p:cNvGrpSpPr/>
+        <p:nvPr/>
+      </p:nvGrpSpPr>
+      <p:grpSpPr>
+        <a:xfrm>
+          <a:off x="0" y="0"/>
+          <a:ext cx="0" cy="0"/>
+          <a:chOff x="0" y="0"/>
+          <a:chExt cx="0" cy="0"/>
+        </a:xfrm>
+      </p:grpSpPr>
+      <p:sp>
+        <p:nvSpPr>
+          <p:cNvPr id="8" name="Retângulo 7">
+            <a:extLst>
+              <a:ext uri="{FF2B5EF4-FFF2-40B4-BE49-F238E27FC236}">
+                <a16:creationId xmlns:a16="http://schemas.microsoft.com/office/drawing/2014/main" xmlns="" id="{9B33DD69-1761-43D2-B589-CE56D2C4FBB6}"/>
+              </a:ext>
+            </a:extLst>
+          </p:cNvPr>
+          <p:cNvSpPr/>
+          <p:nvPr/>
+        </p:nvSpPr>
+        <p:spPr>
+          <a:xfrm>
+            <a:off x="892663" y="0"/>
+            <a:ext cx="11304103" cy="6858000"/>
+          </a:xfrm>
+          <a:prstGeom prst="rect">
+            <a:avLst/>
+          </a:prstGeom>
+          <a:solidFill>
+            <a:schemeClr val="tx1"/>
+          </a:solidFill>
+          <a:ln>
+            <a:solidFill>
+              <a:schemeClr val="tx1"/>
+            </a:solidFill>
+          </a:ln>
+        </p:spPr>
+        <p:style>
+          <a:lnRef idx="2">
+            <a:schemeClr val="accent1">
+              <a:shade val="50000"/>
+            </a:schemeClr>
+          </a:lnRef>
+          <a:fillRef idx="1">
+            <a:schemeClr val="accent1"/>
+          </a:fillRef>
+          <a:effectRef idx="0">
+            <a:schemeClr val="accent1"/>
+          </a:effectRef>
+          <a:fontRef idx="minor">
+            <a:schemeClr val="lt1"/>
+          </a:fontRef>
+        </p:style>
+        <p:txBody>
+          <a:bodyPr rtlCol="0" anchor="ctr"/>
+          <a:lstStyle/>
+          <a:p>
+            <a:pPr algn="ctr"/>
+            <a:endParaRPr lang="pt-BR" sz="2000" dirty="0">
+              <a:solidFill>
+                <a:schemeClr val="bg1"/>
+              </a:solidFill>
+            </a:endParaRPr>
+          </a:p>
+        </p:txBody>
+      </p:sp>
+      <p:sp>
+        <p:nvSpPr>
+          <p:cNvPr id="3" name="AutoShape 2" descr="Download Visual Studio Code - Mac, Linux, Windows"/>
+          <p:cNvSpPr>
+            <a:spLocks noChangeAspect="1" noChangeArrowheads="1"/>
+          </p:cNvSpPr>
+          <p:nvPr/>
+        </p:nvSpPr>
+        <p:spPr bwMode="auto">
+          <a:xfrm>
+            <a:off x="155575" y="-144463"/>
+            <a:ext cx="304800" cy="304801"/>
+          </a:xfrm>
+          <a:prstGeom prst="rect">
+            <a:avLst/>
+          </a:prstGeom>
+          <a:noFill/>
+          <a:extLst>
+            <a:ext uri="{909E8E84-426E-40DD-AFC4-6F175D3DCCD1}">
+              <a14:hiddenFill xmlns:a14="http://schemas.microsoft.com/office/drawing/2010/main">
+                <a:solidFill>
+                  <a:srgbClr val="FFFFFF"/>
+                </a:solidFill>
+              </a14:hiddenFill>
+            </a:ext>
+          </a:extLst>
+        </p:spPr>
+        <p:txBody>
+          <a:bodyPr vert="horz" wrap="square" lIns="91440" tIns="45720" rIns="91440" bIns="45720" numCol="1" anchor="t" anchorCtr="0" compatLnSpc="1">
+            <a:prstTxWarp prst="textNoShape">
+              <a:avLst/>
+            </a:prstTxWarp>
+          </a:bodyPr>
+          <a:lstStyle/>
+          <a:p>
+            <a:endParaRPr lang="pt-BR"/>
+          </a:p>
+        </p:txBody>
+      </p:sp>
+      <p:sp>
+        <p:nvSpPr>
+          <p:cNvPr id="4" name="AutoShape 4" descr="Download Visual Studio Code - Mac, Linux, Windows"/>
+          <p:cNvSpPr>
+            <a:spLocks noChangeAspect="1" noChangeArrowheads="1"/>
+          </p:cNvSpPr>
+          <p:nvPr/>
+        </p:nvSpPr>
+        <p:spPr bwMode="auto">
+          <a:xfrm>
+            <a:off x="307975" y="7937"/>
+            <a:ext cx="304800" cy="304801"/>
+          </a:xfrm>
+          <a:prstGeom prst="rect">
+            <a:avLst/>
+          </a:prstGeom>
+          <a:noFill/>
+          <a:extLst>
+            <a:ext uri="{909E8E84-426E-40DD-AFC4-6F175D3DCCD1}">
+              <a14:hiddenFill xmlns:a14="http://schemas.microsoft.com/office/drawing/2010/main">
+                <a:solidFill>
+                  <a:srgbClr val="FFFFFF"/>
+                </a:solidFill>
+              </a14:hiddenFill>
+            </a:ext>
+          </a:extLst>
+        </p:spPr>
+        <p:txBody>
+          <a:bodyPr vert="horz" wrap="square" lIns="91440" tIns="45720" rIns="91440" bIns="45720" numCol="1" anchor="t" anchorCtr="0" compatLnSpc="1">
+            <a:prstTxWarp prst="textNoShape">
+              <a:avLst/>
+            </a:prstTxWarp>
+          </a:bodyPr>
+          <a:lstStyle/>
+          <a:p>
+            <a:endParaRPr lang="pt-BR"/>
+          </a:p>
+        </p:txBody>
+      </p:sp>
+      <p:sp>
+        <p:nvSpPr>
+          <p:cNvPr id="9" name="CaixaDeTexto 8">
+            <a:extLst>
+              <a:ext uri="{FF2B5EF4-FFF2-40B4-BE49-F238E27FC236}">
+                <a16:creationId xmlns:a16="http://schemas.microsoft.com/office/drawing/2014/main" xmlns="" id="{90B980A2-8D40-4C0A-9871-4FA9794F9C3D}"/>
+              </a:ext>
+            </a:extLst>
+          </p:cNvPr>
+          <p:cNvSpPr txBox="1"/>
+          <p:nvPr/>
+        </p:nvSpPr>
+        <p:spPr>
+          <a:xfrm>
+            <a:off x="1215284" y="160337"/>
+            <a:ext cx="10658859" cy="13018949"/>
+          </a:xfrm>
+          <a:prstGeom prst="rect">
+            <a:avLst/>
+          </a:prstGeom>
+          <a:noFill/>
+        </p:spPr>
+        <p:txBody>
+          <a:bodyPr wrap="square" rtlCol="0">
+            <a:spAutoFit/>
+          </a:bodyPr>
+          <a:lstStyle/>
+          <a:p>
+            <a:pPr algn="just"/>
+            <a:r>
+              <a:rPr lang="pt-BR" sz="2000" dirty="0" smtClean="0">
+                <a:solidFill>
+                  <a:schemeClr val="bg1">
+                    <a:lumMod val="95000"/>
+                    <a:lumOff val="5000"/>
+                  </a:schemeClr>
+                </a:solidFill>
+              </a:rPr>
+              <a:t>Utilizando o que já aprendemos, monte uma página em </a:t>
+            </a:r>
+            <a:r>
+              <a:rPr lang="pt-BR" sz="2000" dirty="0" smtClean="0">
+                <a:solidFill>
+                  <a:srgbClr val="FF0000"/>
+                </a:solidFill>
+              </a:rPr>
+              <a:t>.</a:t>
+            </a:r>
+            <a:r>
+              <a:rPr lang="pt-BR" sz="2000" dirty="0" smtClean="0">
+                <a:solidFill>
+                  <a:srgbClr val="FF0000"/>
+                </a:solidFill>
+              </a:rPr>
+              <a:t>html </a:t>
+            </a:r>
+            <a:r>
+              <a:rPr lang="pt-BR" sz="2000" dirty="0" smtClean="0">
+                <a:solidFill>
+                  <a:schemeClr val="bg1">
+                    <a:lumMod val="95000"/>
+                    <a:lumOff val="5000"/>
+                  </a:schemeClr>
+                </a:solidFill>
+              </a:rPr>
+              <a:t>e</a:t>
+            </a:r>
+            <a:r>
+              <a:rPr lang="pt-BR" sz="2000" dirty="0" smtClean="0">
+                <a:solidFill>
+                  <a:srgbClr val="FF0000"/>
+                </a:solidFill>
+              </a:rPr>
+              <a:t> .css </a:t>
+            </a:r>
+            <a:r>
+              <a:rPr lang="pt-BR" sz="2000" dirty="0" smtClean="0">
+                <a:solidFill>
+                  <a:schemeClr val="bg1">
+                    <a:lumMod val="95000"/>
+                    <a:lumOff val="5000"/>
+                  </a:schemeClr>
+                </a:solidFill>
+              </a:rPr>
+              <a:t>conforme exemplo abaixo.</a:t>
+            </a:r>
+          </a:p>
+          <a:p>
+            <a:pPr algn="just"/>
+            <a:endParaRPr lang="pt-BR" sz="2000" dirty="0">
+              <a:solidFill>
+                <a:schemeClr val="bg1">
+                  <a:lumMod val="95000"/>
+                  <a:lumOff val="5000"/>
+                </a:schemeClr>
+              </a:solidFill>
+            </a:endParaRPr>
+          </a:p>
+          <a:p>
+            <a:pPr algn="just"/>
+            <a:endParaRPr lang="pt-BR" sz="2000" dirty="0" smtClean="0">
+              <a:solidFill>
+                <a:schemeClr val="bg1">
+                  <a:lumMod val="95000"/>
+                  <a:lumOff val="5000"/>
+                </a:schemeClr>
+              </a:solidFill>
+            </a:endParaRPr>
+          </a:p>
+          <a:p>
+            <a:pPr algn="just"/>
+            <a:endParaRPr lang="pt-BR" sz="2000" dirty="0">
+              <a:solidFill>
+                <a:schemeClr val="bg1">
+                  <a:lumMod val="95000"/>
+                  <a:lumOff val="5000"/>
+                </a:schemeClr>
+              </a:solidFill>
+            </a:endParaRPr>
+          </a:p>
+          <a:p>
+            <a:pPr algn="just"/>
+            <a:endParaRPr lang="pt-BR" sz="2000" dirty="0" smtClean="0">
+              <a:solidFill>
+                <a:schemeClr val="bg1">
+                  <a:lumMod val="95000"/>
+                  <a:lumOff val="5000"/>
+                </a:schemeClr>
+              </a:solidFill>
+            </a:endParaRPr>
+          </a:p>
+          <a:p>
+            <a:pPr algn="just"/>
+            <a:endParaRPr lang="pt-BR" sz="2000" dirty="0">
+              <a:solidFill>
+                <a:schemeClr val="bg1">
+                  <a:lumMod val="95000"/>
+                  <a:lumOff val="5000"/>
+                </a:schemeClr>
+              </a:solidFill>
+            </a:endParaRPr>
+          </a:p>
+          <a:p>
+            <a:pPr algn="just"/>
+            <a:endParaRPr lang="pt-BR" sz="2000" dirty="0" smtClean="0">
+              <a:solidFill>
+                <a:schemeClr val="bg1">
+                  <a:lumMod val="95000"/>
+                  <a:lumOff val="5000"/>
+                </a:schemeClr>
+              </a:solidFill>
+            </a:endParaRPr>
+          </a:p>
+          <a:p>
+            <a:pPr algn="just"/>
+            <a:endParaRPr lang="pt-BR" sz="2000" dirty="0">
+              <a:solidFill>
+                <a:schemeClr val="bg1">
+                  <a:lumMod val="95000"/>
+                  <a:lumOff val="5000"/>
+                </a:schemeClr>
+              </a:solidFill>
+            </a:endParaRPr>
+          </a:p>
+          <a:p>
+            <a:pPr algn="just"/>
+            <a:endParaRPr lang="pt-BR" sz="2000" dirty="0" smtClean="0">
+              <a:solidFill>
+                <a:schemeClr val="bg1">
+                  <a:lumMod val="95000"/>
+                  <a:lumOff val="5000"/>
+                </a:schemeClr>
+              </a:solidFill>
+            </a:endParaRPr>
+          </a:p>
+          <a:p>
+            <a:pPr algn="just"/>
+            <a:endParaRPr lang="pt-BR" sz="2000" dirty="0">
+              <a:solidFill>
+                <a:schemeClr val="bg1">
+                  <a:lumMod val="95000"/>
+                  <a:lumOff val="5000"/>
+                </a:schemeClr>
+              </a:solidFill>
+            </a:endParaRPr>
+          </a:p>
+          <a:p>
+            <a:pPr algn="just"/>
+            <a:endParaRPr lang="pt-BR" sz="2000" dirty="0" smtClean="0">
+              <a:solidFill>
+                <a:schemeClr val="bg1">
+                  <a:lumMod val="95000"/>
+                  <a:lumOff val="5000"/>
+                </a:schemeClr>
+              </a:solidFill>
+            </a:endParaRPr>
+          </a:p>
+          <a:p>
+            <a:pPr algn="just"/>
+            <a:endParaRPr lang="pt-BR" sz="2000" dirty="0">
+              <a:solidFill>
+                <a:schemeClr val="bg1">
+                  <a:lumMod val="95000"/>
+                  <a:lumOff val="5000"/>
+                </a:schemeClr>
+              </a:solidFill>
+            </a:endParaRPr>
+          </a:p>
+          <a:p>
+            <a:pPr algn="just"/>
+            <a:endParaRPr lang="pt-BR" sz="2000" dirty="0" smtClean="0">
+              <a:solidFill>
+                <a:schemeClr val="bg1">
+                  <a:lumMod val="95000"/>
+                  <a:lumOff val="5000"/>
+                </a:schemeClr>
+              </a:solidFill>
+            </a:endParaRPr>
+          </a:p>
+          <a:p>
+            <a:pPr algn="just"/>
+            <a:endParaRPr lang="pt-BR" sz="2000" dirty="0">
+              <a:solidFill>
+                <a:schemeClr val="bg1">
+                  <a:lumMod val="95000"/>
+                  <a:lumOff val="5000"/>
+                </a:schemeClr>
+              </a:solidFill>
+            </a:endParaRPr>
+          </a:p>
+          <a:p>
+            <a:pPr algn="just"/>
+            <a:endParaRPr lang="pt-BR" sz="2000" dirty="0" smtClean="0">
+              <a:solidFill>
+                <a:schemeClr val="bg1">
+                  <a:lumMod val="95000"/>
+                  <a:lumOff val="5000"/>
+                </a:schemeClr>
+              </a:solidFill>
+            </a:endParaRPr>
+          </a:p>
+          <a:p>
+            <a:pPr algn="just"/>
+            <a:endParaRPr lang="pt-BR" sz="2000" dirty="0">
+              <a:solidFill>
+                <a:schemeClr val="bg1">
+                  <a:lumMod val="95000"/>
+                  <a:lumOff val="5000"/>
+                </a:schemeClr>
+              </a:solidFill>
+            </a:endParaRPr>
+          </a:p>
+          <a:p>
+            <a:pPr algn="just"/>
+            <a:endParaRPr lang="pt-BR" sz="2000" dirty="0" smtClean="0">
+              <a:solidFill>
+                <a:schemeClr val="bg1">
+                  <a:lumMod val="95000"/>
+                  <a:lumOff val="5000"/>
+                </a:schemeClr>
+              </a:solidFill>
+            </a:endParaRPr>
+          </a:p>
+          <a:p>
+            <a:pPr algn="just"/>
+            <a:endParaRPr lang="pt-BR" sz="2000" dirty="0">
+              <a:solidFill>
+                <a:schemeClr val="bg1">
+                  <a:lumMod val="95000"/>
+                  <a:lumOff val="5000"/>
+                </a:schemeClr>
+              </a:solidFill>
+            </a:endParaRPr>
+          </a:p>
+          <a:p>
+            <a:pPr algn="just"/>
+            <a:endParaRPr lang="pt-BR" sz="2000" dirty="0" smtClean="0">
+              <a:solidFill>
+                <a:schemeClr val="bg1">
+                  <a:lumMod val="95000"/>
+                  <a:lumOff val="5000"/>
+                </a:schemeClr>
+              </a:solidFill>
+            </a:endParaRPr>
+          </a:p>
+          <a:p>
+            <a:pPr algn="just"/>
+            <a:endParaRPr lang="pt-BR" sz="2000" dirty="0">
+              <a:solidFill>
+                <a:schemeClr val="bg1">
+                  <a:lumMod val="95000"/>
+                  <a:lumOff val="5000"/>
+                </a:schemeClr>
+              </a:solidFill>
+            </a:endParaRPr>
+          </a:p>
+          <a:p>
+            <a:pPr algn="just"/>
+            <a:endParaRPr lang="pt-BR" sz="2000" dirty="0" smtClean="0">
+              <a:solidFill>
+                <a:schemeClr val="bg1">
+                  <a:lumMod val="95000"/>
+                  <a:lumOff val="5000"/>
+                </a:schemeClr>
+              </a:solidFill>
+            </a:endParaRPr>
+          </a:p>
+          <a:p>
+            <a:pPr algn="just"/>
+            <a:endParaRPr lang="pt-BR" sz="2000" dirty="0">
+              <a:solidFill>
+                <a:schemeClr val="bg1">
+                  <a:lumMod val="95000"/>
+                  <a:lumOff val="5000"/>
+                </a:schemeClr>
+              </a:solidFill>
+            </a:endParaRPr>
+          </a:p>
+          <a:p>
+            <a:pPr algn="just"/>
+            <a:endParaRPr lang="pt-BR" sz="2000" dirty="0" smtClean="0">
+              <a:solidFill>
+                <a:schemeClr val="bg1">
+                  <a:lumMod val="95000"/>
+                  <a:lumOff val="5000"/>
+                </a:schemeClr>
+              </a:solidFill>
+            </a:endParaRPr>
+          </a:p>
+          <a:p>
+            <a:pPr algn="just"/>
+            <a:endParaRPr lang="pt-BR" sz="2000" dirty="0">
+              <a:solidFill>
+                <a:schemeClr val="bg1">
+                  <a:lumMod val="95000"/>
+                  <a:lumOff val="5000"/>
+                </a:schemeClr>
+              </a:solidFill>
+            </a:endParaRPr>
+          </a:p>
+          <a:p>
+            <a:pPr algn="just"/>
+            <a:endParaRPr lang="pt-BR" sz="2000" dirty="0" smtClean="0">
+              <a:solidFill>
+                <a:schemeClr val="bg1">
+                  <a:lumMod val="95000"/>
+                  <a:lumOff val="5000"/>
+                </a:schemeClr>
+              </a:solidFill>
+            </a:endParaRPr>
+          </a:p>
+          <a:p>
+            <a:pPr algn="just"/>
+            <a:endParaRPr lang="pt-BR" sz="2000" dirty="0">
+              <a:solidFill>
+                <a:schemeClr val="bg1">
+                  <a:lumMod val="95000"/>
+                  <a:lumOff val="5000"/>
+                </a:schemeClr>
+              </a:solidFill>
+            </a:endParaRPr>
+          </a:p>
+          <a:p>
+            <a:pPr algn="just"/>
+            <a:endParaRPr lang="pt-BR" sz="2000" dirty="0" smtClean="0">
+              <a:solidFill>
+                <a:schemeClr val="bg1">
+                  <a:lumMod val="95000"/>
+                  <a:lumOff val="5000"/>
+                </a:schemeClr>
+              </a:solidFill>
+            </a:endParaRPr>
+          </a:p>
+          <a:p>
+            <a:pPr algn="just"/>
+            <a:endParaRPr lang="pt-BR" sz="2000" dirty="0">
+              <a:solidFill>
+                <a:schemeClr val="bg1">
+                  <a:lumMod val="95000"/>
+                  <a:lumOff val="5000"/>
+                </a:schemeClr>
+              </a:solidFill>
+            </a:endParaRPr>
+          </a:p>
+          <a:p>
+            <a:pPr algn="just"/>
+            <a:endParaRPr lang="pt-BR" sz="2000" dirty="0" smtClean="0">
+              <a:solidFill>
+                <a:schemeClr val="bg1">
+                  <a:lumMod val="95000"/>
+                  <a:lumOff val="5000"/>
+                </a:schemeClr>
+              </a:solidFill>
+            </a:endParaRPr>
+          </a:p>
+          <a:p>
+            <a:pPr algn="just"/>
+            <a:endParaRPr lang="pt-BR" sz="2000" dirty="0">
+              <a:solidFill>
+                <a:schemeClr val="bg1">
+                  <a:lumMod val="95000"/>
+                  <a:lumOff val="5000"/>
+                </a:schemeClr>
+              </a:solidFill>
+            </a:endParaRPr>
+          </a:p>
+          <a:p>
+            <a:pPr algn="just"/>
+            <a:endParaRPr lang="pt-BR" sz="2000" dirty="0" smtClean="0">
+              <a:solidFill>
+                <a:schemeClr val="bg1">
+                  <a:lumMod val="95000"/>
+                  <a:lumOff val="5000"/>
+                </a:schemeClr>
+              </a:solidFill>
+            </a:endParaRPr>
+          </a:p>
+          <a:p>
+            <a:pPr algn="just"/>
+            <a:endParaRPr lang="pt-BR" sz="2000" dirty="0">
+              <a:solidFill>
+                <a:schemeClr val="bg1">
+                  <a:lumMod val="95000"/>
+                  <a:lumOff val="5000"/>
+                </a:schemeClr>
+              </a:solidFill>
+            </a:endParaRPr>
+          </a:p>
+          <a:p>
+            <a:pPr algn="just"/>
+            <a:endParaRPr lang="pt-BR" sz="2000" dirty="0" smtClean="0">
+              <a:solidFill>
+                <a:schemeClr val="bg1">
+                  <a:lumMod val="95000"/>
+                  <a:lumOff val="5000"/>
+                </a:schemeClr>
+              </a:solidFill>
+            </a:endParaRPr>
+          </a:p>
+          <a:p>
+            <a:pPr algn="just"/>
+            <a:endParaRPr lang="pt-BR" sz="2000" dirty="0" smtClean="0">
+              <a:solidFill>
+                <a:schemeClr val="bg1">
+                  <a:lumMod val="95000"/>
+                  <a:lumOff val="5000"/>
+                </a:schemeClr>
+              </a:solidFill>
+            </a:endParaRPr>
+          </a:p>
+          <a:p>
+            <a:pPr algn="just"/>
+            <a:endParaRPr lang="pt-BR" sz="2000" dirty="0">
+              <a:solidFill>
+                <a:schemeClr val="bg1">
+                  <a:lumMod val="95000"/>
+                  <a:lumOff val="5000"/>
+                </a:schemeClr>
+              </a:solidFill>
+            </a:endParaRPr>
+          </a:p>
+          <a:p>
+            <a:pPr algn="just"/>
+            <a:endParaRPr lang="pt-BR" sz="2000" dirty="0">
+              <a:solidFill>
+                <a:schemeClr val="bg1">
+                  <a:lumMod val="95000"/>
+                  <a:lumOff val="5000"/>
+                </a:schemeClr>
+              </a:solidFill>
+            </a:endParaRPr>
+          </a:p>
+          <a:p>
+            <a:pPr algn="just"/>
+            <a:endParaRPr lang="pt-BR" sz="2000" dirty="0" smtClean="0">
+              <a:solidFill>
+                <a:schemeClr val="bg1">
+                  <a:lumMod val="95000"/>
+                  <a:lumOff val="5000"/>
+                </a:schemeClr>
+              </a:solidFill>
+            </a:endParaRPr>
+          </a:p>
+          <a:p>
+            <a:pPr algn="just"/>
+            <a:endParaRPr lang="pt-BR" sz="2000" dirty="0">
+              <a:solidFill>
+                <a:schemeClr val="bg1">
+                  <a:lumMod val="95000"/>
+                  <a:lumOff val="5000"/>
+                </a:schemeClr>
+              </a:solidFill>
+            </a:endParaRPr>
+          </a:p>
+          <a:p>
+            <a:pPr algn="just"/>
+            <a:endParaRPr lang="pt-BR" sz="2000" dirty="0" smtClean="0">
+              <a:solidFill>
+                <a:schemeClr val="bg1">
+                  <a:lumMod val="95000"/>
+                  <a:lumOff val="5000"/>
+                </a:schemeClr>
+              </a:solidFill>
+            </a:endParaRPr>
+          </a:p>
+          <a:p>
+            <a:pPr algn="just"/>
+            <a:endParaRPr lang="pt-BR" sz="2000" dirty="0">
+              <a:solidFill>
+                <a:schemeClr val="bg1">
+                  <a:lumMod val="95000"/>
+                  <a:lumOff val="5000"/>
+                </a:schemeClr>
+              </a:solidFill>
+            </a:endParaRPr>
+          </a:p>
+          <a:p>
+            <a:pPr algn="just"/>
+            <a:endParaRPr lang="pt-BR" sz="2000" dirty="0" smtClean="0">
+              <a:solidFill>
+                <a:schemeClr val="bg1"/>
+              </a:solidFill>
+            </a:endParaRPr>
+          </a:p>
+          <a:p>
+            <a:pPr algn="just"/>
+            <a:endParaRPr lang="pt-BR" sz="2000" dirty="0" smtClean="0">
+              <a:solidFill>
+                <a:schemeClr val="bg1">
+                  <a:lumMod val="95000"/>
+                  <a:lumOff val="5000"/>
+                </a:schemeClr>
+              </a:solidFill>
+            </a:endParaRPr>
+          </a:p>
+        </p:txBody>
+      </p:sp>
+      <p:pic>
+        <p:nvPicPr>
+          <p:cNvPr id="3074" name="Picture 2"/>
+          <p:cNvPicPr>
+            <a:picLocks noChangeAspect="1" noChangeArrowheads="1"/>
+          </p:cNvPicPr>
+          <p:nvPr/>
+        </p:nvPicPr>
+        <p:blipFill>
+          <a:blip r:embed="rId2">
+            <a:extLst>
+              <a:ext uri="{28A0092B-C50C-407E-A947-70E740481C1C}">
+                <a14:useLocalDpi xmlns:a14="http://schemas.microsoft.com/office/drawing/2010/main" val="0"/>
+              </a:ext>
+            </a:extLst>
+          </a:blip>
+          <a:srcRect/>
+          <a:stretch>
+            <a:fillRect/>
+          </a:stretch>
+        </p:blipFill>
+        <p:spPr bwMode="auto">
+          <a:xfrm>
+            <a:off x="2694625" y="1076664"/>
+            <a:ext cx="7700176" cy="4039651"/>
+          </a:xfrm>
+          <a:prstGeom prst="rect">
+            <a:avLst/>
+          </a:prstGeom>
+          <a:noFill/>
+          <a:ln>
+            <a:noFill/>
+          </a:ln>
+          <a:effectLst/>
+          <a:extLst>
+            <a:ext uri="{909E8E84-426E-40DD-AFC4-6F175D3DCCD1}">
+              <a14:hiddenFill xmlns:a14="http://schemas.microsoft.com/office/drawing/2010/main">
+                <a:solidFill>
+                  <a:schemeClr val="accent1"/>
+                </a:solidFill>
+              </a14:hiddenFill>
+            </a:ext>
+            <a:ext uri="{91240B29-F687-4F45-9708-019B960494DF}">
+              <a14:hiddenLine xmlns:a14="http://schemas.microsoft.com/office/drawing/2010/main" w="9525">
+                <a:solidFill>
+                  <a:schemeClr val="tx1"/>
+                </a:solidFill>
+                <a:miter lim="800000"/>
+                <a:headEnd/>
+                <a:tailEnd/>
+              </a14:hiddenLine>
+            </a:ext>
+            <a:ext uri="{AF507438-7753-43E0-B8FC-AC1667EBCBE1}">
+              <a14:hiddenEffects xmlns:a14="http://schemas.microsoft.com/office/drawing/2010/main">
+                <a:effectLst>
+                  <a:outerShdw dist="35921" dir="2700000" algn="ctr" rotWithShape="0">
+                    <a:schemeClr val="bg2"/>
+                  </a:outerShdw>
+                </a:effectLst>
+              </a14:hiddenEffects>
+            </a:ext>
+          </a:extLst>
+        </p:spPr>
+      </p:pic>
+    </p:spTree>
+    <p:extLst>
+      <p:ext uri="{BB962C8B-B14F-4D97-AF65-F5344CB8AC3E}">
+        <p14:creationId xmlns:p14="http://schemas.microsoft.com/office/powerpoint/2010/main" val="1001244266"/>
+      </p:ext>
+    </p:extLst>
+  </p:cSld>
+  <p:clrMapOvr>
+    <a:masterClrMapping/>
+  </p:clrMapOvr>
+  <p:timing>
+    <p:tnLst>
+      <p:par>
+        <p:cTn id="1" dur="indefinite" restart="never" nodeType="tmRoot"/>
+      </p:par>
+    </p:tnLst>
+  </p:timing>
+</p:sld>
+</file>
+
+<file path=ppt/slides/slide56.xml><?xml version="1.0" encoding="utf-8"?>
+<p:sld xmlns:a="http://schemas.openxmlformats.org/drawingml/2006/main" xmlns:r="http://schemas.openxmlformats.org/officeDocument/2006/relationships" xmlns:p="http://schemas.openxmlformats.org/presentationml/2006/main">
+  <p:cSld>
+    <p:spTree>
+      <p:nvGrpSpPr>
+        <p:cNvPr id="1" name=""/>
+        <p:cNvGrpSpPr/>
+        <p:nvPr/>
+      </p:nvGrpSpPr>
+      <p:grpSpPr>
+        <a:xfrm>
+          <a:off x="0" y="0"/>
+          <a:ext cx="0" cy="0"/>
+          <a:chOff x="0" y="0"/>
+          <a:chExt cx="0" cy="0"/>
+        </a:xfrm>
+      </p:grpSpPr>
+      <p:sp>
+        <p:nvSpPr>
+          <p:cNvPr id="2" name="Título 1">
+            <a:extLst>
+              <a:ext uri="{FF2B5EF4-FFF2-40B4-BE49-F238E27FC236}">
+                <a16:creationId xmlns:a16="http://schemas.microsoft.com/office/drawing/2014/main" xmlns="" id="{14AB9F69-8D24-468C-93DF-A1666924EB0C}"/>
+              </a:ext>
+            </a:extLst>
+          </p:cNvPr>
+          <p:cNvSpPr>
+            <a:spLocks noGrp="1"/>
+          </p:cNvSpPr>
+          <p:nvPr>
+            <p:ph type="ctrTitle"/>
+          </p:nvPr>
+        </p:nvSpPr>
+        <p:spPr/>
+        <p:txBody>
+          <a:bodyPr>
+            <a:normAutofit/>
+          </a:bodyPr>
+          <a:lstStyle/>
+          <a:p>
+            <a:r>
+              <a:rPr lang="pt-BR" sz="4400" dirty="0" smtClean="0"/>
+              <a:t>Referências</a:t>
+            </a:r>
+            <a:endParaRPr lang="pt-BR" sz="4400" dirty="0"/>
+          </a:p>
+        </p:txBody>
+      </p:sp>
+      <p:sp>
+        <p:nvSpPr>
+          <p:cNvPr id="3" name="Subtítulo 2">
+            <a:extLst>
+              <a:ext uri="{FF2B5EF4-FFF2-40B4-BE49-F238E27FC236}">
+                <a16:creationId xmlns:a16="http://schemas.microsoft.com/office/drawing/2014/main" xmlns="" id="{0E4BFB9B-D461-4F8E-B2A0-819D63FA7EC4}"/>
+              </a:ext>
+            </a:extLst>
+          </p:cNvPr>
+          <p:cNvSpPr>
+            <a:spLocks noGrp="1"/>
+          </p:cNvSpPr>
+          <p:nvPr>
+            <p:ph type="subTitle" idx="1"/>
+          </p:nvPr>
+        </p:nvSpPr>
+        <p:spPr>
+          <a:xfrm>
+            <a:off x="1876424" y="3547166"/>
+            <a:ext cx="8791575" cy="1655762"/>
+          </a:xfrm>
+        </p:spPr>
+        <p:txBody>
+          <a:bodyPr/>
+          <a:lstStyle/>
+          <a:p>
+            <a:endParaRPr lang="pt-BR" dirty="0"/>
+          </a:p>
+        </p:txBody>
+      </p:sp>
+    </p:spTree>
+    <p:extLst>
+      <p:ext uri="{BB962C8B-B14F-4D97-AF65-F5344CB8AC3E}">
+        <p14:creationId xmlns:p14="http://schemas.microsoft.com/office/powerpoint/2010/main" val="1674775517"/>
+      </p:ext>
+    </p:extLst>
+  </p:cSld>
+  <p:clrMapOvr>
+    <a:masterClrMapping/>
+  </p:clrMapOvr>
+  <p:timing>
+    <p:tnLst>
+      <p:par>
+        <p:cTn id="1" dur="indefinite" restart="never" nodeType="tmRoot"/>
+      </p:par>
+    </p:tnLst>
+  </p:timing>
+</p:sld>
+</file>
+
+<file path=ppt/slides/slide57.xml><?xml version="1.0" encoding="utf-8"?>
+<p:sld xmlns:a="http://schemas.openxmlformats.org/drawingml/2006/main" xmlns:r="http://schemas.openxmlformats.org/officeDocument/2006/relationships" xmlns:p="http://schemas.openxmlformats.org/presentationml/2006/main">
+  <p:cSld>
+    <p:spTree>
+      <p:nvGrpSpPr>
+        <p:cNvPr id="1" name=""/>
+        <p:cNvGrpSpPr/>
+        <p:nvPr/>
+      </p:nvGrpSpPr>
+      <p:grpSpPr>
+        <a:xfrm>
+          <a:off x="0" y="0"/>
+          <a:ext cx="0" cy="0"/>
+          <a:chOff x="0" y="0"/>
+          <a:chExt cx="0" cy="0"/>
+        </a:xfrm>
+      </p:grpSpPr>
+      <p:sp>
+        <p:nvSpPr>
+          <p:cNvPr id="8" name="Retângulo 7">
+            <a:extLst>
+              <a:ext uri="{FF2B5EF4-FFF2-40B4-BE49-F238E27FC236}">
+                <a16:creationId xmlns:a16="http://schemas.microsoft.com/office/drawing/2014/main" xmlns="" id="{9B33DD69-1761-43D2-B589-CE56D2C4FBB6}"/>
+              </a:ext>
+            </a:extLst>
+          </p:cNvPr>
+          <p:cNvSpPr/>
+          <p:nvPr/>
+        </p:nvSpPr>
+        <p:spPr>
+          <a:xfrm>
+            <a:off x="914401" y="0"/>
+            <a:ext cx="11304103" cy="6858000"/>
+          </a:xfrm>
+          <a:prstGeom prst="rect">
+            <a:avLst/>
+          </a:prstGeom>
+          <a:solidFill>
+            <a:schemeClr val="tx1"/>
+          </a:solidFill>
+          <a:ln>
+            <a:solidFill>
+              <a:schemeClr val="tx1"/>
+            </a:solidFill>
+          </a:ln>
+        </p:spPr>
+        <p:style>
+          <a:lnRef idx="2">
+            <a:schemeClr val="accent1">
+              <a:shade val="50000"/>
+            </a:schemeClr>
+          </a:lnRef>
+          <a:fillRef idx="1">
+            <a:schemeClr val="accent1"/>
+          </a:fillRef>
+          <a:effectRef idx="0">
+            <a:schemeClr val="accent1"/>
+          </a:effectRef>
+          <a:fontRef idx="minor">
+            <a:schemeClr val="lt1"/>
+          </a:fontRef>
+        </p:style>
+        <p:txBody>
+          <a:bodyPr rtlCol="0" anchor="ctr"/>
+          <a:lstStyle/>
+          <a:p>
+            <a:pPr algn="ctr"/>
+            <a:endParaRPr lang="pt-BR" dirty="0"/>
+          </a:p>
+        </p:txBody>
+      </p:sp>
+      <p:sp>
+        <p:nvSpPr>
+          <p:cNvPr id="24" name="CaixaDeTexto 23">
+            <a:extLst>
+              <a:ext uri="{FF2B5EF4-FFF2-40B4-BE49-F238E27FC236}">
+                <a16:creationId xmlns:a16="http://schemas.microsoft.com/office/drawing/2014/main" xmlns="" id="{90B980A2-8D40-4C0A-9871-4FA9794F9C3D}"/>
+              </a:ext>
+            </a:extLst>
+          </p:cNvPr>
+          <p:cNvSpPr txBox="1"/>
+          <p:nvPr/>
+        </p:nvSpPr>
+        <p:spPr>
+          <a:xfrm>
+            <a:off x="1175332" y="179122"/>
+            <a:ext cx="10658859" cy="1938992"/>
+          </a:xfrm>
+          <a:prstGeom prst="rect">
+            <a:avLst/>
+          </a:prstGeom>
+          <a:noFill/>
+        </p:spPr>
+        <p:txBody>
+          <a:bodyPr wrap="square" rtlCol="0">
+            <a:spAutoFit/>
+          </a:bodyPr>
+          <a:lstStyle/>
+          <a:p>
+            <a:pPr algn="just"/>
+            <a:r>
+              <a:rPr lang="pt-BR" sz="2000" dirty="0" smtClean="0">
+                <a:solidFill>
+                  <a:schemeClr val="bg1"/>
+                </a:solidFill>
+              </a:rPr>
+              <a:t>Referências:</a:t>
+            </a:r>
+          </a:p>
+          <a:p>
+            <a:pPr algn="just"/>
+            <a:endParaRPr lang="pt-BR" sz="2000" dirty="0" smtClean="0">
+              <a:solidFill>
+                <a:schemeClr val="bg1"/>
+              </a:solidFill>
+            </a:endParaRPr>
+          </a:p>
+          <a:p>
+            <a:pPr algn="just"/>
+            <a:r>
+              <a:rPr lang="pt-BR" sz="2000" dirty="0" smtClean="0">
+                <a:solidFill>
+                  <a:schemeClr val="bg1">
+                    <a:lumMod val="95000"/>
+                    <a:lumOff val="5000"/>
+                  </a:schemeClr>
+                </a:solidFill>
+                <a:hlinkClick r:id="rId2"/>
+              </a:rPr>
+              <a:t>https://code.visualstudio.com/</a:t>
+            </a:r>
+            <a:endParaRPr lang="pt-BR" sz="2000" dirty="0" smtClean="0">
+              <a:solidFill>
+                <a:schemeClr val="bg1">
+                  <a:lumMod val="95000"/>
+                  <a:lumOff val="5000"/>
+                </a:schemeClr>
+              </a:solidFill>
+            </a:endParaRPr>
+          </a:p>
+          <a:p>
+            <a:pPr algn="just"/>
+            <a:r>
+              <a:rPr lang="pt-BR" sz="2000" dirty="0" smtClean="0">
+                <a:solidFill>
+                  <a:schemeClr val="bg1">
+                    <a:lumMod val="95000"/>
+                    <a:lumOff val="5000"/>
+                  </a:schemeClr>
+                </a:solidFill>
+                <a:hlinkClick r:id="rId3"/>
+              </a:rPr>
+              <a:t>https://www.youtube.com/watch?v=_R6YslWRUFk</a:t>
+            </a:r>
+            <a:endParaRPr lang="pt-BR" sz="2000" dirty="0" smtClean="0">
+              <a:solidFill>
+                <a:schemeClr val="bg1">
+                  <a:lumMod val="95000"/>
+                  <a:lumOff val="5000"/>
+                </a:schemeClr>
+              </a:solidFill>
+            </a:endParaRPr>
+          </a:p>
+          <a:p>
+            <a:pPr algn="just"/>
+            <a:r>
+              <a:rPr lang="pt-BR" sz="2000" dirty="0" smtClean="0">
+                <a:solidFill>
+                  <a:schemeClr val="bg1">
+                    <a:lumMod val="95000"/>
+                    <a:lumOff val="5000"/>
+                  </a:schemeClr>
+                </a:solidFill>
+                <a:hlinkClick r:id="rId4"/>
+              </a:rPr>
+              <a:t>https://www.w3schools.com/</a:t>
+            </a:r>
+            <a:endParaRPr lang="pt-BR" sz="2000" dirty="0" smtClean="0">
+              <a:solidFill>
+                <a:schemeClr val="bg1">
+                  <a:lumMod val="95000"/>
+                  <a:lumOff val="5000"/>
+                </a:schemeClr>
+              </a:solidFill>
+            </a:endParaRPr>
+          </a:p>
+          <a:p>
+            <a:pPr algn="just"/>
+            <a:r>
+              <a:rPr lang="pt-BR" sz="2000" dirty="0">
+                <a:solidFill>
+                  <a:schemeClr val="bg1">
+                    <a:lumMod val="95000"/>
+                    <a:lumOff val="5000"/>
+                  </a:schemeClr>
+                </a:solidFill>
+                <a:hlinkClick r:id="rId5"/>
+              </a:rPr>
+              <a:t>https://</a:t>
+            </a:r>
+            <a:r>
+              <a:rPr lang="pt-BR" sz="2000" dirty="0" smtClean="0">
+                <a:solidFill>
+                  <a:schemeClr val="bg1">
+                    <a:lumMod val="95000"/>
+                    <a:lumOff val="5000"/>
+                  </a:schemeClr>
+                </a:solidFill>
+                <a:hlinkClick r:id="rId5"/>
+              </a:rPr>
+              <a:t>www.youtube.com/watch?v=Fj3gtbaF8WA</a:t>
+            </a:r>
+            <a:endParaRPr lang="pt-BR" sz="2000" dirty="0">
+              <a:solidFill>
+                <a:schemeClr val="bg1">
+                  <a:lumMod val="95000"/>
+                  <a:lumOff val="5000"/>
+                </a:schemeClr>
+              </a:solidFill>
+            </a:endParaRPr>
+          </a:p>
+        </p:txBody>
+      </p:sp>
+      <p:sp>
+        <p:nvSpPr>
+          <p:cNvPr id="3" name="AutoShape 2" descr="Download Visual Studio Code - Mac, Linux, Windows"/>
+          <p:cNvSpPr>
+            <a:spLocks noChangeAspect="1" noChangeArrowheads="1"/>
+          </p:cNvSpPr>
+          <p:nvPr/>
+        </p:nvSpPr>
+        <p:spPr bwMode="auto">
+          <a:xfrm>
+            <a:off x="155575" y="-144463"/>
+            <a:ext cx="304800" cy="304801"/>
+          </a:xfrm>
+          <a:prstGeom prst="rect">
+            <a:avLst/>
+          </a:prstGeom>
+          <a:noFill/>
+          <a:extLst>
+            <a:ext uri="{909E8E84-426E-40DD-AFC4-6F175D3DCCD1}">
+              <a14:hiddenFill xmlns:a14="http://schemas.microsoft.com/office/drawing/2010/main">
+                <a:solidFill>
+                  <a:srgbClr val="FFFFFF"/>
+                </a:solidFill>
+              </a14:hiddenFill>
+            </a:ext>
+          </a:extLst>
+        </p:spPr>
+        <p:txBody>
+          <a:bodyPr vert="horz" wrap="square" lIns="91440" tIns="45720" rIns="91440" bIns="45720" numCol="1" anchor="t" anchorCtr="0" compatLnSpc="1">
+            <a:prstTxWarp prst="textNoShape">
+              <a:avLst/>
+            </a:prstTxWarp>
+          </a:bodyPr>
+          <a:lstStyle/>
+          <a:p>
+            <a:endParaRPr lang="pt-BR"/>
+          </a:p>
+        </p:txBody>
+      </p:sp>
+      <p:sp>
+        <p:nvSpPr>
+          <p:cNvPr id="4" name="AutoShape 4" descr="Download Visual Studio Code - Mac, Linux, Windows"/>
+          <p:cNvSpPr>
+            <a:spLocks noChangeAspect="1" noChangeArrowheads="1"/>
+          </p:cNvSpPr>
+          <p:nvPr/>
+        </p:nvSpPr>
+        <p:spPr bwMode="auto">
+          <a:xfrm>
+            <a:off x="307975" y="7937"/>
+            <a:ext cx="304800" cy="304801"/>
+          </a:xfrm>
+          <a:prstGeom prst="rect">
+            <a:avLst/>
+          </a:prstGeom>
+          <a:noFill/>
+          <a:extLst>
+            <a:ext uri="{909E8E84-426E-40DD-AFC4-6F175D3DCCD1}">
+              <a14:hiddenFill xmlns:a14="http://schemas.microsoft.com/office/drawing/2010/main">
+                <a:solidFill>
+                  <a:srgbClr val="FFFFFF"/>
+                </a:solidFill>
+              </a14:hiddenFill>
+            </a:ext>
+          </a:extLst>
+        </p:spPr>
+        <p:txBody>
+          <a:bodyPr vert="horz" wrap="square" lIns="91440" tIns="45720" rIns="91440" bIns="45720" numCol="1" anchor="t" anchorCtr="0" compatLnSpc="1">
+            <a:prstTxWarp prst="textNoShape">
+              <a:avLst/>
+            </a:prstTxWarp>
+          </a:bodyPr>
+          <a:lstStyle/>
+          <a:p>
+            <a:endParaRPr lang="pt-BR"/>
+          </a:p>
+        </p:txBody>
+      </p:sp>
+    </p:spTree>
+    <p:extLst>
+      <p:ext uri="{BB962C8B-B14F-4D97-AF65-F5344CB8AC3E}">
+        <p14:creationId xmlns:p14="http://schemas.microsoft.com/office/powerpoint/2010/main" val="2338382631"/>
       </p:ext>
     </p:extLst>
   </p:cSld>

--- a/documentos/Apostila - Desenvolvimento Web - IEP.pptx
+++ b/documentos/Apostila - Desenvolvimento Web - IEP.pptx
@@ -60,8 +60,17 @@
     <p:sldId id="317" r:id="rId54"/>
     <p:sldId id="318" r:id="rId55"/>
     <p:sldId id="319" r:id="rId56"/>
-    <p:sldId id="299" r:id="rId57"/>
-    <p:sldId id="262" r:id="rId58"/>
+    <p:sldId id="320" r:id="rId57"/>
+    <p:sldId id="321" r:id="rId58"/>
+    <p:sldId id="322" r:id="rId59"/>
+    <p:sldId id="323" r:id="rId60"/>
+    <p:sldId id="324" r:id="rId61"/>
+    <p:sldId id="325" r:id="rId62"/>
+    <p:sldId id="326" r:id="rId63"/>
+    <p:sldId id="327" r:id="rId64"/>
+    <p:sldId id="328" r:id="rId65"/>
+    <p:sldId id="299" r:id="rId66"/>
+    <p:sldId id="262" r:id="rId67"/>
   </p:sldIdLst>
   <p:sldSz cx="12192000" cy="6858000"/>
   <p:notesSz cx="6858000" cy="9144000"/>
@@ -162,7 +171,7 @@
   </p:defaultTextStyle>
   <p:extLst>
     <p:ext uri="{EFAFB233-063F-42B5-8137-9DF3F51BA10A}">
-      <p15:sldGuideLst xmlns:p15="http://schemas.microsoft.com/office/powerpoint/2012/main" xmlns=""/>
+      <p15:sldGuideLst xmlns="" xmlns:p15="http://schemas.microsoft.com/office/powerpoint/2012/main"/>
     </p:ext>
   </p:extLst>
 </p:presentation>
@@ -4444,7 +4453,7 @@
           <a:p>
             <a:fld id="{48A87A34-81AB-432B-8DAE-1953F412C126}" type="datetimeFigureOut">
               <a:rPr lang="en-US" dirty="0"/>
-              <a:t>9/14/2021</a:t>
+              <a:t>9/20/2021</a:t>
             </a:fld>
             <a:endParaRPr lang="en-US" dirty="0"/>
           </a:p>
@@ -4706,7 +4715,7 @@
           <a:p>
             <a:fld id="{48A87A34-81AB-432B-8DAE-1953F412C126}" type="datetimeFigureOut">
               <a:rPr lang="en-US" dirty="0"/>
-              <a:t>9/14/2021</a:t>
+              <a:t>9/20/2021</a:t>
             </a:fld>
             <a:endParaRPr lang="en-US" dirty="0"/>
           </a:p>
@@ -4897,7 +4906,7 @@
           <a:p>
             <a:fld id="{48A87A34-81AB-432B-8DAE-1953F412C126}" type="datetimeFigureOut">
               <a:rPr lang="en-US" dirty="0"/>
-              <a:t>9/14/2021</a:t>
+              <a:t>9/20/2021</a:t>
             </a:fld>
             <a:endParaRPr lang="en-US" dirty="0"/>
           </a:p>
@@ -5155,7 +5164,7 @@
           <a:p>
             <a:fld id="{48A87A34-81AB-432B-8DAE-1953F412C126}" type="datetimeFigureOut">
               <a:rPr lang="en-US" dirty="0"/>
-              <a:t>9/14/2021</a:t>
+              <a:t>9/20/2021</a:t>
             </a:fld>
             <a:endParaRPr lang="en-US" dirty="0"/>
           </a:p>
@@ -5584,7 +5593,7 @@
           <a:p>
             <a:fld id="{48A87A34-81AB-432B-8DAE-1953F412C126}" type="datetimeFigureOut">
               <a:rPr lang="en-US" dirty="0"/>
-              <a:t>9/14/2021</a:t>
+              <a:t>9/20/2021</a:t>
             </a:fld>
             <a:endParaRPr lang="en-US" dirty="0"/>
           </a:p>
@@ -6125,7 +6134,7 @@
           <a:p>
             <a:fld id="{48A87A34-81AB-432B-8DAE-1953F412C126}" type="datetimeFigureOut">
               <a:rPr lang="en-US" dirty="0"/>
-              <a:t>9/14/2021</a:t>
+              <a:t>9/20/2021</a:t>
             </a:fld>
             <a:endParaRPr lang="en-US" dirty="0"/>
           </a:p>
@@ -6840,7 +6849,7 @@
           <a:p>
             <a:fld id="{48A87A34-81AB-432B-8DAE-1953F412C126}" type="datetimeFigureOut">
               <a:rPr lang="en-US" dirty="0"/>
-              <a:t>9/14/2021</a:t>
+              <a:t>9/20/2021</a:t>
             </a:fld>
             <a:endParaRPr lang="en-US" dirty="0"/>
           </a:p>
@@ -7005,7 +7014,7 @@
           <a:p>
             <a:fld id="{48A87A34-81AB-432B-8DAE-1953F412C126}" type="datetimeFigureOut">
               <a:rPr lang="en-US" dirty="0"/>
-              <a:t>9/14/2021</a:t>
+              <a:t>9/20/2021</a:t>
             </a:fld>
             <a:endParaRPr lang="en-US" dirty="0"/>
           </a:p>
@@ -7180,7 +7189,7 @@
           <a:p>
             <a:fld id="{48A87A34-81AB-432B-8DAE-1953F412C126}" type="datetimeFigureOut">
               <a:rPr lang="en-US" dirty="0"/>
-              <a:t>9/14/2021</a:t>
+              <a:t>9/20/2021</a:t>
             </a:fld>
             <a:endParaRPr lang="en-US" dirty="0"/>
           </a:p>
@@ -7345,7 +7354,7 @@
           <a:p>
             <a:fld id="{48A87A34-81AB-432B-8DAE-1953F412C126}" type="datetimeFigureOut">
               <a:rPr lang="en-US" dirty="0"/>
-              <a:t>9/14/2021</a:t>
+              <a:t>9/20/2021</a:t>
             </a:fld>
             <a:endParaRPr lang="en-US" dirty="0"/>
           </a:p>
@@ -7590,7 +7599,7 @@
           <a:p>
             <a:fld id="{48A87A34-81AB-432B-8DAE-1953F412C126}" type="datetimeFigureOut">
               <a:rPr lang="en-US" dirty="0"/>
-              <a:t>9/14/2021</a:t>
+              <a:t>9/20/2021</a:t>
             </a:fld>
             <a:endParaRPr lang="en-US" dirty="0"/>
           </a:p>
@@ -7817,7 +7826,7 @@
           <a:p>
             <a:fld id="{48A87A34-81AB-432B-8DAE-1953F412C126}" type="datetimeFigureOut">
               <a:rPr lang="en-US" dirty="0"/>
-              <a:t>9/14/2021</a:t>
+              <a:t>9/20/2021</a:t>
             </a:fld>
             <a:endParaRPr lang="en-US" dirty="0"/>
           </a:p>
@@ -8193,7 +8202,7 @@
           <a:p>
             <a:fld id="{48A87A34-81AB-432B-8DAE-1953F412C126}" type="datetimeFigureOut">
               <a:rPr lang="en-US" dirty="0"/>
-              <a:t>9/14/2021</a:t>
+              <a:t>9/20/2021</a:t>
             </a:fld>
             <a:endParaRPr lang="en-US" dirty="0"/>
           </a:p>
@@ -8306,7 +8315,7 @@
           <a:p>
             <a:fld id="{48A87A34-81AB-432B-8DAE-1953F412C126}" type="datetimeFigureOut">
               <a:rPr lang="en-US" dirty="0"/>
-              <a:t>9/14/2021</a:t>
+              <a:t>9/20/2021</a:t>
             </a:fld>
             <a:endParaRPr lang="en-US" dirty="0"/>
           </a:p>
@@ -8396,7 +8405,7 @@
           <a:p>
             <a:fld id="{48A87A34-81AB-432B-8DAE-1953F412C126}" type="datetimeFigureOut">
               <a:rPr lang="en-US" dirty="0"/>
-              <a:t>9/14/2021</a:t>
+              <a:t>9/20/2021</a:t>
             </a:fld>
             <a:endParaRPr lang="en-US" dirty="0"/>
           </a:p>
@@ -8640,7 +8649,7 @@
           <a:p>
             <a:fld id="{48A87A34-81AB-432B-8DAE-1953F412C126}" type="datetimeFigureOut">
               <a:rPr lang="en-US" dirty="0"/>
-              <a:t>9/14/2021</a:t>
+              <a:t>9/20/2021</a:t>
             </a:fld>
             <a:endParaRPr lang="en-US" dirty="0"/>
           </a:p>
@@ -8915,7 +8924,7 @@
           <a:p>
             <a:fld id="{48A87A34-81AB-432B-8DAE-1953F412C126}" type="datetimeFigureOut">
               <a:rPr lang="en-US" dirty="0"/>
-              <a:t>9/14/2021</a:t>
+              <a:t>9/20/2021</a:t>
             </a:fld>
             <a:endParaRPr lang="en-US" dirty="0"/>
           </a:p>
@@ -11988,7 +11997,7 @@
             <a:fld id="{48A87A34-81AB-432B-8DAE-1953F412C126}" type="datetimeFigureOut">
               <a:rPr lang="en-US" dirty="0"/>
               <a:pPr/>
-              <a:t>9/14/2021</a:t>
+              <a:t>9/20/2021</a:t>
             </a:fld>
             <a:endParaRPr lang="en-US" dirty="0"/>
           </a:p>
@@ -12409,7 +12418,7 @@
           <p:cNvPr id="2" name="Título 1">
             <a:extLst>
               <a:ext uri="{FF2B5EF4-FFF2-40B4-BE49-F238E27FC236}">
-                <a16:creationId xmlns:a16="http://schemas.microsoft.com/office/drawing/2014/main" xmlns="" id="{14AB9F69-8D24-468C-93DF-A1666924EB0C}"/>
+                <a16:creationId xmlns="" xmlns:a16="http://schemas.microsoft.com/office/drawing/2014/main" id="{14AB9F69-8D24-468C-93DF-A1666924EB0C}"/>
               </a:ext>
             </a:extLst>
           </p:cNvPr>
@@ -12440,7 +12449,7 @@
           <p:cNvPr id="3" name="Subtítulo 2">
             <a:extLst>
               <a:ext uri="{FF2B5EF4-FFF2-40B4-BE49-F238E27FC236}">
-                <a16:creationId xmlns:a16="http://schemas.microsoft.com/office/drawing/2014/main" xmlns="" id="{0E4BFB9B-D461-4F8E-B2A0-819D63FA7EC4}"/>
+                <a16:creationId xmlns="" xmlns:a16="http://schemas.microsoft.com/office/drawing/2014/main" id="{0E4BFB9B-D461-4F8E-B2A0-819D63FA7EC4}"/>
               </a:ext>
             </a:extLst>
           </p:cNvPr>
@@ -12511,7 +12520,7 @@
           <p:cNvPr id="8" name="Retângulo 7">
             <a:extLst>
               <a:ext uri="{FF2B5EF4-FFF2-40B4-BE49-F238E27FC236}">
-                <a16:creationId xmlns:a16="http://schemas.microsoft.com/office/drawing/2014/main" xmlns="" id="{9B33DD69-1761-43D2-B589-CE56D2C4FBB6}"/>
+                <a16:creationId xmlns="" xmlns:a16="http://schemas.microsoft.com/office/drawing/2014/main" id="{9B33DD69-1761-43D2-B589-CE56D2C4FBB6}"/>
               </a:ext>
             </a:extLst>
           </p:cNvPr>
@@ -12565,7 +12574,7 @@
           <p:cNvPr id="24" name="CaixaDeTexto 23">
             <a:extLst>
               <a:ext uri="{FF2B5EF4-FFF2-40B4-BE49-F238E27FC236}">
-                <a16:creationId xmlns:a16="http://schemas.microsoft.com/office/drawing/2014/main" xmlns="" id="{90B980A2-8D40-4C0A-9871-4FA9794F9C3D}"/>
+                <a16:creationId xmlns="" xmlns:a16="http://schemas.microsoft.com/office/drawing/2014/main" id="{90B980A2-8D40-4C0A-9871-4FA9794F9C3D}"/>
               </a:ext>
             </a:extLst>
           </p:cNvPr>
@@ -13036,7 +13045,7 @@
           <p:cNvPr id="8" name="Retângulo 7">
             <a:extLst>
               <a:ext uri="{FF2B5EF4-FFF2-40B4-BE49-F238E27FC236}">
-                <a16:creationId xmlns:a16="http://schemas.microsoft.com/office/drawing/2014/main" xmlns="" id="{9B33DD69-1761-43D2-B589-CE56D2C4FBB6}"/>
+                <a16:creationId xmlns="" xmlns:a16="http://schemas.microsoft.com/office/drawing/2014/main" id="{9B33DD69-1761-43D2-B589-CE56D2C4FBB6}"/>
               </a:ext>
             </a:extLst>
           </p:cNvPr>
@@ -13090,7 +13099,7 @@
           <p:cNvPr id="24" name="CaixaDeTexto 23">
             <a:extLst>
               <a:ext uri="{FF2B5EF4-FFF2-40B4-BE49-F238E27FC236}">
-                <a16:creationId xmlns:a16="http://schemas.microsoft.com/office/drawing/2014/main" xmlns="" id="{90B980A2-8D40-4C0A-9871-4FA9794F9C3D}"/>
+                <a16:creationId xmlns="" xmlns:a16="http://schemas.microsoft.com/office/drawing/2014/main" id="{90B980A2-8D40-4C0A-9871-4FA9794F9C3D}"/>
               </a:ext>
             </a:extLst>
           </p:cNvPr>
@@ -13560,7 +13569,7 @@
           <p:cNvPr id="8" name="Retângulo 7">
             <a:extLst>
               <a:ext uri="{FF2B5EF4-FFF2-40B4-BE49-F238E27FC236}">
-                <a16:creationId xmlns:a16="http://schemas.microsoft.com/office/drawing/2014/main" xmlns="" id="{9B33DD69-1761-43D2-B589-CE56D2C4FBB6}"/>
+                <a16:creationId xmlns="" xmlns:a16="http://schemas.microsoft.com/office/drawing/2014/main" id="{9B33DD69-1761-43D2-B589-CE56D2C4FBB6}"/>
               </a:ext>
             </a:extLst>
           </p:cNvPr>
@@ -13614,7 +13623,7 @@
           <p:cNvPr id="24" name="CaixaDeTexto 23">
             <a:extLst>
               <a:ext uri="{FF2B5EF4-FFF2-40B4-BE49-F238E27FC236}">
-                <a16:creationId xmlns:a16="http://schemas.microsoft.com/office/drawing/2014/main" xmlns="" id="{90B980A2-8D40-4C0A-9871-4FA9794F9C3D}"/>
+                <a16:creationId xmlns="" xmlns:a16="http://schemas.microsoft.com/office/drawing/2014/main" id="{90B980A2-8D40-4C0A-9871-4FA9794F9C3D}"/>
               </a:ext>
             </a:extLst>
           </p:cNvPr>
@@ -14368,7 +14377,7 @@
           <p:cNvPr id="8" name="Retângulo 7">
             <a:extLst>
               <a:ext uri="{FF2B5EF4-FFF2-40B4-BE49-F238E27FC236}">
-                <a16:creationId xmlns:a16="http://schemas.microsoft.com/office/drawing/2014/main" xmlns="" id="{9B33DD69-1761-43D2-B589-CE56D2C4FBB6}"/>
+                <a16:creationId xmlns="" xmlns:a16="http://schemas.microsoft.com/office/drawing/2014/main" id="{9B33DD69-1761-43D2-B589-CE56D2C4FBB6}"/>
               </a:ext>
             </a:extLst>
           </p:cNvPr>
@@ -14422,7 +14431,7 @@
           <p:cNvPr id="24" name="CaixaDeTexto 23">
             <a:extLst>
               <a:ext uri="{FF2B5EF4-FFF2-40B4-BE49-F238E27FC236}">
-                <a16:creationId xmlns:a16="http://schemas.microsoft.com/office/drawing/2014/main" xmlns="" id="{90B980A2-8D40-4C0A-9871-4FA9794F9C3D}"/>
+                <a16:creationId xmlns="" xmlns:a16="http://schemas.microsoft.com/office/drawing/2014/main" id="{90B980A2-8D40-4C0A-9871-4FA9794F9C3D}"/>
               </a:ext>
             </a:extLst>
           </p:cNvPr>
@@ -14946,7 +14955,7 @@
           <p:cNvPr id="2" name="Título 1">
             <a:extLst>
               <a:ext uri="{FF2B5EF4-FFF2-40B4-BE49-F238E27FC236}">
-                <a16:creationId xmlns:a16="http://schemas.microsoft.com/office/drawing/2014/main" xmlns="" id="{14AB9F69-8D24-468C-93DF-A1666924EB0C}"/>
+                <a16:creationId xmlns="" xmlns:a16="http://schemas.microsoft.com/office/drawing/2014/main" id="{14AB9F69-8D24-468C-93DF-A1666924EB0C}"/>
               </a:ext>
             </a:extLst>
           </p:cNvPr>
@@ -14977,7 +14986,7 @@
           <p:cNvPr id="3" name="Subtítulo 2">
             <a:extLst>
               <a:ext uri="{FF2B5EF4-FFF2-40B4-BE49-F238E27FC236}">
-                <a16:creationId xmlns:a16="http://schemas.microsoft.com/office/drawing/2014/main" xmlns="" id="{0E4BFB9B-D461-4F8E-B2A0-819D63FA7EC4}"/>
+                <a16:creationId xmlns="" xmlns:a16="http://schemas.microsoft.com/office/drawing/2014/main" id="{0E4BFB9B-D461-4F8E-B2A0-819D63FA7EC4}"/>
               </a:ext>
             </a:extLst>
           </p:cNvPr>
@@ -15048,7 +15057,7 @@
           <p:cNvPr id="8" name="Retângulo 7">
             <a:extLst>
               <a:ext uri="{FF2B5EF4-FFF2-40B4-BE49-F238E27FC236}">
-                <a16:creationId xmlns:a16="http://schemas.microsoft.com/office/drawing/2014/main" xmlns="" id="{9B33DD69-1761-43D2-B589-CE56D2C4FBB6}"/>
+                <a16:creationId xmlns="" xmlns:a16="http://schemas.microsoft.com/office/drawing/2014/main" id="{9B33DD69-1761-43D2-B589-CE56D2C4FBB6}"/>
               </a:ext>
             </a:extLst>
           </p:cNvPr>
@@ -15102,7 +15111,7 @@
           <p:cNvPr id="24" name="CaixaDeTexto 23">
             <a:extLst>
               <a:ext uri="{FF2B5EF4-FFF2-40B4-BE49-F238E27FC236}">
-                <a16:creationId xmlns:a16="http://schemas.microsoft.com/office/drawing/2014/main" xmlns="" id="{90B980A2-8D40-4C0A-9871-4FA9794F9C3D}"/>
+                <a16:creationId xmlns="" xmlns:a16="http://schemas.microsoft.com/office/drawing/2014/main" id="{90B980A2-8D40-4C0A-9871-4FA9794F9C3D}"/>
               </a:ext>
             </a:extLst>
           </p:cNvPr>
@@ -15691,7 +15700,7 @@
           <p:cNvPr id="8" name="Retângulo 7">
             <a:extLst>
               <a:ext uri="{FF2B5EF4-FFF2-40B4-BE49-F238E27FC236}">
-                <a16:creationId xmlns:a16="http://schemas.microsoft.com/office/drawing/2014/main" xmlns="" id="{9B33DD69-1761-43D2-B589-CE56D2C4FBB6}"/>
+                <a16:creationId xmlns="" xmlns:a16="http://schemas.microsoft.com/office/drawing/2014/main" id="{9B33DD69-1761-43D2-B589-CE56D2C4FBB6}"/>
               </a:ext>
             </a:extLst>
           </p:cNvPr>
@@ -15745,7 +15754,7 @@
           <p:cNvPr id="24" name="CaixaDeTexto 23">
             <a:extLst>
               <a:ext uri="{FF2B5EF4-FFF2-40B4-BE49-F238E27FC236}">
-                <a16:creationId xmlns:a16="http://schemas.microsoft.com/office/drawing/2014/main" xmlns="" id="{90B980A2-8D40-4C0A-9871-4FA9794F9C3D}"/>
+                <a16:creationId xmlns="" xmlns:a16="http://schemas.microsoft.com/office/drawing/2014/main" id="{90B980A2-8D40-4C0A-9871-4FA9794F9C3D}"/>
               </a:ext>
             </a:extLst>
           </p:cNvPr>
@@ -16191,7 +16200,7 @@
           <p:cNvPr id="8" name="Retângulo 7">
             <a:extLst>
               <a:ext uri="{FF2B5EF4-FFF2-40B4-BE49-F238E27FC236}">
-                <a16:creationId xmlns:a16="http://schemas.microsoft.com/office/drawing/2014/main" xmlns="" id="{9B33DD69-1761-43D2-B589-CE56D2C4FBB6}"/>
+                <a16:creationId xmlns="" xmlns:a16="http://schemas.microsoft.com/office/drawing/2014/main" id="{9B33DD69-1761-43D2-B589-CE56D2C4FBB6}"/>
               </a:ext>
             </a:extLst>
           </p:cNvPr>
@@ -16245,7 +16254,7 @@
           <p:cNvPr id="24" name="CaixaDeTexto 23">
             <a:extLst>
               <a:ext uri="{FF2B5EF4-FFF2-40B4-BE49-F238E27FC236}">
-                <a16:creationId xmlns:a16="http://schemas.microsoft.com/office/drawing/2014/main" xmlns="" id="{90B980A2-8D40-4C0A-9871-4FA9794F9C3D}"/>
+                <a16:creationId xmlns="" xmlns:a16="http://schemas.microsoft.com/office/drawing/2014/main" id="{90B980A2-8D40-4C0A-9871-4FA9794F9C3D}"/>
               </a:ext>
             </a:extLst>
           </p:cNvPr>
@@ -16645,7 +16654,7 @@
           <p:cNvPr id="8" name="Retângulo 7">
             <a:extLst>
               <a:ext uri="{FF2B5EF4-FFF2-40B4-BE49-F238E27FC236}">
-                <a16:creationId xmlns:a16="http://schemas.microsoft.com/office/drawing/2014/main" xmlns="" id="{9B33DD69-1761-43D2-B589-CE56D2C4FBB6}"/>
+                <a16:creationId xmlns="" xmlns:a16="http://schemas.microsoft.com/office/drawing/2014/main" id="{9B33DD69-1761-43D2-B589-CE56D2C4FBB6}"/>
               </a:ext>
             </a:extLst>
           </p:cNvPr>
@@ -16699,7 +16708,7 @@
           <p:cNvPr id="24" name="CaixaDeTexto 23">
             <a:extLst>
               <a:ext uri="{FF2B5EF4-FFF2-40B4-BE49-F238E27FC236}">
-                <a16:creationId xmlns:a16="http://schemas.microsoft.com/office/drawing/2014/main" xmlns="" id="{90B980A2-8D40-4C0A-9871-4FA9794F9C3D}"/>
+                <a16:creationId xmlns="" xmlns:a16="http://schemas.microsoft.com/office/drawing/2014/main" id="{90B980A2-8D40-4C0A-9871-4FA9794F9C3D}"/>
               </a:ext>
             </a:extLst>
           </p:cNvPr>
@@ -16982,7 +16991,7 @@
           <p:cNvPr id="8" name="Retângulo 7">
             <a:extLst>
               <a:ext uri="{FF2B5EF4-FFF2-40B4-BE49-F238E27FC236}">
-                <a16:creationId xmlns:a16="http://schemas.microsoft.com/office/drawing/2014/main" xmlns="" id="{9B33DD69-1761-43D2-B589-CE56D2C4FBB6}"/>
+                <a16:creationId xmlns="" xmlns:a16="http://schemas.microsoft.com/office/drawing/2014/main" id="{9B33DD69-1761-43D2-B589-CE56D2C4FBB6}"/>
               </a:ext>
             </a:extLst>
           </p:cNvPr>
@@ -17036,7 +17045,7 @@
           <p:cNvPr id="24" name="CaixaDeTexto 23">
             <a:extLst>
               <a:ext uri="{FF2B5EF4-FFF2-40B4-BE49-F238E27FC236}">
-                <a16:creationId xmlns:a16="http://schemas.microsoft.com/office/drawing/2014/main" xmlns="" id="{90B980A2-8D40-4C0A-9871-4FA9794F9C3D}"/>
+                <a16:creationId xmlns="" xmlns:a16="http://schemas.microsoft.com/office/drawing/2014/main" id="{90B980A2-8D40-4C0A-9871-4FA9794F9C3D}"/>
               </a:ext>
             </a:extLst>
           </p:cNvPr>
@@ -17300,7 +17309,7 @@
           <p:cNvPr id="2" name="Título 1">
             <a:extLst>
               <a:ext uri="{FF2B5EF4-FFF2-40B4-BE49-F238E27FC236}">
-                <a16:creationId xmlns:a16="http://schemas.microsoft.com/office/drawing/2014/main" xmlns="" id="{14AB9F69-8D24-468C-93DF-A1666924EB0C}"/>
+                <a16:creationId xmlns="" xmlns:a16="http://schemas.microsoft.com/office/drawing/2014/main" id="{14AB9F69-8D24-468C-93DF-A1666924EB0C}"/>
               </a:ext>
             </a:extLst>
           </p:cNvPr>
@@ -17331,7 +17340,7 @@
           <p:cNvPr id="3" name="Subtítulo 2">
             <a:extLst>
               <a:ext uri="{FF2B5EF4-FFF2-40B4-BE49-F238E27FC236}">
-                <a16:creationId xmlns:a16="http://schemas.microsoft.com/office/drawing/2014/main" xmlns="" id="{0E4BFB9B-D461-4F8E-B2A0-819D63FA7EC4}"/>
+                <a16:creationId xmlns="" xmlns:a16="http://schemas.microsoft.com/office/drawing/2014/main" id="{0E4BFB9B-D461-4F8E-B2A0-819D63FA7EC4}"/>
               </a:ext>
             </a:extLst>
           </p:cNvPr>
@@ -17402,7 +17411,7 @@
           <p:cNvPr id="8" name="Retângulo 7">
             <a:extLst>
               <a:ext uri="{FF2B5EF4-FFF2-40B4-BE49-F238E27FC236}">
-                <a16:creationId xmlns:a16="http://schemas.microsoft.com/office/drawing/2014/main" xmlns="" id="{9B33DD69-1761-43D2-B589-CE56D2C4FBB6}"/>
+                <a16:creationId xmlns="" xmlns:a16="http://schemas.microsoft.com/office/drawing/2014/main" id="{9B33DD69-1761-43D2-B589-CE56D2C4FBB6}"/>
               </a:ext>
             </a:extLst>
           </p:cNvPr>
@@ -17456,7 +17465,7 @@
           <p:cNvPr id="24" name="CaixaDeTexto 23">
             <a:extLst>
               <a:ext uri="{FF2B5EF4-FFF2-40B4-BE49-F238E27FC236}">
-                <a16:creationId xmlns:a16="http://schemas.microsoft.com/office/drawing/2014/main" xmlns="" id="{90B980A2-8D40-4C0A-9871-4FA9794F9C3D}"/>
+                <a16:creationId xmlns="" xmlns:a16="http://schemas.microsoft.com/office/drawing/2014/main" id="{90B980A2-8D40-4C0A-9871-4FA9794F9C3D}"/>
               </a:ext>
             </a:extLst>
           </p:cNvPr>
@@ -17738,7 +17747,7 @@
           <p:cNvPr id="8" name="Retângulo 7">
             <a:extLst>
               <a:ext uri="{FF2B5EF4-FFF2-40B4-BE49-F238E27FC236}">
-                <a16:creationId xmlns:a16="http://schemas.microsoft.com/office/drawing/2014/main" xmlns="" id="{9B33DD69-1761-43D2-B589-CE56D2C4FBB6}"/>
+                <a16:creationId xmlns="" xmlns:a16="http://schemas.microsoft.com/office/drawing/2014/main" id="{9B33DD69-1761-43D2-B589-CE56D2C4FBB6}"/>
               </a:ext>
             </a:extLst>
           </p:cNvPr>
@@ -17792,7 +17801,7 @@
           <p:cNvPr id="24" name="CaixaDeTexto 23">
             <a:extLst>
               <a:ext uri="{FF2B5EF4-FFF2-40B4-BE49-F238E27FC236}">
-                <a16:creationId xmlns:a16="http://schemas.microsoft.com/office/drawing/2014/main" xmlns="" id="{90B980A2-8D40-4C0A-9871-4FA9794F9C3D}"/>
+                <a16:creationId xmlns="" xmlns:a16="http://schemas.microsoft.com/office/drawing/2014/main" id="{90B980A2-8D40-4C0A-9871-4FA9794F9C3D}"/>
               </a:ext>
             </a:extLst>
           </p:cNvPr>
@@ -18321,7 +18330,7 @@
           <p:cNvPr id="8" name="Retângulo 7">
             <a:extLst>
               <a:ext uri="{FF2B5EF4-FFF2-40B4-BE49-F238E27FC236}">
-                <a16:creationId xmlns:a16="http://schemas.microsoft.com/office/drawing/2014/main" xmlns="" id="{9B33DD69-1761-43D2-B589-CE56D2C4FBB6}"/>
+                <a16:creationId xmlns="" xmlns:a16="http://schemas.microsoft.com/office/drawing/2014/main" id="{9B33DD69-1761-43D2-B589-CE56D2C4FBB6}"/>
               </a:ext>
             </a:extLst>
           </p:cNvPr>
@@ -18375,7 +18384,7 @@
           <p:cNvPr id="24" name="CaixaDeTexto 23">
             <a:extLst>
               <a:ext uri="{FF2B5EF4-FFF2-40B4-BE49-F238E27FC236}">
-                <a16:creationId xmlns:a16="http://schemas.microsoft.com/office/drawing/2014/main" xmlns="" id="{90B980A2-8D40-4C0A-9871-4FA9794F9C3D}"/>
+                <a16:creationId xmlns="" xmlns:a16="http://schemas.microsoft.com/office/drawing/2014/main" id="{90B980A2-8D40-4C0A-9871-4FA9794F9C3D}"/>
               </a:ext>
             </a:extLst>
           </p:cNvPr>
@@ -18958,7 +18967,7 @@
           <p:cNvPr id="8" name="Retângulo 7">
             <a:extLst>
               <a:ext uri="{FF2B5EF4-FFF2-40B4-BE49-F238E27FC236}">
-                <a16:creationId xmlns:a16="http://schemas.microsoft.com/office/drawing/2014/main" xmlns="" id="{9B33DD69-1761-43D2-B589-CE56D2C4FBB6}"/>
+                <a16:creationId xmlns="" xmlns:a16="http://schemas.microsoft.com/office/drawing/2014/main" id="{9B33DD69-1761-43D2-B589-CE56D2C4FBB6}"/>
               </a:ext>
             </a:extLst>
           </p:cNvPr>
@@ -19012,7 +19021,7 @@
           <p:cNvPr id="24" name="CaixaDeTexto 23">
             <a:extLst>
               <a:ext uri="{FF2B5EF4-FFF2-40B4-BE49-F238E27FC236}">
-                <a16:creationId xmlns:a16="http://schemas.microsoft.com/office/drawing/2014/main" xmlns="" id="{90B980A2-8D40-4C0A-9871-4FA9794F9C3D}"/>
+                <a16:creationId xmlns="" xmlns:a16="http://schemas.microsoft.com/office/drawing/2014/main" id="{90B980A2-8D40-4C0A-9871-4FA9794F9C3D}"/>
               </a:ext>
             </a:extLst>
           </p:cNvPr>
@@ -19439,7 +19448,7 @@
           <p:cNvPr id="8" name="Retângulo 7">
             <a:extLst>
               <a:ext uri="{FF2B5EF4-FFF2-40B4-BE49-F238E27FC236}">
-                <a16:creationId xmlns:a16="http://schemas.microsoft.com/office/drawing/2014/main" xmlns="" id="{9B33DD69-1761-43D2-B589-CE56D2C4FBB6}"/>
+                <a16:creationId xmlns="" xmlns:a16="http://schemas.microsoft.com/office/drawing/2014/main" id="{9B33DD69-1761-43D2-B589-CE56D2C4FBB6}"/>
               </a:ext>
             </a:extLst>
           </p:cNvPr>
@@ -19493,7 +19502,7 @@
           <p:cNvPr id="24" name="CaixaDeTexto 23">
             <a:extLst>
               <a:ext uri="{FF2B5EF4-FFF2-40B4-BE49-F238E27FC236}">
-                <a16:creationId xmlns:a16="http://schemas.microsoft.com/office/drawing/2014/main" xmlns="" id="{90B980A2-8D40-4C0A-9871-4FA9794F9C3D}"/>
+                <a16:creationId xmlns="" xmlns:a16="http://schemas.microsoft.com/office/drawing/2014/main" id="{90B980A2-8D40-4C0A-9871-4FA9794F9C3D}"/>
               </a:ext>
             </a:extLst>
           </p:cNvPr>
@@ -19785,7 +19794,7 @@
           <p:cNvPr id="8" name="Retângulo 7">
             <a:extLst>
               <a:ext uri="{FF2B5EF4-FFF2-40B4-BE49-F238E27FC236}">
-                <a16:creationId xmlns:a16="http://schemas.microsoft.com/office/drawing/2014/main" xmlns="" id="{9B33DD69-1761-43D2-B589-CE56D2C4FBB6}"/>
+                <a16:creationId xmlns="" xmlns:a16="http://schemas.microsoft.com/office/drawing/2014/main" id="{9B33DD69-1761-43D2-B589-CE56D2C4FBB6}"/>
               </a:ext>
             </a:extLst>
           </p:cNvPr>
@@ -19843,7 +19852,7 @@
           <p:cNvPr id="24" name="CaixaDeTexto 23">
             <a:extLst>
               <a:ext uri="{FF2B5EF4-FFF2-40B4-BE49-F238E27FC236}">
-                <a16:creationId xmlns:a16="http://schemas.microsoft.com/office/drawing/2014/main" xmlns="" id="{90B980A2-8D40-4C0A-9871-4FA9794F9C3D}"/>
+                <a16:creationId xmlns="" xmlns:a16="http://schemas.microsoft.com/office/drawing/2014/main" id="{90B980A2-8D40-4C0A-9871-4FA9794F9C3D}"/>
               </a:ext>
             </a:extLst>
           </p:cNvPr>
@@ -20672,7 +20681,7 @@
           <p:cNvPr id="8" name="Retângulo 7">
             <a:extLst>
               <a:ext uri="{FF2B5EF4-FFF2-40B4-BE49-F238E27FC236}">
-                <a16:creationId xmlns:a16="http://schemas.microsoft.com/office/drawing/2014/main" xmlns="" id="{9B33DD69-1761-43D2-B589-CE56D2C4FBB6}"/>
+                <a16:creationId xmlns="" xmlns:a16="http://schemas.microsoft.com/office/drawing/2014/main" id="{9B33DD69-1761-43D2-B589-CE56D2C4FBB6}"/>
               </a:ext>
             </a:extLst>
           </p:cNvPr>
@@ -20730,7 +20739,7 @@
           <p:cNvPr id="24" name="CaixaDeTexto 23">
             <a:extLst>
               <a:ext uri="{FF2B5EF4-FFF2-40B4-BE49-F238E27FC236}">
-                <a16:creationId xmlns:a16="http://schemas.microsoft.com/office/drawing/2014/main" xmlns="" id="{90B980A2-8D40-4C0A-9871-4FA9794F9C3D}"/>
+                <a16:creationId xmlns="" xmlns:a16="http://schemas.microsoft.com/office/drawing/2014/main" id="{90B980A2-8D40-4C0A-9871-4FA9794F9C3D}"/>
               </a:ext>
             </a:extLst>
           </p:cNvPr>
@@ -21177,7 +21186,7 @@
           <p:cNvPr id="8" name="Retângulo 7">
             <a:extLst>
               <a:ext uri="{FF2B5EF4-FFF2-40B4-BE49-F238E27FC236}">
-                <a16:creationId xmlns:a16="http://schemas.microsoft.com/office/drawing/2014/main" xmlns="" id="{9B33DD69-1761-43D2-B589-CE56D2C4FBB6}"/>
+                <a16:creationId xmlns="" xmlns:a16="http://schemas.microsoft.com/office/drawing/2014/main" id="{9B33DD69-1761-43D2-B589-CE56D2C4FBB6}"/>
               </a:ext>
             </a:extLst>
           </p:cNvPr>
@@ -21235,7 +21244,7 @@
           <p:cNvPr id="24" name="CaixaDeTexto 23">
             <a:extLst>
               <a:ext uri="{FF2B5EF4-FFF2-40B4-BE49-F238E27FC236}">
-                <a16:creationId xmlns:a16="http://schemas.microsoft.com/office/drawing/2014/main" xmlns="" id="{90B980A2-8D40-4C0A-9871-4FA9794F9C3D}"/>
+                <a16:creationId xmlns="" xmlns:a16="http://schemas.microsoft.com/office/drawing/2014/main" id="{90B980A2-8D40-4C0A-9871-4FA9794F9C3D}"/>
               </a:ext>
             </a:extLst>
           </p:cNvPr>
@@ -21514,7 +21523,7 @@
           <p:cNvPr id="8" name="Retângulo 7">
             <a:extLst>
               <a:ext uri="{FF2B5EF4-FFF2-40B4-BE49-F238E27FC236}">
-                <a16:creationId xmlns:a16="http://schemas.microsoft.com/office/drawing/2014/main" xmlns="" id="{9B33DD69-1761-43D2-B589-CE56D2C4FBB6}"/>
+                <a16:creationId xmlns="" xmlns:a16="http://schemas.microsoft.com/office/drawing/2014/main" id="{9B33DD69-1761-43D2-B589-CE56D2C4FBB6}"/>
               </a:ext>
             </a:extLst>
           </p:cNvPr>
@@ -21572,7 +21581,7 @@
           <p:cNvPr id="24" name="CaixaDeTexto 23">
             <a:extLst>
               <a:ext uri="{FF2B5EF4-FFF2-40B4-BE49-F238E27FC236}">
-                <a16:creationId xmlns:a16="http://schemas.microsoft.com/office/drawing/2014/main" xmlns="" id="{90B980A2-8D40-4C0A-9871-4FA9794F9C3D}"/>
+                <a16:creationId xmlns="" xmlns:a16="http://schemas.microsoft.com/office/drawing/2014/main" id="{90B980A2-8D40-4C0A-9871-4FA9794F9C3D}"/>
               </a:ext>
             </a:extLst>
           </p:cNvPr>
@@ -21963,7 +21972,7 @@
           <p:cNvPr id="8" name="Retângulo 7">
             <a:extLst>
               <a:ext uri="{FF2B5EF4-FFF2-40B4-BE49-F238E27FC236}">
-                <a16:creationId xmlns:a16="http://schemas.microsoft.com/office/drawing/2014/main" xmlns="" id="{9B33DD69-1761-43D2-B589-CE56D2C4FBB6}"/>
+                <a16:creationId xmlns="" xmlns:a16="http://schemas.microsoft.com/office/drawing/2014/main" id="{9B33DD69-1761-43D2-B589-CE56D2C4FBB6}"/>
               </a:ext>
             </a:extLst>
           </p:cNvPr>
@@ -22021,7 +22030,7 @@
           <p:cNvPr id="24" name="CaixaDeTexto 23">
             <a:extLst>
               <a:ext uri="{FF2B5EF4-FFF2-40B4-BE49-F238E27FC236}">
-                <a16:creationId xmlns:a16="http://schemas.microsoft.com/office/drawing/2014/main" xmlns="" id="{90B980A2-8D40-4C0A-9871-4FA9794F9C3D}"/>
+                <a16:creationId xmlns="" xmlns:a16="http://schemas.microsoft.com/office/drawing/2014/main" id="{90B980A2-8D40-4C0A-9871-4FA9794F9C3D}"/>
               </a:ext>
             </a:extLst>
           </p:cNvPr>
@@ -22698,7 +22707,7 @@
           <p:cNvPr id="8" name="Retângulo 7">
             <a:extLst>
               <a:ext uri="{FF2B5EF4-FFF2-40B4-BE49-F238E27FC236}">
-                <a16:creationId xmlns:a16="http://schemas.microsoft.com/office/drawing/2014/main" xmlns="" id="{9B33DD69-1761-43D2-B589-CE56D2C4FBB6}"/>
+                <a16:creationId xmlns="" xmlns:a16="http://schemas.microsoft.com/office/drawing/2014/main" id="{9B33DD69-1761-43D2-B589-CE56D2C4FBB6}"/>
               </a:ext>
             </a:extLst>
           </p:cNvPr>
@@ -22752,7 +22761,7 @@
           <p:cNvPr id="24" name="CaixaDeTexto 23">
             <a:extLst>
               <a:ext uri="{FF2B5EF4-FFF2-40B4-BE49-F238E27FC236}">
-                <a16:creationId xmlns:a16="http://schemas.microsoft.com/office/drawing/2014/main" xmlns="" id="{90B980A2-8D40-4C0A-9871-4FA9794F9C3D}"/>
+                <a16:creationId xmlns="" xmlns:a16="http://schemas.microsoft.com/office/drawing/2014/main" id="{90B980A2-8D40-4C0A-9871-4FA9794F9C3D}"/>
               </a:ext>
             </a:extLst>
           </p:cNvPr>
@@ -23071,7 +23080,7 @@
           <p:cNvPr id="2" name="Título 1">
             <a:extLst>
               <a:ext uri="{FF2B5EF4-FFF2-40B4-BE49-F238E27FC236}">
-                <a16:creationId xmlns:a16="http://schemas.microsoft.com/office/drawing/2014/main" xmlns="" id="{14AB9F69-8D24-468C-93DF-A1666924EB0C}"/>
+                <a16:creationId xmlns="" xmlns:a16="http://schemas.microsoft.com/office/drawing/2014/main" id="{14AB9F69-8D24-468C-93DF-A1666924EB0C}"/>
               </a:ext>
             </a:extLst>
           </p:cNvPr>
@@ -23102,7 +23111,7 @@
           <p:cNvPr id="3" name="Subtítulo 2">
             <a:extLst>
               <a:ext uri="{FF2B5EF4-FFF2-40B4-BE49-F238E27FC236}">
-                <a16:creationId xmlns:a16="http://schemas.microsoft.com/office/drawing/2014/main" xmlns="" id="{0E4BFB9B-D461-4F8E-B2A0-819D63FA7EC4}"/>
+                <a16:creationId xmlns="" xmlns:a16="http://schemas.microsoft.com/office/drawing/2014/main" id="{0E4BFB9B-D461-4F8E-B2A0-819D63FA7EC4}"/>
               </a:ext>
             </a:extLst>
           </p:cNvPr>
@@ -23173,7 +23182,7 @@
           <p:cNvPr id="8" name="Retângulo 7">
             <a:extLst>
               <a:ext uri="{FF2B5EF4-FFF2-40B4-BE49-F238E27FC236}">
-                <a16:creationId xmlns:a16="http://schemas.microsoft.com/office/drawing/2014/main" xmlns="" id="{9B33DD69-1761-43D2-B589-CE56D2C4FBB6}"/>
+                <a16:creationId xmlns="" xmlns:a16="http://schemas.microsoft.com/office/drawing/2014/main" id="{9B33DD69-1761-43D2-B589-CE56D2C4FBB6}"/>
               </a:ext>
             </a:extLst>
           </p:cNvPr>
@@ -23309,7 +23318,7 @@
           <p:cNvPr id="9" name="CaixaDeTexto 8">
             <a:extLst>
               <a:ext uri="{FF2B5EF4-FFF2-40B4-BE49-F238E27FC236}">
-                <a16:creationId xmlns:a16="http://schemas.microsoft.com/office/drawing/2014/main" xmlns="" id="{90B980A2-8D40-4C0A-9871-4FA9794F9C3D}"/>
+                <a16:creationId xmlns="" xmlns:a16="http://schemas.microsoft.com/office/drawing/2014/main" id="{90B980A2-8D40-4C0A-9871-4FA9794F9C3D}"/>
               </a:ext>
             </a:extLst>
           </p:cNvPr>
@@ -23728,7 +23737,7 @@
           <p:cNvPr id="2" name="Título 1">
             <a:extLst>
               <a:ext uri="{FF2B5EF4-FFF2-40B4-BE49-F238E27FC236}">
-                <a16:creationId xmlns:a16="http://schemas.microsoft.com/office/drawing/2014/main" xmlns="" id="{14AB9F69-8D24-468C-93DF-A1666924EB0C}"/>
+                <a16:creationId xmlns="" xmlns:a16="http://schemas.microsoft.com/office/drawing/2014/main" id="{14AB9F69-8D24-468C-93DF-A1666924EB0C}"/>
               </a:ext>
             </a:extLst>
           </p:cNvPr>
@@ -23759,7 +23768,7 @@
           <p:cNvPr id="3" name="Subtítulo 2">
             <a:extLst>
               <a:ext uri="{FF2B5EF4-FFF2-40B4-BE49-F238E27FC236}">
-                <a16:creationId xmlns:a16="http://schemas.microsoft.com/office/drawing/2014/main" xmlns="" id="{0E4BFB9B-D461-4F8E-B2A0-819D63FA7EC4}"/>
+                <a16:creationId xmlns="" xmlns:a16="http://schemas.microsoft.com/office/drawing/2014/main" id="{0E4BFB9B-D461-4F8E-B2A0-819D63FA7EC4}"/>
               </a:ext>
             </a:extLst>
           </p:cNvPr>
@@ -23830,7 +23839,7 @@
           <p:cNvPr id="8" name="Retângulo 7">
             <a:extLst>
               <a:ext uri="{FF2B5EF4-FFF2-40B4-BE49-F238E27FC236}">
-                <a16:creationId xmlns:a16="http://schemas.microsoft.com/office/drawing/2014/main" xmlns="" id="{9B33DD69-1761-43D2-B589-CE56D2C4FBB6}"/>
+                <a16:creationId xmlns="" xmlns:a16="http://schemas.microsoft.com/office/drawing/2014/main" id="{9B33DD69-1761-43D2-B589-CE56D2C4FBB6}"/>
               </a:ext>
             </a:extLst>
           </p:cNvPr>
@@ -23966,7 +23975,7 @@
           <p:cNvPr id="9" name="CaixaDeTexto 8">
             <a:extLst>
               <a:ext uri="{FF2B5EF4-FFF2-40B4-BE49-F238E27FC236}">
-                <a16:creationId xmlns:a16="http://schemas.microsoft.com/office/drawing/2014/main" xmlns="" id="{90B980A2-8D40-4C0A-9871-4FA9794F9C3D}"/>
+                <a16:creationId xmlns="" xmlns:a16="http://schemas.microsoft.com/office/drawing/2014/main" id="{90B980A2-8D40-4C0A-9871-4FA9794F9C3D}"/>
               </a:ext>
             </a:extLst>
           </p:cNvPr>
@@ -24145,7 +24154,7 @@
           <p:cNvPr id="8" name="Retângulo 7">
             <a:extLst>
               <a:ext uri="{FF2B5EF4-FFF2-40B4-BE49-F238E27FC236}">
-                <a16:creationId xmlns:a16="http://schemas.microsoft.com/office/drawing/2014/main" xmlns="" id="{9B33DD69-1761-43D2-B589-CE56D2C4FBB6}"/>
+                <a16:creationId xmlns="" xmlns:a16="http://schemas.microsoft.com/office/drawing/2014/main" id="{9B33DD69-1761-43D2-B589-CE56D2C4FBB6}"/>
               </a:ext>
             </a:extLst>
           </p:cNvPr>
@@ -24281,7 +24290,7 @@
           <p:cNvPr id="9" name="CaixaDeTexto 8">
             <a:extLst>
               <a:ext uri="{FF2B5EF4-FFF2-40B4-BE49-F238E27FC236}">
-                <a16:creationId xmlns:a16="http://schemas.microsoft.com/office/drawing/2014/main" xmlns="" id="{90B980A2-8D40-4C0A-9871-4FA9794F9C3D}"/>
+                <a16:creationId xmlns="" xmlns:a16="http://schemas.microsoft.com/office/drawing/2014/main" id="{90B980A2-8D40-4C0A-9871-4FA9794F9C3D}"/>
               </a:ext>
             </a:extLst>
           </p:cNvPr>
@@ -24469,7 +24478,7 @@
           <p:cNvPr id="8" name="Retângulo 7">
             <a:extLst>
               <a:ext uri="{FF2B5EF4-FFF2-40B4-BE49-F238E27FC236}">
-                <a16:creationId xmlns:a16="http://schemas.microsoft.com/office/drawing/2014/main" xmlns="" id="{9B33DD69-1761-43D2-B589-CE56D2C4FBB6}"/>
+                <a16:creationId xmlns="" xmlns:a16="http://schemas.microsoft.com/office/drawing/2014/main" id="{9B33DD69-1761-43D2-B589-CE56D2C4FBB6}"/>
               </a:ext>
             </a:extLst>
           </p:cNvPr>
@@ -24605,7 +24614,7 @@
           <p:cNvPr id="9" name="CaixaDeTexto 8">
             <a:extLst>
               <a:ext uri="{FF2B5EF4-FFF2-40B4-BE49-F238E27FC236}">
-                <a16:creationId xmlns:a16="http://schemas.microsoft.com/office/drawing/2014/main" xmlns="" id="{90B980A2-8D40-4C0A-9871-4FA9794F9C3D}"/>
+                <a16:creationId xmlns="" xmlns:a16="http://schemas.microsoft.com/office/drawing/2014/main" id="{90B980A2-8D40-4C0A-9871-4FA9794F9C3D}"/>
               </a:ext>
             </a:extLst>
           </p:cNvPr>
@@ -25270,7 +25279,7 @@
           <p:cNvPr id="8" name="Retângulo 7">
             <a:extLst>
               <a:ext uri="{FF2B5EF4-FFF2-40B4-BE49-F238E27FC236}">
-                <a16:creationId xmlns:a16="http://schemas.microsoft.com/office/drawing/2014/main" xmlns="" id="{9B33DD69-1761-43D2-B589-CE56D2C4FBB6}"/>
+                <a16:creationId xmlns="" xmlns:a16="http://schemas.microsoft.com/office/drawing/2014/main" id="{9B33DD69-1761-43D2-B589-CE56D2C4FBB6}"/>
               </a:ext>
             </a:extLst>
           </p:cNvPr>
@@ -25406,7 +25415,7 @@
           <p:cNvPr id="9" name="CaixaDeTexto 8">
             <a:extLst>
               <a:ext uri="{FF2B5EF4-FFF2-40B4-BE49-F238E27FC236}">
-                <a16:creationId xmlns:a16="http://schemas.microsoft.com/office/drawing/2014/main" xmlns="" id="{90B980A2-8D40-4C0A-9871-4FA9794F9C3D}"/>
+                <a16:creationId xmlns="" xmlns:a16="http://schemas.microsoft.com/office/drawing/2014/main" id="{90B980A2-8D40-4C0A-9871-4FA9794F9C3D}"/>
               </a:ext>
             </a:extLst>
           </p:cNvPr>
@@ -25890,7 +25899,7 @@
           <p:cNvPr id="8" name="Retângulo 7">
             <a:extLst>
               <a:ext uri="{FF2B5EF4-FFF2-40B4-BE49-F238E27FC236}">
-                <a16:creationId xmlns:a16="http://schemas.microsoft.com/office/drawing/2014/main" xmlns="" id="{9B33DD69-1761-43D2-B589-CE56D2C4FBB6}"/>
+                <a16:creationId xmlns="" xmlns:a16="http://schemas.microsoft.com/office/drawing/2014/main" id="{9B33DD69-1761-43D2-B589-CE56D2C4FBB6}"/>
               </a:ext>
             </a:extLst>
           </p:cNvPr>
@@ -26026,7 +26035,7 @@
           <p:cNvPr id="9" name="CaixaDeTexto 8">
             <a:extLst>
               <a:ext uri="{FF2B5EF4-FFF2-40B4-BE49-F238E27FC236}">
-                <a16:creationId xmlns:a16="http://schemas.microsoft.com/office/drawing/2014/main" xmlns="" id="{90B980A2-8D40-4C0A-9871-4FA9794F9C3D}"/>
+                <a16:creationId xmlns="" xmlns:a16="http://schemas.microsoft.com/office/drawing/2014/main" id="{90B980A2-8D40-4C0A-9871-4FA9794F9C3D}"/>
               </a:ext>
             </a:extLst>
           </p:cNvPr>
@@ -26516,7 +26525,7 @@
           <p:cNvPr id="8" name="Retângulo 7">
             <a:extLst>
               <a:ext uri="{FF2B5EF4-FFF2-40B4-BE49-F238E27FC236}">
-                <a16:creationId xmlns:a16="http://schemas.microsoft.com/office/drawing/2014/main" xmlns="" id="{9B33DD69-1761-43D2-B589-CE56D2C4FBB6}"/>
+                <a16:creationId xmlns="" xmlns:a16="http://schemas.microsoft.com/office/drawing/2014/main" id="{9B33DD69-1761-43D2-B589-CE56D2C4FBB6}"/>
               </a:ext>
             </a:extLst>
           </p:cNvPr>
@@ -26652,7 +26661,7 @@
           <p:cNvPr id="9" name="CaixaDeTexto 8">
             <a:extLst>
               <a:ext uri="{FF2B5EF4-FFF2-40B4-BE49-F238E27FC236}">
-                <a16:creationId xmlns:a16="http://schemas.microsoft.com/office/drawing/2014/main" xmlns="" id="{90B980A2-8D40-4C0A-9871-4FA9794F9C3D}"/>
+                <a16:creationId xmlns="" xmlns:a16="http://schemas.microsoft.com/office/drawing/2014/main" id="{90B980A2-8D40-4C0A-9871-4FA9794F9C3D}"/>
               </a:ext>
             </a:extLst>
           </p:cNvPr>
@@ -27034,7 +27043,7 @@
           <p:cNvPr id="2" name="Título 1">
             <a:extLst>
               <a:ext uri="{FF2B5EF4-FFF2-40B4-BE49-F238E27FC236}">
-                <a16:creationId xmlns:a16="http://schemas.microsoft.com/office/drawing/2014/main" xmlns="" id="{14AB9F69-8D24-468C-93DF-A1666924EB0C}"/>
+                <a16:creationId xmlns="" xmlns:a16="http://schemas.microsoft.com/office/drawing/2014/main" id="{14AB9F69-8D24-468C-93DF-A1666924EB0C}"/>
               </a:ext>
             </a:extLst>
           </p:cNvPr>
@@ -27065,7 +27074,7 @@
           <p:cNvPr id="3" name="Subtítulo 2">
             <a:extLst>
               <a:ext uri="{FF2B5EF4-FFF2-40B4-BE49-F238E27FC236}">
-                <a16:creationId xmlns:a16="http://schemas.microsoft.com/office/drawing/2014/main" xmlns="" id="{0E4BFB9B-D461-4F8E-B2A0-819D63FA7EC4}"/>
+                <a16:creationId xmlns="" xmlns:a16="http://schemas.microsoft.com/office/drawing/2014/main" id="{0E4BFB9B-D461-4F8E-B2A0-819D63FA7EC4}"/>
               </a:ext>
             </a:extLst>
           </p:cNvPr>
@@ -27136,7 +27145,7 @@
           <p:cNvPr id="8" name="Retângulo 7">
             <a:extLst>
               <a:ext uri="{FF2B5EF4-FFF2-40B4-BE49-F238E27FC236}">
-                <a16:creationId xmlns:a16="http://schemas.microsoft.com/office/drawing/2014/main" xmlns="" id="{9B33DD69-1761-43D2-B589-CE56D2C4FBB6}"/>
+                <a16:creationId xmlns="" xmlns:a16="http://schemas.microsoft.com/office/drawing/2014/main" id="{9B33DD69-1761-43D2-B589-CE56D2C4FBB6}"/>
               </a:ext>
             </a:extLst>
           </p:cNvPr>
@@ -27190,7 +27199,7 @@
           <p:cNvPr id="24" name="CaixaDeTexto 23">
             <a:extLst>
               <a:ext uri="{FF2B5EF4-FFF2-40B4-BE49-F238E27FC236}">
-                <a16:creationId xmlns:a16="http://schemas.microsoft.com/office/drawing/2014/main" xmlns="" id="{90B980A2-8D40-4C0A-9871-4FA9794F9C3D}"/>
+                <a16:creationId xmlns="" xmlns:a16="http://schemas.microsoft.com/office/drawing/2014/main" id="{90B980A2-8D40-4C0A-9871-4FA9794F9C3D}"/>
               </a:ext>
             </a:extLst>
           </p:cNvPr>
@@ -27623,7 +27632,7 @@
           <p:cNvPr id="8" name="Retângulo 7">
             <a:extLst>
               <a:ext uri="{FF2B5EF4-FFF2-40B4-BE49-F238E27FC236}">
-                <a16:creationId xmlns:a16="http://schemas.microsoft.com/office/drawing/2014/main" xmlns="" id="{9B33DD69-1761-43D2-B589-CE56D2C4FBB6}"/>
+                <a16:creationId xmlns="" xmlns:a16="http://schemas.microsoft.com/office/drawing/2014/main" id="{9B33DD69-1761-43D2-B589-CE56D2C4FBB6}"/>
               </a:ext>
             </a:extLst>
           </p:cNvPr>
@@ -27759,7 +27768,7 @@
           <p:cNvPr id="9" name="CaixaDeTexto 8">
             <a:extLst>
               <a:ext uri="{FF2B5EF4-FFF2-40B4-BE49-F238E27FC236}">
-                <a16:creationId xmlns:a16="http://schemas.microsoft.com/office/drawing/2014/main" xmlns="" id="{90B980A2-8D40-4C0A-9871-4FA9794F9C3D}"/>
+                <a16:creationId xmlns="" xmlns:a16="http://schemas.microsoft.com/office/drawing/2014/main" id="{90B980A2-8D40-4C0A-9871-4FA9794F9C3D}"/>
               </a:ext>
             </a:extLst>
           </p:cNvPr>
@@ -27994,7 +28003,7 @@
           <p:cNvPr id="8" name="Retângulo 7">
             <a:extLst>
               <a:ext uri="{FF2B5EF4-FFF2-40B4-BE49-F238E27FC236}">
-                <a16:creationId xmlns:a16="http://schemas.microsoft.com/office/drawing/2014/main" xmlns="" id="{9B33DD69-1761-43D2-B589-CE56D2C4FBB6}"/>
+                <a16:creationId xmlns="" xmlns:a16="http://schemas.microsoft.com/office/drawing/2014/main" id="{9B33DD69-1761-43D2-B589-CE56D2C4FBB6}"/>
               </a:ext>
             </a:extLst>
           </p:cNvPr>
@@ -28130,7 +28139,7 @@
           <p:cNvPr id="9" name="CaixaDeTexto 8">
             <a:extLst>
               <a:ext uri="{FF2B5EF4-FFF2-40B4-BE49-F238E27FC236}">
-                <a16:creationId xmlns:a16="http://schemas.microsoft.com/office/drawing/2014/main" xmlns="" id="{90B980A2-8D40-4C0A-9871-4FA9794F9C3D}"/>
+                <a16:creationId xmlns="" xmlns:a16="http://schemas.microsoft.com/office/drawing/2014/main" id="{90B980A2-8D40-4C0A-9871-4FA9794F9C3D}"/>
               </a:ext>
             </a:extLst>
           </p:cNvPr>
@@ -28609,7 +28618,7 @@
           <p:cNvPr id="2" name="Título 1">
             <a:extLst>
               <a:ext uri="{FF2B5EF4-FFF2-40B4-BE49-F238E27FC236}">
-                <a16:creationId xmlns:a16="http://schemas.microsoft.com/office/drawing/2014/main" xmlns="" id="{14AB9F69-8D24-468C-93DF-A1666924EB0C}"/>
+                <a16:creationId xmlns="" xmlns:a16="http://schemas.microsoft.com/office/drawing/2014/main" id="{14AB9F69-8D24-468C-93DF-A1666924EB0C}"/>
               </a:ext>
             </a:extLst>
           </p:cNvPr>
@@ -28640,7 +28649,7 @@
           <p:cNvPr id="3" name="Subtítulo 2">
             <a:extLst>
               <a:ext uri="{FF2B5EF4-FFF2-40B4-BE49-F238E27FC236}">
-                <a16:creationId xmlns:a16="http://schemas.microsoft.com/office/drawing/2014/main" xmlns="" id="{0E4BFB9B-D461-4F8E-B2A0-819D63FA7EC4}"/>
+                <a16:creationId xmlns="" xmlns:a16="http://schemas.microsoft.com/office/drawing/2014/main" id="{0E4BFB9B-D461-4F8E-B2A0-819D63FA7EC4}"/>
               </a:ext>
             </a:extLst>
           </p:cNvPr>
@@ -28711,7 +28720,7 @@
           <p:cNvPr id="8" name="Retângulo 7">
             <a:extLst>
               <a:ext uri="{FF2B5EF4-FFF2-40B4-BE49-F238E27FC236}">
-                <a16:creationId xmlns:a16="http://schemas.microsoft.com/office/drawing/2014/main" xmlns="" id="{9B33DD69-1761-43D2-B589-CE56D2C4FBB6}"/>
+                <a16:creationId xmlns="" xmlns:a16="http://schemas.microsoft.com/office/drawing/2014/main" id="{9B33DD69-1761-43D2-B589-CE56D2C4FBB6}"/>
               </a:ext>
             </a:extLst>
           </p:cNvPr>
@@ -28847,7 +28856,7 @@
           <p:cNvPr id="9" name="CaixaDeTexto 8">
             <a:extLst>
               <a:ext uri="{FF2B5EF4-FFF2-40B4-BE49-F238E27FC236}">
-                <a16:creationId xmlns:a16="http://schemas.microsoft.com/office/drawing/2014/main" xmlns="" id="{90B980A2-8D40-4C0A-9871-4FA9794F9C3D}"/>
+                <a16:creationId xmlns="" xmlns:a16="http://schemas.microsoft.com/office/drawing/2014/main" id="{90B980A2-8D40-4C0A-9871-4FA9794F9C3D}"/>
               </a:ext>
             </a:extLst>
           </p:cNvPr>
@@ -29311,7 +29320,7 @@
           <p:cNvPr id="8" name="Retângulo 7">
             <a:extLst>
               <a:ext uri="{FF2B5EF4-FFF2-40B4-BE49-F238E27FC236}">
-                <a16:creationId xmlns:a16="http://schemas.microsoft.com/office/drawing/2014/main" xmlns="" id="{9B33DD69-1761-43D2-B589-CE56D2C4FBB6}"/>
+                <a16:creationId xmlns="" xmlns:a16="http://schemas.microsoft.com/office/drawing/2014/main" id="{9B33DD69-1761-43D2-B589-CE56D2C4FBB6}"/>
               </a:ext>
             </a:extLst>
           </p:cNvPr>
@@ -29447,7 +29456,7 @@
           <p:cNvPr id="9" name="CaixaDeTexto 8">
             <a:extLst>
               <a:ext uri="{FF2B5EF4-FFF2-40B4-BE49-F238E27FC236}">
-                <a16:creationId xmlns:a16="http://schemas.microsoft.com/office/drawing/2014/main" xmlns="" id="{90B980A2-8D40-4C0A-9871-4FA9794F9C3D}"/>
+                <a16:creationId xmlns="" xmlns:a16="http://schemas.microsoft.com/office/drawing/2014/main" id="{90B980A2-8D40-4C0A-9871-4FA9794F9C3D}"/>
               </a:ext>
             </a:extLst>
           </p:cNvPr>
@@ -29944,7 +29953,7 @@
           <p:cNvPr id="8" name="Retângulo 7">
             <a:extLst>
               <a:ext uri="{FF2B5EF4-FFF2-40B4-BE49-F238E27FC236}">
-                <a16:creationId xmlns:a16="http://schemas.microsoft.com/office/drawing/2014/main" xmlns="" id="{9B33DD69-1761-43D2-B589-CE56D2C4FBB6}"/>
+                <a16:creationId xmlns="" xmlns:a16="http://schemas.microsoft.com/office/drawing/2014/main" id="{9B33DD69-1761-43D2-B589-CE56D2C4FBB6}"/>
               </a:ext>
             </a:extLst>
           </p:cNvPr>
@@ -30080,7 +30089,7 @@
           <p:cNvPr id="9" name="CaixaDeTexto 8">
             <a:extLst>
               <a:ext uri="{FF2B5EF4-FFF2-40B4-BE49-F238E27FC236}">
-                <a16:creationId xmlns:a16="http://schemas.microsoft.com/office/drawing/2014/main" xmlns="" id="{90B980A2-8D40-4C0A-9871-4FA9794F9C3D}"/>
+                <a16:creationId xmlns="" xmlns:a16="http://schemas.microsoft.com/office/drawing/2014/main" id="{90B980A2-8D40-4C0A-9871-4FA9794F9C3D}"/>
               </a:ext>
             </a:extLst>
           </p:cNvPr>
@@ -30533,7 +30542,7 @@
           <p:cNvPr id="8" name="Retângulo 7">
             <a:extLst>
               <a:ext uri="{FF2B5EF4-FFF2-40B4-BE49-F238E27FC236}">
-                <a16:creationId xmlns:a16="http://schemas.microsoft.com/office/drawing/2014/main" xmlns="" id="{9B33DD69-1761-43D2-B589-CE56D2C4FBB6}"/>
+                <a16:creationId xmlns="" xmlns:a16="http://schemas.microsoft.com/office/drawing/2014/main" id="{9B33DD69-1761-43D2-B589-CE56D2C4FBB6}"/>
               </a:ext>
             </a:extLst>
           </p:cNvPr>
@@ -30669,7 +30678,7 @@
           <p:cNvPr id="9" name="CaixaDeTexto 8">
             <a:extLst>
               <a:ext uri="{FF2B5EF4-FFF2-40B4-BE49-F238E27FC236}">
-                <a16:creationId xmlns:a16="http://schemas.microsoft.com/office/drawing/2014/main" xmlns="" id="{90B980A2-8D40-4C0A-9871-4FA9794F9C3D}"/>
+                <a16:creationId xmlns="" xmlns:a16="http://schemas.microsoft.com/office/drawing/2014/main" id="{90B980A2-8D40-4C0A-9871-4FA9794F9C3D}"/>
               </a:ext>
             </a:extLst>
           </p:cNvPr>
@@ -31114,7 +31123,7 @@
           <p:cNvPr id="8" name="Retângulo 7">
             <a:extLst>
               <a:ext uri="{FF2B5EF4-FFF2-40B4-BE49-F238E27FC236}">
-                <a16:creationId xmlns:a16="http://schemas.microsoft.com/office/drawing/2014/main" xmlns="" id="{9B33DD69-1761-43D2-B589-CE56D2C4FBB6}"/>
+                <a16:creationId xmlns="" xmlns:a16="http://schemas.microsoft.com/office/drawing/2014/main" id="{9B33DD69-1761-43D2-B589-CE56D2C4FBB6}"/>
               </a:ext>
             </a:extLst>
           </p:cNvPr>
@@ -31250,7 +31259,7 @@
           <p:cNvPr id="9" name="CaixaDeTexto 8">
             <a:extLst>
               <a:ext uri="{FF2B5EF4-FFF2-40B4-BE49-F238E27FC236}">
-                <a16:creationId xmlns:a16="http://schemas.microsoft.com/office/drawing/2014/main" xmlns="" id="{90B980A2-8D40-4C0A-9871-4FA9794F9C3D}"/>
+                <a16:creationId xmlns="" xmlns:a16="http://schemas.microsoft.com/office/drawing/2014/main" id="{90B980A2-8D40-4C0A-9871-4FA9794F9C3D}"/>
               </a:ext>
             </a:extLst>
           </p:cNvPr>
@@ -31695,7 +31704,7 @@
           <p:cNvPr id="8" name="Retângulo 7">
             <a:extLst>
               <a:ext uri="{FF2B5EF4-FFF2-40B4-BE49-F238E27FC236}">
-                <a16:creationId xmlns:a16="http://schemas.microsoft.com/office/drawing/2014/main" xmlns="" id="{9B33DD69-1761-43D2-B589-CE56D2C4FBB6}"/>
+                <a16:creationId xmlns="" xmlns:a16="http://schemas.microsoft.com/office/drawing/2014/main" id="{9B33DD69-1761-43D2-B589-CE56D2C4FBB6}"/>
               </a:ext>
             </a:extLst>
           </p:cNvPr>
@@ -31831,7 +31840,7 @@
           <p:cNvPr id="9" name="CaixaDeTexto 8">
             <a:extLst>
               <a:ext uri="{FF2B5EF4-FFF2-40B4-BE49-F238E27FC236}">
-                <a16:creationId xmlns:a16="http://schemas.microsoft.com/office/drawing/2014/main" xmlns="" id="{90B980A2-8D40-4C0A-9871-4FA9794F9C3D}"/>
+                <a16:creationId xmlns="" xmlns:a16="http://schemas.microsoft.com/office/drawing/2014/main" id="{90B980A2-8D40-4C0A-9871-4FA9794F9C3D}"/>
               </a:ext>
             </a:extLst>
           </p:cNvPr>
@@ -32467,7 +32476,7 @@
           <p:cNvPr id="2" name="Título 1">
             <a:extLst>
               <a:ext uri="{FF2B5EF4-FFF2-40B4-BE49-F238E27FC236}">
-                <a16:creationId xmlns:a16="http://schemas.microsoft.com/office/drawing/2014/main" xmlns="" id="{14AB9F69-8D24-468C-93DF-A1666924EB0C}"/>
+                <a16:creationId xmlns="" xmlns:a16="http://schemas.microsoft.com/office/drawing/2014/main" id="{14AB9F69-8D24-468C-93DF-A1666924EB0C}"/>
               </a:ext>
             </a:extLst>
           </p:cNvPr>
@@ -32498,7 +32507,7 @@
           <p:cNvPr id="3" name="Subtítulo 2">
             <a:extLst>
               <a:ext uri="{FF2B5EF4-FFF2-40B4-BE49-F238E27FC236}">
-                <a16:creationId xmlns:a16="http://schemas.microsoft.com/office/drawing/2014/main" xmlns="" id="{0E4BFB9B-D461-4F8E-B2A0-819D63FA7EC4}"/>
+                <a16:creationId xmlns="" xmlns:a16="http://schemas.microsoft.com/office/drawing/2014/main" id="{0E4BFB9B-D461-4F8E-B2A0-819D63FA7EC4}"/>
               </a:ext>
             </a:extLst>
           </p:cNvPr>
@@ -32569,7 +32578,7 @@
           <p:cNvPr id="8" name="Retângulo 7">
             <a:extLst>
               <a:ext uri="{FF2B5EF4-FFF2-40B4-BE49-F238E27FC236}">
-                <a16:creationId xmlns:a16="http://schemas.microsoft.com/office/drawing/2014/main" xmlns="" id="{9B33DD69-1761-43D2-B589-CE56D2C4FBB6}"/>
+                <a16:creationId xmlns="" xmlns:a16="http://schemas.microsoft.com/office/drawing/2014/main" id="{9B33DD69-1761-43D2-B589-CE56D2C4FBB6}"/>
               </a:ext>
             </a:extLst>
           </p:cNvPr>
@@ -32623,7 +32632,7 @@
           <p:cNvPr id="24" name="CaixaDeTexto 23">
             <a:extLst>
               <a:ext uri="{FF2B5EF4-FFF2-40B4-BE49-F238E27FC236}">
-                <a16:creationId xmlns:a16="http://schemas.microsoft.com/office/drawing/2014/main" xmlns="" id="{90B980A2-8D40-4C0A-9871-4FA9794F9C3D}"/>
+                <a16:creationId xmlns="" xmlns:a16="http://schemas.microsoft.com/office/drawing/2014/main" id="{90B980A2-8D40-4C0A-9871-4FA9794F9C3D}"/>
               </a:ext>
             </a:extLst>
           </p:cNvPr>
@@ -33190,7 +33199,7 @@
           <p:cNvPr id="8" name="Retângulo 7">
             <a:extLst>
               <a:ext uri="{FF2B5EF4-FFF2-40B4-BE49-F238E27FC236}">
-                <a16:creationId xmlns:a16="http://schemas.microsoft.com/office/drawing/2014/main" xmlns="" id="{9B33DD69-1761-43D2-B589-CE56D2C4FBB6}"/>
+                <a16:creationId xmlns="" xmlns:a16="http://schemas.microsoft.com/office/drawing/2014/main" id="{9B33DD69-1761-43D2-B589-CE56D2C4FBB6}"/>
               </a:ext>
             </a:extLst>
           </p:cNvPr>
@@ -33326,7 +33335,7 @@
           <p:cNvPr id="9" name="CaixaDeTexto 8">
             <a:extLst>
               <a:ext uri="{FF2B5EF4-FFF2-40B4-BE49-F238E27FC236}">
-                <a16:creationId xmlns:a16="http://schemas.microsoft.com/office/drawing/2014/main" xmlns="" id="{90B980A2-8D40-4C0A-9871-4FA9794F9C3D}"/>
+                <a16:creationId xmlns="" xmlns:a16="http://schemas.microsoft.com/office/drawing/2014/main" id="{90B980A2-8D40-4C0A-9871-4FA9794F9C3D}"/>
               </a:ext>
             </a:extLst>
           </p:cNvPr>
@@ -34073,7 +34082,7 @@
           <p:cNvPr id="2" name="Título 1">
             <a:extLst>
               <a:ext uri="{FF2B5EF4-FFF2-40B4-BE49-F238E27FC236}">
-                <a16:creationId xmlns:a16="http://schemas.microsoft.com/office/drawing/2014/main" xmlns="" id="{14AB9F69-8D24-468C-93DF-A1666924EB0C}"/>
+                <a16:creationId xmlns="" xmlns:a16="http://schemas.microsoft.com/office/drawing/2014/main" id="{14AB9F69-8D24-468C-93DF-A1666924EB0C}"/>
               </a:ext>
             </a:extLst>
           </p:cNvPr>
@@ -34104,7 +34113,7 @@
           <p:cNvPr id="3" name="Subtítulo 2">
             <a:extLst>
               <a:ext uri="{FF2B5EF4-FFF2-40B4-BE49-F238E27FC236}">
-                <a16:creationId xmlns:a16="http://schemas.microsoft.com/office/drawing/2014/main" xmlns="" id="{0E4BFB9B-D461-4F8E-B2A0-819D63FA7EC4}"/>
+                <a16:creationId xmlns="" xmlns:a16="http://schemas.microsoft.com/office/drawing/2014/main" id="{0E4BFB9B-D461-4F8E-B2A0-819D63FA7EC4}"/>
               </a:ext>
             </a:extLst>
           </p:cNvPr>
@@ -34175,7 +34184,7 @@
           <p:cNvPr id="8" name="Retângulo 7">
             <a:extLst>
               <a:ext uri="{FF2B5EF4-FFF2-40B4-BE49-F238E27FC236}">
-                <a16:creationId xmlns:a16="http://schemas.microsoft.com/office/drawing/2014/main" xmlns="" id="{9B33DD69-1761-43D2-B589-CE56D2C4FBB6}"/>
+                <a16:creationId xmlns="" xmlns:a16="http://schemas.microsoft.com/office/drawing/2014/main" id="{9B33DD69-1761-43D2-B589-CE56D2C4FBB6}"/>
               </a:ext>
             </a:extLst>
           </p:cNvPr>
@@ -34311,7 +34320,7 @@
           <p:cNvPr id="9" name="CaixaDeTexto 8">
             <a:extLst>
               <a:ext uri="{FF2B5EF4-FFF2-40B4-BE49-F238E27FC236}">
-                <a16:creationId xmlns:a16="http://schemas.microsoft.com/office/drawing/2014/main" xmlns="" id="{90B980A2-8D40-4C0A-9871-4FA9794F9C3D}"/>
+                <a16:creationId xmlns="" xmlns:a16="http://schemas.microsoft.com/office/drawing/2014/main" id="{90B980A2-8D40-4C0A-9871-4FA9794F9C3D}"/>
               </a:ext>
             </a:extLst>
           </p:cNvPr>
@@ -34724,7 +34733,7 @@
           <p:cNvPr id="8" name="Retângulo 7">
             <a:extLst>
               <a:ext uri="{FF2B5EF4-FFF2-40B4-BE49-F238E27FC236}">
-                <a16:creationId xmlns:a16="http://schemas.microsoft.com/office/drawing/2014/main" xmlns="" id="{9B33DD69-1761-43D2-B589-CE56D2C4FBB6}"/>
+                <a16:creationId xmlns="" xmlns:a16="http://schemas.microsoft.com/office/drawing/2014/main" id="{9B33DD69-1761-43D2-B589-CE56D2C4FBB6}"/>
               </a:ext>
             </a:extLst>
           </p:cNvPr>
@@ -34860,7 +34869,7 @@
           <p:cNvPr id="9" name="CaixaDeTexto 8">
             <a:extLst>
               <a:ext uri="{FF2B5EF4-FFF2-40B4-BE49-F238E27FC236}">
-                <a16:creationId xmlns:a16="http://schemas.microsoft.com/office/drawing/2014/main" xmlns="" id="{90B980A2-8D40-4C0A-9871-4FA9794F9C3D}"/>
+                <a16:creationId xmlns="" xmlns:a16="http://schemas.microsoft.com/office/drawing/2014/main" id="{90B980A2-8D40-4C0A-9871-4FA9794F9C3D}"/>
               </a:ext>
             </a:extLst>
           </p:cNvPr>
@@ -35289,7 +35298,7 @@
           <p:cNvPr id="2" name="Título 1">
             <a:extLst>
               <a:ext uri="{FF2B5EF4-FFF2-40B4-BE49-F238E27FC236}">
-                <a16:creationId xmlns:a16="http://schemas.microsoft.com/office/drawing/2014/main" xmlns="" id="{14AB9F69-8D24-468C-93DF-A1666924EB0C}"/>
+                <a16:creationId xmlns="" xmlns:a16="http://schemas.microsoft.com/office/drawing/2014/main" id="{14AB9F69-8D24-468C-93DF-A1666924EB0C}"/>
               </a:ext>
             </a:extLst>
           </p:cNvPr>
@@ -35320,7 +35329,7 @@
           <p:cNvPr id="3" name="Subtítulo 2">
             <a:extLst>
               <a:ext uri="{FF2B5EF4-FFF2-40B4-BE49-F238E27FC236}">
-                <a16:creationId xmlns:a16="http://schemas.microsoft.com/office/drawing/2014/main" xmlns="" id="{0E4BFB9B-D461-4F8E-B2A0-819D63FA7EC4}"/>
+                <a16:creationId xmlns="" xmlns:a16="http://schemas.microsoft.com/office/drawing/2014/main" id="{0E4BFB9B-D461-4F8E-B2A0-819D63FA7EC4}"/>
               </a:ext>
             </a:extLst>
           </p:cNvPr>
@@ -35391,7 +35400,7 @@
           <p:cNvPr id="8" name="Retângulo 7">
             <a:extLst>
               <a:ext uri="{FF2B5EF4-FFF2-40B4-BE49-F238E27FC236}">
-                <a16:creationId xmlns:a16="http://schemas.microsoft.com/office/drawing/2014/main" xmlns="" id="{9B33DD69-1761-43D2-B589-CE56D2C4FBB6}"/>
+                <a16:creationId xmlns="" xmlns:a16="http://schemas.microsoft.com/office/drawing/2014/main" id="{9B33DD69-1761-43D2-B589-CE56D2C4FBB6}"/>
               </a:ext>
             </a:extLst>
           </p:cNvPr>
@@ -35527,7 +35536,7 @@
           <p:cNvPr id="9" name="CaixaDeTexto 8">
             <a:extLst>
               <a:ext uri="{FF2B5EF4-FFF2-40B4-BE49-F238E27FC236}">
-                <a16:creationId xmlns:a16="http://schemas.microsoft.com/office/drawing/2014/main" xmlns="" id="{90B980A2-8D40-4C0A-9871-4FA9794F9C3D}"/>
+                <a16:creationId xmlns="" xmlns:a16="http://schemas.microsoft.com/office/drawing/2014/main" id="{90B980A2-8D40-4C0A-9871-4FA9794F9C3D}"/>
               </a:ext>
             </a:extLst>
           </p:cNvPr>
@@ -35568,15 +35577,7 @@
                   <a:srgbClr val="FF0000"/>
                 </a:solidFill>
               </a:rPr>
-              <a:t>.</a:t>
-            </a:r>
-            <a:r>
-              <a:rPr lang="pt-BR" sz="2000" dirty="0" smtClean="0">
-                <a:solidFill>
-                  <a:srgbClr val="FF0000"/>
-                </a:solidFill>
-              </a:rPr>
-              <a:t>html </a:t>
+              <a:t>.html </a:t>
             </a:r>
             <a:r>
               <a:rPr lang="pt-BR" sz="2000" dirty="0" smtClean="0">
@@ -36165,7 +36166,7 @@
           <p:cNvPr id="2" name="Título 1">
             <a:extLst>
               <a:ext uri="{FF2B5EF4-FFF2-40B4-BE49-F238E27FC236}">
-                <a16:creationId xmlns:a16="http://schemas.microsoft.com/office/drawing/2014/main" xmlns="" id="{14AB9F69-8D24-468C-93DF-A1666924EB0C}"/>
+                <a16:creationId xmlns="" xmlns:a16="http://schemas.microsoft.com/office/drawing/2014/main" id="{14AB9F69-8D24-468C-93DF-A1666924EB0C}"/>
               </a:ext>
             </a:extLst>
           </p:cNvPr>
@@ -36185,7 +36186,7 @@
           <a:p>
             <a:r>
               <a:rPr lang="pt-BR" sz="4400" dirty="0" smtClean="0"/>
-              <a:t>Referências</a:t>
+              <a:t>FORMS e FONT AWESOME</a:t>
             </a:r>
             <a:endParaRPr lang="pt-BR" sz="4400" dirty="0"/>
           </a:p>
@@ -36196,7 +36197,7 @@
           <p:cNvPr id="3" name="Subtítulo 2">
             <a:extLst>
               <a:ext uri="{FF2B5EF4-FFF2-40B4-BE49-F238E27FC236}">
-                <a16:creationId xmlns:a16="http://schemas.microsoft.com/office/drawing/2014/main" xmlns="" id="{0E4BFB9B-D461-4F8E-B2A0-819D63FA7EC4}"/>
+                <a16:creationId xmlns="" xmlns:a16="http://schemas.microsoft.com/office/drawing/2014/main" id="{0E4BFB9B-D461-4F8E-B2A0-819D63FA7EC4}"/>
               </a:ext>
             </a:extLst>
           </p:cNvPr>
@@ -36217,6 +36218,10 @@
           <a:bodyPr/>
           <a:lstStyle/>
           <a:p>
+            <a:r>
+              <a:rPr lang="pt-BR" dirty="0" smtClean="0"/>
+              <a:t>HTML + CSS</a:t>
+            </a:r>
             <a:endParaRPr lang="pt-BR" dirty="0"/>
           </a:p>
         </p:txBody>
@@ -36224,7 +36229,7 @@
     </p:spTree>
     <p:extLst>
       <p:ext uri="{BB962C8B-B14F-4D97-AF65-F5344CB8AC3E}">
-        <p14:creationId xmlns:p14="http://schemas.microsoft.com/office/powerpoint/2010/main" val="1674775517"/>
+        <p14:creationId xmlns:p14="http://schemas.microsoft.com/office/powerpoint/2010/main" val="3484920099"/>
       </p:ext>
     </p:extLst>
   </p:cSld>
@@ -36263,7 +36268,4955 @@
           <p:cNvPr id="8" name="Retângulo 7">
             <a:extLst>
               <a:ext uri="{FF2B5EF4-FFF2-40B4-BE49-F238E27FC236}">
-                <a16:creationId xmlns:a16="http://schemas.microsoft.com/office/drawing/2014/main" xmlns="" id="{9B33DD69-1761-43D2-B589-CE56D2C4FBB6}"/>
+                <a16:creationId xmlns="" xmlns:a16="http://schemas.microsoft.com/office/drawing/2014/main" id="{9B33DD69-1761-43D2-B589-CE56D2C4FBB6}"/>
+              </a:ext>
+            </a:extLst>
+          </p:cNvPr>
+          <p:cNvSpPr/>
+          <p:nvPr/>
+        </p:nvSpPr>
+        <p:spPr>
+          <a:xfrm>
+            <a:off x="892663" y="0"/>
+            <a:ext cx="11304103" cy="6858000"/>
+          </a:xfrm>
+          <a:prstGeom prst="rect">
+            <a:avLst/>
+          </a:prstGeom>
+          <a:solidFill>
+            <a:schemeClr val="tx1"/>
+          </a:solidFill>
+          <a:ln>
+            <a:solidFill>
+              <a:schemeClr val="tx1"/>
+            </a:solidFill>
+          </a:ln>
+        </p:spPr>
+        <p:style>
+          <a:lnRef idx="2">
+            <a:schemeClr val="accent1">
+              <a:shade val="50000"/>
+            </a:schemeClr>
+          </a:lnRef>
+          <a:fillRef idx="1">
+            <a:schemeClr val="accent1"/>
+          </a:fillRef>
+          <a:effectRef idx="0">
+            <a:schemeClr val="accent1"/>
+          </a:effectRef>
+          <a:fontRef idx="minor">
+            <a:schemeClr val="lt1"/>
+          </a:fontRef>
+        </p:style>
+        <p:txBody>
+          <a:bodyPr rtlCol="0" anchor="ctr"/>
+          <a:lstStyle/>
+          <a:p>
+            <a:pPr algn="ctr"/>
+            <a:endParaRPr lang="pt-BR" sz="2000" dirty="0">
+              <a:solidFill>
+                <a:schemeClr val="bg1"/>
+              </a:solidFill>
+            </a:endParaRPr>
+          </a:p>
+        </p:txBody>
+      </p:sp>
+      <p:sp>
+        <p:nvSpPr>
+          <p:cNvPr id="3" name="AutoShape 2" descr="Download Visual Studio Code - Mac, Linux, Windows"/>
+          <p:cNvSpPr>
+            <a:spLocks noChangeAspect="1" noChangeArrowheads="1"/>
+          </p:cNvSpPr>
+          <p:nvPr/>
+        </p:nvSpPr>
+        <p:spPr bwMode="auto">
+          <a:xfrm>
+            <a:off x="155575" y="-144463"/>
+            <a:ext cx="304800" cy="304801"/>
+          </a:xfrm>
+          <a:prstGeom prst="rect">
+            <a:avLst/>
+          </a:prstGeom>
+          <a:noFill/>
+          <a:extLst>
+            <a:ext uri="{909E8E84-426E-40DD-AFC4-6F175D3DCCD1}">
+              <a14:hiddenFill xmlns:a14="http://schemas.microsoft.com/office/drawing/2010/main">
+                <a:solidFill>
+                  <a:srgbClr val="FFFFFF"/>
+                </a:solidFill>
+              </a14:hiddenFill>
+            </a:ext>
+          </a:extLst>
+        </p:spPr>
+        <p:txBody>
+          <a:bodyPr vert="horz" wrap="square" lIns="91440" tIns="45720" rIns="91440" bIns="45720" numCol="1" anchor="t" anchorCtr="0" compatLnSpc="1">
+            <a:prstTxWarp prst="textNoShape">
+              <a:avLst/>
+            </a:prstTxWarp>
+          </a:bodyPr>
+          <a:lstStyle/>
+          <a:p>
+            <a:endParaRPr lang="pt-BR"/>
+          </a:p>
+        </p:txBody>
+      </p:sp>
+      <p:sp>
+        <p:nvSpPr>
+          <p:cNvPr id="4" name="AutoShape 4" descr="Download Visual Studio Code - Mac, Linux, Windows"/>
+          <p:cNvSpPr>
+            <a:spLocks noChangeAspect="1" noChangeArrowheads="1"/>
+          </p:cNvSpPr>
+          <p:nvPr/>
+        </p:nvSpPr>
+        <p:spPr bwMode="auto">
+          <a:xfrm>
+            <a:off x="307975" y="7937"/>
+            <a:ext cx="304800" cy="304801"/>
+          </a:xfrm>
+          <a:prstGeom prst="rect">
+            <a:avLst/>
+          </a:prstGeom>
+          <a:noFill/>
+          <a:extLst>
+            <a:ext uri="{909E8E84-426E-40DD-AFC4-6F175D3DCCD1}">
+              <a14:hiddenFill xmlns:a14="http://schemas.microsoft.com/office/drawing/2010/main">
+                <a:solidFill>
+                  <a:srgbClr val="FFFFFF"/>
+                </a:solidFill>
+              </a14:hiddenFill>
+            </a:ext>
+          </a:extLst>
+        </p:spPr>
+        <p:txBody>
+          <a:bodyPr vert="horz" wrap="square" lIns="91440" tIns="45720" rIns="91440" bIns="45720" numCol="1" anchor="t" anchorCtr="0" compatLnSpc="1">
+            <a:prstTxWarp prst="textNoShape">
+              <a:avLst/>
+            </a:prstTxWarp>
+          </a:bodyPr>
+          <a:lstStyle/>
+          <a:p>
+            <a:endParaRPr lang="pt-BR"/>
+          </a:p>
+        </p:txBody>
+      </p:sp>
+      <p:sp>
+        <p:nvSpPr>
+          <p:cNvPr id="9" name="CaixaDeTexto 8">
+            <a:extLst>
+              <a:ext uri="{FF2B5EF4-FFF2-40B4-BE49-F238E27FC236}">
+                <a16:creationId xmlns="" xmlns:a16="http://schemas.microsoft.com/office/drawing/2014/main" id="{90B980A2-8D40-4C0A-9871-4FA9794F9C3D}"/>
+              </a:ext>
+            </a:extLst>
+          </p:cNvPr>
+          <p:cNvSpPr txBox="1"/>
+          <p:nvPr/>
+        </p:nvSpPr>
+        <p:spPr>
+          <a:xfrm>
+            <a:off x="1215284" y="160337"/>
+            <a:ext cx="10658859" cy="4401205"/>
+          </a:xfrm>
+          <a:prstGeom prst="rect">
+            <a:avLst/>
+          </a:prstGeom>
+          <a:noFill/>
+        </p:spPr>
+        <p:txBody>
+          <a:bodyPr wrap="square" rtlCol="0">
+            <a:spAutoFit/>
+          </a:bodyPr>
+          <a:lstStyle/>
+          <a:p>
+            <a:pPr algn="just"/>
+            <a:r>
+              <a:rPr lang="pt-BR" sz="2000" dirty="0" smtClean="0">
+                <a:solidFill>
+                  <a:schemeClr val="bg1"/>
+                </a:solidFill>
+              </a:rPr>
+              <a:t>Utilizamos a </a:t>
+            </a:r>
+            <a:r>
+              <a:rPr lang="pt-BR" sz="2000" dirty="0" smtClean="0">
+                <a:solidFill>
+                  <a:srgbClr val="FF0000"/>
+                </a:solidFill>
+              </a:rPr>
+              <a:t>tag form </a:t>
+            </a:r>
+            <a:r>
+              <a:rPr lang="pt-BR" sz="2000" dirty="0" smtClean="0">
+                <a:solidFill>
+                  <a:schemeClr val="bg1"/>
+                </a:solidFill>
+              </a:rPr>
+              <a:t>para poder receber e passar informações para os usuários que utilizam nossos sites, existem diversos </a:t>
+            </a:r>
+            <a:r>
+              <a:rPr lang="pt-BR" sz="2000" dirty="0" smtClean="0">
+                <a:solidFill>
+                  <a:srgbClr val="FF0000"/>
+                </a:solidFill>
+              </a:rPr>
+              <a:t>inputs types</a:t>
+            </a:r>
+            <a:r>
+              <a:rPr lang="pt-BR" sz="2000" dirty="0" smtClean="0">
+                <a:solidFill>
+                  <a:schemeClr val="bg1"/>
+                </a:solidFill>
+              </a:rPr>
+              <a:t> para diferenciar o tipo de entrada, veja alguns:</a:t>
+            </a:r>
+          </a:p>
+          <a:p>
+            <a:pPr algn="just"/>
+            <a:endParaRPr lang="pt-BR" sz="2000" dirty="0" smtClean="0">
+              <a:solidFill>
+                <a:schemeClr val="bg1"/>
+              </a:solidFill>
+            </a:endParaRPr>
+          </a:p>
+          <a:p>
+            <a:pPr algn="just"/>
+            <a:endParaRPr lang="pt-BR" sz="2000" dirty="0">
+              <a:solidFill>
+                <a:schemeClr val="bg1"/>
+              </a:solidFill>
+            </a:endParaRPr>
+          </a:p>
+          <a:p>
+            <a:pPr algn="just"/>
+            <a:endParaRPr lang="pt-BR" sz="2000" dirty="0">
+              <a:solidFill>
+                <a:schemeClr val="bg1">
+                  <a:lumMod val="95000"/>
+                  <a:lumOff val="5000"/>
+                </a:schemeClr>
+              </a:solidFill>
+            </a:endParaRPr>
+          </a:p>
+          <a:p>
+            <a:pPr algn="just"/>
+            <a:endParaRPr lang="pt-BR" sz="2000" dirty="0" smtClean="0">
+              <a:solidFill>
+                <a:schemeClr val="bg1">
+                  <a:lumMod val="95000"/>
+                  <a:lumOff val="5000"/>
+                </a:schemeClr>
+              </a:solidFill>
+            </a:endParaRPr>
+          </a:p>
+          <a:p>
+            <a:pPr algn="just"/>
+            <a:endParaRPr lang="pt-BR" sz="2000" dirty="0">
+              <a:solidFill>
+                <a:schemeClr val="bg1">
+                  <a:lumMod val="95000"/>
+                  <a:lumOff val="5000"/>
+                </a:schemeClr>
+              </a:solidFill>
+            </a:endParaRPr>
+          </a:p>
+          <a:p>
+            <a:pPr algn="just"/>
+            <a:endParaRPr lang="pt-BR" sz="2000" dirty="0" smtClean="0">
+              <a:solidFill>
+                <a:schemeClr val="bg1">
+                  <a:lumMod val="95000"/>
+                  <a:lumOff val="5000"/>
+                </a:schemeClr>
+              </a:solidFill>
+            </a:endParaRPr>
+          </a:p>
+          <a:p>
+            <a:pPr algn="just"/>
+            <a:endParaRPr lang="pt-BR" sz="2000" dirty="0">
+              <a:solidFill>
+                <a:schemeClr val="bg1">
+                  <a:lumMod val="95000"/>
+                  <a:lumOff val="5000"/>
+                </a:schemeClr>
+              </a:solidFill>
+            </a:endParaRPr>
+          </a:p>
+          <a:p>
+            <a:pPr algn="just"/>
+            <a:endParaRPr lang="pt-BR" sz="2000" dirty="0">
+              <a:solidFill>
+                <a:schemeClr val="bg1">
+                  <a:lumMod val="95000"/>
+                  <a:lumOff val="5000"/>
+                </a:schemeClr>
+              </a:solidFill>
+            </a:endParaRPr>
+          </a:p>
+          <a:p>
+            <a:pPr algn="just"/>
+            <a:endParaRPr lang="pt-BR" sz="2000" dirty="0" smtClean="0">
+              <a:solidFill>
+                <a:schemeClr val="bg1">
+                  <a:lumMod val="95000"/>
+                  <a:lumOff val="5000"/>
+                </a:schemeClr>
+              </a:solidFill>
+            </a:endParaRPr>
+          </a:p>
+          <a:p>
+            <a:pPr algn="just"/>
+            <a:endParaRPr lang="pt-BR" sz="2000" dirty="0">
+              <a:solidFill>
+                <a:schemeClr val="bg1">
+                  <a:lumMod val="95000"/>
+                  <a:lumOff val="5000"/>
+                </a:schemeClr>
+              </a:solidFill>
+            </a:endParaRPr>
+          </a:p>
+          <a:p>
+            <a:pPr algn="just"/>
+            <a:endParaRPr lang="pt-BR" sz="2000" dirty="0" smtClean="0">
+              <a:solidFill>
+                <a:schemeClr val="bg1"/>
+              </a:solidFill>
+            </a:endParaRPr>
+          </a:p>
+          <a:p>
+            <a:pPr algn="just"/>
+            <a:endParaRPr lang="pt-BR" sz="2000" dirty="0" smtClean="0">
+              <a:solidFill>
+                <a:schemeClr val="bg1">
+                  <a:lumMod val="95000"/>
+                  <a:lumOff val="5000"/>
+                </a:schemeClr>
+              </a:solidFill>
+            </a:endParaRPr>
+          </a:p>
+        </p:txBody>
+      </p:sp>
+      <p:pic>
+        <p:nvPicPr>
+          <p:cNvPr id="1026" name="Picture 2"/>
+          <p:cNvPicPr>
+            <a:picLocks noChangeAspect="1" noChangeArrowheads="1"/>
+          </p:cNvPicPr>
+          <p:nvPr/>
+        </p:nvPicPr>
+        <p:blipFill>
+          <a:blip r:embed="rId2">
+            <a:extLst>
+              <a:ext uri="{28A0092B-C50C-407E-A947-70E740481C1C}">
+                <a14:useLocalDpi xmlns:a14="http://schemas.microsoft.com/office/drawing/2010/main" val="0"/>
+              </a:ext>
+            </a:extLst>
+          </a:blip>
+          <a:srcRect/>
+          <a:stretch>
+            <a:fillRect/>
+          </a:stretch>
+        </p:blipFill>
+        <p:spPr bwMode="auto">
+          <a:xfrm>
+            <a:off x="2790626" y="1178279"/>
+            <a:ext cx="7508174" cy="5238658"/>
+          </a:xfrm>
+          <a:prstGeom prst="rect">
+            <a:avLst/>
+          </a:prstGeom>
+          <a:noFill/>
+          <a:ln>
+            <a:noFill/>
+          </a:ln>
+          <a:effectLst/>
+          <a:extLst>
+            <a:ext uri="{909E8E84-426E-40DD-AFC4-6F175D3DCCD1}">
+              <a14:hiddenFill xmlns:a14="http://schemas.microsoft.com/office/drawing/2010/main">
+                <a:solidFill>
+                  <a:schemeClr val="accent1"/>
+                </a:solidFill>
+              </a14:hiddenFill>
+            </a:ext>
+            <a:ext uri="{91240B29-F687-4F45-9708-019B960494DF}">
+              <a14:hiddenLine xmlns:a14="http://schemas.microsoft.com/office/drawing/2010/main" w="9525">
+                <a:solidFill>
+                  <a:schemeClr val="tx1"/>
+                </a:solidFill>
+                <a:miter lim="800000"/>
+                <a:headEnd/>
+                <a:tailEnd/>
+              </a14:hiddenLine>
+            </a:ext>
+            <a:ext uri="{AF507438-7753-43E0-B8FC-AC1667EBCBE1}">
+              <a14:hiddenEffects xmlns:a14="http://schemas.microsoft.com/office/drawing/2010/main">
+                <a:effectLst>
+                  <a:outerShdw dist="35921" dir="2700000" algn="ctr" rotWithShape="0">
+                    <a:schemeClr val="bg2"/>
+                  </a:outerShdw>
+                </a:effectLst>
+              </a14:hiddenEffects>
+            </a:ext>
+          </a:extLst>
+        </p:spPr>
+      </p:pic>
+    </p:spTree>
+    <p:extLst>
+      <p:ext uri="{BB962C8B-B14F-4D97-AF65-F5344CB8AC3E}">
+        <p14:creationId xmlns:p14="http://schemas.microsoft.com/office/powerpoint/2010/main" val="1135186342"/>
+      </p:ext>
+    </p:extLst>
+  </p:cSld>
+  <p:clrMapOvr>
+    <a:masterClrMapping/>
+  </p:clrMapOvr>
+  <p:timing>
+    <p:tnLst>
+      <p:par>
+        <p:cTn id="1" dur="indefinite" restart="never" nodeType="tmRoot"/>
+      </p:par>
+    </p:tnLst>
+  </p:timing>
+</p:sld>
+</file>
+
+<file path=ppt/slides/slide58.xml><?xml version="1.0" encoding="utf-8"?>
+<p:sld xmlns:a="http://schemas.openxmlformats.org/drawingml/2006/main" xmlns:r="http://schemas.openxmlformats.org/officeDocument/2006/relationships" xmlns:p="http://schemas.openxmlformats.org/presentationml/2006/main">
+  <p:cSld>
+    <p:spTree>
+      <p:nvGrpSpPr>
+        <p:cNvPr id="1" name=""/>
+        <p:cNvGrpSpPr/>
+        <p:nvPr/>
+      </p:nvGrpSpPr>
+      <p:grpSpPr>
+        <a:xfrm>
+          <a:off x="0" y="0"/>
+          <a:ext cx="0" cy="0"/>
+          <a:chOff x="0" y="0"/>
+          <a:chExt cx="0" cy="0"/>
+        </a:xfrm>
+      </p:grpSpPr>
+      <p:sp>
+        <p:nvSpPr>
+          <p:cNvPr id="8" name="Retângulo 7">
+            <a:extLst>
+              <a:ext uri="{FF2B5EF4-FFF2-40B4-BE49-F238E27FC236}">
+                <a16:creationId xmlns="" xmlns:a16="http://schemas.microsoft.com/office/drawing/2014/main" id="{9B33DD69-1761-43D2-B589-CE56D2C4FBB6}"/>
+              </a:ext>
+            </a:extLst>
+          </p:cNvPr>
+          <p:cNvSpPr/>
+          <p:nvPr/>
+        </p:nvSpPr>
+        <p:spPr>
+          <a:xfrm>
+            <a:off x="892663" y="0"/>
+            <a:ext cx="11304103" cy="6858000"/>
+          </a:xfrm>
+          <a:prstGeom prst="rect">
+            <a:avLst/>
+          </a:prstGeom>
+          <a:solidFill>
+            <a:schemeClr val="tx1"/>
+          </a:solidFill>
+          <a:ln>
+            <a:solidFill>
+              <a:schemeClr val="tx1"/>
+            </a:solidFill>
+          </a:ln>
+        </p:spPr>
+        <p:style>
+          <a:lnRef idx="2">
+            <a:schemeClr val="accent1">
+              <a:shade val="50000"/>
+            </a:schemeClr>
+          </a:lnRef>
+          <a:fillRef idx="1">
+            <a:schemeClr val="accent1"/>
+          </a:fillRef>
+          <a:effectRef idx="0">
+            <a:schemeClr val="accent1"/>
+          </a:effectRef>
+          <a:fontRef idx="minor">
+            <a:schemeClr val="lt1"/>
+          </a:fontRef>
+        </p:style>
+        <p:txBody>
+          <a:bodyPr rtlCol="0" anchor="ctr"/>
+          <a:lstStyle/>
+          <a:p>
+            <a:pPr algn="ctr"/>
+            <a:endParaRPr lang="pt-BR" sz="2000" dirty="0">
+              <a:solidFill>
+                <a:schemeClr val="bg1"/>
+              </a:solidFill>
+            </a:endParaRPr>
+          </a:p>
+        </p:txBody>
+      </p:sp>
+      <p:sp>
+        <p:nvSpPr>
+          <p:cNvPr id="3" name="AutoShape 2" descr="Download Visual Studio Code - Mac, Linux, Windows"/>
+          <p:cNvSpPr>
+            <a:spLocks noChangeAspect="1" noChangeArrowheads="1"/>
+          </p:cNvSpPr>
+          <p:nvPr/>
+        </p:nvSpPr>
+        <p:spPr bwMode="auto">
+          <a:xfrm>
+            <a:off x="155575" y="-144463"/>
+            <a:ext cx="304800" cy="304801"/>
+          </a:xfrm>
+          <a:prstGeom prst="rect">
+            <a:avLst/>
+          </a:prstGeom>
+          <a:noFill/>
+          <a:extLst>
+            <a:ext uri="{909E8E84-426E-40DD-AFC4-6F175D3DCCD1}">
+              <a14:hiddenFill xmlns:a14="http://schemas.microsoft.com/office/drawing/2010/main">
+                <a:solidFill>
+                  <a:srgbClr val="FFFFFF"/>
+                </a:solidFill>
+              </a14:hiddenFill>
+            </a:ext>
+          </a:extLst>
+        </p:spPr>
+        <p:txBody>
+          <a:bodyPr vert="horz" wrap="square" lIns="91440" tIns="45720" rIns="91440" bIns="45720" numCol="1" anchor="t" anchorCtr="0" compatLnSpc="1">
+            <a:prstTxWarp prst="textNoShape">
+              <a:avLst/>
+            </a:prstTxWarp>
+          </a:bodyPr>
+          <a:lstStyle/>
+          <a:p>
+            <a:endParaRPr lang="pt-BR"/>
+          </a:p>
+        </p:txBody>
+      </p:sp>
+      <p:sp>
+        <p:nvSpPr>
+          <p:cNvPr id="4" name="AutoShape 4" descr="Download Visual Studio Code - Mac, Linux, Windows"/>
+          <p:cNvSpPr>
+            <a:spLocks noChangeAspect="1" noChangeArrowheads="1"/>
+          </p:cNvSpPr>
+          <p:nvPr/>
+        </p:nvSpPr>
+        <p:spPr bwMode="auto">
+          <a:xfrm>
+            <a:off x="307975" y="7937"/>
+            <a:ext cx="304800" cy="304801"/>
+          </a:xfrm>
+          <a:prstGeom prst="rect">
+            <a:avLst/>
+          </a:prstGeom>
+          <a:noFill/>
+          <a:extLst>
+            <a:ext uri="{909E8E84-426E-40DD-AFC4-6F175D3DCCD1}">
+              <a14:hiddenFill xmlns:a14="http://schemas.microsoft.com/office/drawing/2010/main">
+                <a:solidFill>
+                  <a:srgbClr val="FFFFFF"/>
+                </a:solidFill>
+              </a14:hiddenFill>
+            </a:ext>
+          </a:extLst>
+        </p:spPr>
+        <p:txBody>
+          <a:bodyPr vert="horz" wrap="square" lIns="91440" tIns="45720" rIns="91440" bIns="45720" numCol="1" anchor="t" anchorCtr="0" compatLnSpc="1">
+            <a:prstTxWarp prst="textNoShape">
+              <a:avLst/>
+            </a:prstTxWarp>
+          </a:bodyPr>
+          <a:lstStyle/>
+          <a:p>
+            <a:endParaRPr lang="pt-BR"/>
+          </a:p>
+        </p:txBody>
+      </p:sp>
+      <p:sp>
+        <p:nvSpPr>
+          <p:cNvPr id="9" name="CaixaDeTexto 8">
+            <a:extLst>
+              <a:ext uri="{FF2B5EF4-FFF2-40B4-BE49-F238E27FC236}">
+                <a16:creationId xmlns="" xmlns:a16="http://schemas.microsoft.com/office/drawing/2014/main" id="{90B980A2-8D40-4C0A-9871-4FA9794F9C3D}"/>
+              </a:ext>
+            </a:extLst>
+          </p:cNvPr>
+          <p:cNvSpPr txBox="1"/>
+          <p:nvPr/>
+        </p:nvSpPr>
+        <p:spPr>
+          <a:xfrm>
+            <a:off x="1215284" y="160337"/>
+            <a:ext cx="10658859" cy="10248960"/>
+          </a:xfrm>
+          <a:prstGeom prst="rect">
+            <a:avLst/>
+          </a:prstGeom>
+          <a:noFill/>
+        </p:spPr>
+        <p:txBody>
+          <a:bodyPr wrap="square" rtlCol="0">
+            <a:spAutoFit/>
+          </a:bodyPr>
+          <a:lstStyle/>
+          <a:p>
+            <a:pPr algn="just"/>
+            <a:r>
+              <a:rPr lang="pt-BR" sz="2000" dirty="0" smtClean="0">
+                <a:solidFill>
+                  <a:schemeClr val="bg1"/>
+                </a:solidFill>
+              </a:rPr>
+              <a:t>Dentro da </a:t>
+            </a:r>
+            <a:r>
+              <a:rPr lang="pt-BR" sz="2000" dirty="0" smtClean="0">
+                <a:solidFill>
+                  <a:srgbClr val="FF0000"/>
+                </a:solidFill>
+              </a:rPr>
+              <a:t>tag input </a:t>
+            </a:r>
+            <a:r>
+              <a:rPr lang="pt-BR" sz="2000" dirty="0" smtClean="0">
+                <a:solidFill>
+                  <a:schemeClr val="bg1"/>
+                </a:solidFill>
+              </a:rPr>
+              <a:t>temos alguns comando que podemos utilizar além do </a:t>
+            </a:r>
+            <a:r>
+              <a:rPr lang="pt-BR" sz="2000" dirty="0" smtClean="0">
+                <a:solidFill>
+                  <a:srgbClr val="FF0000"/>
+                </a:solidFill>
+              </a:rPr>
+              <a:t>class</a:t>
+            </a:r>
+            <a:r>
+              <a:rPr lang="pt-BR" sz="2000" dirty="0" smtClean="0">
+                <a:solidFill>
+                  <a:schemeClr val="bg1"/>
+                </a:solidFill>
+              </a:rPr>
+              <a:t> e o </a:t>
+            </a:r>
+            <a:r>
+              <a:rPr lang="pt-BR" sz="2000" dirty="0" smtClean="0">
+                <a:solidFill>
+                  <a:srgbClr val="FF0000"/>
+                </a:solidFill>
+              </a:rPr>
+              <a:t>style</a:t>
+            </a:r>
+            <a:r>
+              <a:rPr lang="pt-BR" sz="2000" dirty="0" smtClean="0">
+                <a:solidFill>
+                  <a:schemeClr val="bg1"/>
+                </a:solidFill>
+              </a:rPr>
+              <a:t> que já conhecemos, um dos comandos mais usados para estilizar nosso projeto se chama </a:t>
+            </a:r>
+            <a:r>
+              <a:rPr lang="pt-BR" sz="2000" dirty="0" smtClean="0">
+                <a:solidFill>
+                  <a:srgbClr val="FF0000"/>
+                </a:solidFill>
+              </a:rPr>
+              <a:t>placeholder</a:t>
+            </a:r>
+            <a:r>
+              <a:rPr lang="pt-BR" sz="2000" dirty="0" smtClean="0">
+                <a:solidFill>
+                  <a:schemeClr val="bg1"/>
+                </a:solidFill>
+              </a:rPr>
+              <a:t>, veja:</a:t>
+            </a:r>
+          </a:p>
+          <a:p>
+            <a:pPr algn="just"/>
+            <a:endParaRPr lang="pt-BR" sz="2000" dirty="0">
+              <a:solidFill>
+                <a:schemeClr val="bg1"/>
+              </a:solidFill>
+            </a:endParaRPr>
+          </a:p>
+          <a:p>
+            <a:pPr algn="just"/>
+            <a:endParaRPr lang="pt-BR" sz="2000" dirty="0" smtClean="0">
+              <a:solidFill>
+                <a:schemeClr val="bg1"/>
+              </a:solidFill>
+            </a:endParaRPr>
+          </a:p>
+          <a:p>
+            <a:pPr algn="just"/>
+            <a:endParaRPr lang="pt-BR" sz="2000" dirty="0">
+              <a:solidFill>
+                <a:schemeClr val="bg1"/>
+              </a:solidFill>
+            </a:endParaRPr>
+          </a:p>
+          <a:p>
+            <a:pPr algn="just"/>
+            <a:endParaRPr lang="pt-BR" sz="2000" dirty="0" smtClean="0">
+              <a:solidFill>
+                <a:schemeClr val="bg1"/>
+              </a:solidFill>
+            </a:endParaRPr>
+          </a:p>
+          <a:p>
+            <a:pPr algn="just"/>
+            <a:endParaRPr lang="pt-BR" sz="2000" dirty="0">
+              <a:solidFill>
+                <a:schemeClr val="bg1"/>
+              </a:solidFill>
+            </a:endParaRPr>
+          </a:p>
+          <a:p>
+            <a:pPr algn="just"/>
+            <a:endParaRPr lang="pt-BR" sz="2000" dirty="0" smtClean="0">
+              <a:solidFill>
+                <a:schemeClr val="bg1"/>
+              </a:solidFill>
+            </a:endParaRPr>
+          </a:p>
+          <a:p>
+            <a:pPr algn="just"/>
+            <a:endParaRPr lang="pt-BR" sz="2000" dirty="0">
+              <a:solidFill>
+                <a:schemeClr val="bg1"/>
+              </a:solidFill>
+            </a:endParaRPr>
+          </a:p>
+          <a:p>
+            <a:pPr algn="just"/>
+            <a:endParaRPr lang="pt-BR" sz="2000" dirty="0" smtClean="0">
+              <a:solidFill>
+                <a:schemeClr val="bg1"/>
+              </a:solidFill>
+            </a:endParaRPr>
+          </a:p>
+          <a:p>
+            <a:pPr algn="just"/>
+            <a:endParaRPr lang="pt-BR" sz="2000" dirty="0">
+              <a:solidFill>
+                <a:schemeClr val="bg1"/>
+              </a:solidFill>
+            </a:endParaRPr>
+          </a:p>
+          <a:p>
+            <a:pPr algn="just"/>
+            <a:endParaRPr lang="pt-BR" sz="2000" dirty="0" smtClean="0">
+              <a:solidFill>
+                <a:schemeClr val="bg1"/>
+              </a:solidFill>
+            </a:endParaRPr>
+          </a:p>
+          <a:p>
+            <a:pPr algn="just"/>
+            <a:endParaRPr lang="pt-BR" sz="2000" dirty="0">
+              <a:solidFill>
+                <a:schemeClr val="bg1"/>
+              </a:solidFill>
+            </a:endParaRPr>
+          </a:p>
+          <a:p>
+            <a:pPr algn="just"/>
+            <a:endParaRPr lang="pt-BR" sz="2000" dirty="0" smtClean="0">
+              <a:solidFill>
+                <a:schemeClr val="bg1"/>
+              </a:solidFill>
+            </a:endParaRPr>
+          </a:p>
+          <a:p>
+            <a:pPr algn="just"/>
+            <a:endParaRPr lang="pt-BR" sz="2000" dirty="0">
+              <a:solidFill>
+                <a:schemeClr val="bg1"/>
+              </a:solidFill>
+            </a:endParaRPr>
+          </a:p>
+          <a:p>
+            <a:pPr algn="just"/>
+            <a:endParaRPr lang="pt-BR" sz="2000" dirty="0" smtClean="0">
+              <a:solidFill>
+                <a:schemeClr val="bg1"/>
+              </a:solidFill>
+            </a:endParaRPr>
+          </a:p>
+          <a:p>
+            <a:pPr algn="just"/>
+            <a:endParaRPr lang="pt-BR" sz="2000" dirty="0">
+              <a:solidFill>
+                <a:schemeClr val="bg1"/>
+              </a:solidFill>
+            </a:endParaRPr>
+          </a:p>
+          <a:p>
+            <a:pPr algn="just"/>
+            <a:endParaRPr lang="pt-BR" sz="2000" dirty="0" smtClean="0">
+              <a:solidFill>
+                <a:schemeClr val="bg1"/>
+              </a:solidFill>
+            </a:endParaRPr>
+          </a:p>
+          <a:p>
+            <a:pPr algn="just"/>
+            <a:endParaRPr lang="pt-BR" sz="2000" dirty="0" smtClean="0">
+              <a:solidFill>
+                <a:schemeClr val="bg1"/>
+              </a:solidFill>
+            </a:endParaRPr>
+          </a:p>
+          <a:p>
+            <a:pPr algn="just"/>
+            <a:endParaRPr lang="pt-BR" sz="2000" dirty="0">
+              <a:solidFill>
+                <a:schemeClr val="bg1"/>
+              </a:solidFill>
+            </a:endParaRPr>
+          </a:p>
+          <a:p>
+            <a:pPr algn="just"/>
+            <a:r>
+              <a:rPr lang="pt-BR" sz="2000" dirty="0" smtClean="0">
+                <a:solidFill>
+                  <a:schemeClr val="bg1"/>
+                </a:solidFill>
+              </a:rPr>
+              <a:t>Obs</a:t>
+            </a:r>
+            <a:r>
+              <a:rPr lang="pt-BR" sz="2000" dirty="0" smtClean="0">
+                <a:solidFill>
+                  <a:schemeClr val="bg1"/>
+                </a:solidFill>
+              </a:rPr>
+              <a:t>.: Outros exemplos e mais detalhes serão vistos no modulo de </a:t>
+            </a:r>
+            <a:r>
+              <a:rPr lang="pt-BR" sz="2000" dirty="0" smtClean="0">
+                <a:solidFill>
+                  <a:srgbClr val="FF0000"/>
+                </a:solidFill>
+              </a:rPr>
+              <a:t>bootstrap</a:t>
+            </a:r>
+            <a:endParaRPr lang="pt-BR" sz="2000" dirty="0" smtClean="0">
+              <a:solidFill>
+                <a:srgbClr val="FF0000"/>
+              </a:solidFill>
+            </a:endParaRPr>
+          </a:p>
+          <a:p>
+            <a:pPr algn="just"/>
+            <a:endParaRPr lang="pt-BR" sz="2000" dirty="0" smtClean="0">
+              <a:solidFill>
+                <a:schemeClr val="bg1"/>
+              </a:solidFill>
+            </a:endParaRPr>
+          </a:p>
+          <a:p>
+            <a:pPr algn="just"/>
+            <a:endParaRPr lang="pt-BR" sz="2000" dirty="0">
+              <a:solidFill>
+                <a:schemeClr val="bg1"/>
+              </a:solidFill>
+            </a:endParaRPr>
+          </a:p>
+          <a:p>
+            <a:pPr algn="just"/>
+            <a:endParaRPr lang="pt-BR" sz="2000" dirty="0">
+              <a:solidFill>
+                <a:schemeClr val="bg1">
+                  <a:lumMod val="95000"/>
+                  <a:lumOff val="5000"/>
+                </a:schemeClr>
+              </a:solidFill>
+            </a:endParaRPr>
+          </a:p>
+          <a:p>
+            <a:pPr algn="just"/>
+            <a:endParaRPr lang="pt-BR" sz="2000" dirty="0" smtClean="0">
+              <a:solidFill>
+                <a:schemeClr val="bg1">
+                  <a:lumMod val="95000"/>
+                  <a:lumOff val="5000"/>
+                </a:schemeClr>
+              </a:solidFill>
+            </a:endParaRPr>
+          </a:p>
+          <a:p>
+            <a:pPr algn="just"/>
+            <a:endParaRPr lang="pt-BR" sz="2000" dirty="0">
+              <a:solidFill>
+                <a:schemeClr val="bg1">
+                  <a:lumMod val="95000"/>
+                  <a:lumOff val="5000"/>
+                </a:schemeClr>
+              </a:solidFill>
+            </a:endParaRPr>
+          </a:p>
+          <a:p>
+            <a:pPr algn="just"/>
+            <a:endParaRPr lang="pt-BR" sz="2000" dirty="0" smtClean="0">
+              <a:solidFill>
+                <a:schemeClr val="bg1">
+                  <a:lumMod val="95000"/>
+                  <a:lumOff val="5000"/>
+                </a:schemeClr>
+              </a:solidFill>
+            </a:endParaRPr>
+          </a:p>
+          <a:p>
+            <a:pPr algn="just"/>
+            <a:endParaRPr lang="pt-BR" sz="2000" dirty="0">
+              <a:solidFill>
+                <a:schemeClr val="bg1">
+                  <a:lumMod val="95000"/>
+                  <a:lumOff val="5000"/>
+                </a:schemeClr>
+              </a:solidFill>
+            </a:endParaRPr>
+          </a:p>
+          <a:p>
+            <a:pPr algn="just"/>
+            <a:endParaRPr lang="pt-BR" sz="2000" dirty="0">
+              <a:solidFill>
+                <a:schemeClr val="bg1">
+                  <a:lumMod val="95000"/>
+                  <a:lumOff val="5000"/>
+                </a:schemeClr>
+              </a:solidFill>
+            </a:endParaRPr>
+          </a:p>
+          <a:p>
+            <a:pPr algn="just"/>
+            <a:endParaRPr lang="pt-BR" sz="2000" dirty="0" smtClean="0">
+              <a:solidFill>
+                <a:schemeClr val="bg1">
+                  <a:lumMod val="95000"/>
+                  <a:lumOff val="5000"/>
+                </a:schemeClr>
+              </a:solidFill>
+            </a:endParaRPr>
+          </a:p>
+          <a:p>
+            <a:pPr algn="just"/>
+            <a:endParaRPr lang="pt-BR" sz="2000" dirty="0">
+              <a:solidFill>
+                <a:schemeClr val="bg1">
+                  <a:lumMod val="95000"/>
+                  <a:lumOff val="5000"/>
+                </a:schemeClr>
+              </a:solidFill>
+            </a:endParaRPr>
+          </a:p>
+          <a:p>
+            <a:pPr algn="just"/>
+            <a:endParaRPr lang="pt-BR" sz="2000" dirty="0" smtClean="0">
+              <a:solidFill>
+                <a:schemeClr val="bg1"/>
+              </a:solidFill>
+            </a:endParaRPr>
+          </a:p>
+          <a:p>
+            <a:pPr algn="just"/>
+            <a:endParaRPr lang="pt-BR" sz="2000" dirty="0" smtClean="0">
+              <a:solidFill>
+                <a:schemeClr val="bg1">
+                  <a:lumMod val="95000"/>
+                  <a:lumOff val="5000"/>
+                </a:schemeClr>
+              </a:solidFill>
+            </a:endParaRPr>
+          </a:p>
+        </p:txBody>
+      </p:sp>
+      <p:pic>
+        <p:nvPicPr>
+          <p:cNvPr id="2050" name="Picture 2"/>
+          <p:cNvPicPr>
+            <a:picLocks noChangeAspect="1" noChangeArrowheads="1"/>
+          </p:cNvPicPr>
+          <p:nvPr/>
+        </p:nvPicPr>
+        <p:blipFill>
+          <a:blip r:embed="rId2">
+            <a:extLst>
+              <a:ext uri="{28A0092B-C50C-407E-A947-70E740481C1C}">
+                <a14:useLocalDpi xmlns:a14="http://schemas.microsoft.com/office/drawing/2010/main" val="0"/>
+              </a:ext>
+            </a:extLst>
+          </a:blip>
+          <a:srcRect/>
+          <a:stretch>
+            <a:fillRect/>
+          </a:stretch>
+        </p:blipFill>
+        <p:spPr bwMode="auto">
+          <a:xfrm>
+            <a:off x="1790647" y="1100987"/>
+            <a:ext cx="9508134" cy="4917750"/>
+          </a:xfrm>
+          <a:prstGeom prst="rect">
+            <a:avLst/>
+          </a:prstGeom>
+          <a:noFill/>
+          <a:ln>
+            <a:noFill/>
+          </a:ln>
+          <a:effectLst/>
+          <a:extLst>
+            <a:ext uri="{909E8E84-426E-40DD-AFC4-6F175D3DCCD1}">
+              <a14:hiddenFill xmlns:a14="http://schemas.microsoft.com/office/drawing/2010/main">
+                <a:solidFill>
+                  <a:schemeClr val="accent1"/>
+                </a:solidFill>
+              </a14:hiddenFill>
+            </a:ext>
+            <a:ext uri="{91240B29-F687-4F45-9708-019B960494DF}">
+              <a14:hiddenLine xmlns:a14="http://schemas.microsoft.com/office/drawing/2010/main" w="9525">
+                <a:solidFill>
+                  <a:schemeClr val="tx1"/>
+                </a:solidFill>
+                <a:miter lim="800000"/>
+                <a:headEnd/>
+                <a:tailEnd/>
+              </a14:hiddenLine>
+            </a:ext>
+            <a:ext uri="{AF507438-7753-43E0-B8FC-AC1667EBCBE1}">
+              <a14:hiddenEffects xmlns:a14="http://schemas.microsoft.com/office/drawing/2010/main">
+                <a:effectLst>
+                  <a:outerShdw dist="35921" dir="2700000" algn="ctr" rotWithShape="0">
+                    <a:schemeClr val="bg2"/>
+                  </a:outerShdw>
+                </a:effectLst>
+              </a14:hiddenEffects>
+            </a:ext>
+          </a:extLst>
+        </p:spPr>
+      </p:pic>
+    </p:spTree>
+    <p:extLst>
+      <p:ext uri="{BB962C8B-B14F-4D97-AF65-F5344CB8AC3E}">
+        <p14:creationId xmlns:p14="http://schemas.microsoft.com/office/powerpoint/2010/main" val="1239628780"/>
+      </p:ext>
+    </p:extLst>
+  </p:cSld>
+  <p:clrMapOvr>
+    <a:masterClrMapping/>
+  </p:clrMapOvr>
+  <p:timing>
+    <p:tnLst>
+      <p:par>
+        <p:cTn id="1" dur="indefinite" restart="never" nodeType="tmRoot"/>
+      </p:par>
+    </p:tnLst>
+  </p:timing>
+</p:sld>
+</file>
+
+<file path=ppt/slides/slide59.xml><?xml version="1.0" encoding="utf-8"?>
+<p:sld xmlns:a="http://schemas.openxmlformats.org/drawingml/2006/main" xmlns:r="http://schemas.openxmlformats.org/officeDocument/2006/relationships" xmlns:p="http://schemas.openxmlformats.org/presentationml/2006/main">
+  <p:cSld>
+    <p:spTree>
+      <p:nvGrpSpPr>
+        <p:cNvPr id="1" name=""/>
+        <p:cNvGrpSpPr/>
+        <p:nvPr/>
+      </p:nvGrpSpPr>
+      <p:grpSpPr>
+        <a:xfrm>
+          <a:off x="0" y="0"/>
+          <a:ext cx="0" cy="0"/>
+          <a:chOff x="0" y="0"/>
+          <a:chExt cx="0" cy="0"/>
+        </a:xfrm>
+      </p:grpSpPr>
+      <p:sp>
+        <p:nvSpPr>
+          <p:cNvPr id="8" name="Retângulo 7">
+            <a:extLst>
+              <a:ext uri="{FF2B5EF4-FFF2-40B4-BE49-F238E27FC236}">
+                <a16:creationId xmlns="" xmlns:a16="http://schemas.microsoft.com/office/drawing/2014/main" id="{9B33DD69-1761-43D2-B589-CE56D2C4FBB6}"/>
+              </a:ext>
+            </a:extLst>
+          </p:cNvPr>
+          <p:cNvSpPr/>
+          <p:nvPr/>
+        </p:nvSpPr>
+        <p:spPr>
+          <a:xfrm>
+            <a:off x="892663" y="0"/>
+            <a:ext cx="11304103" cy="6858000"/>
+          </a:xfrm>
+          <a:prstGeom prst="rect">
+            <a:avLst/>
+          </a:prstGeom>
+          <a:solidFill>
+            <a:schemeClr val="tx1"/>
+          </a:solidFill>
+          <a:ln>
+            <a:solidFill>
+              <a:schemeClr val="tx1"/>
+            </a:solidFill>
+          </a:ln>
+        </p:spPr>
+        <p:style>
+          <a:lnRef idx="2">
+            <a:schemeClr val="accent1">
+              <a:shade val="50000"/>
+            </a:schemeClr>
+          </a:lnRef>
+          <a:fillRef idx="1">
+            <a:schemeClr val="accent1"/>
+          </a:fillRef>
+          <a:effectRef idx="0">
+            <a:schemeClr val="accent1"/>
+          </a:effectRef>
+          <a:fontRef idx="minor">
+            <a:schemeClr val="lt1"/>
+          </a:fontRef>
+        </p:style>
+        <p:txBody>
+          <a:bodyPr rtlCol="0" anchor="ctr"/>
+          <a:lstStyle/>
+          <a:p>
+            <a:pPr algn="ctr"/>
+            <a:endParaRPr lang="pt-BR" sz="2000" dirty="0">
+              <a:solidFill>
+                <a:schemeClr val="bg1"/>
+              </a:solidFill>
+            </a:endParaRPr>
+          </a:p>
+        </p:txBody>
+      </p:sp>
+      <p:sp>
+        <p:nvSpPr>
+          <p:cNvPr id="3" name="AutoShape 2" descr="Download Visual Studio Code - Mac, Linux, Windows"/>
+          <p:cNvSpPr>
+            <a:spLocks noChangeAspect="1" noChangeArrowheads="1"/>
+          </p:cNvSpPr>
+          <p:nvPr/>
+        </p:nvSpPr>
+        <p:spPr bwMode="auto">
+          <a:xfrm>
+            <a:off x="155575" y="-144463"/>
+            <a:ext cx="304800" cy="304801"/>
+          </a:xfrm>
+          <a:prstGeom prst="rect">
+            <a:avLst/>
+          </a:prstGeom>
+          <a:noFill/>
+          <a:extLst>
+            <a:ext uri="{909E8E84-426E-40DD-AFC4-6F175D3DCCD1}">
+              <a14:hiddenFill xmlns:a14="http://schemas.microsoft.com/office/drawing/2010/main">
+                <a:solidFill>
+                  <a:srgbClr val="FFFFFF"/>
+                </a:solidFill>
+              </a14:hiddenFill>
+            </a:ext>
+          </a:extLst>
+        </p:spPr>
+        <p:txBody>
+          <a:bodyPr vert="horz" wrap="square" lIns="91440" tIns="45720" rIns="91440" bIns="45720" numCol="1" anchor="t" anchorCtr="0" compatLnSpc="1">
+            <a:prstTxWarp prst="textNoShape">
+              <a:avLst/>
+            </a:prstTxWarp>
+          </a:bodyPr>
+          <a:lstStyle/>
+          <a:p>
+            <a:endParaRPr lang="pt-BR"/>
+          </a:p>
+        </p:txBody>
+      </p:sp>
+      <p:sp>
+        <p:nvSpPr>
+          <p:cNvPr id="4" name="AutoShape 4" descr="Download Visual Studio Code - Mac, Linux, Windows"/>
+          <p:cNvSpPr>
+            <a:spLocks noChangeAspect="1" noChangeArrowheads="1"/>
+          </p:cNvSpPr>
+          <p:nvPr/>
+        </p:nvSpPr>
+        <p:spPr bwMode="auto">
+          <a:xfrm>
+            <a:off x="307975" y="7937"/>
+            <a:ext cx="304800" cy="304801"/>
+          </a:xfrm>
+          <a:prstGeom prst="rect">
+            <a:avLst/>
+          </a:prstGeom>
+          <a:noFill/>
+          <a:extLst>
+            <a:ext uri="{909E8E84-426E-40DD-AFC4-6F175D3DCCD1}">
+              <a14:hiddenFill xmlns:a14="http://schemas.microsoft.com/office/drawing/2010/main">
+                <a:solidFill>
+                  <a:srgbClr val="FFFFFF"/>
+                </a:solidFill>
+              </a14:hiddenFill>
+            </a:ext>
+          </a:extLst>
+        </p:spPr>
+        <p:txBody>
+          <a:bodyPr vert="horz" wrap="square" lIns="91440" tIns="45720" rIns="91440" bIns="45720" numCol="1" anchor="t" anchorCtr="0" compatLnSpc="1">
+            <a:prstTxWarp prst="textNoShape">
+              <a:avLst/>
+            </a:prstTxWarp>
+          </a:bodyPr>
+          <a:lstStyle/>
+          <a:p>
+            <a:endParaRPr lang="pt-BR"/>
+          </a:p>
+        </p:txBody>
+      </p:sp>
+      <p:sp>
+        <p:nvSpPr>
+          <p:cNvPr id="9" name="CaixaDeTexto 8">
+            <a:extLst>
+              <a:ext uri="{FF2B5EF4-FFF2-40B4-BE49-F238E27FC236}">
+                <a16:creationId xmlns="" xmlns:a16="http://schemas.microsoft.com/office/drawing/2014/main" id="{90B980A2-8D40-4C0A-9871-4FA9794F9C3D}"/>
+              </a:ext>
+            </a:extLst>
+          </p:cNvPr>
+          <p:cNvSpPr txBox="1"/>
+          <p:nvPr/>
+        </p:nvSpPr>
+        <p:spPr>
+          <a:xfrm>
+            <a:off x="1215284" y="160337"/>
+            <a:ext cx="10658859" cy="15788938"/>
+          </a:xfrm>
+          <a:prstGeom prst="rect">
+            <a:avLst/>
+          </a:prstGeom>
+          <a:noFill/>
+        </p:spPr>
+        <p:txBody>
+          <a:bodyPr wrap="square" rtlCol="0">
+            <a:spAutoFit/>
+          </a:bodyPr>
+          <a:lstStyle/>
+          <a:p>
+            <a:pPr algn="just"/>
+            <a:r>
+              <a:rPr lang="pt-BR" sz="2000" dirty="0" smtClean="0">
+                <a:solidFill>
+                  <a:schemeClr val="bg1"/>
+                </a:solidFill>
+              </a:rPr>
+              <a:t>Para estilizarmos ainda mais nosso site, utilizamos o </a:t>
+            </a:r>
+            <a:r>
+              <a:rPr lang="pt-BR" sz="2000" dirty="0" smtClean="0">
+                <a:solidFill>
+                  <a:srgbClr val="FF0000"/>
+                </a:solidFill>
+              </a:rPr>
+              <a:t>Font Awesome</a:t>
+            </a:r>
+            <a:r>
+              <a:rPr lang="pt-BR" sz="2000" dirty="0" smtClean="0">
+                <a:solidFill>
+                  <a:schemeClr val="bg1"/>
+                </a:solidFill>
+              </a:rPr>
+              <a:t>, se trata de uma plataforma que oferece muitos ícones gratuitamente,  e podemos utiliza-los com simples comando, o primeiro passo é se cadastrar na plataforma, feito isso será disponibilizado um código para ser utilizado em nosso site:</a:t>
+            </a:r>
+          </a:p>
+          <a:p>
+            <a:pPr algn="just"/>
+            <a:endParaRPr lang="pt-BR" sz="2000" dirty="0">
+              <a:solidFill>
+                <a:schemeClr val="bg1"/>
+              </a:solidFill>
+            </a:endParaRPr>
+          </a:p>
+          <a:p>
+            <a:pPr algn="just"/>
+            <a:endParaRPr lang="pt-BR" sz="2000" dirty="0" smtClean="0">
+              <a:solidFill>
+                <a:schemeClr val="bg1"/>
+              </a:solidFill>
+            </a:endParaRPr>
+          </a:p>
+          <a:p>
+            <a:pPr algn="just"/>
+            <a:endParaRPr lang="pt-BR" sz="2000" dirty="0">
+              <a:solidFill>
+                <a:schemeClr val="bg1"/>
+              </a:solidFill>
+            </a:endParaRPr>
+          </a:p>
+          <a:p>
+            <a:pPr algn="just"/>
+            <a:endParaRPr lang="pt-BR" sz="2000" dirty="0" smtClean="0">
+              <a:solidFill>
+                <a:schemeClr val="bg1"/>
+              </a:solidFill>
+            </a:endParaRPr>
+          </a:p>
+          <a:p>
+            <a:pPr algn="just"/>
+            <a:endParaRPr lang="pt-BR" sz="2000" dirty="0">
+              <a:solidFill>
+                <a:schemeClr val="bg1"/>
+              </a:solidFill>
+            </a:endParaRPr>
+          </a:p>
+          <a:p>
+            <a:pPr algn="just"/>
+            <a:endParaRPr lang="pt-BR" sz="2000" dirty="0" smtClean="0">
+              <a:solidFill>
+                <a:schemeClr val="bg1"/>
+              </a:solidFill>
+            </a:endParaRPr>
+          </a:p>
+          <a:p>
+            <a:pPr algn="just"/>
+            <a:endParaRPr lang="pt-BR" sz="2000" dirty="0">
+              <a:solidFill>
+                <a:schemeClr val="bg1"/>
+              </a:solidFill>
+            </a:endParaRPr>
+          </a:p>
+          <a:p>
+            <a:pPr algn="just"/>
+            <a:endParaRPr lang="pt-BR" sz="2000" dirty="0" smtClean="0">
+              <a:solidFill>
+                <a:schemeClr val="bg1"/>
+              </a:solidFill>
+            </a:endParaRPr>
+          </a:p>
+          <a:p>
+            <a:pPr algn="just"/>
+            <a:endParaRPr lang="pt-BR" sz="2000" dirty="0">
+              <a:solidFill>
+                <a:schemeClr val="bg1"/>
+              </a:solidFill>
+            </a:endParaRPr>
+          </a:p>
+          <a:p>
+            <a:pPr algn="just"/>
+            <a:endParaRPr lang="pt-BR" sz="2000" dirty="0" smtClean="0">
+              <a:solidFill>
+                <a:schemeClr val="bg1"/>
+              </a:solidFill>
+            </a:endParaRPr>
+          </a:p>
+          <a:p>
+            <a:pPr algn="just"/>
+            <a:endParaRPr lang="pt-BR" sz="2000" dirty="0">
+              <a:solidFill>
+                <a:schemeClr val="bg1"/>
+              </a:solidFill>
+            </a:endParaRPr>
+          </a:p>
+          <a:p>
+            <a:pPr algn="just"/>
+            <a:endParaRPr lang="pt-BR" sz="2000" dirty="0" smtClean="0">
+              <a:solidFill>
+                <a:schemeClr val="bg1"/>
+              </a:solidFill>
+            </a:endParaRPr>
+          </a:p>
+          <a:p>
+            <a:pPr algn="just"/>
+            <a:endParaRPr lang="pt-BR" sz="2000" dirty="0">
+              <a:solidFill>
+                <a:schemeClr val="bg1"/>
+              </a:solidFill>
+            </a:endParaRPr>
+          </a:p>
+          <a:p>
+            <a:pPr algn="just"/>
+            <a:endParaRPr lang="pt-BR" sz="2000" dirty="0" smtClean="0">
+              <a:solidFill>
+                <a:schemeClr val="bg1"/>
+              </a:solidFill>
+            </a:endParaRPr>
+          </a:p>
+          <a:p>
+            <a:pPr algn="just"/>
+            <a:endParaRPr lang="pt-BR" sz="2000" dirty="0">
+              <a:solidFill>
+                <a:schemeClr val="bg1"/>
+              </a:solidFill>
+            </a:endParaRPr>
+          </a:p>
+          <a:p>
+            <a:pPr algn="just"/>
+            <a:endParaRPr lang="pt-BR" sz="2000" dirty="0" smtClean="0">
+              <a:solidFill>
+                <a:schemeClr val="bg1"/>
+              </a:solidFill>
+            </a:endParaRPr>
+          </a:p>
+          <a:p>
+            <a:pPr algn="just"/>
+            <a:r>
+              <a:rPr lang="pt-BR" sz="2000" dirty="0" smtClean="0">
+                <a:solidFill>
+                  <a:schemeClr val="bg1"/>
+                </a:solidFill>
+              </a:rPr>
+              <a:t>Site: </a:t>
+            </a:r>
+            <a:r>
+              <a:rPr lang="pt-BR" sz="2000" dirty="0" smtClean="0">
+                <a:solidFill>
+                  <a:schemeClr val="bg1"/>
+                </a:solidFill>
+                <a:hlinkClick r:id="rId2"/>
+              </a:rPr>
+              <a:t>https://fontawesome.com/</a:t>
+            </a:r>
+            <a:endParaRPr lang="pt-BR" sz="2000" dirty="0" smtClean="0">
+              <a:solidFill>
+                <a:schemeClr val="bg1"/>
+              </a:solidFill>
+            </a:endParaRPr>
+          </a:p>
+          <a:p>
+            <a:pPr algn="just"/>
+            <a:endParaRPr lang="pt-BR" sz="2000" dirty="0">
+              <a:solidFill>
+                <a:schemeClr val="bg1"/>
+              </a:solidFill>
+            </a:endParaRPr>
+          </a:p>
+          <a:p>
+            <a:pPr algn="just"/>
+            <a:endParaRPr lang="pt-BR" sz="2000" dirty="0" smtClean="0">
+              <a:solidFill>
+                <a:schemeClr val="bg1"/>
+              </a:solidFill>
+            </a:endParaRPr>
+          </a:p>
+          <a:p>
+            <a:pPr algn="just"/>
+            <a:endParaRPr lang="pt-BR" sz="2000" dirty="0">
+              <a:solidFill>
+                <a:schemeClr val="bg1"/>
+              </a:solidFill>
+            </a:endParaRPr>
+          </a:p>
+          <a:p>
+            <a:pPr algn="just"/>
+            <a:endParaRPr lang="pt-BR" sz="2000" dirty="0" smtClean="0">
+              <a:solidFill>
+                <a:schemeClr val="bg1"/>
+              </a:solidFill>
+            </a:endParaRPr>
+          </a:p>
+          <a:p>
+            <a:pPr algn="just"/>
+            <a:endParaRPr lang="pt-BR" sz="2000" dirty="0">
+              <a:solidFill>
+                <a:schemeClr val="bg1"/>
+              </a:solidFill>
+            </a:endParaRPr>
+          </a:p>
+          <a:p>
+            <a:pPr algn="just"/>
+            <a:endParaRPr lang="pt-BR" sz="2000" dirty="0" smtClean="0">
+              <a:solidFill>
+                <a:schemeClr val="bg1"/>
+              </a:solidFill>
+            </a:endParaRPr>
+          </a:p>
+          <a:p>
+            <a:pPr algn="just"/>
+            <a:endParaRPr lang="pt-BR" sz="2000" dirty="0">
+              <a:solidFill>
+                <a:schemeClr val="bg1"/>
+              </a:solidFill>
+            </a:endParaRPr>
+          </a:p>
+          <a:p>
+            <a:pPr algn="just"/>
+            <a:endParaRPr lang="pt-BR" sz="2000" dirty="0" smtClean="0">
+              <a:solidFill>
+                <a:schemeClr val="bg1"/>
+              </a:solidFill>
+            </a:endParaRPr>
+          </a:p>
+          <a:p>
+            <a:pPr algn="just"/>
+            <a:endParaRPr lang="pt-BR" sz="2000" dirty="0">
+              <a:solidFill>
+                <a:schemeClr val="bg1"/>
+              </a:solidFill>
+            </a:endParaRPr>
+          </a:p>
+          <a:p>
+            <a:pPr algn="just"/>
+            <a:endParaRPr lang="pt-BR" sz="2000" dirty="0" smtClean="0">
+              <a:solidFill>
+                <a:schemeClr val="bg1"/>
+              </a:solidFill>
+            </a:endParaRPr>
+          </a:p>
+          <a:p>
+            <a:pPr algn="just"/>
+            <a:endParaRPr lang="pt-BR" sz="2000" dirty="0">
+              <a:solidFill>
+                <a:schemeClr val="bg1"/>
+              </a:solidFill>
+            </a:endParaRPr>
+          </a:p>
+          <a:p>
+            <a:pPr algn="just"/>
+            <a:endParaRPr lang="pt-BR" sz="2000" dirty="0" smtClean="0">
+              <a:solidFill>
+                <a:schemeClr val="bg1"/>
+              </a:solidFill>
+            </a:endParaRPr>
+          </a:p>
+          <a:p>
+            <a:pPr algn="just"/>
+            <a:endParaRPr lang="pt-BR" sz="2000" dirty="0">
+              <a:solidFill>
+                <a:schemeClr val="bg1"/>
+              </a:solidFill>
+            </a:endParaRPr>
+          </a:p>
+          <a:p>
+            <a:pPr algn="just"/>
+            <a:endParaRPr lang="pt-BR" sz="2000" dirty="0" smtClean="0">
+              <a:solidFill>
+                <a:schemeClr val="bg1"/>
+              </a:solidFill>
+            </a:endParaRPr>
+          </a:p>
+          <a:p>
+            <a:pPr algn="just"/>
+            <a:endParaRPr lang="pt-BR" sz="2000" dirty="0">
+              <a:solidFill>
+                <a:schemeClr val="bg1"/>
+              </a:solidFill>
+            </a:endParaRPr>
+          </a:p>
+          <a:p>
+            <a:pPr algn="just"/>
+            <a:endParaRPr lang="pt-BR" sz="2000" dirty="0" smtClean="0">
+              <a:solidFill>
+                <a:schemeClr val="bg1"/>
+              </a:solidFill>
+            </a:endParaRPr>
+          </a:p>
+          <a:p>
+            <a:pPr algn="just"/>
+            <a:endParaRPr lang="pt-BR" sz="2000" dirty="0">
+              <a:solidFill>
+                <a:schemeClr val="bg1"/>
+              </a:solidFill>
+            </a:endParaRPr>
+          </a:p>
+          <a:p>
+            <a:pPr algn="just"/>
+            <a:endParaRPr lang="pt-BR" sz="2000" dirty="0" smtClean="0">
+              <a:solidFill>
+                <a:schemeClr val="bg1"/>
+              </a:solidFill>
+            </a:endParaRPr>
+          </a:p>
+          <a:p>
+            <a:pPr algn="just"/>
+            <a:endParaRPr lang="pt-BR" sz="2000" dirty="0" smtClean="0">
+              <a:solidFill>
+                <a:schemeClr val="bg1"/>
+              </a:solidFill>
+            </a:endParaRPr>
+          </a:p>
+          <a:p>
+            <a:pPr algn="just"/>
+            <a:endParaRPr lang="pt-BR" sz="2000" dirty="0">
+              <a:solidFill>
+                <a:schemeClr val="bg1"/>
+              </a:solidFill>
+            </a:endParaRPr>
+          </a:p>
+          <a:p>
+            <a:pPr algn="just"/>
+            <a:endParaRPr lang="pt-BR" sz="2000" dirty="0">
+              <a:solidFill>
+                <a:schemeClr val="bg1">
+                  <a:lumMod val="95000"/>
+                  <a:lumOff val="5000"/>
+                </a:schemeClr>
+              </a:solidFill>
+            </a:endParaRPr>
+          </a:p>
+          <a:p>
+            <a:pPr algn="just"/>
+            <a:endParaRPr lang="pt-BR" sz="2000" dirty="0" smtClean="0">
+              <a:solidFill>
+                <a:schemeClr val="bg1">
+                  <a:lumMod val="95000"/>
+                  <a:lumOff val="5000"/>
+                </a:schemeClr>
+              </a:solidFill>
+            </a:endParaRPr>
+          </a:p>
+          <a:p>
+            <a:pPr algn="just"/>
+            <a:endParaRPr lang="pt-BR" sz="2000" dirty="0">
+              <a:solidFill>
+                <a:schemeClr val="bg1">
+                  <a:lumMod val="95000"/>
+                  <a:lumOff val="5000"/>
+                </a:schemeClr>
+              </a:solidFill>
+            </a:endParaRPr>
+          </a:p>
+          <a:p>
+            <a:pPr algn="just"/>
+            <a:endParaRPr lang="pt-BR" sz="2000" dirty="0" smtClean="0">
+              <a:solidFill>
+                <a:schemeClr val="bg1">
+                  <a:lumMod val="95000"/>
+                  <a:lumOff val="5000"/>
+                </a:schemeClr>
+              </a:solidFill>
+            </a:endParaRPr>
+          </a:p>
+          <a:p>
+            <a:pPr algn="just"/>
+            <a:endParaRPr lang="pt-BR" sz="2000" dirty="0">
+              <a:solidFill>
+                <a:schemeClr val="bg1">
+                  <a:lumMod val="95000"/>
+                  <a:lumOff val="5000"/>
+                </a:schemeClr>
+              </a:solidFill>
+            </a:endParaRPr>
+          </a:p>
+          <a:p>
+            <a:pPr algn="just"/>
+            <a:endParaRPr lang="pt-BR" sz="2000" dirty="0">
+              <a:solidFill>
+                <a:schemeClr val="bg1">
+                  <a:lumMod val="95000"/>
+                  <a:lumOff val="5000"/>
+                </a:schemeClr>
+              </a:solidFill>
+            </a:endParaRPr>
+          </a:p>
+          <a:p>
+            <a:pPr algn="just"/>
+            <a:endParaRPr lang="pt-BR" sz="2000" dirty="0" smtClean="0">
+              <a:solidFill>
+                <a:schemeClr val="bg1">
+                  <a:lumMod val="95000"/>
+                  <a:lumOff val="5000"/>
+                </a:schemeClr>
+              </a:solidFill>
+            </a:endParaRPr>
+          </a:p>
+          <a:p>
+            <a:pPr algn="just"/>
+            <a:endParaRPr lang="pt-BR" sz="2000" dirty="0">
+              <a:solidFill>
+                <a:schemeClr val="bg1">
+                  <a:lumMod val="95000"/>
+                  <a:lumOff val="5000"/>
+                </a:schemeClr>
+              </a:solidFill>
+            </a:endParaRPr>
+          </a:p>
+          <a:p>
+            <a:pPr algn="just"/>
+            <a:endParaRPr lang="pt-BR" sz="2000" dirty="0" smtClean="0">
+              <a:solidFill>
+                <a:schemeClr val="bg1"/>
+              </a:solidFill>
+            </a:endParaRPr>
+          </a:p>
+          <a:p>
+            <a:pPr algn="just"/>
+            <a:endParaRPr lang="pt-BR" sz="2000" dirty="0" smtClean="0">
+              <a:solidFill>
+                <a:schemeClr val="bg1">
+                  <a:lumMod val="95000"/>
+                  <a:lumOff val="5000"/>
+                </a:schemeClr>
+              </a:solidFill>
+            </a:endParaRPr>
+          </a:p>
+        </p:txBody>
+      </p:sp>
+      <p:pic>
+        <p:nvPicPr>
+          <p:cNvPr id="3074" name="Picture 2"/>
+          <p:cNvPicPr>
+            <a:picLocks noChangeAspect="1" noChangeArrowheads="1"/>
+          </p:cNvPicPr>
+          <p:nvPr/>
+        </p:nvPicPr>
+        <p:blipFill>
+          <a:blip r:embed="rId3">
+            <a:extLst>
+              <a:ext uri="{28A0092B-C50C-407E-A947-70E740481C1C}">
+                <a14:useLocalDpi xmlns:a14="http://schemas.microsoft.com/office/drawing/2010/main" val="0"/>
+              </a:ext>
+            </a:extLst>
+          </a:blip>
+          <a:srcRect/>
+          <a:stretch>
+            <a:fillRect/>
+          </a:stretch>
+        </p:blipFill>
+        <p:spPr bwMode="auto">
+          <a:xfrm>
+            <a:off x="1393392" y="1445262"/>
+            <a:ext cx="10302639" cy="4133726"/>
+          </a:xfrm>
+          <a:prstGeom prst="rect">
+            <a:avLst/>
+          </a:prstGeom>
+          <a:noFill/>
+          <a:ln>
+            <a:noFill/>
+          </a:ln>
+          <a:effectLst/>
+          <a:extLst>
+            <a:ext uri="{909E8E84-426E-40DD-AFC4-6F175D3DCCD1}">
+              <a14:hiddenFill xmlns:a14="http://schemas.microsoft.com/office/drawing/2010/main">
+                <a:solidFill>
+                  <a:schemeClr val="accent1"/>
+                </a:solidFill>
+              </a14:hiddenFill>
+            </a:ext>
+            <a:ext uri="{91240B29-F687-4F45-9708-019B960494DF}">
+              <a14:hiddenLine xmlns:a14="http://schemas.microsoft.com/office/drawing/2010/main" w="9525">
+                <a:solidFill>
+                  <a:schemeClr val="tx1"/>
+                </a:solidFill>
+                <a:miter lim="800000"/>
+                <a:headEnd/>
+                <a:tailEnd/>
+              </a14:hiddenLine>
+            </a:ext>
+            <a:ext uri="{AF507438-7753-43E0-B8FC-AC1667EBCBE1}">
+              <a14:hiddenEffects xmlns:a14="http://schemas.microsoft.com/office/drawing/2010/main">
+                <a:effectLst>
+                  <a:outerShdw dist="35921" dir="2700000" algn="ctr" rotWithShape="0">
+                    <a:schemeClr val="bg2"/>
+                  </a:outerShdw>
+                </a:effectLst>
+              </a14:hiddenEffects>
+            </a:ext>
+          </a:extLst>
+        </p:spPr>
+      </p:pic>
+    </p:spTree>
+    <p:extLst>
+      <p:ext uri="{BB962C8B-B14F-4D97-AF65-F5344CB8AC3E}">
+        <p14:creationId xmlns:p14="http://schemas.microsoft.com/office/powerpoint/2010/main" val="1383306177"/>
+      </p:ext>
+    </p:extLst>
+  </p:cSld>
+  <p:clrMapOvr>
+    <a:masterClrMapping/>
+  </p:clrMapOvr>
+  <p:timing>
+    <p:tnLst>
+      <p:par>
+        <p:cTn id="1" dur="indefinite" restart="never" nodeType="tmRoot"/>
+      </p:par>
+    </p:tnLst>
+  </p:timing>
+</p:sld>
+</file>
+
+<file path=ppt/slides/slide6.xml><?xml version="1.0" encoding="utf-8"?>
+<p:sld xmlns:a="http://schemas.openxmlformats.org/drawingml/2006/main" xmlns:r="http://schemas.openxmlformats.org/officeDocument/2006/relationships" xmlns:p="http://schemas.openxmlformats.org/presentationml/2006/main">
+  <p:cSld>
+    <p:spTree>
+      <p:nvGrpSpPr>
+        <p:cNvPr id="1" name=""/>
+        <p:cNvGrpSpPr/>
+        <p:nvPr/>
+      </p:nvGrpSpPr>
+      <p:grpSpPr>
+        <a:xfrm>
+          <a:off x="0" y="0"/>
+          <a:ext cx="0" cy="0"/>
+          <a:chOff x="0" y="0"/>
+          <a:chExt cx="0" cy="0"/>
+        </a:xfrm>
+      </p:grpSpPr>
+      <p:sp>
+        <p:nvSpPr>
+          <p:cNvPr id="2" name="Título 1">
+            <a:extLst>
+              <a:ext uri="{FF2B5EF4-FFF2-40B4-BE49-F238E27FC236}">
+                <a16:creationId xmlns="" xmlns:a16="http://schemas.microsoft.com/office/drawing/2014/main" id="{14AB9F69-8D24-468C-93DF-A1666924EB0C}"/>
+              </a:ext>
+            </a:extLst>
+          </p:cNvPr>
+          <p:cNvSpPr>
+            <a:spLocks noGrp="1"/>
+          </p:cNvSpPr>
+          <p:nvPr>
+            <p:ph type="ctrTitle"/>
+          </p:nvPr>
+        </p:nvSpPr>
+        <p:spPr/>
+        <p:txBody>
+          <a:bodyPr>
+            <a:normAutofit/>
+          </a:bodyPr>
+          <a:lstStyle/>
+          <a:p>
+            <a:r>
+              <a:rPr lang="pt-BR" sz="4400" dirty="0" smtClean="0"/>
+              <a:t>Dicas básicas de programação</a:t>
+            </a:r>
+            <a:endParaRPr lang="pt-BR" sz="4400" dirty="0"/>
+          </a:p>
+        </p:txBody>
+      </p:sp>
+      <p:sp>
+        <p:nvSpPr>
+          <p:cNvPr id="3" name="Subtítulo 2">
+            <a:extLst>
+              <a:ext uri="{FF2B5EF4-FFF2-40B4-BE49-F238E27FC236}">
+                <a16:creationId xmlns="" xmlns:a16="http://schemas.microsoft.com/office/drawing/2014/main" id="{0E4BFB9B-D461-4F8E-B2A0-819D63FA7EC4}"/>
+              </a:ext>
+            </a:extLst>
+          </p:cNvPr>
+          <p:cNvSpPr>
+            <a:spLocks noGrp="1"/>
+          </p:cNvSpPr>
+          <p:nvPr>
+            <p:ph type="subTitle" idx="1"/>
+          </p:nvPr>
+        </p:nvSpPr>
+        <p:spPr>
+          <a:xfrm>
+            <a:off x="1876424" y="3547166"/>
+            <a:ext cx="8791575" cy="1655762"/>
+          </a:xfrm>
+        </p:spPr>
+        <p:txBody>
+          <a:bodyPr/>
+          <a:lstStyle/>
+          <a:p>
+            <a:r>
+              <a:rPr lang="pt-BR" dirty="0" smtClean="0"/>
+              <a:t>Organização e estruturação</a:t>
+            </a:r>
+            <a:endParaRPr lang="pt-BR" dirty="0"/>
+          </a:p>
+        </p:txBody>
+      </p:sp>
+    </p:spTree>
+    <p:extLst>
+      <p:ext uri="{BB962C8B-B14F-4D97-AF65-F5344CB8AC3E}">
+        <p14:creationId xmlns:p14="http://schemas.microsoft.com/office/powerpoint/2010/main" val="4285981397"/>
+      </p:ext>
+    </p:extLst>
+  </p:cSld>
+  <p:clrMapOvr>
+    <a:masterClrMapping/>
+  </p:clrMapOvr>
+  <p:timing>
+    <p:tnLst>
+      <p:par>
+        <p:cTn id="1" dur="indefinite" restart="never" nodeType="tmRoot"/>
+      </p:par>
+    </p:tnLst>
+  </p:timing>
+</p:sld>
+</file>
+
+<file path=ppt/slides/slide60.xml><?xml version="1.0" encoding="utf-8"?>
+<p:sld xmlns:a="http://schemas.openxmlformats.org/drawingml/2006/main" xmlns:r="http://schemas.openxmlformats.org/officeDocument/2006/relationships" xmlns:p="http://schemas.openxmlformats.org/presentationml/2006/main">
+  <p:cSld>
+    <p:spTree>
+      <p:nvGrpSpPr>
+        <p:cNvPr id="1" name=""/>
+        <p:cNvGrpSpPr/>
+        <p:nvPr/>
+      </p:nvGrpSpPr>
+      <p:grpSpPr>
+        <a:xfrm>
+          <a:off x="0" y="0"/>
+          <a:ext cx="0" cy="0"/>
+          <a:chOff x="0" y="0"/>
+          <a:chExt cx="0" cy="0"/>
+        </a:xfrm>
+      </p:grpSpPr>
+      <p:sp>
+        <p:nvSpPr>
+          <p:cNvPr id="8" name="Retângulo 7">
+            <a:extLst>
+              <a:ext uri="{FF2B5EF4-FFF2-40B4-BE49-F238E27FC236}">
+                <a16:creationId xmlns="" xmlns:a16="http://schemas.microsoft.com/office/drawing/2014/main" id="{9B33DD69-1761-43D2-B589-CE56D2C4FBB6}"/>
+              </a:ext>
+            </a:extLst>
+          </p:cNvPr>
+          <p:cNvSpPr/>
+          <p:nvPr/>
+        </p:nvSpPr>
+        <p:spPr>
+          <a:xfrm>
+            <a:off x="892663" y="0"/>
+            <a:ext cx="11304103" cy="6858000"/>
+          </a:xfrm>
+          <a:prstGeom prst="rect">
+            <a:avLst/>
+          </a:prstGeom>
+          <a:solidFill>
+            <a:schemeClr val="tx1"/>
+          </a:solidFill>
+          <a:ln>
+            <a:solidFill>
+              <a:schemeClr val="tx1"/>
+            </a:solidFill>
+          </a:ln>
+        </p:spPr>
+        <p:style>
+          <a:lnRef idx="2">
+            <a:schemeClr val="accent1">
+              <a:shade val="50000"/>
+            </a:schemeClr>
+          </a:lnRef>
+          <a:fillRef idx="1">
+            <a:schemeClr val="accent1"/>
+          </a:fillRef>
+          <a:effectRef idx="0">
+            <a:schemeClr val="accent1"/>
+          </a:effectRef>
+          <a:fontRef idx="minor">
+            <a:schemeClr val="lt1"/>
+          </a:fontRef>
+        </p:style>
+        <p:txBody>
+          <a:bodyPr rtlCol="0" anchor="ctr"/>
+          <a:lstStyle/>
+          <a:p>
+            <a:pPr algn="ctr"/>
+            <a:endParaRPr lang="pt-BR" sz="2000" dirty="0">
+              <a:solidFill>
+                <a:schemeClr val="bg1"/>
+              </a:solidFill>
+            </a:endParaRPr>
+          </a:p>
+        </p:txBody>
+      </p:sp>
+      <p:sp>
+        <p:nvSpPr>
+          <p:cNvPr id="3" name="AutoShape 2" descr="Download Visual Studio Code - Mac, Linux, Windows"/>
+          <p:cNvSpPr>
+            <a:spLocks noChangeAspect="1" noChangeArrowheads="1"/>
+          </p:cNvSpPr>
+          <p:nvPr/>
+        </p:nvSpPr>
+        <p:spPr bwMode="auto">
+          <a:xfrm>
+            <a:off x="155575" y="-144463"/>
+            <a:ext cx="304800" cy="304801"/>
+          </a:xfrm>
+          <a:prstGeom prst="rect">
+            <a:avLst/>
+          </a:prstGeom>
+          <a:noFill/>
+          <a:extLst>
+            <a:ext uri="{909E8E84-426E-40DD-AFC4-6F175D3DCCD1}">
+              <a14:hiddenFill xmlns:a14="http://schemas.microsoft.com/office/drawing/2010/main">
+                <a:solidFill>
+                  <a:srgbClr val="FFFFFF"/>
+                </a:solidFill>
+              </a14:hiddenFill>
+            </a:ext>
+          </a:extLst>
+        </p:spPr>
+        <p:txBody>
+          <a:bodyPr vert="horz" wrap="square" lIns="91440" tIns="45720" rIns="91440" bIns="45720" numCol="1" anchor="t" anchorCtr="0" compatLnSpc="1">
+            <a:prstTxWarp prst="textNoShape">
+              <a:avLst/>
+            </a:prstTxWarp>
+          </a:bodyPr>
+          <a:lstStyle/>
+          <a:p>
+            <a:endParaRPr lang="pt-BR"/>
+          </a:p>
+        </p:txBody>
+      </p:sp>
+      <p:sp>
+        <p:nvSpPr>
+          <p:cNvPr id="4" name="AutoShape 4" descr="Download Visual Studio Code - Mac, Linux, Windows"/>
+          <p:cNvSpPr>
+            <a:spLocks noChangeAspect="1" noChangeArrowheads="1"/>
+          </p:cNvSpPr>
+          <p:nvPr/>
+        </p:nvSpPr>
+        <p:spPr bwMode="auto">
+          <a:xfrm>
+            <a:off x="307975" y="7937"/>
+            <a:ext cx="304800" cy="304801"/>
+          </a:xfrm>
+          <a:prstGeom prst="rect">
+            <a:avLst/>
+          </a:prstGeom>
+          <a:noFill/>
+          <a:extLst>
+            <a:ext uri="{909E8E84-426E-40DD-AFC4-6F175D3DCCD1}">
+              <a14:hiddenFill xmlns:a14="http://schemas.microsoft.com/office/drawing/2010/main">
+                <a:solidFill>
+                  <a:srgbClr val="FFFFFF"/>
+                </a:solidFill>
+              </a14:hiddenFill>
+            </a:ext>
+          </a:extLst>
+        </p:spPr>
+        <p:txBody>
+          <a:bodyPr vert="horz" wrap="square" lIns="91440" tIns="45720" rIns="91440" bIns="45720" numCol="1" anchor="t" anchorCtr="0" compatLnSpc="1">
+            <a:prstTxWarp prst="textNoShape">
+              <a:avLst/>
+            </a:prstTxWarp>
+          </a:bodyPr>
+          <a:lstStyle/>
+          <a:p>
+            <a:endParaRPr lang="pt-BR"/>
+          </a:p>
+        </p:txBody>
+      </p:sp>
+      <p:sp>
+        <p:nvSpPr>
+          <p:cNvPr id="9" name="CaixaDeTexto 8">
+            <a:extLst>
+              <a:ext uri="{FF2B5EF4-FFF2-40B4-BE49-F238E27FC236}">
+                <a16:creationId xmlns="" xmlns:a16="http://schemas.microsoft.com/office/drawing/2014/main" id="{90B980A2-8D40-4C0A-9871-4FA9794F9C3D}"/>
+              </a:ext>
+            </a:extLst>
+          </p:cNvPr>
+          <p:cNvSpPr txBox="1"/>
+          <p:nvPr/>
+        </p:nvSpPr>
+        <p:spPr>
+          <a:xfrm>
+            <a:off x="1215284" y="160337"/>
+            <a:ext cx="10658859" cy="14865608"/>
+          </a:xfrm>
+          <a:prstGeom prst="rect">
+            <a:avLst/>
+          </a:prstGeom>
+          <a:noFill/>
+        </p:spPr>
+        <p:txBody>
+          <a:bodyPr wrap="square" rtlCol="0">
+            <a:spAutoFit/>
+          </a:bodyPr>
+          <a:lstStyle/>
+          <a:p>
+            <a:pPr algn="just"/>
+            <a:r>
+              <a:rPr lang="pt-BR" sz="2000" dirty="0" smtClean="0">
+                <a:solidFill>
+                  <a:schemeClr val="bg1"/>
+                </a:solidFill>
+              </a:rPr>
+              <a:t>Veja o </a:t>
+            </a:r>
+            <a:r>
+              <a:rPr lang="pt-BR" sz="2000" dirty="0" smtClean="0">
+                <a:solidFill>
+                  <a:srgbClr val="FF0000"/>
+                </a:solidFill>
+              </a:rPr>
+              <a:t>Font Awesome</a:t>
+            </a:r>
+            <a:r>
+              <a:rPr lang="pt-BR" sz="2000" dirty="0" smtClean="0">
+                <a:solidFill>
+                  <a:schemeClr val="bg1"/>
+                </a:solidFill>
+              </a:rPr>
+              <a:t> integrado:</a:t>
+            </a:r>
+          </a:p>
+          <a:p>
+            <a:pPr algn="just"/>
+            <a:endParaRPr lang="pt-BR" sz="2000" dirty="0">
+              <a:solidFill>
+                <a:schemeClr val="bg1"/>
+              </a:solidFill>
+            </a:endParaRPr>
+          </a:p>
+          <a:p>
+            <a:pPr algn="just"/>
+            <a:endParaRPr lang="pt-BR" sz="2000" dirty="0" smtClean="0">
+              <a:solidFill>
+                <a:schemeClr val="bg1"/>
+              </a:solidFill>
+            </a:endParaRPr>
+          </a:p>
+          <a:p>
+            <a:pPr algn="just"/>
+            <a:endParaRPr lang="pt-BR" sz="2000" dirty="0">
+              <a:solidFill>
+                <a:schemeClr val="bg1"/>
+              </a:solidFill>
+            </a:endParaRPr>
+          </a:p>
+          <a:p>
+            <a:pPr algn="just"/>
+            <a:endParaRPr lang="pt-BR" sz="2000" dirty="0" smtClean="0">
+              <a:solidFill>
+                <a:schemeClr val="bg1"/>
+              </a:solidFill>
+            </a:endParaRPr>
+          </a:p>
+          <a:p>
+            <a:pPr algn="just"/>
+            <a:endParaRPr lang="pt-BR" sz="2000" dirty="0">
+              <a:solidFill>
+                <a:schemeClr val="bg1"/>
+              </a:solidFill>
+            </a:endParaRPr>
+          </a:p>
+          <a:p>
+            <a:pPr algn="just"/>
+            <a:endParaRPr lang="pt-BR" sz="2000" dirty="0" smtClean="0">
+              <a:solidFill>
+                <a:schemeClr val="bg1"/>
+              </a:solidFill>
+            </a:endParaRPr>
+          </a:p>
+          <a:p>
+            <a:pPr algn="just"/>
+            <a:endParaRPr lang="pt-BR" sz="2000" dirty="0">
+              <a:solidFill>
+                <a:schemeClr val="bg1"/>
+              </a:solidFill>
+            </a:endParaRPr>
+          </a:p>
+          <a:p>
+            <a:pPr algn="just"/>
+            <a:endParaRPr lang="pt-BR" sz="2000" dirty="0" smtClean="0">
+              <a:solidFill>
+                <a:schemeClr val="bg1"/>
+              </a:solidFill>
+            </a:endParaRPr>
+          </a:p>
+          <a:p>
+            <a:pPr algn="just"/>
+            <a:endParaRPr lang="pt-BR" sz="2000" dirty="0">
+              <a:solidFill>
+                <a:schemeClr val="bg1"/>
+              </a:solidFill>
+            </a:endParaRPr>
+          </a:p>
+          <a:p>
+            <a:pPr algn="just"/>
+            <a:endParaRPr lang="pt-BR" sz="2000" dirty="0" smtClean="0">
+              <a:solidFill>
+                <a:schemeClr val="bg1"/>
+              </a:solidFill>
+            </a:endParaRPr>
+          </a:p>
+          <a:p>
+            <a:pPr algn="just"/>
+            <a:endParaRPr lang="pt-BR" sz="2000" dirty="0">
+              <a:solidFill>
+                <a:schemeClr val="bg1"/>
+              </a:solidFill>
+            </a:endParaRPr>
+          </a:p>
+          <a:p>
+            <a:pPr algn="just"/>
+            <a:endParaRPr lang="pt-BR" sz="2000" dirty="0" smtClean="0">
+              <a:solidFill>
+                <a:schemeClr val="bg1"/>
+              </a:solidFill>
+            </a:endParaRPr>
+          </a:p>
+          <a:p>
+            <a:pPr algn="just"/>
+            <a:endParaRPr lang="pt-BR" sz="2000" dirty="0">
+              <a:solidFill>
+                <a:schemeClr val="bg1"/>
+              </a:solidFill>
+            </a:endParaRPr>
+          </a:p>
+          <a:p>
+            <a:pPr algn="just"/>
+            <a:endParaRPr lang="pt-BR" sz="2000" dirty="0" smtClean="0">
+              <a:solidFill>
+                <a:schemeClr val="bg1"/>
+              </a:solidFill>
+            </a:endParaRPr>
+          </a:p>
+          <a:p>
+            <a:pPr algn="just"/>
+            <a:endParaRPr lang="pt-BR" sz="2000" dirty="0">
+              <a:solidFill>
+                <a:schemeClr val="bg1"/>
+              </a:solidFill>
+            </a:endParaRPr>
+          </a:p>
+          <a:p>
+            <a:pPr algn="just"/>
+            <a:endParaRPr lang="pt-BR" sz="2000" dirty="0" smtClean="0">
+              <a:solidFill>
+                <a:schemeClr val="bg1"/>
+              </a:solidFill>
+            </a:endParaRPr>
+          </a:p>
+          <a:p>
+            <a:pPr algn="just"/>
+            <a:endParaRPr lang="pt-BR" sz="2000" dirty="0">
+              <a:solidFill>
+                <a:schemeClr val="bg1"/>
+              </a:solidFill>
+            </a:endParaRPr>
+          </a:p>
+          <a:p>
+            <a:pPr algn="just"/>
+            <a:endParaRPr lang="pt-BR" sz="2000" dirty="0" smtClean="0">
+              <a:solidFill>
+                <a:schemeClr val="bg1"/>
+              </a:solidFill>
+            </a:endParaRPr>
+          </a:p>
+          <a:p>
+            <a:pPr algn="just"/>
+            <a:endParaRPr lang="pt-BR" sz="2000" dirty="0">
+              <a:solidFill>
+                <a:schemeClr val="bg1"/>
+              </a:solidFill>
+            </a:endParaRPr>
+          </a:p>
+          <a:p>
+            <a:pPr algn="just"/>
+            <a:endParaRPr lang="pt-BR" sz="2000" dirty="0" smtClean="0">
+              <a:solidFill>
+                <a:schemeClr val="bg1"/>
+              </a:solidFill>
+            </a:endParaRPr>
+          </a:p>
+          <a:p>
+            <a:pPr algn="just"/>
+            <a:endParaRPr lang="pt-BR" sz="2000" dirty="0">
+              <a:solidFill>
+                <a:schemeClr val="bg1"/>
+              </a:solidFill>
+            </a:endParaRPr>
+          </a:p>
+          <a:p>
+            <a:pPr algn="just"/>
+            <a:endParaRPr lang="pt-BR" sz="2000" dirty="0" smtClean="0">
+              <a:solidFill>
+                <a:schemeClr val="bg1"/>
+              </a:solidFill>
+            </a:endParaRPr>
+          </a:p>
+          <a:p>
+            <a:pPr algn="just"/>
+            <a:endParaRPr lang="pt-BR" sz="2000" dirty="0">
+              <a:solidFill>
+                <a:schemeClr val="bg1"/>
+              </a:solidFill>
+            </a:endParaRPr>
+          </a:p>
+          <a:p>
+            <a:pPr algn="just"/>
+            <a:endParaRPr lang="pt-BR" sz="2000" dirty="0" smtClean="0">
+              <a:solidFill>
+                <a:schemeClr val="bg1"/>
+              </a:solidFill>
+            </a:endParaRPr>
+          </a:p>
+          <a:p>
+            <a:pPr algn="just"/>
+            <a:endParaRPr lang="pt-BR" sz="2000" dirty="0">
+              <a:solidFill>
+                <a:schemeClr val="bg1"/>
+              </a:solidFill>
+            </a:endParaRPr>
+          </a:p>
+          <a:p>
+            <a:pPr algn="just"/>
+            <a:endParaRPr lang="pt-BR" sz="2000" dirty="0" smtClean="0">
+              <a:solidFill>
+                <a:schemeClr val="bg1"/>
+              </a:solidFill>
+            </a:endParaRPr>
+          </a:p>
+          <a:p>
+            <a:pPr algn="just"/>
+            <a:endParaRPr lang="pt-BR" sz="2000" dirty="0">
+              <a:solidFill>
+                <a:schemeClr val="bg1"/>
+              </a:solidFill>
+            </a:endParaRPr>
+          </a:p>
+          <a:p>
+            <a:pPr algn="just"/>
+            <a:endParaRPr lang="pt-BR" sz="2000" dirty="0" smtClean="0">
+              <a:solidFill>
+                <a:schemeClr val="bg1"/>
+              </a:solidFill>
+            </a:endParaRPr>
+          </a:p>
+          <a:p>
+            <a:pPr algn="just"/>
+            <a:endParaRPr lang="pt-BR" sz="2000" dirty="0">
+              <a:solidFill>
+                <a:schemeClr val="bg1"/>
+              </a:solidFill>
+            </a:endParaRPr>
+          </a:p>
+          <a:p>
+            <a:pPr algn="just"/>
+            <a:endParaRPr lang="pt-BR" sz="2000" dirty="0" smtClean="0">
+              <a:solidFill>
+                <a:schemeClr val="bg1"/>
+              </a:solidFill>
+            </a:endParaRPr>
+          </a:p>
+          <a:p>
+            <a:pPr algn="just"/>
+            <a:endParaRPr lang="pt-BR" sz="2000" dirty="0">
+              <a:solidFill>
+                <a:schemeClr val="bg1"/>
+              </a:solidFill>
+            </a:endParaRPr>
+          </a:p>
+          <a:p>
+            <a:pPr algn="just"/>
+            <a:endParaRPr lang="pt-BR" sz="2000" dirty="0" smtClean="0">
+              <a:solidFill>
+                <a:schemeClr val="bg1"/>
+              </a:solidFill>
+            </a:endParaRPr>
+          </a:p>
+          <a:p>
+            <a:pPr algn="just"/>
+            <a:endParaRPr lang="pt-BR" sz="2000" dirty="0">
+              <a:solidFill>
+                <a:schemeClr val="bg1"/>
+              </a:solidFill>
+            </a:endParaRPr>
+          </a:p>
+          <a:p>
+            <a:pPr algn="just"/>
+            <a:endParaRPr lang="pt-BR" sz="2000" dirty="0" smtClean="0">
+              <a:solidFill>
+                <a:schemeClr val="bg1"/>
+              </a:solidFill>
+            </a:endParaRPr>
+          </a:p>
+          <a:p>
+            <a:pPr algn="just"/>
+            <a:endParaRPr lang="pt-BR" sz="2000" dirty="0" smtClean="0">
+              <a:solidFill>
+                <a:schemeClr val="bg1"/>
+              </a:solidFill>
+            </a:endParaRPr>
+          </a:p>
+          <a:p>
+            <a:pPr algn="just"/>
+            <a:endParaRPr lang="pt-BR" sz="2000" dirty="0">
+              <a:solidFill>
+                <a:schemeClr val="bg1"/>
+              </a:solidFill>
+            </a:endParaRPr>
+          </a:p>
+          <a:p>
+            <a:pPr algn="just"/>
+            <a:endParaRPr lang="pt-BR" sz="2000" dirty="0">
+              <a:solidFill>
+                <a:schemeClr val="bg1">
+                  <a:lumMod val="95000"/>
+                  <a:lumOff val="5000"/>
+                </a:schemeClr>
+              </a:solidFill>
+            </a:endParaRPr>
+          </a:p>
+          <a:p>
+            <a:pPr algn="just"/>
+            <a:endParaRPr lang="pt-BR" sz="2000" dirty="0" smtClean="0">
+              <a:solidFill>
+                <a:schemeClr val="bg1">
+                  <a:lumMod val="95000"/>
+                  <a:lumOff val="5000"/>
+                </a:schemeClr>
+              </a:solidFill>
+            </a:endParaRPr>
+          </a:p>
+          <a:p>
+            <a:pPr algn="just"/>
+            <a:endParaRPr lang="pt-BR" sz="2000" dirty="0">
+              <a:solidFill>
+                <a:schemeClr val="bg1">
+                  <a:lumMod val="95000"/>
+                  <a:lumOff val="5000"/>
+                </a:schemeClr>
+              </a:solidFill>
+            </a:endParaRPr>
+          </a:p>
+          <a:p>
+            <a:pPr algn="just"/>
+            <a:endParaRPr lang="pt-BR" sz="2000" dirty="0" smtClean="0">
+              <a:solidFill>
+                <a:schemeClr val="bg1">
+                  <a:lumMod val="95000"/>
+                  <a:lumOff val="5000"/>
+                </a:schemeClr>
+              </a:solidFill>
+            </a:endParaRPr>
+          </a:p>
+          <a:p>
+            <a:pPr algn="just"/>
+            <a:endParaRPr lang="pt-BR" sz="2000" dirty="0">
+              <a:solidFill>
+                <a:schemeClr val="bg1">
+                  <a:lumMod val="95000"/>
+                  <a:lumOff val="5000"/>
+                </a:schemeClr>
+              </a:solidFill>
+            </a:endParaRPr>
+          </a:p>
+          <a:p>
+            <a:pPr algn="just"/>
+            <a:endParaRPr lang="pt-BR" sz="2000" dirty="0">
+              <a:solidFill>
+                <a:schemeClr val="bg1">
+                  <a:lumMod val="95000"/>
+                  <a:lumOff val="5000"/>
+                </a:schemeClr>
+              </a:solidFill>
+            </a:endParaRPr>
+          </a:p>
+          <a:p>
+            <a:pPr algn="just"/>
+            <a:endParaRPr lang="pt-BR" sz="2000" dirty="0" smtClean="0">
+              <a:solidFill>
+                <a:schemeClr val="bg1">
+                  <a:lumMod val="95000"/>
+                  <a:lumOff val="5000"/>
+                </a:schemeClr>
+              </a:solidFill>
+            </a:endParaRPr>
+          </a:p>
+          <a:p>
+            <a:pPr algn="just"/>
+            <a:endParaRPr lang="pt-BR" sz="2000" dirty="0">
+              <a:solidFill>
+                <a:schemeClr val="bg1">
+                  <a:lumMod val="95000"/>
+                  <a:lumOff val="5000"/>
+                </a:schemeClr>
+              </a:solidFill>
+            </a:endParaRPr>
+          </a:p>
+          <a:p>
+            <a:pPr algn="just"/>
+            <a:endParaRPr lang="pt-BR" sz="2000" dirty="0" smtClean="0">
+              <a:solidFill>
+                <a:schemeClr val="bg1"/>
+              </a:solidFill>
+            </a:endParaRPr>
+          </a:p>
+          <a:p>
+            <a:pPr algn="just"/>
+            <a:endParaRPr lang="pt-BR" sz="2000" dirty="0" smtClean="0">
+              <a:solidFill>
+                <a:schemeClr val="bg1">
+                  <a:lumMod val="95000"/>
+                  <a:lumOff val="5000"/>
+                </a:schemeClr>
+              </a:solidFill>
+            </a:endParaRPr>
+          </a:p>
+        </p:txBody>
+      </p:sp>
+      <p:pic>
+        <p:nvPicPr>
+          <p:cNvPr id="4098" name="Picture 2"/>
+          <p:cNvPicPr>
+            <a:picLocks noChangeAspect="1" noChangeArrowheads="1"/>
+          </p:cNvPicPr>
+          <p:nvPr/>
+        </p:nvPicPr>
+        <p:blipFill>
+          <a:blip r:embed="rId2">
+            <a:extLst>
+              <a:ext uri="{28A0092B-C50C-407E-A947-70E740481C1C}">
+                <a14:useLocalDpi xmlns:a14="http://schemas.microsoft.com/office/drawing/2010/main" val="0"/>
+              </a:ext>
+            </a:extLst>
+          </a:blip>
+          <a:srcRect/>
+          <a:stretch>
+            <a:fillRect/>
+          </a:stretch>
+        </p:blipFill>
+        <p:spPr bwMode="auto">
+          <a:xfrm>
+            <a:off x="1215284" y="771896"/>
+            <a:ext cx="10658859" cy="5376247"/>
+          </a:xfrm>
+          <a:prstGeom prst="rect">
+            <a:avLst/>
+          </a:prstGeom>
+          <a:noFill/>
+          <a:ln>
+            <a:noFill/>
+          </a:ln>
+          <a:effectLst/>
+          <a:extLst>
+            <a:ext uri="{909E8E84-426E-40DD-AFC4-6F175D3DCCD1}">
+              <a14:hiddenFill xmlns:a14="http://schemas.microsoft.com/office/drawing/2010/main">
+                <a:solidFill>
+                  <a:schemeClr val="accent1"/>
+                </a:solidFill>
+              </a14:hiddenFill>
+            </a:ext>
+            <a:ext uri="{91240B29-F687-4F45-9708-019B960494DF}">
+              <a14:hiddenLine xmlns:a14="http://schemas.microsoft.com/office/drawing/2010/main" w="9525">
+                <a:solidFill>
+                  <a:schemeClr val="tx1"/>
+                </a:solidFill>
+                <a:miter lim="800000"/>
+                <a:headEnd/>
+                <a:tailEnd/>
+              </a14:hiddenLine>
+            </a:ext>
+            <a:ext uri="{AF507438-7753-43E0-B8FC-AC1667EBCBE1}">
+              <a14:hiddenEffects xmlns:a14="http://schemas.microsoft.com/office/drawing/2010/main">
+                <a:effectLst>
+                  <a:outerShdw dist="35921" dir="2700000" algn="ctr" rotWithShape="0">
+                    <a:schemeClr val="bg2"/>
+                  </a:outerShdw>
+                </a:effectLst>
+              </a14:hiddenEffects>
+            </a:ext>
+          </a:extLst>
+        </p:spPr>
+      </p:pic>
+    </p:spTree>
+    <p:extLst>
+      <p:ext uri="{BB962C8B-B14F-4D97-AF65-F5344CB8AC3E}">
+        <p14:creationId xmlns:p14="http://schemas.microsoft.com/office/powerpoint/2010/main" val="470445573"/>
+      </p:ext>
+    </p:extLst>
+  </p:cSld>
+  <p:clrMapOvr>
+    <a:masterClrMapping/>
+  </p:clrMapOvr>
+  <p:timing>
+    <p:tnLst>
+      <p:par>
+        <p:cTn id="1" dur="indefinite" restart="never" nodeType="tmRoot"/>
+      </p:par>
+    </p:tnLst>
+  </p:timing>
+</p:sld>
+</file>
+
+<file path=ppt/slides/slide61.xml><?xml version="1.0" encoding="utf-8"?>
+<p:sld xmlns:a="http://schemas.openxmlformats.org/drawingml/2006/main" xmlns:r="http://schemas.openxmlformats.org/officeDocument/2006/relationships" xmlns:p="http://schemas.openxmlformats.org/presentationml/2006/main">
+  <p:cSld>
+    <p:spTree>
+      <p:nvGrpSpPr>
+        <p:cNvPr id="1" name=""/>
+        <p:cNvGrpSpPr/>
+        <p:nvPr/>
+      </p:nvGrpSpPr>
+      <p:grpSpPr>
+        <a:xfrm>
+          <a:off x="0" y="0"/>
+          <a:ext cx="0" cy="0"/>
+          <a:chOff x="0" y="0"/>
+          <a:chExt cx="0" cy="0"/>
+        </a:xfrm>
+      </p:grpSpPr>
+      <p:sp>
+        <p:nvSpPr>
+          <p:cNvPr id="8" name="Retângulo 7">
+            <a:extLst>
+              <a:ext uri="{FF2B5EF4-FFF2-40B4-BE49-F238E27FC236}">
+                <a16:creationId xmlns="" xmlns:a16="http://schemas.microsoft.com/office/drawing/2014/main" id="{9B33DD69-1761-43D2-B589-CE56D2C4FBB6}"/>
+              </a:ext>
+            </a:extLst>
+          </p:cNvPr>
+          <p:cNvSpPr/>
+          <p:nvPr/>
+        </p:nvSpPr>
+        <p:spPr>
+          <a:xfrm>
+            <a:off x="892663" y="0"/>
+            <a:ext cx="11304103" cy="6858000"/>
+          </a:xfrm>
+          <a:prstGeom prst="rect">
+            <a:avLst/>
+          </a:prstGeom>
+          <a:solidFill>
+            <a:schemeClr val="tx1"/>
+          </a:solidFill>
+          <a:ln>
+            <a:solidFill>
+              <a:schemeClr val="tx1"/>
+            </a:solidFill>
+          </a:ln>
+        </p:spPr>
+        <p:style>
+          <a:lnRef idx="2">
+            <a:schemeClr val="accent1">
+              <a:shade val="50000"/>
+            </a:schemeClr>
+          </a:lnRef>
+          <a:fillRef idx="1">
+            <a:schemeClr val="accent1"/>
+          </a:fillRef>
+          <a:effectRef idx="0">
+            <a:schemeClr val="accent1"/>
+          </a:effectRef>
+          <a:fontRef idx="minor">
+            <a:schemeClr val="lt1"/>
+          </a:fontRef>
+        </p:style>
+        <p:txBody>
+          <a:bodyPr rtlCol="0" anchor="ctr"/>
+          <a:lstStyle/>
+          <a:p>
+            <a:pPr algn="ctr"/>
+            <a:endParaRPr lang="pt-BR" sz="2000" dirty="0">
+              <a:solidFill>
+                <a:schemeClr val="bg1"/>
+              </a:solidFill>
+            </a:endParaRPr>
+          </a:p>
+        </p:txBody>
+      </p:sp>
+      <p:sp>
+        <p:nvSpPr>
+          <p:cNvPr id="3" name="AutoShape 2" descr="Download Visual Studio Code - Mac, Linux, Windows"/>
+          <p:cNvSpPr>
+            <a:spLocks noChangeAspect="1" noChangeArrowheads="1"/>
+          </p:cNvSpPr>
+          <p:nvPr/>
+        </p:nvSpPr>
+        <p:spPr bwMode="auto">
+          <a:xfrm>
+            <a:off x="155575" y="-144463"/>
+            <a:ext cx="304800" cy="304801"/>
+          </a:xfrm>
+          <a:prstGeom prst="rect">
+            <a:avLst/>
+          </a:prstGeom>
+          <a:noFill/>
+          <a:extLst>
+            <a:ext uri="{909E8E84-426E-40DD-AFC4-6F175D3DCCD1}">
+              <a14:hiddenFill xmlns:a14="http://schemas.microsoft.com/office/drawing/2010/main">
+                <a:solidFill>
+                  <a:srgbClr val="FFFFFF"/>
+                </a:solidFill>
+              </a14:hiddenFill>
+            </a:ext>
+          </a:extLst>
+        </p:spPr>
+        <p:txBody>
+          <a:bodyPr vert="horz" wrap="square" lIns="91440" tIns="45720" rIns="91440" bIns="45720" numCol="1" anchor="t" anchorCtr="0" compatLnSpc="1">
+            <a:prstTxWarp prst="textNoShape">
+              <a:avLst/>
+            </a:prstTxWarp>
+          </a:bodyPr>
+          <a:lstStyle/>
+          <a:p>
+            <a:endParaRPr lang="pt-BR"/>
+          </a:p>
+        </p:txBody>
+      </p:sp>
+      <p:sp>
+        <p:nvSpPr>
+          <p:cNvPr id="4" name="AutoShape 4" descr="Download Visual Studio Code - Mac, Linux, Windows"/>
+          <p:cNvSpPr>
+            <a:spLocks noChangeAspect="1" noChangeArrowheads="1"/>
+          </p:cNvSpPr>
+          <p:nvPr/>
+        </p:nvSpPr>
+        <p:spPr bwMode="auto">
+          <a:xfrm>
+            <a:off x="307975" y="7937"/>
+            <a:ext cx="304800" cy="304801"/>
+          </a:xfrm>
+          <a:prstGeom prst="rect">
+            <a:avLst/>
+          </a:prstGeom>
+          <a:noFill/>
+          <a:extLst>
+            <a:ext uri="{909E8E84-426E-40DD-AFC4-6F175D3DCCD1}">
+              <a14:hiddenFill xmlns:a14="http://schemas.microsoft.com/office/drawing/2010/main">
+                <a:solidFill>
+                  <a:srgbClr val="FFFFFF"/>
+                </a:solidFill>
+              </a14:hiddenFill>
+            </a:ext>
+          </a:extLst>
+        </p:spPr>
+        <p:txBody>
+          <a:bodyPr vert="horz" wrap="square" lIns="91440" tIns="45720" rIns="91440" bIns="45720" numCol="1" anchor="t" anchorCtr="0" compatLnSpc="1">
+            <a:prstTxWarp prst="textNoShape">
+              <a:avLst/>
+            </a:prstTxWarp>
+          </a:bodyPr>
+          <a:lstStyle/>
+          <a:p>
+            <a:endParaRPr lang="pt-BR"/>
+          </a:p>
+        </p:txBody>
+      </p:sp>
+      <p:sp>
+        <p:nvSpPr>
+          <p:cNvPr id="9" name="CaixaDeTexto 8">
+            <a:extLst>
+              <a:ext uri="{FF2B5EF4-FFF2-40B4-BE49-F238E27FC236}">
+                <a16:creationId xmlns="" xmlns:a16="http://schemas.microsoft.com/office/drawing/2014/main" id="{90B980A2-8D40-4C0A-9871-4FA9794F9C3D}"/>
+              </a:ext>
+            </a:extLst>
+          </p:cNvPr>
+          <p:cNvSpPr txBox="1"/>
+          <p:nvPr/>
+        </p:nvSpPr>
+        <p:spPr>
+          <a:xfrm>
+            <a:off x="1215284" y="160337"/>
+            <a:ext cx="10658859" cy="14865608"/>
+          </a:xfrm>
+          <a:prstGeom prst="rect">
+            <a:avLst/>
+          </a:prstGeom>
+          <a:noFill/>
+        </p:spPr>
+        <p:txBody>
+          <a:bodyPr wrap="square" rtlCol="0">
+            <a:spAutoFit/>
+          </a:bodyPr>
+          <a:lstStyle/>
+          <a:p>
+            <a:pPr algn="just"/>
+            <a:r>
+              <a:rPr lang="pt-BR" sz="2000" dirty="0" smtClean="0">
+                <a:solidFill>
+                  <a:schemeClr val="bg1"/>
+                </a:solidFill>
+              </a:rPr>
+              <a:t>Para utilizar um ícone basta pesquisar os ícones que são gratuitos e copiar a </a:t>
+            </a:r>
+            <a:r>
+              <a:rPr lang="pt-BR" sz="2000" b="1" dirty="0" smtClean="0">
+                <a:solidFill>
+                  <a:srgbClr val="FF0000"/>
+                </a:solidFill>
+              </a:rPr>
+              <a:t>tag i </a:t>
+            </a:r>
+            <a:r>
+              <a:rPr lang="pt-BR" sz="2000" dirty="0" smtClean="0">
+                <a:solidFill>
+                  <a:schemeClr val="bg1"/>
+                </a:solidFill>
+              </a:rPr>
+              <a:t>na descrição do ícone:</a:t>
+            </a:r>
+          </a:p>
+          <a:p>
+            <a:pPr algn="just"/>
+            <a:endParaRPr lang="pt-BR" sz="2000" dirty="0">
+              <a:solidFill>
+                <a:schemeClr val="bg1"/>
+              </a:solidFill>
+            </a:endParaRPr>
+          </a:p>
+          <a:p>
+            <a:pPr algn="just"/>
+            <a:endParaRPr lang="pt-BR" sz="2000" dirty="0" smtClean="0">
+              <a:solidFill>
+                <a:schemeClr val="bg1"/>
+              </a:solidFill>
+            </a:endParaRPr>
+          </a:p>
+          <a:p>
+            <a:pPr algn="just"/>
+            <a:endParaRPr lang="pt-BR" sz="2000" dirty="0">
+              <a:solidFill>
+                <a:schemeClr val="bg1"/>
+              </a:solidFill>
+            </a:endParaRPr>
+          </a:p>
+          <a:p>
+            <a:pPr algn="just"/>
+            <a:endParaRPr lang="pt-BR" sz="2000" dirty="0" smtClean="0">
+              <a:solidFill>
+                <a:schemeClr val="bg1"/>
+              </a:solidFill>
+            </a:endParaRPr>
+          </a:p>
+          <a:p>
+            <a:pPr algn="just"/>
+            <a:endParaRPr lang="pt-BR" sz="2000" dirty="0">
+              <a:solidFill>
+                <a:schemeClr val="bg1"/>
+              </a:solidFill>
+            </a:endParaRPr>
+          </a:p>
+          <a:p>
+            <a:pPr algn="just"/>
+            <a:endParaRPr lang="pt-BR" sz="2000" dirty="0" smtClean="0">
+              <a:solidFill>
+                <a:schemeClr val="bg1"/>
+              </a:solidFill>
+            </a:endParaRPr>
+          </a:p>
+          <a:p>
+            <a:pPr algn="just"/>
+            <a:endParaRPr lang="pt-BR" sz="2000" dirty="0">
+              <a:solidFill>
+                <a:schemeClr val="bg1"/>
+              </a:solidFill>
+            </a:endParaRPr>
+          </a:p>
+          <a:p>
+            <a:pPr algn="just"/>
+            <a:endParaRPr lang="pt-BR" sz="2000" dirty="0" smtClean="0">
+              <a:solidFill>
+                <a:schemeClr val="bg1"/>
+              </a:solidFill>
+            </a:endParaRPr>
+          </a:p>
+          <a:p>
+            <a:pPr algn="just"/>
+            <a:endParaRPr lang="pt-BR" sz="2000" dirty="0">
+              <a:solidFill>
+                <a:schemeClr val="bg1"/>
+              </a:solidFill>
+            </a:endParaRPr>
+          </a:p>
+          <a:p>
+            <a:pPr algn="just"/>
+            <a:endParaRPr lang="pt-BR" sz="2000" dirty="0" smtClean="0">
+              <a:solidFill>
+                <a:schemeClr val="bg1"/>
+              </a:solidFill>
+            </a:endParaRPr>
+          </a:p>
+          <a:p>
+            <a:pPr algn="just"/>
+            <a:endParaRPr lang="pt-BR" sz="2000" dirty="0">
+              <a:solidFill>
+                <a:schemeClr val="bg1"/>
+              </a:solidFill>
+            </a:endParaRPr>
+          </a:p>
+          <a:p>
+            <a:pPr algn="just"/>
+            <a:endParaRPr lang="pt-BR" sz="2000" dirty="0" smtClean="0">
+              <a:solidFill>
+                <a:schemeClr val="bg1"/>
+              </a:solidFill>
+            </a:endParaRPr>
+          </a:p>
+          <a:p>
+            <a:pPr algn="just"/>
+            <a:endParaRPr lang="pt-BR" sz="2000" dirty="0">
+              <a:solidFill>
+                <a:schemeClr val="bg1"/>
+              </a:solidFill>
+            </a:endParaRPr>
+          </a:p>
+          <a:p>
+            <a:pPr algn="just"/>
+            <a:endParaRPr lang="pt-BR" sz="2000" dirty="0" smtClean="0">
+              <a:solidFill>
+                <a:schemeClr val="bg1"/>
+              </a:solidFill>
+            </a:endParaRPr>
+          </a:p>
+          <a:p>
+            <a:pPr algn="just"/>
+            <a:endParaRPr lang="pt-BR" sz="2000" dirty="0">
+              <a:solidFill>
+                <a:schemeClr val="bg1"/>
+              </a:solidFill>
+            </a:endParaRPr>
+          </a:p>
+          <a:p>
+            <a:pPr algn="just"/>
+            <a:endParaRPr lang="pt-BR" sz="2000" dirty="0" smtClean="0">
+              <a:solidFill>
+                <a:schemeClr val="bg1"/>
+              </a:solidFill>
+            </a:endParaRPr>
+          </a:p>
+          <a:p>
+            <a:pPr algn="just"/>
+            <a:endParaRPr lang="pt-BR" sz="2000" dirty="0">
+              <a:solidFill>
+                <a:schemeClr val="bg1"/>
+              </a:solidFill>
+            </a:endParaRPr>
+          </a:p>
+          <a:p>
+            <a:pPr algn="just"/>
+            <a:endParaRPr lang="pt-BR" sz="2000" dirty="0" smtClean="0">
+              <a:solidFill>
+                <a:schemeClr val="bg1"/>
+              </a:solidFill>
+            </a:endParaRPr>
+          </a:p>
+          <a:p>
+            <a:pPr algn="just"/>
+            <a:endParaRPr lang="pt-BR" sz="2000" dirty="0">
+              <a:solidFill>
+                <a:schemeClr val="bg1"/>
+              </a:solidFill>
+            </a:endParaRPr>
+          </a:p>
+          <a:p>
+            <a:pPr algn="just"/>
+            <a:endParaRPr lang="pt-BR" sz="2000" dirty="0" smtClean="0">
+              <a:solidFill>
+                <a:schemeClr val="bg1"/>
+              </a:solidFill>
+            </a:endParaRPr>
+          </a:p>
+          <a:p>
+            <a:pPr algn="just"/>
+            <a:endParaRPr lang="pt-BR" sz="2000" dirty="0">
+              <a:solidFill>
+                <a:schemeClr val="bg1"/>
+              </a:solidFill>
+            </a:endParaRPr>
+          </a:p>
+          <a:p>
+            <a:pPr algn="just"/>
+            <a:endParaRPr lang="pt-BR" sz="2000" dirty="0" smtClean="0">
+              <a:solidFill>
+                <a:schemeClr val="bg1"/>
+              </a:solidFill>
+            </a:endParaRPr>
+          </a:p>
+          <a:p>
+            <a:pPr algn="just"/>
+            <a:endParaRPr lang="pt-BR" sz="2000" dirty="0">
+              <a:solidFill>
+                <a:schemeClr val="bg1"/>
+              </a:solidFill>
+            </a:endParaRPr>
+          </a:p>
+          <a:p>
+            <a:pPr algn="just"/>
+            <a:endParaRPr lang="pt-BR" sz="2000" dirty="0" smtClean="0">
+              <a:solidFill>
+                <a:schemeClr val="bg1"/>
+              </a:solidFill>
+            </a:endParaRPr>
+          </a:p>
+          <a:p>
+            <a:pPr algn="just"/>
+            <a:endParaRPr lang="pt-BR" sz="2000" dirty="0">
+              <a:solidFill>
+                <a:schemeClr val="bg1"/>
+              </a:solidFill>
+            </a:endParaRPr>
+          </a:p>
+          <a:p>
+            <a:pPr algn="just"/>
+            <a:endParaRPr lang="pt-BR" sz="2000" dirty="0" smtClean="0">
+              <a:solidFill>
+                <a:schemeClr val="bg1"/>
+              </a:solidFill>
+            </a:endParaRPr>
+          </a:p>
+          <a:p>
+            <a:pPr algn="just"/>
+            <a:endParaRPr lang="pt-BR" sz="2000" dirty="0">
+              <a:solidFill>
+                <a:schemeClr val="bg1"/>
+              </a:solidFill>
+            </a:endParaRPr>
+          </a:p>
+          <a:p>
+            <a:pPr algn="just"/>
+            <a:endParaRPr lang="pt-BR" sz="2000" dirty="0" smtClean="0">
+              <a:solidFill>
+                <a:schemeClr val="bg1"/>
+              </a:solidFill>
+            </a:endParaRPr>
+          </a:p>
+          <a:p>
+            <a:pPr algn="just"/>
+            <a:endParaRPr lang="pt-BR" sz="2000" dirty="0">
+              <a:solidFill>
+                <a:schemeClr val="bg1"/>
+              </a:solidFill>
+            </a:endParaRPr>
+          </a:p>
+          <a:p>
+            <a:pPr algn="just"/>
+            <a:endParaRPr lang="pt-BR" sz="2000" dirty="0" smtClean="0">
+              <a:solidFill>
+                <a:schemeClr val="bg1"/>
+              </a:solidFill>
+            </a:endParaRPr>
+          </a:p>
+          <a:p>
+            <a:pPr algn="just"/>
+            <a:endParaRPr lang="pt-BR" sz="2000" dirty="0">
+              <a:solidFill>
+                <a:schemeClr val="bg1"/>
+              </a:solidFill>
+            </a:endParaRPr>
+          </a:p>
+          <a:p>
+            <a:pPr algn="just"/>
+            <a:endParaRPr lang="pt-BR" sz="2000" dirty="0" smtClean="0">
+              <a:solidFill>
+                <a:schemeClr val="bg1"/>
+              </a:solidFill>
+            </a:endParaRPr>
+          </a:p>
+          <a:p>
+            <a:pPr algn="just"/>
+            <a:endParaRPr lang="pt-BR" sz="2000" dirty="0">
+              <a:solidFill>
+                <a:schemeClr val="bg1"/>
+              </a:solidFill>
+            </a:endParaRPr>
+          </a:p>
+          <a:p>
+            <a:pPr algn="just"/>
+            <a:endParaRPr lang="pt-BR" sz="2000" dirty="0" smtClean="0">
+              <a:solidFill>
+                <a:schemeClr val="bg1"/>
+              </a:solidFill>
+            </a:endParaRPr>
+          </a:p>
+          <a:p>
+            <a:pPr algn="just"/>
+            <a:endParaRPr lang="pt-BR" sz="2000" dirty="0" smtClean="0">
+              <a:solidFill>
+                <a:schemeClr val="bg1"/>
+              </a:solidFill>
+            </a:endParaRPr>
+          </a:p>
+          <a:p>
+            <a:pPr algn="just"/>
+            <a:endParaRPr lang="pt-BR" sz="2000" dirty="0">
+              <a:solidFill>
+                <a:schemeClr val="bg1"/>
+              </a:solidFill>
+            </a:endParaRPr>
+          </a:p>
+          <a:p>
+            <a:pPr algn="just"/>
+            <a:endParaRPr lang="pt-BR" sz="2000" dirty="0">
+              <a:solidFill>
+                <a:schemeClr val="bg1">
+                  <a:lumMod val="95000"/>
+                  <a:lumOff val="5000"/>
+                </a:schemeClr>
+              </a:solidFill>
+            </a:endParaRPr>
+          </a:p>
+          <a:p>
+            <a:pPr algn="just"/>
+            <a:endParaRPr lang="pt-BR" sz="2000" dirty="0" smtClean="0">
+              <a:solidFill>
+                <a:schemeClr val="bg1">
+                  <a:lumMod val="95000"/>
+                  <a:lumOff val="5000"/>
+                </a:schemeClr>
+              </a:solidFill>
+            </a:endParaRPr>
+          </a:p>
+          <a:p>
+            <a:pPr algn="just"/>
+            <a:endParaRPr lang="pt-BR" sz="2000" dirty="0">
+              <a:solidFill>
+                <a:schemeClr val="bg1">
+                  <a:lumMod val="95000"/>
+                  <a:lumOff val="5000"/>
+                </a:schemeClr>
+              </a:solidFill>
+            </a:endParaRPr>
+          </a:p>
+          <a:p>
+            <a:pPr algn="just"/>
+            <a:endParaRPr lang="pt-BR" sz="2000" dirty="0" smtClean="0">
+              <a:solidFill>
+                <a:schemeClr val="bg1">
+                  <a:lumMod val="95000"/>
+                  <a:lumOff val="5000"/>
+                </a:schemeClr>
+              </a:solidFill>
+            </a:endParaRPr>
+          </a:p>
+          <a:p>
+            <a:pPr algn="just"/>
+            <a:endParaRPr lang="pt-BR" sz="2000" dirty="0">
+              <a:solidFill>
+                <a:schemeClr val="bg1">
+                  <a:lumMod val="95000"/>
+                  <a:lumOff val="5000"/>
+                </a:schemeClr>
+              </a:solidFill>
+            </a:endParaRPr>
+          </a:p>
+          <a:p>
+            <a:pPr algn="just"/>
+            <a:endParaRPr lang="pt-BR" sz="2000" dirty="0">
+              <a:solidFill>
+                <a:schemeClr val="bg1">
+                  <a:lumMod val="95000"/>
+                  <a:lumOff val="5000"/>
+                </a:schemeClr>
+              </a:solidFill>
+            </a:endParaRPr>
+          </a:p>
+          <a:p>
+            <a:pPr algn="just"/>
+            <a:endParaRPr lang="pt-BR" sz="2000" dirty="0" smtClean="0">
+              <a:solidFill>
+                <a:schemeClr val="bg1">
+                  <a:lumMod val="95000"/>
+                  <a:lumOff val="5000"/>
+                </a:schemeClr>
+              </a:solidFill>
+            </a:endParaRPr>
+          </a:p>
+          <a:p>
+            <a:pPr algn="just"/>
+            <a:endParaRPr lang="pt-BR" sz="2000" dirty="0">
+              <a:solidFill>
+                <a:schemeClr val="bg1">
+                  <a:lumMod val="95000"/>
+                  <a:lumOff val="5000"/>
+                </a:schemeClr>
+              </a:solidFill>
+            </a:endParaRPr>
+          </a:p>
+          <a:p>
+            <a:pPr algn="just"/>
+            <a:endParaRPr lang="pt-BR" sz="2000" dirty="0" smtClean="0">
+              <a:solidFill>
+                <a:schemeClr val="bg1"/>
+              </a:solidFill>
+            </a:endParaRPr>
+          </a:p>
+          <a:p>
+            <a:pPr algn="just"/>
+            <a:endParaRPr lang="pt-BR" sz="2000" dirty="0" smtClean="0">
+              <a:solidFill>
+                <a:schemeClr val="bg1">
+                  <a:lumMod val="95000"/>
+                  <a:lumOff val="5000"/>
+                </a:schemeClr>
+              </a:solidFill>
+            </a:endParaRPr>
+          </a:p>
+        </p:txBody>
+      </p:sp>
+      <p:pic>
+        <p:nvPicPr>
+          <p:cNvPr id="5122" name="Picture 2"/>
+          <p:cNvPicPr>
+            <a:picLocks noChangeAspect="1" noChangeArrowheads="1"/>
+          </p:cNvPicPr>
+          <p:nvPr/>
+        </p:nvPicPr>
+        <p:blipFill rotWithShape="1">
+          <a:blip r:embed="rId2">
+            <a:extLst>
+              <a:ext uri="{28A0092B-C50C-407E-A947-70E740481C1C}">
+                <a14:useLocalDpi xmlns:a14="http://schemas.microsoft.com/office/drawing/2010/main" val="0"/>
+              </a:ext>
+            </a:extLst>
+          </a:blip>
+          <a:srcRect t="22987"/>
+          <a:stretch/>
+        </p:blipFill>
+        <p:spPr bwMode="auto">
+          <a:xfrm>
+            <a:off x="1329776" y="1151906"/>
+            <a:ext cx="10429875" cy="4731390"/>
+          </a:xfrm>
+          <a:prstGeom prst="rect">
+            <a:avLst/>
+          </a:prstGeom>
+          <a:noFill/>
+          <a:ln>
+            <a:noFill/>
+          </a:ln>
+          <a:effectLst/>
+          <a:extLst>
+            <a:ext uri="{909E8E84-426E-40DD-AFC4-6F175D3DCCD1}">
+              <a14:hiddenFill xmlns:a14="http://schemas.microsoft.com/office/drawing/2010/main">
+                <a:solidFill>
+                  <a:schemeClr val="accent1"/>
+                </a:solidFill>
+              </a14:hiddenFill>
+            </a:ext>
+            <a:ext uri="{91240B29-F687-4F45-9708-019B960494DF}">
+              <a14:hiddenLine xmlns:a14="http://schemas.microsoft.com/office/drawing/2010/main" w="9525">
+                <a:solidFill>
+                  <a:schemeClr val="tx1"/>
+                </a:solidFill>
+                <a:miter lim="800000"/>
+                <a:headEnd/>
+                <a:tailEnd/>
+              </a14:hiddenLine>
+            </a:ext>
+            <a:ext uri="{AF507438-7753-43E0-B8FC-AC1667EBCBE1}">
+              <a14:hiddenEffects xmlns:a14="http://schemas.microsoft.com/office/drawing/2010/main">
+                <a:effectLst>
+                  <a:outerShdw dist="35921" dir="2700000" algn="ctr" rotWithShape="0">
+                    <a:schemeClr val="bg2"/>
+                  </a:outerShdw>
+                </a:effectLst>
+              </a14:hiddenEffects>
+            </a:ext>
+          </a:extLst>
+        </p:spPr>
+      </p:pic>
+    </p:spTree>
+    <p:extLst>
+      <p:ext uri="{BB962C8B-B14F-4D97-AF65-F5344CB8AC3E}">
+        <p14:creationId xmlns:p14="http://schemas.microsoft.com/office/powerpoint/2010/main" val="2939625244"/>
+      </p:ext>
+    </p:extLst>
+  </p:cSld>
+  <p:clrMapOvr>
+    <a:masterClrMapping/>
+  </p:clrMapOvr>
+  <p:timing>
+    <p:tnLst>
+      <p:par>
+        <p:cTn id="1" dur="indefinite" restart="never" nodeType="tmRoot"/>
+      </p:par>
+    </p:tnLst>
+  </p:timing>
+</p:sld>
+</file>
+
+<file path=ppt/slides/slide62.xml><?xml version="1.0" encoding="utf-8"?>
+<p:sld xmlns:a="http://schemas.openxmlformats.org/drawingml/2006/main" xmlns:r="http://schemas.openxmlformats.org/officeDocument/2006/relationships" xmlns:p="http://schemas.openxmlformats.org/presentationml/2006/main">
+  <p:cSld>
+    <p:spTree>
+      <p:nvGrpSpPr>
+        <p:cNvPr id="1" name=""/>
+        <p:cNvGrpSpPr/>
+        <p:nvPr/>
+      </p:nvGrpSpPr>
+      <p:grpSpPr>
+        <a:xfrm>
+          <a:off x="0" y="0"/>
+          <a:ext cx="0" cy="0"/>
+          <a:chOff x="0" y="0"/>
+          <a:chExt cx="0" cy="0"/>
+        </a:xfrm>
+      </p:grpSpPr>
+      <p:sp>
+        <p:nvSpPr>
+          <p:cNvPr id="8" name="Retângulo 7">
+            <a:extLst>
+              <a:ext uri="{FF2B5EF4-FFF2-40B4-BE49-F238E27FC236}">
+                <a16:creationId xmlns="" xmlns:a16="http://schemas.microsoft.com/office/drawing/2014/main" id="{9B33DD69-1761-43D2-B589-CE56D2C4FBB6}"/>
+              </a:ext>
+            </a:extLst>
+          </p:cNvPr>
+          <p:cNvSpPr/>
+          <p:nvPr/>
+        </p:nvSpPr>
+        <p:spPr>
+          <a:xfrm>
+            <a:off x="892663" y="0"/>
+            <a:ext cx="11304103" cy="6858000"/>
+          </a:xfrm>
+          <a:prstGeom prst="rect">
+            <a:avLst/>
+          </a:prstGeom>
+          <a:solidFill>
+            <a:schemeClr val="tx1"/>
+          </a:solidFill>
+          <a:ln>
+            <a:solidFill>
+              <a:schemeClr val="tx1"/>
+            </a:solidFill>
+          </a:ln>
+        </p:spPr>
+        <p:style>
+          <a:lnRef idx="2">
+            <a:schemeClr val="accent1">
+              <a:shade val="50000"/>
+            </a:schemeClr>
+          </a:lnRef>
+          <a:fillRef idx="1">
+            <a:schemeClr val="accent1"/>
+          </a:fillRef>
+          <a:effectRef idx="0">
+            <a:schemeClr val="accent1"/>
+          </a:effectRef>
+          <a:fontRef idx="minor">
+            <a:schemeClr val="lt1"/>
+          </a:fontRef>
+        </p:style>
+        <p:txBody>
+          <a:bodyPr rtlCol="0" anchor="ctr"/>
+          <a:lstStyle/>
+          <a:p>
+            <a:pPr algn="ctr"/>
+            <a:endParaRPr lang="pt-BR" sz="2000" dirty="0">
+              <a:solidFill>
+                <a:schemeClr val="bg1"/>
+              </a:solidFill>
+            </a:endParaRPr>
+          </a:p>
+        </p:txBody>
+      </p:sp>
+      <p:sp>
+        <p:nvSpPr>
+          <p:cNvPr id="3" name="AutoShape 2" descr="Download Visual Studio Code - Mac, Linux, Windows"/>
+          <p:cNvSpPr>
+            <a:spLocks noChangeAspect="1" noChangeArrowheads="1"/>
+          </p:cNvSpPr>
+          <p:nvPr/>
+        </p:nvSpPr>
+        <p:spPr bwMode="auto">
+          <a:xfrm>
+            <a:off x="155575" y="-144463"/>
+            <a:ext cx="304800" cy="304801"/>
+          </a:xfrm>
+          <a:prstGeom prst="rect">
+            <a:avLst/>
+          </a:prstGeom>
+          <a:noFill/>
+          <a:extLst>
+            <a:ext uri="{909E8E84-426E-40DD-AFC4-6F175D3DCCD1}">
+              <a14:hiddenFill xmlns:a14="http://schemas.microsoft.com/office/drawing/2010/main">
+                <a:solidFill>
+                  <a:srgbClr val="FFFFFF"/>
+                </a:solidFill>
+              </a14:hiddenFill>
+            </a:ext>
+          </a:extLst>
+        </p:spPr>
+        <p:txBody>
+          <a:bodyPr vert="horz" wrap="square" lIns="91440" tIns="45720" rIns="91440" bIns="45720" numCol="1" anchor="t" anchorCtr="0" compatLnSpc="1">
+            <a:prstTxWarp prst="textNoShape">
+              <a:avLst/>
+            </a:prstTxWarp>
+          </a:bodyPr>
+          <a:lstStyle/>
+          <a:p>
+            <a:endParaRPr lang="pt-BR"/>
+          </a:p>
+        </p:txBody>
+      </p:sp>
+      <p:sp>
+        <p:nvSpPr>
+          <p:cNvPr id="4" name="AutoShape 4" descr="Download Visual Studio Code - Mac, Linux, Windows"/>
+          <p:cNvSpPr>
+            <a:spLocks noChangeAspect="1" noChangeArrowheads="1"/>
+          </p:cNvSpPr>
+          <p:nvPr/>
+        </p:nvSpPr>
+        <p:spPr bwMode="auto">
+          <a:xfrm>
+            <a:off x="307975" y="7937"/>
+            <a:ext cx="304800" cy="304801"/>
+          </a:xfrm>
+          <a:prstGeom prst="rect">
+            <a:avLst/>
+          </a:prstGeom>
+          <a:noFill/>
+          <a:extLst>
+            <a:ext uri="{909E8E84-426E-40DD-AFC4-6F175D3DCCD1}">
+              <a14:hiddenFill xmlns:a14="http://schemas.microsoft.com/office/drawing/2010/main">
+                <a:solidFill>
+                  <a:srgbClr val="FFFFFF"/>
+                </a:solidFill>
+              </a14:hiddenFill>
+            </a:ext>
+          </a:extLst>
+        </p:spPr>
+        <p:txBody>
+          <a:bodyPr vert="horz" wrap="square" lIns="91440" tIns="45720" rIns="91440" bIns="45720" numCol="1" anchor="t" anchorCtr="0" compatLnSpc="1">
+            <a:prstTxWarp prst="textNoShape">
+              <a:avLst/>
+            </a:prstTxWarp>
+          </a:bodyPr>
+          <a:lstStyle/>
+          <a:p>
+            <a:endParaRPr lang="pt-BR"/>
+          </a:p>
+        </p:txBody>
+      </p:sp>
+      <p:sp>
+        <p:nvSpPr>
+          <p:cNvPr id="9" name="CaixaDeTexto 8">
+            <a:extLst>
+              <a:ext uri="{FF2B5EF4-FFF2-40B4-BE49-F238E27FC236}">
+                <a16:creationId xmlns="" xmlns:a16="http://schemas.microsoft.com/office/drawing/2014/main" id="{90B980A2-8D40-4C0A-9871-4FA9794F9C3D}"/>
+              </a:ext>
+            </a:extLst>
+          </p:cNvPr>
+          <p:cNvSpPr txBox="1"/>
+          <p:nvPr/>
+        </p:nvSpPr>
+        <p:spPr>
+          <a:xfrm>
+            <a:off x="1215284" y="160337"/>
+            <a:ext cx="10658859" cy="14865608"/>
+          </a:xfrm>
+          <a:prstGeom prst="rect">
+            <a:avLst/>
+          </a:prstGeom>
+          <a:noFill/>
+        </p:spPr>
+        <p:txBody>
+          <a:bodyPr wrap="square" rtlCol="0">
+            <a:spAutoFit/>
+          </a:bodyPr>
+          <a:lstStyle/>
+          <a:p>
+            <a:pPr algn="just"/>
+            <a:r>
+              <a:rPr lang="pt-BR" sz="2000" dirty="0" smtClean="0">
+                <a:solidFill>
+                  <a:schemeClr val="bg1"/>
+                </a:solidFill>
+              </a:rPr>
+              <a:t>Veja resultado com o </a:t>
+            </a:r>
+            <a:r>
+              <a:rPr lang="pt-BR" sz="2000" dirty="0" smtClean="0">
+                <a:solidFill>
+                  <a:srgbClr val="FF0000"/>
+                </a:solidFill>
+              </a:rPr>
+              <a:t>Font Awesome</a:t>
+            </a:r>
+            <a:r>
+              <a:rPr lang="pt-BR" sz="2000" dirty="0" smtClean="0">
+                <a:solidFill>
+                  <a:schemeClr val="bg1"/>
+                </a:solidFill>
+              </a:rPr>
+              <a:t>:</a:t>
+            </a:r>
+          </a:p>
+          <a:p>
+            <a:pPr algn="just"/>
+            <a:endParaRPr lang="pt-BR" sz="2000" dirty="0">
+              <a:solidFill>
+                <a:schemeClr val="bg1"/>
+              </a:solidFill>
+            </a:endParaRPr>
+          </a:p>
+          <a:p>
+            <a:pPr algn="just"/>
+            <a:endParaRPr lang="pt-BR" sz="2000" dirty="0" smtClean="0">
+              <a:solidFill>
+                <a:schemeClr val="bg1"/>
+              </a:solidFill>
+            </a:endParaRPr>
+          </a:p>
+          <a:p>
+            <a:pPr algn="just"/>
+            <a:endParaRPr lang="pt-BR" sz="2000" dirty="0">
+              <a:solidFill>
+                <a:schemeClr val="bg1"/>
+              </a:solidFill>
+            </a:endParaRPr>
+          </a:p>
+          <a:p>
+            <a:pPr algn="just"/>
+            <a:endParaRPr lang="pt-BR" sz="2000" dirty="0" smtClean="0">
+              <a:solidFill>
+                <a:schemeClr val="bg1"/>
+              </a:solidFill>
+            </a:endParaRPr>
+          </a:p>
+          <a:p>
+            <a:pPr algn="just"/>
+            <a:endParaRPr lang="pt-BR" sz="2000" dirty="0">
+              <a:solidFill>
+                <a:schemeClr val="bg1"/>
+              </a:solidFill>
+            </a:endParaRPr>
+          </a:p>
+          <a:p>
+            <a:pPr algn="just"/>
+            <a:endParaRPr lang="pt-BR" sz="2000" dirty="0" smtClean="0">
+              <a:solidFill>
+                <a:schemeClr val="bg1"/>
+              </a:solidFill>
+            </a:endParaRPr>
+          </a:p>
+          <a:p>
+            <a:pPr algn="just"/>
+            <a:endParaRPr lang="pt-BR" sz="2000" dirty="0">
+              <a:solidFill>
+                <a:schemeClr val="bg1"/>
+              </a:solidFill>
+            </a:endParaRPr>
+          </a:p>
+          <a:p>
+            <a:pPr algn="just"/>
+            <a:endParaRPr lang="pt-BR" sz="2000" dirty="0" smtClean="0">
+              <a:solidFill>
+                <a:schemeClr val="bg1"/>
+              </a:solidFill>
+            </a:endParaRPr>
+          </a:p>
+          <a:p>
+            <a:pPr algn="just"/>
+            <a:endParaRPr lang="pt-BR" sz="2000" dirty="0">
+              <a:solidFill>
+                <a:schemeClr val="bg1"/>
+              </a:solidFill>
+            </a:endParaRPr>
+          </a:p>
+          <a:p>
+            <a:pPr algn="just"/>
+            <a:endParaRPr lang="pt-BR" sz="2000" dirty="0" smtClean="0">
+              <a:solidFill>
+                <a:schemeClr val="bg1"/>
+              </a:solidFill>
+            </a:endParaRPr>
+          </a:p>
+          <a:p>
+            <a:pPr algn="just"/>
+            <a:endParaRPr lang="pt-BR" sz="2000" dirty="0">
+              <a:solidFill>
+                <a:schemeClr val="bg1"/>
+              </a:solidFill>
+            </a:endParaRPr>
+          </a:p>
+          <a:p>
+            <a:pPr algn="just"/>
+            <a:endParaRPr lang="pt-BR" sz="2000" dirty="0" smtClean="0">
+              <a:solidFill>
+                <a:schemeClr val="bg1"/>
+              </a:solidFill>
+            </a:endParaRPr>
+          </a:p>
+          <a:p>
+            <a:pPr algn="just"/>
+            <a:endParaRPr lang="pt-BR" sz="2000" dirty="0">
+              <a:solidFill>
+                <a:schemeClr val="bg1"/>
+              </a:solidFill>
+            </a:endParaRPr>
+          </a:p>
+          <a:p>
+            <a:pPr algn="just"/>
+            <a:endParaRPr lang="pt-BR" sz="2000" dirty="0" smtClean="0">
+              <a:solidFill>
+                <a:schemeClr val="bg1"/>
+              </a:solidFill>
+            </a:endParaRPr>
+          </a:p>
+          <a:p>
+            <a:pPr algn="just"/>
+            <a:endParaRPr lang="pt-BR" sz="2000" dirty="0">
+              <a:solidFill>
+                <a:schemeClr val="bg1"/>
+              </a:solidFill>
+            </a:endParaRPr>
+          </a:p>
+          <a:p>
+            <a:pPr algn="just"/>
+            <a:endParaRPr lang="pt-BR" sz="2000" dirty="0" smtClean="0">
+              <a:solidFill>
+                <a:schemeClr val="bg1"/>
+              </a:solidFill>
+            </a:endParaRPr>
+          </a:p>
+          <a:p>
+            <a:pPr algn="just"/>
+            <a:endParaRPr lang="pt-BR" sz="2000" dirty="0">
+              <a:solidFill>
+                <a:schemeClr val="bg1"/>
+              </a:solidFill>
+            </a:endParaRPr>
+          </a:p>
+          <a:p>
+            <a:pPr algn="just"/>
+            <a:endParaRPr lang="pt-BR" sz="2000" dirty="0" smtClean="0">
+              <a:solidFill>
+                <a:schemeClr val="bg1"/>
+              </a:solidFill>
+            </a:endParaRPr>
+          </a:p>
+          <a:p>
+            <a:pPr algn="just"/>
+            <a:endParaRPr lang="pt-BR" sz="2000" dirty="0">
+              <a:solidFill>
+                <a:schemeClr val="bg1"/>
+              </a:solidFill>
+            </a:endParaRPr>
+          </a:p>
+          <a:p>
+            <a:pPr algn="just"/>
+            <a:endParaRPr lang="pt-BR" sz="2000" dirty="0" smtClean="0">
+              <a:solidFill>
+                <a:schemeClr val="bg1"/>
+              </a:solidFill>
+            </a:endParaRPr>
+          </a:p>
+          <a:p>
+            <a:pPr algn="just"/>
+            <a:endParaRPr lang="pt-BR" sz="2000" dirty="0">
+              <a:solidFill>
+                <a:schemeClr val="bg1"/>
+              </a:solidFill>
+            </a:endParaRPr>
+          </a:p>
+          <a:p>
+            <a:pPr algn="just"/>
+            <a:endParaRPr lang="pt-BR" sz="2000" dirty="0" smtClean="0">
+              <a:solidFill>
+                <a:schemeClr val="bg1"/>
+              </a:solidFill>
+            </a:endParaRPr>
+          </a:p>
+          <a:p>
+            <a:pPr algn="just"/>
+            <a:endParaRPr lang="pt-BR" sz="2000" dirty="0">
+              <a:solidFill>
+                <a:schemeClr val="bg1"/>
+              </a:solidFill>
+            </a:endParaRPr>
+          </a:p>
+          <a:p>
+            <a:pPr algn="just"/>
+            <a:endParaRPr lang="pt-BR" sz="2000" dirty="0" smtClean="0">
+              <a:solidFill>
+                <a:schemeClr val="bg1"/>
+              </a:solidFill>
+            </a:endParaRPr>
+          </a:p>
+          <a:p>
+            <a:pPr algn="just"/>
+            <a:endParaRPr lang="pt-BR" sz="2000" dirty="0">
+              <a:solidFill>
+                <a:schemeClr val="bg1"/>
+              </a:solidFill>
+            </a:endParaRPr>
+          </a:p>
+          <a:p>
+            <a:pPr algn="just"/>
+            <a:endParaRPr lang="pt-BR" sz="2000" dirty="0" smtClean="0">
+              <a:solidFill>
+                <a:schemeClr val="bg1"/>
+              </a:solidFill>
+            </a:endParaRPr>
+          </a:p>
+          <a:p>
+            <a:pPr algn="just"/>
+            <a:endParaRPr lang="pt-BR" sz="2000" dirty="0">
+              <a:solidFill>
+                <a:schemeClr val="bg1"/>
+              </a:solidFill>
+            </a:endParaRPr>
+          </a:p>
+          <a:p>
+            <a:pPr algn="just"/>
+            <a:endParaRPr lang="pt-BR" sz="2000" dirty="0" smtClean="0">
+              <a:solidFill>
+                <a:schemeClr val="bg1"/>
+              </a:solidFill>
+            </a:endParaRPr>
+          </a:p>
+          <a:p>
+            <a:pPr algn="just"/>
+            <a:endParaRPr lang="pt-BR" sz="2000" dirty="0">
+              <a:solidFill>
+                <a:schemeClr val="bg1"/>
+              </a:solidFill>
+            </a:endParaRPr>
+          </a:p>
+          <a:p>
+            <a:pPr algn="just"/>
+            <a:endParaRPr lang="pt-BR" sz="2000" dirty="0" smtClean="0">
+              <a:solidFill>
+                <a:schemeClr val="bg1"/>
+              </a:solidFill>
+            </a:endParaRPr>
+          </a:p>
+          <a:p>
+            <a:pPr algn="just"/>
+            <a:endParaRPr lang="pt-BR" sz="2000" dirty="0">
+              <a:solidFill>
+                <a:schemeClr val="bg1"/>
+              </a:solidFill>
+            </a:endParaRPr>
+          </a:p>
+          <a:p>
+            <a:pPr algn="just"/>
+            <a:endParaRPr lang="pt-BR" sz="2000" dirty="0" smtClean="0">
+              <a:solidFill>
+                <a:schemeClr val="bg1"/>
+              </a:solidFill>
+            </a:endParaRPr>
+          </a:p>
+          <a:p>
+            <a:pPr algn="just"/>
+            <a:endParaRPr lang="pt-BR" sz="2000" dirty="0">
+              <a:solidFill>
+                <a:schemeClr val="bg1"/>
+              </a:solidFill>
+            </a:endParaRPr>
+          </a:p>
+          <a:p>
+            <a:pPr algn="just"/>
+            <a:endParaRPr lang="pt-BR" sz="2000" dirty="0" smtClean="0">
+              <a:solidFill>
+                <a:schemeClr val="bg1"/>
+              </a:solidFill>
+            </a:endParaRPr>
+          </a:p>
+          <a:p>
+            <a:pPr algn="just"/>
+            <a:endParaRPr lang="pt-BR" sz="2000" dirty="0" smtClean="0">
+              <a:solidFill>
+                <a:schemeClr val="bg1"/>
+              </a:solidFill>
+            </a:endParaRPr>
+          </a:p>
+          <a:p>
+            <a:pPr algn="just"/>
+            <a:endParaRPr lang="pt-BR" sz="2000" dirty="0">
+              <a:solidFill>
+                <a:schemeClr val="bg1"/>
+              </a:solidFill>
+            </a:endParaRPr>
+          </a:p>
+          <a:p>
+            <a:pPr algn="just"/>
+            <a:endParaRPr lang="pt-BR" sz="2000" dirty="0">
+              <a:solidFill>
+                <a:schemeClr val="bg1">
+                  <a:lumMod val="95000"/>
+                  <a:lumOff val="5000"/>
+                </a:schemeClr>
+              </a:solidFill>
+            </a:endParaRPr>
+          </a:p>
+          <a:p>
+            <a:pPr algn="just"/>
+            <a:endParaRPr lang="pt-BR" sz="2000" dirty="0" smtClean="0">
+              <a:solidFill>
+                <a:schemeClr val="bg1">
+                  <a:lumMod val="95000"/>
+                  <a:lumOff val="5000"/>
+                </a:schemeClr>
+              </a:solidFill>
+            </a:endParaRPr>
+          </a:p>
+          <a:p>
+            <a:pPr algn="just"/>
+            <a:endParaRPr lang="pt-BR" sz="2000" dirty="0">
+              <a:solidFill>
+                <a:schemeClr val="bg1">
+                  <a:lumMod val="95000"/>
+                  <a:lumOff val="5000"/>
+                </a:schemeClr>
+              </a:solidFill>
+            </a:endParaRPr>
+          </a:p>
+          <a:p>
+            <a:pPr algn="just"/>
+            <a:endParaRPr lang="pt-BR" sz="2000" dirty="0" smtClean="0">
+              <a:solidFill>
+                <a:schemeClr val="bg1">
+                  <a:lumMod val="95000"/>
+                  <a:lumOff val="5000"/>
+                </a:schemeClr>
+              </a:solidFill>
+            </a:endParaRPr>
+          </a:p>
+          <a:p>
+            <a:pPr algn="just"/>
+            <a:endParaRPr lang="pt-BR" sz="2000" dirty="0">
+              <a:solidFill>
+                <a:schemeClr val="bg1">
+                  <a:lumMod val="95000"/>
+                  <a:lumOff val="5000"/>
+                </a:schemeClr>
+              </a:solidFill>
+            </a:endParaRPr>
+          </a:p>
+          <a:p>
+            <a:pPr algn="just"/>
+            <a:endParaRPr lang="pt-BR" sz="2000" dirty="0">
+              <a:solidFill>
+                <a:schemeClr val="bg1">
+                  <a:lumMod val="95000"/>
+                  <a:lumOff val="5000"/>
+                </a:schemeClr>
+              </a:solidFill>
+            </a:endParaRPr>
+          </a:p>
+          <a:p>
+            <a:pPr algn="just"/>
+            <a:endParaRPr lang="pt-BR" sz="2000" dirty="0" smtClean="0">
+              <a:solidFill>
+                <a:schemeClr val="bg1">
+                  <a:lumMod val="95000"/>
+                  <a:lumOff val="5000"/>
+                </a:schemeClr>
+              </a:solidFill>
+            </a:endParaRPr>
+          </a:p>
+          <a:p>
+            <a:pPr algn="just"/>
+            <a:endParaRPr lang="pt-BR" sz="2000" dirty="0">
+              <a:solidFill>
+                <a:schemeClr val="bg1">
+                  <a:lumMod val="95000"/>
+                  <a:lumOff val="5000"/>
+                </a:schemeClr>
+              </a:solidFill>
+            </a:endParaRPr>
+          </a:p>
+          <a:p>
+            <a:pPr algn="just"/>
+            <a:endParaRPr lang="pt-BR" sz="2000" dirty="0" smtClean="0">
+              <a:solidFill>
+                <a:schemeClr val="bg1"/>
+              </a:solidFill>
+            </a:endParaRPr>
+          </a:p>
+          <a:p>
+            <a:pPr algn="just"/>
+            <a:endParaRPr lang="pt-BR" sz="2000" dirty="0" smtClean="0">
+              <a:solidFill>
+                <a:schemeClr val="bg1">
+                  <a:lumMod val="95000"/>
+                  <a:lumOff val="5000"/>
+                </a:schemeClr>
+              </a:solidFill>
+            </a:endParaRPr>
+          </a:p>
+        </p:txBody>
+      </p:sp>
+      <p:pic>
+        <p:nvPicPr>
+          <p:cNvPr id="6146" name="Picture 2"/>
+          <p:cNvPicPr>
+            <a:picLocks noChangeAspect="1" noChangeArrowheads="1"/>
+          </p:cNvPicPr>
+          <p:nvPr/>
+        </p:nvPicPr>
+        <p:blipFill>
+          <a:blip r:embed="rId2">
+            <a:extLst>
+              <a:ext uri="{28A0092B-C50C-407E-A947-70E740481C1C}">
+                <a14:useLocalDpi xmlns:a14="http://schemas.microsoft.com/office/drawing/2010/main" val="0"/>
+              </a:ext>
+            </a:extLst>
+          </a:blip>
+          <a:srcRect/>
+          <a:stretch>
+            <a:fillRect/>
+          </a:stretch>
+        </p:blipFill>
+        <p:spPr bwMode="auto">
+          <a:xfrm>
+            <a:off x="1747681" y="751191"/>
+            <a:ext cx="9594064" cy="5818160"/>
+          </a:xfrm>
+          <a:prstGeom prst="rect">
+            <a:avLst/>
+          </a:prstGeom>
+          <a:noFill/>
+          <a:ln>
+            <a:noFill/>
+          </a:ln>
+          <a:effectLst/>
+          <a:extLst>
+            <a:ext uri="{909E8E84-426E-40DD-AFC4-6F175D3DCCD1}">
+              <a14:hiddenFill xmlns:a14="http://schemas.microsoft.com/office/drawing/2010/main">
+                <a:solidFill>
+                  <a:schemeClr val="accent1"/>
+                </a:solidFill>
+              </a14:hiddenFill>
+            </a:ext>
+            <a:ext uri="{91240B29-F687-4F45-9708-019B960494DF}">
+              <a14:hiddenLine xmlns:a14="http://schemas.microsoft.com/office/drawing/2010/main" w="9525">
+                <a:solidFill>
+                  <a:schemeClr val="tx1"/>
+                </a:solidFill>
+                <a:miter lim="800000"/>
+                <a:headEnd/>
+                <a:tailEnd/>
+              </a14:hiddenLine>
+            </a:ext>
+            <a:ext uri="{AF507438-7753-43E0-B8FC-AC1667EBCBE1}">
+              <a14:hiddenEffects xmlns:a14="http://schemas.microsoft.com/office/drawing/2010/main">
+                <a:effectLst>
+                  <a:outerShdw dist="35921" dir="2700000" algn="ctr" rotWithShape="0">
+                    <a:schemeClr val="bg2"/>
+                  </a:outerShdw>
+                </a:effectLst>
+              </a14:hiddenEffects>
+            </a:ext>
+          </a:extLst>
+        </p:spPr>
+      </p:pic>
+    </p:spTree>
+    <p:extLst>
+      <p:ext uri="{BB962C8B-B14F-4D97-AF65-F5344CB8AC3E}">
+        <p14:creationId xmlns:p14="http://schemas.microsoft.com/office/powerpoint/2010/main" val="2265884825"/>
+      </p:ext>
+    </p:extLst>
+  </p:cSld>
+  <p:clrMapOvr>
+    <a:masterClrMapping/>
+  </p:clrMapOvr>
+  <p:timing>
+    <p:tnLst>
+      <p:par>
+        <p:cTn id="1" dur="indefinite" restart="never" nodeType="tmRoot"/>
+      </p:par>
+    </p:tnLst>
+  </p:timing>
+</p:sld>
+</file>
+
+<file path=ppt/slides/slide63.xml><?xml version="1.0" encoding="utf-8"?>
+<p:sld xmlns:a="http://schemas.openxmlformats.org/drawingml/2006/main" xmlns:r="http://schemas.openxmlformats.org/officeDocument/2006/relationships" xmlns:p="http://schemas.openxmlformats.org/presentationml/2006/main">
+  <p:cSld>
+    <p:spTree>
+      <p:nvGrpSpPr>
+        <p:cNvPr id="1" name=""/>
+        <p:cNvGrpSpPr/>
+        <p:nvPr/>
+      </p:nvGrpSpPr>
+      <p:grpSpPr>
+        <a:xfrm>
+          <a:off x="0" y="0"/>
+          <a:ext cx="0" cy="0"/>
+          <a:chOff x="0" y="0"/>
+          <a:chExt cx="0" cy="0"/>
+        </a:xfrm>
+      </p:grpSpPr>
+      <p:sp>
+        <p:nvSpPr>
+          <p:cNvPr id="2" name="Título 1">
+            <a:extLst>
+              <a:ext uri="{FF2B5EF4-FFF2-40B4-BE49-F238E27FC236}">
+                <a16:creationId xmlns="" xmlns:a16="http://schemas.microsoft.com/office/drawing/2014/main" id="{14AB9F69-8D24-468C-93DF-A1666924EB0C}"/>
+              </a:ext>
+            </a:extLst>
+          </p:cNvPr>
+          <p:cNvSpPr>
+            <a:spLocks noGrp="1"/>
+          </p:cNvSpPr>
+          <p:nvPr>
+            <p:ph type="ctrTitle"/>
+          </p:nvPr>
+        </p:nvSpPr>
+        <p:spPr/>
+        <p:txBody>
+          <a:bodyPr>
+            <a:normAutofit/>
+          </a:bodyPr>
+          <a:lstStyle/>
+          <a:p>
+            <a:r>
+              <a:rPr lang="pt-BR" sz="4400" dirty="0" smtClean="0"/>
+              <a:t>Exercício</a:t>
+            </a:r>
+            <a:endParaRPr lang="pt-BR" sz="4400" dirty="0"/>
+          </a:p>
+        </p:txBody>
+      </p:sp>
+      <p:sp>
+        <p:nvSpPr>
+          <p:cNvPr id="3" name="Subtítulo 2">
+            <a:extLst>
+              <a:ext uri="{FF2B5EF4-FFF2-40B4-BE49-F238E27FC236}">
+                <a16:creationId xmlns="" xmlns:a16="http://schemas.microsoft.com/office/drawing/2014/main" id="{0E4BFB9B-D461-4F8E-B2A0-819D63FA7EC4}"/>
+              </a:ext>
+            </a:extLst>
+          </p:cNvPr>
+          <p:cNvSpPr>
+            <a:spLocks noGrp="1"/>
+          </p:cNvSpPr>
+          <p:nvPr>
+            <p:ph type="subTitle" idx="1"/>
+          </p:nvPr>
+        </p:nvSpPr>
+        <p:spPr>
+          <a:xfrm>
+            <a:off x="1876424" y="3547166"/>
+            <a:ext cx="8791575" cy="1655762"/>
+          </a:xfrm>
+        </p:spPr>
+        <p:txBody>
+          <a:bodyPr/>
+          <a:lstStyle/>
+          <a:p>
+            <a:r>
+              <a:rPr lang="pt-BR" dirty="0" smtClean="0"/>
+              <a:t>HTML + CSS</a:t>
+            </a:r>
+            <a:endParaRPr lang="pt-BR" dirty="0"/>
+          </a:p>
+        </p:txBody>
+      </p:sp>
+    </p:spTree>
+    <p:extLst>
+      <p:ext uri="{BB962C8B-B14F-4D97-AF65-F5344CB8AC3E}">
+        <p14:creationId xmlns:p14="http://schemas.microsoft.com/office/powerpoint/2010/main" val="2034583763"/>
+      </p:ext>
+    </p:extLst>
+  </p:cSld>
+  <p:clrMapOvr>
+    <a:masterClrMapping/>
+  </p:clrMapOvr>
+  <p:timing>
+    <p:tnLst>
+      <p:par>
+        <p:cTn id="1" dur="indefinite" restart="never" nodeType="tmRoot"/>
+      </p:par>
+    </p:tnLst>
+  </p:timing>
+</p:sld>
+</file>
+
+<file path=ppt/slides/slide64.xml><?xml version="1.0" encoding="utf-8"?>
+<p:sld xmlns:a="http://schemas.openxmlformats.org/drawingml/2006/main" xmlns:r="http://schemas.openxmlformats.org/officeDocument/2006/relationships" xmlns:p="http://schemas.openxmlformats.org/presentationml/2006/main">
+  <p:cSld>
+    <p:spTree>
+      <p:nvGrpSpPr>
+        <p:cNvPr id="1" name=""/>
+        <p:cNvGrpSpPr/>
+        <p:nvPr/>
+      </p:nvGrpSpPr>
+      <p:grpSpPr>
+        <a:xfrm>
+          <a:off x="0" y="0"/>
+          <a:ext cx="0" cy="0"/>
+          <a:chOff x="0" y="0"/>
+          <a:chExt cx="0" cy="0"/>
+        </a:xfrm>
+      </p:grpSpPr>
+      <p:sp>
+        <p:nvSpPr>
+          <p:cNvPr id="8" name="Retângulo 7">
+            <a:extLst>
+              <a:ext uri="{FF2B5EF4-FFF2-40B4-BE49-F238E27FC236}">
+                <a16:creationId xmlns="" xmlns:a16="http://schemas.microsoft.com/office/drawing/2014/main" id="{9B33DD69-1761-43D2-B589-CE56D2C4FBB6}"/>
+              </a:ext>
+            </a:extLst>
+          </p:cNvPr>
+          <p:cNvSpPr/>
+          <p:nvPr/>
+        </p:nvSpPr>
+        <p:spPr>
+          <a:xfrm>
+            <a:off x="892663" y="0"/>
+            <a:ext cx="11304103" cy="6858000"/>
+          </a:xfrm>
+          <a:prstGeom prst="rect">
+            <a:avLst/>
+          </a:prstGeom>
+          <a:solidFill>
+            <a:schemeClr val="tx1"/>
+          </a:solidFill>
+          <a:ln>
+            <a:solidFill>
+              <a:schemeClr val="tx1"/>
+            </a:solidFill>
+          </a:ln>
+        </p:spPr>
+        <p:style>
+          <a:lnRef idx="2">
+            <a:schemeClr val="accent1">
+              <a:shade val="50000"/>
+            </a:schemeClr>
+          </a:lnRef>
+          <a:fillRef idx="1">
+            <a:schemeClr val="accent1"/>
+          </a:fillRef>
+          <a:effectRef idx="0">
+            <a:schemeClr val="accent1"/>
+          </a:effectRef>
+          <a:fontRef idx="minor">
+            <a:schemeClr val="lt1"/>
+          </a:fontRef>
+        </p:style>
+        <p:txBody>
+          <a:bodyPr rtlCol="0" anchor="ctr"/>
+          <a:lstStyle/>
+          <a:p>
+            <a:pPr algn="ctr"/>
+            <a:endParaRPr lang="pt-BR" sz="2000" dirty="0">
+              <a:solidFill>
+                <a:schemeClr val="bg1"/>
+              </a:solidFill>
+            </a:endParaRPr>
+          </a:p>
+        </p:txBody>
+      </p:sp>
+      <p:sp>
+        <p:nvSpPr>
+          <p:cNvPr id="3" name="AutoShape 2" descr="Download Visual Studio Code - Mac, Linux, Windows"/>
+          <p:cNvSpPr>
+            <a:spLocks noChangeAspect="1" noChangeArrowheads="1"/>
+          </p:cNvSpPr>
+          <p:nvPr/>
+        </p:nvSpPr>
+        <p:spPr bwMode="auto">
+          <a:xfrm>
+            <a:off x="155575" y="-144463"/>
+            <a:ext cx="304800" cy="304801"/>
+          </a:xfrm>
+          <a:prstGeom prst="rect">
+            <a:avLst/>
+          </a:prstGeom>
+          <a:noFill/>
+          <a:extLst>
+            <a:ext uri="{909E8E84-426E-40DD-AFC4-6F175D3DCCD1}">
+              <a14:hiddenFill xmlns:a14="http://schemas.microsoft.com/office/drawing/2010/main">
+                <a:solidFill>
+                  <a:srgbClr val="FFFFFF"/>
+                </a:solidFill>
+              </a14:hiddenFill>
+            </a:ext>
+          </a:extLst>
+        </p:spPr>
+        <p:txBody>
+          <a:bodyPr vert="horz" wrap="square" lIns="91440" tIns="45720" rIns="91440" bIns="45720" numCol="1" anchor="t" anchorCtr="0" compatLnSpc="1">
+            <a:prstTxWarp prst="textNoShape">
+              <a:avLst/>
+            </a:prstTxWarp>
+          </a:bodyPr>
+          <a:lstStyle/>
+          <a:p>
+            <a:endParaRPr lang="pt-BR"/>
+          </a:p>
+        </p:txBody>
+      </p:sp>
+      <p:sp>
+        <p:nvSpPr>
+          <p:cNvPr id="4" name="AutoShape 4" descr="Download Visual Studio Code - Mac, Linux, Windows"/>
+          <p:cNvSpPr>
+            <a:spLocks noChangeAspect="1" noChangeArrowheads="1"/>
+          </p:cNvSpPr>
+          <p:nvPr/>
+        </p:nvSpPr>
+        <p:spPr bwMode="auto">
+          <a:xfrm>
+            <a:off x="307975" y="7937"/>
+            <a:ext cx="304800" cy="304801"/>
+          </a:xfrm>
+          <a:prstGeom prst="rect">
+            <a:avLst/>
+          </a:prstGeom>
+          <a:noFill/>
+          <a:extLst>
+            <a:ext uri="{909E8E84-426E-40DD-AFC4-6F175D3DCCD1}">
+              <a14:hiddenFill xmlns:a14="http://schemas.microsoft.com/office/drawing/2010/main">
+                <a:solidFill>
+                  <a:srgbClr val="FFFFFF"/>
+                </a:solidFill>
+              </a14:hiddenFill>
+            </a:ext>
+          </a:extLst>
+        </p:spPr>
+        <p:txBody>
+          <a:bodyPr vert="horz" wrap="square" lIns="91440" tIns="45720" rIns="91440" bIns="45720" numCol="1" anchor="t" anchorCtr="0" compatLnSpc="1">
+            <a:prstTxWarp prst="textNoShape">
+              <a:avLst/>
+            </a:prstTxWarp>
+          </a:bodyPr>
+          <a:lstStyle/>
+          <a:p>
+            <a:endParaRPr lang="pt-BR"/>
+          </a:p>
+        </p:txBody>
+      </p:sp>
+      <p:sp>
+        <p:nvSpPr>
+          <p:cNvPr id="9" name="CaixaDeTexto 8">
+            <a:extLst>
+              <a:ext uri="{FF2B5EF4-FFF2-40B4-BE49-F238E27FC236}">
+                <a16:creationId xmlns="" xmlns:a16="http://schemas.microsoft.com/office/drawing/2014/main" id="{90B980A2-8D40-4C0A-9871-4FA9794F9C3D}"/>
+              </a:ext>
+            </a:extLst>
+          </p:cNvPr>
+          <p:cNvSpPr txBox="1"/>
+          <p:nvPr/>
+        </p:nvSpPr>
+        <p:spPr>
+          <a:xfrm>
+            <a:off x="1215284" y="160337"/>
+            <a:ext cx="10658859" cy="13634502"/>
+          </a:xfrm>
+          <a:prstGeom prst="rect">
+            <a:avLst/>
+          </a:prstGeom>
+          <a:noFill/>
+        </p:spPr>
+        <p:txBody>
+          <a:bodyPr wrap="square" rtlCol="0">
+            <a:spAutoFit/>
+          </a:bodyPr>
+          <a:lstStyle/>
+          <a:p>
+            <a:pPr algn="just"/>
+            <a:r>
+              <a:rPr lang="pt-BR" sz="2000" dirty="0" smtClean="0">
+                <a:solidFill>
+                  <a:schemeClr val="bg1">
+                    <a:lumMod val="95000"/>
+                    <a:lumOff val="5000"/>
+                  </a:schemeClr>
+                </a:solidFill>
+              </a:rPr>
+              <a:t>Utilizando o que já aprendemos, monte uma página em </a:t>
+            </a:r>
+            <a:r>
+              <a:rPr lang="pt-BR" sz="2000" dirty="0" smtClean="0">
+                <a:solidFill>
+                  <a:srgbClr val="FF0000"/>
+                </a:solidFill>
+              </a:rPr>
+              <a:t>.html </a:t>
+            </a:r>
+            <a:r>
+              <a:rPr lang="pt-BR" sz="2000" dirty="0" smtClean="0">
+                <a:solidFill>
+                  <a:schemeClr val="bg1">
+                    <a:lumMod val="95000"/>
+                    <a:lumOff val="5000"/>
+                  </a:schemeClr>
+                </a:solidFill>
+              </a:rPr>
+              <a:t>e</a:t>
+            </a:r>
+            <a:r>
+              <a:rPr lang="pt-BR" sz="2000" dirty="0" smtClean="0">
+                <a:solidFill>
+                  <a:srgbClr val="FF0000"/>
+                </a:solidFill>
+              </a:rPr>
+              <a:t> .css </a:t>
+            </a:r>
+            <a:r>
+              <a:rPr lang="pt-BR" sz="2000" dirty="0" smtClean="0">
+                <a:solidFill>
+                  <a:schemeClr val="bg1">
+                    <a:lumMod val="95000"/>
+                    <a:lumOff val="5000"/>
+                  </a:schemeClr>
+                </a:solidFill>
+              </a:rPr>
+              <a:t>conforme exemplo </a:t>
+            </a:r>
+            <a:r>
+              <a:rPr lang="pt-BR" sz="2000" dirty="0" smtClean="0">
+                <a:solidFill>
+                  <a:schemeClr val="bg1">
+                    <a:lumMod val="95000"/>
+                    <a:lumOff val="5000"/>
+                  </a:schemeClr>
+                </a:solidFill>
+              </a:rPr>
+              <a:t>abaixo:</a:t>
+            </a:r>
+          </a:p>
+          <a:p>
+            <a:pPr algn="just"/>
+            <a:endParaRPr lang="pt-BR" sz="2000" dirty="0">
+              <a:solidFill>
+                <a:schemeClr val="bg1">
+                  <a:lumMod val="95000"/>
+                  <a:lumOff val="5000"/>
+                </a:schemeClr>
+              </a:solidFill>
+            </a:endParaRPr>
+          </a:p>
+          <a:p>
+            <a:pPr algn="just"/>
+            <a:endParaRPr lang="pt-BR" sz="2000" dirty="0" smtClean="0">
+              <a:solidFill>
+                <a:schemeClr val="bg1">
+                  <a:lumMod val="95000"/>
+                  <a:lumOff val="5000"/>
+                </a:schemeClr>
+              </a:solidFill>
+            </a:endParaRPr>
+          </a:p>
+          <a:p>
+            <a:pPr algn="just"/>
+            <a:endParaRPr lang="pt-BR" sz="2000" dirty="0">
+              <a:solidFill>
+                <a:schemeClr val="bg1">
+                  <a:lumMod val="95000"/>
+                  <a:lumOff val="5000"/>
+                </a:schemeClr>
+              </a:solidFill>
+            </a:endParaRPr>
+          </a:p>
+          <a:p>
+            <a:pPr algn="just"/>
+            <a:endParaRPr lang="pt-BR" sz="2000" dirty="0" smtClean="0">
+              <a:solidFill>
+                <a:schemeClr val="bg1">
+                  <a:lumMod val="95000"/>
+                  <a:lumOff val="5000"/>
+                </a:schemeClr>
+              </a:solidFill>
+            </a:endParaRPr>
+          </a:p>
+          <a:p>
+            <a:pPr algn="just"/>
+            <a:endParaRPr lang="pt-BR" sz="2000" dirty="0">
+              <a:solidFill>
+                <a:schemeClr val="bg1">
+                  <a:lumMod val="95000"/>
+                  <a:lumOff val="5000"/>
+                </a:schemeClr>
+              </a:solidFill>
+            </a:endParaRPr>
+          </a:p>
+          <a:p>
+            <a:pPr algn="just"/>
+            <a:endParaRPr lang="pt-BR" sz="2000" dirty="0" smtClean="0">
+              <a:solidFill>
+                <a:schemeClr val="bg1">
+                  <a:lumMod val="95000"/>
+                  <a:lumOff val="5000"/>
+                </a:schemeClr>
+              </a:solidFill>
+            </a:endParaRPr>
+          </a:p>
+          <a:p>
+            <a:pPr algn="just"/>
+            <a:endParaRPr lang="pt-BR" sz="2000" dirty="0">
+              <a:solidFill>
+                <a:schemeClr val="bg1">
+                  <a:lumMod val="95000"/>
+                  <a:lumOff val="5000"/>
+                </a:schemeClr>
+              </a:solidFill>
+            </a:endParaRPr>
+          </a:p>
+          <a:p>
+            <a:pPr algn="just"/>
+            <a:endParaRPr lang="pt-BR" sz="2000" dirty="0" smtClean="0">
+              <a:solidFill>
+                <a:schemeClr val="bg1">
+                  <a:lumMod val="95000"/>
+                  <a:lumOff val="5000"/>
+                </a:schemeClr>
+              </a:solidFill>
+            </a:endParaRPr>
+          </a:p>
+          <a:p>
+            <a:pPr algn="just"/>
+            <a:endParaRPr lang="pt-BR" sz="2000" dirty="0">
+              <a:solidFill>
+                <a:schemeClr val="bg1">
+                  <a:lumMod val="95000"/>
+                  <a:lumOff val="5000"/>
+                </a:schemeClr>
+              </a:solidFill>
+            </a:endParaRPr>
+          </a:p>
+          <a:p>
+            <a:pPr algn="just"/>
+            <a:endParaRPr lang="pt-BR" sz="2000" dirty="0" smtClean="0">
+              <a:solidFill>
+                <a:schemeClr val="bg1">
+                  <a:lumMod val="95000"/>
+                  <a:lumOff val="5000"/>
+                </a:schemeClr>
+              </a:solidFill>
+            </a:endParaRPr>
+          </a:p>
+          <a:p>
+            <a:pPr algn="just"/>
+            <a:endParaRPr lang="pt-BR" sz="2000" dirty="0">
+              <a:solidFill>
+                <a:schemeClr val="bg1">
+                  <a:lumMod val="95000"/>
+                  <a:lumOff val="5000"/>
+                </a:schemeClr>
+              </a:solidFill>
+            </a:endParaRPr>
+          </a:p>
+          <a:p>
+            <a:pPr algn="just"/>
+            <a:endParaRPr lang="pt-BR" sz="2000" dirty="0" smtClean="0">
+              <a:solidFill>
+                <a:schemeClr val="bg1">
+                  <a:lumMod val="95000"/>
+                  <a:lumOff val="5000"/>
+                </a:schemeClr>
+              </a:solidFill>
+            </a:endParaRPr>
+          </a:p>
+          <a:p>
+            <a:pPr algn="just"/>
+            <a:endParaRPr lang="pt-BR" sz="2000" dirty="0">
+              <a:solidFill>
+                <a:schemeClr val="bg1">
+                  <a:lumMod val="95000"/>
+                  <a:lumOff val="5000"/>
+                </a:schemeClr>
+              </a:solidFill>
+            </a:endParaRPr>
+          </a:p>
+          <a:p>
+            <a:pPr algn="just"/>
+            <a:endParaRPr lang="pt-BR" sz="2000" dirty="0" smtClean="0">
+              <a:solidFill>
+                <a:schemeClr val="bg1">
+                  <a:lumMod val="95000"/>
+                  <a:lumOff val="5000"/>
+                </a:schemeClr>
+              </a:solidFill>
+            </a:endParaRPr>
+          </a:p>
+          <a:p>
+            <a:pPr algn="just"/>
+            <a:endParaRPr lang="pt-BR" sz="2000" dirty="0">
+              <a:solidFill>
+                <a:schemeClr val="bg1">
+                  <a:lumMod val="95000"/>
+                  <a:lumOff val="5000"/>
+                </a:schemeClr>
+              </a:solidFill>
+            </a:endParaRPr>
+          </a:p>
+          <a:p>
+            <a:pPr algn="just"/>
+            <a:endParaRPr lang="pt-BR" sz="2000" dirty="0" smtClean="0">
+              <a:solidFill>
+                <a:schemeClr val="bg1">
+                  <a:lumMod val="95000"/>
+                  <a:lumOff val="5000"/>
+                </a:schemeClr>
+              </a:solidFill>
+            </a:endParaRPr>
+          </a:p>
+          <a:p>
+            <a:pPr algn="just"/>
+            <a:endParaRPr lang="pt-BR" sz="2000" dirty="0">
+              <a:solidFill>
+                <a:schemeClr val="bg1">
+                  <a:lumMod val="95000"/>
+                  <a:lumOff val="5000"/>
+                </a:schemeClr>
+              </a:solidFill>
+            </a:endParaRPr>
+          </a:p>
+          <a:p>
+            <a:pPr algn="just"/>
+            <a:endParaRPr lang="pt-BR" sz="2000" dirty="0" smtClean="0">
+              <a:solidFill>
+                <a:schemeClr val="bg1">
+                  <a:lumMod val="95000"/>
+                  <a:lumOff val="5000"/>
+                </a:schemeClr>
+              </a:solidFill>
+            </a:endParaRPr>
+          </a:p>
+          <a:p>
+            <a:pPr algn="just"/>
+            <a:endParaRPr lang="pt-BR" sz="2000" dirty="0">
+              <a:solidFill>
+                <a:schemeClr val="bg1">
+                  <a:lumMod val="95000"/>
+                  <a:lumOff val="5000"/>
+                </a:schemeClr>
+              </a:solidFill>
+            </a:endParaRPr>
+          </a:p>
+          <a:p>
+            <a:pPr algn="just"/>
+            <a:endParaRPr lang="pt-BR" sz="2000" dirty="0" smtClean="0">
+              <a:solidFill>
+                <a:schemeClr val="bg1">
+                  <a:lumMod val="95000"/>
+                  <a:lumOff val="5000"/>
+                </a:schemeClr>
+              </a:solidFill>
+            </a:endParaRPr>
+          </a:p>
+          <a:p>
+            <a:pPr algn="just"/>
+            <a:endParaRPr lang="pt-BR" sz="2000" dirty="0">
+              <a:solidFill>
+                <a:schemeClr val="bg1">
+                  <a:lumMod val="95000"/>
+                  <a:lumOff val="5000"/>
+                </a:schemeClr>
+              </a:solidFill>
+            </a:endParaRPr>
+          </a:p>
+          <a:p>
+            <a:pPr algn="just"/>
+            <a:endParaRPr lang="pt-BR" sz="2000" dirty="0" smtClean="0">
+              <a:solidFill>
+                <a:schemeClr val="bg1">
+                  <a:lumMod val="95000"/>
+                  <a:lumOff val="5000"/>
+                </a:schemeClr>
+              </a:solidFill>
+            </a:endParaRPr>
+          </a:p>
+          <a:p>
+            <a:pPr algn="just"/>
+            <a:endParaRPr lang="pt-BR" sz="2000" dirty="0">
+              <a:solidFill>
+                <a:schemeClr val="bg1">
+                  <a:lumMod val="95000"/>
+                  <a:lumOff val="5000"/>
+                </a:schemeClr>
+              </a:solidFill>
+            </a:endParaRPr>
+          </a:p>
+          <a:p>
+            <a:pPr algn="just"/>
+            <a:endParaRPr lang="pt-BR" sz="2000" dirty="0" smtClean="0">
+              <a:solidFill>
+                <a:schemeClr val="bg1">
+                  <a:lumMod val="95000"/>
+                  <a:lumOff val="5000"/>
+                </a:schemeClr>
+              </a:solidFill>
+            </a:endParaRPr>
+          </a:p>
+          <a:p>
+            <a:pPr algn="just"/>
+            <a:endParaRPr lang="pt-BR" sz="2000" dirty="0">
+              <a:solidFill>
+                <a:schemeClr val="bg1">
+                  <a:lumMod val="95000"/>
+                  <a:lumOff val="5000"/>
+                </a:schemeClr>
+              </a:solidFill>
+            </a:endParaRPr>
+          </a:p>
+          <a:p>
+            <a:pPr algn="just"/>
+            <a:endParaRPr lang="pt-BR" sz="2000" dirty="0" smtClean="0">
+              <a:solidFill>
+                <a:schemeClr val="bg1">
+                  <a:lumMod val="95000"/>
+                  <a:lumOff val="5000"/>
+                </a:schemeClr>
+              </a:solidFill>
+            </a:endParaRPr>
+          </a:p>
+          <a:p>
+            <a:pPr algn="just"/>
+            <a:endParaRPr lang="pt-BR" sz="2000" dirty="0">
+              <a:solidFill>
+                <a:schemeClr val="bg1">
+                  <a:lumMod val="95000"/>
+                  <a:lumOff val="5000"/>
+                </a:schemeClr>
+              </a:solidFill>
+            </a:endParaRPr>
+          </a:p>
+          <a:p>
+            <a:pPr algn="just"/>
+            <a:endParaRPr lang="pt-BR" sz="2000" dirty="0" smtClean="0">
+              <a:solidFill>
+                <a:schemeClr val="bg1">
+                  <a:lumMod val="95000"/>
+                  <a:lumOff val="5000"/>
+                </a:schemeClr>
+              </a:solidFill>
+            </a:endParaRPr>
+          </a:p>
+          <a:p>
+            <a:pPr algn="just"/>
+            <a:endParaRPr lang="pt-BR" sz="2000" dirty="0">
+              <a:solidFill>
+                <a:schemeClr val="bg1">
+                  <a:lumMod val="95000"/>
+                  <a:lumOff val="5000"/>
+                </a:schemeClr>
+              </a:solidFill>
+            </a:endParaRPr>
+          </a:p>
+          <a:p>
+            <a:pPr algn="just"/>
+            <a:endParaRPr lang="pt-BR" sz="2000" dirty="0" smtClean="0">
+              <a:solidFill>
+                <a:schemeClr val="bg1">
+                  <a:lumMod val="95000"/>
+                  <a:lumOff val="5000"/>
+                </a:schemeClr>
+              </a:solidFill>
+            </a:endParaRPr>
+          </a:p>
+          <a:p>
+            <a:pPr algn="just"/>
+            <a:endParaRPr lang="pt-BR" sz="2000" dirty="0">
+              <a:solidFill>
+                <a:schemeClr val="bg1">
+                  <a:lumMod val="95000"/>
+                  <a:lumOff val="5000"/>
+                </a:schemeClr>
+              </a:solidFill>
+            </a:endParaRPr>
+          </a:p>
+          <a:p>
+            <a:pPr algn="just"/>
+            <a:endParaRPr lang="pt-BR" sz="2000" dirty="0" smtClean="0">
+              <a:solidFill>
+                <a:schemeClr val="bg1">
+                  <a:lumMod val="95000"/>
+                  <a:lumOff val="5000"/>
+                </a:schemeClr>
+              </a:solidFill>
+            </a:endParaRPr>
+          </a:p>
+          <a:p>
+            <a:pPr algn="just"/>
+            <a:endParaRPr lang="pt-BR" sz="2000" dirty="0">
+              <a:solidFill>
+                <a:schemeClr val="bg1">
+                  <a:lumMod val="95000"/>
+                  <a:lumOff val="5000"/>
+                </a:schemeClr>
+              </a:solidFill>
+            </a:endParaRPr>
+          </a:p>
+          <a:p>
+            <a:pPr algn="just"/>
+            <a:endParaRPr lang="pt-BR" sz="2000" dirty="0" smtClean="0">
+              <a:solidFill>
+                <a:schemeClr val="bg1">
+                  <a:lumMod val="95000"/>
+                  <a:lumOff val="5000"/>
+                </a:schemeClr>
+              </a:solidFill>
+            </a:endParaRPr>
+          </a:p>
+          <a:p>
+            <a:pPr algn="just"/>
+            <a:endParaRPr lang="pt-BR" sz="2000" dirty="0" smtClean="0">
+              <a:solidFill>
+                <a:schemeClr val="bg1">
+                  <a:lumMod val="95000"/>
+                  <a:lumOff val="5000"/>
+                </a:schemeClr>
+              </a:solidFill>
+            </a:endParaRPr>
+          </a:p>
+          <a:p>
+            <a:pPr algn="just"/>
+            <a:endParaRPr lang="pt-BR" sz="2000" dirty="0">
+              <a:solidFill>
+                <a:schemeClr val="bg1">
+                  <a:lumMod val="95000"/>
+                  <a:lumOff val="5000"/>
+                </a:schemeClr>
+              </a:solidFill>
+            </a:endParaRPr>
+          </a:p>
+          <a:p>
+            <a:pPr algn="just"/>
+            <a:endParaRPr lang="pt-BR" sz="2000" dirty="0">
+              <a:solidFill>
+                <a:schemeClr val="bg1">
+                  <a:lumMod val="95000"/>
+                  <a:lumOff val="5000"/>
+                </a:schemeClr>
+              </a:solidFill>
+            </a:endParaRPr>
+          </a:p>
+          <a:p>
+            <a:pPr algn="just"/>
+            <a:endParaRPr lang="pt-BR" sz="2000" dirty="0" smtClean="0">
+              <a:solidFill>
+                <a:schemeClr val="bg1">
+                  <a:lumMod val="95000"/>
+                  <a:lumOff val="5000"/>
+                </a:schemeClr>
+              </a:solidFill>
+            </a:endParaRPr>
+          </a:p>
+          <a:p>
+            <a:pPr algn="just"/>
+            <a:endParaRPr lang="pt-BR" sz="2000" dirty="0">
+              <a:solidFill>
+                <a:schemeClr val="bg1">
+                  <a:lumMod val="95000"/>
+                  <a:lumOff val="5000"/>
+                </a:schemeClr>
+              </a:solidFill>
+            </a:endParaRPr>
+          </a:p>
+          <a:p>
+            <a:pPr algn="just"/>
+            <a:endParaRPr lang="pt-BR" sz="2000" dirty="0" smtClean="0">
+              <a:solidFill>
+                <a:schemeClr val="bg1">
+                  <a:lumMod val="95000"/>
+                  <a:lumOff val="5000"/>
+                </a:schemeClr>
+              </a:solidFill>
+            </a:endParaRPr>
+          </a:p>
+          <a:p>
+            <a:pPr algn="just"/>
+            <a:endParaRPr lang="pt-BR" sz="2000" dirty="0">
+              <a:solidFill>
+                <a:schemeClr val="bg1">
+                  <a:lumMod val="95000"/>
+                  <a:lumOff val="5000"/>
+                </a:schemeClr>
+              </a:solidFill>
+            </a:endParaRPr>
+          </a:p>
+          <a:p>
+            <a:pPr algn="just"/>
+            <a:endParaRPr lang="pt-BR" sz="2000" dirty="0" smtClean="0">
+              <a:solidFill>
+                <a:schemeClr val="bg1"/>
+              </a:solidFill>
+            </a:endParaRPr>
+          </a:p>
+          <a:p>
+            <a:pPr algn="just"/>
+            <a:endParaRPr lang="pt-BR" sz="2000" dirty="0" smtClean="0">
+              <a:solidFill>
+                <a:schemeClr val="bg1">
+                  <a:lumMod val="95000"/>
+                  <a:lumOff val="5000"/>
+                </a:schemeClr>
+              </a:solidFill>
+            </a:endParaRPr>
+          </a:p>
+        </p:txBody>
+      </p:sp>
+      <p:pic>
+        <p:nvPicPr>
+          <p:cNvPr id="7170" name="Picture 2"/>
+          <p:cNvPicPr>
+            <a:picLocks noChangeAspect="1" noChangeArrowheads="1"/>
+          </p:cNvPicPr>
+          <p:nvPr/>
+        </p:nvPicPr>
+        <p:blipFill>
+          <a:blip r:embed="rId2">
+            <a:extLst>
+              <a:ext uri="{28A0092B-C50C-407E-A947-70E740481C1C}">
+                <a14:useLocalDpi xmlns:a14="http://schemas.microsoft.com/office/drawing/2010/main" val="0"/>
+              </a:ext>
+            </a:extLst>
+          </a:blip>
+          <a:srcRect/>
+          <a:stretch>
+            <a:fillRect/>
+          </a:stretch>
+        </p:blipFill>
+        <p:spPr bwMode="auto">
+          <a:xfrm>
+            <a:off x="1720299" y="897329"/>
+            <a:ext cx="9648825" cy="5372100"/>
+          </a:xfrm>
+          <a:prstGeom prst="rect">
+            <a:avLst/>
+          </a:prstGeom>
+          <a:noFill/>
+          <a:ln>
+            <a:noFill/>
+          </a:ln>
+          <a:effectLst/>
+          <a:extLst>
+            <a:ext uri="{909E8E84-426E-40DD-AFC4-6F175D3DCCD1}">
+              <a14:hiddenFill xmlns:a14="http://schemas.microsoft.com/office/drawing/2010/main">
+                <a:solidFill>
+                  <a:schemeClr val="accent1"/>
+                </a:solidFill>
+              </a14:hiddenFill>
+            </a:ext>
+            <a:ext uri="{91240B29-F687-4F45-9708-019B960494DF}">
+              <a14:hiddenLine xmlns:a14="http://schemas.microsoft.com/office/drawing/2010/main" w="9525">
+                <a:solidFill>
+                  <a:schemeClr val="tx1"/>
+                </a:solidFill>
+                <a:miter lim="800000"/>
+                <a:headEnd/>
+                <a:tailEnd/>
+              </a14:hiddenLine>
+            </a:ext>
+            <a:ext uri="{AF507438-7753-43E0-B8FC-AC1667EBCBE1}">
+              <a14:hiddenEffects xmlns:a14="http://schemas.microsoft.com/office/drawing/2010/main">
+                <a:effectLst>
+                  <a:outerShdw dist="35921" dir="2700000" algn="ctr" rotWithShape="0">
+                    <a:schemeClr val="bg2"/>
+                  </a:outerShdw>
+                </a:effectLst>
+              </a14:hiddenEffects>
+            </a:ext>
+          </a:extLst>
+        </p:spPr>
+      </p:pic>
+    </p:spTree>
+    <p:extLst>
+      <p:ext uri="{BB962C8B-B14F-4D97-AF65-F5344CB8AC3E}">
+        <p14:creationId xmlns:p14="http://schemas.microsoft.com/office/powerpoint/2010/main" val="639088280"/>
+      </p:ext>
+    </p:extLst>
+  </p:cSld>
+  <p:clrMapOvr>
+    <a:masterClrMapping/>
+  </p:clrMapOvr>
+  <p:timing>
+    <p:tnLst>
+      <p:par>
+        <p:cTn id="1" dur="indefinite" restart="never" nodeType="tmRoot"/>
+      </p:par>
+    </p:tnLst>
+  </p:timing>
+</p:sld>
+</file>
+
+<file path=ppt/slides/slide65.xml><?xml version="1.0" encoding="utf-8"?>
+<p:sld xmlns:a="http://schemas.openxmlformats.org/drawingml/2006/main" xmlns:r="http://schemas.openxmlformats.org/officeDocument/2006/relationships" xmlns:p="http://schemas.openxmlformats.org/presentationml/2006/main">
+  <p:cSld>
+    <p:spTree>
+      <p:nvGrpSpPr>
+        <p:cNvPr id="1" name=""/>
+        <p:cNvGrpSpPr/>
+        <p:nvPr/>
+      </p:nvGrpSpPr>
+      <p:grpSpPr>
+        <a:xfrm>
+          <a:off x="0" y="0"/>
+          <a:ext cx="0" cy="0"/>
+          <a:chOff x="0" y="0"/>
+          <a:chExt cx="0" cy="0"/>
+        </a:xfrm>
+      </p:grpSpPr>
+      <p:sp>
+        <p:nvSpPr>
+          <p:cNvPr id="2" name="Título 1">
+            <a:extLst>
+              <a:ext uri="{FF2B5EF4-FFF2-40B4-BE49-F238E27FC236}">
+                <a16:creationId xmlns="" xmlns:a16="http://schemas.microsoft.com/office/drawing/2014/main" id="{14AB9F69-8D24-468C-93DF-A1666924EB0C}"/>
+              </a:ext>
+            </a:extLst>
+          </p:cNvPr>
+          <p:cNvSpPr>
+            <a:spLocks noGrp="1"/>
+          </p:cNvSpPr>
+          <p:nvPr>
+            <p:ph type="ctrTitle"/>
+          </p:nvPr>
+        </p:nvSpPr>
+        <p:spPr/>
+        <p:txBody>
+          <a:bodyPr>
+            <a:normAutofit/>
+          </a:bodyPr>
+          <a:lstStyle/>
+          <a:p>
+            <a:r>
+              <a:rPr lang="pt-BR" sz="4400" dirty="0" smtClean="0"/>
+              <a:t>Referências</a:t>
+            </a:r>
+            <a:endParaRPr lang="pt-BR" sz="4400" dirty="0"/>
+          </a:p>
+        </p:txBody>
+      </p:sp>
+      <p:sp>
+        <p:nvSpPr>
+          <p:cNvPr id="3" name="Subtítulo 2">
+            <a:extLst>
+              <a:ext uri="{FF2B5EF4-FFF2-40B4-BE49-F238E27FC236}">
+                <a16:creationId xmlns="" xmlns:a16="http://schemas.microsoft.com/office/drawing/2014/main" id="{0E4BFB9B-D461-4F8E-B2A0-819D63FA7EC4}"/>
+              </a:ext>
+            </a:extLst>
+          </p:cNvPr>
+          <p:cNvSpPr>
+            <a:spLocks noGrp="1"/>
+          </p:cNvSpPr>
+          <p:nvPr>
+            <p:ph type="subTitle" idx="1"/>
+          </p:nvPr>
+        </p:nvSpPr>
+        <p:spPr>
+          <a:xfrm>
+            <a:off x="1876424" y="3547166"/>
+            <a:ext cx="8791575" cy="1655762"/>
+          </a:xfrm>
+        </p:spPr>
+        <p:txBody>
+          <a:bodyPr/>
+          <a:lstStyle/>
+          <a:p>
+            <a:endParaRPr lang="pt-BR" dirty="0"/>
+          </a:p>
+        </p:txBody>
+      </p:sp>
+    </p:spTree>
+    <p:extLst>
+      <p:ext uri="{BB962C8B-B14F-4D97-AF65-F5344CB8AC3E}">
+        <p14:creationId xmlns:p14="http://schemas.microsoft.com/office/powerpoint/2010/main" val="1674775517"/>
+      </p:ext>
+    </p:extLst>
+  </p:cSld>
+  <p:clrMapOvr>
+    <a:masterClrMapping/>
+  </p:clrMapOvr>
+  <p:timing>
+    <p:tnLst>
+      <p:par>
+        <p:cTn id="1" dur="indefinite" restart="never" nodeType="tmRoot"/>
+      </p:par>
+    </p:tnLst>
+  </p:timing>
+</p:sld>
+</file>
+
+<file path=ppt/slides/slide66.xml><?xml version="1.0" encoding="utf-8"?>
+<p:sld xmlns:a="http://schemas.openxmlformats.org/drawingml/2006/main" xmlns:r="http://schemas.openxmlformats.org/officeDocument/2006/relationships" xmlns:p="http://schemas.openxmlformats.org/presentationml/2006/main">
+  <p:cSld>
+    <p:spTree>
+      <p:nvGrpSpPr>
+        <p:cNvPr id="1" name=""/>
+        <p:cNvGrpSpPr/>
+        <p:nvPr/>
+      </p:nvGrpSpPr>
+      <p:grpSpPr>
+        <a:xfrm>
+          <a:off x="0" y="0"/>
+          <a:ext cx="0" cy="0"/>
+          <a:chOff x="0" y="0"/>
+          <a:chExt cx="0" cy="0"/>
+        </a:xfrm>
+      </p:grpSpPr>
+      <p:sp>
+        <p:nvSpPr>
+          <p:cNvPr id="8" name="Retângulo 7">
+            <a:extLst>
+              <a:ext uri="{FF2B5EF4-FFF2-40B4-BE49-F238E27FC236}">
+                <a16:creationId xmlns="" xmlns:a16="http://schemas.microsoft.com/office/drawing/2014/main" id="{9B33DD69-1761-43D2-B589-CE56D2C4FBB6}"/>
               </a:ext>
             </a:extLst>
           </p:cNvPr>
@@ -36317,7 +41270,7 @@
           <p:cNvPr id="24" name="CaixaDeTexto 23">
             <a:extLst>
               <a:ext uri="{FF2B5EF4-FFF2-40B4-BE49-F238E27FC236}">
-                <a16:creationId xmlns:a16="http://schemas.microsoft.com/office/drawing/2014/main" xmlns="" id="{90B980A2-8D40-4C0A-9871-4FA9794F9C3D}"/>
+                <a16:creationId xmlns="" xmlns:a16="http://schemas.microsoft.com/office/drawing/2014/main" id="{90B980A2-8D40-4C0A-9871-4FA9794F9C3D}"/>
               </a:ext>
             </a:extLst>
           </p:cNvPr>
@@ -36327,7 +41280,7 @@
         <p:spPr>
           <a:xfrm>
             <a:off x="1175332" y="179122"/>
-            <a:ext cx="10658859" cy="1938992"/>
+            <a:ext cx="10658859" cy="2246769"/>
           </a:xfrm>
           <a:prstGeom prst="rect">
             <a:avLst/>
@@ -36452,6 +41405,29 @@
                 <a:hlinkClick r:id="rId5"/>
               </a:rPr>
               <a:t>www.youtube.com/watch?v=Fj3gtbaF8WA</a:t>
+            </a:r>
+            <a:endParaRPr lang="pt-BR" sz="2000" dirty="0" smtClean="0">
+              <a:solidFill>
+                <a:schemeClr val="bg1">
+                  <a:lumMod val="95000"/>
+                  <a:lumOff val="5000"/>
+                </a:schemeClr>
+              </a:solidFill>
+            </a:endParaRPr>
+          </a:p>
+          <a:p>
+            <a:pPr algn="just"/>
+            <a:r>
+              <a:rPr lang="pt-BR" sz="2000" dirty="0" smtClean="0">
+                <a:solidFill>
+                  <a:schemeClr val="bg1">
+                    <a:lumMod val="95000"/>
+                    <a:lumOff val="5000"/>
+                  </a:schemeClr>
+                </a:solidFill>
+                <a:hlinkClick r:id="rId6"/>
+              </a:rPr>
+              <a:t>https://fontawesome.com/</a:t>
             </a:r>
             <a:endParaRPr lang="pt-BR" sz="2000" dirty="0">
               <a:solidFill>
@@ -36546,108 +41522,6 @@
     <p:extLst>
       <p:ext uri="{BB962C8B-B14F-4D97-AF65-F5344CB8AC3E}">
         <p14:creationId xmlns:p14="http://schemas.microsoft.com/office/powerpoint/2010/main" val="2338382631"/>
-      </p:ext>
-    </p:extLst>
-  </p:cSld>
-  <p:clrMapOvr>
-    <a:masterClrMapping/>
-  </p:clrMapOvr>
-  <p:timing>
-    <p:tnLst>
-      <p:par>
-        <p:cTn id="1" dur="indefinite" restart="never" nodeType="tmRoot"/>
-      </p:par>
-    </p:tnLst>
-  </p:timing>
-</p:sld>
-</file>
-
-<file path=ppt/slides/slide6.xml><?xml version="1.0" encoding="utf-8"?>
-<p:sld xmlns:a="http://schemas.openxmlformats.org/drawingml/2006/main" xmlns:r="http://schemas.openxmlformats.org/officeDocument/2006/relationships" xmlns:p="http://schemas.openxmlformats.org/presentationml/2006/main">
-  <p:cSld>
-    <p:spTree>
-      <p:nvGrpSpPr>
-        <p:cNvPr id="1" name=""/>
-        <p:cNvGrpSpPr/>
-        <p:nvPr/>
-      </p:nvGrpSpPr>
-      <p:grpSpPr>
-        <a:xfrm>
-          <a:off x="0" y="0"/>
-          <a:ext cx="0" cy="0"/>
-          <a:chOff x="0" y="0"/>
-          <a:chExt cx="0" cy="0"/>
-        </a:xfrm>
-      </p:grpSpPr>
-      <p:sp>
-        <p:nvSpPr>
-          <p:cNvPr id="2" name="Título 1">
-            <a:extLst>
-              <a:ext uri="{FF2B5EF4-FFF2-40B4-BE49-F238E27FC236}">
-                <a16:creationId xmlns:a16="http://schemas.microsoft.com/office/drawing/2014/main" xmlns="" id="{14AB9F69-8D24-468C-93DF-A1666924EB0C}"/>
-              </a:ext>
-            </a:extLst>
-          </p:cNvPr>
-          <p:cNvSpPr>
-            <a:spLocks noGrp="1"/>
-          </p:cNvSpPr>
-          <p:nvPr>
-            <p:ph type="ctrTitle"/>
-          </p:nvPr>
-        </p:nvSpPr>
-        <p:spPr/>
-        <p:txBody>
-          <a:bodyPr>
-            <a:normAutofit/>
-          </a:bodyPr>
-          <a:lstStyle/>
-          <a:p>
-            <a:r>
-              <a:rPr lang="pt-BR" sz="4400" dirty="0" smtClean="0"/>
-              <a:t>Dicas básicas de programação</a:t>
-            </a:r>
-            <a:endParaRPr lang="pt-BR" sz="4400" dirty="0"/>
-          </a:p>
-        </p:txBody>
-      </p:sp>
-      <p:sp>
-        <p:nvSpPr>
-          <p:cNvPr id="3" name="Subtítulo 2">
-            <a:extLst>
-              <a:ext uri="{FF2B5EF4-FFF2-40B4-BE49-F238E27FC236}">
-                <a16:creationId xmlns:a16="http://schemas.microsoft.com/office/drawing/2014/main" xmlns="" id="{0E4BFB9B-D461-4F8E-B2A0-819D63FA7EC4}"/>
-              </a:ext>
-            </a:extLst>
-          </p:cNvPr>
-          <p:cNvSpPr>
-            <a:spLocks noGrp="1"/>
-          </p:cNvSpPr>
-          <p:nvPr>
-            <p:ph type="subTitle" idx="1"/>
-          </p:nvPr>
-        </p:nvSpPr>
-        <p:spPr>
-          <a:xfrm>
-            <a:off x="1876424" y="3547166"/>
-            <a:ext cx="8791575" cy="1655762"/>
-          </a:xfrm>
-        </p:spPr>
-        <p:txBody>
-          <a:bodyPr/>
-          <a:lstStyle/>
-          <a:p>
-            <a:r>
-              <a:rPr lang="pt-BR" dirty="0" smtClean="0"/>
-              <a:t>Organização e estruturação</a:t>
-            </a:r>
-            <a:endParaRPr lang="pt-BR" dirty="0"/>
-          </a:p>
-        </p:txBody>
-      </p:sp>
-    </p:spTree>
-    <p:extLst>
-      <p:ext uri="{BB962C8B-B14F-4D97-AF65-F5344CB8AC3E}">
-        <p14:creationId xmlns:p14="http://schemas.microsoft.com/office/powerpoint/2010/main" val="4285981397"/>
       </p:ext>
     </p:extLst>
   </p:cSld>
@@ -36686,7 +41560,7 @@
           <p:cNvPr id="8" name="Retângulo 7">
             <a:extLst>
               <a:ext uri="{FF2B5EF4-FFF2-40B4-BE49-F238E27FC236}">
-                <a16:creationId xmlns:a16="http://schemas.microsoft.com/office/drawing/2014/main" xmlns="" id="{9B33DD69-1761-43D2-B589-CE56D2C4FBB6}"/>
+                <a16:creationId xmlns="" xmlns:a16="http://schemas.microsoft.com/office/drawing/2014/main" id="{9B33DD69-1761-43D2-B589-CE56D2C4FBB6}"/>
               </a:ext>
             </a:extLst>
           </p:cNvPr>
@@ -36740,7 +41614,7 @@
           <p:cNvPr id="24" name="CaixaDeTexto 23">
             <a:extLst>
               <a:ext uri="{FF2B5EF4-FFF2-40B4-BE49-F238E27FC236}">
-                <a16:creationId xmlns:a16="http://schemas.microsoft.com/office/drawing/2014/main" xmlns="" id="{90B980A2-8D40-4C0A-9871-4FA9794F9C3D}"/>
+                <a16:creationId xmlns="" xmlns:a16="http://schemas.microsoft.com/office/drawing/2014/main" id="{90B980A2-8D40-4C0A-9871-4FA9794F9C3D}"/>
               </a:ext>
             </a:extLst>
           </p:cNvPr>
@@ -37173,7 +42047,7 @@
           <p:cNvPr id="8" name="Retângulo 7">
             <a:extLst>
               <a:ext uri="{FF2B5EF4-FFF2-40B4-BE49-F238E27FC236}">
-                <a16:creationId xmlns:a16="http://schemas.microsoft.com/office/drawing/2014/main" xmlns="" id="{9B33DD69-1761-43D2-B589-CE56D2C4FBB6}"/>
+                <a16:creationId xmlns="" xmlns:a16="http://schemas.microsoft.com/office/drawing/2014/main" id="{9B33DD69-1761-43D2-B589-CE56D2C4FBB6}"/>
               </a:ext>
             </a:extLst>
           </p:cNvPr>
@@ -37227,7 +42101,7 @@
           <p:cNvPr id="24" name="CaixaDeTexto 23">
             <a:extLst>
               <a:ext uri="{FF2B5EF4-FFF2-40B4-BE49-F238E27FC236}">
-                <a16:creationId xmlns:a16="http://schemas.microsoft.com/office/drawing/2014/main" xmlns="" id="{90B980A2-8D40-4C0A-9871-4FA9794F9C3D}"/>
+                <a16:creationId xmlns="" xmlns:a16="http://schemas.microsoft.com/office/drawing/2014/main" id="{90B980A2-8D40-4C0A-9871-4FA9794F9C3D}"/>
               </a:ext>
             </a:extLst>
           </p:cNvPr>
@@ -37757,7 +42631,7 @@
           <p:cNvPr id="2" name="Título 1">
             <a:extLst>
               <a:ext uri="{FF2B5EF4-FFF2-40B4-BE49-F238E27FC236}">
-                <a16:creationId xmlns:a16="http://schemas.microsoft.com/office/drawing/2014/main" xmlns="" id="{14AB9F69-8D24-468C-93DF-A1666924EB0C}"/>
+                <a16:creationId xmlns="" xmlns:a16="http://schemas.microsoft.com/office/drawing/2014/main" id="{14AB9F69-8D24-468C-93DF-A1666924EB0C}"/>
               </a:ext>
             </a:extLst>
           </p:cNvPr>
@@ -37788,7 +42662,7 @@
           <p:cNvPr id="3" name="Subtítulo 2">
             <a:extLst>
               <a:ext uri="{FF2B5EF4-FFF2-40B4-BE49-F238E27FC236}">
-                <a16:creationId xmlns:a16="http://schemas.microsoft.com/office/drawing/2014/main" xmlns="" id="{0E4BFB9B-D461-4F8E-B2A0-819D63FA7EC4}"/>
+                <a16:creationId xmlns="" xmlns:a16="http://schemas.microsoft.com/office/drawing/2014/main" id="{0E4BFB9B-D461-4F8E-B2A0-819D63FA7EC4}"/>
               </a:ext>
             </a:extLst>
           </p:cNvPr>
@@ -38082,7 +42956,7 @@
   <a:extraClrSchemeLst/>
   <a:extLst>
     <a:ext uri="{05A4C25C-085E-4340-85A3-A5531E510DB2}">
-      <thm15:themeFamily xmlns:thm15="http://schemas.microsoft.com/office/thememl/2012/main" xmlns="" name="Circuit" id="{0AC2F7E7-15F5-431C-B2A2-456FE929F56C}" vid="{0911B802-464C-4241-8DD9-B60FF88E379F}"/>
+      <thm15:themeFamily xmlns="" xmlns:thm15="http://schemas.microsoft.com/office/thememl/2012/main" name="Circuit" id="{0AC2F7E7-15F5-431C-B2A2-456FE929F56C}" vid="{0911B802-464C-4241-8DD9-B60FF88E379F}"/>
     </a:ext>
   </a:extLst>
 </a:theme>

--- a/documentos/Apostila - Desenvolvimento Web - IEP.pptx
+++ b/documentos/Apostila - Desenvolvimento Web - IEP.pptx
@@ -69,8 +69,14 @@
     <p:sldId id="326" r:id="rId63"/>
     <p:sldId id="327" r:id="rId64"/>
     <p:sldId id="328" r:id="rId65"/>
-    <p:sldId id="299" r:id="rId66"/>
-    <p:sldId id="262" r:id="rId67"/>
+    <p:sldId id="329" r:id="rId66"/>
+    <p:sldId id="330" r:id="rId67"/>
+    <p:sldId id="331" r:id="rId68"/>
+    <p:sldId id="332" r:id="rId69"/>
+    <p:sldId id="333" r:id="rId70"/>
+    <p:sldId id="334" r:id="rId71"/>
+    <p:sldId id="299" r:id="rId72"/>
+    <p:sldId id="262" r:id="rId73"/>
   </p:sldIdLst>
   <p:sldSz cx="12192000" cy="6858000"/>
   <p:notesSz cx="6858000" cy="9144000"/>
@@ -171,7 +177,7 @@
   </p:defaultTextStyle>
   <p:extLst>
     <p:ext uri="{EFAFB233-063F-42B5-8137-9DF3F51BA10A}">
-      <p15:sldGuideLst xmlns="" xmlns:p15="http://schemas.microsoft.com/office/powerpoint/2012/main"/>
+      <p15:sldGuideLst xmlns:p15="http://schemas.microsoft.com/office/powerpoint/2012/main" xmlns=""/>
     </p:ext>
   </p:extLst>
 </p:presentation>
@@ -4453,7 +4459,7 @@
           <a:p>
             <a:fld id="{48A87A34-81AB-432B-8DAE-1953F412C126}" type="datetimeFigureOut">
               <a:rPr lang="en-US" dirty="0"/>
-              <a:t>9/20/2021</a:t>
+              <a:t>9/29/2021</a:t>
             </a:fld>
             <a:endParaRPr lang="en-US" dirty="0"/>
           </a:p>
@@ -4715,7 +4721,7 @@
           <a:p>
             <a:fld id="{48A87A34-81AB-432B-8DAE-1953F412C126}" type="datetimeFigureOut">
               <a:rPr lang="en-US" dirty="0"/>
-              <a:t>9/20/2021</a:t>
+              <a:t>9/29/2021</a:t>
             </a:fld>
             <a:endParaRPr lang="en-US" dirty="0"/>
           </a:p>
@@ -4906,7 +4912,7 @@
           <a:p>
             <a:fld id="{48A87A34-81AB-432B-8DAE-1953F412C126}" type="datetimeFigureOut">
               <a:rPr lang="en-US" dirty="0"/>
-              <a:t>9/20/2021</a:t>
+              <a:t>9/29/2021</a:t>
             </a:fld>
             <a:endParaRPr lang="en-US" dirty="0"/>
           </a:p>
@@ -5164,7 +5170,7 @@
           <a:p>
             <a:fld id="{48A87A34-81AB-432B-8DAE-1953F412C126}" type="datetimeFigureOut">
               <a:rPr lang="en-US" dirty="0"/>
-              <a:t>9/20/2021</a:t>
+              <a:t>9/29/2021</a:t>
             </a:fld>
             <a:endParaRPr lang="en-US" dirty="0"/>
           </a:p>
@@ -5593,7 +5599,7 @@
           <a:p>
             <a:fld id="{48A87A34-81AB-432B-8DAE-1953F412C126}" type="datetimeFigureOut">
               <a:rPr lang="en-US" dirty="0"/>
-              <a:t>9/20/2021</a:t>
+              <a:t>9/29/2021</a:t>
             </a:fld>
             <a:endParaRPr lang="en-US" dirty="0"/>
           </a:p>
@@ -6134,7 +6140,7 @@
           <a:p>
             <a:fld id="{48A87A34-81AB-432B-8DAE-1953F412C126}" type="datetimeFigureOut">
               <a:rPr lang="en-US" dirty="0"/>
-              <a:t>9/20/2021</a:t>
+              <a:t>9/29/2021</a:t>
             </a:fld>
             <a:endParaRPr lang="en-US" dirty="0"/>
           </a:p>
@@ -6849,7 +6855,7 @@
           <a:p>
             <a:fld id="{48A87A34-81AB-432B-8DAE-1953F412C126}" type="datetimeFigureOut">
               <a:rPr lang="en-US" dirty="0"/>
-              <a:t>9/20/2021</a:t>
+              <a:t>9/29/2021</a:t>
             </a:fld>
             <a:endParaRPr lang="en-US" dirty="0"/>
           </a:p>
@@ -7014,7 +7020,7 @@
           <a:p>
             <a:fld id="{48A87A34-81AB-432B-8DAE-1953F412C126}" type="datetimeFigureOut">
               <a:rPr lang="en-US" dirty="0"/>
-              <a:t>9/20/2021</a:t>
+              <a:t>9/29/2021</a:t>
             </a:fld>
             <a:endParaRPr lang="en-US" dirty="0"/>
           </a:p>
@@ -7189,7 +7195,7 @@
           <a:p>
             <a:fld id="{48A87A34-81AB-432B-8DAE-1953F412C126}" type="datetimeFigureOut">
               <a:rPr lang="en-US" dirty="0"/>
-              <a:t>9/20/2021</a:t>
+              <a:t>9/29/2021</a:t>
             </a:fld>
             <a:endParaRPr lang="en-US" dirty="0"/>
           </a:p>
@@ -7354,7 +7360,7 @@
           <a:p>
             <a:fld id="{48A87A34-81AB-432B-8DAE-1953F412C126}" type="datetimeFigureOut">
               <a:rPr lang="en-US" dirty="0"/>
-              <a:t>9/20/2021</a:t>
+              <a:t>9/29/2021</a:t>
             </a:fld>
             <a:endParaRPr lang="en-US" dirty="0"/>
           </a:p>
@@ -7599,7 +7605,7 @@
           <a:p>
             <a:fld id="{48A87A34-81AB-432B-8DAE-1953F412C126}" type="datetimeFigureOut">
               <a:rPr lang="en-US" dirty="0"/>
-              <a:t>9/20/2021</a:t>
+              <a:t>9/29/2021</a:t>
             </a:fld>
             <a:endParaRPr lang="en-US" dirty="0"/>
           </a:p>
@@ -7826,7 +7832,7 @@
           <a:p>
             <a:fld id="{48A87A34-81AB-432B-8DAE-1953F412C126}" type="datetimeFigureOut">
               <a:rPr lang="en-US" dirty="0"/>
-              <a:t>9/20/2021</a:t>
+              <a:t>9/29/2021</a:t>
             </a:fld>
             <a:endParaRPr lang="en-US" dirty="0"/>
           </a:p>
@@ -8202,7 +8208,7 @@
           <a:p>
             <a:fld id="{48A87A34-81AB-432B-8DAE-1953F412C126}" type="datetimeFigureOut">
               <a:rPr lang="en-US" dirty="0"/>
-              <a:t>9/20/2021</a:t>
+              <a:t>9/29/2021</a:t>
             </a:fld>
             <a:endParaRPr lang="en-US" dirty="0"/>
           </a:p>
@@ -8315,7 +8321,7 @@
           <a:p>
             <a:fld id="{48A87A34-81AB-432B-8DAE-1953F412C126}" type="datetimeFigureOut">
               <a:rPr lang="en-US" dirty="0"/>
-              <a:t>9/20/2021</a:t>
+              <a:t>9/29/2021</a:t>
             </a:fld>
             <a:endParaRPr lang="en-US" dirty="0"/>
           </a:p>
@@ -8405,7 +8411,7 @@
           <a:p>
             <a:fld id="{48A87A34-81AB-432B-8DAE-1953F412C126}" type="datetimeFigureOut">
               <a:rPr lang="en-US" dirty="0"/>
-              <a:t>9/20/2021</a:t>
+              <a:t>9/29/2021</a:t>
             </a:fld>
             <a:endParaRPr lang="en-US" dirty="0"/>
           </a:p>
@@ -8649,7 +8655,7 @@
           <a:p>
             <a:fld id="{48A87A34-81AB-432B-8DAE-1953F412C126}" type="datetimeFigureOut">
               <a:rPr lang="en-US" dirty="0"/>
-              <a:t>9/20/2021</a:t>
+              <a:t>9/29/2021</a:t>
             </a:fld>
             <a:endParaRPr lang="en-US" dirty="0"/>
           </a:p>
@@ -8924,7 +8930,7 @@
           <a:p>
             <a:fld id="{48A87A34-81AB-432B-8DAE-1953F412C126}" type="datetimeFigureOut">
               <a:rPr lang="en-US" dirty="0"/>
-              <a:t>9/20/2021</a:t>
+              <a:t>9/29/2021</a:t>
             </a:fld>
             <a:endParaRPr lang="en-US" dirty="0"/>
           </a:p>
@@ -11997,7 +12003,7 @@
             <a:fld id="{48A87A34-81AB-432B-8DAE-1953F412C126}" type="datetimeFigureOut">
               <a:rPr lang="en-US" dirty="0"/>
               <a:pPr/>
-              <a:t>9/20/2021</a:t>
+              <a:t>9/29/2021</a:t>
             </a:fld>
             <a:endParaRPr lang="en-US" dirty="0"/>
           </a:p>
@@ -12418,7 +12424,7 @@
           <p:cNvPr id="2" name="Título 1">
             <a:extLst>
               <a:ext uri="{FF2B5EF4-FFF2-40B4-BE49-F238E27FC236}">
-                <a16:creationId xmlns="" xmlns:a16="http://schemas.microsoft.com/office/drawing/2014/main" id="{14AB9F69-8D24-468C-93DF-A1666924EB0C}"/>
+                <a16:creationId xmlns:a16="http://schemas.microsoft.com/office/drawing/2014/main" xmlns="" id="{14AB9F69-8D24-468C-93DF-A1666924EB0C}"/>
               </a:ext>
             </a:extLst>
           </p:cNvPr>
@@ -12449,7 +12455,7 @@
           <p:cNvPr id="3" name="Subtítulo 2">
             <a:extLst>
               <a:ext uri="{FF2B5EF4-FFF2-40B4-BE49-F238E27FC236}">
-                <a16:creationId xmlns="" xmlns:a16="http://schemas.microsoft.com/office/drawing/2014/main" id="{0E4BFB9B-D461-4F8E-B2A0-819D63FA7EC4}"/>
+                <a16:creationId xmlns:a16="http://schemas.microsoft.com/office/drawing/2014/main" xmlns="" id="{0E4BFB9B-D461-4F8E-B2A0-819D63FA7EC4}"/>
               </a:ext>
             </a:extLst>
           </p:cNvPr>
@@ -12520,7 +12526,7 @@
           <p:cNvPr id="8" name="Retângulo 7">
             <a:extLst>
               <a:ext uri="{FF2B5EF4-FFF2-40B4-BE49-F238E27FC236}">
-                <a16:creationId xmlns="" xmlns:a16="http://schemas.microsoft.com/office/drawing/2014/main" id="{9B33DD69-1761-43D2-B589-CE56D2C4FBB6}"/>
+                <a16:creationId xmlns:a16="http://schemas.microsoft.com/office/drawing/2014/main" xmlns="" id="{9B33DD69-1761-43D2-B589-CE56D2C4FBB6}"/>
               </a:ext>
             </a:extLst>
           </p:cNvPr>
@@ -12574,7 +12580,7 @@
           <p:cNvPr id="24" name="CaixaDeTexto 23">
             <a:extLst>
               <a:ext uri="{FF2B5EF4-FFF2-40B4-BE49-F238E27FC236}">
-                <a16:creationId xmlns="" xmlns:a16="http://schemas.microsoft.com/office/drawing/2014/main" id="{90B980A2-8D40-4C0A-9871-4FA9794F9C3D}"/>
+                <a16:creationId xmlns:a16="http://schemas.microsoft.com/office/drawing/2014/main" xmlns="" id="{90B980A2-8D40-4C0A-9871-4FA9794F9C3D}"/>
               </a:ext>
             </a:extLst>
           </p:cNvPr>
@@ -13045,7 +13051,7 @@
           <p:cNvPr id="8" name="Retângulo 7">
             <a:extLst>
               <a:ext uri="{FF2B5EF4-FFF2-40B4-BE49-F238E27FC236}">
-                <a16:creationId xmlns="" xmlns:a16="http://schemas.microsoft.com/office/drawing/2014/main" id="{9B33DD69-1761-43D2-B589-CE56D2C4FBB6}"/>
+                <a16:creationId xmlns:a16="http://schemas.microsoft.com/office/drawing/2014/main" xmlns="" id="{9B33DD69-1761-43D2-B589-CE56D2C4FBB6}"/>
               </a:ext>
             </a:extLst>
           </p:cNvPr>
@@ -13099,7 +13105,7 @@
           <p:cNvPr id="24" name="CaixaDeTexto 23">
             <a:extLst>
               <a:ext uri="{FF2B5EF4-FFF2-40B4-BE49-F238E27FC236}">
-                <a16:creationId xmlns="" xmlns:a16="http://schemas.microsoft.com/office/drawing/2014/main" id="{90B980A2-8D40-4C0A-9871-4FA9794F9C3D}"/>
+                <a16:creationId xmlns:a16="http://schemas.microsoft.com/office/drawing/2014/main" xmlns="" id="{90B980A2-8D40-4C0A-9871-4FA9794F9C3D}"/>
               </a:ext>
             </a:extLst>
           </p:cNvPr>
@@ -13569,7 +13575,7 @@
           <p:cNvPr id="8" name="Retângulo 7">
             <a:extLst>
               <a:ext uri="{FF2B5EF4-FFF2-40B4-BE49-F238E27FC236}">
-                <a16:creationId xmlns="" xmlns:a16="http://schemas.microsoft.com/office/drawing/2014/main" id="{9B33DD69-1761-43D2-B589-CE56D2C4FBB6}"/>
+                <a16:creationId xmlns:a16="http://schemas.microsoft.com/office/drawing/2014/main" xmlns="" id="{9B33DD69-1761-43D2-B589-CE56D2C4FBB6}"/>
               </a:ext>
             </a:extLst>
           </p:cNvPr>
@@ -13623,7 +13629,7 @@
           <p:cNvPr id="24" name="CaixaDeTexto 23">
             <a:extLst>
               <a:ext uri="{FF2B5EF4-FFF2-40B4-BE49-F238E27FC236}">
-                <a16:creationId xmlns="" xmlns:a16="http://schemas.microsoft.com/office/drawing/2014/main" id="{90B980A2-8D40-4C0A-9871-4FA9794F9C3D}"/>
+                <a16:creationId xmlns:a16="http://schemas.microsoft.com/office/drawing/2014/main" xmlns="" id="{90B980A2-8D40-4C0A-9871-4FA9794F9C3D}"/>
               </a:ext>
             </a:extLst>
           </p:cNvPr>
@@ -14377,7 +14383,7 @@
           <p:cNvPr id="8" name="Retângulo 7">
             <a:extLst>
               <a:ext uri="{FF2B5EF4-FFF2-40B4-BE49-F238E27FC236}">
-                <a16:creationId xmlns="" xmlns:a16="http://schemas.microsoft.com/office/drawing/2014/main" id="{9B33DD69-1761-43D2-B589-CE56D2C4FBB6}"/>
+                <a16:creationId xmlns:a16="http://schemas.microsoft.com/office/drawing/2014/main" xmlns="" id="{9B33DD69-1761-43D2-B589-CE56D2C4FBB6}"/>
               </a:ext>
             </a:extLst>
           </p:cNvPr>
@@ -14431,7 +14437,7 @@
           <p:cNvPr id="24" name="CaixaDeTexto 23">
             <a:extLst>
               <a:ext uri="{FF2B5EF4-FFF2-40B4-BE49-F238E27FC236}">
-                <a16:creationId xmlns="" xmlns:a16="http://schemas.microsoft.com/office/drawing/2014/main" id="{90B980A2-8D40-4C0A-9871-4FA9794F9C3D}"/>
+                <a16:creationId xmlns:a16="http://schemas.microsoft.com/office/drawing/2014/main" xmlns="" id="{90B980A2-8D40-4C0A-9871-4FA9794F9C3D}"/>
               </a:ext>
             </a:extLst>
           </p:cNvPr>
@@ -14955,7 +14961,7 @@
           <p:cNvPr id="2" name="Título 1">
             <a:extLst>
               <a:ext uri="{FF2B5EF4-FFF2-40B4-BE49-F238E27FC236}">
-                <a16:creationId xmlns="" xmlns:a16="http://schemas.microsoft.com/office/drawing/2014/main" id="{14AB9F69-8D24-468C-93DF-A1666924EB0C}"/>
+                <a16:creationId xmlns:a16="http://schemas.microsoft.com/office/drawing/2014/main" xmlns="" id="{14AB9F69-8D24-468C-93DF-A1666924EB0C}"/>
               </a:ext>
             </a:extLst>
           </p:cNvPr>
@@ -14986,7 +14992,7 @@
           <p:cNvPr id="3" name="Subtítulo 2">
             <a:extLst>
               <a:ext uri="{FF2B5EF4-FFF2-40B4-BE49-F238E27FC236}">
-                <a16:creationId xmlns="" xmlns:a16="http://schemas.microsoft.com/office/drawing/2014/main" id="{0E4BFB9B-D461-4F8E-B2A0-819D63FA7EC4}"/>
+                <a16:creationId xmlns:a16="http://schemas.microsoft.com/office/drawing/2014/main" xmlns="" id="{0E4BFB9B-D461-4F8E-B2A0-819D63FA7EC4}"/>
               </a:ext>
             </a:extLst>
           </p:cNvPr>
@@ -15057,7 +15063,7 @@
           <p:cNvPr id="8" name="Retângulo 7">
             <a:extLst>
               <a:ext uri="{FF2B5EF4-FFF2-40B4-BE49-F238E27FC236}">
-                <a16:creationId xmlns="" xmlns:a16="http://schemas.microsoft.com/office/drawing/2014/main" id="{9B33DD69-1761-43D2-B589-CE56D2C4FBB6}"/>
+                <a16:creationId xmlns:a16="http://schemas.microsoft.com/office/drawing/2014/main" xmlns="" id="{9B33DD69-1761-43D2-B589-CE56D2C4FBB6}"/>
               </a:ext>
             </a:extLst>
           </p:cNvPr>
@@ -15111,7 +15117,7 @@
           <p:cNvPr id="24" name="CaixaDeTexto 23">
             <a:extLst>
               <a:ext uri="{FF2B5EF4-FFF2-40B4-BE49-F238E27FC236}">
-                <a16:creationId xmlns="" xmlns:a16="http://schemas.microsoft.com/office/drawing/2014/main" id="{90B980A2-8D40-4C0A-9871-4FA9794F9C3D}"/>
+                <a16:creationId xmlns:a16="http://schemas.microsoft.com/office/drawing/2014/main" xmlns="" id="{90B980A2-8D40-4C0A-9871-4FA9794F9C3D}"/>
               </a:ext>
             </a:extLst>
           </p:cNvPr>
@@ -15700,7 +15706,7 @@
           <p:cNvPr id="8" name="Retângulo 7">
             <a:extLst>
               <a:ext uri="{FF2B5EF4-FFF2-40B4-BE49-F238E27FC236}">
-                <a16:creationId xmlns="" xmlns:a16="http://schemas.microsoft.com/office/drawing/2014/main" id="{9B33DD69-1761-43D2-B589-CE56D2C4FBB6}"/>
+                <a16:creationId xmlns:a16="http://schemas.microsoft.com/office/drawing/2014/main" xmlns="" id="{9B33DD69-1761-43D2-B589-CE56D2C4FBB6}"/>
               </a:ext>
             </a:extLst>
           </p:cNvPr>
@@ -15754,7 +15760,7 @@
           <p:cNvPr id="24" name="CaixaDeTexto 23">
             <a:extLst>
               <a:ext uri="{FF2B5EF4-FFF2-40B4-BE49-F238E27FC236}">
-                <a16:creationId xmlns="" xmlns:a16="http://schemas.microsoft.com/office/drawing/2014/main" id="{90B980A2-8D40-4C0A-9871-4FA9794F9C3D}"/>
+                <a16:creationId xmlns:a16="http://schemas.microsoft.com/office/drawing/2014/main" xmlns="" id="{90B980A2-8D40-4C0A-9871-4FA9794F9C3D}"/>
               </a:ext>
             </a:extLst>
           </p:cNvPr>
@@ -16200,7 +16206,7 @@
           <p:cNvPr id="8" name="Retângulo 7">
             <a:extLst>
               <a:ext uri="{FF2B5EF4-FFF2-40B4-BE49-F238E27FC236}">
-                <a16:creationId xmlns="" xmlns:a16="http://schemas.microsoft.com/office/drawing/2014/main" id="{9B33DD69-1761-43D2-B589-CE56D2C4FBB6}"/>
+                <a16:creationId xmlns:a16="http://schemas.microsoft.com/office/drawing/2014/main" xmlns="" id="{9B33DD69-1761-43D2-B589-CE56D2C4FBB6}"/>
               </a:ext>
             </a:extLst>
           </p:cNvPr>
@@ -16254,7 +16260,7 @@
           <p:cNvPr id="24" name="CaixaDeTexto 23">
             <a:extLst>
               <a:ext uri="{FF2B5EF4-FFF2-40B4-BE49-F238E27FC236}">
-                <a16:creationId xmlns="" xmlns:a16="http://schemas.microsoft.com/office/drawing/2014/main" id="{90B980A2-8D40-4C0A-9871-4FA9794F9C3D}"/>
+                <a16:creationId xmlns:a16="http://schemas.microsoft.com/office/drawing/2014/main" xmlns="" id="{90B980A2-8D40-4C0A-9871-4FA9794F9C3D}"/>
               </a:ext>
             </a:extLst>
           </p:cNvPr>
@@ -16654,7 +16660,7 @@
           <p:cNvPr id="8" name="Retângulo 7">
             <a:extLst>
               <a:ext uri="{FF2B5EF4-FFF2-40B4-BE49-F238E27FC236}">
-                <a16:creationId xmlns="" xmlns:a16="http://schemas.microsoft.com/office/drawing/2014/main" id="{9B33DD69-1761-43D2-B589-CE56D2C4FBB6}"/>
+                <a16:creationId xmlns:a16="http://schemas.microsoft.com/office/drawing/2014/main" xmlns="" id="{9B33DD69-1761-43D2-B589-CE56D2C4FBB6}"/>
               </a:ext>
             </a:extLst>
           </p:cNvPr>
@@ -16708,7 +16714,7 @@
           <p:cNvPr id="24" name="CaixaDeTexto 23">
             <a:extLst>
               <a:ext uri="{FF2B5EF4-FFF2-40B4-BE49-F238E27FC236}">
-                <a16:creationId xmlns="" xmlns:a16="http://schemas.microsoft.com/office/drawing/2014/main" id="{90B980A2-8D40-4C0A-9871-4FA9794F9C3D}"/>
+                <a16:creationId xmlns:a16="http://schemas.microsoft.com/office/drawing/2014/main" xmlns="" id="{90B980A2-8D40-4C0A-9871-4FA9794F9C3D}"/>
               </a:ext>
             </a:extLst>
           </p:cNvPr>
@@ -16991,7 +16997,7 @@
           <p:cNvPr id="8" name="Retângulo 7">
             <a:extLst>
               <a:ext uri="{FF2B5EF4-FFF2-40B4-BE49-F238E27FC236}">
-                <a16:creationId xmlns="" xmlns:a16="http://schemas.microsoft.com/office/drawing/2014/main" id="{9B33DD69-1761-43D2-B589-CE56D2C4FBB6}"/>
+                <a16:creationId xmlns:a16="http://schemas.microsoft.com/office/drawing/2014/main" xmlns="" id="{9B33DD69-1761-43D2-B589-CE56D2C4FBB6}"/>
               </a:ext>
             </a:extLst>
           </p:cNvPr>
@@ -17045,7 +17051,7 @@
           <p:cNvPr id="24" name="CaixaDeTexto 23">
             <a:extLst>
               <a:ext uri="{FF2B5EF4-FFF2-40B4-BE49-F238E27FC236}">
-                <a16:creationId xmlns="" xmlns:a16="http://schemas.microsoft.com/office/drawing/2014/main" id="{90B980A2-8D40-4C0A-9871-4FA9794F9C3D}"/>
+                <a16:creationId xmlns:a16="http://schemas.microsoft.com/office/drawing/2014/main" xmlns="" id="{90B980A2-8D40-4C0A-9871-4FA9794F9C3D}"/>
               </a:ext>
             </a:extLst>
           </p:cNvPr>
@@ -17309,7 +17315,7 @@
           <p:cNvPr id="2" name="Título 1">
             <a:extLst>
               <a:ext uri="{FF2B5EF4-FFF2-40B4-BE49-F238E27FC236}">
-                <a16:creationId xmlns="" xmlns:a16="http://schemas.microsoft.com/office/drawing/2014/main" id="{14AB9F69-8D24-468C-93DF-A1666924EB0C}"/>
+                <a16:creationId xmlns:a16="http://schemas.microsoft.com/office/drawing/2014/main" xmlns="" id="{14AB9F69-8D24-468C-93DF-A1666924EB0C}"/>
               </a:ext>
             </a:extLst>
           </p:cNvPr>
@@ -17340,7 +17346,7 @@
           <p:cNvPr id="3" name="Subtítulo 2">
             <a:extLst>
               <a:ext uri="{FF2B5EF4-FFF2-40B4-BE49-F238E27FC236}">
-                <a16:creationId xmlns="" xmlns:a16="http://schemas.microsoft.com/office/drawing/2014/main" id="{0E4BFB9B-D461-4F8E-B2A0-819D63FA7EC4}"/>
+                <a16:creationId xmlns:a16="http://schemas.microsoft.com/office/drawing/2014/main" xmlns="" id="{0E4BFB9B-D461-4F8E-B2A0-819D63FA7EC4}"/>
               </a:ext>
             </a:extLst>
           </p:cNvPr>
@@ -17411,7 +17417,7 @@
           <p:cNvPr id="8" name="Retângulo 7">
             <a:extLst>
               <a:ext uri="{FF2B5EF4-FFF2-40B4-BE49-F238E27FC236}">
-                <a16:creationId xmlns="" xmlns:a16="http://schemas.microsoft.com/office/drawing/2014/main" id="{9B33DD69-1761-43D2-B589-CE56D2C4FBB6}"/>
+                <a16:creationId xmlns:a16="http://schemas.microsoft.com/office/drawing/2014/main" xmlns="" id="{9B33DD69-1761-43D2-B589-CE56D2C4FBB6}"/>
               </a:ext>
             </a:extLst>
           </p:cNvPr>
@@ -17465,7 +17471,7 @@
           <p:cNvPr id="24" name="CaixaDeTexto 23">
             <a:extLst>
               <a:ext uri="{FF2B5EF4-FFF2-40B4-BE49-F238E27FC236}">
-                <a16:creationId xmlns="" xmlns:a16="http://schemas.microsoft.com/office/drawing/2014/main" id="{90B980A2-8D40-4C0A-9871-4FA9794F9C3D}"/>
+                <a16:creationId xmlns:a16="http://schemas.microsoft.com/office/drawing/2014/main" xmlns="" id="{90B980A2-8D40-4C0A-9871-4FA9794F9C3D}"/>
               </a:ext>
             </a:extLst>
           </p:cNvPr>
@@ -17747,7 +17753,7 @@
           <p:cNvPr id="8" name="Retângulo 7">
             <a:extLst>
               <a:ext uri="{FF2B5EF4-FFF2-40B4-BE49-F238E27FC236}">
-                <a16:creationId xmlns="" xmlns:a16="http://schemas.microsoft.com/office/drawing/2014/main" id="{9B33DD69-1761-43D2-B589-CE56D2C4FBB6}"/>
+                <a16:creationId xmlns:a16="http://schemas.microsoft.com/office/drawing/2014/main" xmlns="" id="{9B33DD69-1761-43D2-B589-CE56D2C4FBB6}"/>
               </a:ext>
             </a:extLst>
           </p:cNvPr>
@@ -17801,7 +17807,7 @@
           <p:cNvPr id="24" name="CaixaDeTexto 23">
             <a:extLst>
               <a:ext uri="{FF2B5EF4-FFF2-40B4-BE49-F238E27FC236}">
-                <a16:creationId xmlns="" xmlns:a16="http://schemas.microsoft.com/office/drawing/2014/main" id="{90B980A2-8D40-4C0A-9871-4FA9794F9C3D}"/>
+                <a16:creationId xmlns:a16="http://schemas.microsoft.com/office/drawing/2014/main" xmlns="" id="{90B980A2-8D40-4C0A-9871-4FA9794F9C3D}"/>
               </a:ext>
             </a:extLst>
           </p:cNvPr>
@@ -18330,7 +18336,7 @@
           <p:cNvPr id="8" name="Retângulo 7">
             <a:extLst>
               <a:ext uri="{FF2B5EF4-FFF2-40B4-BE49-F238E27FC236}">
-                <a16:creationId xmlns="" xmlns:a16="http://schemas.microsoft.com/office/drawing/2014/main" id="{9B33DD69-1761-43D2-B589-CE56D2C4FBB6}"/>
+                <a16:creationId xmlns:a16="http://schemas.microsoft.com/office/drawing/2014/main" xmlns="" id="{9B33DD69-1761-43D2-B589-CE56D2C4FBB6}"/>
               </a:ext>
             </a:extLst>
           </p:cNvPr>
@@ -18384,7 +18390,7 @@
           <p:cNvPr id="24" name="CaixaDeTexto 23">
             <a:extLst>
               <a:ext uri="{FF2B5EF4-FFF2-40B4-BE49-F238E27FC236}">
-                <a16:creationId xmlns="" xmlns:a16="http://schemas.microsoft.com/office/drawing/2014/main" id="{90B980A2-8D40-4C0A-9871-4FA9794F9C3D}"/>
+                <a16:creationId xmlns:a16="http://schemas.microsoft.com/office/drawing/2014/main" xmlns="" id="{90B980A2-8D40-4C0A-9871-4FA9794F9C3D}"/>
               </a:ext>
             </a:extLst>
           </p:cNvPr>
@@ -18967,7 +18973,7 @@
           <p:cNvPr id="8" name="Retângulo 7">
             <a:extLst>
               <a:ext uri="{FF2B5EF4-FFF2-40B4-BE49-F238E27FC236}">
-                <a16:creationId xmlns="" xmlns:a16="http://schemas.microsoft.com/office/drawing/2014/main" id="{9B33DD69-1761-43D2-B589-CE56D2C4FBB6}"/>
+                <a16:creationId xmlns:a16="http://schemas.microsoft.com/office/drawing/2014/main" xmlns="" id="{9B33DD69-1761-43D2-B589-CE56D2C4FBB6}"/>
               </a:ext>
             </a:extLst>
           </p:cNvPr>
@@ -19021,7 +19027,7 @@
           <p:cNvPr id="24" name="CaixaDeTexto 23">
             <a:extLst>
               <a:ext uri="{FF2B5EF4-FFF2-40B4-BE49-F238E27FC236}">
-                <a16:creationId xmlns="" xmlns:a16="http://schemas.microsoft.com/office/drawing/2014/main" id="{90B980A2-8D40-4C0A-9871-4FA9794F9C3D}"/>
+                <a16:creationId xmlns:a16="http://schemas.microsoft.com/office/drawing/2014/main" xmlns="" id="{90B980A2-8D40-4C0A-9871-4FA9794F9C3D}"/>
               </a:ext>
             </a:extLst>
           </p:cNvPr>
@@ -19448,7 +19454,7 @@
           <p:cNvPr id="8" name="Retângulo 7">
             <a:extLst>
               <a:ext uri="{FF2B5EF4-FFF2-40B4-BE49-F238E27FC236}">
-                <a16:creationId xmlns="" xmlns:a16="http://schemas.microsoft.com/office/drawing/2014/main" id="{9B33DD69-1761-43D2-B589-CE56D2C4FBB6}"/>
+                <a16:creationId xmlns:a16="http://schemas.microsoft.com/office/drawing/2014/main" xmlns="" id="{9B33DD69-1761-43D2-B589-CE56D2C4FBB6}"/>
               </a:ext>
             </a:extLst>
           </p:cNvPr>
@@ -19502,7 +19508,7 @@
           <p:cNvPr id="24" name="CaixaDeTexto 23">
             <a:extLst>
               <a:ext uri="{FF2B5EF4-FFF2-40B4-BE49-F238E27FC236}">
-                <a16:creationId xmlns="" xmlns:a16="http://schemas.microsoft.com/office/drawing/2014/main" id="{90B980A2-8D40-4C0A-9871-4FA9794F9C3D}"/>
+                <a16:creationId xmlns:a16="http://schemas.microsoft.com/office/drawing/2014/main" xmlns="" id="{90B980A2-8D40-4C0A-9871-4FA9794F9C3D}"/>
               </a:ext>
             </a:extLst>
           </p:cNvPr>
@@ -19794,7 +19800,7 @@
           <p:cNvPr id="8" name="Retângulo 7">
             <a:extLst>
               <a:ext uri="{FF2B5EF4-FFF2-40B4-BE49-F238E27FC236}">
-                <a16:creationId xmlns="" xmlns:a16="http://schemas.microsoft.com/office/drawing/2014/main" id="{9B33DD69-1761-43D2-B589-CE56D2C4FBB6}"/>
+                <a16:creationId xmlns:a16="http://schemas.microsoft.com/office/drawing/2014/main" xmlns="" id="{9B33DD69-1761-43D2-B589-CE56D2C4FBB6}"/>
               </a:ext>
             </a:extLst>
           </p:cNvPr>
@@ -19852,7 +19858,7 @@
           <p:cNvPr id="24" name="CaixaDeTexto 23">
             <a:extLst>
               <a:ext uri="{FF2B5EF4-FFF2-40B4-BE49-F238E27FC236}">
-                <a16:creationId xmlns="" xmlns:a16="http://schemas.microsoft.com/office/drawing/2014/main" id="{90B980A2-8D40-4C0A-9871-4FA9794F9C3D}"/>
+                <a16:creationId xmlns:a16="http://schemas.microsoft.com/office/drawing/2014/main" xmlns="" id="{90B980A2-8D40-4C0A-9871-4FA9794F9C3D}"/>
               </a:ext>
             </a:extLst>
           </p:cNvPr>
@@ -20681,7 +20687,7 @@
           <p:cNvPr id="8" name="Retângulo 7">
             <a:extLst>
               <a:ext uri="{FF2B5EF4-FFF2-40B4-BE49-F238E27FC236}">
-                <a16:creationId xmlns="" xmlns:a16="http://schemas.microsoft.com/office/drawing/2014/main" id="{9B33DD69-1761-43D2-B589-CE56D2C4FBB6}"/>
+                <a16:creationId xmlns:a16="http://schemas.microsoft.com/office/drawing/2014/main" xmlns="" id="{9B33DD69-1761-43D2-B589-CE56D2C4FBB6}"/>
               </a:ext>
             </a:extLst>
           </p:cNvPr>
@@ -20739,7 +20745,7 @@
           <p:cNvPr id="24" name="CaixaDeTexto 23">
             <a:extLst>
               <a:ext uri="{FF2B5EF4-FFF2-40B4-BE49-F238E27FC236}">
-                <a16:creationId xmlns="" xmlns:a16="http://schemas.microsoft.com/office/drawing/2014/main" id="{90B980A2-8D40-4C0A-9871-4FA9794F9C3D}"/>
+                <a16:creationId xmlns:a16="http://schemas.microsoft.com/office/drawing/2014/main" xmlns="" id="{90B980A2-8D40-4C0A-9871-4FA9794F9C3D}"/>
               </a:ext>
             </a:extLst>
           </p:cNvPr>
@@ -21186,7 +21192,7 @@
           <p:cNvPr id="8" name="Retângulo 7">
             <a:extLst>
               <a:ext uri="{FF2B5EF4-FFF2-40B4-BE49-F238E27FC236}">
-                <a16:creationId xmlns="" xmlns:a16="http://schemas.microsoft.com/office/drawing/2014/main" id="{9B33DD69-1761-43D2-B589-CE56D2C4FBB6}"/>
+                <a16:creationId xmlns:a16="http://schemas.microsoft.com/office/drawing/2014/main" xmlns="" id="{9B33DD69-1761-43D2-B589-CE56D2C4FBB6}"/>
               </a:ext>
             </a:extLst>
           </p:cNvPr>
@@ -21244,7 +21250,7 @@
           <p:cNvPr id="24" name="CaixaDeTexto 23">
             <a:extLst>
               <a:ext uri="{FF2B5EF4-FFF2-40B4-BE49-F238E27FC236}">
-                <a16:creationId xmlns="" xmlns:a16="http://schemas.microsoft.com/office/drawing/2014/main" id="{90B980A2-8D40-4C0A-9871-4FA9794F9C3D}"/>
+                <a16:creationId xmlns:a16="http://schemas.microsoft.com/office/drawing/2014/main" xmlns="" id="{90B980A2-8D40-4C0A-9871-4FA9794F9C3D}"/>
               </a:ext>
             </a:extLst>
           </p:cNvPr>
@@ -21523,7 +21529,7 @@
           <p:cNvPr id="8" name="Retângulo 7">
             <a:extLst>
               <a:ext uri="{FF2B5EF4-FFF2-40B4-BE49-F238E27FC236}">
-                <a16:creationId xmlns="" xmlns:a16="http://schemas.microsoft.com/office/drawing/2014/main" id="{9B33DD69-1761-43D2-B589-CE56D2C4FBB6}"/>
+                <a16:creationId xmlns:a16="http://schemas.microsoft.com/office/drawing/2014/main" xmlns="" id="{9B33DD69-1761-43D2-B589-CE56D2C4FBB6}"/>
               </a:ext>
             </a:extLst>
           </p:cNvPr>
@@ -21581,7 +21587,7 @@
           <p:cNvPr id="24" name="CaixaDeTexto 23">
             <a:extLst>
               <a:ext uri="{FF2B5EF4-FFF2-40B4-BE49-F238E27FC236}">
-                <a16:creationId xmlns="" xmlns:a16="http://schemas.microsoft.com/office/drawing/2014/main" id="{90B980A2-8D40-4C0A-9871-4FA9794F9C3D}"/>
+                <a16:creationId xmlns:a16="http://schemas.microsoft.com/office/drawing/2014/main" xmlns="" id="{90B980A2-8D40-4C0A-9871-4FA9794F9C3D}"/>
               </a:ext>
             </a:extLst>
           </p:cNvPr>
@@ -21972,7 +21978,7 @@
           <p:cNvPr id="8" name="Retângulo 7">
             <a:extLst>
               <a:ext uri="{FF2B5EF4-FFF2-40B4-BE49-F238E27FC236}">
-                <a16:creationId xmlns="" xmlns:a16="http://schemas.microsoft.com/office/drawing/2014/main" id="{9B33DD69-1761-43D2-B589-CE56D2C4FBB6}"/>
+                <a16:creationId xmlns:a16="http://schemas.microsoft.com/office/drawing/2014/main" xmlns="" id="{9B33DD69-1761-43D2-B589-CE56D2C4FBB6}"/>
               </a:ext>
             </a:extLst>
           </p:cNvPr>
@@ -22030,7 +22036,7 @@
           <p:cNvPr id="24" name="CaixaDeTexto 23">
             <a:extLst>
               <a:ext uri="{FF2B5EF4-FFF2-40B4-BE49-F238E27FC236}">
-                <a16:creationId xmlns="" xmlns:a16="http://schemas.microsoft.com/office/drawing/2014/main" id="{90B980A2-8D40-4C0A-9871-4FA9794F9C3D}"/>
+                <a16:creationId xmlns:a16="http://schemas.microsoft.com/office/drawing/2014/main" xmlns="" id="{90B980A2-8D40-4C0A-9871-4FA9794F9C3D}"/>
               </a:ext>
             </a:extLst>
           </p:cNvPr>
@@ -22707,7 +22713,7 @@
           <p:cNvPr id="8" name="Retângulo 7">
             <a:extLst>
               <a:ext uri="{FF2B5EF4-FFF2-40B4-BE49-F238E27FC236}">
-                <a16:creationId xmlns="" xmlns:a16="http://schemas.microsoft.com/office/drawing/2014/main" id="{9B33DD69-1761-43D2-B589-CE56D2C4FBB6}"/>
+                <a16:creationId xmlns:a16="http://schemas.microsoft.com/office/drawing/2014/main" xmlns="" id="{9B33DD69-1761-43D2-B589-CE56D2C4FBB6}"/>
               </a:ext>
             </a:extLst>
           </p:cNvPr>
@@ -22761,7 +22767,7 @@
           <p:cNvPr id="24" name="CaixaDeTexto 23">
             <a:extLst>
               <a:ext uri="{FF2B5EF4-FFF2-40B4-BE49-F238E27FC236}">
-                <a16:creationId xmlns="" xmlns:a16="http://schemas.microsoft.com/office/drawing/2014/main" id="{90B980A2-8D40-4C0A-9871-4FA9794F9C3D}"/>
+                <a16:creationId xmlns:a16="http://schemas.microsoft.com/office/drawing/2014/main" xmlns="" id="{90B980A2-8D40-4C0A-9871-4FA9794F9C3D}"/>
               </a:ext>
             </a:extLst>
           </p:cNvPr>
@@ -23080,7 +23086,7 @@
           <p:cNvPr id="2" name="Título 1">
             <a:extLst>
               <a:ext uri="{FF2B5EF4-FFF2-40B4-BE49-F238E27FC236}">
-                <a16:creationId xmlns="" xmlns:a16="http://schemas.microsoft.com/office/drawing/2014/main" id="{14AB9F69-8D24-468C-93DF-A1666924EB0C}"/>
+                <a16:creationId xmlns:a16="http://schemas.microsoft.com/office/drawing/2014/main" xmlns="" id="{14AB9F69-8D24-468C-93DF-A1666924EB0C}"/>
               </a:ext>
             </a:extLst>
           </p:cNvPr>
@@ -23111,7 +23117,7 @@
           <p:cNvPr id="3" name="Subtítulo 2">
             <a:extLst>
               <a:ext uri="{FF2B5EF4-FFF2-40B4-BE49-F238E27FC236}">
-                <a16:creationId xmlns="" xmlns:a16="http://schemas.microsoft.com/office/drawing/2014/main" id="{0E4BFB9B-D461-4F8E-B2A0-819D63FA7EC4}"/>
+                <a16:creationId xmlns:a16="http://schemas.microsoft.com/office/drawing/2014/main" xmlns="" id="{0E4BFB9B-D461-4F8E-B2A0-819D63FA7EC4}"/>
               </a:ext>
             </a:extLst>
           </p:cNvPr>
@@ -23182,7 +23188,7 @@
           <p:cNvPr id="8" name="Retângulo 7">
             <a:extLst>
               <a:ext uri="{FF2B5EF4-FFF2-40B4-BE49-F238E27FC236}">
-                <a16:creationId xmlns="" xmlns:a16="http://schemas.microsoft.com/office/drawing/2014/main" id="{9B33DD69-1761-43D2-B589-CE56D2C4FBB6}"/>
+                <a16:creationId xmlns:a16="http://schemas.microsoft.com/office/drawing/2014/main" xmlns="" id="{9B33DD69-1761-43D2-B589-CE56D2C4FBB6}"/>
               </a:ext>
             </a:extLst>
           </p:cNvPr>
@@ -23318,7 +23324,7 @@
           <p:cNvPr id="9" name="CaixaDeTexto 8">
             <a:extLst>
               <a:ext uri="{FF2B5EF4-FFF2-40B4-BE49-F238E27FC236}">
-                <a16:creationId xmlns="" xmlns:a16="http://schemas.microsoft.com/office/drawing/2014/main" id="{90B980A2-8D40-4C0A-9871-4FA9794F9C3D}"/>
+                <a16:creationId xmlns:a16="http://schemas.microsoft.com/office/drawing/2014/main" xmlns="" id="{90B980A2-8D40-4C0A-9871-4FA9794F9C3D}"/>
               </a:ext>
             </a:extLst>
           </p:cNvPr>
@@ -23737,7 +23743,7 @@
           <p:cNvPr id="2" name="Título 1">
             <a:extLst>
               <a:ext uri="{FF2B5EF4-FFF2-40B4-BE49-F238E27FC236}">
-                <a16:creationId xmlns="" xmlns:a16="http://schemas.microsoft.com/office/drawing/2014/main" id="{14AB9F69-8D24-468C-93DF-A1666924EB0C}"/>
+                <a16:creationId xmlns:a16="http://schemas.microsoft.com/office/drawing/2014/main" xmlns="" id="{14AB9F69-8D24-468C-93DF-A1666924EB0C}"/>
               </a:ext>
             </a:extLst>
           </p:cNvPr>
@@ -23768,7 +23774,7 @@
           <p:cNvPr id="3" name="Subtítulo 2">
             <a:extLst>
               <a:ext uri="{FF2B5EF4-FFF2-40B4-BE49-F238E27FC236}">
-                <a16:creationId xmlns="" xmlns:a16="http://schemas.microsoft.com/office/drawing/2014/main" id="{0E4BFB9B-D461-4F8E-B2A0-819D63FA7EC4}"/>
+                <a16:creationId xmlns:a16="http://schemas.microsoft.com/office/drawing/2014/main" xmlns="" id="{0E4BFB9B-D461-4F8E-B2A0-819D63FA7EC4}"/>
               </a:ext>
             </a:extLst>
           </p:cNvPr>
@@ -23839,7 +23845,7 @@
           <p:cNvPr id="8" name="Retângulo 7">
             <a:extLst>
               <a:ext uri="{FF2B5EF4-FFF2-40B4-BE49-F238E27FC236}">
-                <a16:creationId xmlns="" xmlns:a16="http://schemas.microsoft.com/office/drawing/2014/main" id="{9B33DD69-1761-43D2-B589-CE56D2C4FBB6}"/>
+                <a16:creationId xmlns:a16="http://schemas.microsoft.com/office/drawing/2014/main" xmlns="" id="{9B33DD69-1761-43D2-B589-CE56D2C4FBB6}"/>
               </a:ext>
             </a:extLst>
           </p:cNvPr>
@@ -23975,7 +23981,7 @@
           <p:cNvPr id="9" name="CaixaDeTexto 8">
             <a:extLst>
               <a:ext uri="{FF2B5EF4-FFF2-40B4-BE49-F238E27FC236}">
-                <a16:creationId xmlns="" xmlns:a16="http://schemas.microsoft.com/office/drawing/2014/main" id="{90B980A2-8D40-4C0A-9871-4FA9794F9C3D}"/>
+                <a16:creationId xmlns:a16="http://schemas.microsoft.com/office/drawing/2014/main" xmlns="" id="{90B980A2-8D40-4C0A-9871-4FA9794F9C3D}"/>
               </a:ext>
             </a:extLst>
           </p:cNvPr>
@@ -24154,7 +24160,7 @@
           <p:cNvPr id="8" name="Retângulo 7">
             <a:extLst>
               <a:ext uri="{FF2B5EF4-FFF2-40B4-BE49-F238E27FC236}">
-                <a16:creationId xmlns="" xmlns:a16="http://schemas.microsoft.com/office/drawing/2014/main" id="{9B33DD69-1761-43D2-B589-CE56D2C4FBB6}"/>
+                <a16:creationId xmlns:a16="http://schemas.microsoft.com/office/drawing/2014/main" xmlns="" id="{9B33DD69-1761-43D2-B589-CE56D2C4FBB6}"/>
               </a:ext>
             </a:extLst>
           </p:cNvPr>
@@ -24290,7 +24296,7 @@
           <p:cNvPr id="9" name="CaixaDeTexto 8">
             <a:extLst>
               <a:ext uri="{FF2B5EF4-FFF2-40B4-BE49-F238E27FC236}">
-                <a16:creationId xmlns="" xmlns:a16="http://schemas.microsoft.com/office/drawing/2014/main" id="{90B980A2-8D40-4C0A-9871-4FA9794F9C3D}"/>
+                <a16:creationId xmlns:a16="http://schemas.microsoft.com/office/drawing/2014/main" xmlns="" id="{90B980A2-8D40-4C0A-9871-4FA9794F9C3D}"/>
               </a:ext>
             </a:extLst>
           </p:cNvPr>
@@ -24478,7 +24484,7 @@
           <p:cNvPr id="8" name="Retângulo 7">
             <a:extLst>
               <a:ext uri="{FF2B5EF4-FFF2-40B4-BE49-F238E27FC236}">
-                <a16:creationId xmlns="" xmlns:a16="http://schemas.microsoft.com/office/drawing/2014/main" id="{9B33DD69-1761-43D2-B589-CE56D2C4FBB6}"/>
+                <a16:creationId xmlns:a16="http://schemas.microsoft.com/office/drawing/2014/main" xmlns="" id="{9B33DD69-1761-43D2-B589-CE56D2C4FBB6}"/>
               </a:ext>
             </a:extLst>
           </p:cNvPr>
@@ -24614,7 +24620,7 @@
           <p:cNvPr id="9" name="CaixaDeTexto 8">
             <a:extLst>
               <a:ext uri="{FF2B5EF4-FFF2-40B4-BE49-F238E27FC236}">
-                <a16:creationId xmlns="" xmlns:a16="http://schemas.microsoft.com/office/drawing/2014/main" id="{90B980A2-8D40-4C0A-9871-4FA9794F9C3D}"/>
+                <a16:creationId xmlns:a16="http://schemas.microsoft.com/office/drawing/2014/main" xmlns="" id="{90B980A2-8D40-4C0A-9871-4FA9794F9C3D}"/>
               </a:ext>
             </a:extLst>
           </p:cNvPr>
@@ -25279,7 +25285,7 @@
           <p:cNvPr id="8" name="Retângulo 7">
             <a:extLst>
               <a:ext uri="{FF2B5EF4-FFF2-40B4-BE49-F238E27FC236}">
-                <a16:creationId xmlns="" xmlns:a16="http://schemas.microsoft.com/office/drawing/2014/main" id="{9B33DD69-1761-43D2-B589-CE56D2C4FBB6}"/>
+                <a16:creationId xmlns:a16="http://schemas.microsoft.com/office/drawing/2014/main" xmlns="" id="{9B33DD69-1761-43D2-B589-CE56D2C4FBB6}"/>
               </a:ext>
             </a:extLst>
           </p:cNvPr>
@@ -25415,7 +25421,7 @@
           <p:cNvPr id="9" name="CaixaDeTexto 8">
             <a:extLst>
               <a:ext uri="{FF2B5EF4-FFF2-40B4-BE49-F238E27FC236}">
-                <a16:creationId xmlns="" xmlns:a16="http://schemas.microsoft.com/office/drawing/2014/main" id="{90B980A2-8D40-4C0A-9871-4FA9794F9C3D}"/>
+                <a16:creationId xmlns:a16="http://schemas.microsoft.com/office/drawing/2014/main" xmlns="" id="{90B980A2-8D40-4C0A-9871-4FA9794F9C3D}"/>
               </a:ext>
             </a:extLst>
           </p:cNvPr>
@@ -25899,7 +25905,7 @@
           <p:cNvPr id="8" name="Retângulo 7">
             <a:extLst>
               <a:ext uri="{FF2B5EF4-FFF2-40B4-BE49-F238E27FC236}">
-                <a16:creationId xmlns="" xmlns:a16="http://schemas.microsoft.com/office/drawing/2014/main" id="{9B33DD69-1761-43D2-B589-CE56D2C4FBB6}"/>
+                <a16:creationId xmlns:a16="http://schemas.microsoft.com/office/drawing/2014/main" xmlns="" id="{9B33DD69-1761-43D2-B589-CE56D2C4FBB6}"/>
               </a:ext>
             </a:extLst>
           </p:cNvPr>
@@ -26035,7 +26041,7 @@
           <p:cNvPr id="9" name="CaixaDeTexto 8">
             <a:extLst>
               <a:ext uri="{FF2B5EF4-FFF2-40B4-BE49-F238E27FC236}">
-                <a16:creationId xmlns="" xmlns:a16="http://schemas.microsoft.com/office/drawing/2014/main" id="{90B980A2-8D40-4C0A-9871-4FA9794F9C3D}"/>
+                <a16:creationId xmlns:a16="http://schemas.microsoft.com/office/drawing/2014/main" xmlns="" id="{90B980A2-8D40-4C0A-9871-4FA9794F9C3D}"/>
               </a:ext>
             </a:extLst>
           </p:cNvPr>
@@ -26525,7 +26531,7 @@
           <p:cNvPr id="8" name="Retângulo 7">
             <a:extLst>
               <a:ext uri="{FF2B5EF4-FFF2-40B4-BE49-F238E27FC236}">
-                <a16:creationId xmlns="" xmlns:a16="http://schemas.microsoft.com/office/drawing/2014/main" id="{9B33DD69-1761-43D2-B589-CE56D2C4FBB6}"/>
+                <a16:creationId xmlns:a16="http://schemas.microsoft.com/office/drawing/2014/main" xmlns="" id="{9B33DD69-1761-43D2-B589-CE56D2C4FBB6}"/>
               </a:ext>
             </a:extLst>
           </p:cNvPr>
@@ -26661,7 +26667,7 @@
           <p:cNvPr id="9" name="CaixaDeTexto 8">
             <a:extLst>
               <a:ext uri="{FF2B5EF4-FFF2-40B4-BE49-F238E27FC236}">
-                <a16:creationId xmlns="" xmlns:a16="http://schemas.microsoft.com/office/drawing/2014/main" id="{90B980A2-8D40-4C0A-9871-4FA9794F9C3D}"/>
+                <a16:creationId xmlns:a16="http://schemas.microsoft.com/office/drawing/2014/main" xmlns="" id="{90B980A2-8D40-4C0A-9871-4FA9794F9C3D}"/>
               </a:ext>
             </a:extLst>
           </p:cNvPr>
@@ -27043,7 +27049,7 @@
           <p:cNvPr id="2" name="Título 1">
             <a:extLst>
               <a:ext uri="{FF2B5EF4-FFF2-40B4-BE49-F238E27FC236}">
-                <a16:creationId xmlns="" xmlns:a16="http://schemas.microsoft.com/office/drawing/2014/main" id="{14AB9F69-8D24-468C-93DF-A1666924EB0C}"/>
+                <a16:creationId xmlns:a16="http://schemas.microsoft.com/office/drawing/2014/main" xmlns="" id="{14AB9F69-8D24-468C-93DF-A1666924EB0C}"/>
               </a:ext>
             </a:extLst>
           </p:cNvPr>
@@ -27074,7 +27080,7 @@
           <p:cNvPr id="3" name="Subtítulo 2">
             <a:extLst>
               <a:ext uri="{FF2B5EF4-FFF2-40B4-BE49-F238E27FC236}">
-                <a16:creationId xmlns="" xmlns:a16="http://schemas.microsoft.com/office/drawing/2014/main" id="{0E4BFB9B-D461-4F8E-B2A0-819D63FA7EC4}"/>
+                <a16:creationId xmlns:a16="http://schemas.microsoft.com/office/drawing/2014/main" xmlns="" id="{0E4BFB9B-D461-4F8E-B2A0-819D63FA7EC4}"/>
               </a:ext>
             </a:extLst>
           </p:cNvPr>
@@ -27145,7 +27151,7 @@
           <p:cNvPr id="8" name="Retângulo 7">
             <a:extLst>
               <a:ext uri="{FF2B5EF4-FFF2-40B4-BE49-F238E27FC236}">
-                <a16:creationId xmlns="" xmlns:a16="http://schemas.microsoft.com/office/drawing/2014/main" id="{9B33DD69-1761-43D2-B589-CE56D2C4FBB6}"/>
+                <a16:creationId xmlns:a16="http://schemas.microsoft.com/office/drawing/2014/main" xmlns="" id="{9B33DD69-1761-43D2-B589-CE56D2C4FBB6}"/>
               </a:ext>
             </a:extLst>
           </p:cNvPr>
@@ -27199,7 +27205,7 @@
           <p:cNvPr id="24" name="CaixaDeTexto 23">
             <a:extLst>
               <a:ext uri="{FF2B5EF4-FFF2-40B4-BE49-F238E27FC236}">
-                <a16:creationId xmlns="" xmlns:a16="http://schemas.microsoft.com/office/drawing/2014/main" id="{90B980A2-8D40-4C0A-9871-4FA9794F9C3D}"/>
+                <a16:creationId xmlns:a16="http://schemas.microsoft.com/office/drawing/2014/main" xmlns="" id="{90B980A2-8D40-4C0A-9871-4FA9794F9C3D}"/>
               </a:ext>
             </a:extLst>
           </p:cNvPr>
@@ -27632,7 +27638,7 @@
           <p:cNvPr id="8" name="Retângulo 7">
             <a:extLst>
               <a:ext uri="{FF2B5EF4-FFF2-40B4-BE49-F238E27FC236}">
-                <a16:creationId xmlns="" xmlns:a16="http://schemas.microsoft.com/office/drawing/2014/main" id="{9B33DD69-1761-43D2-B589-CE56D2C4FBB6}"/>
+                <a16:creationId xmlns:a16="http://schemas.microsoft.com/office/drawing/2014/main" xmlns="" id="{9B33DD69-1761-43D2-B589-CE56D2C4FBB6}"/>
               </a:ext>
             </a:extLst>
           </p:cNvPr>
@@ -27768,7 +27774,7 @@
           <p:cNvPr id="9" name="CaixaDeTexto 8">
             <a:extLst>
               <a:ext uri="{FF2B5EF4-FFF2-40B4-BE49-F238E27FC236}">
-                <a16:creationId xmlns="" xmlns:a16="http://schemas.microsoft.com/office/drawing/2014/main" id="{90B980A2-8D40-4C0A-9871-4FA9794F9C3D}"/>
+                <a16:creationId xmlns:a16="http://schemas.microsoft.com/office/drawing/2014/main" xmlns="" id="{90B980A2-8D40-4C0A-9871-4FA9794F9C3D}"/>
               </a:ext>
             </a:extLst>
           </p:cNvPr>
@@ -28003,7 +28009,7 @@
           <p:cNvPr id="8" name="Retângulo 7">
             <a:extLst>
               <a:ext uri="{FF2B5EF4-FFF2-40B4-BE49-F238E27FC236}">
-                <a16:creationId xmlns="" xmlns:a16="http://schemas.microsoft.com/office/drawing/2014/main" id="{9B33DD69-1761-43D2-B589-CE56D2C4FBB6}"/>
+                <a16:creationId xmlns:a16="http://schemas.microsoft.com/office/drawing/2014/main" xmlns="" id="{9B33DD69-1761-43D2-B589-CE56D2C4FBB6}"/>
               </a:ext>
             </a:extLst>
           </p:cNvPr>
@@ -28139,7 +28145,7 @@
           <p:cNvPr id="9" name="CaixaDeTexto 8">
             <a:extLst>
               <a:ext uri="{FF2B5EF4-FFF2-40B4-BE49-F238E27FC236}">
-                <a16:creationId xmlns="" xmlns:a16="http://schemas.microsoft.com/office/drawing/2014/main" id="{90B980A2-8D40-4C0A-9871-4FA9794F9C3D}"/>
+                <a16:creationId xmlns:a16="http://schemas.microsoft.com/office/drawing/2014/main" xmlns="" id="{90B980A2-8D40-4C0A-9871-4FA9794F9C3D}"/>
               </a:ext>
             </a:extLst>
           </p:cNvPr>
@@ -28618,7 +28624,7 @@
           <p:cNvPr id="2" name="Título 1">
             <a:extLst>
               <a:ext uri="{FF2B5EF4-FFF2-40B4-BE49-F238E27FC236}">
-                <a16:creationId xmlns="" xmlns:a16="http://schemas.microsoft.com/office/drawing/2014/main" id="{14AB9F69-8D24-468C-93DF-A1666924EB0C}"/>
+                <a16:creationId xmlns:a16="http://schemas.microsoft.com/office/drawing/2014/main" xmlns="" id="{14AB9F69-8D24-468C-93DF-A1666924EB0C}"/>
               </a:ext>
             </a:extLst>
           </p:cNvPr>
@@ -28649,7 +28655,7 @@
           <p:cNvPr id="3" name="Subtítulo 2">
             <a:extLst>
               <a:ext uri="{FF2B5EF4-FFF2-40B4-BE49-F238E27FC236}">
-                <a16:creationId xmlns="" xmlns:a16="http://schemas.microsoft.com/office/drawing/2014/main" id="{0E4BFB9B-D461-4F8E-B2A0-819D63FA7EC4}"/>
+                <a16:creationId xmlns:a16="http://schemas.microsoft.com/office/drawing/2014/main" xmlns="" id="{0E4BFB9B-D461-4F8E-B2A0-819D63FA7EC4}"/>
               </a:ext>
             </a:extLst>
           </p:cNvPr>
@@ -28720,7 +28726,7 @@
           <p:cNvPr id="8" name="Retângulo 7">
             <a:extLst>
               <a:ext uri="{FF2B5EF4-FFF2-40B4-BE49-F238E27FC236}">
-                <a16:creationId xmlns="" xmlns:a16="http://schemas.microsoft.com/office/drawing/2014/main" id="{9B33DD69-1761-43D2-B589-CE56D2C4FBB6}"/>
+                <a16:creationId xmlns:a16="http://schemas.microsoft.com/office/drawing/2014/main" xmlns="" id="{9B33DD69-1761-43D2-B589-CE56D2C4FBB6}"/>
               </a:ext>
             </a:extLst>
           </p:cNvPr>
@@ -28856,7 +28862,7 @@
           <p:cNvPr id="9" name="CaixaDeTexto 8">
             <a:extLst>
               <a:ext uri="{FF2B5EF4-FFF2-40B4-BE49-F238E27FC236}">
-                <a16:creationId xmlns="" xmlns:a16="http://schemas.microsoft.com/office/drawing/2014/main" id="{90B980A2-8D40-4C0A-9871-4FA9794F9C3D}"/>
+                <a16:creationId xmlns:a16="http://schemas.microsoft.com/office/drawing/2014/main" xmlns="" id="{90B980A2-8D40-4C0A-9871-4FA9794F9C3D}"/>
               </a:ext>
             </a:extLst>
           </p:cNvPr>
@@ -29320,7 +29326,7 @@
           <p:cNvPr id="8" name="Retângulo 7">
             <a:extLst>
               <a:ext uri="{FF2B5EF4-FFF2-40B4-BE49-F238E27FC236}">
-                <a16:creationId xmlns="" xmlns:a16="http://schemas.microsoft.com/office/drawing/2014/main" id="{9B33DD69-1761-43D2-B589-CE56D2C4FBB6}"/>
+                <a16:creationId xmlns:a16="http://schemas.microsoft.com/office/drawing/2014/main" xmlns="" id="{9B33DD69-1761-43D2-B589-CE56D2C4FBB6}"/>
               </a:ext>
             </a:extLst>
           </p:cNvPr>
@@ -29456,7 +29462,7 @@
           <p:cNvPr id="9" name="CaixaDeTexto 8">
             <a:extLst>
               <a:ext uri="{FF2B5EF4-FFF2-40B4-BE49-F238E27FC236}">
-                <a16:creationId xmlns="" xmlns:a16="http://schemas.microsoft.com/office/drawing/2014/main" id="{90B980A2-8D40-4C0A-9871-4FA9794F9C3D}"/>
+                <a16:creationId xmlns:a16="http://schemas.microsoft.com/office/drawing/2014/main" xmlns="" id="{90B980A2-8D40-4C0A-9871-4FA9794F9C3D}"/>
               </a:ext>
             </a:extLst>
           </p:cNvPr>
@@ -29953,7 +29959,7 @@
           <p:cNvPr id="8" name="Retângulo 7">
             <a:extLst>
               <a:ext uri="{FF2B5EF4-FFF2-40B4-BE49-F238E27FC236}">
-                <a16:creationId xmlns="" xmlns:a16="http://schemas.microsoft.com/office/drawing/2014/main" id="{9B33DD69-1761-43D2-B589-CE56D2C4FBB6}"/>
+                <a16:creationId xmlns:a16="http://schemas.microsoft.com/office/drawing/2014/main" xmlns="" id="{9B33DD69-1761-43D2-B589-CE56D2C4FBB6}"/>
               </a:ext>
             </a:extLst>
           </p:cNvPr>
@@ -30089,7 +30095,7 @@
           <p:cNvPr id="9" name="CaixaDeTexto 8">
             <a:extLst>
               <a:ext uri="{FF2B5EF4-FFF2-40B4-BE49-F238E27FC236}">
-                <a16:creationId xmlns="" xmlns:a16="http://schemas.microsoft.com/office/drawing/2014/main" id="{90B980A2-8D40-4C0A-9871-4FA9794F9C3D}"/>
+                <a16:creationId xmlns:a16="http://schemas.microsoft.com/office/drawing/2014/main" xmlns="" id="{90B980A2-8D40-4C0A-9871-4FA9794F9C3D}"/>
               </a:ext>
             </a:extLst>
           </p:cNvPr>
@@ -30542,7 +30548,7 @@
           <p:cNvPr id="8" name="Retângulo 7">
             <a:extLst>
               <a:ext uri="{FF2B5EF4-FFF2-40B4-BE49-F238E27FC236}">
-                <a16:creationId xmlns="" xmlns:a16="http://schemas.microsoft.com/office/drawing/2014/main" id="{9B33DD69-1761-43D2-B589-CE56D2C4FBB6}"/>
+                <a16:creationId xmlns:a16="http://schemas.microsoft.com/office/drawing/2014/main" xmlns="" id="{9B33DD69-1761-43D2-B589-CE56D2C4FBB6}"/>
               </a:ext>
             </a:extLst>
           </p:cNvPr>
@@ -30678,7 +30684,7 @@
           <p:cNvPr id="9" name="CaixaDeTexto 8">
             <a:extLst>
               <a:ext uri="{FF2B5EF4-FFF2-40B4-BE49-F238E27FC236}">
-                <a16:creationId xmlns="" xmlns:a16="http://schemas.microsoft.com/office/drawing/2014/main" id="{90B980A2-8D40-4C0A-9871-4FA9794F9C3D}"/>
+                <a16:creationId xmlns:a16="http://schemas.microsoft.com/office/drawing/2014/main" xmlns="" id="{90B980A2-8D40-4C0A-9871-4FA9794F9C3D}"/>
               </a:ext>
             </a:extLst>
           </p:cNvPr>
@@ -31123,7 +31129,7 @@
           <p:cNvPr id="8" name="Retângulo 7">
             <a:extLst>
               <a:ext uri="{FF2B5EF4-FFF2-40B4-BE49-F238E27FC236}">
-                <a16:creationId xmlns="" xmlns:a16="http://schemas.microsoft.com/office/drawing/2014/main" id="{9B33DD69-1761-43D2-B589-CE56D2C4FBB6}"/>
+                <a16:creationId xmlns:a16="http://schemas.microsoft.com/office/drawing/2014/main" xmlns="" id="{9B33DD69-1761-43D2-B589-CE56D2C4FBB6}"/>
               </a:ext>
             </a:extLst>
           </p:cNvPr>
@@ -31259,7 +31265,7 @@
           <p:cNvPr id="9" name="CaixaDeTexto 8">
             <a:extLst>
               <a:ext uri="{FF2B5EF4-FFF2-40B4-BE49-F238E27FC236}">
-                <a16:creationId xmlns="" xmlns:a16="http://schemas.microsoft.com/office/drawing/2014/main" id="{90B980A2-8D40-4C0A-9871-4FA9794F9C3D}"/>
+                <a16:creationId xmlns:a16="http://schemas.microsoft.com/office/drawing/2014/main" xmlns="" id="{90B980A2-8D40-4C0A-9871-4FA9794F9C3D}"/>
               </a:ext>
             </a:extLst>
           </p:cNvPr>
@@ -31704,7 +31710,7 @@
           <p:cNvPr id="8" name="Retângulo 7">
             <a:extLst>
               <a:ext uri="{FF2B5EF4-FFF2-40B4-BE49-F238E27FC236}">
-                <a16:creationId xmlns="" xmlns:a16="http://schemas.microsoft.com/office/drawing/2014/main" id="{9B33DD69-1761-43D2-B589-CE56D2C4FBB6}"/>
+                <a16:creationId xmlns:a16="http://schemas.microsoft.com/office/drawing/2014/main" xmlns="" id="{9B33DD69-1761-43D2-B589-CE56D2C4FBB6}"/>
               </a:ext>
             </a:extLst>
           </p:cNvPr>
@@ -31840,7 +31846,7 @@
           <p:cNvPr id="9" name="CaixaDeTexto 8">
             <a:extLst>
               <a:ext uri="{FF2B5EF4-FFF2-40B4-BE49-F238E27FC236}">
-                <a16:creationId xmlns="" xmlns:a16="http://schemas.microsoft.com/office/drawing/2014/main" id="{90B980A2-8D40-4C0A-9871-4FA9794F9C3D}"/>
+                <a16:creationId xmlns:a16="http://schemas.microsoft.com/office/drawing/2014/main" xmlns="" id="{90B980A2-8D40-4C0A-9871-4FA9794F9C3D}"/>
               </a:ext>
             </a:extLst>
           </p:cNvPr>
@@ -32476,7 +32482,7 @@
           <p:cNvPr id="2" name="Título 1">
             <a:extLst>
               <a:ext uri="{FF2B5EF4-FFF2-40B4-BE49-F238E27FC236}">
-                <a16:creationId xmlns="" xmlns:a16="http://schemas.microsoft.com/office/drawing/2014/main" id="{14AB9F69-8D24-468C-93DF-A1666924EB0C}"/>
+                <a16:creationId xmlns:a16="http://schemas.microsoft.com/office/drawing/2014/main" xmlns="" id="{14AB9F69-8D24-468C-93DF-A1666924EB0C}"/>
               </a:ext>
             </a:extLst>
           </p:cNvPr>
@@ -32507,7 +32513,7 @@
           <p:cNvPr id="3" name="Subtítulo 2">
             <a:extLst>
               <a:ext uri="{FF2B5EF4-FFF2-40B4-BE49-F238E27FC236}">
-                <a16:creationId xmlns="" xmlns:a16="http://schemas.microsoft.com/office/drawing/2014/main" id="{0E4BFB9B-D461-4F8E-B2A0-819D63FA7EC4}"/>
+                <a16:creationId xmlns:a16="http://schemas.microsoft.com/office/drawing/2014/main" xmlns="" id="{0E4BFB9B-D461-4F8E-B2A0-819D63FA7EC4}"/>
               </a:ext>
             </a:extLst>
           </p:cNvPr>
@@ -32578,7 +32584,7 @@
           <p:cNvPr id="8" name="Retângulo 7">
             <a:extLst>
               <a:ext uri="{FF2B5EF4-FFF2-40B4-BE49-F238E27FC236}">
-                <a16:creationId xmlns="" xmlns:a16="http://schemas.microsoft.com/office/drawing/2014/main" id="{9B33DD69-1761-43D2-B589-CE56D2C4FBB6}"/>
+                <a16:creationId xmlns:a16="http://schemas.microsoft.com/office/drawing/2014/main" xmlns="" id="{9B33DD69-1761-43D2-B589-CE56D2C4FBB6}"/>
               </a:ext>
             </a:extLst>
           </p:cNvPr>
@@ -32632,7 +32638,7 @@
           <p:cNvPr id="24" name="CaixaDeTexto 23">
             <a:extLst>
               <a:ext uri="{FF2B5EF4-FFF2-40B4-BE49-F238E27FC236}">
-                <a16:creationId xmlns="" xmlns:a16="http://schemas.microsoft.com/office/drawing/2014/main" id="{90B980A2-8D40-4C0A-9871-4FA9794F9C3D}"/>
+                <a16:creationId xmlns:a16="http://schemas.microsoft.com/office/drawing/2014/main" xmlns="" id="{90B980A2-8D40-4C0A-9871-4FA9794F9C3D}"/>
               </a:ext>
             </a:extLst>
           </p:cNvPr>
@@ -33199,7 +33205,7 @@
           <p:cNvPr id="8" name="Retângulo 7">
             <a:extLst>
               <a:ext uri="{FF2B5EF4-FFF2-40B4-BE49-F238E27FC236}">
-                <a16:creationId xmlns="" xmlns:a16="http://schemas.microsoft.com/office/drawing/2014/main" id="{9B33DD69-1761-43D2-B589-CE56D2C4FBB6}"/>
+                <a16:creationId xmlns:a16="http://schemas.microsoft.com/office/drawing/2014/main" xmlns="" id="{9B33DD69-1761-43D2-B589-CE56D2C4FBB6}"/>
               </a:ext>
             </a:extLst>
           </p:cNvPr>
@@ -33335,7 +33341,7 @@
           <p:cNvPr id="9" name="CaixaDeTexto 8">
             <a:extLst>
               <a:ext uri="{FF2B5EF4-FFF2-40B4-BE49-F238E27FC236}">
-                <a16:creationId xmlns="" xmlns:a16="http://schemas.microsoft.com/office/drawing/2014/main" id="{90B980A2-8D40-4C0A-9871-4FA9794F9C3D}"/>
+                <a16:creationId xmlns:a16="http://schemas.microsoft.com/office/drawing/2014/main" xmlns="" id="{90B980A2-8D40-4C0A-9871-4FA9794F9C3D}"/>
               </a:ext>
             </a:extLst>
           </p:cNvPr>
@@ -34082,7 +34088,7 @@
           <p:cNvPr id="2" name="Título 1">
             <a:extLst>
               <a:ext uri="{FF2B5EF4-FFF2-40B4-BE49-F238E27FC236}">
-                <a16:creationId xmlns="" xmlns:a16="http://schemas.microsoft.com/office/drawing/2014/main" id="{14AB9F69-8D24-468C-93DF-A1666924EB0C}"/>
+                <a16:creationId xmlns:a16="http://schemas.microsoft.com/office/drawing/2014/main" xmlns="" id="{14AB9F69-8D24-468C-93DF-A1666924EB0C}"/>
               </a:ext>
             </a:extLst>
           </p:cNvPr>
@@ -34113,7 +34119,7 @@
           <p:cNvPr id="3" name="Subtítulo 2">
             <a:extLst>
               <a:ext uri="{FF2B5EF4-FFF2-40B4-BE49-F238E27FC236}">
-                <a16:creationId xmlns="" xmlns:a16="http://schemas.microsoft.com/office/drawing/2014/main" id="{0E4BFB9B-D461-4F8E-B2A0-819D63FA7EC4}"/>
+                <a16:creationId xmlns:a16="http://schemas.microsoft.com/office/drawing/2014/main" xmlns="" id="{0E4BFB9B-D461-4F8E-B2A0-819D63FA7EC4}"/>
               </a:ext>
             </a:extLst>
           </p:cNvPr>
@@ -34184,7 +34190,7 @@
           <p:cNvPr id="8" name="Retângulo 7">
             <a:extLst>
               <a:ext uri="{FF2B5EF4-FFF2-40B4-BE49-F238E27FC236}">
-                <a16:creationId xmlns="" xmlns:a16="http://schemas.microsoft.com/office/drawing/2014/main" id="{9B33DD69-1761-43D2-B589-CE56D2C4FBB6}"/>
+                <a16:creationId xmlns:a16="http://schemas.microsoft.com/office/drawing/2014/main" xmlns="" id="{9B33DD69-1761-43D2-B589-CE56D2C4FBB6}"/>
               </a:ext>
             </a:extLst>
           </p:cNvPr>
@@ -34320,7 +34326,7 @@
           <p:cNvPr id="9" name="CaixaDeTexto 8">
             <a:extLst>
               <a:ext uri="{FF2B5EF4-FFF2-40B4-BE49-F238E27FC236}">
-                <a16:creationId xmlns="" xmlns:a16="http://schemas.microsoft.com/office/drawing/2014/main" id="{90B980A2-8D40-4C0A-9871-4FA9794F9C3D}"/>
+                <a16:creationId xmlns:a16="http://schemas.microsoft.com/office/drawing/2014/main" xmlns="" id="{90B980A2-8D40-4C0A-9871-4FA9794F9C3D}"/>
               </a:ext>
             </a:extLst>
           </p:cNvPr>
@@ -34733,7 +34739,7 @@
           <p:cNvPr id="8" name="Retângulo 7">
             <a:extLst>
               <a:ext uri="{FF2B5EF4-FFF2-40B4-BE49-F238E27FC236}">
-                <a16:creationId xmlns="" xmlns:a16="http://schemas.microsoft.com/office/drawing/2014/main" id="{9B33DD69-1761-43D2-B589-CE56D2C4FBB6}"/>
+                <a16:creationId xmlns:a16="http://schemas.microsoft.com/office/drawing/2014/main" xmlns="" id="{9B33DD69-1761-43D2-B589-CE56D2C4FBB6}"/>
               </a:ext>
             </a:extLst>
           </p:cNvPr>
@@ -34869,7 +34875,7 @@
           <p:cNvPr id="9" name="CaixaDeTexto 8">
             <a:extLst>
               <a:ext uri="{FF2B5EF4-FFF2-40B4-BE49-F238E27FC236}">
-                <a16:creationId xmlns="" xmlns:a16="http://schemas.microsoft.com/office/drawing/2014/main" id="{90B980A2-8D40-4C0A-9871-4FA9794F9C3D}"/>
+                <a16:creationId xmlns:a16="http://schemas.microsoft.com/office/drawing/2014/main" xmlns="" id="{90B980A2-8D40-4C0A-9871-4FA9794F9C3D}"/>
               </a:ext>
             </a:extLst>
           </p:cNvPr>
@@ -35298,7 +35304,7 @@
           <p:cNvPr id="2" name="Título 1">
             <a:extLst>
               <a:ext uri="{FF2B5EF4-FFF2-40B4-BE49-F238E27FC236}">
-                <a16:creationId xmlns="" xmlns:a16="http://schemas.microsoft.com/office/drawing/2014/main" id="{14AB9F69-8D24-468C-93DF-A1666924EB0C}"/>
+                <a16:creationId xmlns:a16="http://schemas.microsoft.com/office/drawing/2014/main" xmlns="" id="{14AB9F69-8D24-468C-93DF-A1666924EB0C}"/>
               </a:ext>
             </a:extLst>
           </p:cNvPr>
@@ -35329,7 +35335,7 @@
           <p:cNvPr id="3" name="Subtítulo 2">
             <a:extLst>
               <a:ext uri="{FF2B5EF4-FFF2-40B4-BE49-F238E27FC236}">
-                <a16:creationId xmlns="" xmlns:a16="http://schemas.microsoft.com/office/drawing/2014/main" id="{0E4BFB9B-D461-4F8E-B2A0-819D63FA7EC4}"/>
+                <a16:creationId xmlns:a16="http://schemas.microsoft.com/office/drawing/2014/main" xmlns="" id="{0E4BFB9B-D461-4F8E-B2A0-819D63FA7EC4}"/>
               </a:ext>
             </a:extLst>
           </p:cNvPr>
@@ -35400,7 +35406,7 @@
           <p:cNvPr id="8" name="Retângulo 7">
             <a:extLst>
               <a:ext uri="{FF2B5EF4-FFF2-40B4-BE49-F238E27FC236}">
-                <a16:creationId xmlns="" xmlns:a16="http://schemas.microsoft.com/office/drawing/2014/main" id="{9B33DD69-1761-43D2-B589-CE56D2C4FBB6}"/>
+                <a16:creationId xmlns:a16="http://schemas.microsoft.com/office/drawing/2014/main" xmlns="" id="{9B33DD69-1761-43D2-B589-CE56D2C4FBB6}"/>
               </a:ext>
             </a:extLst>
           </p:cNvPr>
@@ -35536,7 +35542,7 @@
           <p:cNvPr id="9" name="CaixaDeTexto 8">
             <a:extLst>
               <a:ext uri="{FF2B5EF4-FFF2-40B4-BE49-F238E27FC236}">
-                <a16:creationId xmlns="" xmlns:a16="http://schemas.microsoft.com/office/drawing/2014/main" id="{90B980A2-8D40-4C0A-9871-4FA9794F9C3D}"/>
+                <a16:creationId xmlns:a16="http://schemas.microsoft.com/office/drawing/2014/main" xmlns="" id="{90B980A2-8D40-4C0A-9871-4FA9794F9C3D}"/>
               </a:ext>
             </a:extLst>
           </p:cNvPr>
@@ -36166,7 +36172,7 @@
           <p:cNvPr id="2" name="Título 1">
             <a:extLst>
               <a:ext uri="{FF2B5EF4-FFF2-40B4-BE49-F238E27FC236}">
-                <a16:creationId xmlns="" xmlns:a16="http://schemas.microsoft.com/office/drawing/2014/main" id="{14AB9F69-8D24-468C-93DF-A1666924EB0C}"/>
+                <a16:creationId xmlns:a16="http://schemas.microsoft.com/office/drawing/2014/main" xmlns="" id="{14AB9F69-8D24-468C-93DF-A1666924EB0C}"/>
               </a:ext>
             </a:extLst>
           </p:cNvPr>
@@ -36197,7 +36203,7 @@
           <p:cNvPr id="3" name="Subtítulo 2">
             <a:extLst>
               <a:ext uri="{FF2B5EF4-FFF2-40B4-BE49-F238E27FC236}">
-                <a16:creationId xmlns="" xmlns:a16="http://schemas.microsoft.com/office/drawing/2014/main" id="{0E4BFB9B-D461-4F8E-B2A0-819D63FA7EC4}"/>
+                <a16:creationId xmlns:a16="http://schemas.microsoft.com/office/drawing/2014/main" xmlns="" id="{0E4BFB9B-D461-4F8E-B2A0-819D63FA7EC4}"/>
               </a:ext>
             </a:extLst>
           </p:cNvPr>
@@ -36268,7 +36274,7 @@
           <p:cNvPr id="8" name="Retângulo 7">
             <a:extLst>
               <a:ext uri="{FF2B5EF4-FFF2-40B4-BE49-F238E27FC236}">
-                <a16:creationId xmlns="" xmlns:a16="http://schemas.microsoft.com/office/drawing/2014/main" id="{9B33DD69-1761-43D2-B589-CE56D2C4FBB6}"/>
+                <a16:creationId xmlns:a16="http://schemas.microsoft.com/office/drawing/2014/main" xmlns="" id="{9B33DD69-1761-43D2-B589-CE56D2C4FBB6}"/>
               </a:ext>
             </a:extLst>
           </p:cNvPr>
@@ -36404,7 +36410,7 @@
           <p:cNvPr id="9" name="CaixaDeTexto 8">
             <a:extLst>
               <a:ext uri="{FF2B5EF4-FFF2-40B4-BE49-F238E27FC236}">
-                <a16:creationId xmlns="" xmlns:a16="http://schemas.microsoft.com/office/drawing/2014/main" id="{90B980A2-8D40-4C0A-9871-4FA9794F9C3D}"/>
+                <a16:creationId xmlns:a16="http://schemas.microsoft.com/office/drawing/2014/main" xmlns="" id="{90B980A2-8D40-4C0A-9871-4FA9794F9C3D}"/>
               </a:ext>
             </a:extLst>
           </p:cNvPr>
@@ -36700,7 +36706,7 @@
           <p:cNvPr id="8" name="Retângulo 7">
             <a:extLst>
               <a:ext uri="{FF2B5EF4-FFF2-40B4-BE49-F238E27FC236}">
-                <a16:creationId xmlns="" xmlns:a16="http://schemas.microsoft.com/office/drawing/2014/main" id="{9B33DD69-1761-43D2-B589-CE56D2C4FBB6}"/>
+                <a16:creationId xmlns:a16="http://schemas.microsoft.com/office/drawing/2014/main" xmlns="" id="{9B33DD69-1761-43D2-B589-CE56D2C4FBB6}"/>
               </a:ext>
             </a:extLst>
           </p:cNvPr>
@@ -36836,7 +36842,7 @@
           <p:cNvPr id="9" name="CaixaDeTexto 8">
             <a:extLst>
               <a:ext uri="{FF2B5EF4-FFF2-40B4-BE49-F238E27FC236}">
-                <a16:creationId xmlns="" xmlns:a16="http://schemas.microsoft.com/office/drawing/2014/main" id="{90B980A2-8D40-4C0A-9871-4FA9794F9C3D}"/>
+                <a16:creationId xmlns:a16="http://schemas.microsoft.com/office/drawing/2014/main" xmlns="" id="{90B980A2-8D40-4C0A-9871-4FA9794F9C3D}"/>
               </a:ext>
             </a:extLst>
           </p:cNvPr>
@@ -37085,15 +37091,7 @@
                   <a:schemeClr val="bg1"/>
                 </a:solidFill>
               </a:rPr>
-              <a:t>Obs</a:t>
-            </a:r>
-            <a:r>
-              <a:rPr lang="pt-BR" sz="2000" dirty="0" smtClean="0">
-                <a:solidFill>
-                  <a:schemeClr val="bg1"/>
-                </a:solidFill>
-              </a:rPr>
-              <a:t>.: Outros exemplos e mais detalhes serão vistos no modulo de </a:t>
+              <a:t>Obs.: Outros exemplos e mais detalhes serão vistos no modulo de </a:t>
             </a:r>
             <a:r>
               <a:rPr lang="pt-BR" sz="2000" dirty="0" smtClean="0">
@@ -37103,11 +37101,6 @@
               </a:rPr>
               <a:t>bootstrap</a:t>
             </a:r>
-            <a:endParaRPr lang="pt-BR" sz="2000" dirty="0" smtClean="0">
-              <a:solidFill>
-                <a:srgbClr val="FF0000"/>
-              </a:solidFill>
-            </a:endParaRPr>
           </a:p>
           <a:p>
             <a:pPr algn="just"/>
@@ -37340,7 +37333,7 @@
           <p:cNvPr id="8" name="Retângulo 7">
             <a:extLst>
               <a:ext uri="{FF2B5EF4-FFF2-40B4-BE49-F238E27FC236}">
-                <a16:creationId xmlns="" xmlns:a16="http://schemas.microsoft.com/office/drawing/2014/main" id="{9B33DD69-1761-43D2-B589-CE56D2C4FBB6}"/>
+                <a16:creationId xmlns:a16="http://schemas.microsoft.com/office/drawing/2014/main" xmlns="" id="{9B33DD69-1761-43D2-B589-CE56D2C4FBB6}"/>
               </a:ext>
             </a:extLst>
           </p:cNvPr>
@@ -37476,7 +37469,7 @@
           <p:cNvPr id="9" name="CaixaDeTexto 8">
             <a:extLst>
               <a:ext uri="{FF2B5EF4-FFF2-40B4-BE49-F238E27FC236}">
-                <a16:creationId xmlns="" xmlns:a16="http://schemas.microsoft.com/office/drawing/2014/main" id="{90B980A2-8D40-4C0A-9871-4FA9794F9C3D}"/>
+                <a16:creationId xmlns:a16="http://schemas.microsoft.com/office/drawing/2014/main" xmlns="" id="{90B980A2-8D40-4C0A-9871-4FA9794F9C3D}"/>
               </a:ext>
             </a:extLst>
           </p:cNvPr>
@@ -38053,7 +38046,7 @@
           <p:cNvPr id="2" name="Título 1">
             <a:extLst>
               <a:ext uri="{FF2B5EF4-FFF2-40B4-BE49-F238E27FC236}">
-                <a16:creationId xmlns="" xmlns:a16="http://schemas.microsoft.com/office/drawing/2014/main" id="{14AB9F69-8D24-468C-93DF-A1666924EB0C}"/>
+                <a16:creationId xmlns:a16="http://schemas.microsoft.com/office/drawing/2014/main" xmlns="" id="{14AB9F69-8D24-468C-93DF-A1666924EB0C}"/>
               </a:ext>
             </a:extLst>
           </p:cNvPr>
@@ -38084,7 +38077,7 @@
           <p:cNvPr id="3" name="Subtítulo 2">
             <a:extLst>
               <a:ext uri="{FF2B5EF4-FFF2-40B4-BE49-F238E27FC236}">
-                <a16:creationId xmlns="" xmlns:a16="http://schemas.microsoft.com/office/drawing/2014/main" id="{0E4BFB9B-D461-4F8E-B2A0-819D63FA7EC4}"/>
+                <a16:creationId xmlns:a16="http://schemas.microsoft.com/office/drawing/2014/main" xmlns="" id="{0E4BFB9B-D461-4F8E-B2A0-819D63FA7EC4}"/>
               </a:ext>
             </a:extLst>
           </p:cNvPr>
@@ -38155,7 +38148,7 @@
           <p:cNvPr id="8" name="Retângulo 7">
             <a:extLst>
               <a:ext uri="{FF2B5EF4-FFF2-40B4-BE49-F238E27FC236}">
-                <a16:creationId xmlns="" xmlns:a16="http://schemas.microsoft.com/office/drawing/2014/main" id="{9B33DD69-1761-43D2-B589-CE56D2C4FBB6}"/>
+                <a16:creationId xmlns:a16="http://schemas.microsoft.com/office/drawing/2014/main" xmlns="" id="{9B33DD69-1761-43D2-B589-CE56D2C4FBB6}"/>
               </a:ext>
             </a:extLst>
           </p:cNvPr>
@@ -38291,7 +38284,7 @@
           <p:cNvPr id="9" name="CaixaDeTexto 8">
             <a:extLst>
               <a:ext uri="{FF2B5EF4-FFF2-40B4-BE49-F238E27FC236}">
-                <a16:creationId xmlns="" xmlns:a16="http://schemas.microsoft.com/office/drawing/2014/main" id="{90B980A2-8D40-4C0A-9871-4FA9794F9C3D}"/>
+                <a16:creationId xmlns:a16="http://schemas.microsoft.com/office/drawing/2014/main" xmlns="" id="{90B980A2-8D40-4C0A-9871-4FA9794F9C3D}"/>
               </a:ext>
             </a:extLst>
           </p:cNvPr>
@@ -38843,7 +38836,7 @@
           <p:cNvPr id="8" name="Retângulo 7">
             <a:extLst>
               <a:ext uri="{FF2B5EF4-FFF2-40B4-BE49-F238E27FC236}">
-                <a16:creationId xmlns="" xmlns:a16="http://schemas.microsoft.com/office/drawing/2014/main" id="{9B33DD69-1761-43D2-B589-CE56D2C4FBB6}"/>
+                <a16:creationId xmlns:a16="http://schemas.microsoft.com/office/drawing/2014/main" xmlns="" id="{9B33DD69-1761-43D2-B589-CE56D2C4FBB6}"/>
               </a:ext>
             </a:extLst>
           </p:cNvPr>
@@ -38979,7 +38972,7 @@
           <p:cNvPr id="9" name="CaixaDeTexto 8">
             <a:extLst>
               <a:ext uri="{FF2B5EF4-FFF2-40B4-BE49-F238E27FC236}">
-                <a16:creationId xmlns="" xmlns:a16="http://schemas.microsoft.com/office/drawing/2014/main" id="{90B980A2-8D40-4C0A-9871-4FA9794F9C3D}"/>
+                <a16:creationId xmlns:a16="http://schemas.microsoft.com/office/drawing/2014/main" xmlns="" id="{90B980A2-8D40-4C0A-9871-4FA9794F9C3D}"/>
               </a:ext>
             </a:extLst>
           </p:cNvPr>
@@ -39529,7 +39522,7 @@
           <p:cNvPr id="8" name="Retângulo 7">
             <a:extLst>
               <a:ext uri="{FF2B5EF4-FFF2-40B4-BE49-F238E27FC236}">
-                <a16:creationId xmlns="" xmlns:a16="http://schemas.microsoft.com/office/drawing/2014/main" id="{9B33DD69-1761-43D2-B589-CE56D2C4FBB6}"/>
+                <a16:creationId xmlns:a16="http://schemas.microsoft.com/office/drawing/2014/main" xmlns="" id="{9B33DD69-1761-43D2-B589-CE56D2C4FBB6}"/>
               </a:ext>
             </a:extLst>
           </p:cNvPr>
@@ -39665,7 +39658,7 @@
           <p:cNvPr id="9" name="CaixaDeTexto 8">
             <a:extLst>
               <a:ext uri="{FF2B5EF4-FFF2-40B4-BE49-F238E27FC236}">
-                <a16:creationId xmlns="" xmlns:a16="http://schemas.microsoft.com/office/drawing/2014/main" id="{90B980A2-8D40-4C0A-9871-4FA9794F9C3D}"/>
+                <a16:creationId xmlns:a16="http://schemas.microsoft.com/office/drawing/2014/main" xmlns="" id="{90B980A2-8D40-4C0A-9871-4FA9794F9C3D}"/>
               </a:ext>
             </a:extLst>
           </p:cNvPr>
@@ -40217,7 +40210,7 @@
           <p:cNvPr id="2" name="Título 1">
             <a:extLst>
               <a:ext uri="{FF2B5EF4-FFF2-40B4-BE49-F238E27FC236}">
-                <a16:creationId xmlns="" xmlns:a16="http://schemas.microsoft.com/office/drawing/2014/main" id="{14AB9F69-8D24-468C-93DF-A1666924EB0C}"/>
+                <a16:creationId xmlns:a16="http://schemas.microsoft.com/office/drawing/2014/main" xmlns="" id="{14AB9F69-8D24-468C-93DF-A1666924EB0C}"/>
               </a:ext>
             </a:extLst>
           </p:cNvPr>
@@ -40248,7 +40241,7 @@
           <p:cNvPr id="3" name="Subtítulo 2">
             <a:extLst>
               <a:ext uri="{FF2B5EF4-FFF2-40B4-BE49-F238E27FC236}">
-                <a16:creationId xmlns="" xmlns:a16="http://schemas.microsoft.com/office/drawing/2014/main" id="{0E4BFB9B-D461-4F8E-B2A0-819D63FA7EC4}"/>
+                <a16:creationId xmlns:a16="http://schemas.microsoft.com/office/drawing/2014/main" xmlns="" id="{0E4BFB9B-D461-4F8E-B2A0-819D63FA7EC4}"/>
               </a:ext>
             </a:extLst>
           </p:cNvPr>
@@ -40319,7 +40312,7 @@
           <p:cNvPr id="8" name="Retângulo 7">
             <a:extLst>
               <a:ext uri="{FF2B5EF4-FFF2-40B4-BE49-F238E27FC236}">
-                <a16:creationId xmlns="" xmlns:a16="http://schemas.microsoft.com/office/drawing/2014/main" id="{9B33DD69-1761-43D2-B589-CE56D2C4FBB6}"/>
+                <a16:creationId xmlns:a16="http://schemas.microsoft.com/office/drawing/2014/main" xmlns="" id="{9B33DD69-1761-43D2-B589-CE56D2C4FBB6}"/>
               </a:ext>
             </a:extLst>
           </p:cNvPr>
@@ -40455,7 +40448,7 @@
           <p:cNvPr id="9" name="CaixaDeTexto 8">
             <a:extLst>
               <a:ext uri="{FF2B5EF4-FFF2-40B4-BE49-F238E27FC236}">
-                <a16:creationId xmlns="" xmlns:a16="http://schemas.microsoft.com/office/drawing/2014/main" id="{90B980A2-8D40-4C0A-9871-4FA9794F9C3D}"/>
+                <a16:creationId xmlns:a16="http://schemas.microsoft.com/office/drawing/2014/main" xmlns="" id="{90B980A2-8D40-4C0A-9871-4FA9794F9C3D}"/>
               </a:ext>
             </a:extLst>
           </p:cNvPr>
@@ -40526,18 +40519,7 @@
                   </a:schemeClr>
                 </a:solidFill>
               </a:rPr>
-              <a:t>conforme exemplo </a:t>
-            </a:r>
-            <a:r>
-              <a:rPr lang="pt-BR" sz="2000" dirty="0" smtClean="0">
-                <a:solidFill>
-                  <a:schemeClr val="bg1">
-                    <a:lumMod val="95000"/>
-                    <a:lumOff val="5000"/>
-                  </a:schemeClr>
-                </a:solidFill>
-              </a:rPr>
-              <a:t>abaixo:</a:t>
+              <a:t>conforme exemplo abaixo:</a:t>
             </a:r>
           </a:p>
           <a:p>
@@ -41118,7 +41100,7 @@
           <p:cNvPr id="2" name="Título 1">
             <a:extLst>
               <a:ext uri="{FF2B5EF4-FFF2-40B4-BE49-F238E27FC236}">
-                <a16:creationId xmlns="" xmlns:a16="http://schemas.microsoft.com/office/drawing/2014/main" id="{14AB9F69-8D24-468C-93DF-A1666924EB0C}"/>
+                <a16:creationId xmlns:a16="http://schemas.microsoft.com/office/drawing/2014/main" xmlns="" id="{14AB9F69-8D24-468C-93DF-A1666924EB0C}"/>
               </a:ext>
             </a:extLst>
           </p:cNvPr>
@@ -41138,7 +41120,7 @@
           <a:p>
             <a:r>
               <a:rPr lang="pt-BR" sz="4400" dirty="0" smtClean="0"/>
-              <a:t>Referências</a:t>
+              <a:t>BOOTSTRAP</a:t>
             </a:r>
             <a:endParaRPr lang="pt-BR" sz="4400" dirty="0"/>
           </a:p>
@@ -41149,7 +41131,7 @@
           <p:cNvPr id="3" name="Subtítulo 2">
             <a:extLst>
               <a:ext uri="{FF2B5EF4-FFF2-40B4-BE49-F238E27FC236}">
-                <a16:creationId xmlns="" xmlns:a16="http://schemas.microsoft.com/office/drawing/2014/main" id="{0E4BFB9B-D461-4F8E-B2A0-819D63FA7EC4}"/>
+                <a16:creationId xmlns:a16="http://schemas.microsoft.com/office/drawing/2014/main" xmlns="" id="{0E4BFB9B-D461-4F8E-B2A0-819D63FA7EC4}"/>
               </a:ext>
             </a:extLst>
           </p:cNvPr>
@@ -41177,7 +41159,7 @@
     </p:spTree>
     <p:extLst>
       <p:ext uri="{BB962C8B-B14F-4D97-AF65-F5344CB8AC3E}">
-        <p14:creationId xmlns:p14="http://schemas.microsoft.com/office/powerpoint/2010/main" val="1674775517"/>
+        <p14:creationId xmlns:p14="http://schemas.microsoft.com/office/powerpoint/2010/main" val="474871506"/>
       </p:ext>
     </p:extLst>
   </p:cSld>
@@ -41216,7 +41198,1516 @@
           <p:cNvPr id="8" name="Retângulo 7">
             <a:extLst>
               <a:ext uri="{FF2B5EF4-FFF2-40B4-BE49-F238E27FC236}">
-                <a16:creationId xmlns="" xmlns:a16="http://schemas.microsoft.com/office/drawing/2014/main" id="{9B33DD69-1761-43D2-B589-CE56D2C4FBB6}"/>
+                <a16:creationId xmlns:a16="http://schemas.microsoft.com/office/drawing/2014/main" xmlns="" id="{9B33DD69-1761-43D2-B589-CE56D2C4FBB6}"/>
+              </a:ext>
+            </a:extLst>
+          </p:cNvPr>
+          <p:cNvSpPr/>
+          <p:nvPr/>
+        </p:nvSpPr>
+        <p:spPr>
+          <a:xfrm>
+            <a:off x="892663" y="0"/>
+            <a:ext cx="11304103" cy="6858000"/>
+          </a:xfrm>
+          <a:prstGeom prst="rect">
+            <a:avLst/>
+          </a:prstGeom>
+          <a:solidFill>
+            <a:schemeClr val="tx1"/>
+          </a:solidFill>
+          <a:ln>
+            <a:solidFill>
+              <a:schemeClr val="tx1"/>
+            </a:solidFill>
+          </a:ln>
+        </p:spPr>
+        <p:style>
+          <a:lnRef idx="2">
+            <a:schemeClr val="accent1">
+              <a:shade val="50000"/>
+            </a:schemeClr>
+          </a:lnRef>
+          <a:fillRef idx="1">
+            <a:schemeClr val="accent1"/>
+          </a:fillRef>
+          <a:effectRef idx="0">
+            <a:schemeClr val="accent1"/>
+          </a:effectRef>
+          <a:fontRef idx="minor">
+            <a:schemeClr val="lt1"/>
+          </a:fontRef>
+        </p:style>
+        <p:txBody>
+          <a:bodyPr rtlCol="0" anchor="ctr"/>
+          <a:lstStyle/>
+          <a:p>
+            <a:pPr algn="ctr"/>
+            <a:endParaRPr lang="pt-BR" sz="2000" dirty="0">
+              <a:solidFill>
+                <a:schemeClr val="bg1"/>
+              </a:solidFill>
+            </a:endParaRPr>
+          </a:p>
+        </p:txBody>
+      </p:sp>
+      <p:sp>
+        <p:nvSpPr>
+          <p:cNvPr id="3" name="AutoShape 2" descr="Download Visual Studio Code - Mac, Linux, Windows"/>
+          <p:cNvSpPr>
+            <a:spLocks noChangeAspect="1" noChangeArrowheads="1"/>
+          </p:cNvSpPr>
+          <p:nvPr/>
+        </p:nvSpPr>
+        <p:spPr bwMode="auto">
+          <a:xfrm>
+            <a:off x="155575" y="-144463"/>
+            <a:ext cx="304800" cy="304801"/>
+          </a:xfrm>
+          <a:prstGeom prst="rect">
+            <a:avLst/>
+          </a:prstGeom>
+          <a:noFill/>
+          <a:extLst>
+            <a:ext uri="{909E8E84-426E-40DD-AFC4-6F175D3DCCD1}">
+              <a14:hiddenFill xmlns:a14="http://schemas.microsoft.com/office/drawing/2010/main">
+                <a:solidFill>
+                  <a:srgbClr val="FFFFFF"/>
+                </a:solidFill>
+              </a14:hiddenFill>
+            </a:ext>
+          </a:extLst>
+        </p:spPr>
+        <p:txBody>
+          <a:bodyPr vert="horz" wrap="square" lIns="91440" tIns="45720" rIns="91440" bIns="45720" numCol="1" anchor="t" anchorCtr="0" compatLnSpc="1">
+            <a:prstTxWarp prst="textNoShape">
+              <a:avLst/>
+            </a:prstTxWarp>
+          </a:bodyPr>
+          <a:lstStyle/>
+          <a:p>
+            <a:endParaRPr lang="pt-BR"/>
+          </a:p>
+        </p:txBody>
+      </p:sp>
+      <p:sp>
+        <p:nvSpPr>
+          <p:cNvPr id="4" name="AutoShape 4" descr="Download Visual Studio Code - Mac, Linux, Windows"/>
+          <p:cNvSpPr>
+            <a:spLocks noChangeAspect="1" noChangeArrowheads="1"/>
+          </p:cNvSpPr>
+          <p:nvPr/>
+        </p:nvSpPr>
+        <p:spPr bwMode="auto">
+          <a:xfrm>
+            <a:off x="307975" y="7937"/>
+            <a:ext cx="304800" cy="304801"/>
+          </a:xfrm>
+          <a:prstGeom prst="rect">
+            <a:avLst/>
+          </a:prstGeom>
+          <a:noFill/>
+          <a:extLst>
+            <a:ext uri="{909E8E84-426E-40DD-AFC4-6F175D3DCCD1}">
+              <a14:hiddenFill xmlns:a14="http://schemas.microsoft.com/office/drawing/2010/main">
+                <a:solidFill>
+                  <a:srgbClr val="FFFFFF"/>
+                </a:solidFill>
+              </a14:hiddenFill>
+            </a:ext>
+          </a:extLst>
+        </p:spPr>
+        <p:txBody>
+          <a:bodyPr vert="horz" wrap="square" lIns="91440" tIns="45720" rIns="91440" bIns="45720" numCol="1" anchor="t" anchorCtr="0" compatLnSpc="1">
+            <a:prstTxWarp prst="textNoShape">
+              <a:avLst/>
+            </a:prstTxWarp>
+          </a:bodyPr>
+          <a:lstStyle/>
+          <a:p>
+            <a:endParaRPr lang="pt-BR"/>
+          </a:p>
+        </p:txBody>
+      </p:sp>
+      <p:sp>
+        <p:nvSpPr>
+          <p:cNvPr id="9" name="CaixaDeTexto 8">
+            <a:extLst>
+              <a:ext uri="{FF2B5EF4-FFF2-40B4-BE49-F238E27FC236}">
+                <a16:creationId xmlns:a16="http://schemas.microsoft.com/office/drawing/2014/main" xmlns="" id="{90B980A2-8D40-4C0A-9871-4FA9794F9C3D}"/>
+              </a:ext>
+            </a:extLst>
+          </p:cNvPr>
+          <p:cNvSpPr txBox="1"/>
+          <p:nvPr/>
+        </p:nvSpPr>
+        <p:spPr>
+          <a:xfrm>
+            <a:off x="1215284" y="160337"/>
+            <a:ext cx="10658859" cy="5324535"/>
+          </a:xfrm>
+          <a:prstGeom prst="rect">
+            <a:avLst/>
+          </a:prstGeom>
+          <a:noFill/>
+        </p:spPr>
+        <p:txBody>
+          <a:bodyPr wrap="square" rtlCol="0">
+            <a:spAutoFit/>
+          </a:bodyPr>
+          <a:lstStyle/>
+          <a:p>
+            <a:pPr algn="just"/>
+            <a:r>
+              <a:rPr lang="pt-BR" sz="2000" dirty="0" smtClean="0">
+                <a:solidFill>
+                  <a:schemeClr val="bg1"/>
+                </a:solidFill>
+              </a:rPr>
+              <a:t>Para utilizarmos o </a:t>
+            </a:r>
+            <a:r>
+              <a:rPr lang="pt-BR" sz="2000" dirty="0" smtClean="0">
+                <a:solidFill>
+                  <a:srgbClr val="FF0000"/>
+                </a:solidFill>
+              </a:rPr>
+              <a:t>bootstrap</a:t>
+            </a:r>
+            <a:r>
+              <a:rPr lang="pt-BR" sz="2000" dirty="0" smtClean="0">
+                <a:solidFill>
+                  <a:schemeClr val="bg1"/>
+                </a:solidFill>
+              </a:rPr>
+              <a:t> em nosso site basta adicionar o link css que está na página de introdução do </a:t>
+            </a:r>
+            <a:r>
+              <a:rPr lang="pt-BR" sz="2000" dirty="0" smtClean="0">
+                <a:solidFill>
+                  <a:srgbClr val="FF0000"/>
+                </a:solidFill>
+              </a:rPr>
+              <a:t>bootstrap</a:t>
+            </a:r>
+            <a:r>
+              <a:rPr lang="pt-BR" sz="2000" dirty="0" smtClean="0">
+                <a:solidFill>
+                  <a:schemeClr val="bg1"/>
+                </a:solidFill>
+              </a:rPr>
+              <a:t>:</a:t>
+            </a:r>
+          </a:p>
+          <a:p>
+            <a:pPr algn="just"/>
+            <a:r>
+              <a:rPr lang="pt-BR" sz="2000" dirty="0" smtClean="0">
+                <a:solidFill>
+                  <a:schemeClr val="bg1"/>
+                </a:solidFill>
+              </a:rPr>
+              <a:t> </a:t>
+            </a:r>
+            <a:endParaRPr lang="pt-BR" sz="2000" dirty="0" smtClean="0">
+              <a:solidFill>
+                <a:schemeClr val="bg1"/>
+              </a:solidFill>
+            </a:endParaRPr>
+          </a:p>
+          <a:p>
+            <a:pPr algn="just"/>
+            <a:r>
+              <a:rPr lang="pt-BR" sz="2000" dirty="0" smtClean="0">
+                <a:solidFill>
+                  <a:schemeClr val="bg1"/>
+                </a:solidFill>
+                <a:hlinkClick r:id="rId2"/>
+              </a:rPr>
+              <a:t>https://getbootstrap.com/docs/5.1/getting-started/introduction/</a:t>
+            </a:r>
+            <a:endParaRPr lang="pt-BR" sz="2000" dirty="0" smtClean="0">
+              <a:solidFill>
+                <a:schemeClr val="bg1"/>
+              </a:solidFill>
+            </a:endParaRPr>
+          </a:p>
+          <a:p>
+            <a:pPr algn="just"/>
+            <a:endParaRPr lang="pt-BR" sz="2000" dirty="0">
+              <a:solidFill>
+                <a:schemeClr val="bg1"/>
+              </a:solidFill>
+            </a:endParaRPr>
+          </a:p>
+          <a:p>
+            <a:pPr algn="just"/>
+            <a:endParaRPr lang="pt-BR" sz="2000" dirty="0" smtClean="0">
+              <a:solidFill>
+                <a:schemeClr val="bg1"/>
+              </a:solidFill>
+            </a:endParaRPr>
+          </a:p>
+          <a:p>
+            <a:pPr algn="just"/>
+            <a:endParaRPr lang="pt-BR" sz="2000" dirty="0">
+              <a:solidFill>
+                <a:schemeClr val="bg1"/>
+              </a:solidFill>
+            </a:endParaRPr>
+          </a:p>
+          <a:p>
+            <a:pPr algn="just"/>
+            <a:endParaRPr lang="pt-BR" sz="2000" dirty="0">
+              <a:solidFill>
+                <a:schemeClr val="bg1">
+                  <a:lumMod val="95000"/>
+                  <a:lumOff val="5000"/>
+                </a:schemeClr>
+              </a:solidFill>
+            </a:endParaRPr>
+          </a:p>
+          <a:p>
+            <a:pPr algn="just"/>
+            <a:endParaRPr lang="pt-BR" sz="2000" dirty="0" smtClean="0">
+              <a:solidFill>
+                <a:schemeClr val="bg1">
+                  <a:lumMod val="95000"/>
+                  <a:lumOff val="5000"/>
+                </a:schemeClr>
+              </a:solidFill>
+            </a:endParaRPr>
+          </a:p>
+          <a:p>
+            <a:pPr algn="just"/>
+            <a:endParaRPr lang="pt-BR" sz="2000" dirty="0">
+              <a:solidFill>
+                <a:schemeClr val="bg1">
+                  <a:lumMod val="95000"/>
+                  <a:lumOff val="5000"/>
+                </a:schemeClr>
+              </a:solidFill>
+            </a:endParaRPr>
+          </a:p>
+          <a:p>
+            <a:pPr algn="just"/>
+            <a:endParaRPr lang="pt-BR" sz="2000" dirty="0" smtClean="0">
+              <a:solidFill>
+                <a:schemeClr val="bg1">
+                  <a:lumMod val="95000"/>
+                  <a:lumOff val="5000"/>
+                </a:schemeClr>
+              </a:solidFill>
+            </a:endParaRPr>
+          </a:p>
+          <a:p>
+            <a:pPr algn="just"/>
+            <a:endParaRPr lang="pt-BR" sz="2000" dirty="0">
+              <a:solidFill>
+                <a:schemeClr val="bg1">
+                  <a:lumMod val="95000"/>
+                  <a:lumOff val="5000"/>
+                </a:schemeClr>
+              </a:solidFill>
+            </a:endParaRPr>
+          </a:p>
+          <a:p>
+            <a:pPr algn="just"/>
+            <a:endParaRPr lang="pt-BR" sz="2000" dirty="0">
+              <a:solidFill>
+                <a:schemeClr val="bg1">
+                  <a:lumMod val="95000"/>
+                  <a:lumOff val="5000"/>
+                </a:schemeClr>
+              </a:solidFill>
+            </a:endParaRPr>
+          </a:p>
+          <a:p>
+            <a:pPr algn="just"/>
+            <a:endParaRPr lang="pt-BR" sz="2000" dirty="0" smtClean="0">
+              <a:solidFill>
+                <a:schemeClr val="bg1">
+                  <a:lumMod val="95000"/>
+                  <a:lumOff val="5000"/>
+                </a:schemeClr>
+              </a:solidFill>
+            </a:endParaRPr>
+          </a:p>
+          <a:p>
+            <a:pPr algn="just"/>
+            <a:endParaRPr lang="pt-BR" sz="2000" dirty="0">
+              <a:solidFill>
+                <a:schemeClr val="bg1">
+                  <a:lumMod val="95000"/>
+                  <a:lumOff val="5000"/>
+                </a:schemeClr>
+              </a:solidFill>
+            </a:endParaRPr>
+          </a:p>
+          <a:p>
+            <a:pPr algn="just"/>
+            <a:endParaRPr lang="pt-BR" sz="2000" dirty="0" smtClean="0">
+              <a:solidFill>
+                <a:schemeClr val="bg1"/>
+              </a:solidFill>
+            </a:endParaRPr>
+          </a:p>
+          <a:p>
+            <a:pPr algn="just"/>
+            <a:endParaRPr lang="pt-BR" sz="2000" dirty="0" smtClean="0">
+              <a:solidFill>
+                <a:schemeClr val="bg1">
+                  <a:lumMod val="95000"/>
+                  <a:lumOff val="5000"/>
+                </a:schemeClr>
+              </a:solidFill>
+            </a:endParaRPr>
+          </a:p>
+        </p:txBody>
+      </p:sp>
+      <p:pic>
+        <p:nvPicPr>
+          <p:cNvPr id="2" name="Picture 2"/>
+          <p:cNvPicPr>
+            <a:picLocks noChangeAspect="1" noChangeArrowheads="1"/>
+          </p:cNvPicPr>
+          <p:nvPr/>
+        </p:nvPicPr>
+        <p:blipFill>
+          <a:blip r:embed="rId3">
+            <a:extLst>
+              <a:ext uri="{28A0092B-C50C-407E-A947-70E740481C1C}">
+                <a14:useLocalDpi xmlns:a14="http://schemas.microsoft.com/office/drawing/2010/main" val="0"/>
+              </a:ext>
+            </a:extLst>
+          </a:blip>
+          <a:srcRect/>
+          <a:stretch>
+            <a:fillRect/>
+          </a:stretch>
+        </p:blipFill>
+        <p:spPr bwMode="auto">
+          <a:xfrm>
+            <a:off x="1992828" y="1960622"/>
+            <a:ext cx="8420100" cy="3524250"/>
+          </a:xfrm>
+          <a:prstGeom prst="rect">
+            <a:avLst/>
+          </a:prstGeom>
+          <a:noFill/>
+          <a:ln>
+            <a:noFill/>
+          </a:ln>
+          <a:effectLst/>
+          <a:extLst>
+            <a:ext uri="{909E8E84-426E-40DD-AFC4-6F175D3DCCD1}">
+              <a14:hiddenFill xmlns:a14="http://schemas.microsoft.com/office/drawing/2010/main">
+                <a:solidFill>
+                  <a:schemeClr val="accent1"/>
+                </a:solidFill>
+              </a14:hiddenFill>
+            </a:ext>
+            <a:ext uri="{91240B29-F687-4F45-9708-019B960494DF}">
+              <a14:hiddenLine xmlns:a14="http://schemas.microsoft.com/office/drawing/2010/main" w="9525">
+                <a:solidFill>
+                  <a:schemeClr val="tx1"/>
+                </a:solidFill>
+                <a:miter lim="800000"/>
+                <a:headEnd/>
+                <a:tailEnd/>
+              </a14:hiddenLine>
+            </a:ext>
+            <a:ext uri="{AF507438-7753-43E0-B8FC-AC1667EBCBE1}">
+              <a14:hiddenEffects xmlns:a14="http://schemas.microsoft.com/office/drawing/2010/main">
+                <a:effectLst>
+                  <a:outerShdw dist="35921" dir="2700000" algn="ctr" rotWithShape="0">
+                    <a:schemeClr val="bg2"/>
+                  </a:outerShdw>
+                </a:effectLst>
+              </a14:hiddenEffects>
+            </a:ext>
+          </a:extLst>
+        </p:spPr>
+      </p:pic>
+    </p:spTree>
+    <p:extLst>
+      <p:ext uri="{BB962C8B-B14F-4D97-AF65-F5344CB8AC3E}">
+        <p14:creationId xmlns:p14="http://schemas.microsoft.com/office/powerpoint/2010/main" val="2906369918"/>
+      </p:ext>
+    </p:extLst>
+  </p:cSld>
+  <p:clrMapOvr>
+    <a:masterClrMapping/>
+  </p:clrMapOvr>
+  <p:timing>
+    <p:tnLst>
+      <p:par>
+        <p:cTn id="1" dur="indefinite" restart="never" nodeType="tmRoot"/>
+      </p:par>
+    </p:tnLst>
+  </p:timing>
+</p:sld>
+</file>
+
+<file path=ppt/slides/slide67.xml><?xml version="1.0" encoding="utf-8"?>
+<p:sld xmlns:a="http://schemas.openxmlformats.org/drawingml/2006/main" xmlns:r="http://schemas.openxmlformats.org/officeDocument/2006/relationships" xmlns:p="http://schemas.openxmlformats.org/presentationml/2006/main">
+  <p:cSld>
+    <p:spTree>
+      <p:nvGrpSpPr>
+        <p:cNvPr id="1" name=""/>
+        <p:cNvGrpSpPr/>
+        <p:nvPr/>
+      </p:nvGrpSpPr>
+      <p:grpSpPr>
+        <a:xfrm>
+          <a:off x="0" y="0"/>
+          <a:ext cx="0" cy="0"/>
+          <a:chOff x="0" y="0"/>
+          <a:chExt cx="0" cy="0"/>
+        </a:xfrm>
+      </p:grpSpPr>
+      <p:sp>
+        <p:nvSpPr>
+          <p:cNvPr id="8" name="Retângulo 7">
+            <a:extLst>
+              <a:ext uri="{FF2B5EF4-FFF2-40B4-BE49-F238E27FC236}">
+                <a16:creationId xmlns:a16="http://schemas.microsoft.com/office/drawing/2014/main" xmlns="" id="{9B33DD69-1761-43D2-B589-CE56D2C4FBB6}"/>
+              </a:ext>
+            </a:extLst>
+          </p:cNvPr>
+          <p:cNvSpPr/>
+          <p:nvPr/>
+        </p:nvSpPr>
+        <p:spPr>
+          <a:xfrm>
+            <a:off x="892663" y="0"/>
+            <a:ext cx="11304103" cy="6858000"/>
+          </a:xfrm>
+          <a:prstGeom prst="rect">
+            <a:avLst/>
+          </a:prstGeom>
+          <a:solidFill>
+            <a:schemeClr val="tx1"/>
+          </a:solidFill>
+          <a:ln>
+            <a:solidFill>
+              <a:schemeClr val="tx1"/>
+            </a:solidFill>
+          </a:ln>
+        </p:spPr>
+        <p:style>
+          <a:lnRef idx="2">
+            <a:schemeClr val="accent1">
+              <a:shade val="50000"/>
+            </a:schemeClr>
+          </a:lnRef>
+          <a:fillRef idx="1">
+            <a:schemeClr val="accent1"/>
+          </a:fillRef>
+          <a:effectRef idx="0">
+            <a:schemeClr val="accent1"/>
+          </a:effectRef>
+          <a:fontRef idx="minor">
+            <a:schemeClr val="lt1"/>
+          </a:fontRef>
+        </p:style>
+        <p:txBody>
+          <a:bodyPr rtlCol="0" anchor="ctr"/>
+          <a:lstStyle/>
+          <a:p>
+            <a:pPr algn="ctr"/>
+            <a:endParaRPr lang="pt-BR" sz="2000" dirty="0">
+              <a:solidFill>
+                <a:schemeClr val="bg1"/>
+              </a:solidFill>
+            </a:endParaRPr>
+          </a:p>
+        </p:txBody>
+      </p:sp>
+      <p:sp>
+        <p:nvSpPr>
+          <p:cNvPr id="3" name="AutoShape 2" descr="Download Visual Studio Code - Mac, Linux, Windows"/>
+          <p:cNvSpPr>
+            <a:spLocks noChangeAspect="1" noChangeArrowheads="1"/>
+          </p:cNvSpPr>
+          <p:nvPr/>
+        </p:nvSpPr>
+        <p:spPr bwMode="auto">
+          <a:xfrm>
+            <a:off x="155575" y="-144463"/>
+            <a:ext cx="304800" cy="304801"/>
+          </a:xfrm>
+          <a:prstGeom prst="rect">
+            <a:avLst/>
+          </a:prstGeom>
+          <a:noFill/>
+          <a:extLst>
+            <a:ext uri="{909E8E84-426E-40DD-AFC4-6F175D3DCCD1}">
+              <a14:hiddenFill xmlns:a14="http://schemas.microsoft.com/office/drawing/2010/main">
+                <a:solidFill>
+                  <a:srgbClr val="FFFFFF"/>
+                </a:solidFill>
+              </a14:hiddenFill>
+            </a:ext>
+          </a:extLst>
+        </p:spPr>
+        <p:txBody>
+          <a:bodyPr vert="horz" wrap="square" lIns="91440" tIns="45720" rIns="91440" bIns="45720" numCol="1" anchor="t" anchorCtr="0" compatLnSpc="1">
+            <a:prstTxWarp prst="textNoShape">
+              <a:avLst/>
+            </a:prstTxWarp>
+          </a:bodyPr>
+          <a:lstStyle/>
+          <a:p>
+            <a:endParaRPr lang="pt-BR"/>
+          </a:p>
+        </p:txBody>
+      </p:sp>
+      <p:sp>
+        <p:nvSpPr>
+          <p:cNvPr id="4" name="AutoShape 4" descr="Download Visual Studio Code - Mac, Linux, Windows"/>
+          <p:cNvSpPr>
+            <a:spLocks noChangeAspect="1" noChangeArrowheads="1"/>
+          </p:cNvSpPr>
+          <p:nvPr/>
+        </p:nvSpPr>
+        <p:spPr bwMode="auto">
+          <a:xfrm>
+            <a:off x="307975" y="7937"/>
+            <a:ext cx="304800" cy="304801"/>
+          </a:xfrm>
+          <a:prstGeom prst="rect">
+            <a:avLst/>
+          </a:prstGeom>
+          <a:noFill/>
+          <a:extLst>
+            <a:ext uri="{909E8E84-426E-40DD-AFC4-6F175D3DCCD1}">
+              <a14:hiddenFill xmlns:a14="http://schemas.microsoft.com/office/drawing/2010/main">
+                <a:solidFill>
+                  <a:srgbClr val="FFFFFF"/>
+                </a:solidFill>
+              </a14:hiddenFill>
+            </a:ext>
+          </a:extLst>
+        </p:spPr>
+        <p:txBody>
+          <a:bodyPr vert="horz" wrap="square" lIns="91440" tIns="45720" rIns="91440" bIns="45720" numCol="1" anchor="t" anchorCtr="0" compatLnSpc="1">
+            <a:prstTxWarp prst="textNoShape">
+              <a:avLst/>
+            </a:prstTxWarp>
+          </a:bodyPr>
+          <a:lstStyle/>
+          <a:p>
+            <a:endParaRPr lang="pt-BR"/>
+          </a:p>
+        </p:txBody>
+      </p:sp>
+      <p:sp>
+        <p:nvSpPr>
+          <p:cNvPr id="9" name="CaixaDeTexto 8">
+            <a:extLst>
+              <a:ext uri="{FF2B5EF4-FFF2-40B4-BE49-F238E27FC236}">
+                <a16:creationId xmlns:a16="http://schemas.microsoft.com/office/drawing/2014/main" xmlns="" id="{90B980A2-8D40-4C0A-9871-4FA9794F9C3D}"/>
+              </a:ext>
+            </a:extLst>
+          </p:cNvPr>
+          <p:cNvSpPr txBox="1"/>
+          <p:nvPr/>
+        </p:nvSpPr>
+        <p:spPr>
+          <a:xfrm>
+            <a:off x="1215284" y="160337"/>
+            <a:ext cx="10658859" cy="5324535"/>
+          </a:xfrm>
+          <a:prstGeom prst="rect">
+            <a:avLst/>
+          </a:prstGeom>
+          <a:noFill/>
+        </p:spPr>
+        <p:txBody>
+          <a:bodyPr wrap="square" rtlCol="0">
+            <a:spAutoFit/>
+          </a:bodyPr>
+          <a:lstStyle/>
+          <a:p>
+            <a:pPr algn="just"/>
+            <a:r>
+              <a:rPr lang="pt-BR" sz="2000" dirty="0" smtClean="0">
+                <a:solidFill>
+                  <a:schemeClr val="bg1"/>
+                </a:solidFill>
+              </a:rPr>
+              <a:t>Para montarmos um site responsivo, precisamos primeiramente estruturar o layout, através de </a:t>
+            </a:r>
+            <a:r>
+              <a:rPr lang="pt-BR" sz="2000" dirty="0" smtClean="0">
+                <a:solidFill>
+                  <a:srgbClr val="FF0000"/>
+                </a:solidFill>
+              </a:rPr>
+              <a:t>containers</a:t>
+            </a:r>
+            <a:r>
+              <a:rPr lang="pt-BR" sz="2000" dirty="0" smtClean="0">
+                <a:solidFill>
+                  <a:schemeClr val="bg1"/>
+                </a:solidFill>
+              </a:rPr>
+              <a:t>, </a:t>
+            </a:r>
+            <a:r>
+              <a:rPr lang="pt-BR" sz="2000" dirty="0" smtClean="0">
+                <a:solidFill>
+                  <a:srgbClr val="FF0000"/>
+                </a:solidFill>
+              </a:rPr>
+              <a:t>grid</a:t>
+            </a:r>
+            <a:r>
+              <a:rPr lang="pt-BR" sz="2000" dirty="0" smtClean="0">
+                <a:solidFill>
+                  <a:schemeClr val="bg1"/>
+                </a:solidFill>
+              </a:rPr>
+              <a:t> e </a:t>
+            </a:r>
+            <a:r>
+              <a:rPr lang="pt-BR" sz="2000" dirty="0" smtClean="0">
+                <a:solidFill>
+                  <a:srgbClr val="FF0000"/>
+                </a:solidFill>
+              </a:rPr>
+              <a:t>columns</a:t>
+            </a:r>
+            <a:r>
+              <a:rPr lang="pt-BR" sz="2000" dirty="0" smtClean="0">
+                <a:solidFill>
+                  <a:schemeClr val="bg1"/>
+                </a:solidFill>
+              </a:rPr>
+              <a:t>:</a:t>
+            </a:r>
+          </a:p>
+          <a:p>
+            <a:pPr algn="just"/>
+            <a:endParaRPr lang="pt-BR" sz="2000" dirty="0">
+              <a:solidFill>
+                <a:schemeClr val="bg1"/>
+              </a:solidFill>
+            </a:endParaRPr>
+          </a:p>
+          <a:p>
+            <a:pPr algn="just"/>
+            <a:r>
+              <a:rPr lang="pt-BR" sz="2000" dirty="0" smtClean="0">
+                <a:solidFill>
+                  <a:schemeClr val="bg1"/>
+                </a:solidFill>
+              </a:rPr>
+              <a:t> </a:t>
+            </a:r>
+          </a:p>
+          <a:p>
+            <a:pPr algn="just"/>
+            <a:endParaRPr lang="pt-BR" sz="2000" dirty="0">
+              <a:solidFill>
+                <a:schemeClr val="bg1"/>
+              </a:solidFill>
+            </a:endParaRPr>
+          </a:p>
+          <a:p>
+            <a:pPr algn="just"/>
+            <a:endParaRPr lang="pt-BR" sz="2000" dirty="0" smtClean="0">
+              <a:solidFill>
+                <a:schemeClr val="bg1"/>
+              </a:solidFill>
+            </a:endParaRPr>
+          </a:p>
+          <a:p>
+            <a:pPr algn="just"/>
+            <a:endParaRPr lang="pt-BR" sz="2000" dirty="0">
+              <a:solidFill>
+                <a:schemeClr val="bg1"/>
+              </a:solidFill>
+            </a:endParaRPr>
+          </a:p>
+          <a:p>
+            <a:pPr algn="just"/>
+            <a:endParaRPr lang="pt-BR" sz="2000" dirty="0">
+              <a:solidFill>
+                <a:schemeClr val="bg1">
+                  <a:lumMod val="95000"/>
+                  <a:lumOff val="5000"/>
+                </a:schemeClr>
+              </a:solidFill>
+            </a:endParaRPr>
+          </a:p>
+          <a:p>
+            <a:pPr algn="just"/>
+            <a:endParaRPr lang="pt-BR" sz="2000" dirty="0" smtClean="0">
+              <a:solidFill>
+                <a:schemeClr val="bg1">
+                  <a:lumMod val="95000"/>
+                  <a:lumOff val="5000"/>
+                </a:schemeClr>
+              </a:solidFill>
+            </a:endParaRPr>
+          </a:p>
+          <a:p>
+            <a:pPr algn="just"/>
+            <a:endParaRPr lang="pt-BR" sz="2000" dirty="0">
+              <a:solidFill>
+                <a:schemeClr val="bg1">
+                  <a:lumMod val="95000"/>
+                  <a:lumOff val="5000"/>
+                </a:schemeClr>
+              </a:solidFill>
+            </a:endParaRPr>
+          </a:p>
+          <a:p>
+            <a:pPr algn="just"/>
+            <a:endParaRPr lang="pt-BR" sz="2000" dirty="0" smtClean="0">
+              <a:solidFill>
+                <a:schemeClr val="bg1">
+                  <a:lumMod val="95000"/>
+                  <a:lumOff val="5000"/>
+                </a:schemeClr>
+              </a:solidFill>
+            </a:endParaRPr>
+          </a:p>
+          <a:p>
+            <a:pPr algn="just"/>
+            <a:endParaRPr lang="pt-BR" sz="2000" dirty="0">
+              <a:solidFill>
+                <a:schemeClr val="bg1">
+                  <a:lumMod val="95000"/>
+                  <a:lumOff val="5000"/>
+                </a:schemeClr>
+              </a:solidFill>
+            </a:endParaRPr>
+          </a:p>
+          <a:p>
+            <a:pPr algn="just"/>
+            <a:endParaRPr lang="pt-BR" sz="2000" dirty="0">
+              <a:solidFill>
+                <a:schemeClr val="bg1">
+                  <a:lumMod val="95000"/>
+                  <a:lumOff val="5000"/>
+                </a:schemeClr>
+              </a:solidFill>
+            </a:endParaRPr>
+          </a:p>
+          <a:p>
+            <a:pPr algn="just"/>
+            <a:endParaRPr lang="pt-BR" sz="2000" dirty="0" smtClean="0">
+              <a:solidFill>
+                <a:schemeClr val="bg1">
+                  <a:lumMod val="95000"/>
+                  <a:lumOff val="5000"/>
+                </a:schemeClr>
+              </a:solidFill>
+            </a:endParaRPr>
+          </a:p>
+          <a:p>
+            <a:pPr algn="just"/>
+            <a:endParaRPr lang="pt-BR" sz="2000" dirty="0">
+              <a:solidFill>
+                <a:schemeClr val="bg1">
+                  <a:lumMod val="95000"/>
+                  <a:lumOff val="5000"/>
+                </a:schemeClr>
+              </a:solidFill>
+            </a:endParaRPr>
+          </a:p>
+          <a:p>
+            <a:pPr algn="just"/>
+            <a:endParaRPr lang="pt-BR" sz="2000" dirty="0" smtClean="0">
+              <a:solidFill>
+                <a:schemeClr val="bg1"/>
+              </a:solidFill>
+            </a:endParaRPr>
+          </a:p>
+          <a:p>
+            <a:pPr algn="just"/>
+            <a:endParaRPr lang="pt-BR" sz="2000" dirty="0" smtClean="0">
+              <a:solidFill>
+                <a:schemeClr val="bg1">
+                  <a:lumMod val="95000"/>
+                  <a:lumOff val="5000"/>
+                </a:schemeClr>
+              </a:solidFill>
+            </a:endParaRPr>
+          </a:p>
+        </p:txBody>
+      </p:sp>
+      <p:pic>
+        <p:nvPicPr>
+          <p:cNvPr id="2051" name="Picture 3"/>
+          <p:cNvPicPr>
+            <a:picLocks noChangeAspect="1" noChangeArrowheads="1"/>
+          </p:cNvPicPr>
+          <p:nvPr/>
+        </p:nvPicPr>
+        <p:blipFill>
+          <a:blip r:embed="rId2">
+            <a:extLst>
+              <a:ext uri="{28A0092B-C50C-407E-A947-70E740481C1C}">
+                <a14:useLocalDpi xmlns:a14="http://schemas.microsoft.com/office/drawing/2010/main" val="0"/>
+              </a:ext>
+            </a:extLst>
+          </a:blip>
+          <a:srcRect/>
+          <a:stretch>
+            <a:fillRect/>
+          </a:stretch>
+        </p:blipFill>
+        <p:spPr bwMode="auto">
+          <a:xfrm>
+            <a:off x="2303552" y="1305289"/>
+            <a:ext cx="8482322" cy="4179583"/>
+          </a:xfrm>
+          <a:prstGeom prst="rect">
+            <a:avLst/>
+          </a:prstGeom>
+          <a:noFill/>
+          <a:ln>
+            <a:noFill/>
+          </a:ln>
+          <a:effectLst/>
+          <a:extLst>
+            <a:ext uri="{909E8E84-426E-40DD-AFC4-6F175D3DCCD1}">
+              <a14:hiddenFill xmlns:a14="http://schemas.microsoft.com/office/drawing/2010/main">
+                <a:solidFill>
+                  <a:schemeClr val="accent1"/>
+                </a:solidFill>
+              </a14:hiddenFill>
+            </a:ext>
+            <a:ext uri="{91240B29-F687-4F45-9708-019B960494DF}">
+              <a14:hiddenLine xmlns:a14="http://schemas.microsoft.com/office/drawing/2010/main" w="9525">
+                <a:solidFill>
+                  <a:schemeClr val="tx1"/>
+                </a:solidFill>
+                <a:miter lim="800000"/>
+                <a:headEnd/>
+                <a:tailEnd/>
+              </a14:hiddenLine>
+            </a:ext>
+            <a:ext uri="{AF507438-7753-43E0-B8FC-AC1667EBCBE1}">
+              <a14:hiddenEffects xmlns:a14="http://schemas.microsoft.com/office/drawing/2010/main">
+                <a:effectLst>
+                  <a:outerShdw dist="35921" dir="2700000" algn="ctr" rotWithShape="0">
+                    <a:schemeClr val="bg2"/>
+                  </a:outerShdw>
+                </a:effectLst>
+              </a14:hiddenEffects>
+            </a:ext>
+          </a:extLst>
+        </p:spPr>
+      </p:pic>
+    </p:spTree>
+    <p:extLst>
+      <p:ext uri="{BB962C8B-B14F-4D97-AF65-F5344CB8AC3E}">
+        <p14:creationId xmlns:p14="http://schemas.microsoft.com/office/powerpoint/2010/main" val="2906354846"/>
+      </p:ext>
+    </p:extLst>
+  </p:cSld>
+  <p:clrMapOvr>
+    <a:masterClrMapping/>
+  </p:clrMapOvr>
+  <p:timing>
+    <p:tnLst>
+      <p:par>
+        <p:cTn id="1" dur="indefinite" restart="never" nodeType="tmRoot"/>
+      </p:par>
+    </p:tnLst>
+  </p:timing>
+</p:sld>
+</file>
+
+<file path=ppt/slides/slide68.xml><?xml version="1.0" encoding="utf-8"?>
+<p:sld xmlns:a="http://schemas.openxmlformats.org/drawingml/2006/main" xmlns:r="http://schemas.openxmlformats.org/officeDocument/2006/relationships" xmlns:p="http://schemas.openxmlformats.org/presentationml/2006/main">
+  <p:cSld>
+    <p:spTree>
+      <p:nvGrpSpPr>
+        <p:cNvPr id="1" name=""/>
+        <p:cNvGrpSpPr/>
+        <p:nvPr/>
+      </p:nvGrpSpPr>
+      <p:grpSpPr>
+        <a:xfrm>
+          <a:off x="0" y="0"/>
+          <a:ext cx="0" cy="0"/>
+          <a:chOff x="0" y="0"/>
+          <a:chExt cx="0" cy="0"/>
+        </a:xfrm>
+      </p:grpSpPr>
+      <p:sp>
+        <p:nvSpPr>
+          <p:cNvPr id="8" name="Retângulo 7">
+            <a:extLst>
+              <a:ext uri="{FF2B5EF4-FFF2-40B4-BE49-F238E27FC236}">
+                <a16:creationId xmlns:a16="http://schemas.microsoft.com/office/drawing/2014/main" xmlns="" id="{9B33DD69-1761-43D2-B589-CE56D2C4FBB6}"/>
+              </a:ext>
+            </a:extLst>
+          </p:cNvPr>
+          <p:cNvSpPr/>
+          <p:nvPr/>
+        </p:nvSpPr>
+        <p:spPr>
+          <a:xfrm>
+            <a:off x="892663" y="0"/>
+            <a:ext cx="11304103" cy="6858000"/>
+          </a:xfrm>
+          <a:prstGeom prst="rect">
+            <a:avLst/>
+          </a:prstGeom>
+          <a:solidFill>
+            <a:schemeClr val="tx1"/>
+          </a:solidFill>
+          <a:ln>
+            <a:solidFill>
+              <a:schemeClr val="tx1"/>
+            </a:solidFill>
+          </a:ln>
+        </p:spPr>
+        <p:style>
+          <a:lnRef idx="2">
+            <a:schemeClr val="accent1">
+              <a:shade val="50000"/>
+            </a:schemeClr>
+          </a:lnRef>
+          <a:fillRef idx="1">
+            <a:schemeClr val="accent1"/>
+          </a:fillRef>
+          <a:effectRef idx="0">
+            <a:schemeClr val="accent1"/>
+          </a:effectRef>
+          <a:fontRef idx="minor">
+            <a:schemeClr val="lt1"/>
+          </a:fontRef>
+        </p:style>
+        <p:txBody>
+          <a:bodyPr rtlCol="0" anchor="ctr"/>
+          <a:lstStyle/>
+          <a:p>
+            <a:pPr algn="ctr"/>
+            <a:endParaRPr lang="pt-BR" sz="2000" dirty="0">
+              <a:solidFill>
+                <a:schemeClr val="bg1"/>
+              </a:solidFill>
+            </a:endParaRPr>
+          </a:p>
+        </p:txBody>
+      </p:sp>
+      <p:sp>
+        <p:nvSpPr>
+          <p:cNvPr id="3" name="AutoShape 2" descr="Download Visual Studio Code - Mac, Linux, Windows"/>
+          <p:cNvSpPr>
+            <a:spLocks noChangeAspect="1" noChangeArrowheads="1"/>
+          </p:cNvSpPr>
+          <p:nvPr/>
+        </p:nvSpPr>
+        <p:spPr bwMode="auto">
+          <a:xfrm>
+            <a:off x="155575" y="-144463"/>
+            <a:ext cx="304800" cy="304801"/>
+          </a:xfrm>
+          <a:prstGeom prst="rect">
+            <a:avLst/>
+          </a:prstGeom>
+          <a:noFill/>
+          <a:extLst>
+            <a:ext uri="{909E8E84-426E-40DD-AFC4-6F175D3DCCD1}">
+              <a14:hiddenFill xmlns:a14="http://schemas.microsoft.com/office/drawing/2010/main">
+                <a:solidFill>
+                  <a:srgbClr val="FFFFFF"/>
+                </a:solidFill>
+              </a14:hiddenFill>
+            </a:ext>
+          </a:extLst>
+        </p:spPr>
+        <p:txBody>
+          <a:bodyPr vert="horz" wrap="square" lIns="91440" tIns="45720" rIns="91440" bIns="45720" numCol="1" anchor="t" anchorCtr="0" compatLnSpc="1">
+            <a:prstTxWarp prst="textNoShape">
+              <a:avLst/>
+            </a:prstTxWarp>
+          </a:bodyPr>
+          <a:lstStyle/>
+          <a:p>
+            <a:endParaRPr lang="pt-BR"/>
+          </a:p>
+        </p:txBody>
+      </p:sp>
+      <p:sp>
+        <p:nvSpPr>
+          <p:cNvPr id="4" name="AutoShape 4" descr="Download Visual Studio Code - Mac, Linux, Windows"/>
+          <p:cNvSpPr>
+            <a:spLocks noChangeAspect="1" noChangeArrowheads="1"/>
+          </p:cNvSpPr>
+          <p:nvPr/>
+        </p:nvSpPr>
+        <p:spPr bwMode="auto">
+          <a:xfrm>
+            <a:off x="307975" y="7937"/>
+            <a:ext cx="304800" cy="304801"/>
+          </a:xfrm>
+          <a:prstGeom prst="rect">
+            <a:avLst/>
+          </a:prstGeom>
+          <a:noFill/>
+          <a:extLst>
+            <a:ext uri="{909E8E84-426E-40DD-AFC4-6F175D3DCCD1}">
+              <a14:hiddenFill xmlns:a14="http://schemas.microsoft.com/office/drawing/2010/main">
+                <a:solidFill>
+                  <a:srgbClr val="FFFFFF"/>
+                </a:solidFill>
+              </a14:hiddenFill>
+            </a:ext>
+          </a:extLst>
+        </p:spPr>
+        <p:txBody>
+          <a:bodyPr vert="horz" wrap="square" lIns="91440" tIns="45720" rIns="91440" bIns="45720" numCol="1" anchor="t" anchorCtr="0" compatLnSpc="1">
+            <a:prstTxWarp prst="textNoShape">
+              <a:avLst/>
+            </a:prstTxWarp>
+          </a:bodyPr>
+          <a:lstStyle/>
+          <a:p>
+            <a:endParaRPr lang="pt-BR"/>
+          </a:p>
+        </p:txBody>
+      </p:sp>
+      <p:sp>
+        <p:nvSpPr>
+          <p:cNvPr id="9" name="CaixaDeTexto 8">
+            <a:extLst>
+              <a:ext uri="{FF2B5EF4-FFF2-40B4-BE49-F238E27FC236}">
+                <a16:creationId xmlns:a16="http://schemas.microsoft.com/office/drawing/2014/main" xmlns="" id="{90B980A2-8D40-4C0A-9871-4FA9794F9C3D}"/>
+              </a:ext>
+            </a:extLst>
+          </p:cNvPr>
+          <p:cNvSpPr txBox="1"/>
+          <p:nvPr/>
+        </p:nvSpPr>
+        <p:spPr>
+          <a:xfrm>
+            <a:off x="1215284" y="160337"/>
+            <a:ext cx="10658859" cy="5016758"/>
+          </a:xfrm>
+          <a:prstGeom prst="rect">
+            <a:avLst/>
+          </a:prstGeom>
+          <a:noFill/>
+        </p:spPr>
+        <p:txBody>
+          <a:bodyPr wrap="square" rtlCol="0">
+            <a:spAutoFit/>
+          </a:bodyPr>
+          <a:lstStyle/>
+          <a:p>
+            <a:pPr algn="just"/>
+            <a:r>
+              <a:rPr lang="pt-BR" sz="2000" dirty="0" smtClean="0">
+                <a:solidFill>
+                  <a:schemeClr val="bg1"/>
+                </a:solidFill>
+              </a:rPr>
+              <a:t>Tamb</a:t>
+            </a:r>
+            <a:r>
+              <a:rPr lang="pt-BR" sz="2000" dirty="0" smtClean="0">
+                <a:solidFill>
+                  <a:schemeClr val="bg1"/>
+                </a:solidFill>
+              </a:rPr>
+              <a:t>ém podemos utilizar os formulários e componentes do </a:t>
+            </a:r>
+            <a:r>
+              <a:rPr lang="pt-BR" sz="2000" dirty="0" smtClean="0">
+                <a:solidFill>
+                  <a:srgbClr val="FF0000"/>
+                </a:solidFill>
+              </a:rPr>
+              <a:t>bootstrap</a:t>
+            </a:r>
+            <a:r>
+              <a:rPr lang="pt-BR" sz="2000" dirty="0" smtClean="0">
+                <a:solidFill>
+                  <a:schemeClr val="bg1"/>
+                </a:solidFill>
+              </a:rPr>
+              <a:t> para facilitar as nossas criações</a:t>
+            </a:r>
+            <a:r>
+              <a:rPr lang="pt-BR" sz="2000" dirty="0" smtClean="0">
+                <a:solidFill>
+                  <a:schemeClr val="bg1"/>
+                </a:solidFill>
+              </a:rPr>
+              <a:t>:</a:t>
+            </a:r>
+          </a:p>
+          <a:p>
+            <a:pPr algn="just"/>
+            <a:endParaRPr lang="pt-BR" sz="2000" dirty="0">
+              <a:solidFill>
+                <a:schemeClr val="bg1"/>
+              </a:solidFill>
+            </a:endParaRPr>
+          </a:p>
+          <a:p>
+            <a:pPr algn="just"/>
+            <a:r>
+              <a:rPr lang="pt-BR" sz="2000" dirty="0" smtClean="0">
+                <a:solidFill>
+                  <a:schemeClr val="bg1"/>
+                </a:solidFill>
+              </a:rPr>
+              <a:t> </a:t>
+            </a:r>
+          </a:p>
+          <a:p>
+            <a:pPr algn="just"/>
+            <a:endParaRPr lang="pt-BR" sz="2000" dirty="0">
+              <a:solidFill>
+                <a:schemeClr val="bg1"/>
+              </a:solidFill>
+            </a:endParaRPr>
+          </a:p>
+          <a:p>
+            <a:pPr algn="just"/>
+            <a:endParaRPr lang="pt-BR" sz="2000" dirty="0" smtClean="0">
+              <a:solidFill>
+                <a:schemeClr val="bg1"/>
+              </a:solidFill>
+            </a:endParaRPr>
+          </a:p>
+          <a:p>
+            <a:pPr algn="just"/>
+            <a:endParaRPr lang="pt-BR" sz="2000" dirty="0">
+              <a:solidFill>
+                <a:schemeClr val="bg1"/>
+              </a:solidFill>
+            </a:endParaRPr>
+          </a:p>
+          <a:p>
+            <a:pPr algn="just"/>
+            <a:endParaRPr lang="pt-BR" sz="2000" dirty="0">
+              <a:solidFill>
+                <a:schemeClr val="bg1">
+                  <a:lumMod val="95000"/>
+                  <a:lumOff val="5000"/>
+                </a:schemeClr>
+              </a:solidFill>
+            </a:endParaRPr>
+          </a:p>
+          <a:p>
+            <a:pPr algn="just"/>
+            <a:endParaRPr lang="pt-BR" sz="2000" dirty="0" smtClean="0">
+              <a:solidFill>
+                <a:schemeClr val="bg1">
+                  <a:lumMod val="95000"/>
+                  <a:lumOff val="5000"/>
+                </a:schemeClr>
+              </a:solidFill>
+            </a:endParaRPr>
+          </a:p>
+          <a:p>
+            <a:pPr algn="just"/>
+            <a:endParaRPr lang="pt-BR" sz="2000" dirty="0">
+              <a:solidFill>
+                <a:schemeClr val="bg1">
+                  <a:lumMod val="95000"/>
+                  <a:lumOff val="5000"/>
+                </a:schemeClr>
+              </a:solidFill>
+            </a:endParaRPr>
+          </a:p>
+          <a:p>
+            <a:pPr algn="just"/>
+            <a:endParaRPr lang="pt-BR" sz="2000" dirty="0" smtClean="0">
+              <a:solidFill>
+                <a:schemeClr val="bg1">
+                  <a:lumMod val="95000"/>
+                  <a:lumOff val="5000"/>
+                </a:schemeClr>
+              </a:solidFill>
+            </a:endParaRPr>
+          </a:p>
+          <a:p>
+            <a:pPr algn="just"/>
+            <a:endParaRPr lang="pt-BR" sz="2000" dirty="0">
+              <a:solidFill>
+                <a:schemeClr val="bg1">
+                  <a:lumMod val="95000"/>
+                  <a:lumOff val="5000"/>
+                </a:schemeClr>
+              </a:solidFill>
+            </a:endParaRPr>
+          </a:p>
+          <a:p>
+            <a:pPr algn="just"/>
+            <a:endParaRPr lang="pt-BR" sz="2000" dirty="0">
+              <a:solidFill>
+                <a:schemeClr val="bg1">
+                  <a:lumMod val="95000"/>
+                  <a:lumOff val="5000"/>
+                </a:schemeClr>
+              </a:solidFill>
+            </a:endParaRPr>
+          </a:p>
+          <a:p>
+            <a:pPr algn="just"/>
+            <a:endParaRPr lang="pt-BR" sz="2000" dirty="0" smtClean="0">
+              <a:solidFill>
+                <a:schemeClr val="bg1">
+                  <a:lumMod val="95000"/>
+                  <a:lumOff val="5000"/>
+                </a:schemeClr>
+              </a:solidFill>
+            </a:endParaRPr>
+          </a:p>
+          <a:p>
+            <a:pPr algn="just"/>
+            <a:endParaRPr lang="pt-BR" sz="2000" dirty="0">
+              <a:solidFill>
+                <a:schemeClr val="bg1">
+                  <a:lumMod val="95000"/>
+                  <a:lumOff val="5000"/>
+                </a:schemeClr>
+              </a:solidFill>
+            </a:endParaRPr>
+          </a:p>
+          <a:p>
+            <a:pPr algn="just"/>
+            <a:endParaRPr lang="pt-BR" sz="2000" dirty="0" smtClean="0">
+              <a:solidFill>
+                <a:schemeClr val="bg1"/>
+              </a:solidFill>
+            </a:endParaRPr>
+          </a:p>
+          <a:p>
+            <a:pPr algn="just"/>
+            <a:endParaRPr lang="pt-BR" sz="2000" dirty="0" smtClean="0">
+              <a:solidFill>
+                <a:schemeClr val="bg1">
+                  <a:lumMod val="95000"/>
+                  <a:lumOff val="5000"/>
+                </a:schemeClr>
+              </a:solidFill>
+            </a:endParaRPr>
+          </a:p>
+        </p:txBody>
+      </p:sp>
+      <p:pic>
+        <p:nvPicPr>
+          <p:cNvPr id="3074" name="Picture 2"/>
+          <p:cNvPicPr>
+            <a:picLocks noChangeAspect="1" noChangeArrowheads="1"/>
+          </p:cNvPicPr>
+          <p:nvPr/>
+        </p:nvPicPr>
+        <p:blipFill>
+          <a:blip r:embed="rId2">
+            <a:extLst>
+              <a:ext uri="{28A0092B-C50C-407E-A947-70E740481C1C}">
+                <a14:useLocalDpi xmlns:a14="http://schemas.microsoft.com/office/drawing/2010/main" val="0"/>
+              </a:ext>
+            </a:extLst>
+          </a:blip>
+          <a:srcRect/>
+          <a:stretch>
+            <a:fillRect/>
+          </a:stretch>
+        </p:blipFill>
+        <p:spPr bwMode="auto">
+          <a:xfrm>
+            <a:off x="2125360" y="960998"/>
+            <a:ext cx="8838705" cy="4936003"/>
+          </a:xfrm>
+          <a:prstGeom prst="rect">
+            <a:avLst/>
+          </a:prstGeom>
+          <a:noFill/>
+          <a:ln>
+            <a:noFill/>
+          </a:ln>
+          <a:effectLst/>
+          <a:extLst>
+            <a:ext uri="{909E8E84-426E-40DD-AFC4-6F175D3DCCD1}">
+              <a14:hiddenFill xmlns:a14="http://schemas.microsoft.com/office/drawing/2010/main">
+                <a:solidFill>
+                  <a:schemeClr val="accent1"/>
+                </a:solidFill>
+              </a14:hiddenFill>
+            </a:ext>
+            <a:ext uri="{91240B29-F687-4F45-9708-019B960494DF}">
+              <a14:hiddenLine xmlns:a14="http://schemas.microsoft.com/office/drawing/2010/main" w="9525">
+                <a:solidFill>
+                  <a:schemeClr val="tx1"/>
+                </a:solidFill>
+                <a:miter lim="800000"/>
+                <a:headEnd/>
+                <a:tailEnd/>
+              </a14:hiddenLine>
+            </a:ext>
+            <a:ext uri="{AF507438-7753-43E0-B8FC-AC1667EBCBE1}">
+              <a14:hiddenEffects xmlns:a14="http://schemas.microsoft.com/office/drawing/2010/main">
+                <a:effectLst>
+                  <a:outerShdw dist="35921" dir="2700000" algn="ctr" rotWithShape="0">
+                    <a:schemeClr val="bg2"/>
+                  </a:outerShdw>
+                </a:effectLst>
+              </a14:hiddenEffects>
+            </a:ext>
+          </a:extLst>
+        </p:spPr>
+      </p:pic>
+    </p:spTree>
+    <p:extLst>
+      <p:ext uri="{BB962C8B-B14F-4D97-AF65-F5344CB8AC3E}">
+        <p14:creationId xmlns:p14="http://schemas.microsoft.com/office/powerpoint/2010/main" val="2567003138"/>
+      </p:ext>
+    </p:extLst>
+  </p:cSld>
+  <p:clrMapOvr>
+    <a:masterClrMapping/>
+  </p:clrMapOvr>
+  <p:timing>
+    <p:tnLst>
+      <p:par>
+        <p:cTn id="1" dur="indefinite" restart="never" nodeType="tmRoot"/>
+      </p:par>
+    </p:tnLst>
+  </p:timing>
+</p:sld>
+</file>
+
+<file path=ppt/slides/slide69.xml><?xml version="1.0" encoding="utf-8"?>
+<p:sld xmlns:a="http://schemas.openxmlformats.org/drawingml/2006/main" xmlns:r="http://schemas.openxmlformats.org/officeDocument/2006/relationships" xmlns:p="http://schemas.openxmlformats.org/presentationml/2006/main">
+  <p:cSld>
+    <p:spTree>
+      <p:nvGrpSpPr>
+        <p:cNvPr id="1" name=""/>
+        <p:cNvGrpSpPr/>
+        <p:nvPr/>
+      </p:nvGrpSpPr>
+      <p:grpSpPr>
+        <a:xfrm>
+          <a:off x="0" y="0"/>
+          <a:ext cx="0" cy="0"/>
+          <a:chOff x="0" y="0"/>
+          <a:chExt cx="0" cy="0"/>
+        </a:xfrm>
+      </p:grpSpPr>
+      <p:sp>
+        <p:nvSpPr>
+          <p:cNvPr id="2" name="Título 1">
+            <a:extLst>
+              <a:ext uri="{FF2B5EF4-FFF2-40B4-BE49-F238E27FC236}">
+                <a16:creationId xmlns:a16="http://schemas.microsoft.com/office/drawing/2014/main" xmlns="" id="{14AB9F69-8D24-468C-93DF-A1666924EB0C}"/>
+              </a:ext>
+            </a:extLst>
+          </p:cNvPr>
+          <p:cNvSpPr>
+            <a:spLocks noGrp="1"/>
+          </p:cNvSpPr>
+          <p:nvPr>
+            <p:ph type="ctrTitle"/>
+          </p:nvPr>
+        </p:nvSpPr>
+        <p:spPr/>
+        <p:txBody>
+          <a:bodyPr>
+            <a:normAutofit/>
+          </a:bodyPr>
+          <a:lstStyle/>
+          <a:p>
+            <a:r>
+              <a:rPr lang="pt-BR" sz="4400" dirty="0" smtClean="0"/>
+              <a:t>Exercício</a:t>
+            </a:r>
+            <a:endParaRPr lang="pt-BR" sz="4400" dirty="0"/>
+          </a:p>
+        </p:txBody>
+      </p:sp>
+      <p:sp>
+        <p:nvSpPr>
+          <p:cNvPr id="3" name="Subtítulo 2">
+            <a:extLst>
+              <a:ext uri="{FF2B5EF4-FFF2-40B4-BE49-F238E27FC236}">
+                <a16:creationId xmlns:a16="http://schemas.microsoft.com/office/drawing/2014/main" xmlns="" id="{0E4BFB9B-D461-4F8E-B2A0-819D63FA7EC4}"/>
+              </a:ext>
+            </a:extLst>
+          </p:cNvPr>
+          <p:cNvSpPr>
+            <a:spLocks noGrp="1"/>
+          </p:cNvSpPr>
+          <p:nvPr>
+            <p:ph type="subTitle" idx="1"/>
+          </p:nvPr>
+        </p:nvSpPr>
+        <p:spPr>
+          <a:xfrm>
+            <a:off x="1876424" y="3547166"/>
+            <a:ext cx="8791575" cy="1655762"/>
+          </a:xfrm>
+        </p:spPr>
+        <p:txBody>
+          <a:bodyPr/>
+          <a:lstStyle/>
+          <a:p>
+            <a:r>
+              <a:rPr lang="pt-BR" dirty="0" smtClean="0"/>
+              <a:t>HTML + CSS</a:t>
+            </a:r>
+            <a:endParaRPr lang="pt-BR" dirty="0"/>
+          </a:p>
+        </p:txBody>
+      </p:sp>
+    </p:spTree>
+    <p:extLst>
+      <p:ext uri="{BB962C8B-B14F-4D97-AF65-F5344CB8AC3E}">
+        <p14:creationId xmlns:p14="http://schemas.microsoft.com/office/powerpoint/2010/main" val="2670851603"/>
+      </p:ext>
+    </p:extLst>
+  </p:cSld>
+  <p:clrMapOvr>
+    <a:masterClrMapping/>
+  </p:clrMapOvr>
+  <p:timing>
+    <p:tnLst>
+      <p:par>
+        <p:cTn id="1" dur="indefinite" restart="never" nodeType="tmRoot"/>
+      </p:par>
+    </p:tnLst>
+  </p:timing>
+</p:sld>
+</file>
+
+<file path=ppt/slides/slide7.xml><?xml version="1.0" encoding="utf-8"?>
+<p:sld xmlns:a="http://schemas.openxmlformats.org/drawingml/2006/main" xmlns:r="http://schemas.openxmlformats.org/officeDocument/2006/relationships" xmlns:p="http://schemas.openxmlformats.org/presentationml/2006/main">
+  <p:cSld>
+    <p:spTree>
+      <p:nvGrpSpPr>
+        <p:cNvPr id="1" name=""/>
+        <p:cNvGrpSpPr/>
+        <p:nvPr/>
+      </p:nvGrpSpPr>
+      <p:grpSpPr>
+        <a:xfrm>
+          <a:off x="0" y="0"/>
+          <a:ext cx="0" cy="0"/>
+          <a:chOff x="0" y="0"/>
+          <a:chExt cx="0" cy="0"/>
+        </a:xfrm>
+      </p:grpSpPr>
+      <p:sp>
+        <p:nvSpPr>
+          <p:cNvPr id="8" name="Retângulo 7">
+            <a:extLst>
+              <a:ext uri="{FF2B5EF4-FFF2-40B4-BE49-F238E27FC236}">
+                <a16:creationId xmlns:a16="http://schemas.microsoft.com/office/drawing/2014/main" xmlns="" id="{9B33DD69-1761-43D2-B589-CE56D2C4FBB6}"/>
               </a:ext>
             </a:extLst>
           </p:cNvPr>
@@ -41270,7 +42761,7 @@
           <p:cNvPr id="24" name="CaixaDeTexto 23">
             <a:extLst>
               <a:ext uri="{FF2B5EF4-FFF2-40B4-BE49-F238E27FC236}">
-                <a16:creationId xmlns="" xmlns:a16="http://schemas.microsoft.com/office/drawing/2014/main" id="{90B980A2-8D40-4C0A-9871-4FA9794F9C3D}"/>
+                <a16:creationId xmlns:a16="http://schemas.microsoft.com/office/drawing/2014/main" xmlns="" id="{90B980A2-8D40-4C0A-9871-4FA9794F9C3D}"/>
               </a:ext>
             </a:extLst>
           </p:cNvPr>
@@ -41280,7 +42771,7 @@
         <p:spPr>
           <a:xfrm>
             <a:off x="1175332" y="179122"/>
-            <a:ext cx="10658859" cy="2246769"/>
+            <a:ext cx="10658859" cy="5632311"/>
           </a:xfrm>
           <a:prstGeom prst="rect">
             <a:avLst/>
@@ -41297,35 +42788,18 @@
             <a:r>
               <a:rPr lang="pt-BR" sz="2000" dirty="0" smtClean="0">
                 <a:solidFill>
-                  <a:schemeClr val="bg1"/>
-                </a:solidFill>
-              </a:rPr>
-              <a:t>Referências:</a:t>
-            </a:r>
-          </a:p>
-          <a:p>
-            <a:pPr algn="just"/>
-            <a:endParaRPr lang="pt-BR" sz="2000" dirty="0" smtClean="0">
-              <a:solidFill>
-                <a:schemeClr val="bg1"/>
-              </a:solidFill>
-            </a:endParaRPr>
-          </a:p>
-          <a:p>
-            <a:pPr algn="just"/>
-            <a:r>
-              <a:rPr lang="pt-BR" sz="2000" dirty="0" smtClean="0">
-                <a:solidFill>
                   <a:schemeClr val="bg1">
                     <a:lumMod val="95000"/>
                     <a:lumOff val="5000"/>
                   </a:schemeClr>
                 </a:solidFill>
-                <a:hlinkClick r:id="rId2"/>
-              </a:rPr>
-              <a:t>https://code.visualstudio.com/</a:t>
-            </a:r>
-            <a:endParaRPr lang="pt-BR" sz="2000" dirty="0" smtClean="0">
+              </a:rPr>
+              <a:t>Antes de programarmos, é necessário entendermos o conceito de organização do nosso código:</a:t>
+            </a:r>
+          </a:p>
+          <a:p>
+            <a:pPr algn="just"/>
+            <a:endParaRPr lang="pt-BR" sz="2000" dirty="0">
               <a:solidFill>
                 <a:schemeClr val="bg1">
                   <a:lumMod val="95000"/>
@@ -41344,21 +42818,17 @@
                     <a:lumOff val="5000"/>
                   </a:schemeClr>
                 </a:solidFill>
-                <a:hlinkClick r:id="rId3"/>
-              </a:rPr>
-              <a:t>https://www.youtube.com/watch?v=_R6YslWRUFk</a:t>
-            </a:r>
-            <a:endParaRPr lang="pt-BR" sz="2000" dirty="0" smtClean="0">
-              <a:solidFill>
-                <a:schemeClr val="bg1">
-                  <a:lumMod val="95000"/>
-                  <a:lumOff val="5000"/>
-                </a:schemeClr>
-              </a:solidFill>
-            </a:endParaRPr>
-          </a:p>
-          <a:p>
-            <a:pPr algn="just"/>
+              </a:rPr>
+              <a:t>Sempre que abrirmos um </a:t>
+            </a:r>
+            <a:r>
+              <a:rPr lang="pt-BR" sz="2000" dirty="0" smtClean="0">
+                <a:solidFill>
+                  <a:srgbClr val="FF0000"/>
+                </a:solidFill>
+              </a:rPr>
+              <a:t>bloco</a:t>
+            </a:r>
             <a:r>
               <a:rPr lang="pt-BR" sz="2000" dirty="0" smtClean="0">
                 <a:solidFill>
@@ -41367,32 +42837,35 @@
                     <a:lumOff val="5000"/>
                   </a:schemeClr>
                 </a:solidFill>
-                <a:hlinkClick r:id="rId4"/>
-              </a:rPr>
-              <a:t>https://www.w3schools.com/</a:t>
-            </a:r>
-            <a:endParaRPr lang="pt-BR" sz="2000" dirty="0" smtClean="0">
-              <a:solidFill>
-                <a:schemeClr val="bg1">
-                  <a:lumMod val="95000"/>
-                  <a:lumOff val="5000"/>
-                </a:schemeClr>
-              </a:solidFill>
-            </a:endParaRPr>
-          </a:p>
-          <a:p>
-            <a:pPr algn="just"/>
-            <a:r>
-              <a:rPr lang="pt-BR" sz="2000" dirty="0">
+              </a:rPr>
+              <a:t> que receberá conteúdo, </a:t>
+            </a:r>
+            <a:r>
+              <a:rPr lang="pt-BR" sz="2000" dirty="0" smtClean="0">
+                <a:solidFill>
+                  <a:srgbClr val="FF0000"/>
+                </a:solidFill>
+              </a:rPr>
+              <a:t>dentro desse bloco damos um tab</a:t>
+            </a:r>
+            <a:r>
+              <a:rPr lang="pt-BR" sz="2000" dirty="0" smtClean="0">
                 <a:solidFill>
                   <a:schemeClr val="bg1">
                     <a:lumMod val="95000"/>
                     <a:lumOff val="5000"/>
                   </a:schemeClr>
                 </a:solidFill>
-                <a:hlinkClick r:id="rId5"/>
-              </a:rPr>
-              <a:t>https://</a:t>
+              </a:rPr>
+              <a:t> (tecla tab) para que o código sempre esteja organizado, o próprio Visual Studio Code já nos sugere o uso do </a:t>
+            </a:r>
+            <a:r>
+              <a:rPr lang="pt-BR" sz="2000" dirty="0" smtClean="0">
+                <a:solidFill>
+                  <a:srgbClr val="FF0000"/>
+                </a:solidFill>
+              </a:rPr>
+              <a:t>tab</a:t>
             </a:r>
             <a:r>
               <a:rPr lang="pt-BR" sz="2000" dirty="0" smtClean="0">
@@ -41402,21 +42875,17 @@
                     <a:lumOff val="5000"/>
                   </a:schemeClr>
                 </a:solidFill>
-                <a:hlinkClick r:id="rId5"/>
-              </a:rPr>
-              <a:t>www.youtube.com/watch?v=Fj3gtbaF8WA</a:t>
-            </a:r>
-            <a:endParaRPr lang="pt-BR" sz="2000" dirty="0" smtClean="0">
-              <a:solidFill>
-                <a:schemeClr val="bg1">
-                  <a:lumMod val="95000"/>
-                  <a:lumOff val="5000"/>
-                </a:schemeClr>
-              </a:solidFill>
-            </a:endParaRPr>
-          </a:p>
-          <a:p>
-            <a:pPr algn="just"/>
+              </a:rPr>
+              <a:t> quando abrirmos um novo bloco de conteúdo, essa organização chamamos de </a:t>
+            </a:r>
+            <a:r>
+              <a:rPr lang="pt-BR" sz="2000" dirty="0" smtClean="0">
+                <a:solidFill>
+                  <a:srgbClr val="FF0000"/>
+                </a:solidFill>
+              </a:rPr>
+              <a:t>indentação</a:t>
+            </a:r>
             <a:r>
               <a:rPr lang="pt-BR" sz="2000" dirty="0" smtClean="0">
                 <a:solidFill>
@@ -41425,16 +42894,117 @@
                     <a:lumOff val="5000"/>
                   </a:schemeClr>
                 </a:solidFill>
-                <a:hlinkClick r:id="rId6"/>
-              </a:rPr>
-              <a:t>https://fontawesome.com/</a:t>
-            </a:r>
-            <a:endParaRPr lang="pt-BR" sz="2000" dirty="0">
-              <a:solidFill>
-                <a:schemeClr val="bg1">
-                  <a:lumMod val="95000"/>
-                  <a:lumOff val="5000"/>
-                </a:schemeClr>
+              </a:rPr>
+              <a:t>.</a:t>
+            </a:r>
+          </a:p>
+          <a:p>
+            <a:pPr algn="just"/>
+            <a:endParaRPr lang="pt-BR" sz="2000" dirty="0">
+              <a:solidFill>
+                <a:schemeClr val="bg1">
+                  <a:lumMod val="95000"/>
+                  <a:lumOff val="5000"/>
+                </a:schemeClr>
+              </a:solidFill>
+            </a:endParaRPr>
+          </a:p>
+          <a:p>
+            <a:pPr algn="just"/>
+            <a:endParaRPr lang="pt-BR" sz="2000" dirty="0" smtClean="0">
+              <a:solidFill>
+                <a:schemeClr val="bg1">
+                  <a:lumMod val="95000"/>
+                  <a:lumOff val="5000"/>
+                </a:schemeClr>
+              </a:solidFill>
+            </a:endParaRPr>
+          </a:p>
+          <a:p>
+            <a:pPr algn="just"/>
+            <a:endParaRPr lang="pt-BR" sz="2000" dirty="0" smtClean="0">
+              <a:solidFill>
+                <a:srgbClr val="FF0000"/>
+              </a:solidFill>
+            </a:endParaRPr>
+          </a:p>
+          <a:p>
+            <a:pPr algn="just"/>
+            <a:endParaRPr lang="pt-BR" sz="2000" dirty="0">
+              <a:solidFill>
+                <a:srgbClr val="FF0000"/>
+              </a:solidFill>
+            </a:endParaRPr>
+          </a:p>
+          <a:p>
+            <a:pPr algn="just"/>
+            <a:endParaRPr lang="pt-BR" sz="2000" dirty="0" smtClean="0">
+              <a:solidFill>
+                <a:srgbClr val="FF0000"/>
+              </a:solidFill>
+            </a:endParaRPr>
+          </a:p>
+          <a:p>
+            <a:pPr algn="just"/>
+            <a:endParaRPr lang="pt-BR" sz="2000" dirty="0">
+              <a:solidFill>
+                <a:srgbClr val="FF0000"/>
+              </a:solidFill>
+            </a:endParaRPr>
+          </a:p>
+          <a:p>
+            <a:pPr algn="just"/>
+            <a:endParaRPr lang="pt-BR" sz="2000" dirty="0" smtClean="0">
+              <a:solidFill>
+                <a:srgbClr val="FF0000"/>
+              </a:solidFill>
+            </a:endParaRPr>
+          </a:p>
+          <a:p>
+            <a:pPr algn="just"/>
+            <a:endParaRPr lang="pt-BR" sz="2000" dirty="0">
+              <a:solidFill>
+                <a:srgbClr val="FF0000"/>
+              </a:solidFill>
+            </a:endParaRPr>
+          </a:p>
+          <a:p>
+            <a:pPr algn="just"/>
+            <a:endParaRPr lang="pt-BR" sz="2000" dirty="0" smtClean="0">
+              <a:solidFill>
+                <a:srgbClr val="FF0000"/>
+              </a:solidFill>
+            </a:endParaRPr>
+          </a:p>
+          <a:p>
+            <a:pPr algn="just"/>
+            <a:endParaRPr lang="pt-BR" sz="2000" dirty="0">
+              <a:solidFill>
+                <a:srgbClr val="FF0000"/>
+              </a:solidFill>
+            </a:endParaRPr>
+          </a:p>
+          <a:p>
+            <a:pPr algn="just"/>
+            <a:endParaRPr lang="pt-BR" sz="2000" dirty="0" smtClean="0">
+              <a:solidFill>
+                <a:srgbClr val="FF0000"/>
+              </a:solidFill>
+            </a:endParaRPr>
+          </a:p>
+          <a:p>
+            <a:pPr algn="just"/>
+            <a:endParaRPr lang="pt-BR" sz="2000" dirty="0">
+              <a:solidFill>
+                <a:srgbClr val="FF0000"/>
+              </a:solidFill>
+            </a:endParaRPr>
+          </a:p>
+          <a:p>
+            <a:pPr algn="just"/>
+            <a:endParaRPr lang="pt-BR" sz="2000" dirty="0">
+              <a:solidFill>
+                <a:srgbClr val="FF0000"/>
               </a:solidFill>
             </a:endParaRPr>
           </a:p>
@@ -41518,10 +43088,74 @@
           </a:p>
         </p:txBody>
       </p:sp>
+      <p:pic>
+        <p:nvPicPr>
+          <p:cNvPr id="4098" name="Picture 2"/>
+          <p:cNvPicPr>
+            <a:picLocks noChangeAspect="1" noChangeArrowheads="1"/>
+          </p:cNvPicPr>
+          <p:nvPr/>
+        </p:nvPicPr>
+        <p:blipFill>
+          <a:blip r:embed="rId2">
+            <a:extLst>
+              <a:ext uri="{28A0092B-C50C-407E-A947-70E740481C1C}">
+                <a14:useLocalDpi xmlns:a14="http://schemas.microsoft.com/office/drawing/2010/main" val="0"/>
+              </a:ext>
+            </a:extLst>
+          </a:blip>
+          <a:srcRect/>
+          <a:stretch>
+            <a:fillRect/>
+          </a:stretch>
+        </p:blipFill>
+        <p:spPr bwMode="auto">
+          <a:xfrm>
+            <a:off x="2095699" y="2062395"/>
+            <a:ext cx="8818124" cy="4486414"/>
+          </a:xfrm>
+          <a:prstGeom prst="rect">
+            <a:avLst/>
+          </a:prstGeom>
+          <a:noFill/>
+          <a:ln>
+            <a:noFill/>
+          </a:ln>
+          <a:effectLst/>
+          <a:extLst>
+            <a:ext uri="{909E8E84-426E-40DD-AFC4-6F175D3DCCD1}">
+              <a14:hiddenFill xmlns:a14="http://schemas.microsoft.com/office/drawing/2010/main">
+                <a:solidFill>
+                  <a:schemeClr val="accent1"/>
+                </a:solidFill>
+              </a14:hiddenFill>
+            </a:ext>
+            <a:ext uri="{91240B29-F687-4F45-9708-019B960494DF}">
+              <a14:hiddenLine xmlns:a14="http://schemas.microsoft.com/office/drawing/2010/main" w="9525">
+                <a:solidFill>
+                  <a:schemeClr val="tx1"/>
+                </a:solidFill>
+                <a:miter lim="800000"/>
+                <a:headEnd/>
+                <a:tailEnd/>
+              </a14:hiddenLine>
+            </a:ext>
+            <a:ext uri="{AF507438-7753-43E0-B8FC-AC1667EBCBE1}">
+              <a14:hiddenEffects xmlns:a14="http://schemas.microsoft.com/office/drawing/2010/main">
+                <a:effectLst>
+                  <a:outerShdw dist="35921" dir="2700000" algn="ctr" rotWithShape="0">
+                    <a:schemeClr val="bg2"/>
+                  </a:outerShdw>
+                </a:effectLst>
+              </a14:hiddenEffects>
+            </a:ext>
+          </a:extLst>
+        </p:spPr>
+      </p:pic>
     </p:spTree>
     <p:extLst>
       <p:ext uri="{BB962C8B-B14F-4D97-AF65-F5344CB8AC3E}">
-        <p14:creationId xmlns:p14="http://schemas.microsoft.com/office/powerpoint/2010/main" val="2338382631"/>
+        <p14:creationId xmlns:p14="http://schemas.microsoft.com/office/powerpoint/2010/main" val="3218532752"/>
       </p:ext>
     </p:extLst>
   </p:cSld>
@@ -41538,7 +43172,7 @@
 </p:sld>
 </file>
 
-<file path=ppt/slides/slide7.xml><?xml version="1.0" encoding="utf-8"?>
+<file path=ppt/slides/slide70.xml><?xml version="1.0" encoding="utf-8"?>
 <p:sld xmlns:a="http://schemas.openxmlformats.org/drawingml/2006/main" xmlns:r="http://schemas.openxmlformats.org/officeDocument/2006/relationships" xmlns:p="http://schemas.openxmlformats.org/presentationml/2006/main">
   <p:cSld>
     <p:spTree>
@@ -41560,7 +43194,1485 @@
           <p:cNvPr id="8" name="Retângulo 7">
             <a:extLst>
               <a:ext uri="{FF2B5EF4-FFF2-40B4-BE49-F238E27FC236}">
-                <a16:creationId xmlns="" xmlns:a16="http://schemas.microsoft.com/office/drawing/2014/main" id="{9B33DD69-1761-43D2-B589-CE56D2C4FBB6}"/>
+                <a16:creationId xmlns:a16="http://schemas.microsoft.com/office/drawing/2014/main" xmlns="" id="{9B33DD69-1761-43D2-B589-CE56D2C4FBB6}"/>
+              </a:ext>
+            </a:extLst>
+          </p:cNvPr>
+          <p:cNvSpPr/>
+          <p:nvPr/>
+        </p:nvSpPr>
+        <p:spPr>
+          <a:xfrm>
+            <a:off x="892663" y="0"/>
+            <a:ext cx="11304103" cy="6858000"/>
+          </a:xfrm>
+          <a:prstGeom prst="rect">
+            <a:avLst/>
+          </a:prstGeom>
+          <a:solidFill>
+            <a:schemeClr val="tx1"/>
+          </a:solidFill>
+          <a:ln>
+            <a:solidFill>
+              <a:schemeClr val="tx1"/>
+            </a:solidFill>
+          </a:ln>
+        </p:spPr>
+        <p:style>
+          <a:lnRef idx="2">
+            <a:schemeClr val="accent1">
+              <a:shade val="50000"/>
+            </a:schemeClr>
+          </a:lnRef>
+          <a:fillRef idx="1">
+            <a:schemeClr val="accent1"/>
+          </a:fillRef>
+          <a:effectRef idx="0">
+            <a:schemeClr val="accent1"/>
+          </a:effectRef>
+          <a:fontRef idx="minor">
+            <a:schemeClr val="lt1"/>
+          </a:fontRef>
+        </p:style>
+        <p:txBody>
+          <a:bodyPr rtlCol="0" anchor="ctr"/>
+          <a:lstStyle/>
+          <a:p>
+            <a:pPr algn="ctr"/>
+            <a:endParaRPr lang="pt-BR" sz="2000" dirty="0">
+              <a:solidFill>
+                <a:schemeClr val="bg1"/>
+              </a:solidFill>
+            </a:endParaRPr>
+          </a:p>
+        </p:txBody>
+      </p:sp>
+      <p:sp>
+        <p:nvSpPr>
+          <p:cNvPr id="3" name="AutoShape 2" descr="Download Visual Studio Code - Mac, Linux, Windows"/>
+          <p:cNvSpPr>
+            <a:spLocks noChangeAspect="1" noChangeArrowheads="1"/>
+          </p:cNvSpPr>
+          <p:nvPr/>
+        </p:nvSpPr>
+        <p:spPr bwMode="auto">
+          <a:xfrm>
+            <a:off x="155575" y="-144463"/>
+            <a:ext cx="304800" cy="304801"/>
+          </a:xfrm>
+          <a:prstGeom prst="rect">
+            <a:avLst/>
+          </a:prstGeom>
+          <a:noFill/>
+          <a:extLst>
+            <a:ext uri="{909E8E84-426E-40DD-AFC4-6F175D3DCCD1}">
+              <a14:hiddenFill xmlns:a14="http://schemas.microsoft.com/office/drawing/2010/main">
+                <a:solidFill>
+                  <a:srgbClr val="FFFFFF"/>
+                </a:solidFill>
+              </a14:hiddenFill>
+            </a:ext>
+          </a:extLst>
+        </p:spPr>
+        <p:txBody>
+          <a:bodyPr vert="horz" wrap="square" lIns="91440" tIns="45720" rIns="91440" bIns="45720" numCol="1" anchor="t" anchorCtr="0" compatLnSpc="1">
+            <a:prstTxWarp prst="textNoShape">
+              <a:avLst/>
+            </a:prstTxWarp>
+          </a:bodyPr>
+          <a:lstStyle/>
+          <a:p>
+            <a:endParaRPr lang="pt-BR"/>
+          </a:p>
+        </p:txBody>
+      </p:sp>
+      <p:sp>
+        <p:nvSpPr>
+          <p:cNvPr id="4" name="AutoShape 4" descr="Download Visual Studio Code - Mac, Linux, Windows"/>
+          <p:cNvSpPr>
+            <a:spLocks noChangeAspect="1" noChangeArrowheads="1"/>
+          </p:cNvSpPr>
+          <p:nvPr/>
+        </p:nvSpPr>
+        <p:spPr bwMode="auto">
+          <a:xfrm>
+            <a:off x="307975" y="7937"/>
+            <a:ext cx="304800" cy="304801"/>
+          </a:xfrm>
+          <a:prstGeom prst="rect">
+            <a:avLst/>
+          </a:prstGeom>
+          <a:noFill/>
+          <a:extLst>
+            <a:ext uri="{909E8E84-426E-40DD-AFC4-6F175D3DCCD1}">
+              <a14:hiddenFill xmlns:a14="http://schemas.microsoft.com/office/drawing/2010/main">
+                <a:solidFill>
+                  <a:srgbClr val="FFFFFF"/>
+                </a:solidFill>
+              </a14:hiddenFill>
+            </a:ext>
+          </a:extLst>
+        </p:spPr>
+        <p:txBody>
+          <a:bodyPr vert="horz" wrap="square" lIns="91440" tIns="45720" rIns="91440" bIns="45720" numCol="1" anchor="t" anchorCtr="0" compatLnSpc="1">
+            <a:prstTxWarp prst="textNoShape">
+              <a:avLst/>
+            </a:prstTxWarp>
+          </a:bodyPr>
+          <a:lstStyle/>
+          <a:p>
+            <a:endParaRPr lang="pt-BR"/>
+          </a:p>
+        </p:txBody>
+      </p:sp>
+      <p:sp>
+        <p:nvSpPr>
+          <p:cNvPr id="9" name="CaixaDeTexto 8">
+            <a:extLst>
+              <a:ext uri="{FF2B5EF4-FFF2-40B4-BE49-F238E27FC236}">
+                <a16:creationId xmlns:a16="http://schemas.microsoft.com/office/drawing/2014/main" xmlns="" id="{90B980A2-8D40-4C0A-9871-4FA9794F9C3D}"/>
+              </a:ext>
+            </a:extLst>
+          </p:cNvPr>
+          <p:cNvSpPr txBox="1"/>
+          <p:nvPr/>
+        </p:nvSpPr>
+        <p:spPr>
+          <a:xfrm>
+            <a:off x="1215284" y="160337"/>
+            <a:ext cx="10658859" cy="17943374"/>
+          </a:xfrm>
+          <a:prstGeom prst="rect">
+            <a:avLst/>
+          </a:prstGeom>
+          <a:noFill/>
+        </p:spPr>
+        <p:txBody>
+          <a:bodyPr wrap="square" rtlCol="0">
+            <a:spAutoFit/>
+          </a:bodyPr>
+          <a:lstStyle/>
+          <a:p>
+            <a:pPr algn="just"/>
+            <a:r>
+              <a:rPr lang="pt-BR" sz="2000" dirty="0" smtClean="0">
+                <a:solidFill>
+                  <a:schemeClr val="bg1">
+                    <a:lumMod val="95000"/>
+                    <a:lumOff val="5000"/>
+                  </a:schemeClr>
+                </a:solidFill>
+              </a:rPr>
+              <a:t>Utilizando o que já aprendemos, monte uma página em </a:t>
+            </a:r>
+            <a:r>
+              <a:rPr lang="pt-BR" sz="2000" dirty="0" smtClean="0">
+                <a:solidFill>
+                  <a:srgbClr val="FF0000"/>
+                </a:solidFill>
+              </a:rPr>
+              <a:t>.</a:t>
+            </a:r>
+            <a:r>
+              <a:rPr lang="pt-BR" sz="2000" dirty="0" smtClean="0">
+                <a:solidFill>
+                  <a:srgbClr val="FF0000"/>
+                </a:solidFill>
+              </a:rPr>
+              <a:t>html, </a:t>
+            </a:r>
+            <a:r>
+              <a:rPr lang="pt-BR" sz="2000" dirty="0" smtClean="0">
+                <a:solidFill>
+                  <a:srgbClr val="FF0000"/>
+                </a:solidFill>
+              </a:rPr>
+              <a:t>.</a:t>
+            </a:r>
+            <a:r>
+              <a:rPr lang="pt-BR" sz="2000" dirty="0" smtClean="0">
+                <a:solidFill>
+                  <a:srgbClr val="FF0000"/>
+                </a:solidFill>
+              </a:rPr>
+              <a:t>css e boostrap </a:t>
+            </a:r>
+            <a:r>
+              <a:rPr lang="pt-BR" sz="2000" dirty="0" smtClean="0">
+                <a:solidFill>
+                  <a:schemeClr val="bg1">
+                    <a:lumMod val="95000"/>
+                    <a:lumOff val="5000"/>
+                  </a:schemeClr>
+                </a:solidFill>
+              </a:rPr>
+              <a:t>conforme exemplo </a:t>
+            </a:r>
+            <a:r>
+              <a:rPr lang="pt-BR" sz="2000" dirty="0" smtClean="0">
+                <a:solidFill>
+                  <a:schemeClr val="bg1">
+                    <a:lumMod val="95000"/>
+                    <a:lumOff val="5000"/>
+                  </a:schemeClr>
+                </a:solidFill>
+              </a:rPr>
+              <a:t>abaixo, lembrando que a página é a mesa só muda a visualização, no caso do google chrome utilizamos o inspecionar:</a:t>
+            </a:r>
+          </a:p>
+          <a:p>
+            <a:pPr algn="just"/>
+            <a:endParaRPr lang="pt-BR" sz="2000" dirty="0">
+              <a:solidFill>
+                <a:schemeClr val="bg1">
+                  <a:lumMod val="95000"/>
+                  <a:lumOff val="5000"/>
+                </a:schemeClr>
+              </a:solidFill>
+            </a:endParaRPr>
+          </a:p>
+          <a:p>
+            <a:pPr algn="just"/>
+            <a:r>
+              <a:rPr lang="pt-BR" sz="2000" dirty="0" smtClean="0">
+                <a:solidFill>
+                  <a:schemeClr val="bg1">
+                    <a:lumMod val="95000"/>
+                    <a:lumOff val="5000"/>
+                  </a:schemeClr>
+                </a:solidFill>
+              </a:rPr>
+              <a:t>Desktop:                                                                                Mobile:</a:t>
+            </a:r>
+          </a:p>
+          <a:p>
+            <a:pPr algn="just"/>
+            <a:endParaRPr lang="pt-BR" sz="2000" dirty="0">
+              <a:solidFill>
+                <a:schemeClr val="bg1">
+                  <a:lumMod val="95000"/>
+                  <a:lumOff val="5000"/>
+                </a:schemeClr>
+              </a:solidFill>
+            </a:endParaRPr>
+          </a:p>
+          <a:p>
+            <a:pPr algn="just"/>
+            <a:endParaRPr lang="pt-BR" sz="2000" dirty="0" smtClean="0">
+              <a:solidFill>
+                <a:schemeClr val="bg1">
+                  <a:lumMod val="95000"/>
+                  <a:lumOff val="5000"/>
+                </a:schemeClr>
+              </a:solidFill>
+            </a:endParaRPr>
+          </a:p>
+          <a:p>
+            <a:pPr algn="just"/>
+            <a:endParaRPr lang="pt-BR" sz="2000" dirty="0">
+              <a:solidFill>
+                <a:schemeClr val="bg1">
+                  <a:lumMod val="95000"/>
+                  <a:lumOff val="5000"/>
+                </a:schemeClr>
+              </a:solidFill>
+            </a:endParaRPr>
+          </a:p>
+          <a:p>
+            <a:pPr algn="just"/>
+            <a:endParaRPr lang="pt-BR" sz="2000" dirty="0" smtClean="0">
+              <a:solidFill>
+                <a:schemeClr val="bg1">
+                  <a:lumMod val="95000"/>
+                  <a:lumOff val="5000"/>
+                </a:schemeClr>
+              </a:solidFill>
+            </a:endParaRPr>
+          </a:p>
+          <a:p>
+            <a:pPr algn="just"/>
+            <a:endParaRPr lang="pt-BR" sz="2000" dirty="0">
+              <a:solidFill>
+                <a:schemeClr val="bg1">
+                  <a:lumMod val="95000"/>
+                  <a:lumOff val="5000"/>
+                </a:schemeClr>
+              </a:solidFill>
+            </a:endParaRPr>
+          </a:p>
+          <a:p>
+            <a:pPr algn="just"/>
+            <a:endParaRPr lang="pt-BR" sz="2000" dirty="0" smtClean="0">
+              <a:solidFill>
+                <a:schemeClr val="bg1">
+                  <a:lumMod val="95000"/>
+                  <a:lumOff val="5000"/>
+                </a:schemeClr>
+              </a:solidFill>
+            </a:endParaRPr>
+          </a:p>
+          <a:p>
+            <a:pPr algn="just"/>
+            <a:endParaRPr lang="pt-BR" sz="2000" dirty="0">
+              <a:solidFill>
+                <a:schemeClr val="bg1">
+                  <a:lumMod val="95000"/>
+                  <a:lumOff val="5000"/>
+                </a:schemeClr>
+              </a:solidFill>
+            </a:endParaRPr>
+          </a:p>
+          <a:p>
+            <a:pPr algn="just"/>
+            <a:endParaRPr lang="pt-BR" sz="2000" dirty="0" smtClean="0">
+              <a:solidFill>
+                <a:schemeClr val="bg1">
+                  <a:lumMod val="95000"/>
+                  <a:lumOff val="5000"/>
+                </a:schemeClr>
+              </a:solidFill>
+            </a:endParaRPr>
+          </a:p>
+          <a:p>
+            <a:pPr algn="just"/>
+            <a:endParaRPr lang="pt-BR" sz="2000" dirty="0">
+              <a:solidFill>
+                <a:schemeClr val="bg1">
+                  <a:lumMod val="95000"/>
+                  <a:lumOff val="5000"/>
+                </a:schemeClr>
+              </a:solidFill>
+            </a:endParaRPr>
+          </a:p>
+          <a:p>
+            <a:pPr algn="just"/>
+            <a:endParaRPr lang="pt-BR" sz="2000" dirty="0" smtClean="0">
+              <a:solidFill>
+                <a:schemeClr val="bg1">
+                  <a:lumMod val="95000"/>
+                  <a:lumOff val="5000"/>
+                </a:schemeClr>
+              </a:solidFill>
+            </a:endParaRPr>
+          </a:p>
+          <a:p>
+            <a:pPr algn="just"/>
+            <a:endParaRPr lang="pt-BR" sz="2000" dirty="0">
+              <a:solidFill>
+                <a:schemeClr val="bg1">
+                  <a:lumMod val="95000"/>
+                  <a:lumOff val="5000"/>
+                </a:schemeClr>
+              </a:solidFill>
+            </a:endParaRPr>
+          </a:p>
+          <a:p>
+            <a:pPr algn="just"/>
+            <a:endParaRPr lang="pt-BR" sz="2000" dirty="0" smtClean="0">
+              <a:solidFill>
+                <a:schemeClr val="bg1">
+                  <a:lumMod val="95000"/>
+                  <a:lumOff val="5000"/>
+                </a:schemeClr>
+              </a:solidFill>
+            </a:endParaRPr>
+          </a:p>
+          <a:p>
+            <a:pPr algn="just"/>
+            <a:endParaRPr lang="pt-BR" sz="2000" dirty="0">
+              <a:solidFill>
+                <a:schemeClr val="bg1">
+                  <a:lumMod val="95000"/>
+                  <a:lumOff val="5000"/>
+                </a:schemeClr>
+              </a:solidFill>
+            </a:endParaRPr>
+          </a:p>
+          <a:p>
+            <a:pPr algn="just"/>
+            <a:endParaRPr lang="pt-BR" sz="2000" dirty="0" smtClean="0">
+              <a:solidFill>
+                <a:schemeClr val="bg1">
+                  <a:lumMod val="95000"/>
+                  <a:lumOff val="5000"/>
+                </a:schemeClr>
+              </a:solidFill>
+            </a:endParaRPr>
+          </a:p>
+          <a:p>
+            <a:pPr algn="just"/>
+            <a:endParaRPr lang="pt-BR" sz="2000" dirty="0">
+              <a:solidFill>
+                <a:schemeClr val="bg1">
+                  <a:lumMod val="95000"/>
+                  <a:lumOff val="5000"/>
+                </a:schemeClr>
+              </a:solidFill>
+            </a:endParaRPr>
+          </a:p>
+          <a:p>
+            <a:pPr algn="just"/>
+            <a:endParaRPr lang="pt-BR" sz="2000" dirty="0" smtClean="0">
+              <a:solidFill>
+                <a:schemeClr val="bg1">
+                  <a:lumMod val="95000"/>
+                  <a:lumOff val="5000"/>
+                </a:schemeClr>
+              </a:solidFill>
+            </a:endParaRPr>
+          </a:p>
+          <a:p>
+            <a:pPr algn="just"/>
+            <a:endParaRPr lang="pt-BR" sz="2000" dirty="0">
+              <a:solidFill>
+                <a:schemeClr val="bg1">
+                  <a:lumMod val="95000"/>
+                  <a:lumOff val="5000"/>
+                </a:schemeClr>
+              </a:solidFill>
+            </a:endParaRPr>
+          </a:p>
+          <a:p>
+            <a:pPr algn="just"/>
+            <a:endParaRPr lang="pt-BR" sz="2000" dirty="0" smtClean="0">
+              <a:solidFill>
+                <a:schemeClr val="bg1">
+                  <a:lumMod val="95000"/>
+                  <a:lumOff val="5000"/>
+                </a:schemeClr>
+              </a:solidFill>
+            </a:endParaRPr>
+          </a:p>
+          <a:p>
+            <a:pPr algn="just"/>
+            <a:endParaRPr lang="pt-BR" sz="2000" dirty="0">
+              <a:solidFill>
+                <a:schemeClr val="bg1">
+                  <a:lumMod val="95000"/>
+                  <a:lumOff val="5000"/>
+                </a:schemeClr>
+              </a:solidFill>
+            </a:endParaRPr>
+          </a:p>
+          <a:p>
+            <a:pPr algn="just"/>
+            <a:endParaRPr lang="pt-BR" sz="2000" dirty="0" smtClean="0">
+              <a:solidFill>
+                <a:schemeClr val="bg1">
+                  <a:lumMod val="95000"/>
+                  <a:lumOff val="5000"/>
+                </a:schemeClr>
+              </a:solidFill>
+            </a:endParaRPr>
+          </a:p>
+          <a:p>
+            <a:pPr algn="just"/>
+            <a:endParaRPr lang="pt-BR" sz="2000" dirty="0">
+              <a:solidFill>
+                <a:schemeClr val="bg1">
+                  <a:lumMod val="95000"/>
+                  <a:lumOff val="5000"/>
+                </a:schemeClr>
+              </a:solidFill>
+            </a:endParaRPr>
+          </a:p>
+          <a:p>
+            <a:pPr algn="just"/>
+            <a:endParaRPr lang="pt-BR" sz="2000" dirty="0" smtClean="0">
+              <a:solidFill>
+                <a:schemeClr val="bg1">
+                  <a:lumMod val="95000"/>
+                  <a:lumOff val="5000"/>
+                </a:schemeClr>
+              </a:solidFill>
+            </a:endParaRPr>
+          </a:p>
+          <a:p>
+            <a:pPr algn="just"/>
+            <a:endParaRPr lang="pt-BR" sz="2000" dirty="0">
+              <a:solidFill>
+                <a:schemeClr val="bg1">
+                  <a:lumMod val="95000"/>
+                  <a:lumOff val="5000"/>
+                </a:schemeClr>
+              </a:solidFill>
+            </a:endParaRPr>
+          </a:p>
+          <a:p>
+            <a:pPr algn="just"/>
+            <a:endParaRPr lang="pt-BR" sz="2000" dirty="0" smtClean="0">
+              <a:solidFill>
+                <a:schemeClr val="bg1">
+                  <a:lumMod val="95000"/>
+                  <a:lumOff val="5000"/>
+                </a:schemeClr>
+              </a:solidFill>
+            </a:endParaRPr>
+          </a:p>
+          <a:p>
+            <a:pPr algn="just"/>
+            <a:endParaRPr lang="pt-BR" sz="2000" dirty="0">
+              <a:solidFill>
+                <a:schemeClr val="bg1">
+                  <a:lumMod val="95000"/>
+                  <a:lumOff val="5000"/>
+                </a:schemeClr>
+              </a:solidFill>
+            </a:endParaRPr>
+          </a:p>
+          <a:p>
+            <a:pPr algn="just"/>
+            <a:endParaRPr lang="pt-BR" sz="2000" dirty="0" smtClean="0">
+              <a:solidFill>
+                <a:schemeClr val="bg1">
+                  <a:lumMod val="95000"/>
+                  <a:lumOff val="5000"/>
+                </a:schemeClr>
+              </a:solidFill>
+            </a:endParaRPr>
+          </a:p>
+          <a:p>
+            <a:pPr algn="just"/>
+            <a:endParaRPr lang="pt-BR" sz="2000" dirty="0">
+              <a:solidFill>
+                <a:schemeClr val="bg1">
+                  <a:lumMod val="95000"/>
+                  <a:lumOff val="5000"/>
+                </a:schemeClr>
+              </a:solidFill>
+            </a:endParaRPr>
+          </a:p>
+          <a:p>
+            <a:pPr algn="just"/>
+            <a:endParaRPr lang="pt-BR" sz="2000" dirty="0" smtClean="0">
+              <a:solidFill>
+                <a:schemeClr val="bg1">
+                  <a:lumMod val="95000"/>
+                  <a:lumOff val="5000"/>
+                </a:schemeClr>
+              </a:solidFill>
+            </a:endParaRPr>
+          </a:p>
+          <a:p>
+            <a:pPr algn="just"/>
+            <a:endParaRPr lang="pt-BR" sz="2000" dirty="0">
+              <a:solidFill>
+                <a:schemeClr val="bg1">
+                  <a:lumMod val="95000"/>
+                  <a:lumOff val="5000"/>
+                </a:schemeClr>
+              </a:solidFill>
+            </a:endParaRPr>
+          </a:p>
+          <a:p>
+            <a:pPr algn="just"/>
+            <a:endParaRPr lang="pt-BR" sz="2000" dirty="0" smtClean="0">
+              <a:solidFill>
+                <a:schemeClr val="bg1">
+                  <a:lumMod val="95000"/>
+                  <a:lumOff val="5000"/>
+                </a:schemeClr>
+              </a:solidFill>
+            </a:endParaRPr>
+          </a:p>
+          <a:p>
+            <a:pPr algn="just"/>
+            <a:endParaRPr lang="pt-BR" sz="2000" dirty="0">
+              <a:solidFill>
+                <a:schemeClr val="bg1">
+                  <a:lumMod val="95000"/>
+                  <a:lumOff val="5000"/>
+                </a:schemeClr>
+              </a:solidFill>
+            </a:endParaRPr>
+          </a:p>
+          <a:p>
+            <a:pPr algn="just"/>
+            <a:endParaRPr lang="pt-BR" sz="2000" dirty="0" smtClean="0">
+              <a:solidFill>
+                <a:schemeClr val="bg1">
+                  <a:lumMod val="95000"/>
+                  <a:lumOff val="5000"/>
+                </a:schemeClr>
+              </a:solidFill>
+            </a:endParaRPr>
+          </a:p>
+          <a:p>
+            <a:pPr algn="just"/>
+            <a:endParaRPr lang="pt-BR" sz="2000" dirty="0">
+              <a:solidFill>
+                <a:schemeClr val="bg1">
+                  <a:lumMod val="95000"/>
+                  <a:lumOff val="5000"/>
+                </a:schemeClr>
+              </a:solidFill>
+            </a:endParaRPr>
+          </a:p>
+          <a:p>
+            <a:pPr algn="just"/>
+            <a:endParaRPr lang="pt-BR" sz="2000" dirty="0" smtClean="0">
+              <a:solidFill>
+                <a:schemeClr val="bg1">
+                  <a:lumMod val="95000"/>
+                  <a:lumOff val="5000"/>
+                </a:schemeClr>
+              </a:solidFill>
+            </a:endParaRPr>
+          </a:p>
+          <a:p>
+            <a:pPr algn="just"/>
+            <a:endParaRPr lang="pt-BR" sz="2000" dirty="0">
+              <a:solidFill>
+                <a:schemeClr val="bg1">
+                  <a:lumMod val="95000"/>
+                  <a:lumOff val="5000"/>
+                </a:schemeClr>
+              </a:solidFill>
+            </a:endParaRPr>
+          </a:p>
+          <a:p>
+            <a:pPr algn="just"/>
+            <a:endParaRPr lang="pt-BR" sz="2000" dirty="0" smtClean="0">
+              <a:solidFill>
+                <a:schemeClr val="bg1">
+                  <a:lumMod val="95000"/>
+                  <a:lumOff val="5000"/>
+                </a:schemeClr>
+              </a:solidFill>
+            </a:endParaRPr>
+          </a:p>
+          <a:p>
+            <a:pPr algn="just"/>
+            <a:endParaRPr lang="pt-BR" sz="2000" dirty="0">
+              <a:solidFill>
+                <a:schemeClr val="bg1">
+                  <a:lumMod val="95000"/>
+                  <a:lumOff val="5000"/>
+                </a:schemeClr>
+              </a:solidFill>
+            </a:endParaRPr>
+          </a:p>
+          <a:p>
+            <a:pPr algn="just"/>
+            <a:endParaRPr lang="pt-BR" sz="2000" dirty="0" smtClean="0">
+              <a:solidFill>
+                <a:schemeClr val="bg1">
+                  <a:lumMod val="95000"/>
+                  <a:lumOff val="5000"/>
+                </a:schemeClr>
+              </a:solidFill>
+            </a:endParaRPr>
+          </a:p>
+          <a:p>
+            <a:pPr algn="just"/>
+            <a:endParaRPr lang="pt-BR" sz="2000" dirty="0">
+              <a:solidFill>
+                <a:schemeClr val="bg1">
+                  <a:lumMod val="95000"/>
+                  <a:lumOff val="5000"/>
+                </a:schemeClr>
+              </a:solidFill>
+            </a:endParaRPr>
+          </a:p>
+          <a:p>
+            <a:pPr algn="just"/>
+            <a:endParaRPr lang="pt-BR" sz="2000" dirty="0" smtClean="0">
+              <a:solidFill>
+                <a:schemeClr val="bg1">
+                  <a:lumMod val="95000"/>
+                  <a:lumOff val="5000"/>
+                </a:schemeClr>
+              </a:solidFill>
+            </a:endParaRPr>
+          </a:p>
+          <a:p>
+            <a:pPr algn="just"/>
+            <a:endParaRPr lang="pt-BR" sz="2000" dirty="0">
+              <a:solidFill>
+                <a:schemeClr val="bg1">
+                  <a:lumMod val="95000"/>
+                  <a:lumOff val="5000"/>
+                </a:schemeClr>
+              </a:solidFill>
+            </a:endParaRPr>
+          </a:p>
+          <a:p>
+            <a:pPr algn="just"/>
+            <a:endParaRPr lang="pt-BR" sz="2000" dirty="0" smtClean="0">
+              <a:solidFill>
+                <a:schemeClr val="bg1">
+                  <a:lumMod val="95000"/>
+                  <a:lumOff val="5000"/>
+                </a:schemeClr>
+              </a:solidFill>
+            </a:endParaRPr>
+          </a:p>
+          <a:p>
+            <a:pPr algn="just"/>
+            <a:endParaRPr lang="pt-BR" sz="2000" dirty="0">
+              <a:solidFill>
+                <a:schemeClr val="bg1">
+                  <a:lumMod val="95000"/>
+                  <a:lumOff val="5000"/>
+                </a:schemeClr>
+              </a:solidFill>
+            </a:endParaRPr>
+          </a:p>
+          <a:p>
+            <a:pPr algn="just"/>
+            <a:endParaRPr lang="pt-BR" sz="2000" dirty="0" smtClean="0">
+              <a:solidFill>
+                <a:schemeClr val="bg1">
+                  <a:lumMod val="95000"/>
+                  <a:lumOff val="5000"/>
+                </a:schemeClr>
+              </a:solidFill>
+            </a:endParaRPr>
+          </a:p>
+          <a:p>
+            <a:pPr algn="just"/>
+            <a:endParaRPr lang="pt-BR" sz="2000" dirty="0" smtClean="0">
+              <a:solidFill>
+                <a:schemeClr val="bg1">
+                  <a:lumMod val="95000"/>
+                  <a:lumOff val="5000"/>
+                </a:schemeClr>
+              </a:solidFill>
+            </a:endParaRPr>
+          </a:p>
+          <a:p>
+            <a:pPr algn="just"/>
+            <a:endParaRPr lang="pt-BR" sz="2000" dirty="0">
+              <a:solidFill>
+                <a:schemeClr val="bg1">
+                  <a:lumMod val="95000"/>
+                  <a:lumOff val="5000"/>
+                </a:schemeClr>
+              </a:solidFill>
+            </a:endParaRPr>
+          </a:p>
+          <a:p>
+            <a:pPr algn="just"/>
+            <a:endParaRPr lang="pt-BR" sz="2000" dirty="0">
+              <a:solidFill>
+                <a:schemeClr val="bg1">
+                  <a:lumMod val="95000"/>
+                  <a:lumOff val="5000"/>
+                </a:schemeClr>
+              </a:solidFill>
+            </a:endParaRPr>
+          </a:p>
+          <a:p>
+            <a:pPr algn="just"/>
+            <a:endParaRPr lang="pt-BR" sz="2000" dirty="0" smtClean="0">
+              <a:solidFill>
+                <a:schemeClr val="bg1">
+                  <a:lumMod val="95000"/>
+                  <a:lumOff val="5000"/>
+                </a:schemeClr>
+              </a:solidFill>
+            </a:endParaRPr>
+          </a:p>
+          <a:p>
+            <a:pPr algn="just"/>
+            <a:endParaRPr lang="pt-BR" sz="2000" dirty="0">
+              <a:solidFill>
+                <a:schemeClr val="bg1">
+                  <a:lumMod val="95000"/>
+                  <a:lumOff val="5000"/>
+                </a:schemeClr>
+              </a:solidFill>
+            </a:endParaRPr>
+          </a:p>
+          <a:p>
+            <a:pPr algn="just"/>
+            <a:endParaRPr lang="pt-BR" sz="2000" dirty="0" smtClean="0">
+              <a:solidFill>
+                <a:schemeClr val="bg1">
+                  <a:lumMod val="95000"/>
+                  <a:lumOff val="5000"/>
+                </a:schemeClr>
+              </a:solidFill>
+            </a:endParaRPr>
+          </a:p>
+          <a:p>
+            <a:pPr algn="just"/>
+            <a:endParaRPr lang="pt-BR" sz="2000" dirty="0">
+              <a:solidFill>
+                <a:schemeClr val="bg1">
+                  <a:lumMod val="95000"/>
+                  <a:lumOff val="5000"/>
+                </a:schemeClr>
+              </a:solidFill>
+            </a:endParaRPr>
+          </a:p>
+          <a:p>
+            <a:pPr algn="just"/>
+            <a:endParaRPr lang="pt-BR" sz="2000" dirty="0" smtClean="0">
+              <a:solidFill>
+                <a:schemeClr val="bg1"/>
+              </a:solidFill>
+            </a:endParaRPr>
+          </a:p>
+          <a:p>
+            <a:pPr algn="just"/>
+            <a:endParaRPr lang="pt-BR" sz="2000" dirty="0" smtClean="0">
+              <a:solidFill>
+                <a:schemeClr val="bg1">
+                  <a:lumMod val="95000"/>
+                  <a:lumOff val="5000"/>
+                </a:schemeClr>
+              </a:solidFill>
+            </a:endParaRPr>
+          </a:p>
+        </p:txBody>
+      </p:sp>
+      <p:pic>
+        <p:nvPicPr>
+          <p:cNvPr id="4098" name="Picture 2"/>
+          <p:cNvPicPr>
+            <a:picLocks noChangeAspect="1" noChangeArrowheads="1"/>
+          </p:cNvPicPr>
+          <p:nvPr/>
+        </p:nvPicPr>
+        <p:blipFill rotWithShape="1">
+          <a:blip r:embed="rId2">
+            <a:extLst>
+              <a:ext uri="{28A0092B-C50C-407E-A947-70E740481C1C}">
+                <a14:useLocalDpi xmlns:a14="http://schemas.microsoft.com/office/drawing/2010/main" val="0"/>
+              </a:ext>
+            </a:extLst>
+          </a:blip>
+          <a:srcRect l="7295" t="17760" r="7447" b="24672"/>
+          <a:stretch/>
+        </p:blipFill>
+        <p:spPr bwMode="auto">
+          <a:xfrm>
+            <a:off x="1215284" y="2038782"/>
+            <a:ext cx="6289921" cy="1700709"/>
+          </a:xfrm>
+          <a:prstGeom prst="rect">
+            <a:avLst/>
+          </a:prstGeom>
+          <a:noFill/>
+          <a:ln>
+            <a:noFill/>
+          </a:ln>
+          <a:effectLst/>
+          <a:extLst>
+            <a:ext uri="{909E8E84-426E-40DD-AFC4-6F175D3DCCD1}">
+              <a14:hiddenFill xmlns:a14="http://schemas.microsoft.com/office/drawing/2010/main">
+                <a:solidFill>
+                  <a:schemeClr val="accent1"/>
+                </a:solidFill>
+              </a14:hiddenFill>
+            </a:ext>
+            <a:ext uri="{91240B29-F687-4F45-9708-019B960494DF}">
+              <a14:hiddenLine xmlns:a14="http://schemas.microsoft.com/office/drawing/2010/main" w="9525">
+                <a:solidFill>
+                  <a:schemeClr val="tx1"/>
+                </a:solidFill>
+                <a:miter lim="800000"/>
+                <a:headEnd/>
+                <a:tailEnd/>
+              </a14:hiddenLine>
+            </a:ext>
+            <a:ext uri="{AF507438-7753-43E0-B8FC-AC1667EBCBE1}">
+              <a14:hiddenEffects xmlns:a14="http://schemas.microsoft.com/office/drawing/2010/main">
+                <a:effectLst>
+                  <a:outerShdw dist="35921" dir="2700000" algn="ctr" rotWithShape="0">
+                    <a:schemeClr val="bg2"/>
+                  </a:outerShdw>
+                </a:effectLst>
+              </a14:hiddenEffects>
+            </a:ext>
+          </a:extLst>
+        </p:spPr>
+      </p:pic>
+      <p:pic>
+        <p:nvPicPr>
+          <p:cNvPr id="4099" name="Picture 3"/>
+          <p:cNvPicPr>
+            <a:picLocks noChangeAspect="1" noChangeArrowheads="1"/>
+          </p:cNvPicPr>
+          <p:nvPr/>
+        </p:nvPicPr>
+        <p:blipFill>
+          <a:blip r:embed="rId3">
+            <a:extLst>
+              <a:ext uri="{28A0092B-C50C-407E-A947-70E740481C1C}">
+                <a14:useLocalDpi xmlns:a14="http://schemas.microsoft.com/office/drawing/2010/main" val="0"/>
+              </a:ext>
+            </a:extLst>
+          </a:blip>
+          <a:srcRect/>
+          <a:stretch>
+            <a:fillRect/>
+          </a:stretch>
+        </p:blipFill>
+        <p:spPr bwMode="auto">
+          <a:xfrm>
+            <a:off x="7722233" y="2015032"/>
+            <a:ext cx="2857500" cy="4533900"/>
+          </a:xfrm>
+          <a:prstGeom prst="rect">
+            <a:avLst/>
+          </a:prstGeom>
+          <a:noFill/>
+          <a:ln>
+            <a:noFill/>
+          </a:ln>
+          <a:effectLst/>
+          <a:extLst>
+            <a:ext uri="{909E8E84-426E-40DD-AFC4-6F175D3DCCD1}">
+              <a14:hiddenFill xmlns:a14="http://schemas.microsoft.com/office/drawing/2010/main">
+                <a:solidFill>
+                  <a:schemeClr val="accent1"/>
+                </a:solidFill>
+              </a14:hiddenFill>
+            </a:ext>
+            <a:ext uri="{91240B29-F687-4F45-9708-019B960494DF}">
+              <a14:hiddenLine xmlns:a14="http://schemas.microsoft.com/office/drawing/2010/main" w="9525">
+                <a:solidFill>
+                  <a:schemeClr val="tx1"/>
+                </a:solidFill>
+                <a:miter lim="800000"/>
+                <a:headEnd/>
+                <a:tailEnd/>
+              </a14:hiddenLine>
+            </a:ext>
+            <a:ext uri="{AF507438-7753-43E0-B8FC-AC1667EBCBE1}">
+              <a14:hiddenEffects xmlns:a14="http://schemas.microsoft.com/office/drawing/2010/main">
+                <a:effectLst>
+                  <a:outerShdw dist="35921" dir="2700000" algn="ctr" rotWithShape="0">
+                    <a:schemeClr val="bg2"/>
+                  </a:outerShdw>
+                </a:effectLst>
+              </a14:hiddenEffects>
+            </a:ext>
+          </a:extLst>
+        </p:spPr>
+      </p:pic>
+    </p:spTree>
+    <p:extLst>
+      <p:ext uri="{BB962C8B-B14F-4D97-AF65-F5344CB8AC3E}">
+        <p14:creationId xmlns:p14="http://schemas.microsoft.com/office/powerpoint/2010/main" val="4139532092"/>
+      </p:ext>
+    </p:extLst>
+  </p:cSld>
+  <p:clrMapOvr>
+    <a:masterClrMapping/>
+  </p:clrMapOvr>
+  <p:timing>
+    <p:tnLst>
+      <p:par>
+        <p:cTn id="1" dur="indefinite" restart="never" nodeType="tmRoot"/>
+      </p:par>
+    </p:tnLst>
+  </p:timing>
+</p:sld>
+</file>
+
+<file path=ppt/slides/slide71.xml><?xml version="1.0" encoding="utf-8"?>
+<p:sld xmlns:a="http://schemas.openxmlformats.org/drawingml/2006/main" xmlns:r="http://schemas.openxmlformats.org/officeDocument/2006/relationships" xmlns:p="http://schemas.openxmlformats.org/presentationml/2006/main">
+  <p:cSld>
+    <p:spTree>
+      <p:nvGrpSpPr>
+        <p:cNvPr id="1" name=""/>
+        <p:cNvGrpSpPr/>
+        <p:nvPr/>
+      </p:nvGrpSpPr>
+      <p:grpSpPr>
+        <a:xfrm>
+          <a:off x="0" y="0"/>
+          <a:ext cx="0" cy="0"/>
+          <a:chOff x="0" y="0"/>
+          <a:chExt cx="0" cy="0"/>
+        </a:xfrm>
+      </p:grpSpPr>
+      <p:sp>
+        <p:nvSpPr>
+          <p:cNvPr id="2" name="Título 1">
+            <a:extLst>
+              <a:ext uri="{FF2B5EF4-FFF2-40B4-BE49-F238E27FC236}">
+                <a16:creationId xmlns:a16="http://schemas.microsoft.com/office/drawing/2014/main" xmlns="" id="{14AB9F69-8D24-468C-93DF-A1666924EB0C}"/>
+              </a:ext>
+            </a:extLst>
+          </p:cNvPr>
+          <p:cNvSpPr>
+            <a:spLocks noGrp="1"/>
+          </p:cNvSpPr>
+          <p:nvPr>
+            <p:ph type="ctrTitle"/>
+          </p:nvPr>
+        </p:nvSpPr>
+        <p:spPr/>
+        <p:txBody>
+          <a:bodyPr>
+            <a:normAutofit/>
+          </a:bodyPr>
+          <a:lstStyle/>
+          <a:p>
+            <a:r>
+              <a:rPr lang="pt-BR" sz="4400" dirty="0" smtClean="0"/>
+              <a:t>Referências</a:t>
+            </a:r>
+            <a:endParaRPr lang="pt-BR" sz="4400" dirty="0"/>
+          </a:p>
+        </p:txBody>
+      </p:sp>
+      <p:sp>
+        <p:nvSpPr>
+          <p:cNvPr id="3" name="Subtítulo 2">
+            <a:extLst>
+              <a:ext uri="{FF2B5EF4-FFF2-40B4-BE49-F238E27FC236}">
+                <a16:creationId xmlns:a16="http://schemas.microsoft.com/office/drawing/2014/main" xmlns="" id="{0E4BFB9B-D461-4F8E-B2A0-819D63FA7EC4}"/>
+              </a:ext>
+            </a:extLst>
+          </p:cNvPr>
+          <p:cNvSpPr>
+            <a:spLocks noGrp="1"/>
+          </p:cNvSpPr>
+          <p:nvPr>
+            <p:ph type="subTitle" idx="1"/>
+          </p:nvPr>
+        </p:nvSpPr>
+        <p:spPr>
+          <a:xfrm>
+            <a:off x="1876424" y="3547166"/>
+            <a:ext cx="8791575" cy="1655762"/>
+          </a:xfrm>
+        </p:spPr>
+        <p:txBody>
+          <a:bodyPr/>
+          <a:lstStyle/>
+          <a:p>
+            <a:endParaRPr lang="pt-BR" dirty="0"/>
+          </a:p>
+        </p:txBody>
+      </p:sp>
+    </p:spTree>
+    <p:extLst>
+      <p:ext uri="{BB962C8B-B14F-4D97-AF65-F5344CB8AC3E}">
+        <p14:creationId xmlns:p14="http://schemas.microsoft.com/office/powerpoint/2010/main" val="1674775517"/>
+      </p:ext>
+    </p:extLst>
+  </p:cSld>
+  <p:clrMapOvr>
+    <a:masterClrMapping/>
+  </p:clrMapOvr>
+  <p:timing>
+    <p:tnLst>
+      <p:par>
+        <p:cTn id="1" dur="indefinite" restart="never" nodeType="tmRoot"/>
+      </p:par>
+    </p:tnLst>
+  </p:timing>
+</p:sld>
+</file>
+
+<file path=ppt/slides/slide72.xml><?xml version="1.0" encoding="utf-8"?>
+<p:sld xmlns:a="http://schemas.openxmlformats.org/drawingml/2006/main" xmlns:r="http://schemas.openxmlformats.org/officeDocument/2006/relationships" xmlns:p="http://schemas.openxmlformats.org/presentationml/2006/main">
+  <p:cSld>
+    <p:spTree>
+      <p:nvGrpSpPr>
+        <p:cNvPr id="1" name=""/>
+        <p:cNvGrpSpPr/>
+        <p:nvPr/>
+      </p:nvGrpSpPr>
+      <p:grpSpPr>
+        <a:xfrm>
+          <a:off x="0" y="0"/>
+          <a:ext cx="0" cy="0"/>
+          <a:chOff x="0" y="0"/>
+          <a:chExt cx="0" cy="0"/>
+        </a:xfrm>
+      </p:grpSpPr>
+      <p:sp>
+        <p:nvSpPr>
+          <p:cNvPr id="8" name="Retângulo 7">
+            <a:extLst>
+              <a:ext uri="{FF2B5EF4-FFF2-40B4-BE49-F238E27FC236}">
+                <a16:creationId xmlns:a16="http://schemas.microsoft.com/office/drawing/2014/main" xmlns="" id="{9B33DD69-1761-43D2-B589-CE56D2C4FBB6}"/>
+              </a:ext>
+            </a:extLst>
+          </p:cNvPr>
+          <p:cNvSpPr/>
+          <p:nvPr/>
+        </p:nvSpPr>
+        <p:spPr>
+          <a:xfrm>
+            <a:off x="914401" y="160337"/>
+            <a:ext cx="11304103" cy="6858000"/>
+          </a:xfrm>
+          <a:prstGeom prst="rect">
+            <a:avLst/>
+          </a:prstGeom>
+          <a:solidFill>
+            <a:schemeClr val="tx1"/>
+          </a:solidFill>
+          <a:ln>
+            <a:solidFill>
+              <a:schemeClr val="tx1"/>
+            </a:solidFill>
+          </a:ln>
+        </p:spPr>
+        <p:style>
+          <a:lnRef idx="2">
+            <a:schemeClr val="accent1">
+              <a:shade val="50000"/>
+            </a:schemeClr>
+          </a:lnRef>
+          <a:fillRef idx="1">
+            <a:schemeClr val="accent1"/>
+          </a:fillRef>
+          <a:effectRef idx="0">
+            <a:schemeClr val="accent1"/>
+          </a:effectRef>
+          <a:fontRef idx="minor">
+            <a:schemeClr val="lt1"/>
+          </a:fontRef>
+        </p:style>
+        <p:txBody>
+          <a:bodyPr rtlCol="0" anchor="ctr"/>
+          <a:lstStyle/>
+          <a:p>
+            <a:pPr algn="ctr"/>
+            <a:endParaRPr lang="pt-BR" dirty="0"/>
+          </a:p>
+        </p:txBody>
+      </p:sp>
+      <p:sp>
+        <p:nvSpPr>
+          <p:cNvPr id="24" name="CaixaDeTexto 23">
+            <a:extLst>
+              <a:ext uri="{FF2B5EF4-FFF2-40B4-BE49-F238E27FC236}">
+                <a16:creationId xmlns:a16="http://schemas.microsoft.com/office/drawing/2014/main" xmlns="" id="{90B980A2-8D40-4C0A-9871-4FA9794F9C3D}"/>
+              </a:ext>
+            </a:extLst>
+          </p:cNvPr>
+          <p:cNvSpPr txBox="1"/>
+          <p:nvPr/>
+        </p:nvSpPr>
+        <p:spPr>
+          <a:xfrm>
+            <a:off x="1175332" y="179122"/>
+            <a:ext cx="10658859" cy="2554545"/>
+          </a:xfrm>
+          <a:prstGeom prst="rect">
+            <a:avLst/>
+          </a:prstGeom>
+          <a:noFill/>
+        </p:spPr>
+        <p:txBody>
+          <a:bodyPr wrap="square" rtlCol="0">
+            <a:spAutoFit/>
+          </a:bodyPr>
+          <a:lstStyle/>
+          <a:p>
+            <a:pPr algn="just"/>
+            <a:r>
+              <a:rPr lang="pt-BR" sz="2000" dirty="0" smtClean="0">
+                <a:solidFill>
+                  <a:schemeClr val="bg1"/>
+                </a:solidFill>
+              </a:rPr>
+              <a:t>Referências:</a:t>
+            </a:r>
+          </a:p>
+          <a:p>
+            <a:pPr algn="just"/>
+            <a:endParaRPr lang="pt-BR" sz="2000" dirty="0" smtClean="0">
+              <a:solidFill>
+                <a:schemeClr val="bg1"/>
+              </a:solidFill>
+            </a:endParaRPr>
+          </a:p>
+          <a:p>
+            <a:pPr algn="just"/>
+            <a:r>
+              <a:rPr lang="pt-BR" sz="2000" dirty="0" smtClean="0">
+                <a:solidFill>
+                  <a:schemeClr val="bg1">
+                    <a:lumMod val="95000"/>
+                    <a:lumOff val="5000"/>
+                  </a:schemeClr>
+                </a:solidFill>
+                <a:hlinkClick r:id="rId2"/>
+              </a:rPr>
+              <a:t>https://code.visualstudio.com/</a:t>
+            </a:r>
+            <a:endParaRPr lang="pt-BR" sz="2000" dirty="0" smtClean="0">
+              <a:solidFill>
+                <a:schemeClr val="bg1">
+                  <a:lumMod val="95000"/>
+                  <a:lumOff val="5000"/>
+                </a:schemeClr>
+              </a:solidFill>
+            </a:endParaRPr>
+          </a:p>
+          <a:p>
+            <a:pPr algn="just"/>
+            <a:r>
+              <a:rPr lang="pt-BR" sz="2000" dirty="0" smtClean="0">
+                <a:solidFill>
+                  <a:schemeClr val="bg1">
+                    <a:lumMod val="95000"/>
+                    <a:lumOff val="5000"/>
+                  </a:schemeClr>
+                </a:solidFill>
+                <a:hlinkClick r:id="rId3"/>
+              </a:rPr>
+              <a:t>https://www.youtube.com/watch?v=_R6YslWRUFk</a:t>
+            </a:r>
+            <a:endParaRPr lang="pt-BR" sz="2000" dirty="0" smtClean="0">
+              <a:solidFill>
+                <a:schemeClr val="bg1">
+                  <a:lumMod val="95000"/>
+                  <a:lumOff val="5000"/>
+                </a:schemeClr>
+              </a:solidFill>
+            </a:endParaRPr>
+          </a:p>
+          <a:p>
+            <a:pPr algn="just"/>
+            <a:r>
+              <a:rPr lang="pt-BR" sz="2000" dirty="0" smtClean="0">
+                <a:solidFill>
+                  <a:schemeClr val="bg1">
+                    <a:lumMod val="95000"/>
+                    <a:lumOff val="5000"/>
+                  </a:schemeClr>
+                </a:solidFill>
+                <a:hlinkClick r:id="rId4"/>
+              </a:rPr>
+              <a:t>https://www.w3schools.com/</a:t>
+            </a:r>
+            <a:endParaRPr lang="pt-BR" sz="2000" dirty="0" smtClean="0">
+              <a:solidFill>
+                <a:schemeClr val="bg1">
+                  <a:lumMod val="95000"/>
+                  <a:lumOff val="5000"/>
+                </a:schemeClr>
+              </a:solidFill>
+            </a:endParaRPr>
+          </a:p>
+          <a:p>
+            <a:pPr algn="just"/>
+            <a:r>
+              <a:rPr lang="pt-BR" sz="2000" dirty="0">
+                <a:solidFill>
+                  <a:schemeClr val="bg1">
+                    <a:lumMod val="95000"/>
+                    <a:lumOff val="5000"/>
+                  </a:schemeClr>
+                </a:solidFill>
+                <a:hlinkClick r:id="rId5"/>
+              </a:rPr>
+              <a:t>https://</a:t>
+            </a:r>
+            <a:r>
+              <a:rPr lang="pt-BR" sz="2000" dirty="0" smtClean="0">
+                <a:solidFill>
+                  <a:schemeClr val="bg1">
+                    <a:lumMod val="95000"/>
+                    <a:lumOff val="5000"/>
+                  </a:schemeClr>
+                </a:solidFill>
+                <a:hlinkClick r:id="rId5"/>
+              </a:rPr>
+              <a:t>www.youtube.com/watch?v=Fj3gtbaF8WA</a:t>
+            </a:r>
+            <a:endParaRPr lang="pt-BR" sz="2000" dirty="0" smtClean="0">
+              <a:solidFill>
+                <a:schemeClr val="bg1">
+                  <a:lumMod val="95000"/>
+                  <a:lumOff val="5000"/>
+                </a:schemeClr>
+              </a:solidFill>
+            </a:endParaRPr>
+          </a:p>
+          <a:p>
+            <a:pPr algn="just"/>
+            <a:r>
+              <a:rPr lang="pt-BR" sz="2000" dirty="0" smtClean="0">
+                <a:solidFill>
+                  <a:schemeClr val="bg1">
+                    <a:lumMod val="95000"/>
+                    <a:lumOff val="5000"/>
+                  </a:schemeClr>
+                </a:solidFill>
+                <a:hlinkClick r:id="rId6"/>
+              </a:rPr>
+              <a:t>https://fontawesome.com</a:t>
+            </a:r>
+            <a:r>
+              <a:rPr lang="pt-BR" sz="2000" dirty="0" smtClean="0">
+                <a:solidFill>
+                  <a:schemeClr val="bg1">
+                    <a:lumMod val="95000"/>
+                    <a:lumOff val="5000"/>
+                  </a:schemeClr>
+                </a:solidFill>
+                <a:hlinkClick r:id="rId6"/>
+              </a:rPr>
+              <a:t>/</a:t>
+            </a:r>
+            <a:endParaRPr lang="pt-BR" sz="2000" dirty="0" smtClean="0">
+              <a:solidFill>
+                <a:schemeClr val="bg1">
+                  <a:lumMod val="95000"/>
+                  <a:lumOff val="5000"/>
+                </a:schemeClr>
+              </a:solidFill>
+            </a:endParaRPr>
+          </a:p>
+          <a:p>
+            <a:pPr algn="just"/>
+            <a:r>
+              <a:rPr lang="pt-BR" sz="2000" dirty="0" smtClean="0">
+                <a:solidFill>
+                  <a:schemeClr val="bg1">
+                    <a:lumMod val="95000"/>
+                    <a:lumOff val="5000"/>
+                  </a:schemeClr>
+                </a:solidFill>
+                <a:hlinkClick r:id="rId7"/>
+              </a:rPr>
+              <a:t>https://getbootstrap.com/</a:t>
+            </a:r>
+            <a:endParaRPr lang="pt-BR" sz="2000" dirty="0">
+              <a:solidFill>
+                <a:schemeClr val="bg1">
+                  <a:lumMod val="95000"/>
+                  <a:lumOff val="5000"/>
+                </a:schemeClr>
+              </a:solidFill>
+            </a:endParaRPr>
+          </a:p>
+        </p:txBody>
+      </p:sp>
+      <p:sp>
+        <p:nvSpPr>
+          <p:cNvPr id="3" name="AutoShape 2" descr="Download Visual Studio Code - Mac, Linux, Windows"/>
+          <p:cNvSpPr>
+            <a:spLocks noChangeAspect="1" noChangeArrowheads="1"/>
+          </p:cNvSpPr>
+          <p:nvPr/>
+        </p:nvSpPr>
+        <p:spPr bwMode="auto">
+          <a:xfrm>
+            <a:off x="155575" y="-144463"/>
+            <a:ext cx="304800" cy="304801"/>
+          </a:xfrm>
+          <a:prstGeom prst="rect">
+            <a:avLst/>
+          </a:prstGeom>
+          <a:noFill/>
+          <a:extLst>
+            <a:ext uri="{909E8E84-426E-40DD-AFC4-6F175D3DCCD1}">
+              <a14:hiddenFill xmlns:a14="http://schemas.microsoft.com/office/drawing/2010/main">
+                <a:solidFill>
+                  <a:srgbClr val="FFFFFF"/>
+                </a:solidFill>
+              </a14:hiddenFill>
+            </a:ext>
+          </a:extLst>
+        </p:spPr>
+        <p:txBody>
+          <a:bodyPr vert="horz" wrap="square" lIns="91440" tIns="45720" rIns="91440" bIns="45720" numCol="1" anchor="t" anchorCtr="0" compatLnSpc="1">
+            <a:prstTxWarp prst="textNoShape">
+              <a:avLst/>
+            </a:prstTxWarp>
+          </a:bodyPr>
+          <a:lstStyle/>
+          <a:p>
+            <a:endParaRPr lang="pt-BR"/>
+          </a:p>
+        </p:txBody>
+      </p:sp>
+      <p:sp>
+        <p:nvSpPr>
+          <p:cNvPr id="4" name="AutoShape 4" descr="Download Visual Studio Code - Mac, Linux, Windows"/>
+          <p:cNvSpPr>
+            <a:spLocks noChangeAspect="1" noChangeArrowheads="1"/>
+          </p:cNvSpPr>
+          <p:nvPr/>
+        </p:nvSpPr>
+        <p:spPr bwMode="auto">
+          <a:xfrm>
+            <a:off x="307975" y="7937"/>
+            <a:ext cx="304800" cy="304801"/>
+          </a:xfrm>
+          <a:prstGeom prst="rect">
+            <a:avLst/>
+          </a:prstGeom>
+          <a:noFill/>
+          <a:extLst>
+            <a:ext uri="{909E8E84-426E-40DD-AFC4-6F175D3DCCD1}">
+              <a14:hiddenFill xmlns:a14="http://schemas.microsoft.com/office/drawing/2010/main">
+                <a:solidFill>
+                  <a:srgbClr val="FFFFFF"/>
+                </a:solidFill>
+              </a14:hiddenFill>
+            </a:ext>
+          </a:extLst>
+        </p:spPr>
+        <p:txBody>
+          <a:bodyPr vert="horz" wrap="square" lIns="91440" tIns="45720" rIns="91440" bIns="45720" numCol="1" anchor="t" anchorCtr="0" compatLnSpc="1">
+            <a:prstTxWarp prst="textNoShape">
+              <a:avLst/>
+            </a:prstTxWarp>
+          </a:bodyPr>
+          <a:lstStyle/>
+          <a:p>
+            <a:endParaRPr lang="pt-BR"/>
+          </a:p>
+        </p:txBody>
+      </p:sp>
+    </p:spTree>
+    <p:extLst>
+      <p:ext uri="{BB962C8B-B14F-4D97-AF65-F5344CB8AC3E}">
+        <p14:creationId xmlns:p14="http://schemas.microsoft.com/office/powerpoint/2010/main" val="2338382631"/>
+      </p:ext>
+    </p:extLst>
+  </p:cSld>
+  <p:clrMapOvr>
+    <a:masterClrMapping/>
+  </p:clrMapOvr>
+  <p:timing>
+    <p:tnLst>
+      <p:par>
+        <p:cTn id="1" dur="indefinite" restart="never" nodeType="tmRoot"/>
+      </p:par>
+    </p:tnLst>
+  </p:timing>
+</p:sld>
+</file>
+
+<file path=ppt/slides/slide8.xml><?xml version="1.0" encoding="utf-8"?>
+<p:sld xmlns:a="http://schemas.openxmlformats.org/drawingml/2006/main" xmlns:r="http://schemas.openxmlformats.org/officeDocument/2006/relationships" xmlns:p="http://schemas.openxmlformats.org/presentationml/2006/main">
+  <p:cSld>
+    <p:spTree>
+      <p:nvGrpSpPr>
+        <p:cNvPr id="1" name=""/>
+        <p:cNvGrpSpPr/>
+        <p:nvPr/>
+      </p:nvGrpSpPr>
+      <p:grpSpPr>
+        <a:xfrm>
+          <a:off x="0" y="0"/>
+          <a:ext cx="0" cy="0"/>
+          <a:chOff x="0" y="0"/>
+          <a:chExt cx="0" cy="0"/>
+        </a:xfrm>
+      </p:grpSpPr>
+      <p:sp>
+        <p:nvSpPr>
+          <p:cNvPr id="8" name="Retângulo 7">
+            <a:extLst>
+              <a:ext uri="{FF2B5EF4-FFF2-40B4-BE49-F238E27FC236}">
+                <a16:creationId xmlns:a16="http://schemas.microsoft.com/office/drawing/2014/main" xmlns="" id="{9B33DD69-1761-43D2-B589-CE56D2C4FBB6}"/>
               </a:ext>
             </a:extLst>
           </p:cNvPr>
@@ -41614,494 +44726,7 @@
           <p:cNvPr id="24" name="CaixaDeTexto 23">
             <a:extLst>
               <a:ext uri="{FF2B5EF4-FFF2-40B4-BE49-F238E27FC236}">
-                <a16:creationId xmlns="" xmlns:a16="http://schemas.microsoft.com/office/drawing/2014/main" id="{90B980A2-8D40-4C0A-9871-4FA9794F9C3D}"/>
-              </a:ext>
-            </a:extLst>
-          </p:cNvPr>
-          <p:cNvSpPr txBox="1"/>
-          <p:nvPr/>
-        </p:nvSpPr>
-        <p:spPr>
-          <a:xfrm>
-            <a:off x="1175332" y="179122"/>
-            <a:ext cx="10658859" cy="5632311"/>
-          </a:xfrm>
-          <a:prstGeom prst="rect">
-            <a:avLst/>
-          </a:prstGeom>
-          <a:noFill/>
-        </p:spPr>
-        <p:txBody>
-          <a:bodyPr wrap="square" rtlCol="0">
-            <a:spAutoFit/>
-          </a:bodyPr>
-          <a:lstStyle/>
-          <a:p>
-            <a:pPr algn="just"/>
-            <a:r>
-              <a:rPr lang="pt-BR" sz="2000" dirty="0" smtClean="0">
-                <a:solidFill>
-                  <a:schemeClr val="bg1">
-                    <a:lumMod val="95000"/>
-                    <a:lumOff val="5000"/>
-                  </a:schemeClr>
-                </a:solidFill>
-              </a:rPr>
-              <a:t>Antes de programarmos, é necessário entendermos o conceito de organização do nosso código:</a:t>
-            </a:r>
-          </a:p>
-          <a:p>
-            <a:pPr algn="just"/>
-            <a:endParaRPr lang="pt-BR" sz="2000" dirty="0">
-              <a:solidFill>
-                <a:schemeClr val="bg1">
-                  <a:lumMod val="95000"/>
-                  <a:lumOff val="5000"/>
-                </a:schemeClr>
-              </a:solidFill>
-            </a:endParaRPr>
-          </a:p>
-          <a:p>
-            <a:pPr algn="just"/>
-            <a:r>
-              <a:rPr lang="pt-BR" sz="2000" dirty="0" smtClean="0">
-                <a:solidFill>
-                  <a:schemeClr val="bg1">
-                    <a:lumMod val="95000"/>
-                    <a:lumOff val="5000"/>
-                  </a:schemeClr>
-                </a:solidFill>
-              </a:rPr>
-              <a:t>Sempre que abrirmos um </a:t>
-            </a:r>
-            <a:r>
-              <a:rPr lang="pt-BR" sz="2000" dirty="0" smtClean="0">
-                <a:solidFill>
-                  <a:srgbClr val="FF0000"/>
-                </a:solidFill>
-              </a:rPr>
-              <a:t>bloco</a:t>
-            </a:r>
-            <a:r>
-              <a:rPr lang="pt-BR" sz="2000" dirty="0" smtClean="0">
-                <a:solidFill>
-                  <a:schemeClr val="bg1">
-                    <a:lumMod val="95000"/>
-                    <a:lumOff val="5000"/>
-                  </a:schemeClr>
-                </a:solidFill>
-              </a:rPr>
-              <a:t> que receberá conteúdo, </a:t>
-            </a:r>
-            <a:r>
-              <a:rPr lang="pt-BR" sz="2000" dirty="0" smtClean="0">
-                <a:solidFill>
-                  <a:srgbClr val="FF0000"/>
-                </a:solidFill>
-              </a:rPr>
-              <a:t>dentro desse bloco damos um tab</a:t>
-            </a:r>
-            <a:r>
-              <a:rPr lang="pt-BR" sz="2000" dirty="0" smtClean="0">
-                <a:solidFill>
-                  <a:schemeClr val="bg1">
-                    <a:lumMod val="95000"/>
-                    <a:lumOff val="5000"/>
-                  </a:schemeClr>
-                </a:solidFill>
-              </a:rPr>
-              <a:t> (tecla tab) para que o código sempre esteja organizado, o próprio Visual Studio Code já nos sugere o uso do </a:t>
-            </a:r>
-            <a:r>
-              <a:rPr lang="pt-BR" sz="2000" dirty="0" smtClean="0">
-                <a:solidFill>
-                  <a:srgbClr val="FF0000"/>
-                </a:solidFill>
-              </a:rPr>
-              <a:t>tab</a:t>
-            </a:r>
-            <a:r>
-              <a:rPr lang="pt-BR" sz="2000" dirty="0" smtClean="0">
-                <a:solidFill>
-                  <a:schemeClr val="bg1">
-                    <a:lumMod val="95000"/>
-                    <a:lumOff val="5000"/>
-                  </a:schemeClr>
-                </a:solidFill>
-              </a:rPr>
-              <a:t> quando abrirmos um novo bloco de conteúdo, essa organização chamamos de </a:t>
-            </a:r>
-            <a:r>
-              <a:rPr lang="pt-BR" sz="2000" dirty="0" smtClean="0">
-                <a:solidFill>
-                  <a:srgbClr val="FF0000"/>
-                </a:solidFill>
-              </a:rPr>
-              <a:t>indentação</a:t>
-            </a:r>
-            <a:r>
-              <a:rPr lang="pt-BR" sz="2000" dirty="0" smtClean="0">
-                <a:solidFill>
-                  <a:schemeClr val="bg1">
-                    <a:lumMod val="95000"/>
-                    <a:lumOff val="5000"/>
-                  </a:schemeClr>
-                </a:solidFill>
-              </a:rPr>
-              <a:t>.</a:t>
-            </a:r>
-          </a:p>
-          <a:p>
-            <a:pPr algn="just"/>
-            <a:endParaRPr lang="pt-BR" sz="2000" dirty="0">
-              <a:solidFill>
-                <a:schemeClr val="bg1">
-                  <a:lumMod val="95000"/>
-                  <a:lumOff val="5000"/>
-                </a:schemeClr>
-              </a:solidFill>
-            </a:endParaRPr>
-          </a:p>
-          <a:p>
-            <a:pPr algn="just"/>
-            <a:endParaRPr lang="pt-BR" sz="2000" dirty="0" smtClean="0">
-              <a:solidFill>
-                <a:schemeClr val="bg1">
-                  <a:lumMod val="95000"/>
-                  <a:lumOff val="5000"/>
-                </a:schemeClr>
-              </a:solidFill>
-            </a:endParaRPr>
-          </a:p>
-          <a:p>
-            <a:pPr algn="just"/>
-            <a:endParaRPr lang="pt-BR" sz="2000" dirty="0" smtClean="0">
-              <a:solidFill>
-                <a:srgbClr val="FF0000"/>
-              </a:solidFill>
-            </a:endParaRPr>
-          </a:p>
-          <a:p>
-            <a:pPr algn="just"/>
-            <a:endParaRPr lang="pt-BR" sz="2000" dirty="0">
-              <a:solidFill>
-                <a:srgbClr val="FF0000"/>
-              </a:solidFill>
-            </a:endParaRPr>
-          </a:p>
-          <a:p>
-            <a:pPr algn="just"/>
-            <a:endParaRPr lang="pt-BR" sz="2000" dirty="0" smtClean="0">
-              <a:solidFill>
-                <a:srgbClr val="FF0000"/>
-              </a:solidFill>
-            </a:endParaRPr>
-          </a:p>
-          <a:p>
-            <a:pPr algn="just"/>
-            <a:endParaRPr lang="pt-BR" sz="2000" dirty="0">
-              <a:solidFill>
-                <a:srgbClr val="FF0000"/>
-              </a:solidFill>
-            </a:endParaRPr>
-          </a:p>
-          <a:p>
-            <a:pPr algn="just"/>
-            <a:endParaRPr lang="pt-BR" sz="2000" dirty="0" smtClean="0">
-              <a:solidFill>
-                <a:srgbClr val="FF0000"/>
-              </a:solidFill>
-            </a:endParaRPr>
-          </a:p>
-          <a:p>
-            <a:pPr algn="just"/>
-            <a:endParaRPr lang="pt-BR" sz="2000" dirty="0">
-              <a:solidFill>
-                <a:srgbClr val="FF0000"/>
-              </a:solidFill>
-            </a:endParaRPr>
-          </a:p>
-          <a:p>
-            <a:pPr algn="just"/>
-            <a:endParaRPr lang="pt-BR" sz="2000" dirty="0" smtClean="0">
-              <a:solidFill>
-                <a:srgbClr val="FF0000"/>
-              </a:solidFill>
-            </a:endParaRPr>
-          </a:p>
-          <a:p>
-            <a:pPr algn="just"/>
-            <a:endParaRPr lang="pt-BR" sz="2000" dirty="0">
-              <a:solidFill>
-                <a:srgbClr val="FF0000"/>
-              </a:solidFill>
-            </a:endParaRPr>
-          </a:p>
-          <a:p>
-            <a:pPr algn="just"/>
-            <a:endParaRPr lang="pt-BR" sz="2000" dirty="0" smtClean="0">
-              <a:solidFill>
-                <a:srgbClr val="FF0000"/>
-              </a:solidFill>
-            </a:endParaRPr>
-          </a:p>
-          <a:p>
-            <a:pPr algn="just"/>
-            <a:endParaRPr lang="pt-BR" sz="2000" dirty="0">
-              <a:solidFill>
-                <a:srgbClr val="FF0000"/>
-              </a:solidFill>
-            </a:endParaRPr>
-          </a:p>
-          <a:p>
-            <a:pPr algn="just"/>
-            <a:endParaRPr lang="pt-BR" sz="2000" dirty="0">
-              <a:solidFill>
-                <a:srgbClr val="FF0000"/>
-              </a:solidFill>
-            </a:endParaRPr>
-          </a:p>
-        </p:txBody>
-      </p:sp>
-      <p:sp>
-        <p:nvSpPr>
-          <p:cNvPr id="3" name="AutoShape 2" descr="Download Visual Studio Code - Mac, Linux, Windows"/>
-          <p:cNvSpPr>
-            <a:spLocks noChangeAspect="1" noChangeArrowheads="1"/>
-          </p:cNvSpPr>
-          <p:nvPr/>
-        </p:nvSpPr>
-        <p:spPr bwMode="auto">
-          <a:xfrm>
-            <a:off x="155575" y="-144463"/>
-            <a:ext cx="304800" cy="304801"/>
-          </a:xfrm>
-          <a:prstGeom prst="rect">
-            <a:avLst/>
-          </a:prstGeom>
-          <a:noFill/>
-          <a:extLst>
-            <a:ext uri="{909E8E84-426E-40DD-AFC4-6F175D3DCCD1}">
-              <a14:hiddenFill xmlns:a14="http://schemas.microsoft.com/office/drawing/2010/main">
-                <a:solidFill>
-                  <a:srgbClr val="FFFFFF"/>
-                </a:solidFill>
-              </a14:hiddenFill>
-            </a:ext>
-          </a:extLst>
-        </p:spPr>
-        <p:txBody>
-          <a:bodyPr vert="horz" wrap="square" lIns="91440" tIns="45720" rIns="91440" bIns="45720" numCol="1" anchor="t" anchorCtr="0" compatLnSpc="1">
-            <a:prstTxWarp prst="textNoShape">
-              <a:avLst/>
-            </a:prstTxWarp>
-          </a:bodyPr>
-          <a:lstStyle/>
-          <a:p>
-            <a:endParaRPr lang="pt-BR"/>
-          </a:p>
-        </p:txBody>
-      </p:sp>
-      <p:sp>
-        <p:nvSpPr>
-          <p:cNvPr id="4" name="AutoShape 4" descr="Download Visual Studio Code - Mac, Linux, Windows"/>
-          <p:cNvSpPr>
-            <a:spLocks noChangeAspect="1" noChangeArrowheads="1"/>
-          </p:cNvSpPr>
-          <p:nvPr/>
-        </p:nvSpPr>
-        <p:spPr bwMode="auto">
-          <a:xfrm>
-            <a:off x="307975" y="7937"/>
-            <a:ext cx="304800" cy="304801"/>
-          </a:xfrm>
-          <a:prstGeom prst="rect">
-            <a:avLst/>
-          </a:prstGeom>
-          <a:noFill/>
-          <a:extLst>
-            <a:ext uri="{909E8E84-426E-40DD-AFC4-6F175D3DCCD1}">
-              <a14:hiddenFill xmlns:a14="http://schemas.microsoft.com/office/drawing/2010/main">
-                <a:solidFill>
-                  <a:srgbClr val="FFFFFF"/>
-                </a:solidFill>
-              </a14:hiddenFill>
-            </a:ext>
-          </a:extLst>
-        </p:spPr>
-        <p:txBody>
-          <a:bodyPr vert="horz" wrap="square" lIns="91440" tIns="45720" rIns="91440" bIns="45720" numCol="1" anchor="t" anchorCtr="0" compatLnSpc="1">
-            <a:prstTxWarp prst="textNoShape">
-              <a:avLst/>
-            </a:prstTxWarp>
-          </a:bodyPr>
-          <a:lstStyle/>
-          <a:p>
-            <a:endParaRPr lang="pt-BR"/>
-          </a:p>
-        </p:txBody>
-      </p:sp>
-      <p:pic>
-        <p:nvPicPr>
-          <p:cNvPr id="4098" name="Picture 2"/>
-          <p:cNvPicPr>
-            <a:picLocks noChangeAspect="1" noChangeArrowheads="1"/>
-          </p:cNvPicPr>
-          <p:nvPr/>
-        </p:nvPicPr>
-        <p:blipFill>
-          <a:blip r:embed="rId2">
-            <a:extLst>
-              <a:ext uri="{28A0092B-C50C-407E-A947-70E740481C1C}">
-                <a14:useLocalDpi xmlns:a14="http://schemas.microsoft.com/office/drawing/2010/main" val="0"/>
-              </a:ext>
-            </a:extLst>
-          </a:blip>
-          <a:srcRect/>
-          <a:stretch>
-            <a:fillRect/>
-          </a:stretch>
-        </p:blipFill>
-        <p:spPr bwMode="auto">
-          <a:xfrm>
-            <a:off x="2095699" y="2062395"/>
-            <a:ext cx="8818124" cy="4486414"/>
-          </a:xfrm>
-          <a:prstGeom prst="rect">
-            <a:avLst/>
-          </a:prstGeom>
-          <a:noFill/>
-          <a:ln>
-            <a:noFill/>
-          </a:ln>
-          <a:effectLst/>
-          <a:extLst>
-            <a:ext uri="{909E8E84-426E-40DD-AFC4-6F175D3DCCD1}">
-              <a14:hiddenFill xmlns:a14="http://schemas.microsoft.com/office/drawing/2010/main">
-                <a:solidFill>
-                  <a:schemeClr val="accent1"/>
-                </a:solidFill>
-              </a14:hiddenFill>
-            </a:ext>
-            <a:ext uri="{91240B29-F687-4F45-9708-019B960494DF}">
-              <a14:hiddenLine xmlns:a14="http://schemas.microsoft.com/office/drawing/2010/main" w="9525">
-                <a:solidFill>
-                  <a:schemeClr val="tx1"/>
-                </a:solidFill>
-                <a:miter lim="800000"/>
-                <a:headEnd/>
-                <a:tailEnd/>
-              </a14:hiddenLine>
-            </a:ext>
-            <a:ext uri="{AF507438-7753-43E0-B8FC-AC1667EBCBE1}">
-              <a14:hiddenEffects xmlns:a14="http://schemas.microsoft.com/office/drawing/2010/main">
-                <a:effectLst>
-                  <a:outerShdw dist="35921" dir="2700000" algn="ctr" rotWithShape="0">
-                    <a:schemeClr val="bg2"/>
-                  </a:outerShdw>
-                </a:effectLst>
-              </a14:hiddenEffects>
-            </a:ext>
-          </a:extLst>
-        </p:spPr>
-      </p:pic>
-    </p:spTree>
-    <p:extLst>
-      <p:ext uri="{BB962C8B-B14F-4D97-AF65-F5344CB8AC3E}">
-        <p14:creationId xmlns:p14="http://schemas.microsoft.com/office/powerpoint/2010/main" val="3218532752"/>
-      </p:ext>
-    </p:extLst>
-  </p:cSld>
-  <p:clrMapOvr>
-    <a:masterClrMapping/>
-  </p:clrMapOvr>
-  <p:timing>
-    <p:tnLst>
-      <p:par>
-        <p:cTn id="1" dur="indefinite" restart="never" nodeType="tmRoot"/>
-      </p:par>
-    </p:tnLst>
-  </p:timing>
-</p:sld>
-</file>
-
-<file path=ppt/slides/slide8.xml><?xml version="1.0" encoding="utf-8"?>
-<p:sld xmlns:a="http://schemas.openxmlformats.org/drawingml/2006/main" xmlns:r="http://schemas.openxmlformats.org/officeDocument/2006/relationships" xmlns:p="http://schemas.openxmlformats.org/presentationml/2006/main">
-  <p:cSld>
-    <p:spTree>
-      <p:nvGrpSpPr>
-        <p:cNvPr id="1" name=""/>
-        <p:cNvGrpSpPr/>
-        <p:nvPr/>
-      </p:nvGrpSpPr>
-      <p:grpSpPr>
-        <a:xfrm>
-          <a:off x="0" y="0"/>
-          <a:ext cx="0" cy="0"/>
-          <a:chOff x="0" y="0"/>
-          <a:chExt cx="0" cy="0"/>
-        </a:xfrm>
-      </p:grpSpPr>
-      <p:sp>
-        <p:nvSpPr>
-          <p:cNvPr id="8" name="Retângulo 7">
-            <a:extLst>
-              <a:ext uri="{FF2B5EF4-FFF2-40B4-BE49-F238E27FC236}">
-                <a16:creationId xmlns="" xmlns:a16="http://schemas.microsoft.com/office/drawing/2014/main" id="{9B33DD69-1761-43D2-B589-CE56D2C4FBB6}"/>
-              </a:ext>
-            </a:extLst>
-          </p:cNvPr>
-          <p:cNvSpPr/>
-          <p:nvPr/>
-        </p:nvSpPr>
-        <p:spPr>
-          <a:xfrm>
-            <a:off x="914401" y="0"/>
-            <a:ext cx="11304103" cy="6858000"/>
-          </a:xfrm>
-          <a:prstGeom prst="rect">
-            <a:avLst/>
-          </a:prstGeom>
-          <a:solidFill>
-            <a:schemeClr val="tx1"/>
-          </a:solidFill>
-          <a:ln>
-            <a:solidFill>
-              <a:schemeClr val="tx1"/>
-            </a:solidFill>
-          </a:ln>
-        </p:spPr>
-        <p:style>
-          <a:lnRef idx="2">
-            <a:schemeClr val="accent1">
-              <a:shade val="50000"/>
-            </a:schemeClr>
-          </a:lnRef>
-          <a:fillRef idx="1">
-            <a:schemeClr val="accent1"/>
-          </a:fillRef>
-          <a:effectRef idx="0">
-            <a:schemeClr val="accent1"/>
-          </a:effectRef>
-          <a:fontRef idx="minor">
-            <a:schemeClr val="lt1"/>
-          </a:fontRef>
-        </p:style>
-        <p:txBody>
-          <a:bodyPr rtlCol="0" anchor="ctr"/>
-          <a:lstStyle/>
-          <a:p>
-            <a:pPr algn="ctr"/>
-            <a:endParaRPr lang="pt-BR" dirty="0"/>
-          </a:p>
-        </p:txBody>
-      </p:sp>
-      <p:sp>
-        <p:nvSpPr>
-          <p:cNvPr id="24" name="CaixaDeTexto 23">
-            <a:extLst>
-              <a:ext uri="{FF2B5EF4-FFF2-40B4-BE49-F238E27FC236}">
-                <a16:creationId xmlns="" xmlns:a16="http://schemas.microsoft.com/office/drawing/2014/main" id="{90B980A2-8D40-4C0A-9871-4FA9794F9C3D}"/>
+                <a16:creationId xmlns:a16="http://schemas.microsoft.com/office/drawing/2014/main" xmlns="" id="{90B980A2-8D40-4C0A-9871-4FA9794F9C3D}"/>
               </a:ext>
             </a:extLst>
           </p:cNvPr>
@@ -42631,7 +45256,7 @@
           <p:cNvPr id="2" name="Título 1">
             <a:extLst>
               <a:ext uri="{FF2B5EF4-FFF2-40B4-BE49-F238E27FC236}">
-                <a16:creationId xmlns="" xmlns:a16="http://schemas.microsoft.com/office/drawing/2014/main" id="{14AB9F69-8D24-468C-93DF-A1666924EB0C}"/>
+                <a16:creationId xmlns:a16="http://schemas.microsoft.com/office/drawing/2014/main" xmlns="" id="{14AB9F69-8D24-468C-93DF-A1666924EB0C}"/>
               </a:ext>
             </a:extLst>
           </p:cNvPr>
@@ -42662,7 +45287,7 @@
           <p:cNvPr id="3" name="Subtítulo 2">
             <a:extLst>
               <a:ext uri="{FF2B5EF4-FFF2-40B4-BE49-F238E27FC236}">
-                <a16:creationId xmlns="" xmlns:a16="http://schemas.microsoft.com/office/drawing/2014/main" id="{0E4BFB9B-D461-4F8E-B2A0-819D63FA7EC4}"/>
+                <a16:creationId xmlns:a16="http://schemas.microsoft.com/office/drawing/2014/main" xmlns="" id="{0E4BFB9B-D461-4F8E-B2A0-819D63FA7EC4}"/>
               </a:ext>
             </a:extLst>
           </p:cNvPr>
@@ -42956,7 +45581,7 @@
   <a:extraClrSchemeLst/>
   <a:extLst>
     <a:ext uri="{05A4C25C-085E-4340-85A3-A5531E510DB2}">
-      <thm15:themeFamily xmlns="" xmlns:thm15="http://schemas.microsoft.com/office/thememl/2012/main" name="Circuit" id="{0AC2F7E7-15F5-431C-B2A2-456FE929F56C}" vid="{0911B802-464C-4241-8DD9-B60FF88E379F}"/>
+      <thm15:themeFamily xmlns:thm15="http://schemas.microsoft.com/office/thememl/2012/main" xmlns="" name="Circuit" id="{0AC2F7E7-15F5-431C-B2A2-456FE929F56C}" vid="{0911B802-464C-4241-8DD9-B60FF88E379F}"/>
     </a:ext>
   </a:extLst>
 </a:theme>
